--- a/sessions/room1_15_30/azure-day-ChatBot.pptx
+++ b/sessions/room1_15_30/azure-day-ChatBot.pptx
@@ -8,20 +8,20 @@
     <p:sldMasterId id="2147483684" r:id="rId4"/>
   </p:sldMasterIdLst>
   <p:handoutMasterIdLst>
-    <p:handoutMasterId r:id="rId43"/>
+    <p:handoutMasterId r:id="rId44"/>
   </p:handoutMasterIdLst>
   <p:sldIdLst>
     <p:sldId id="256" r:id="rId5"/>
     <p:sldId id="258" r:id="rId6"/>
     <p:sldId id="264" r:id="rId7"/>
-    <p:sldId id="265" r:id="rId8"/>
-    <p:sldId id="266" r:id="rId9"/>
-    <p:sldId id="267" r:id="rId10"/>
-    <p:sldId id="268" r:id="rId11"/>
-    <p:sldId id="269" r:id="rId12"/>
-    <p:sldId id="270" r:id="rId13"/>
-    <p:sldId id="271" r:id="rId14"/>
-    <p:sldId id="272" r:id="rId15"/>
+    <p:sldId id="266" r:id="rId8"/>
+    <p:sldId id="267" r:id="rId9"/>
+    <p:sldId id="268" r:id="rId10"/>
+    <p:sldId id="269" r:id="rId11"/>
+    <p:sldId id="271" r:id="rId12"/>
+    <p:sldId id="312" r:id="rId13"/>
+    <p:sldId id="272" r:id="rId14"/>
+    <p:sldId id="270" r:id="rId15"/>
     <p:sldId id="273" r:id="rId16"/>
     <p:sldId id="274" r:id="rId17"/>
     <p:sldId id="275" r:id="rId18"/>
@@ -30,8 +30,8 @@
     <p:sldId id="292" r:id="rId21"/>
     <p:sldId id="257" r:id="rId22"/>
     <p:sldId id="296" r:id="rId23"/>
-    <p:sldId id="297" r:id="rId24"/>
-    <p:sldId id="298" r:id="rId25"/>
+    <p:sldId id="298" r:id="rId24"/>
+    <p:sldId id="297" r:id="rId25"/>
     <p:sldId id="299" r:id="rId26"/>
     <p:sldId id="300" r:id="rId27"/>
     <p:sldId id="301" r:id="rId28"/>
@@ -43,12 +43,13 @@
     <p:sldId id="305" r:id="rId34"/>
     <p:sldId id="310" r:id="rId35"/>
     <p:sldId id="295" r:id="rId36"/>
-    <p:sldId id="306" r:id="rId37"/>
-    <p:sldId id="307" r:id="rId38"/>
-    <p:sldId id="308" r:id="rId39"/>
-    <p:sldId id="261" r:id="rId40"/>
-    <p:sldId id="263" r:id="rId41"/>
-    <p:sldId id="262" r:id="rId42"/>
+    <p:sldId id="311" r:id="rId37"/>
+    <p:sldId id="306" r:id="rId38"/>
+    <p:sldId id="307" r:id="rId39"/>
+    <p:sldId id="308" r:id="rId40"/>
+    <p:sldId id="261" r:id="rId41"/>
+    <p:sldId id="263" r:id="rId42"/>
+    <p:sldId id="262" r:id="rId43"/>
   </p:sldIdLst>
   <p:sldSz cx="12192000" cy="6858000"/>
   <p:notesSz cx="6858000" cy="9144000"/>
@@ -1246,7 +1247,7 @@
           <a:p>
             <a:fld id="{CAA74DD2-8E53-470B-8646-02BB9552BE22}" type="datetimeFigureOut">
               <a:rPr lang="it-IT" smtClean="0"/>
-              <a:t>01/10/2023</a:t>
+              <a:t>02/10/2023</a:t>
             </a:fld>
             <a:endParaRPr lang="it-IT"/>
           </a:p>
@@ -1975,7 +1976,7 @@
           <a:p>
             <a:fld id="{A73219E7-05B6-4637-82E9-CF903832277D}" type="datetimeFigureOut">
               <a:rPr lang="en-US" smtClean="0"/>
-              <a:t>10/1/2023</a:t>
+              <a:t>10/2/2023</a:t>
             </a:fld>
             <a:endParaRPr lang="en-US"/>
           </a:p>
@@ -16870,246 +16871,6 @@
       </p:grpSpPr>
       <p:sp>
         <p:nvSpPr>
-          <p:cNvPr id="2" name="Content Placeholder 1">
-            <a:extLst>
-              <a:ext uri="{FF2B5EF4-FFF2-40B4-BE49-F238E27FC236}">
-                <a16:creationId xmlns:a16="http://schemas.microsoft.com/office/drawing/2014/main" id="{42CA62D9-E05B-4D35-5ABE-79B20FCB535D}"/>
-              </a:ext>
-            </a:extLst>
-          </p:cNvPr>
-          <p:cNvSpPr>
-            <a:spLocks noGrp="1"/>
-          </p:cNvSpPr>
-          <p:nvPr>
-            <p:ph idx="1"/>
-          </p:nvPr>
-        </p:nvSpPr>
-        <p:spPr/>
-        <p:txBody>
-          <a:bodyPr/>
-          <a:lstStyle/>
-          <a:p>
-            <a:r>
-              <a:rPr lang="en-US" dirty="0"/>
-              <a:t>Chat-completion api is stateless</a:t>
-            </a:r>
-          </a:p>
-          <a:p>
-            <a:pPr lvl="1"/>
-            <a:r>
-              <a:rPr lang="en-US" dirty="0"/>
-              <a:t>You need to provide as input the previous conversation </a:t>
-            </a:r>
-          </a:p>
-          <a:p>
-            <a:endParaRPr lang="en-US" dirty="0"/>
-          </a:p>
-        </p:txBody>
-      </p:sp>
-      <p:sp>
-        <p:nvSpPr>
-          <p:cNvPr id="3" name="Title 2">
-            <a:extLst>
-              <a:ext uri="{FF2B5EF4-FFF2-40B4-BE49-F238E27FC236}">
-                <a16:creationId xmlns:a16="http://schemas.microsoft.com/office/drawing/2014/main" id="{C9AA699F-59BA-40F9-05A2-2944FA58D64A}"/>
-              </a:ext>
-            </a:extLst>
-          </p:cNvPr>
-          <p:cNvSpPr>
-            <a:spLocks noGrp="1"/>
-          </p:cNvSpPr>
-          <p:nvPr>
-            <p:ph type="title"/>
-          </p:nvPr>
-        </p:nvSpPr>
-        <p:spPr/>
-        <p:txBody>
-          <a:bodyPr>
-            <a:normAutofit fontScale="90000"/>
-          </a:bodyPr>
-          <a:lstStyle/>
-          <a:p>
-            <a:r>
-              <a:rPr lang="en-US" dirty="0"/>
-              <a:t>Conversation history management</a:t>
-            </a:r>
-          </a:p>
-        </p:txBody>
-      </p:sp>
-      <p:sp>
-        <p:nvSpPr>
-          <p:cNvPr id="4" name="TextBox 3">
-            <a:extLst>
-              <a:ext uri="{FF2B5EF4-FFF2-40B4-BE49-F238E27FC236}">
-                <a16:creationId xmlns:a16="http://schemas.microsoft.com/office/drawing/2014/main" id="{543268EE-B455-CA3A-898E-13D799EBDFA6}"/>
-              </a:ext>
-            </a:extLst>
-          </p:cNvPr>
-          <p:cNvSpPr txBox="1"/>
-          <p:nvPr/>
-        </p:nvSpPr>
-        <p:spPr>
-          <a:xfrm>
-            <a:off x="1189664" y="2672239"/>
-            <a:ext cx="9154485" cy="3539430"/>
-          </a:xfrm>
-          <a:prstGeom prst="rect">
-            <a:avLst/>
-          </a:prstGeom>
-          <a:noFill/>
-        </p:spPr>
-        <p:txBody>
-          <a:bodyPr wrap="square" rtlCol="0">
-            <a:spAutoFit/>
-          </a:bodyPr>
-          <a:lstStyle/>
-          <a:p>
-            <a:r>
-              <a:rPr lang="en-US" sz="1400" b="1" dirty="0"/>
-              <a:t>Q1</a:t>
-            </a:r>
-            <a:r>
-              <a:rPr lang="en-US" sz="1400" dirty="0"/>
-              <a:t>: {"messages":     [</a:t>
-            </a:r>
-          </a:p>
-          <a:p>
-            <a:r>
-              <a:rPr lang="en-US" sz="1400" dirty="0"/>
-              <a:t>        {"role": "user", "content": "Who won second world war?"}</a:t>
-            </a:r>
-          </a:p>
-          <a:p>
-            <a:r>
-              <a:rPr lang="en-US" sz="1400" dirty="0"/>
-              <a:t>   ]</a:t>
-            </a:r>
-          </a:p>
-          <a:p>
-            <a:r>
-              <a:rPr lang="en-US" sz="1400" dirty="0"/>
-              <a:t>}</a:t>
-            </a:r>
-          </a:p>
-          <a:p>
-            <a:r>
-              <a:rPr lang="en-US" sz="1400" b="1" dirty="0"/>
-              <a:t>A1</a:t>
-            </a:r>
-            <a:r>
-              <a:rPr lang="en-US" sz="1400" dirty="0"/>
-              <a:t>: {"message": {</a:t>
-            </a:r>
-          </a:p>
-          <a:p>
-            <a:r>
-              <a:rPr lang="en-US" sz="1400" dirty="0"/>
-              <a:t>                "role": "assistant",</a:t>
-            </a:r>
-          </a:p>
-          <a:p>
-            <a:r>
-              <a:rPr lang="en-US" sz="1400" b="1" dirty="0"/>
-              <a:t>                "content": "The Allied Powers, led by the United States .."</a:t>
-            </a:r>
-          </a:p>
-          <a:p>
-            <a:r>
-              <a:rPr lang="en-US" sz="1400" dirty="0"/>
-              <a:t>            }</a:t>
-            </a:r>
-          </a:p>
-          <a:p>
-            <a:r>
-              <a:rPr lang="en-US" sz="1400" dirty="0"/>
-              <a:t>}</a:t>
-            </a:r>
-          </a:p>
-          <a:p>
-            <a:r>
-              <a:rPr lang="en-US" sz="1400" dirty="0"/>
-              <a:t>-----------------------------------------------</a:t>
-            </a:r>
-          </a:p>
-          <a:p>
-            <a:r>
-              <a:rPr lang="en-US" sz="1400" b="1" dirty="0"/>
-              <a:t>Q2</a:t>
-            </a:r>
-            <a:r>
-              <a:rPr lang="en-US" sz="1400" dirty="0"/>
-              <a:t>: {"messages":    [</a:t>
-            </a:r>
-          </a:p>
-          <a:p>
-            <a:r>
-              <a:rPr lang="en-US" sz="1400" dirty="0"/>
-              <a:t>      {"role": "user", "content": "Who won second world war?"},</a:t>
-            </a:r>
-          </a:p>
-          <a:p>
-            <a:r>
-              <a:rPr lang="en-US" sz="1400" b="1" dirty="0">
-                <a:solidFill>
-                  <a:srgbClr val="FF0000"/>
-                </a:solidFill>
-              </a:rPr>
-              <a:t>      { "role": "assistant", "content": "The Allied Powers, led by the United States .." },</a:t>
-            </a:r>
-          </a:p>
-          <a:p>
-            <a:r>
-              <a:rPr lang="en-US" sz="1400" dirty="0"/>
-              <a:t>      {"role": "user", "content": "and who lost it ?"}</a:t>
-            </a:r>
-          </a:p>
-          <a:p>
-            <a:r>
-              <a:rPr lang="en-US" sz="1400" dirty="0"/>
-              <a:t>   ]</a:t>
-            </a:r>
-            <a:br>
-              <a:rPr lang="en-US" sz="1400" dirty="0"/>
-            </a:br>
-            <a:r>
-              <a:rPr lang="en-US" sz="1400" dirty="0"/>
-              <a:t>}</a:t>
-            </a:r>
-          </a:p>
-        </p:txBody>
-      </p:sp>
-    </p:spTree>
-    <p:extLst>
-      <p:ext uri="{BB962C8B-B14F-4D97-AF65-F5344CB8AC3E}">
-        <p14:creationId xmlns:p14="http://schemas.microsoft.com/office/powerpoint/2010/main" val="2190368387"/>
-      </p:ext>
-    </p:extLst>
-  </p:cSld>
-  <p:clrMapOvr>
-    <a:masterClrMapping/>
-  </p:clrMapOvr>
-</p:sld>
-</file>
-
-<file path=ppt/slides/slide11.xml><?xml version="1.0" encoding="utf-8"?>
-<p:sld xmlns:a="http://schemas.openxmlformats.org/drawingml/2006/main" xmlns:r="http://schemas.openxmlformats.org/officeDocument/2006/relationships" xmlns:p="http://schemas.openxmlformats.org/presentationml/2006/main">
-  <p:cSld>
-    <p:spTree>
-      <p:nvGrpSpPr>
-        <p:cNvPr id="1" name=""/>
-        <p:cNvGrpSpPr/>
-        <p:nvPr/>
-      </p:nvGrpSpPr>
-      <p:grpSpPr>
-        <a:xfrm>
-          <a:off x="0" y="0"/>
-          <a:ext cx="0" cy="0"/>
-          <a:chOff x="0" y="0"/>
-          <a:chExt cx="0" cy="0"/>
-        </a:xfrm>
-      </p:grpSpPr>
-      <p:sp>
-        <p:nvSpPr>
           <p:cNvPr id="3" name="Title 2">
             <a:extLst>
               <a:ext uri="{FF2B5EF4-FFF2-40B4-BE49-F238E27FC236}">
@@ -17730,6 +17491,608 @@
   <p:clrMapOvr>
     <a:masterClrMapping/>
   </p:clrMapOvr>
+</p:sld>
+</file>
+
+<file path=ppt/slides/slide11.xml><?xml version="1.0" encoding="utf-8"?>
+<p:sld xmlns:a="http://schemas.openxmlformats.org/drawingml/2006/main" xmlns:r="http://schemas.openxmlformats.org/officeDocument/2006/relationships" xmlns:p="http://schemas.openxmlformats.org/presentationml/2006/main">
+  <p:cSld>
+    <p:spTree>
+      <p:nvGrpSpPr>
+        <p:cNvPr id="1" name=""/>
+        <p:cNvGrpSpPr/>
+        <p:nvPr/>
+      </p:nvGrpSpPr>
+      <p:grpSpPr>
+        <a:xfrm>
+          <a:off x="0" y="0"/>
+          <a:ext cx="0" cy="0"/>
+          <a:chOff x="0" y="0"/>
+          <a:chExt cx="0" cy="0"/>
+        </a:xfrm>
+      </p:grpSpPr>
+      <p:sp>
+        <p:nvSpPr>
+          <p:cNvPr id="2" name="Content Placeholder 1">
+            <a:extLst>
+              <a:ext uri="{FF2B5EF4-FFF2-40B4-BE49-F238E27FC236}">
+                <a16:creationId xmlns:a16="http://schemas.microsoft.com/office/drawing/2014/main" id="{EC31C9F9-9C3E-5A9A-6909-5C31580274EF}"/>
+              </a:ext>
+            </a:extLst>
+          </p:cNvPr>
+          <p:cNvSpPr>
+            <a:spLocks noGrp="1"/>
+          </p:cNvSpPr>
+          <p:nvPr>
+            <p:ph idx="1"/>
+          </p:nvPr>
+        </p:nvSpPr>
+        <p:spPr>
+          <a:xfrm>
+            <a:off x="576776" y="1314157"/>
+            <a:ext cx="11205922" cy="5053592"/>
+          </a:xfrm>
+        </p:spPr>
+        <p:txBody>
+          <a:bodyPr>
+            <a:normAutofit fontScale="92500" lnSpcReduction="20000"/>
+          </a:bodyPr>
+          <a:lstStyle/>
+          <a:p>
+            <a:r>
+              <a:rPr lang="en-US" dirty="0"/>
+              <a:t>Chatgpt internally "reasons" in tokens</a:t>
+            </a:r>
+          </a:p>
+          <a:p>
+            <a:pPr lvl="1"/>
+            <a:r>
+              <a:rPr lang="en-US" dirty="0"/>
+              <a:t>Tokens are related to words but are not words, roughly speaking they are syllable</a:t>
+            </a:r>
+          </a:p>
+          <a:p>
+            <a:pPr lvl="1"/>
+            <a:r>
+              <a:rPr lang="en-US" dirty="0"/>
+              <a:t>In English tokens = words * 4/3, e.g., 3k words are 4k tokens</a:t>
+            </a:r>
+          </a:p>
+          <a:p>
+            <a:r>
+              <a:rPr lang="en-US" b="1" i="1" dirty="0"/>
+              <a:t>Each model has a limit on the size of input + output tokens (and hence text)</a:t>
+            </a:r>
+          </a:p>
+          <a:p>
+            <a:r>
+              <a:rPr lang="en-US" dirty="0"/>
+              <a:t>Models </a:t>
+            </a:r>
+          </a:p>
+          <a:p>
+            <a:pPr lvl="1"/>
+            <a:r>
+              <a:rPr lang="en-US" dirty="0"/>
+              <a:t>gpt-3.5-turbo (0301/0613) : 4096</a:t>
+            </a:r>
+          </a:p>
+          <a:p>
+            <a:pPr lvl="1"/>
+            <a:r>
+              <a:rPr lang="en-US" dirty="0"/>
+              <a:t>gpt-3.5-turbo-16k (0613) : 16384</a:t>
+            </a:r>
+          </a:p>
+          <a:p>
+            <a:pPr lvl="1"/>
+            <a:r>
+              <a:rPr lang="en-US" dirty="0"/>
+              <a:t>gpt-4 (0314/0613) : 8192 </a:t>
+            </a:r>
+          </a:p>
+          <a:p>
+            <a:pPr lvl="1"/>
+            <a:r>
+              <a:rPr lang="en-US" dirty="0"/>
+              <a:t>gpt-4-32k (0314/0613) : 32768 </a:t>
+            </a:r>
+          </a:p>
+          <a:p>
+            <a:r>
+              <a:rPr lang="en-US" dirty="0"/>
+              <a:t>Api response returns input / output tokens consumed</a:t>
+            </a:r>
+          </a:p>
+          <a:p>
+            <a:r>
+              <a:rPr lang="en-US" dirty="0"/>
+              <a:t>No api endpoint to calculate them upfront </a:t>
+            </a:r>
+          </a:p>
+          <a:p>
+            <a:pPr lvl="1"/>
+            <a:r>
+              <a:rPr lang="en-US" dirty="0"/>
+              <a:t>Open AI suggests to use the </a:t>
+            </a:r>
+            <a:r>
+              <a:rPr lang="en-US" i="1" dirty="0"/>
+              <a:t>tik-token algorithm</a:t>
+            </a:r>
+          </a:p>
+          <a:p>
+            <a:pPr lvl="1"/>
+            <a:r>
+              <a:rPr lang="en-US" dirty="0"/>
+              <a:t>Libraries are available (also for .NET as </a:t>
+            </a:r>
+            <a:r>
+              <a:rPr lang="en-US" dirty="0" err="1"/>
+              <a:t>nuget</a:t>
+            </a:r>
+            <a:r>
+              <a:rPr lang="en-US" dirty="0"/>
+              <a:t> packages) to use same algorithm used by chat-completion api on server side</a:t>
+            </a:r>
+          </a:p>
+          <a:p>
+            <a:endParaRPr lang="en-US" dirty="0"/>
+          </a:p>
+        </p:txBody>
+      </p:sp>
+      <p:sp>
+        <p:nvSpPr>
+          <p:cNvPr id="3" name="Title 2">
+            <a:extLst>
+              <a:ext uri="{FF2B5EF4-FFF2-40B4-BE49-F238E27FC236}">
+                <a16:creationId xmlns:a16="http://schemas.microsoft.com/office/drawing/2014/main" id="{A372DE64-3EFA-AC3E-4611-B737780453DD}"/>
+              </a:ext>
+            </a:extLst>
+          </p:cNvPr>
+          <p:cNvSpPr>
+            <a:spLocks noGrp="1"/>
+          </p:cNvSpPr>
+          <p:nvPr>
+            <p:ph type="title"/>
+          </p:nvPr>
+        </p:nvSpPr>
+        <p:spPr/>
+        <p:txBody>
+          <a:bodyPr>
+            <a:normAutofit fontScale="90000"/>
+          </a:bodyPr>
+          <a:lstStyle/>
+          <a:p>
+            <a:r>
+              <a:rPr lang="en-US" dirty="0"/>
+              <a:t>Tokens</a:t>
+            </a:r>
+          </a:p>
+        </p:txBody>
+      </p:sp>
+    </p:spTree>
+    <p:extLst>
+      <p:ext uri="{BB962C8B-B14F-4D97-AF65-F5344CB8AC3E}">
+        <p14:creationId xmlns:p14="http://schemas.microsoft.com/office/powerpoint/2010/main" val="326859040"/>
+      </p:ext>
+    </p:extLst>
+  </p:cSld>
+  <p:clrMapOvr>
+    <a:masterClrMapping/>
+  </p:clrMapOvr>
+  <p:timing>
+    <p:tnLst>
+      <p:par>
+        <p:cTn id="1" dur="indefinite" restart="never" nodeType="tmRoot">
+          <p:childTnLst>
+            <p:seq concurrent="1" nextAc="seek">
+              <p:cTn id="2" dur="indefinite" nodeType="mainSeq">
+                <p:childTnLst>
+                  <p:par>
+                    <p:cTn id="3" fill="hold">
+                      <p:stCondLst>
+                        <p:cond delay="indefinite"/>
+                      </p:stCondLst>
+                      <p:childTnLst>
+                        <p:par>
+                          <p:cTn id="4" fill="hold">
+                            <p:stCondLst>
+                              <p:cond delay="0"/>
+                            </p:stCondLst>
+                            <p:childTnLst>
+                              <p:par>
+                                <p:cTn id="5" presetID="1" presetClass="entr" presetSubtype="0" fill="hold" nodeType="clickEffect">
+                                  <p:stCondLst>
+                                    <p:cond delay="0"/>
+                                  </p:stCondLst>
+                                  <p:childTnLst>
+                                    <p:set>
+                                      <p:cBhvr>
+                                        <p:cTn id="6" dur="1" fill="hold">
+                                          <p:stCondLst>
+                                            <p:cond delay="0"/>
+                                          </p:stCondLst>
+                                        </p:cTn>
+                                        <p:tgtEl>
+                                          <p:spTgt spid="2">
+                                            <p:txEl>
+                                              <p:pRg st="3" end="3"/>
+                                            </p:txEl>
+                                          </p:spTgt>
+                                        </p:tgtEl>
+                                        <p:attrNameLst>
+                                          <p:attrName>style.visibility</p:attrName>
+                                        </p:attrNameLst>
+                                      </p:cBhvr>
+                                      <p:to>
+                                        <p:strVal val="visible"/>
+                                      </p:to>
+                                    </p:set>
+                                  </p:childTnLst>
+                                </p:cTn>
+                              </p:par>
+                            </p:childTnLst>
+                          </p:cTn>
+                        </p:par>
+                      </p:childTnLst>
+                    </p:cTn>
+                  </p:par>
+                  <p:par>
+                    <p:cTn id="7" fill="hold">
+                      <p:stCondLst>
+                        <p:cond delay="indefinite"/>
+                      </p:stCondLst>
+                      <p:childTnLst>
+                        <p:par>
+                          <p:cTn id="8" fill="hold">
+                            <p:stCondLst>
+                              <p:cond delay="0"/>
+                            </p:stCondLst>
+                            <p:childTnLst>
+                              <p:par>
+                                <p:cTn id="9" presetID="1" presetClass="entr" presetSubtype="0" fill="hold" nodeType="clickEffect">
+                                  <p:stCondLst>
+                                    <p:cond delay="0"/>
+                                  </p:stCondLst>
+                                  <p:childTnLst>
+                                    <p:set>
+                                      <p:cBhvr>
+                                        <p:cTn id="10" dur="1" fill="hold">
+                                          <p:stCondLst>
+                                            <p:cond delay="0"/>
+                                          </p:stCondLst>
+                                        </p:cTn>
+                                        <p:tgtEl>
+                                          <p:spTgt spid="2">
+                                            <p:txEl>
+                                              <p:pRg st="4" end="4"/>
+                                            </p:txEl>
+                                          </p:spTgt>
+                                        </p:tgtEl>
+                                        <p:attrNameLst>
+                                          <p:attrName>style.visibility</p:attrName>
+                                        </p:attrNameLst>
+                                      </p:cBhvr>
+                                      <p:to>
+                                        <p:strVal val="visible"/>
+                                      </p:to>
+                                    </p:set>
+                                  </p:childTnLst>
+                                </p:cTn>
+                              </p:par>
+                              <p:par>
+                                <p:cTn id="11" presetID="1" presetClass="entr" presetSubtype="0" fill="hold" nodeType="withEffect">
+                                  <p:stCondLst>
+                                    <p:cond delay="0"/>
+                                  </p:stCondLst>
+                                  <p:childTnLst>
+                                    <p:set>
+                                      <p:cBhvr>
+                                        <p:cTn id="12" dur="1" fill="hold">
+                                          <p:stCondLst>
+                                            <p:cond delay="0"/>
+                                          </p:stCondLst>
+                                        </p:cTn>
+                                        <p:tgtEl>
+                                          <p:spTgt spid="2">
+                                            <p:txEl>
+                                              <p:pRg st="5" end="5"/>
+                                            </p:txEl>
+                                          </p:spTgt>
+                                        </p:tgtEl>
+                                        <p:attrNameLst>
+                                          <p:attrName>style.visibility</p:attrName>
+                                        </p:attrNameLst>
+                                      </p:cBhvr>
+                                      <p:to>
+                                        <p:strVal val="visible"/>
+                                      </p:to>
+                                    </p:set>
+                                  </p:childTnLst>
+                                </p:cTn>
+                              </p:par>
+                              <p:par>
+                                <p:cTn id="13" presetID="1" presetClass="entr" presetSubtype="0" fill="hold" nodeType="withEffect">
+                                  <p:stCondLst>
+                                    <p:cond delay="0"/>
+                                  </p:stCondLst>
+                                  <p:childTnLst>
+                                    <p:set>
+                                      <p:cBhvr>
+                                        <p:cTn id="14" dur="1" fill="hold">
+                                          <p:stCondLst>
+                                            <p:cond delay="0"/>
+                                          </p:stCondLst>
+                                        </p:cTn>
+                                        <p:tgtEl>
+                                          <p:spTgt spid="2">
+                                            <p:txEl>
+                                              <p:pRg st="6" end="6"/>
+                                            </p:txEl>
+                                          </p:spTgt>
+                                        </p:tgtEl>
+                                        <p:attrNameLst>
+                                          <p:attrName>style.visibility</p:attrName>
+                                        </p:attrNameLst>
+                                      </p:cBhvr>
+                                      <p:to>
+                                        <p:strVal val="visible"/>
+                                      </p:to>
+                                    </p:set>
+                                  </p:childTnLst>
+                                </p:cTn>
+                              </p:par>
+                              <p:par>
+                                <p:cTn id="15" presetID="1" presetClass="entr" presetSubtype="0" fill="hold" nodeType="withEffect">
+                                  <p:stCondLst>
+                                    <p:cond delay="0"/>
+                                  </p:stCondLst>
+                                  <p:childTnLst>
+                                    <p:set>
+                                      <p:cBhvr>
+                                        <p:cTn id="16" dur="1" fill="hold">
+                                          <p:stCondLst>
+                                            <p:cond delay="0"/>
+                                          </p:stCondLst>
+                                        </p:cTn>
+                                        <p:tgtEl>
+                                          <p:spTgt spid="2">
+                                            <p:txEl>
+                                              <p:pRg st="7" end="7"/>
+                                            </p:txEl>
+                                          </p:spTgt>
+                                        </p:tgtEl>
+                                        <p:attrNameLst>
+                                          <p:attrName>style.visibility</p:attrName>
+                                        </p:attrNameLst>
+                                      </p:cBhvr>
+                                      <p:to>
+                                        <p:strVal val="visible"/>
+                                      </p:to>
+                                    </p:set>
+                                  </p:childTnLst>
+                                </p:cTn>
+                              </p:par>
+                              <p:par>
+                                <p:cTn id="17" presetID="1" presetClass="entr" presetSubtype="0" fill="hold" nodeType="withEffect">
+                                  <p:stCondLst>
+                                    <p:cond delay="0"/>
+                                  </p:stCondLst>
+                                  <p:childTnLst>
+                                    <p:set>
+                                      <p:cBhvr>
+                                        <p:cTn id="18" dur="1" fill="hold">
+                                          <p:stCondLst>
+                                            <p:cond delay="0"/>
+                                          </p:stCondLst>
+                                        </p:cTn>
+                                        <p:tgtEl>
+                                          <p:spTgt spid="2">
+                                            <p:txEl>
+                                              <p:pRg st="8" end="8"/>
+                                            </p:txEl>
+                                          </p:spTgt>
+                                        </p:tgtEl>
+                                        <p:attrNameLst>
+                                          <p:attrName>style.visibility</p:attrName>
+                                        </p:attrNameLst>
+                                      </p:cBhvr>
+                                      <p:to>
+                                        <p:strVal val="visible"/>
+                                      </p:to>
+                                    </p:set>
+                                  </p:childTnLst>
+                                </p:cTn>
+                              </p:par>
+                            </p:childTnLst>
+                          </p:cTn>
+                        </p:par>
+                      </p:childTnLst>
+                    </p:cTn>
+                  </p:par>
+                  <p:par>
+                    <p:cTn id="19" fill="hold">
+                      <p:stCondLst>
+                        <p:cond delay="indefinite"/>
+                      </p:stCondLst>
+                      <p:childTnLst>
+                        <p:par>
+                          <p:cTn id="20" fill="hold">
+                            <p:stCondLst>
+                              <p:cond delay="0"/>
+                            </p:stCondLst>
+                            <p:childTnLst>
+                              <p:par>
+                                <p:cTn id="21" presetID="1" presetClass="entr" presetSubtype="0" fill="hold" nodeType="clickEffect">
+                                  <p:stCondLst>
+                                    <p:cond delay="0"/>
+                                  </p:stCondLst>
+                                  <p:childTnLst>
+                                    <p:set>
+                                      <p:cBhvr>
+                                        <p:cTn id="22" dur="1" fill="hold">
+                                          <p:stCondLst>
+                                            <p:cond delay="0"/>
+                                          </p:stCondLst>
+                                        </p:cTn>
+                                        <p:tgtEl>
+                                          <p:spTgt spid="2">
+                                            <p:txEl>
+                                              <p:pRg st="9" end="9"/>
+                                            </p:txEl>
+                                          </p:spTgt>
+                                        </p:tgtEl>
+                                        <p:attrNameLst>
+                                          <p:attrName>style.visibility</p:attrName>
+                                        </p:attrNameLst>
+                                      </p:cBhvr>
+                                      <p:to>
+                                        <p:strVal val="visible"/>
+                                      </p:to>
+                                    </p:set>
+                                  </p:childTnLst>
+                                </p:cTn>
+                              </p:par>
+                            </p:childTnLst>
+                          </p:cTn>
+                        </p:par>
+                      </p:childTnLst>
+                    </p:cTn>
+                  </p:par>
+                  <p:par>
+                    <p:cTn id="23" fill="hold">
+                      <p:stCondLst>
+                        <p:cond delay="indefinite"/>
+                      </p:stCondLst>
+                      <p:childTnLst>
+                        <p:par>
+                          <p:cTn id="24" fill="hold">
+                            <p:stCondLst>
+                              <p:cond delay="0"/>
+                            </p:stCondLst>
+                            <p:childTnLst>
+                              <p:par>
+                                <p:cTn id="25" presetID="1" presetClass="entr" presetSubtype="0" fill="hold" nodeType="clickEffect">
+                                  <p:stCondLst>
+                                    <p:cond delay="0"/>
+                                  </p:stCondLst>
+                                  <p:childTnLst>
+                                    <p:set>
+                                      <p:cBhvr>
+                                        <p:cTn id="26" dur="1" fill="hold">
+                                          <p:stCondLst>
+                                            <p:cond delay="0"/>
+                                          </p:stCondLst>
+                                        </p:cTn>
+                                        <p:tgtEl>
+                                          <p:spTgt spid="2">
+                                            <p:txEl>
+                                              <p:pRg st="10" end="10"/>
+                                            </p:txEl>
+                                          </p:spTgt>
+                                        </p:tgtEl>
+                                        <p:attrNameLst>
+                                          <p:attrName>style.visibility</p:attrName>
+                                        </p:attrNameLst>
+                                      </p:cBhvr>
+                                      <p:to>
+                                        <p:strVal val="visible"/>
+                                      </p:to>
+                                    </p:set>
+                                  </p:childTnLst>
+                                </p:cTn>
+                              </p:par>
+                              <p:par>
+                                <p:cTn id="27" presetID="1" presetClass="entr" presetSubtype="0" fill="hold" nodeType="withEffect">
+                                  <p:stCondLst>
+                                    <p:cond delay="0"/>
+                                  </p:stCondLst>
+                                  <p:childTnLst>
+                                    <p:set>
+                                      <p:cBhvr>
+                                        <p:cTn id="28" dur="1" fill="hold">
+                                          <p:stCondLst>
+                                            <p:cond delay="0"/>
+                                          </p:stCondLst>
+                                        </p:cTn>
+                                        <p:tgtEl>
+                                          <p:spTgt spid="2">
+                                            <p:txEl>
+                                              <p:pRg st="11" end="11"/>
+                                            </p:txEl>
+                                          </p:spTgt>
+                                        </p:tgtEl>
+                                        <p:attrNameLst>
+                                          <p:attrName>style.visibility</p:attrName>
+                                        </p:attrNameLst>
+                                      </p:cBhvr>
+                                      <p:to>
+                                        <p:strVal val="visible"/>
+                                      </p:to>
+                                    </p:set>
+                                  </p:childTnLst>
+                                </p:cTn>
+                              </p:par>
+                              <p:par>
+                                <p:cTn id="29" presetID="1" presetClass="entr" presetSubtype="0" fill="hold" nodeType="withEffect">
+                                  <p:stCondLst>
+                                    <p:cond delay="0"/>
+                                  </p:stCondLst>
+                                  <p:childTnLst>
+                                    <p:set>
+                                      <p:cBhvr>
+                                        <p:cTn id="30" dur="1" fill="hold">
+                                          <p:stCondLst>
+                                            <p:cond delay="0"/>
+                                          </p:stCondLst>
+                                        </p:cTn>
+                                        <p:tgtEl>
+                                          <p:spTgt spid="2">
+                                            <p:txEl>
+                                              <p:pRg st="12" end="12"/>
+                                            </p:txEl>
+                                          </p:spTgt>
+                                        </p:tgtEl>
+                                        <p:attrNameLst>
+                                          <p:attrName>style.visibility</p:attrName>
+                                        </p:attrNameLst>
+                                      </p:cBhvr>
+                                      <p:to>
+                                        <p:strVal val="visible"/>
+                                      </p:to>
+                                    </p:set>
+                                  </p:childTnLst>
+                                </p:cTn>
+                              </p:par>
+                            </p:childTnLst>
+                          </p:cTn>
+                        </p:par>
+                      </p:childTnLst>
+                    </p:cTn>
+                  </p:par>
+                </p:childTnLst>
+              </p:cTn>
+              <p:prevCondLst>
+                <p:cond evt="onPrev" delay="0">
+                  <p:tgtEl>
+                    <p:sldTgt/>
+                  </p:tgtEl>
+                </p:cond>
+              </p:prevCondLst>
+              <p:nextCondLst>
+                <p:cond evt="onNext" delay="0">
+                  <p:tgtEl>
+                    <p:sldTgt/>
+                  </p:tgtEl>
+                </p:cond>
+              </p:nextCondLst>
+            </p:seq>
+          </p:childTnLst>
+        </p:cTn>
+      </p:par>
+    </p:tnLst>
+  </p:timing>
 </p:sld>
 </file>
 
@@ -20751,311 +21114,6 @@
           <p:cNvPr id="2" name="Title 1">
             <a:extLst>
               <a:ext uri="{FF2B5EF4-FFF2-40B4-BE49-F238E27FC236}">
-                <a16:creationId xmlns:a16="http://schemas.microsoft.com/office/drawing/2014/main" id="{2110ADDB-B8F8-990F-4FB6-7F8EC0D98578}"/>
-              </a:ext>
-            </a:extLst>
-          </p:cNvPr>
-          <p:cNvSpPr>
-            <a:spLocks noGrp="1"/>
-          </p:cNvSpPr>
-          <p:nvPr>
-            <p:ph type="title"/>
-          </p:nvPr>
-        </p:nvSpPr>
-        <p:spPr/>
-        <p:txBody>
-          <a:bodyPr>
-            <a:normAutofit fontScale="90000"/>
-          </a:bodyPr>
-          <a:lstStyle/>
-          <a:p>
-            <a:r>
-              <a:rPr lang="en-US" dirty="0"/>
-              <a:t>Embeddings and documents storage</a:t>
-            </a:r>
-          </a:p>
-        </p:txBody>
-      </p:sp>
-      <p:sp>
-        <p:nvSpPr>
-          <p:cNvPr id="3" name="Content Placeholder 2">
-            <a:extLst>
-              <a:ext uri="{FF2B5EF4-FFF2-40B4-BE49-F238E27FC236}">
-                <a16:creationId xmlns:a16="http://schemas.microsoft.com/office/drawing/2014/main" id="{305F51F1-E2F6-DFC1-9C5A-C61C4857EE4F}"/>
-              </a:ext>
-            </a:extLst>
-          </p:cNvPr>
-          <p:cNvSpPr>
-            <a:spLocks noGrp="1"/>
-          </p:cNvSpPr>
-          <p:nvPr>
-            <p:ph idx="1"/>
-          </p:nvPr>
-        </p:nvSpPr>
-        <p:spPr>
-          <a:xfrm>
-            <a:off x="838200" y="1398494"/>
-            <a:ext cx="10515600" cy="4778469"/>
-          </a:xfrm>
-        </p:spPr>
-        <p:txBody>
-          <a:bodyPr/>
-          <a:lstStyle/>
-          <a:p>
-            <a:r>
-              <a:rPr lang="en-US" dirty="0"/>
-              <a:t>There are vectors databases that provide vector operations (cosine similarity included) out-of-the-box</a:t>
-            </a:r>
-          </a:p>
-          <a:p>
-            <a:pPr lvl="1"/>
-            <a:r>
-              <a:rPr lang="en-US" dirty="0"/>
-              <a:t>Azure Cognitive Services Vector Search (public preview)</a:t>
-            </a:r>
-          </a:p>
-          <a:p>
-            <a:pPr lvl="1"/>
-            <a:r>
-              <a:rPr lang="en-US" dirty="0" err="1"/>
-              <a:t>PineCone</a:t>
-            </a:r>
-            <a:r>
-              <a:rPr lang="en-US" dirty="0"/>
-              <a:t>, </a:t>
-            </a:r>
-            <a:r>
-              <a:rPr lang="en-US" dirty="0" err="1"/>
-              <a:t>etc</a:t>
-            </a:r>
-            <a:r>
-              <a:rPr lang="en-US" dirty="0"/>
-              <a:t> ..</a:t>
-            </a:r>
-          </a:p>
-          <a:p>
-            <a:pPr marL="0" indent="0">
-              <a:buNone/>
-            </a:pPr>
-            <a:r>
-              <a:rPr lang="en-US" sz="2400" i="1" dirty="0"/>
-              <a:t>Or</a:t>
-            </a:r>
-            <a:r>
-              <a:rPr lang="en-US" dirty="0"/>
-              <a:t> </a:t>
-            </a:r>
-          </a:p>
-          <a:p>
-            <a:r>
-              <a:rPr lang="en-US" dirty="0"/>
-              <a:t>SQL server as storage is ok to start with, and for cosine calculation </a:t>
-            </a:r>
-          </a:p>
-          <a:p>
-            <a:pPr marL="1371600" lvl="2" indent="-457200">
-              <a:buFont typeface="+mj-lt"/>
-              <a:buAutoNum type="arabicPeriod"/>
-            </a:pPr>
-            <a:r>
-              <a:rPr lang="en-US" dirty="0"/>
-              <a:t>C# in memory cosine proximity calculation, </a:t>
-            </a:r>
-            <a:br>
-              <a:rPr lang="en-US" dirty="0"/>
-            </a:br>
-            <a:r>
-              <a:rPr lang="en-US" i="1" dirty="0"/>
-              <a:t>or .. </a:t>
-            </a:r>
-          </a:p>
-          <a:p>
-            <a:pPr marL="1371600" lvl="2" indent="-457200">
-              <a:buFont typeface="+mj-lt"/>
-              <a:buAutoNum type="arabicPeriod"/>
-            </a:pPr>
-            <a:r>
-              <a:rPr lang="en-US" dirty="0"/>
-              <a:t>Have SQL do the math </a:t>
-            </a:r>
-            <a:r>
-              <a:rPr lang="en-US" dirty="0">
-                <a:hlinkClick r:id="rId2"/>
-              </a:rPr>
-              <a:t>https://devblogs.microsoft.com/azure-sql/vector-similarity-search-with-azure-sql-database-and-openai/</a:t>
-            </a:r>
-            <a:endParaRPr lang="en-US" dirty="0"/>
-          </a:p>
-          <a:p>
-            <a:pPr lvl="2"/>
-            <a:endParaRPr lang="en-US" dirty="0"/>
-          </a:p>
-          <a:p>
-            <a:pPr lvl="2"/>
-            <a:endParaRPr lang="en-US" dirty="0"/>
-          </a:p>
-          <a:p>
-            <a:endParaRPr lang="en-US" dirty="0"/>
-          </a:p>
-        </p:txBody>
-      </p:sp>
-      <p:sp>
-        <p:nvSpPr>
-          <p:cNvPr id="5" name="TextBox 4">
-            <a:extLst>
-              <a:ext uri="{FF2B5EF4-FFF2-40B4-BE49-F238E27FC236}">
-                <a16:creationId xmlns:a16="http://schemas.microsoft.com/office/drawing/2014/main" id="{C8284F31-15DD-4FB1-4884-885F84B62A85}"/>
-              </a:ext>
-            </a:extLst>
-          </p:cNvPr>
-          <p:cNvSpPr txBox="1"/>
-          <p:nvPr/>
-        </p:nvSpPr>
-        <p:spPr>
-          <a:xfrm>
-            <a:off x="4043580" y="5444358"/>
-            <a:ext cx="6097554" cy="1169551"/>
-          </a:xfrm>
-          <a:prstGeom prst="rect">
-            <a:avLst/>
-          </a:prstGeom>
-          <a:noFill/>
-          <a:ln>
-            <a:solidFill>
-              <a:srgbClr val="000000"/>
-            </a:solidFill>
-          </a:ln>
-        </p:spPr>
-        <p:txBody>
-          <a:bodyPr wrap="square">
-            <a:spAutoFit/>
-          </a:bodyPr>
-          <a:lstStyle/>
-          <a:p>
-            <a:r>
-              <a:rPr lang="en-US" sz="1400" dirty="0"/>
-              <a:t>SELECT     SUM(</a:t>
-            </a:r>
-            <a:r>
-              <a:rPr lang="en-US" sz="1400" dirty="0" err="1"/>
-              <a:t>a.value</a:t>
-            </a:r>
-            <a:r>
-              <a:rPr lang="en-US" sz="1400" dirty="0"/>
-              <a:t> * </a:t>
-            </a:r>
-            <a:r>
-              <a:rPr lang="en-US" sz="1400" dirty="0" err="1"/>
-              <a:t>b.value</a:t>
-            </a:r>
-            <a:r>
-              <a:rPr lang="en-US" sz="1400" dirty="0"/>
-              <a:t>) / (  </a:t>
-            </a:r>
-          </a:p>
-          <a:p>
-            <a:r>
-              <a:rPr lang="en-US" sz="1400" dirty="0"/>
-              <a:t>        SQRT(SUM(</a:t>
-            </a:r>
-            <a:r>
-              <a:rPr lang="en-US" sz="1400" dirty="0" err="1"/>
-              <a:t>a.value</a:t>
-            </a:r>
-            <a:r>
-              <a:rPr lang="en-US" sz="1400" dirty="0"/>
-              <a:t> * </a:t>
-            </a:r>
-            <a:r>
-              <a:rPr lang="en-US" sz="1400" dirty="0" err="1"/>
-              <a:t>a.value</a:t>
-            </a:r>
-            <a:r>
-              <a:rPr lang="en-US" sz="1400" dirty="0"/>
-              <a:t>)) * SQRT(SUM(</a:t>
-            </a:r>
-            <a:r>
-              <a:rPr lang="en-US" sz="1400" dirty="0" err="1"/>
-              <a:t>b.value</a:t>
-            </a:r>
-            <a:r>
-              <a:rPr lang="en-US" sz="1400" dirty="0"/>
-              <a:t> * </a:t>
-            </a:r>
-            <a:r>
-              <a:rPr lang="en-US" sz="1400" dirty="0" err="1"/>
-              <a:t>b.value</a:t>
-            </a:r>
-            <a:r>
-              <a:rPr lang="en-US" sz="1400" dirty="0"/>
-              <a:t>))   </a:t>
-            </a:r>
-          </a:p>
-          <a:p>
-            <a:r>
-              <a:rPr lang="en-US" sz="1400" dirty="0"/>
-              <a:t>    ) AS </a:t>
-            </a:r>
-            <a:r>
-              <a:rPr lang="en-US" sz="1400" dirty="0" err="1"/>
-              <a:t>cosine_similarity</a:t>
-            </a:r>
-            <a:endParaRPr lang="en-US" sz="1400" dirty="0"/>
-          </a:p>
-          <a:p>
-            <a:r>
-              <a:rPr lang="en-US" sz="1400" dirty="0"/>
-              <a:t>FROM</a:t>
-            </a:r>
-          </a:p>
-          <a:p>
-            <a:r>
-              <a:rPr lang="en-US" sz="1400" dirty="0"/>
-              <a:t>    </a:t>
-            </a:r>
-            <a:r>
-              <a:rPr lang="en-US" sz="1400" dirty="0" err="1"/>
-              <a:t>vectors_values</a:t>
-            </a:r>
-            <a:endParaRPr lang="en-US" sz="1400" dirty="0"/>
-          </a:p>
-        </p:txBody>
-      </p:sp>
-    </p:spTree>
-    <p:extLst>
-      <p:ext uri="{BB962C8B-B14F-4D97-AF65-F5344CB8AC3E}">
-        <p14:creationId xmlns:p14="http://schemas.microsoft.com/office/powerpoint/2010/main" val="417226894"/>
-      </p:ext>
-    </p:extLst>
-  </p:cSld>
-  <p:clrMapOvr>
-    <a:masterClrMapping/>
-  </p:clrMapOvr>
-</p:sld>
-</file>
-
-<file path=ppt/slides/slide21.xml><?xml version="1.0" encoding="utf-8"?>
-<p:sld xmlns:a="http://schemas.openxmlformats.org/drawingml/2006/main" xmlns:r="http://schemas.openxmlformats.org/officeDocument/2006/relationships" xmlns:p="http://schemas.openxmlformats.org/presentationml/2006/main">
-  <p:cSld>
-    <p:spTree>
-      <p:nvGrpSpPr>
-        <p:cNvPr id="1" name=""/>
-        <p:cNvGrpSpPr/>
-        <p:nvPr/>
-      </p:nvGrpSpPr>
-      <p:grpSpPr>
-        <a:xfrm>
-          <a:off x="0" y="0"/>
-          <a:ext cx="0" cy="0"/>
-          <a:chOff x="0" y="0"/>
-          <a:chExt cx="0" cy="0"/>
-        </a:xfrm>
-      </p:grpSpPr>
-      <p:sp>
-        <p:nvSpPr>
-          <p:cNvPr id="2" name="Title 1">
-            <a:extLst>
-              <a:ext uri="{FF2B5EF4-FFF2-40B4-BE49-F238E27FC236}">
                 <a16:creationId xmlns:a16="http://schemas.microsoft.com/office/drawing/2014/main" id="{CE7FC585-163E-6E80-9D89-3BA9386216A9}"/>
               </a:ext>
             </a:extLst>
@@ -21454,6 +21512,311 @@
       </p:par>
     </p:tnLst>
   </p:timing>
+</p:sld>
+</file>
+
+<file path=ppt/slides/slide21.xml><?xml version="1.0" encoding="utf-8"?>
+<p:sld xmlns:a="http://schemas.openxmlformats.org/drawingml/2006/main" xmlns:r="http://schemas.openxmlformats.org/officeDocument/2006/relationships" xmlns:p="http://schemas.openxmlformats.org/presentationml/2006/main">
+  <p:cSld>
+    <p:spTree>
+      <p:nvGrpSpPr>
+        <p:cNvPr id="1" name=""/>
+        <p:cNvGrpSpPr/>
+        <p:nvPr/>
+      </p:nvGrpSpPr>
+      <p:grpSpPr>
+        <a:xfrm>
+          <a:off x="0" y="0"/>
+          <a:ext cx="0" cy="0"/>
+          <a:chOff x="0" y="0"/>
+          <a:chExt cx="0" cy="0"/>
+        </a:xfrm>
+      </p:grpSpPr>
+      <p:sp>
+        <p:nvSpPr>
+          <p:cNvPr id="2" name="Title 1">
+            <a:extLst>
+              <a:ext uri="{FF2B5EF4-FFF2-40B4-BE49-F238E27FC236}">
+                <a16:creationId xmlns:a16="http://schemas.microsoft.com/office/drawing/2014/main" id="{2110ADDB-B8F8-990F-4FB6-7F8EC0D98578}"/>
+              </a:ext>
+            </a:extLst>
+          </p:cNvPr>
+          <p:cNvSpPr>
+            <a:spLocks noGrp="1"/>
+          </p:cNvSpPr>
+          <p:nvPr>
+            <p:ph type="title"/>
+          </p:nvPr>
+        </p:nvSpPr>
+        <p:spPr/>
+        <p:txBody>
+          <a:bodyPr>
+            <a:normAutofit fontScale="90000"/>
+          </a:bodyPr>
+          <a:lstStyle/>
+          <a:p>
+            <a:r>
+              <a:rPr lang="en-US" dirty="0"/>
+              <a:t>Embeddings and documents storage</a:t>
+            </a:r>
+          </a:p>
+        </p:txBody>
+      </p:sp>
+      <p:sp>
+        <p:nvSpPr>
+          <p:cNvPr id="3" name="Content Placeholder 2">
+            <a:extLst>
+              <a:ext uri="{FF2B5EF4-FFF2-40B4-BE49-F238E27FC236}">
+                <a16:creationId xmlns:a16="http://schemas.microsoft.com/office/drawing/2014/main" id="{305F51F1-E2F6-DFC1-9C5A-C61C4857EE4F}"/>
+              </a:ext>
+            </a:extLst>
+          </p:cNvPr>
+          <p:cNvSpPr>
+            <a:spLocks noGrp="1"/>
+          </p:cNvSpPr>
+          <p:nvPr>
+            <p:ph idx="1"/>
+          </p:nvPr>
+        </p:nvSpPr>
+        <p:spPr>
+          <a:xfrm>
+            <a:off x="838200" y="1398494"/>
+            <a:ext cx="10515600" cy="4778469"/>
+          </a:xfrm>
+        </p:spPr>
+        <p:txBody>
+          <a:bodyPr/>
+          <a:lstStyle/>
+          <a:p>
+            <a:r>
+              <a:rPr lang="en-US" dirty="0"/>
+              <a:t>There are vectors databases that provide vector operations (cosine similarity included) out-of-the-box</a:t>
+            </a:r>
+          </a:p>
+          <a:p>
+            <a:pPr lvl="1"/>
+            <a:r>
+              <a:rPr lang="en-US" dirty="0"/>
+              <a:t>Azure Cognitive Services Vector Search (public preview)</a:t>
+            </a:r>
+          </a:p>
+          <a:p>
+            <a:pPr lvl="1"/>
+            <a:r>
+              <a:rPr lang="en-US" dirty="0" err="1"/>
+              <a:t>PineCone</a:t>
+            </a:r>
+            <a:r>
+              <a:rPr lang="en-US" dirty="0"/>
+              <a:t>, </a:t>
+            </a:r>
+            <a:r>
+              <a:rPr lang="en-US" dirty="0" err="1"/>
+              <a:t>etc</a:t>
+            </a:r>
+            <a:r>
+              <a:rPr lang="en-US" dirty="0"/>
+              <a:t> ..</a:t>
+            </a:r>
+          </a:p>
+          <a:p>
+            <a:pPr marL="0" indent="0">
+              <a:buNone/>
+            </a:pPr>
+            <a:r>
+              <a:rPr lang="en-US" sz="2400" i="1" dirty="0"/>
+              <a:t>Or</a:t>
+            </a:r>
+            <a:r>
+              <a:rPr lang="en-US" dirty="0"/>
+              <a:t> </a:t>
+            </a:r>
+          </a:p>
+          <a:p>
+            <a:r>
+              <a:rPr lang="en-US" dirty="0"/>
+              <a:t>SQL server as storage is ok to start with, and for cosine calculation </a:t>
+            </a:r>
+          </a:p>
+          <a:p>
+            <a:pPr marL="1371600" lvl="2" indent="-457200">
+              <a:buFont typeface="+mj-lt"/>
+              <a:buAutoNum type="arabicPeriod"/>
+            </a:pPr>
+            <a:r>
+              <a:rPr lang="en-US" dirty="0"/>
+              <a:t>C# in memory cosine proximity calculation, </a:t>
+            </a:r>
+            <a:br>
+              <a:rPr lang="en-US" dirty="0"/>
+            </a:br>
+            <a:r>
+              <a:rPr lang="en-US" i="1" dirty="0"/>
+              <a:t>or .. </a:t>
+            </a:r>
+          </a:p>
+          <a:p>
+            <a:pPr marL="1371600" lvl="2" indent="-457200">
+              <a:buFont typeface="+mj-lt"/>
+              <a:buAutoNum type="arabicPeriod"/>
+            </a:pPr>
+            <a:r>
+              <a:rPr lang="en-US" dirty="0"/>
+              <a:t>Have SQL do the math </a:t>
+            </a:r>
+            <a:r>
+              <a:rPr lang="en-US" dirty="0">
+                <a:hlinkClick r:id="rId2"/>
+              </a:rPr>
+              <a:t>https://devblogs.microsoft.com/azure-sql/vector-similarity-search-with-azure-sql-database-and-openai/</a:t>
+            </a:r>
+            <a:endParaRPr lang="en-US" dirty="0"/>
+          </a:p>
+          <a:p>
+            <a:pPr lvl="2"/>
+            <a:endParaRPr lang="en-US" dirty="0"/>
+          </a:p>
+          <a:p>
+            <a:pPr lvl="2"/>
+            <a:endParaRPr lang="en-US" dirty="0"/>
+          </a:p>
+          <a:p>
+            <a:endParaRPr lang="en-US" dirty="0"/>
+          </a:p>
+        </p:txBody>
+      </p:sp>
+      <p:sp>
+        <p:nvSpPr>
+          <p:cNvPr id="5" name="TextBox 4">
+            <a:extLst>
+              <a:ext uri="{FF2B5EF4-FFF2-40B4-BE49-F238E27FC236}">
+                <a16:creationId xmlns:a16="http://schemas.microsoft.com/office/drawing/2014/main" id="{C8284F31-15DD-4FB1-4884-885F84B62A85}"/>
+              </a:ext>
+            </a:extLst>
+          </p:cNvPr>
+          <p:cNvSpPr txBox="1"/>
+          <p:nvPr/>
+        </p:nvSpPr>
+        <p:spPr>
+          <a:xfrm>
+            <a:off x="4043580" y="5444358"/>
+            <a:ext cx="6097554" cy="1169551"/>
+          </a:xfrm>
+          <a:prstGeom prst="rect">
+            <a:avLst/>
+          </a:prstGeom>
+          <a:noFill/>
+          <a:ln>
+            <a:solidFill>
+              <a:srgbClr val="000000"/>
+            </a:solidFill>
+          </a:ln>
+        </p:spPr>
+        <p:txBody>
+          <a:bodyPr wrap="square">
+            <a:spAutoFit/>
+          </a:bodyPr>
+          <a:lstStyle/>
+          <a:p>
+            <a:r>
+              <a:rPr lang="en-US" sz="1400" dirty="0"/>
+              <a:t>SELECT     SUM(</a:t>
+            </a:r>
+            <a:r>
+              <a:rPr lang="en-US" sz="1400" dirty="0" err="1"/>
+              <a:t>a.value</a:t>
+            </a:r>
+            <a:r>
+              <a:rPr lang="en-US" sz="1400" dirty="0"/>
+              <a:t> * </a:t>
+            </a:r>
+            <a:r>
+              <a:rPr lang="en-US" sz="1400" dirty="0" err="1"/>
+              <a:t>b.value</a:t>
+            </a:r>
+            <a:r>
+              <a:rPr lang="en-US" sz="1400" dirty="0"/>
+              <a:t>) / (  </a:t>
+            </a:r>
+          </a:p>
+          <a:p>
+            <a:r>
+              <a:rPr lang="en-US" sz="1400" dirty="0"/>
+              <a:t>        SQRT(SUM(</a:t>
+            </a:r>
+            <a:r>
+              <a:rPr lang="en-US" sz="1400" dirty="0" err="1"/>
+              <a:t>a.value</a:t>
+            </a:r>
+            <a:r>
+              <a:rPr lang="en-US" sz="1400" dirty="0"/>
+              <a:t> * </a:t>
+            </a:r>
+            <a:r>
+              <a:rPr lang="en-US" sz="1400" dirty="0" err="1"/>
+              <a:t>a.value</a:t>
+            </a:r>
+            <a:r>
+              <a:rPr lang="en-US" sz="1400" dirty="0"/>
+              <a:t>)) * SQRT(SUM(</a:t>
+            </a:r>
+            <a:r>
+              <a:rPr lang="en-US" sz="1400" dirty="0" err="1"/>
+              <a:t>b.value</a:t>
+            </a:r>
+            <a:r>
+              <a:rPr lang="en-US" sz="1400" dirty="0"/>
+              <a:t> * </a:t>
+            </a:r>
+            <a:r>
+              <a:rPr lang="en-US" sz="1400" dirty="0" err="1"/>
+              <a:t>b.value</a:t>
+            </a:r>
+            <a:r>
+              <a:rPr lang="en-US" sz="1400" dirty="0"/>
+              <a:t>))   </a:t>
+            </a:r>
+          </a:p>
+          <a:p>
+            <a:r>
+              <a:rPr lang="en-US" sz="1400" dirty="0"/>
+              <a:t>    ) AS </a:t>
+            </a:r>
+            <a:r>
+              <a:rPr lang="en-US" sz="1400" dirty="0" err="1"/>
+              <a:t>cosine_similarity</a:t>
+            </a:r>
+            <a:endParaRPr lang="en-US" sz="1400" dirty="0"/>
+          </a:p>
+          <a:p>
+            <a:r>
+              <a:rPr lang="en-US" sz="1400" dirty="0"/>
+              <a:t>FROM</a:t>
+            </a:r>
+          </a:p>
+          <a:p>
+            <a:r>
+              <a:rPr lang="en-US" sz="1400" dirty="0"/>
+              <a:t>    </a:t>
+            </a:r>
+            <a:r>
+              <a:rPr lang="en-US" sz="1400" dirty="0" err="1"/>
+              <a:t>vectors_values</a:t>
+            </a:r>
+            <a:endParaRPr lang="en-US" sz="1400" dirty="0"/>
+          </a:p>
+        </p:txBody>
+      </p:sp>
+    </p:spTree>
+    <p:extLst>
+      <p:ext uri="{BB962C8B-B14F-4D97-AF65-F5344CB8AC3E}">
+        <p14:creationId xmlns:p14="http://schemas.microsoft.com/office/powerpoint/2010/main" val="417226894"/>
+      </p:ext>
+    </p:extLst>
+  </p:cSld>
+  <p:clrMapOvr>
+    <a:masterClrMapping/>
+  </p:clrMapOvr>
 </p:sld>
 </file>
 
@@ -29451,123 +29814,40 @@
             <a:pPr marL="0" indent="0" algn="ctr">
               <a:buNone/>
             </a:pPr>
-            <a:r>
-              <a:rPr lang="en-US" b="1" i="1" dirty="0"/>
-              <a:t>No-Code experience to develop "your domain expert chatbot using azure open.ai" </a:t>
-            </a:r>
-          </a:p>
-          <a:p>
             <a:endParaRPr lang="en-US" dirty="0"/>
           </a:p>
-          <a:p>
-            <a:r>
-              <a:rPr lang="en-US" dirty="0"/>
-              <a:t>Exposed as an api extension of competition-chat </a:t>
-            </a:r>
-          </a:p>
-          <a:p>
-            <a:pPr lvl="1"/>
-            <a:r>
-              <a:rPr lang="en-US" b="0" i="0" dirty="0">
-                <a:solidFill>
-                  <a:srgbClr val="161616"/>
-                </a:solidFill>
-                <a:effectLst/>
-                <a:latin typeface="SFMono-Regular"/>
-              </a:rPr>
-              <a:t>YOUR_RESOURCE_NAME/</a:t>
-            </a:r>
-            <a:r>
-              <a:rPr lang="en-US" b="0" i="0" dirty="0" err="1">
-                <a:solidFill>
-                  <a:srgbClr val="161616"/>
-                </a:solidFill>
-                <a:effectLst/>
-                <a:latin typeface="SFMono-Regular"/>
-              </a:rPr>
-              <a:t>openai</a:t>
-            </a:r>
-            <a:r>
-              <a:rPr lang="en-US" b="0" i="0" dirty="0">
-                <a:solidFill>
-                  <a:srgbClr val="161616"/>
-                </a:solidFill>
-                <a:effectLst/>
-                <a:latin typeface="SFMono-Regular"/>
-              </a:rPr>
-              <a:t>/deployments/YOUR_DEPLOYMENT_NAME/</a:t>
-            </a:r>
-            <a:r>
-              <a:rPr lang="en-US" b="1" i="0" dirty="0">
-                <a:solidFill>
-                  <a:srgbClr val="161616"/>
-                </a:solidFill>
-                <a:effectLst/>
-                <a:latin typeface="SFMono-Regular"/>
-              </a:rPr>
-              <a:t>extensions</a:t>
-            </a:r>
-            <a:r>
-              <a:rPr lang="en-US" b="0" i="0" dirty="0">
-                <a:solidFill>
-                  <a:srgbClr val="161616"/>
-                </a:solidFill>
-                <a:effectLst/>
-                <a:latin typeface="SFMono-Regular"/>
-              </a:rPr>
-              <a:t>/chat/</a:t>
-            </a:r>
-            <a:r>
-              <a:rPr lang="en-US" b="0" i="0" dirty="0" err="1">
-                <a:solidFill>
-                  <a:srgbClr val="161616"/>
-                </a:solidFill>
-                <a:effectLst/>
-                <a:latin typeface="SFMono-Regular"/>
-              </a:rPr>
-              <a:t>completions?api-version</a:t>
-            </a:r>
-            <a:r>
-              <a:rPr lang="en-US" b="0" i="0" dirty="0">
-                <a:solidFill>
-                  <a:srgbClr val="161616"/>
-                </a:solidFill>
-                <a:effectLst/>
-                <a:latin typeface="SFMono-Regular"/>
-              </a:rPr>
-              <a:t>=.. </a:t>
-            </a:r>
-          </a:p>
-          <a:p>
-            <a:r>
-              <a:rPr lang="en-US" dirty="0"/>
-              <a:t>Document upload </a:t>
-            </a:r>
-          </a:p>
-          <a:p>
-            <a:pPr lvl="1"/>
-            <a:r>
-              <a:rPr lang="en-US" dirty="0"/>
-              <a:t>Automatic conversion of html, pdf, word, </a:t>
-            </a:r>
-            <a:r>
-              <a:rPr lang="en-US" dirty="0" err="1"/>
-              <a:t>etc</a:t>
-            </a:r>
-            <a:r>
-              <a:rPr lang="en-US" dirty="0"/>
-              <a:t> .. files to text files</a:t>
-            </a:r>
-          </a:p>
-          <a:p>
-            <a:pPr lvl="1"/>
-            <a:r>
-              <a:rPr lang="en-US" dirty="0"/>
-              <a:t>Splitting of docs is still under your responsibility</a:t>
-            </a:r>
-          </a:p>
-        </p:txBody>
-      </p:sp>
+        </p:txBody>
+      </p:sp>
+      <p:pic>
+        <p:nvPicPr>
+          <p:cNvPr id="5" name="Picture 4">
+            <a:extLst>
+              <a:ext uri="{FF2B5EF4-FFF2-40B4-BE49-F238E27FC236}">
+                <a16:creationId xmlns:a16="http://schemas.microsoft.com/office/drawing/2014/main" id="{898EFCAD-F3DA-BED4-A3F0-C4081F67DE8C}"/>
+              </a:ext>
+            </a:extLst>
+          </p:cNvPr>
+          <p:cNvPicPr>
+            <a:picLocks noChangeAspect="1"/>
+          </p:cNvPicPr>
+          <p:nvPr/>
+        </p:nvPicPr>
+        <p:blipFill>
+          <a:blip r:embed="rId2"/>
+          <a:stretch>
+            <a:fillRect/>
+          </a:stretch>
+        </p:blipFill>
+        <p:spPr>
+          <a:xfrm>
+            <a:off x="406732" y="1493240"/>
+            <a:ext cx="7648104" cy="4874004"/>
+          </a:xfrm>
+          <a:prstGeom prst="rect">
+            <a:avLst/>
+          </a:prstGeom>
+        </p:spPr>
+      </p:pic>
     </p:spTree>
     <p:extLst>
       <p:ext uri="{BB962C8B-B14F-4D97-AF65-F5344CB8AC3E}">
@@ -29603,7 +29883,7 @@
           <p:cNvPr id="2" name="Title 1">
             <a:extLst>
               <a:ext uri="{FF2B5EF4-FFF2-40B4-BE49-F238E27FC236}">
-                <a16:creationId xmlns:a16="http://schemas.microsoft.com/office/drawing/2014/main" id="{31A02EB9-F952-1F10-3ADD-9FBBF26A6FBB}"/>
+                <a16:creationId xmlns:a16="http://schemas.microsoft.com/office/drawing/2014/main" id="{861954B7-1571-3F3C-FDD8-81008133593A}"/>
               </a:ext>
             </a:extLst>
           </p:cNvPr>
@@ -29633,7 +29913,7 @@
           <p:cNvPr id="3" name="Content Placeholder 2">
             <a:extLst>
               <a:ext uri="{FF2B5EF4-FFF2-40B4-BE49-F238E27FC236}">
-                <a16:creationId xmlns:a16="http://schemas.microsoft.com/office/drawing/2014/main" id="{CDFE00B6-4724-2D7E-4574-7459808882B3}"/>
+                <a16:creationId xmlns:a16="http://schemas.microsoft.com/office/drawing/2014/main" id="{71C53086-3BE7-4D9A-84EB-2739C05AE2E0}"/>
               </a:ext>
             </a:extLst>
           </p:cNvPr>
@@ -29649,69 +29929,123 @@
           <a:bodyPr/>
           <a:lstStyle/>
           <a:p>
+            <a:pPr marL="0" indent="0" algn="ctr">
+              <a:buNone/>
+            </a:pPr>
+            <a:r>
+              <a:rPr lang="en-US" b="1" i="1" dirty="0"/>
+              <a:t>No-Code experience to develop "your domain expert chatbot using azure open.ai" </a:t>
+            </a:r>
+          </a:p>
+          <a:p>
+            <a:endParaRPr lang="en-US" dirty="0"/>
+          </a:p>
+          <a:p>
             <a:r>
               <a:rPr lang="en-US" dirty="0"/>
-              <a:t>Requires a storage account where documents are uploaded</a:t>
+              <a:t>Exposed as an api extension of competition-chat </a:t>
+            </a:r>
+          </a:p>
+          <a:p>
+            <a:pPr lvl="1"/>
+            <a:r>
+              <a:rPr lang="en-US" b="0" i="0" dirty="0">
+                <a:solidFill>
+                  <a:srgbClr val="161616"/>
+                </a:solidFill>
+                <a:effectLst/>
+                <a:latin typeface="SFMono-Regular"/>
+              </a:rPr>
+              <a:t>YOUR_RESOURCE_NAME/</a:t>
+            </a:r>
+            <a:r>
+              <a:rPr lang="en-US" b="0" i="0" dirty="0" err="1">
+                <a:solidFill>
+                  <a:srgbClr val="161616"/>
+                </a:solidFill>
+                <a:effectLst/>
+                <a:latin typeface="SFMono-Regular"/>
+              </a:rPr>
+              <a:t>openai</a:t>
+            </a:r>
+            <a:r>
+              <a:rPr lang="en-US" b="0" i="0" dirty="0">
+                <a:solidFill>
+                  <a:srgbClr val="161616"/>
+                </a:solidFill>
+                <a:effectLst/>
+                <a:latin typeface="SFMono-Regular"/>
+              </a:rPr>
+              <a:t>/deployments/YOUR_DEPLOYMENT_NAME/</a:t>
+            </a:r>
+            <a:r>
+              <a:rPr lang="en-US" b="1" i="0" dirty="0">
+                <a:solidFill>
+                  <a:srgbClr val="161616"/>
+                </a:solidFill>
+                <a:effectLst/>
+                <a:latin typeface="SFMono-Regular"/>
+              </a:rPr>
+              <a:t>extensions</a:t>
+            </a:r>
+            <a:r>
+              <a:rPr lang="en-US" b="0" i="0" dirty="0">
+                <a:solidFill>
+                  <a:srgbClr val="161616"/>
+                </a:solidFill>
+                <a:effectLst/>
+                <a:latin typeface="SFMono-Regular"/>
+              </a:rPr>
+              <a:t>/chat/</a:t>
+            </a:r>
+            <a:r>
+              <a:rPr lang="en-US" b="0" i="0" dirty="0" err="1">
+                <a:solidFill>
+                  <a:srgbClr val="161616"/>
+                </a:solidFill>
+                <a:effectLst/>
+                <a:latin typeface="SFMono-Regular"/>
+              </a:rPr>
+              <a:t>completions?api-version</a:t>
+            </a:r>
+            <a:r>
+              <a:rPr lang="en-US" b="0" i="0" dirty="0">
+                <a:solidFill>
+                  <a:srgbClr val="161616"/>
+                </a:solidFill>
+                <a:effectLst/>
+                <a:latin typeface="SFMono-Regular"/>
+              </a:rPr>
+              <a:t>=.. </a:t>
             </a:r>
           </a:p>
           <a:p>
             <a:r>
               <a:rPr lang="en-US" dirty="0"/>
-              <a:t>Requires an Azure Cognitive Search index</a:t>
+              <a:t>Document upload </a:t>
             </a:r>
           </a:p>
           <a:p>
             <a:pPr lvl="1"/>
             <a:r>
-              <a:rPr lang="en-US" i="1" dirty="0"/>
-              <a:t>Recently vector search (cosine proximity) has been made available</a:t>
+              <a:rPr lang="en-US" dirty="0"/>
+              <a:t>Automatic conversion of html, pdf, word, </a:t>
+            </a:r>
+            <a:r>
+              <a:rPr lang="en-US" dirty="0" err="1"/>
+              <a:t>etc</a:t>
+            </a:r>
+            <a:r>
+              <a:rPr lang="en-US" dirty="0"/>
+              <a:t> .. files to text files</a:t>
             </a:r>
           </a:p>
           <a:p>
             <a:pPr lvl="1"/>
             <a:r>
-              <a:rPr lang="en-US" i="1" dirty="0"/>
-              <a:t>Recently a persistent storage for conversation con be used (Cosmo </a:t>
-            </a:r>
-            <a:r>
-              <a:rPr lang="en-US" i="1" dirty="0" err="1"/>
-              <a:t>db</a:t>
-            </a:r>
-            <a:r>
-              <a:rPr lang="en-US" i="1" dirty="0"/>
-              <a:t>)</a:t>
-            </a:r>
-          </a:p>
-          <a:p>
-            <a:r>
               <a:rPr lang="en-US" dirty="0"/>
-              <a:t>One quick deployment as an Azure web app</a:t>
-            </a:r>
-          </a:p>
-          <a:p>
-            <a:pPr lvl="1"/>
-            <a:r>
-              <a:rPr lang="en-US" dirty="0">
-                <a:hlinkClick r:id="rId2"/>
-              </a:rPr>
-              <a:t>https://github.com/microsoft/sample-app-aoai-chatGPT</a:t>
-            </a:r>
-            <a:r>
-              <a:rPr lang="en-US" dirty="0"/>
-              <a:t> (Python code)</a:t>
-            </a:r>
-          </a:p>
-          <a:p>
-            <a:pPr lvl="1"/>
-            <a:endParaRPr lang="en-US" dirty="0"/>
-          </a:p>
-          <a:p>
-            <a:pPr lvl="1"/>
-            <a:endParaRPr lang="en-US" dirty="0">
-              <a:solidFill>
-                <a:srgbClr val="FF0000"/>
-              </a:solidFill>
-            </a:endParaRPr>
+              <a:t>Splitting of docs is still under your responsibility</a:t>
+            </a:r>
           </a:p>
           <a:p>
             <a:endParaRPr lang="en-US" dirty="0"/>
@@ -29721,7 +30055,7 @@
     </p:spTree>
     <p:extLst>
       <p:ext uri="{BB962C8B-B14F-4D97-AF65-F5344CB8AC3E}">
-        <p14:creationId xmlns:p14="http://schemas.microsoft.com/office/powerpoint/2010/main" val="1180173101"/>
+        <p14:creationId xmlns:p14="http://schemas.microsoft.com/office/powerpoint/2010/main" val="2138722998"/>
       </p:ext>
     </p:extLst>
   </p:cSld>
@@ -29753,7 +30087,7 @@
           <p:cNvPr id="2" name="Title 1">
             <a:extLst>
               <a:ext uri="{FF2B5EF4-FFF2-40B4-BE49-F238E27FC236}">
-                <a16:creationId xmlns:a16="http://schemas.microsoft.com/office/drawing/2014/main" id="{B47E380A-5264-55BA-1F11-AF322B287B84}"/>
+                <a16:creationId xmlns:a16="http://schemas.microsoft.com/office/drawing/2014/main" id="{31A02EB9-F952-1F10-3ADD-9FBBF26A6FBB}"/>
               </a:ext>
             </a:extLst>
           </p:cNvPr>
@@ -29773,13 +30107,8 @@
           <a:p>
             <a:r>
               <a:rPr lang="en-US" dirty="0"/>
-              <a:t>MS </a:t>
-            </a:r>
-            <a:r>
-              <a:rPr lang="en-US"/>
-              <a:t>Semantic Kernel</a:t>
-            </a:r>
-            <a:endParaRPr lang="en-US" dirty="0"/>
+              <a:t>Azure OpenAI on your data</a:t>
+            </a:r>
           </a:p>
         </p:txBody>
       </p:sp>
@@ -29788,7 +30117,7 @@
           <p:cNvPr id="3" name="Content Placeholder 2">
             <a:extLst>
               <a:ext uri="{FF2B5EF4-FFF2-40B4-BE49-F238E27FC236}">
-                <a16:creationId xmlns:a16="http://schemas.microsoft.com/office/drawing/2014/main" id="{5B75FCC0-BE04-32CE-D5E0-1414A6703FDE}"/>
+                <a16:creationId xmlns:a16="http://schemas.microsoft.com/office/drawing/2014/main" id="{CDFE00B6-4724-2D7E-4574-7459808882B3}"/>
               </a:ext>
             </a:extLst>
           </p:cNvPr>
@@ -29806,47 +30135,77 @@
           <a:p>
             <a:r>
               <a:rPr lang="en-US" dirty="0"/>
-              <a:t>Set of libraries in Python, Java and Net that abstract to a certain degree </a:t>
+              <a:t>Requires a storage account where documents are uploaded</a:t>
+            </a:r>
+          </a:p>
+          <a:p>
+            <a:r>
+              <a:rPr lang="en-US" dirty="0"/>
+              <a:t>Requires an Azure Cognitive Search index</a:t>
             </a:r>
           </a:p>
           <a:p>
             <a:pPr lvl="1"/>
             <a:r>
+              <a:rPr lang="en-US" i="1" dirty="0"/>
+              <a:t>Recently vector search (cosine proximity) has been made available</a:t>
+            </a:r>
+          </a:p>
+          <a:p>
+            <a:pPr lvl="1"/>
+            <a:r>
+              <a:rPr lang="en-US" i="1" dirty="0"/>
+              <a:t>Recently a persistent storage for conversation con be used (Cosmo </a:t>
+            </a:r>
+            <a:r>
+              <a:rPr lang="en-US" i="1" dirty="0" err="1"/>
+              <a:t>db</a:t>
+            </a:r>
+            <a:r>
+              <a:rPr lang="en-US" i="1" dirty="0"/>
+              <a:t>)</a:t>
+            </a:r>
+          </a:p>
+          <a:p>
+            <a:r>
               <a:rPr lang="en-US" dirty="0"/>
-              <a:t>Interaction with LLM</a:t>
+              <a:t>One quick deployment as an Azure web app</a:t>
             </a:r>
           </a:p>
           <a:p>
             <a:pPr lvl="1"/>
             <a:r>
+              <a:rPr lang="en-US" dirty="0">
+                <a:hlinkClick r:id="rId2"/>
+              </a:rPr>
+              <a:t>https://github.com/microsoft/sample-app-aoai-chatGPT</a:t>
+            </a:r>
+            <a:r>
               <a:rPr lang="en-US" dirty="0"/>
-              <a:t>Conversation management</a:t>
+              <a:t> (Python code)</a:t>
             </a:r>
           </a:p>
           <a:p>
             <a:pPr lvl="1"/>
-            <a:r>
-              <a:rPr lang="en-US" dirty="0"/>
-              <a:t>Text splitting</a:t>
-            </a:r>
+            <a:endParaRPr lang="en-US" dirty="0"/>
           </a:p>
           <a:p>
             <a:pPr lvl="1"/>
-            <a:r>
-              <a:rPr lang="en-US" dirty="0" err="1"/>
-              <a:t>etc</a:t>
-            </a:r>
-            <a:r>
-              <a:rPr lang="en-US" dirty="0"/>
-              <a:t> .. </a:t>
-            </a:r>
+            <a:endParaRPr lang="en-US" dirty="0">
+              <a:solidFill>
+                <a:srgbClr val="FF0000"/>
+              </a:solidFill>
+            </a:endParaRPr>
+          </a:p>
+          <a:p>
+            <a:endParaRPr lang="en-US" dirty="0"/>
           </a:p>
         </p:txBody>
       </p:sp>
     </p:spTree>
     <p:extLst>
       <p:ext uri="{BB962C8B-B14F-4D97-AF65-F5344CB8AC3E}">
-        <p14:creationId xmlns:p14="http://schemas.microsoft.com/office/powerpoint/2010/main" val="826998513"/>
+        <p14:creationId xmlns:p14="http://schemas.microsoft.com/office/powerpoint/2010/main" val="1180173101"/>
       </p:ext>
     </p:extLst>
   </p:cSld>
@@ -29878,7 +30237,7 @@
           <p:cNvPr id="2" name="Title 1">
             <a:extLst>
               <a:ext uri="{FF2B5EF4-FFF2-40B4-BE49-F238E27FC236}">
-                <a16:creationId xmlns:a16="http://schemas.microsoft.com/office/drawing/2014/main" id="{1B7DF310-4C4A-9F13-34B0-7D3A00C5B832}"/>
+                <a16:creationId xmlns:a16="http://schemas.microsoft.com/office/drawing/2014/main" id="{B47E380A-5264-55BA-1F11-AF322B287B84}"/>
               </a:ext>
             </a:extLst>
           </p:cNvPr>
@@ -29898,8 +30257,13 @@
           <a:p>
             <a:r>
               <a:rPr lang="en-US" dirty="0"/>
-              <a:t>Ad-hoc or out of the shelf solution, or in between (MS Semantic Kernel)</a:t>
-            </a:r>
+              <a:t>MS </a:t>
+            </a:r>
+            <a:r>
+              <a:rPr lang="en-US"/>
+              <a:t>Semantic Kernel</a:t>
+            </a:r>
+            <a:endParaRPr lang="en-US" dirty="0"/>
           </a:p>
         </p:txBody>
       </p:sp>
@@ -29908,7 +30272,7 @@
           <p:cNvPr id="3" name="Content Placeholder 2">
             <a:extLst>
               <a:ext uri="{FF2B5EF4-FFF2-40B4-BE49-F238E27FC236}">
-                <a16:creationId xmlns:a16="http://schemas.microsoft.com/office/drawing/2014/main" id="{DBD06467-3C14-1B90-9C21-74370B96C780}"/>
+                <a16:creationId xmlns:a16="http://schemas.microsoft.com/office/drawing/2014/main" id="{5B75FCC0-BE04-32CE-D5E0-1414A6703FDE}"/>
               </a:ext>
             </a:extLst>
           </p:cNvPr>
@@ -29926,40 +30290,39 @@
           <a:p>
             <a:r>
               <a:rPr lang="en-US" dirty="0"/>
-              <a:t>It depends, however now you know what is under the cover</a:t>
+              <a:t>Set of libraries in Python, Java and Net that abstract to a certain degree </a:t>
             </a:r>
           </a:p>
           <a:p>
             <a:pPr lvl="1"/>
             <a:r>
               <a:rPr lang="en-US" dirty="0"/>
-              <a:t>Embeddings</a:t>
+              <a:t>Interaction with LLM</a:t>
             </a:r>
           </a:p>
           <a:p>
             <a:pPr lvl="1"/>
             <a:r>
               <a:rPr lang="en-US" dirty="0"/>
-              <a:t>Token limits</a:t>
+              <a:t>Conversation management</a:t>
             </a:r>
           </a:p>
           <a:p>
             <a:pPr lvl="1"/>
             <a:r>
               <a:rPr lang="en-US" dirty="0"/>
-              <a:t>etc..</a:t>
-            </a:r>
-          </a:p>
-          <a:p>
+              <a:t>Text splitting</a:t>
+            </a:r>
+          </a:p>
+          <a:p>
+            <a:pPr lvl="1"/>
+            <a:r>
+              <a:rPr lang="en-US" dirty="0" err="1"/>
+              <a:t>etc</a:t>
+            </a:r>
             <a:r>
               <a:rPr lang="en-US" dirty="0"/>
-              <a:t>So that you have the knowledge to take the right decision</a:t>
-            </a:r>
-          </a:p>
-          <a:p>
-            <a:r>
-              <a:rPr lang="en-US" dirty="0"/>
-              <a:t>And this stuff applies to other LLM as well (e.g. Llama2)</a:t>
+              <a:t> .. </a:t>
             </a:r>
           </a:p>
         </p:txBody>
@@ -29967,7 +30330,7 @@
     </p:spTree>
     <p:extLst>
       <p:ext uri="{BB962C8B-B14F-4D97-AF65-F5344CB8AC3E}">
-        <p14:creationId xmlns:p14="http://schemas.microsoft.com/office/powerpoint/2010/main" val="2373690492"/>
+        <p14:creationId xmlns:p14="http://schemas.microsoft.com/office/powerpoint/2010/main" val="826998513"/>
       </p:ext>
     </p:extLst>
   </p:cSld>
@@ -29996,10 +30359,10 @@
       </p:grpSpPr>
       <p:sp>
         <p:nvSpPr>
-          <p:cNvPr id="2" name="Titolo 1">
-            <a:extLst>
-              <a:ext uri="{FF2B5EF4-FFF2-40B4-BE49-F238E27FC236}">
-                <a16:creationId xmlns:a16="http://schemas.microsoft.com/office/drawing/2014/main" id="{0E689928-B287-4F6F-9288-1DE7ADE2F318}"/>
+          <p:cNvPr id="2" name="Title 1">
+            <a:extLst>
+              <a:ext uri="{FF2B5EF4-FFF2-40B4-BE49-F238E27FC236}">
+                <a16:creationId xmlns:a16="http://schemas.microsoft.com/office/drawing/2014/main" id="{1B7DF310-4C4A-9F13-34B0-7D3A00C5B832}"/>
               </a:ext>
             </a:extLst>
           </p:cNvPr>
@@ -30017,14 +30380,78 @@
           </a:bodyPr>
           <a:lstStyle/>
           <a:p>
-            <a:endParaRPr lang="it-IT" dirty="0"/>
+            <a:r>
+              <a:rPr lang="en-US" dirty="0"/>
+              <a:t>Ad-hoc or out of the shelf solution, or in between (MS Semantic Kernel)</a:t>
+            </a:r>
+          </a:p>
+        </p:txBody>
+      </p:sp>
+      <p:sp>
+        <p:nvSpPr>
+          <p:cNvPr id="3" name="Content Placeholder 2">
+            <a:extLst>
+              <a:ext uri="{FF2B5EF4-FFF2-40B4-BE49-F238E27FC236}">
+                <a16:creationId xmlns:a16="http://schemas.microsoft.com/office/drawing/2014/main" id="{DBD06467-3C14-1B90-9C21-74370B96C780}"/>
+              </a:ext>
+            </a:extLst>
+          </p:cNvPr>
+          <p:cNvSpPr>
+            <a:spLocks noGrp="1"/>
+          </p:cNvSpPr>
+          <p:nvPr>
+            <p:ph idx="1"/>
+          </p:nvPr>
+        </p:nvSpPr>
+        <p:spPr/>
+        <p:txBody>
+          <a:bodyPr/>
+          <a:lstStyle/>
+          <a:p>
+            <a:r>
+              <a:rPr lang="en-US" dirty="0"/>
+              <a:t>It depends, however now you know what is under the cover</a:t>
+            </a:r>
+          </a:p>
+          <a:p>
+            <a:pPr lvl="1"/>
+            <a:r>
+              <a:rPr lang="en-US" dirty="0"/>
+              <a:t>Embeddings</a:t>
+            </a:r>
+          </a:p>
+          <a:p>
+            <a:pPr lvl="1"/>
+            <a:r>
+              <a:rPr lang="en-US" dirty="0"/>
+              <a:t>Token limits</a:t>
+            </a:r>
+          </a:p>
+          <a:p>
+            <a:pPr lvl="1"/>
+            <a:r>
+              <a:rPr lang="en-US" dirty="0"/>
+              <a:t>etc..</a:t>
+            </a:r>
+          </a:p>
+          <a:p>
+            <a:r>
+              <a:rPr lang="en-US" dirty="0"/>
+              <a:t>So that you have the knowledge to take the right decision</a:t>
+            </a:r>
+          </a:p>
+          <a:p>
+            <a:r>
+              <a:rPr lang="en-US" dirty="0"/>
+              <a:t>And this stuff applies to other LLM as well (e.g. Llama2)</a:t>
+            </a:r>
           </a:p>
         </p:txBody>
       </p:sp>
     </p:spTree>
     <p:extLst>
       <p:ext uri="{BB962C8B-B14F-4D97-AF65-F5344CB8AC3E}">
-        <p14:creationId xmlns:p14="http://schemas.microsoft.com/office/powerpoint/2010/main" val="3575452940"/>
+        <p14:creationId xmlns:p14="http://schemas.microsoft.com/office/powerpoint/2010/main" val="2373690492"/>
       </p:ext>
     </p:extLst>
   </p:cSld>
@@ -30053,6 +30480,63 @@
       </p:grpSpPr>
       <p:sp>
         <p:nvSpPr>
+          <p:cNvPr id="2" name="Titolo 1">
+            <a:extLst>
+              <a:ext uri="{FF2B5EF4-FFF2-40B4-BE49-F238E27FC236}">
+                <a16:creationId xmlns:a16="http://schemas.microsoft.com/office/drawing/2014/main" id="{0E689928-B287-4F6F-9288-1DE7ADE2F318}"/>
+              </a:ext>
+            </a:extLst>
+          </p:cNvPr>
+          <p:cNvSpPr>
+            <a:spLocks noGrp="1"/>
+          </p:cNvSpPr>
+          <p:nvPr>
+            <p:ph type="title"/>
+          </p:nvPr>
+        </p:nvSpPr>
+        <p:spPr/>
+        <p:txBody>
+          <a:bodyPr>
+            <a:normAutofit fontScale="90000"/>
+          </a:bodyPr>
+          <a:lstStyle/>
+          <a:p>
+            <a:endParaRPr lang="it-IT" dirty="0"/>
+          </a:p>
+        </p:txBody>
+      </p:sp>
+    </p:spTree>
+    <p:extLst>
+      <p:ext uri="{BB962C8B-B14F-4D97-AF65-F5344CB8AC3E}">
+        <p14:creationId xmlns:p14="http://schemas.microsoft.com/office/powerpoint/2010/main" val="3575452940"/>
+      </p:ext>
+    </p:extLst>
+  </p:cSld>
+  <p:clrMapOvr>
+    <a:masterClrMapping/>
+  </p:clrMapOvr>
+</p:sld>
+</file>
+
+<file path=ppt/slides/slide38.xml><?xml version="1.0" encoding="utf-8"?>
+<p:sld xmlns:a="http://schemas.openxmlformats.org/drawingml/2006/main" xmlns:r="http://schemas.openxmlformats.org/officeDocument/2006/relationships" xmlns:p="http://schemas.openxmlformats.org/presentationml/2006/main">
+  <p:cSld>
+    <p:spTree>
+      <p:nvGrpSpPr>
+        <p:cNvPr id="1" name=""/>
+        <p:cNvGrpSpPr/>
+        <p:nvPr/>
+      </p:nvGrpSpPr>
+      <p:grpSpPr>
+        <a:xfrm>
+          <a:off x="0" y="0"/>
+          <a:ext cx="0" cy="0"/>
+          <a:chOff x="0" y="0"/>
+          <a:chExt cx="0" cy="0"/>
+        </a:xfrm>
+      </p:grpSpPr>
+      <p:sp>
+        <p:nvSpPr>
           <p:cNvPr id="6" name="Segnaposto contenuto 5">
             <a:extLst>
               <a:ext uri="{FF2B5EF4-FFF2-40B4-BE49-F238E27FC236}">
@@ -30132,7 +30616,7 @@
 </p:sld>
 </file>
 
-<file path=ppt/slides/slide38.xml><?xml version="1.0" encoding="utf-8"?>
+<file path=ppt/slides/slide39.xml><?xml version="1.0" encoding="utf-8"?>
 <p:sld xmlns:a="http://schemas.openxmlformats.org/drawingml/2006/main" xmlns:r="http://schemas.openxmlformats.org/officeDocument/2006/relationships" xmlns:p="http://schemas.openxmlformats.org/presentationml/2006/main">
   <p:cSld>
     <p:spTree>
@@ -30163,146 +30647,6 @@
 </file>
 
 <file path=ppt/slides/slide4.xml><?xml version="1.0" encoding="utf-8"?>
-<p:sld xmlns:a="http://schemas.openxmlformats.org/drawingml/2006/main" xmlns:r="http://schemas.openxmlformats.org/officeDocument/2006/relationships" xmlns:p="http://schemas.openxmlformats.org/presentationml/2006/main">
-  <p:cSld>
-    <p:spTree>
-      <p:nvGrpSpPr>
-        <p:cNvPr id="1" name=""/>
-        <p:cNvGrpSpPr/>
-        <p:nvPr/>
-      </p:nvGrpSpPr>
-      <p:grpSpPr>
-        <a:xfrm>
-          <a:off x="0" y="0"/>
-          <a:ext cx="0" cy="0"/>
-          <a:chOff x="0" y="0"/>
-          <a:chExt cx="0" cy="0"/>
-        </a:xfrm>
-      </p:grpSpPr>
-      <p:sp>
-        <p:nvSpPr>
-          <p:cNvPr id="2" name="Content Placeholder 1">
-            <a:extLst>
-              <a:ext uri="{FF2B5EF4-FFF2-40B4-BE49-F238E27FC236}">
-                <a16:creationId xmlns:a16="http://schemas.microsoft.com/office/drawing/2014/main" id="{F9912559-AD49-5002-A7CE-8F445E81238A}"/>
-              </a:ext>
-            </a:extLst>
-          </p:cNvPr>
-          <p:cNvSpPr>
-            <a:spLocks noGrp="1"/>
-          </p:cNvSpPr>
-          <p:nvPr>
-            <p:ph idx="1"/>
-          </p:nvPr>
-        </p:nvSpPr>
-        <p:spPr/>
-        <p:txBody>
-          <a:bodyPr/>
-          <a:lstStyle/>
-          <a:p>
-            <a:r>
-              <a:rPr lang="en-US" dirty="0"/>
-              <a:t>A first look </a:t>
-            </a:r>
-            <a:br>
-              <a:rPr lang="en-US" dirty="0"/>
-            </a:br>
-            <a:r>
-              <a:rPr lang="en-US" dirty="0"/>
-              <a:t>using postman</a:t>
-            </a:r>
-          </a:p>
-          <a:p>
-            <a:r>
-              <a:rPr lang="en-US" dirty="0"/>
-              <a:t>Demo</a:t>
-            </a:r>
-          </a:p>
-          <a:p>
-            <a:endParaRPr lang="en-US" dirty="0"/>
-          </a:p>
-        </p:txBody>
-      </p:sp>
-      <p:sp>
-        <p:nvSpPr>
-          <p:cNvPr id="3" name="Title 2">
-            <a:extLst>
-              <a:ext uri="{FF2B5EF4-FFF2-40B4-BE49-F238E27FC236}">
-                <a16:creationId xmlns:a16="http://schemas.microsoft.com/office/drawing/2014/main" id="{5D7E3B86-50E5-5798-5837-CDF245784482}"/>
-              </a:ext>
-            </a:extLst>
-          </p:cNvPr>
-          <p:cNvSpPr>
-            <a:spLocks noGrp="1"/>
-          </p:cNvSpPr>
-          <p:nvPr>
-            <p:ph type="title"/>
-          </p:nvPr>
-        </p:nvSpPr>
-        <p:spPr/>
-        <p:txBody>
-          <a:bodyPr>
-            <a:normAutofit fontScale="90000"/>
-          </a:bodyPr>
-          <a:lstStyle/>
-          <a:p>
-            <a:r>
-              <a:rPr lang="en-US" dirty="0"/>
-              <a:t>Chat-completion rest api a first look </a:t>
-            </a:r>
-          </a:p>
-        </p:txBody>
-      </p:sp>
-      <p:pic>
-        <p:nvPicPr>
-          <p:cNvPr id="4" name="Picture 3" descr="A screenshot of a computer&#10;&#10;Description automatically generated">
-            <a:extLst>
-              <a:ext uri="{FF2B5EF4-FFF2-40B4-BE49-F238E27FC236}">
-                <a16:creationId xmlns:a16="http://schemas.microsoft.com/office/drawing/2014/main" id="{BCC60C29-D808-5A22-0085-8E1AC1A0DEBC}"/>
-              </a:ext>
-            </a:extLst>
-          </p:cNvPr>
-          <p:cNvPicPr>
-            <a:picLocks noChangeAspect="1"/>
-          </p:cNvPicPr>
-          <p:nvPr/>
-        </p:nvPicPr>
-        <p:blipFill>
-          <a:blip r:embed="rId2">
-            <a:extLst>
-              <a:ext uri="{28A0092B-C50C-407E-A947-70E740481C1C}">
-                <a14:useLocalDpi xmlns:a14="http://schemas.microsoft.com/office/drawing/2010/main" val="0"/>
-              </a:ext>
-            </a:extLst>
-          </a:blip>
-          <a:stretch>
-            <a:fillRect/>
-          </a:stretch>
-        </p:blipFill>
-        <p:spPr>
-          <a:xfrm>
-            <a:off x="3308451" y="1270453"/>
-            <a:ext cx="8831249" cy="5456918"/>
-          </a:xfrm>
-          <a:prstGeom prst="rect">
-            <a:avLst/>
-          </a:prstGeom>
-        </p:spPr>
-      </p:pic>
-    </p:spTree>
-    <p:extLst>
-      <p:ext uri="{BB962C8B-B14F-4D97-AF65-F5344CB8AC3E}">
-        <p14:creationId xmlns:p14="http://schemas.microsoft.com/office/powerpoint/2010/main" val="2155629755"/>
-      </p:ext>
-    </p:extLst>
-  </p:cSld>
-  <p:clrMapOvr>
-    <a:masterClrMapping/>
-  </p:clrMapOvr>
-</p:sld>
-</file>
-
-<file path=ppt/slides/slide5.xml><?xml version="1.0" encoding="utf-8"?>
 <p:sld xmlns:a="http://schemas.openxmlformats.org/drawingml/2006/main" xmlns:r="http://schemas.openxmlformats.org/officeDocument/2006/relationships" xmlns:p="http://schemas.openxmlformats.org/presentationml/2006/main">
   <p:cSld>
     <p:spTree>
@@ -33493,7 +33837,7 @@
 </p:sld>
 </file>
 
-<file path=ppt/slides/slide6.xml><?xml version="1.0" encoding="utf-8"?>
+<file path=ppt/slides/slide5.xml><?xml version="1.0" encoding="utf-8"?>
 <p:sld xmlns:a="http://schemas.openxmlformats.org/drawingml/2006/main" xmlns:r="http://schemas.openxmlformats.org/officeDocument/2006/relationships" xmlns:p="http://schemas.openxmlformats.org/presentationml/2006/main">
   <p:cSld>
     <p:spTree>
@@ -33981,7 +34325,7 @@
 </p:sld>
 </file>
 
-<file path=ppt/slides/slide7.xml><?xml version="1.0" encoding="utf-8"?>
+<file path=ppt/slides/slide6.xml><?xml version="1.0" encoding="utf-8"?>
 <p:sld xmlns:a="http://schemas.openxmlformats.org/drawingml/2006/main" xmlns:r="http://schemas.openxmlformats.org/officeDocument/2006/relationships" xmlns:p="http://schemas.openxmlformats.org/presentationml/2006/main">
   <p:cSld>
     <p:spTree>
@@ -34534,7 +34878,7 @@
 </p:sld>
 </file>
 
-<file path=ppt/slides/slide8.xml><?xml version="1.0" encoding="utf-8"?>
+<file path=ppt/slides/slide7.xml><?xml version="1.0" encoding="utf-8"?>
 <p:sld xmlns:a="http://schemas.openxmlformats.org/drawingml/2006/main" xmlns:r="http://schemas.openxmlformats.org/officeDocument/2006/relationships" xmlns:p="http://schemas.openxmlformats.org/presentationml/2006/main">
   <p:cSld>
     <p:spTree>
@@ -34675,6 +35019,246 @@
 </p:sld>
 </file>
 
+<file path=ppt/slides/slide8.xml><?xml version="1.0" encoding="utf-8"?>
+<p:sld xmlns:a="http://schemas.openxmlformats.org/drawingml/2006/main" xmlns:r="http://schemas.openxmlformats.org/officeDocument/2006/relationships" xmlns:p="http://schemas.openxmlformats.org/presentationml/2006/main">
+  <p:cSld>
+    <p:spTree>
+      <p:nvGrpSpPr>
+        <p:cNvPr id="1" name=""/>
+        <p:cNvGrpSpPr/>
+        <p:nvPr/>
+      </p:nvGrpSpPr>
+      <p:grpSpPr>
+        <a:xfrm>
+          <a:off x="0" y="0"/>
+          <a:ext cx="0" cy="0"/>
+          <a:chOff x="0" y="0"/>
+          <a:chExt cx="0" cy="0"/>
+        </a:xfrm>
+      </p:grpSpPr>
+      <p:sp>
+        <p:nvSpPr>
+          <p:cNvPr id="2" name="Content Placeholder 1">
+            <a:extLst>
+              <a:ext uri="{FF2B5EF4-FFF2-40B4-BE49-F238E27FC236}">
+                <a16:creationId xmlns:a16="http://schemas.microsoft.com/office/drawing/2014/main" id="{42CA62D9-E05B-4D35-5ABE-79B20FCB535D}"/>
+              </a:ext>
+            </a:extLst>
+          </p:cNvPr>
+          <p:cNvSpPr>
+            <a:spLocks noGrp="1"/>
+          </p:cNvSpPr>
+          <p:nvPr>
+            <p:ph idx="1"/>
+          </p:nvPr>
+        </p:nvSpPr>
+        <p:spPr/>
+        <p:txBody>
+          <a:bodyPr/>
+          <a:lstStyle/>
+          <a:p>
+            <a:r>
+              <a:rPr lang="en-US" dirty="0"/>
+              <a:t>Chat-completion api is stateless</a:t>
+            </a:r>
+          </a:p>
+          <a:p>
+            <a:pPr lvl="1"/>
+            <a:r>
+              <a:rPr lang="en-US" dirty="0"/>
+              <a:t>You need to provide as input the previous conversation </a:t>
+            </a:r>
+          </a:p>
+          <a:p>
+            <a:endParaRPr lang="en-US" dirty="0"/>
+          </a:p>
+        </p:txBody>
+      </p:sp>
+      <p:sp>
+        <p:nvSpPr>
+          <p:cNvPr id="3" name="Title 2">
+            <a:extLst>
+              <a:ext uri="{FF2B5EF4-FFF2-40B4-BE49-F238E27FC236}">
+                <a16:creationId xmlns:a16="http://schemas.microsoft.com/office/drawing/2014/main" id="{C9AA699F-59BA-40F9-05A2-2944FA58D64A}"/>
+              </a:ext>
+            </a:extLst>
+          </p:cNvPr>
+          <p:cNvSpPr>
+            <a:spLocks noGrp="1"/>
+          </p:cNvSpPr>
+          <p:nvPr>
+            <p:ph type="title"/>
+          </p:nvPr>
+        </p:nvSpPr>
+        <p:spPr/>
+        <p:txBody>
+          <a:bodyPr>
+            <a:normAutofit fontScale="90000"/>
+          </a:bodyPr>
+          <a:lstStyle/>
+          <a:p>
+            <a:r>
+              <a:rPr lang="en-US" dirty="0"/>
+              <a:t>Conversation history management</a:t>
+            </a:r>
+          </a:p>
+        </p:txBody>
+      </p:sp>
+      <p:sp>
+        <p:nvSpPr>
+          <p:cNvPr id="4" name="TextBox 3">
+            <a:extLst>
+              <a:ext uri="{FF2B5EF4-FFF2-40B4-BE49-F238E27FC236}">
+                <a16:creationId xmlns:a16="http://schemas.microsoft.com/office/drawing/2014/main" id="{543268EE-B455-CA3A-898E-13D799EBDFA6}"/>
+              </a:ext>
+            </a:extLst>
+          </p:cNvPr>
+          <p:cNvSpPr txBox="1"/>
+          <p:nvPr/>
+        </p:nvSpPr>
+        <p:spPr>
+          <a:xfrm>
+            <a:off x="1189664" y="2672239"/>
+            <a:ext cx="9154485" cy="3539430"/>
+          </a:xfrm>
+          <a:prstGeom prst="rect">
+            <a:avLst/>
+          </a:prstGeom>
+          <a:noFill/>
+        </p:spPr>
+        <p:txBody>
+          <a:bodyPr wrap="square" rtlCol="0">
+            <a:spAutoFit/>
+          </a:bodyPr>
+          <a:lstStyle/>
+          <a:p>
+            <a:r>
+              <a:rPr lang="en-US" sz="1400" b="1" dirty="0"/>
+              <a:t>Q1</a:t>
+            </a:r>
+            <a:r>
+              <a:rPr lang="en-US" sz="1400" dirty="0"/>
+              <a:t>: {"messages":     [</a:t>
+            </a:r>
+          </a:p>
+          <a:p>
+            <a:r>
+              <a:rPr lang="en-US" sz="1400" dirty="0"/>
+              <a:t>        {"role": "user", "content": "Who won second world war?"}</a:t>
+            </a:r>
+          </a:p>
+          <a:p>
+            <a:r>
+              <a:rPr lang="en-US" sz="1400" dirty="0"/>
+              <a:t>   ]</a:t>
+            </a:r>
+          </a:p>
+          <a:p>
+            <a:r>
+              <a:rPr lang="en-US" sz="1400" dirty="0"/>
+              <a:t>}</a:t>
+            </a:r>
+          </a:p>
+          <a:p>
+            <a:r>
+              <a:rPr lang="en-US" sz="1400" b="1" dirty="0"/>
+              <a:t>A1</a:t>
+            </a:r>
+            <a:r>
+              <a:rPr lang="en-US" sz="1400" dirty="0"/>
+              <a:t>: {"message": {</a:t>
+            </a:r>
+          </a:p>
+          <a:p>
+            <a:r>
+              <a:rPr lang="en-US" sz="1400" dirty="0"/>
+              <a:t>                "role": "assistant",</a:t>
+            </a:r>
+          </a:p>
+          <a:p>
+            <a:r>
+              <a:rPr lang="en-US" sz="1400" b="1" dirty="0"/>
+              <a:t>                "content": "The Allied Powers, led by the United States .."</a:t>
+            </a:r>
+          </a:p>
+          <a:p>
+            <a:r>
+              <a:rPr lang="en-US" sz="1400" dirty="0"/>
+              <a:t>            }</a:t>
+            </a:r>
+          </a:p>
+          <a:p>
+            <a:r>
+              <a:rPr lang="en-US" sz="1400" dirty="0"/>
+              <a:t>}</a:t>
+            </a:r>
+          </a:p>
+          <a:p>
+            <a:r>
+              <a:rPr lang="en-US" sz="1400" dirty="0"/>
+              <a:t>-----------------------------------------------</a:t>
+            </a:r>
+          </a:p>
+          <a:p>
+            <a:r>
+              <a:rPr lang="en-US" sz="1400" b="1" dirty="0"/>
+              <a:t>Q2</a:t>
+            </a:r>
+            <a:r>
+              <a:rPr lang="en-US" sz="1400" dirty="0"/>
+              <a:t>: {"messages":    [</a:t>
+            </a:r>
+          </a:p>
+          <a:p>
+            <a:r>
+              <a:rPr lang="en-US" sz="1400" dirty="0"/>
+              <a:t>      {"role": "user", "content": "Who won second world war?"},</a:t>
+            </a:r>
+          </a:p>
+          <a:p>
+            <a:r>
+              <a:rPr lang="en-US" sz="1400" b="1" dirty="0">
+                <a:solidFill>
+                  <a:srgbClr val="FF0000"/>
+                </a:solidFill>
+              </a:rPr>
+              <a:t>      { "role": "assistant", "content": "The Allied Powers, led by the United States .." },</a:t>
+            </a:r>
+          </a:p>
+          <a:p>
+            <a:r>
+              <a:rPr lang="en-US" sz="1400" dirty="0"/>
+              <a:t>      {"role": "user", "content": "and who lost it ?"}</a:t>
+            </a:r>
+          </a:p>
+          <a:p>
+            <a:r>
+              <a:rPr lang="en-US" sz="1400" dirty="0"/>
+              <a:t>   ]</a:t>
+            </a:r>
+            <a:br>
+              <a:rPr lang="en-US" sz="1400" dirty="0"/>
+            </a:br>
+            <a:r>
+              <a:rPr lang="en-US" sz="1400" dirty="0"/>
+              <a:t>}</a:t>
+            </a:r>
+          </a:p>
+        </p:txBody>
+      </p:sp>
+    </p:spTree>
+    <p:extLst>
+      <p:ext uri="{BB962C8B-B14F-4D97-AF65-F5344CB8AC3E}">
+        <p14:creationId xmlns:p14="http://schemas.microsoft.com/office/powerpoint/2010/main" val="2190368387"/>
+      </p:ext>
+    </p:extLst>
+  </p:cSld>
+  <p:clrMapOvr>
+    <a:masterClrMapping/>
+  </p:clrMapOvr>
+</p:sld>
+</file>
+
 <file path=ppt/slides/slide9.xml><?xml version="1.0" encoding="utf-8"?>
 <p:sld xmlns:a="http://schemas.openxmlformats.org/drawingml/2006/main" xmlns:r="http://schemas.openxmlformats.org/officeDocument/2006/relationships" xmlns:p="http://schemas.openxmlformats.org/presentationml/2006/main">
   <p:cSld>
@@ -34697,7 +35281,7 @@
           <p:cNvPr id="2" name="Content Placeholder 1">
             <a:extLst>
               <a:ext uri="{FF2B5EF4-FFF2-40B4-BE49-F238E27FC236}">
-                <a16:creationId xmlns:a16="http://schemas.microsoft.com/office/drawing/2014/main" id="{EC31C9F9-9C3E-5A9A-6909-5C31580274EF}"/>
+                <a16:creationId xmlns:a16="http://schemas.microsoft.com/office/drawing/2014/main" id="{616A77BF-994E-77CF-1285-8F1C72ED430E}"/>
               </a:ext>
             </a:extLst>
           </p:cNvPr>
@@ -34708,117 +35292,15 @@
             <p:ph idx="1"/>
           </p:nvPr>
         </p:nvSpPr>
-        <p:spPr>
-          <a:xfrm>
-            <a:off x="576776" y="1314157"/>
-            <a:ext cx="11205922" cy="5053592"/>
-          </a:xfrm>
-        </p:spPr>
-        <p:txBody>
-          <a:bodyPr>
-            <a:normAutofit fontScale="92500" lnSpcReduction="20000"/>
-          </a:bodyPr>
+        <p:spPr/>
+        <p:txBody>
+          <a:bodyPr/>
           <a:lstStyle/>
           <a:p>
             <a:r>
               <a:rPr lang="en-US" dirty="0"/>
-              <a:t>Chatgpt internally "reasons" in tokens</a:t>
-            </a:r>
-          </a:p>
-          <a:p>
-            <a:pPr lvl="1"/>
-            <a:r>
-              <a:rPr lang="en-US" dirty="0"/>
-              <a:t>Tokens are related to words but are not words, roughly speaking they are syllable</a:t>
-            </a:r>
-          </a:p>
-          <a:p>
-            <a:pPr lvl="1"/>
-            <a:r>
-              <a:rPr lang="en-US" dirty="0"/>
-              <a:t>In English tokens = words * 4/3, e.g., 3k words are 4k tokens</a:t>
-            </a:r>
-          </a:p>
-          <a:p>
-            <a:r>
-              <a:rPr lang="en-US" b="1" i="1" dirty="0"/>
-              <a:t>Each model has a limit on the size of input + output tokens (and hence text)</a:t>
-            </a:r>
-          </a:p>
-          <a:p>
-            <a:r>
-              <a:rPr lang="en-US" dirty="0"/>
-              <a:t>Models </a:t>
-            </a:r>
-          </a:p>
-          <a:p>
-            <a:pPr lvl="1"/>
-            <a:r>
-              <a:rPr lang="en-US" dirty="0"/>
-              <a:t>gpt-3.5-turbo (0301/0613) : 4096</a:t>
-            </a:r>
-          </a:p>
-          <a:p>
-            <a:pPr lvl="1"/>
-            <a:r>
-              <a:rPr lang="en-US" dirty="0"/>
-              <a:t>gpt-3.5-turbo-16k (0613) : 16384</a:t>
-            </a:r>
-          </a:p>
-          <a:p>
-            <a:pPr lvl="1"/>
-            <a:r>
-              <a:rPr lang="en-US" dirty="0"/>
-              <a:t>gpt-4 (0314/0613) : 8192 </a:t>
-            </a:r>
-          </a:p>
-          <a:p>
-            <a:pPr lvl="1"/>
-            <a:r>
-              <a:rPr lang="en-US" dirty="0"/>
-              <a:t>gpt-4-32k (0314/0613) : 32768 </a:t>
-            </a:r>
-          </a:p>
-          <a:p>
-            <a:r>
-              <a:rPr lang="en-US" dirty="0"/>
-              <a:t>Api response returns input / output tokens consumed</a:t>
-            </a:r>
-          </a:p>
-          <a:p>
-            <a:r>
-              <a:rPr lang="en-US" dirty="0"/>
-              <a:t>No api endpoint to calculate them upfront </a:t>
-            </a:r>
-          </a:p>
-          <a:p>
-            <a:pPr lvl="1"/>
-            <a:r>
-              <a:rPr lang="en-US" dirty="0"/>
-              <a:t>Open AI suggests to use the </a:t>
-            </a:r>
-            <a:r>
-              <a:rPr lang="en-US" i="1" dirty="0"/>
-              <a:t>tik-token algorithm</a:t>
-            </a:r>
-          </a:p>
-          <a:p>
-            <a:pPr lvl="1"/>
-            <a:r>
-              <a:rPr lang="en-US" dirty="0"/>
-              <a:t>Libraries are available (also for .NET as </a:t>
-            </a:r>
-            <a:r>
-              <a:rPr lang="en-US" dirty="0" err="1"/>
-              <a:t>nuget</a:t>
-            </a:r>
-            <a:r>
-              <a:rPr lang="en-US" dirty="0"/>
-              <a:t> packages) to use same algorithm used by chat-completion api on server side</a:t>
-            </a:r>
-          </a:p>
-          <a:p>
-            <a:endParaRPr lang="en-US" dirty="0"/>
+              <a:t>Postman demo</a:t>
+            </a:r>
           </a:p>
         </p:txBody>
       </p:sp>
@@ -34827,7 +35309,7 @@
           <p:cNvPr id="3" name="Title 2">
             <a:extLst>
               <a:ext uri="{FF2B5EF4-FFF2-40B4-BE49-F238E27FC236}">
-                <a16:creationId xmlns:a16="http://schemas.microsoft.com/office/drawing/2014/main" id="{A372DE64-3EFA-AC3E-4611-B737780453DD}"/>
+                <a16:creationId xmlns:a16="http://schemas.microsoft.com/office/drawing/2014/main" id="{96BB4F2E-C356-95C7-5949-F68B1C035801}"/>
               </a:ext>
             </a:extLst>
           </p:cNvPr>
@@ -34840,440 +35322,23 @@
         </p:nvSpPr>
         <p:spPr/>
         <p:txBody>
-          <a:bodyPr>
-            <a:normAutofit fontScale="90000"/>
-          </a:bodyPr>
+          <a:bodyPr/>
           <a:lstStyle/>
           <a:p>
-            <a:r>
-              <a:rPr lang="en-US" dirty="0"/>
-              <a:t>Tokens</a:t>
-            </a:r>
+            <a:endParaRPr lang="en-US"/>
           </a:p>
         </p:txBody>
       </p:sp>
     </p:spTree>
     <p:extLst>
       <p:ext uri="{BB962C8B-B14F-4D97-AF65-F5344CB8AC3E}">
-        <p14:creationId xmlns:p14="http://schemas.microsoft.com/office/powerpoint/2010/main" val="326859040"/>
+        <p14:creationId xmlns:p14="http://schemas.microsoft.com/office/powerpoint/2010/main" val="1693299563"/>
       </p:ext>
     </p:extLst>
   </p:cSld>
   <p:clrMapOvr>
     <a:masterClrMapping/>
   </p:clrMapOvr>
-  <p:timing>
-    <p:tnLst>
-      <p:par>
-        <p:cTn id="1" dur="indefinite" restart="never" nodeType="tmRoot">
-          <p:childTnLst>
-            <p:seq concurrent="1" nextAc="seek">
-              <p:cTn id="2" dur="indefinite" nodeType="mainSeq">
-                <p:childTnLst>
-                  <p:par>
-                    <p:cTn id="3" fill="hold">
-                      <p:stCondLst>
-                        <p:cond delay="indefinite"/>
-                      </p:stCondLst>
-                      <p:childTnLst>
-                        <p:par>
-                          <p:cTn id="4" fill="hold">
-                            <p:stCondLst>
-                              <p:cond delay="0"/>
-                            </p:stCondLst>
-                            <p:childTnLst>
-                              <p:par>
-                                <p:cTn id="5" presetID="1" presetClass="entr" presetSubtype="0" fill="hold" nodeType="clickEffect">
-                                  <p:stCondLst>
-                                    <p:cond delay="0"/>
-                                  </p:stCondLst>
-                                  <p:childTnLst>
-                                    <p:set>
-                                      <p:cBhvr>
-                                        <p:cTn id="6" dur="1" fill="hold">
-                                          <p:stCondLst>
-                                            <p:cond delay="0"/>
-                                          </p:stCondLst>
-                                        </p:cTn>
-                                        <p:tgtEl>
-                                          <p:spTgt spid="2">
-                                            <p:txEl>
-                                              <p:pRg st="3" end="3"/>
-                                            </p:txEl>
-                                          </p:spTgt>
-                                        </p:tgtEl>
-                                        <p:attrNameLst>
-                                          <p:attrName>style.visibility</p:attrName>
-                                        </p:attrNameLst>
-                                      </p:cBhvr>
-                                      <p:to>
-                                        <p:strVal val="visible"/>
-                                      </p:to>
-                                    </p:set>
-                                  </p:childTnLst>
-                                </p:cTn>
-                              </p:par>
-                            </p:childTnLst>
-                          </p:cTn>
-                        </p:par>
-                      </p:childTnLst>
-                    </p:cTn>
-                  </p:par>
-                  <p:par>
-                    <p:cTn id="7" fill="hold">
-                      <p:stCondLst>
-                        <p:cond delay="indefinite"/>
-                      </p:stCondLst>
-                      <p:childTnLst>
-                        <p:par>
-                          <p:cTn id="8" fill="hold">
-                            <p:stCondLst>
-                              <p:cond delay="0"/>
-                            </p:stCondLst>
-                            <p:childTnLst>
-                              <p:par>
-                                <p:cTn id="9" presetID="1" presetClass="entr" presetSubtype="0" fill="hold" nodeType="clickEffect">
-                                  <p:stCondLst>
-                                    <p:cond delay="0"/>
-                                  </p:stCondLst>
-                                  <p:childTnLst>
-                                    <p:set>
-                                      <p:cBhvr>
-                                        <p:cTn id="10" dur="1" fill="hold">
-                                          <p:stCondLst>
-                                            <p:cond delay="0"/>
-                                          </p:stCondLst>
-                                        </p:cTn>
-                                        <p:tgtEl>
-                                          <p:spTgt spid="2">
-                                            <p:txEl>
-                                              <p:pRg st="4" end="4"/>
-                                            </p:txEl>
-                                          </p:spTgt>
-                                        </p:tgtEl>
-                                        <p:attrNameLst>
-                                          <p:attrName>style.visibility</p:attrName>
-                                        </p:attrNameLst>
-                                      </p:cBhvr>
-                                      <p:to>
-                                        <p:strVal val="visible"/>
-                                      </p:to>
-                                    </p:set>
-                                  </p:childTnLst>
-                                </p:cTn>
-                              </p:par>
-                              <p:par>
-                                <p:cTn id="11" presetID="1" presetClass="entr" presetSubtype="0" fill="hold" nodeType="withEffect">
-                                  <p:stCondLst>
-                                    <p:cond delay="0"/>
-                                  </p:stCondLst>
-                                  <p:childTnLst>
-                                    <p:set>
-                                      <p:cBhvr>
-                                        <p:cTn id="12" dur="1" fill="hold">
-                                          <p:stCondLst>
-                                            <p:cond delay="0"/>
-                                          </p:stCondLst>
-                                        </p:cTn>
-                                        <p:tgtEl>
-                                          <p:spTgt spid="2">
-                                            <p:txEl>
-                                              <p:pRg st="5" end="5"/>
-                                            </p:txEl>
-                                          </p:spTgt>
-                                        </p:tgtEl>
-                                        <p:attrNameLst>
-                                          <p:attrName>style.visibility</p:attrName>
-                                        </p:attrNameLst>
-                                      </p:cBhvr>
-                                      <p:to>
-                                        <p:strVal val="visible"/>
-                                      </p:to>
-                                    </p:set>
-                                  </p:childTnLst>
-                                </p:cTn>
-                              </p:par>
-                              <p:par>
-                                <p:cTn id="13" presetID="1" presetClass="entr" presetSubtype="0" fill="hold" nodeType="withEffect">
-                                  <p:stCondLst>
-                                    <p:cond delay="0"/>
-                                  </p:stCondLst>
-                                  <p:childTnLst>
-                                    <p:set>
-                                      <p:cBhvr>
-                                        <p:cTn id="14" dur="1" fill="hold">
-                                          <p:stCondLst>
-                                            <p:cond delay="0"/>
-                                          </p:stCondLst>
-                                        </p:cTn>
-                                        <p:tgtEl>
-                                          <p:spTgt spid="2">
-                                            <p:txEl>
-                                              <p:pRg st="6" end="6"/>
-                                            </p:txEl>
-                                          </p:spTgt>
-                                        </p:tgtEl>
-                                        <p:attrNameLst>
-                                          <p:attrName>style.visibility</p:attrName>
-                                        </p:attrNameLst>
-                                      </p:cBhvr>
-                                      <p:to>
-                                        <p:strVal val="visible"/>
-                                      </p:to>
-                                    </p:set>
-                                  </p:childTnLst>
-                                </p:cTn>
-                              </p:par>
-                              <p:par>
-                                <p:cTn id="15" presetID="1" presetClass="entr" presetSubtype="0" fill="hold" nodeType="withEffect">
-                                  <p:stCondLst>
-                                    <p:cond delay="0"/>
-                                  </p:stCondLst>
-                                  <p:childTnLst>
-                                    <p:set>
-                                      <p:cBhvr>
-                                        <p:cTn id="16" dur="1" fill="hold">
-                                          <p:stCondLst>
-                                            <p:cond delay="0"/>
-                                          </p:stCondLst>
-                                        </p:cTn>
-                                        <p:tgtEl>
-                                          <p:spTgt spid="2">
-                                            <p:txEl>
-                                              <p:pRg st="7" end="7"/>
-                                            </p:txEl>
-                                          </p:spTgt>
-                                        </p:tgtEl>
-                                        <p:attrNameLst>
-                                          <p:attrName>style.visibility</p:attrName>
-                                        </p:attrNameLst>
-                                      </p:cBhvr>
-                                      <p:to>
-                                        <p:strVal val="visible"/>
-                                      </p:to>
-                                    </p:set>
-                                  </p:childTnLst>
-                                </p:cTn>
-                              </p:par>
-                              <p:par>
-                                <p:cTn id="17" presetID="1" presetClass="entr" presetSubtype="0" fill="hold" nodeType="withEffect">
-                                  <p:stCondLst>
-                                    <p:cond delay="0"/>
-                                  </p:stCondLst>
-                                  <p:childTnLst>
-                                    <p:set>
-                                      <p:cBhvr>
-                                        <p:cTn id="18" dur="1" fill="hold">
-                                          <p:stCondLst>
-                                            <p:cond delay="0"/>
-                                          </p:stCondLst>
-                                        </p:cTn>
-                                        <p:tgtEl>
-                                          <p:spTgt spid="2">
-                                            <p:txEl>
-                                              <p:pRg st="8" end="8"/>
-                                            </p:txEl>
-                                          </p:spTgt>
-                                        </p:tgtEl>
-                                        <p:attrNameLst>
-                                          <p:attrName>style.visibility</p:attrName>
-                                        </p:attrNameLst>
-                                      </p:cBhvr>
-                                      <p:to>
-                                        <p:strVal val="visible"/>
-                                      </p:to>
-                                    </p:set>
-                                  </p:childTnLst>
-                                </p:cTn>
-                              </p:par>
-                            </p:childTnLst>
-                          </p:cTn>
-                        </p:par>
-                      </p:childTnLst>
-                    </p:cTn>
-                  </p:par>
-                  <p:par>
-                    <p:cTn id="19" fill="hold">
-                      <p:stCondLst>
-                        <p:cond delay="indefinite"/>
-                      </p:stCondLst>
-                      <p:childTnLst>
-                        <p:par>
-                          <p:cTn id="20" fill="hold">
-                            <p:stCondLst>
-                              <p:cond delay="0"/>
-                            </p:stCondLst>
-                            <p:childTnLst>
-                              <p:par>
-                                <p:cTn id="21" presetID="1" presetClass="entr" presetSubtype="0" fill="hold" nodeType="clickEffect">
-                                  <p:stCondLst>
-                                    <p:cond delay="0"/>
-                                  </p:stCondLst>
-                                  <p:childTnLst>
-                                    <p:set>
-                                      <p:cBhvr>
-                                        <p:cTn id="22" dur="1" fill="hold">
-                                          <p:stCondLst>
-                                            <p:cond delay="0"/>
-                                          </p:stCondLst>
-                                        </p:cTn>
-                                        <p:tgtEl>
-                                          <p:spTgt spid="2">
-                                            <p:txEl>
-                                              <p:pRg st="9" end="9"/>
-                                            </p:txEl>
-                                          </p:spTgt>
-                                        </p:tgtEl>
-                                        <p:attrNameLst>
-                                          <p:attrName>style.visibility</p:attrName>
-                                        </p:attrNameLst>
-                                      </p:cBhvr>
-                                      <p:to>
-                                        <p:strVal val="visible"/>
-                                      </p:to>
-                                    </p:set>
-                                  </p:childTnLst>
-                                </p:cTn>
-                              </p:par>
-                            </p:childTnLst>
-                          </p:cTn>
-                        </p:par>
-                      </p:childTnLst>
-                    </p:cTn>
-                  </p:par>
-                  <p:par>
-                    <p:cTn id="23" fill="hold">
-                      <p:stCondLst>
-                        <p:cond delay="indefinite"/>
-                      </p:stCondLst>
-                      <p:childTnLst>
-                        <p:par>
-                          <p:cTn id="24" fill="hold">
-                            <p:stCondLst>
-                              <p:cond delay="0"/>
-                            </p:stCondLst>
-                            <p:childTnLst>
-                              <p:par>
-                                <p:cTn id="25" presetID="1" presetClass="entr" presetSubtype="0" fill="hold" nodeType="clickEffect">
-                                  <p:stCondLst>
-                                    <p:cond delay="0"/>
-                                  </p:stCondLst>
-                                  <p:childTnLst>
-                                    <p:set>
-                                      <p:cBhvr>
-                                        <p:cTn id="26" dur="1" fill="hold">
-                                          <p:stCondLst>
-                                            <p:cond delay="0"/>
-                                          </p:stCondLst>
-                                        </p:cTn>
-                                        <p:tgtEl>
-                                          <p:spTgt spid="2">
-                                            <p:txEl>
-                                              <p:pRg st="10" end="10"/>
-                                            </p:txEl>
-                                          </p:spTgt>
-                                        </p:tgtEl>
-                                        <p:attrNameLst>
-                                          <p:attrName>style.visibility</p:attrName>
-                                        </p:attrNameLst>
-                                      </p:cBhvr>
-                                      <p:to>
-                                        <p:strVal val="visible"/>
-                                      </p:to>
-                                    </p:set>
-                                  </p:childTnLst>
-                                </p:cTn>
-                              </p:par>
-                              <p:par>
-                                <p:cTn id="27" presetID="1" presetClass="entr" presetSubtype="0" fill="hold" nodeType="withEffect">
-                                  <p:stCondLst>
-                                    <p:cond delay="0"/>
-                                  </p:stCondLst>
-                                  <p:childTnLst>
-                                    <p:set>
-                                      <p:cBhvr>
-                                        <p:cTn id="28" dur="1" fill="hold">
-                                          <p:stCondLst>
-                                            <p:cond delay="0"/>
-                                          </p:stCondLst>
-                                        </p:cTn>
-                                        <p:tgtEl>
-                                          <p:spTgt spid="2">
-                                            <p:txEl>
-                                              <p:pRg st="11" end="11"/>
-                                            </p:txEl>
-                                          </p:spTgt>
-                                        </p:tgtEl>
-                                        <p:attrNameLst>
-                                          <p:attrName>style.visibility</p:attrName>
-                                        </p:attrNameLst>
-                                      </p:cBhvr>
-                                      <p:to>
-                                        <p:strVal val="visible"/>
-                                      </p:to>
-                                    </p:set>
-                                  </p:childTnLst>
-                                </p:cTn>
-                              </p:par>
-                              <p:par>
-                                <p:cTn id="29" presetID="1" presetClass="entr" presetSubtype="0" fill="hold" nodeType="withEffect">
-                                  <p:stCondLst>
-                                    <p:cond delay="0"/>
-                                  </p:stCondLst>
-                                  <p:childTnLst>
-                                    <p:set>
-                                      <p:cBhvr>
-                                        <p:cTn id="30" dur="1" fill="hold">
-                                          <p:stCondLst>
-                                            <p:cond delay="0"/>
-                                          </p:stCondLst>
-                                        </p:cTn>
-                                        <p:tgtEl>
-                                          <p:spTgt spid="2">
-                                            <p:txEl>
-                                              <p:pRg st="12" end="12"/>
-                                            </p:txEl>
-                                          </p:spTgt>
-                                        </p:tgtEl>
-                                        <p:attrNameLst>
-                                          <p:attrName>style.visibility</p:attrName>
-                                        </p:attrNameLst>
-                                      </p:cBhvr>
-                                      <p:to>
-                                        <p:strVal val="visible"/>
-                                      </p:to>
-                                    </p:set>
-                                  </p:childTnLst>
-                                </p:cTn>
-                              </p:par>
-                            </p:childTnLst>
-                          </p:cTn>
-                        </p:par>
-                      </p:childTnLst>
-                    </p:cTn>
-                  </p:par>
-                </p:childTnLst>
-              </p:cTn>
-              <p:prevCondLst>
-                <p:cond evt="onPrev" delay="0">
-                  <p:tgtEl>
-                    <p:sldTgt/>
-                  </p:tgtEl>
-                </p:cond>
-              </p:prevCondLst>
-              <p:nextCondLst>
-                <p:cond evt="onNext" delay="0">
-                  <p:tgtEl>
-                    <p:sldTgt/>
-                  </p:tgtEl>
-                </p:cond>
-              </p:nextCondLst>
-            </p:seq>
-          </p:childTnLst>
-        </p:cTn>
-      </p:par>
-    </p:tnLst>
-  </p:timing>
 </p:sld>
 </file>
 

--- a/sessions/room1_15_30/azure-day-ChatBot.pptx
+++ b/sessions/room1_15_30/azure-day-ChatBot.pptx
@@ -8,7 +8,7 @@
     <p:sldMasterId id="2147483684" r:id="rId4"/>
   </p:sldMasterIdLst>
   <p:handoutMasterIdLst>
-    <p:handoutMasterId r:id="rId44"/>
+    <p:handoutMasterId r:id="rId39"/>
   </p:handoutMasterIdLst>
   <p:sldIdLst>
     <p:sldId id="256" r:id="rId5"/>
@@ -29,27 +29,22 @@
     <p:sldId id="291" r:id="rId20"/>
     <p:sldId id="292" r:id="rId21"/>
     <p:sldId id="257" r:id="rId22"/>
-    <p:sldId id="296" r:id="rId23"/>
-    <p:sldId id="298" r:id="rId24"/>
-    <p:sldId id="297" r:id="rId25"/>
-    <p:sldId id="299" r:id="rId26"/>
-    <p:sldId id="300" r:id="rId27"/>
-    <p:sldId id="301" r:id="rId28"/>
-    <p:sldId id="302" r:id="rId29"/>
-    <p:sldId id="303" r:id="rId30"/>
-    <p:sldId id="293" r:id="rId31"/>
-    <p:sldId id="294" r:id="rId32"/>
-    <p:sldId id="304" r:id="rId33"/>
-    <p:sldId id="305" r:id="rId34"/>
-    <p:sldId id="310" r:id="rId35"/>
-    <p:sldId id="295" r:id="rId36"/>
-    <p:sldId id="311" r:id="rId37"/>
-    <p:sldId id="306" r:id="rId38"/>
-    <p:sldId id="307" r:id="rId39"/>
-    <p:sldId id="308" r:id="rId40"/>
-    <p:sldId id="261" r:id="rId41"/>
-    <p:sldId id="263" r:id="rId42"/>
-    <p:sldId id="262" r:id="rId43"/>
+    <p:sldId id="298" r:id="rId23"/>
+    <p:sldId id="297" r:id="rId24"/>
+    <p:sldId id="299" r:id="rId25"/>
+    <p:sldId id="300" r:id="rId26"/>
+    <p:sldId id="301" r:id="rId27"/>
+    <p:sldId id="302" r:id="rId28"/>
+    <p:sldId id="303" r:id="rId29"/>
+    <p:sldId id="293" r:id="rId30"/>
+    <p:sldId id="294" r:id="rId31"/>
+    <p:sldId id="304" r:id="rId32"/>
+    <p:sldId id="305" r:id="rId33"/>
+    <p:sldId id="310" r:id="rId34"/>
+    <p:sldId id="308" r:id="rId35"/>
+    <p:sldId id="261" r:id="rId36"/>
+    <p:sldId id="263" r:id="rId37"/>
+    <p:sldId id="262" r:id="rId38"/>
   </p:sldIdLst>
   <p:sldSz cx="12192000" cy="6858000"/>
   <p:notesSz cx="6858000" cy="9144000"/>
@@ -1247,7 +1242,7 @@
           <a:p>
             <a:fld id="{CAA74DD2-8E53-470B-8646-02BB9552BE22}" type="datetimeFigureOut">
               <a:rPr lang="it-IT" smtClean="0"/>
-              <a:t>02/10/2023</a:t>
+              <a:t>03/10/2023</a:t>
             </a:fld>
             <a:endParaRPr lang="it-IT"/>
           </a:p>
@@ -1976,7 +1971,7 @@
           <a:p>
             <a:fld id="{A73219E7-05B6-4637-82E9-CF903832277D}" type="datetimeFigureOut">
               <a:rPr lang="en-US" smtClean="0"/>
-              <a:t>10/2/2023</a:t>
+              <a:t>10/3/2023</a:t>
             </a:fld>
             <a:endParaRPr lang="en-US"/>
           </a:p>
@@ -17548,7 +17543,18 @@
             <a:pPr lvl="1"/>
             <a:r>
               <a:rPr lang="en-US" dirty="0"/>
-              <a:t>Tokens are related to words but are not words, roughly speaking they are syllable</a:t>
+              <a:t>Tokens are related to words but are not words, roughly speaking,</a:t>
+            </a:r>
+            <a:br>
+              <a:rPr lang="en-US" dirty="0"/>
+            </a:br>
+            <a:r>
+              <a:rPr lang="en-US" dirty="0"/>
+              <a:t>they are </a:t>
+            </a:r>
+            <a:r>
+              <a:rPr lang="en-US" i="1" dirty="0"/>
+              <a:t>syllable</a:t>
             </a:r>
           </a:p>
           <a:p>
@@ -18136,7 +18142,14 @@
           <a:p>
             <a:r>
               <a:rPr lang="en-US" dirty="0"/>
-              <a:t>Technical word or this technique is: "Retrieval Augmented Generation" </a:t>
+              <a:t>Technical word or this technique is: </a:t>
+            </a:r>
+            <a:br>
+              <a:rPr lang="en-US" dirty="0"/>
+            </a:br>
+            <a:r>
+              <a:rPr lang="en-US" i="1" dirty="0"/>
+              <a:t>"Retrieval Augmented Generation" </a:t>
             </a:r>
           </a:p>
           <a:p>
@@ -18151,6 +18164,21 @@
             <a:r>
               <a:rPr lang="en-US" dirty="0"/>
               <a:t>that contains relevant information for the AI to answer the user question.</a:t>
+            </a:r>
+            <a:br>
+              <a:rPr lang="en-US" dirty="0"/>
+            </a:br>
+            <a:r>
+              <a:rPr lang="en-US" dirty="0"/>
+              <a:t>(</a:t>
+            </a:r>
+            <a:r>
+              <a:rPr lang="en-US" i="1" u="sng" dirty="0"/>
+              <a:t>quick demo</a:t>
+            </a:r>
+            <a:r>
+              <a:rPr lang="en-US" dirty="0"/>
+              <a:t>)</a:t>
             </a:r>
           </a:p>
           <a:p>
@@ -18533,7 +18561,14 @@
           <a:p>
             <a:r>
               <a:rPr lang="en-US" dirty="0"/>
-              <a:t>An embedding model converts a block of text into a vector (array) of numbers (floats) that </a:t>
+              <a:t>An embedding model converts a block of text into a </a:t>
+            </a:r>
+            <a:br>
+              <a:rPr lang="en-US" dirty="0"/>
+            </a:br>
+            <a:r>
+              <a:rPr lang="en-US" dirty="0"/>
+              <a:t>vector (array) of numbers (floats) that </a:t>
             </a:r>
             <a:r>
               <a:rPr lang="en-US" b="1" i="1" dirty="0"/>
@@ -18657,7 +18692,14 @@
           <a:p>
             <a:r>
               <a:rPr lang="en-US" dirty="0"/>
-              <a:t>Given the corresponding two embedding vectors, It's possible to evaluate the "similarity" between two block of texts</a:t>
+              <a:t>Given the corresponding two embedding vectors, </a:t>
+            </a:r>
+            <a:br>
+              <a:rPr lang="en-US" dirty="0"/>
+            </a:br>
+            <a:r>
+              <a:rPr lang="en-US" dirty="0"/>
+              <a:t>it's possible to evaluate the "similarity" between two block of texts</a:t>
             </a:r>
           </a:p>
           <a:p>
@@ -20041,7 +20083,7 @@
             <a:pPr lvl="1"/>
             <a:r>
               <a:rPr lang="en-US" dirty="0"/>
-              <a:t>Experiment with values in the range like 0,75 – 0.8 for minimum proximity threshold </a:t>
+              <a:t>Experiment with values in the range like 0,73 – 0.8 for minimum proximity threshold </a:t>
             </a:r>
           </a:p>
           <a:p>
@@ -20388,6 +20430,21 @@
             <a:r>
               <a:rPr lang="en-US" dirty="0"/>
               <a:t>Splitting: Suggestion is to try to stay below 1000 token (but it depends on the max token limit of the chat completion model)</a:t>
+            </a:r>
+            <a:br>
+              <a:rPr lang="en-US" dirty="0"/>
+            </a:br>
+            <a:r>
+              <a:rPr lang="en-US" dirty="0"/>
+              <a:t>Use </a:t>
+            </a:r>
+            <a:r>
+              <a:rPr lang="en-US" dirty="0" err="1"/>
+              <a:t>TextChunker</a:t>
+            </a:r>
+            <a:r>
+              <a:rPr lang="en-US" dirty="0"/>
+              <a:t> class in MS Semantic Kernel  SDK </a:t>
             </a:r>
           </a:p>
           <a:p>
@@ -20736,7 +20793,7 @@
           <p:cNvPr id="2" name="Title 1">
             <a:extLst>
               <a:ext uri="{FF2B5EF4-FFF2-40B4-BE49-F238E27FC236}">
-                <a16:creationId xmlns:a16="http://schemas.microsoft.com/office/drawing/2014/main" id="{134E964A-89F5-BC8C-4751-FBA50E2FF009}"/>
+                <a16:creationId xmlns:a16="http://schemas.microsoft.com/office/drawing/2014/main" id="{CE7FC585-163E-6E80-9D89-3BA9386216A9}"/>
               </a:ext>
             </a:extLst>
           </p:cNvPr>
@@ -20756,7 +20813,7 @@
           <a:p>
             <a:r>
               <a:rPr lang="en-US" dirty="0"/>
-              <a:t>About document preparation/splitting</a:t>
+              <a:t>How can embeddings can help me then?</a:t>
             </a:r>
           </a:p>
         </p:txBody>
@@ -20766,7 +20823,7 @@
           <p:cNvPr id="3" name="Content Placeholder 2">
             <a:extLst>
               <a:ext uri="{FF2B5EF4-FFF2-40B4-BE49-F238E27FC236}">
-                <a16:creationId xmlns:a16="http://schemas.microsoft.com/office/drawing/2014/main" id="{582037F8-0FB5-7255-16E9-C491837ADC35}"/>
+                <a16:creationId xmlns:a16="http://schemas.microsoft.com/office/drawing/2014/main" id="{0F7BFB46-41FF-DF26-314F-86DDF74877FD}"/>
               </a:ext>
             </a:extLst>
           </p:cNvPr>
@@ -20777,384 +20834,6 @@
             <p:ph idx="1"/>
           </p:nvPr>
         </p:nvSpPr>
-        <p:spPr/>
-        <p:txBody>
-          <a:bodyPr/>
-          <a:lstStyle/>
-          <a:p>
-            <a:r>
-              <a:rPr lang="en-US" dirty="0"/>
-              <a:t>Best if based on token count, not words count</a:t>
-            </a:r>
-          </a:p>
-          <a:p>
-            <a:r>
-              <a:rPr lang="en-US" dirty="0"/>
-              <a:t>Keep some text overlapping when splitting (experiment from 15% to 30%)</a:t>
-            </a:r>
-          </a:p>
-          <a:p>
-            <a:r>
-              <a:rPr lang="en-US" dirty="0" err="1"/>
-              <a:t>LangChain</a:t>
-            </a:r>
-            <a:r>
-              <a:rPr lang="en-US" dirty="0"/>
-              <a:t> suggests "</a:t>
-            </a:r>
-            <a:r>
-              <a:rPr lang="en-US" i="1" dirty="0" err="1"/>
-              <a:t>RecursiveCharacterTextSplitter</a:t>
-            </a:r>
-            <a:r>
-              <a:rPr lang="en-US" dirty="0"/>
-              <a:t>"</a:t>
-            </a:r>
-          </a:p>
-          <a:p>
-            <a:pPr lvl="1"/>
-            <a:r>
-              <a:rPr lang="en-US" dirty="0"/>
-              <a:t>but it's python</a:t>
-            </a:r>
-          </a:p>
-          <a:p>
-            <a:r>
-              <a:rPr lang="en-US" dirty="0"/>
-              <a:t>MS Semantic Kernel  SDK come to rescue:</a:t>
-            </a:r>
-            <a:br>
-              <a:rPr lang="en-US" dirty="0"/>
-            </a:br>
-            <a:r>
-              <a:rPr lang="en-US" dirty="0" err="1"/>
-              <a:t>TextChunker</a:t>
-            </a:r>
-            <a:r>
-              <a:rPr lang="en-US" dirty="0"/>
-              <a:t> class where one will obviously pass a </a:t>
-            </a:r>
-            <a:r>
-              <a:rPr lang="en-US" i="1" dirty="0"/>
-              <a:t>tik-token tokenizer as counter function</a:t>
-            </a:r>
-          </a:p>
-        </p:txBody>
-      </p:sp>
-    </p:spTree>
-    <p:extLst>
-      <p:ext uri="{BB962C8B-B14F-4D97-AF65-F5344CB8AC3E}">
-        <p14:creationId xmlns:p14="http://schemas.microsoft.com/office/powerpoint/2010/main" val="613514933"/>
-      </p:ext>
-    </p:extLst>
-  </p:cSld>
-  <p:clrMapOvr>
-    <a:masterClrMapping/>
-  </p:clrMapOvr>
-  <p:timing>
-    <p:tnLst>
-      <p:par>
-        <p:cTn id="1" dur="indefinite" restart="never" nodeType="tmRoot">
-          <p:childTnLst>
-            <p:seq concurrent="1" nextAc="seek">
-              <p:cTn id="2" dur="indefinite" nodeType="mainSeq">
-                <p:childTnLst>
-                  <p:par>
-                    <p:cTn id="3" fill="hold">
-                      <p:stCondLst>
-                        <p:cond delay="indefinite"/>
-                      </p:stCondLst>
-                      <p:childTnLst>
-                        <p:par>
-                          <p:cTn id="4" fill="hold">
-                            <p:stCondLst>
-                              <p:cond delay="0"/>
-                            </p:stCondLst>
-                            <p:childTnLst>
-                              <p:par>
-                                <p:cTn id="5" presetID="1" presetClass="entr" presetSubtype="0" fill="hold" nodeType="clickEffect">
-                                  <p:stCondLst>
-                                    <p:cond delay="0"/>
-                                  </p:stCondLst>
-                                  <p:childTnLst>
-                                    <p:set>
-                                      <p:cBhvr>
-                                        <p:cTn id="6" dur="1" fill="hold">
-                                          <p:stCondLst>
-                                            <p:cond delay="0"/>
-                                          </p:stCondLst>
-                                        </p:cTn>
-                                        <p:tgtEl>
-                                          <p:spTgt spid="3">
-                                            <p:txEl>
-                                              <p:pRg st="1" end="1"/>
-                                            </p:txEl>
-                                          </p:spTgt>
-                                        </p:tgtEl>
-                                        <p:attrNameLst>
-                                          <p:attrName>style.visibility</p:attrName>
-                                        </p:attrNameLst>
-                                      </p:cBhvr>
-                                      <p:to>
-                                        <p:strVal val="visible"/>
-                                      </p:to>
-                                    </p:set>
-                                  </p:childTnLst>
-                                </p:cTn>
-                              </p:par>
-                            </p:childTnLst>
-                          </p:cTn>
-                        </p:par>
-                      </p:childTnLst>
-                    </p:cTn>
-                  </p:par>
-                  <p:par>
-                    <p:cTn id="7" fill="hold">
-                      <p:stCondLst>
-                        <p:cond delay="indefinite"/>
-                      </p:stCondLst>
-                      <p:childTnLst>
-                        <p:par>
-                          <p:cTn id="8" fill="hold">
-                            <p:stCondLst>
-                              <p:cond delay="0"/>
-                            </p:stCondLst>
-                            <p:childTnLst>
-                              <p:par>
-                                <p:cTn id="9" presetID="1" presetClass="entr" presetSubtype="0" fill="hold" nodeType="clickEffect">
-                                  <p:stCondLst>
-                                    <p:cond delay="0"/>
-                                  </p:stCondLst>
-                                  <p:childTnLst>
-                                    <p:set>
-                                      <p:cBhvr>
-                                        <p:cTn id="10" dur="1" fill="hold">
-                                          <p:stCondLst>
-                                            <p:cond delay="0"/>
-                                          </p:stCondLst>
-                                        </p:cTn>
-                                        <p:tgtEl>
-                                          <p:spTgt spid="3">
-                                            <p:txEl>
-                                              <p:pRg st="2" end="2"/>
-                                            </p:txEl>
-                                          </p:spTgt>
-                                        </p:tgtEl>
-                                        <p:attrNameLst>
-                                          <p:attrName>style.visibility</p:attrName>
-                                        </p:attrNameLst>
-                                      </p:cBhvr>
-                                      <p:to>
-                                        <p:strVal val="visible"/>
-                                      </p:to>
-                                    </p:set>
-                                  </p:childTnLst>
-                                </p:cTn>
-                              </p:par>
-                              <p:par>
-                                <p:cTn id="11" presetID="1" presetClass="entr" presetSubtype="0" fill="hold" nodeType="withEffect">
-                                  <p:stCondLst>
-                                    <p:cond delay="0"/>
-                                  </p:stCondLst>
-                                  <p:childTnLst>
-                                    <p:set>
-                                      <p:cBhvr>
-                                        <p:cTn id="12" dur="1" fill="hold">
-                                          <p:stCondLst>
-                                            <p:cond delay="0"/>
-                                          </p:stCondLst>
-                                        </p:cTn>
-                                        <p:tgtEl>
-                                          <p:spTgt spid="3">
-                                            <p:txEl>
-                                              <p:pRg st="3" end="3"/>
-                                            </p:txEl>
-                                          </p:spTgt>
-                                        </p:tgtEl>
-                                        <p:attrNameLst>
-                                          <p:attrName>style.visibility</p:attrName>
-                                        </p:attrNameLst>
-                                      </p:cBhvr>
-                                      <p:to>
-                                        <p:strVal val="visible"/>
-                                      </p:to>
-                                    </p:set>
-                                  </p:childTnLst>
-                                </p:cTn>
-                              </p:par>
-                            </p:childTnLst>
-                          </p:cTn>
-                        </p:par>
-                      </p:childTnLst>
-                    </p:cTn>
-                  </p:par>
-                  <p:par>
-                    <p:cTn id="13" fill="hold">
-                      <p:stCondLst>
-                        <p:cond delay="indefinite"/>
-                      </p:stCondLst>
-                      <p:childTnLst>
-                        <p:par>
-                          <p:cTn id="14" fill="hold">
-                            <p:stCondLst>
-                              <p:cond delay="0"/>
-                            </p:stCondLst>
-                            <p:childTnLst>
-                              <p:par>
-                                <p:cTn id="15" presetID="1" presetClass="entr" presetSubtype="0" fill="hold" nodeType="clickEffect">
-                                  <p:stCondLst>
-                                    <p:cond delay="0"/>
-                                  </p:stCondLst>
-                                  <p:childTnLst>
-                                    <p:set>
-                                      <p:cBhvr>
-                                        <p:cTn id="16" dur="1" fill="hold">
-                                          <p:stCondLst>
-                                            <p:cond delay="0"/>
-                                          </p:stCondLst>
-                                        </p:cTn>
-                                        <p:tgtEl>
-                                          <p:spTgt spid="3">
-                                            <p:txEl>
-                                              <p:pRg st="4" end="4"/>
-                                            </p:txEl>
-                                          </p:spTgt>
-                                        </p:tgtEl>
-                                        <p:attrNameLst>
-                                          <p:attrName>style.visibility</p:attrName>
-                                        </p:attrNameLst>
-                                      </p:cBhvr>
-                                      <p:to>
-                                        <p:strVal val="visible"/>
-                                      </p:to>
-                                    </p:set>
-                                  </p:childTnLst>
-                                </p:cTn>
-                              </p:par>
-                            </p:childTnLst>
-                          </p:cTn>
-                        </p:par>
-                      </p:childTnLst>
-                    </p:cTn>
-                  </p:par>
-                </p:childTnLst>
-              </p:cTn>
-              <p:prevCondLst>
-                <p:cond evt="onPrev" delay="0">
-                  <p:tgtEl>
-                    <p:sldTgt/>
-                  </p:tgtEl>
-                </p:cond>
-              </p:prevCondLst>
-              <p:nextCondLst>
-                <p:cond evt="onNext" delay="0">
-                  <p:tgtEl>
-                    <p:sldTgt/>
-                  </p:tgtEl>
-                </p:cond>
-              </p:nextCondLst>
-            </p:seq>
-          </p:childTnLst>
-        </p:cTn>
-      </p:par>
-    </p:tnLst>
-  </p:timing>
-</p:sld>
-</file>
-
-<file path=ppt/slides/slide2.xml><?xml version="1.0" encoding="utf-8"?>
-<p:sld xmlns:a="http://schemas.openxmlformats.org/drawingml/2006/main" xmlns:r="http://schemas.openxmlformats.org/officeDocument/2006/relationships" xmlns:p="http://schemas.openxmlformats.org/presentationml/2006/main">
-  <p:cSld>
-    <p:spTree>
-      <p:nvGrpSpPr>
-        <p:cNvPr id="1" name=""/>
-        <p:cNvGrpSpPr/>
-        <p:nvPr/>
-      </p:nvGrpSpPr>
-      <p:grpSpPr>
-        <a:xfrm>
-          <a:off x="0" y="0"/>
-          <a:ext cx="0" cy="0"/>
-          <a:chOff x="0" y="0"/>
-          <a:chExt cx="0" cy="0"/>
-        </a:xfrm>
-      </p:grpSpPr>
-    </p:spTree>
-    <p:extLst>
-      <p:ext uri="{BB962C8B-B14F-4D97-AF65-F5344CB8AC3E}">
-        <p14:creationId xmlns:p14="http://schemas.microsoft.com/office/powerpoint/2010/main" val="1221883348"/>
-      </p:ext>
-    </p:extLst>
-  </p:cSld>
-  <p:clrMapOvr>
-    <a:masterClrMapping/>
-  </p:clrMapOvr>
-</p:sld>
-</file>
-
-<file path=ppt/slides/slide20.xml><?xml version="1.0" encoding="utf-8"?>
-<p:sld xmlns:a="http://schemas.openxmlformats.org/drawingml/2006/main" xmlns:r="http://schemas.openxmlformats.org/officeDocument/2006/relationships" xmlns:p="http://schemas.openxmlformats.org/presentationml/2006/main">
-  <p:cSld>
-    <p:spTree>
-      <p:nvGrpSpPr>
-        <p:cNvPr id="1" name=""/>
-        <p:cNvGrpSpPr/>
-        <p:nvPr/>
-      </p:nvGrpSpPr>
-      <p:grpSpPr>
-        <a:xfrm>
-          <a:off x="0" y="0"/>
-          <a:ext cx="0" cy="0"/>
-          <a:chOff x="0" y="0"/>
-          <a:chExt cx="0" cy="0"/>
-        </a:xfrm>
-      </p:grpSpPr>
-      <p:sp>
-        <p:nvSpPr>
-          <p:cNvPr id="2" name="Title 1">
-            <a:extLst>
-              <a:ext uri="{FF2B5EF4-FFF2-40B4-BE49-F238E27FC236}">
-                <a16:creationId xmlns:a16="http://schemas.microsoft.com/office/drawing/2014/main" id="{CE7FC585-163E-6E80-9D89-3BA9386216A9}"/>
-              </a:ext>
-            </a:extLst>
-          </p:cNvPr>
-          <p:cNvSpPr>
-            <a:spLocks noGrp="1"/>
-          </p:cNvSpPr>
-          <p:nvPr>
-            <p:ph type="title"/>
-          </p:nvPr>
-        </p:nvSpPr>
-        <p:spPr/>
-        <p:txBody>
-          <a:bodyPr>
-            <a:normAutofit fontScale="90000"/>
-          </a:bodyPr>
-          <a:lstStyle/>
-          <a:p>
-            <a:r>
-              <a:rPr lang="en-US" dirty="0"/>
-              <a:t>How can embeddings can help me then?</a:t>
-            </a:r>
-          </a:p>
-        </p:txBody>
-      </p:sp>
-      <p:sp>
-        <p:nvSpPr>
-          <p:cNvPr id="3" name="Content Placeholder 2">
-            <a:extLst>
-              <a:ext uri="{FF2B5EF4-FFF2-40B4-BE49-F238E27FC236}">
-                <a16:creationId xmlns:a16="http://schemas.microsoft.com/office/drawing/2014/main" id="{0F7BFB46-41FF-DF26-314F-86DDF74877FD}"/>
-              </a:ext>
-            </a:extLst>
-          </p:cNvPr>
-          <p:cNvSpPr>
-            <a:spLocks noGrp="1"/>
-          </p:cNvSpPr>
-          <p:nvPr>
-            <p:ph idx="1"/>
-          </p:nvPr>
-        </p:nvSpPr>
         <p:spPr>
           <a:xfrm>
             <a:off x="838200" y="1825624"/>
@@ -21169,7 +20848,14 @@
           <a:p>
             <a:r>
               <a:rPr lang="en-US" b="1" dirty="0"/>
-              <a:t>2/2: User question arrives to your Chatbot app: setup payload to be sent to open.ai completion api as follows</a:t>
+              <a:t>2/2: User question arrives to your Chatbot app: </a:t>
+            </a:r>
+            <a:br>
+              <a:rPr lang="en-US" b="1" dirty="0"/>
+            </a:br>
+            <a:r>
+              <a:rPr lang="en-US" b="1" dirty="0"/>
+              <a:t>setup payload to be sent to open.ai completion api as follows</a:t>
             </a:r>
           </a:p>
           <a:p>
@@ -21515,7 +21201,7 @@
 </p:sld>
 </file>
 
-<file path=ppt/slides/slide21.xml><?xml version="1.0" encoding="utf-8"?>
+<file path=ppt/slides/slide2.xml><?xml version="1.0" encoding="utf-8"?>
 <p:sld xmlns:a="http://schemas.openxmlformats.org/drawingml/2006/main" xmlns:r="http://schemas.openxmlformats.org/officeDocument/2006/relationships" xmlns:p="http://schemas.openxmlformats.org/presentationml/2006/main">
   <p:cSld>
     <p:spTree>
@@ -21532,6 +21218,36 @@
           <a:chExt cx="0" cy="0"/>
         </a:xfrm>
       </p:grpSpPr>
+    </p:spTree>
+    <p:extLst>
+      <p:ext uri="{BB962C8B-B14F-4D97-AF65-F5344CB8AC3E}">
+        <p14:creationId xmlns:p14="http://schemas.microsoft.com/office/powerpoint/2010/main" val="1221883348"/>
+      </p:ext>
+    </p:extLst>
+  </p:cSld>
+  <p:clrMapOvr>
+    <a:masterClrMapping/>
+  </p:clrMapOvr>
+</p:sld>
+</file>
+
+<file path=ppt/slides/slide20.xml><?xml version="1.0" encoding="utf-8"?>
+<p:sld xmlns:a="http://schemas.openxmlformats.org/drawingml/2006/main" xmlns:r="http://schemas.openxmlformats.org/officeDocument/2006/relationships" xmlns:p="http://schemas.openxmlformats.org/presentationml/2006/main">
+  <p:cSld>
+    <p:spTree>
+      <p:nvGrpSpPr>
+        <p:cNvPr id="1" name=""/>
+        <p:cNvGrpSpPr/>
+        <p:nvPr/>
+      </p:nvGrpSpPr>
+      <p:grpSpPr>
+        <a:xfrm>
+          <a:off x="0" y="0"/>
+          <a:ext cx="0" cy="0"/>
+          <a:chOff x="0" y="0"/>
+          <a:chExt cx="0" cy="0"/>
+        </a:xfrm>
+      </p:grpSpPr>
       <p:sp>
         <p:nvSpPr>
           <p:cNvPr id="2" name="Title 1">
@@ -21590,7 +21306,14 @@
           <a:p>
             <a:r>
               <a:rPr lang="en-US" dirty="0"/>
-              <a:t>There are vectors databases that provide vector operations (cosine similarity included) out-of-the-box</a:t>
+              <a:t>There are vectors databases that provide vector operations </a:t>
+            </a:r>
+            <a:br>
+              <a:rPr lang="en-US" dirty="0"/>
+            </a:br>
+            <a:r>
+              <a:rPr lang="en-US" dirty="0"/>
+              <a:t>(cosine similarity included) out-of-the-box</a:t>
             </a:r>
           </a:p>
           <a:p>
@@ -21820,7 +21543,7 @@
 </p:sld>
 </file>
 
-<file path=ppt/slides/slide22.xml><?xml version="1.0" encoding="utf-8"?>
+<file path=ppt/slides/slide21.xml><?xml version="1.0" encoding="utf-8"?>
 <p:sld xmlns:a="http://schemas.openxmlformats.org/drawingml/2006/main" xmlns:r="http://schemas.openxmlformats.org/officeDocument/2006/relationships" xmlns:p="http://schemas.openxmlformats.org/presentationml/2006/main">
   <p:cSld>
     <p:spTree>
@@ -22063,7 +21786,7 @@
         </p:nvSpPr>
         <p:spPr>
           <a:xfrm>
-            <a:off x="3997288" y="1442833"/>
+            <a:off x="3077402" y="1405617"/>
             <a:ext cx="2355004" cy="646331"/>
           </a:xfrm>
           <a:prstGeom prst="rect">
@@ -22477,15 +22200,15 @@
         </p:nvSpPr>
         <p:spPr>
           <a:xfrm>
-            <a:off x="7646437" y="1368402"/>
+            <a:off x="5446781" y="1399806"/>
             <a:ext cx="2920482" cy="720762"/>
           </a:xfrm>
           <a:prstGeom prst="borderCallout1">
             <a:avLst>
-              <a:gd name="adj1" fmla="val 73121"/>
-              <a:gd name="adj2" fmla="val -3541"/>
-              <a:gd name="adj3" fmla="val 250712"/>
-              <a:gd name="adj4" fmla="val -29104"/>
+              <a:gd name="adj1" fmla="val 103691"/>
+              <a:gd name="adj2" fmla="val 41349"/>
+              <a:gd name="adj3" fmla="val 233899"/>
+              <a:gd name="adj4" fmla="val 34647"/>
             </a:avLst>
           </a:prstGeom>
           <a:noFill/>
@@ -22590,7 +22313,7 @@
         </p:nvSpPr>
         <p:spPr>
           <a:xfrm>
-            <a:off x="6542164" y="1355521"/>
+            <a:off x="8484378" y="1479312"/>
             <a:ext cx="914400" cy="612648"/>
           </a:xfrm>
           <a:prstGeom prst="flowChartMagneticDisk">
@@ -22641,7 +22364,7 @@
 </p:sld>
 </file>
 
-<file path=ppt/slides/slide23.xml><?xml version="1.0" encoding="utf-8"?>
+<file path=ppt/slides/slide22.xml><?xml version="1.0" encoding="utf-8"?>
 <p:sld xmlns:a="http://schemas.openxmlformats.org/drawingml/2006/main" xmlns:r="http://schemas.openxmlformats.org/officeDocument/2006/relationships" xmlns:p="http://schemas.openxmlformats.org/presentationml/2006/main">
   <p:cSld>
     <p:spTree>
@@ -22815,7 +22538,7 @@
 </p:sld>
 </file>
 
-<file path=ppt/slides/slide24.xml><?xml version="1.0" encoding="utf-8"?>
+<file path=ppt/slides/slide23.xml><?xml version="1.0" encoding="utf-8"?>
 <p:sld xmlns:a="http://schemas.openxmlformats.org/drawingml/2006/main" xmlns:r="http://schemas.openxmlformats.org/officeDocument/2006/relationships" xmlns:p="http://schemas.openxmlformats.org/presentationml/2006/main">
   <p:cSld>
     <p:spTree>
@@ -23058,7 +22781,7 @@
         </p:nvSpPr>
         <p:spPr>
           <a:xfrm>
-            <a:off x="3997288" y="1442833"/>
+            <a:off x="2982466" y="1442833"/>
             <a:ext cx="2355004" cy="646331"/>
           </a:xfrm>
           <a:prstGeom prst="rect">
@@ -23512,7 +23235,7 @@
         </p:nvSpPr>
         <p:spPr>
           <a:xfrm>
-            <a:off x="7646437" y="1368402"/>
+            <a:off x="6801636" y="1641215"/>
             <a:ext cx="2920482" cy="720762"/>
           </a:xfrm>
           <a:prstGeom prst="borderCallout1">
@@ -23625,7 +23348,7 @@
         </p:nvSpPr>
         <p:spPr>
           <a:xfrm>
-            <a:off x="7065275" y="957369"/>
+            <a:off x="6352292" y="1120843"/>
             <a:ext cx="914400" cy="612648"/>
           </a:xfrm>
           <a:prstGeom prst="flowChartMagneticDisk">
@@ -23804,7 +23527,7 @@
 </p:sld>
 </file>
 
-<file path=ppt/slides/slide25.xml><?xml version="1.0" encoding="utf-8"?>
+<file path=ppt/slides/slide24.xml><?xml version="1.0" encoding="utf-8"?>
 <p:sld xmlns:a="http://schemas.openxmlformats.org/drawingml/2006/main" xmlns:r="http://schemas.openxmlformats.org/officeDocument/2006/relationships" xmlns:p="http://schemas.openxmlformats.org/presentationml/2006/main">
   <p:cSld>
     <p:spTree>
@@ -23867,7 +23590,12 @@
             <p:ph idx="1"/>
           </p:nvPr>
         </p:nvSpPr>
-        <p:spPr/>
+        <p:spPr>
+          <a:xfrm>
+            <a:off x="576776" y="1314157"/>
+            <a:ext cx="11205922" cy="5053592"/>
+          </a:xfrm>
+        </p:spPr>
         <p:txBody>
           <a:bodyPr>
             <a:normAutofit lnSpcReduction="10000"/>
@@ -23876,7 +23604,14 @@
           <a:p>
             <a:r>
               <a:rPr lang="en-US" dirty="0"/>
-              <a:t>Chat-completion api knows a lot of languages, so what's the issue ? </a:t>
+              <a:t>Chat-completion api knows a lot of languages, </a:t>
+            </a:r>
+            <a:br>
+              <a:rPr lang="en-US" dirty="0"/>
+            </a:br>
+            <a:r>
+              <a:rPr lang="en-US" dirty="0"/>
+              <a:t>so what's the issue ? </a:t>
             </a:r>
           </a:p>
           <a:p>
@@ -24206,7 +23941,7 @@
 </p:sld>
 </file>
 
-<file path=ppt/slides/slide26.xml><?xml version="1.0" encoding="utf-8"?>
+<file path=ppt/slides/slide25.xml><?xml version="1.0" encoding="utf-8"?>
 <p:sld xmlns:a="http://schemas.openxmlformats.org/drawingml/2006/main" xmlns:r="http://schemas.openxmlformats.org/officeDocument/2006/relationships" xmlns:p="http://schemas.openxmlformats.org/presentationml/2006/main">
   <p:cSld>
     <p:spTree>
@@ -24858,13 +24593,13 @@
         </p:nvSpPr>
         <p:spPr>
           <a:xfrm>
-            <a:off x="6517433" y="1404362"/>
+            <a:off x="6701245" y="1426781"/>
             <a:ext cx="2920482" cy="720762"/>
           </a:xfrm>
           <a:prstGeom prst="borderCallout1">
             <a:avLst>
-              <a:gd name="adj1" fmla="val 73121"/>
-              <a:gd name="adj2" fmla="val -3541"/>
+              <a:gd name="adj1" fmla="val 100634"/>
+              <a:gd name="adj2" fmla="val 20224"/>
               <a:gd name="adj3" fmla="val 218613"/>
               <a:gd name="adj4" fmla="val 697"/>
             </a:avLst>
@@ -25138,7 +24873,7 @@
         </p:nvSpPr>
         <p:spPr>
           <a:xfrm>
-            <a:off x="7065275" y="952919"/>
+            <a:off x="5992622" y="1082077"/>
             <a:ext cx="914400" cy="612648"/>
           </a:xfrm>
           <a:prstGeom prst="flowChartMagneticDisk">
@@ -25352,7 +25087,7 @@
 </p:sld>
 </file>
 
-<file path=ppt/slides/slide27.xml><?xml version="1.0" encoding="utf-8"?>
+<file path=ppt/slides/slide26.xml><?xml version="1.0" encoding="utf-8"?>
 <p:sld xmlns:a="http://schemas.openxmlformats.org/drawingml/2006/main" xmlns:r="http://schemas.openxmlformats.org/officeDocument/2006/relationships" xmlns:p="http://schemas.openxmlformats.org/presentationml/2006/main">
   <p:cSld>
     <p:spTree>
@@ -25781,7 +25516,7 @@
 </p:sld>
 </file>
 
-<file path=ppt/slides/slide28.xml><?xml version="1.0" encoding="utf-8"?>
+<file path=ppt/slides/slide27.xml><?xml version="1.0" encoding="utf-8"?>
 <p:sld xmlns:a="http://schemas.openxmlformats.org/drawingml/2006/main" xmlns:r="http://schemas.openxmlformats.org/officeDocument/2006/relationships" xmlns:p="http://schemas.openxmlformats.org/presentationml/2006/main">
   <p:cSld>
     <p:spTree>
@@ -27001,15 +26736,15 @@
         </p:nvSpPr>
         <p:spPr>
           <a:xfrm>
-            <a:off x="8775441" y="375767"/>
+            <a:off x="8775726" y="2039132"/>
             <a:ext cx="2920482" cy="612648"/>
           </a:xfrm>
           <a:prstGeom prst="borderCallout1">
             <a:avLst>
-              <a:gd name="adj1" fmla="val 108906"/>
-              <a:gd name="adj2" fmla="val 70129"/>
-              <a:gd name="adj3" fmla="val 457715"/>
-              <a:gd name="adj4" fmla="val 20417"/>
+              <a:gd name="adj1" fmla="val 107108"/>
+              <a:gd name="adj2" fmla="val 48627"/>
+              <a:gd name="adj3" fmla="val 175392"/>
+              <a:gd name="adj4" fmla="val 17776"/>
             </a:avLst>
           </a:prstGeom>
           <a:noFill/>
@@ -27079,7 +26814,7 @@
 </p:sld>
 </file>
 
-<file path=ppt/slides/slide29.xml><?xml version="1.0" encoding="utf-8"?>
+<file path=ppt/slides/slide28.xml><?xml version="1.0" encoding="utf-8"?>
 <p:sld xmlns:a="http://schemas.openxmlformats.org/drawingml/2006/main" xmlns:r="http://schemas.openxmlformats.org/officeDocument/2006/relationships" xmlns:p="http://schemas.openxmlformats.org/presentationml/2006/main">
   <p:cSld>
     <p:spTree>
@@ -27149,7 +26884,14 @@
           <a:p>
             <a:r>
               <a:rPr lang="en-US" dirty="0"/>
-              <a:t>Token count of input message can get quite "big" due to the presence of context documents retrieved with the embedding technique </a:t>
+              <a:t>Token count of input message can get quite "big",</a:t>
+            </a:r>
+            <a:br>
+              <a:rPr lang="en-US" dirty="0"/>
+            </a:br>
+            <a:r>
+              <a:rPr lang="en-US" dirty="0"/>
+              <a:t>due to the presence of context documents retrieved with the embedding technique </a:t>
             </a:r>
           </a:p>
           <a:p>
@@ -27407,273 +27149,7 @@
 </p:sld>
 </file>
 
-<file path=ppt/slides/slide3.xml><?xml version="1.0" encoding="utf-8"?>
-<p:sld xmlns:a="http://schemas.openxmlformats.org/drawingml/2006/main" xmlns:r="http://schemas.openxmlformats.org/officeDocument/2006/relationships" xmlns:p="http://schemas.openxmlformats.org/presentationml/2006/main">
-  <p:cSld>
-    <p:spTree>
-      <p:nvGrpSpPr>
-        <p:cNvPr id="1" name=""/>
-        <p:cNvGrpSpPr/>
-        <p:nvPr/>
-      </p:nvGrpSpPr>
-      <p:grpSpPr>
-        <a:xfrm>
-          <a:off x="0" y="0"/>
-          <a:ext cx="0" cy="0"/>
-          <a:chOff x="0" y="0"/>
-          <a:chExt cx="0" cy="0"/>
-        </a:xfrm>
-      </p:grpSpPr>
-      <p:sp>
-        <p:nvSpPr>
-          <p:cNvPr id="6" name="Segnaposto contenuto 5">
-            <a:extLst>
-              <a:ext uri="{FF2B5EF4-FFF2-40B4-BE49-F238E27FC236}">
-                <a16:creationId xmlns:a16="http://schemas.microsoft.com/office/drawing/2014/main" id="{2473D9E2-DEFE-412D-9A18-924B8EECBE47}"/>
-              </a:ext>
-            </a:extLst>
-          </p:cNvPr>
-          <p:cNvSpPr>
-            <a:spLocks noGrp="1"/>
-          </p:cNvSpPr>
-          <p:nvPr>
-            <p:ph idx="1"/>
-          </p:nvPr>
-        </p:nvSpPr>
-        <p:spPr/>
-        <p:txBody>
-          <a:bodyPr>
-            <a:normAutofit fontScale="92500" lnSpcReduction="10000"/>
-          </a:bodyPr>
-          <a:lstStyle/>
-          <a:p>
-            <a:r>
-              <a:rPr lang="en-US" i="1" dirty="0"/>
-              <a:t>Developers' questions </a:t>
-            </a:r>
-          </a:p>
-          <a:p>
-            <a:r>
-              <a:rPr lang="en-US" dirty="0"/>
-              <a:t>Can I run chatgpt on my PC -&gt; </a:t>
-            </a:r>
-            <a:r>
-              <a:rPr lang="en-US" dirty="0">
-                <a:solidFill>
-                  <a:srgbClr val="FF0000"/>
-                </a:solidFill>
-              </a:rPr>
-              <a:t>No</a:t>
-            </a:r>
-          </a:p>
-          <a:p>
-            <a:r>
-              <a:rPr lang="en-US" dirty="0"/>
-              <a:t>Can I access it as </a:t>
-            </a:r>
-            <a:br>
-              <a:rPr lang="en-US" dirty="0"/>
-            </a:br>
-            <a:r>
-              <a:rPr lang="en-US" dirty="0"/>
-              <a:t>an api service? -&gt; </a:t>
-            </a:r>
-            <a:r>
-              <a:rPr lang="en-US" dirty="0">
-                <a:solidFill>
-                  <a:srgbClr val="FF0000"/>
-                </a:solidFill>
-              </a:rPr>
-              <a:t>Yes</a:t>
-            </a:r>
-          </a:p>
-          <a:p>
-            <a:r>
-              <a:rPr lang="en-US" dirty="0"/>
-              <a:t>Can make a clone of the model, </a:t>
-            </a:r>
-            <a:br>
-              <a:rPr lang="en-US" dirty="0"/>
-            </a:br>
-            <a:r>
-              <a:rPr lang="en-US" dirty="0"/>
-              <a:t>and train (fine-tune) it, </a:t>
-            </a:r>
-            <a:br>
-              <a:rPr lang="en-US" dirty="0"/>
-            </a:br>
-            <a:r>
-              <a:rPr lang="en-US" dirty="0"/>
-              <a:t>so that it can reply about </a:t>
-            </a:r>
-            <a:br>
-              <a:rPr lang="en-US" dirty="0"/>
-            </a:br>
-            <a:r>
-              <a:rPr lang="en-US" dirty="0"/>
-              <a:t>my domain specific data ? -&gt; </a:t>
-            </a:r>
-            <a:r>
-              <a:rPr lang="en-US" dirty="0">
-                <a:solidFill>
-                  <a:srgbClr val="FF0000"/>
-                </a:solidFill>
-              </a:rPr>
-              <a:t>Ni</a:t>
-            </a:r>
-          </a:p>
-          <a:p>
-            <a:r>
-              <a:rPr lang="en-US" dirty="0"/>
-              <a:t>If fine tuning is not an option, is there another way to have it answer about my domain specific data ? -&gt; </a:t>
-            </a:r>
-            <a:r>
-              <a:rPr lang="en-US" dirty="0">
-                <a:solidFill>
-                  <a:srgbClr val="FF0000"/>
-                </a:solidFill>
-              </a:rPr>
-              <a:t>Yes</a:t>
-            </a:r>
-          </a:p>
-          <a:p>
-            <a:endParaRPr lang="en-US" dirty="0"/>
-          </a:p>
-          <a:p>
-            <a:r>
-              <a:rPr lang="en-US" i="1" dirty="0"/>
-              <a:t>This talk will elaborate on the last question</a:t>
-            </a:r>
-          </a:p>
-          <a:p>
-            <a:endParaRPr lang="it-IT" dirty="0"/>
-          </a:p>
-        </p:txBody>
-      </p:sp>
-      <p:sp>
-        <p:nvSpPr>
-          <p:cNvPr id="5" name="Titolo 4">
-            <a:extLst>
-              <a:ext uri="{FF2B5EF4-FFF2-40B4-BE49-F238E27FC236}">
-                <a16:creationId xmlns:a16="http://schemas.microsoft.com/office/drawing/2014/main" id="{8CAE0EFC-B7FF-4C7D-BF02-BDDAEA8577D3}"/>
-              </a:ext>
-            </a:extLst>
-          </p:cNvPr>
-          <p:cNvSpPr>
-            <a:spLocks noGrp="1"/>
-          </p:cNvSpPr>
-          <p:nvPr>
-            <p:ph type="title"/>
-          </p:nvPr>
-        </p:nvSpPr>
-        <p:spPr/>
-        <p:txBody>
-          <a:bodyPr>
-            <a:normAutofit fontScale="90000"/>
-          </a:bodyPr>
-          <a:lstStyle/>
-          <a:p>
-            <a:r>
-              <a:rPr lang="en-US" dirty="0"/>
-              <a:t>November 30, 2022</a:t>
-            </a:r>
-            <a:endParaRPr lang="it-IT" dirty="0"/>
-          </a:p>
-        </p:txBody>
-      </p:sp>
-      <p:pic>
-        <p:nvPicPr>
-          <p:cNvPr id="3" name="Content Placeholder 10">
-            <a:extLst>
-              <a:ext uri="{FF2B5EF4-FFF2-40B4-BE49-F238E27FC236}">
-                <a16:creationId xmlns:a16="http://schemas.microsoft.com/office/drawing/2014/main" id="{C16EB108-621A-47DB-4530-67A0B326962F}"/>
-              </a:ext>
-            </a:extLst>
-          </p:cNvPr>
-          <p:cNvPicPr>
-            <a:picLocks noChangeAspect="1"/>
-          </p:cNvPicPr>
-          <p:nvPr/>
-        </p:nvPicPr>
-        <p:blipFill>
-          <a:blip r:embed="rId2">
-            <a:extLst>
-              <a:ext uri="{28A0092B-C50C-407E-A947-70E740481C1C}">
-                <a14:useLocalDpi xmlns:a14="http://schemas.microsoft.com/office/drawing/2010/main" val="0"/>
-              </a:ext>
-            </a:extLst>
-          </a:blip>
-          <a:stretch>
-            <a:fillRect/>
-          </a:stretch>
-        </p:blipFill>
-        <p:spPr>
-          <a:xfrm>
-            <a:off x="5667093" y="1380930"/>
-            <a:ext cx="5287046" cy="2970593"/>
-          </a:xfrm>
-          <a:prstGeom prst="rect">
-            <a:avLst/>
-          </a:prstGeom>
-          <a:effectLst>
-            <a:glow rad="228600">
-              <a:schemeClr val="accent4">
-                <a:satMod val="175000"/>
-                <a:alpha val="40000"/>
-              </a:schemeClr>
-            </a:glow>
-          </a:effectLst>
-        </p:spPr>
-      </p:pic>
-      <p:sp>
-        <p:nvSpPr>
-          <p:cNvPr id="11" name="TextBox 10">
-            <a:extLst>
-              <a:ext uri="{FF2B5EF4-FFF2-40B4-BE49-F238E27FC236}">
-                <a16:creationId xmlns:a16="http://schemas.microsoft.com/office/drawing/2014/main" id="{8B4B035A-BBDD-CB6D-838B-6089F4BA2CF7}"/>
-              </a:ext>
-            </a:extLst>
-          </p:cNvPr>
-          <p:cNvSpPr txBox="1"/>
-          <p:nvPr/>
-        </p:nvSpPr>
-        <p:spPr>
-          <a:xfrm>
-            <a:off x="5542384" y="861448"/>
-            <a:ext cx="6102220" cy="369332"/>
-          </a:xfrm>
-          <a:prstGeom prst="rect">
-            <a:avLst/>
-          </a:prstGeom>
-          <a:noFill/>
-        </p:spPr>
-        <p:txBody>
-          <a:bodyPr wrap="square">
-            <a:spAutoFit/>
-          </a:bodyPr>
-          <a:lstStyle/>
-          <a:p>
-            <a:r>
-              <a:rPr lang="en-US" i="1" u="sng" dirty="0"/>
-              <a:t>https://chat.openai.com</a:t>
-            </a:r>
-          </a:p>
-        </p:txBody>
-      </p:sp>
-    </p:spTree>
-    <p:extLst>
-      <p:ext uri="{BB962C8B-B14F-4D97-AF65-F5344CB8AC3E}">
-        <p14:creationId xmlns:p14="http://schemas.microsoft.com/office/powerpoint/2010/main" val="930085300"/>
-      </p:ext>
-    </p:extLst>
-  </p:cSld>
-  <p:clrMapOvr>
-    <a:masterClrMapping/>
-  </p:clrMapOvr>
-</p:sld>
-</file>
-
-<file path=ppt/slides/slide30.xml><?xml version="1.0" encoding="utf-8"?>
+<file path=ppt/slides/slide29.xml><?xml version="1.0" encoding="utf-8"?>
 <p:sld xmlns:a="http://schemas.openxmlformats.org/drawingml/2006/main" xmlns:r="http://schemas.openxmlformats.org/officeDocument/2006/relationships" xmlns:p="http://schemas.openxmlformats.org/presentationml/2006/main">
   <p:cSld>
     <p:spTree>
@@ -28224,7 +27700,7 @@
         </p:nvSpPr>
         <p:spPr>
           <a:xfrm>
-            <a:off x="6664518" y="5466700"/>
+            <a:off x="3955624" y="5622646"/>
             <a:ext cx="914400" cy="612648"/>
           </a:xfrm>
           <a:prstGeom prst="flowChartMagneticDisk">
@@ -28612,15 +28088,15 @@
         </p:nvSpPr>
         <p:spPr>
           <a:xfrm>
-            <a:off x="8795365" y="165620"/>
+            <a:off x="9084573" y="4604892"/>
             <a:ext cx="2920482" cy="612648"/>
           </a:xfrm>
           <a:prstGeom prst="borderCallout1">
             <a:avLst>
-              <a:gd name="adj1" fmla="val 109896"/>
-              <a:gd name="adj2" fmla="val 86294"/>
-              <a:gd name="adj3" fmla="val 481798"/>
-              <a:gd name="adj4" fmla="val 19464"/>
+              <a:gd name="adj1" fmla="val -125673"/>
+              <a:gd name="adj2" fmla="val 10471"/>
+              <a:gd name="adj3" fmla="val -7322"/>
+              <a:gd name="adj4" fmla="val 47379"/>
             </a:avLst>
           </a:prstGeom>
           <a:noFill/>
@@ -28792,15 +28268,15 @@
         </p:nvSpPr>
         <p:spPr>
           <a:xfrm>
-            <a:off x="7823162" y="4898134"/>
+            <a:off x="6993698" y="5318139"/>
             <a:ext cx="2920482" cy="1269583"/>
           </a:xfrm>
           <a:prstGeom prst="borderCallout1">
             <a:avLst>
               <a:gd name="adj1" fmla="val -7252"/>
               <a:gd name="adj2" fmla="val 18867"/>
-              <a:gd name="adj3" fmla="val -81325"/>
-              <a:gd name="adj4" fmla="val -62255"/>
+              <a:gd name="adj3" fmla="val -116036"/>
+              <a:gd name="adj4" fmla="val -30945"/>
             </a:avLst>
           </a:prstGeom>
           <a:noFill/>
@@ -29036,15 +28512,15 @@
         </p:nvSpPr>
         <p:spPr>
           <a:xfrm>
-            <a:off x="8775726" y="1118538"/>
+            <a:off x="8076958" y="1502691"/>
             <a:ext cx="1460241" cy="724549"/>
           </a:xfrm>
           <a:prstGeom prst="borderCallout1">
             <a:avLst>
               <a:gd name="adj1" fmla="val 105979"/>
               <a:gd name="adj2" fmla="val 20401"/>
-              <a:gd name="adj3" fmla="val 267434"/>
-              <a:gd name="adj4" fmla="val -30747"/>
+              <a:gd name="adj3" fmla="val 197490"/>
+              <a:gd name="adj4" fmla="val -1323"/>
             </a:avLst>
           </a:prstGeom>
           <a:noFill/>
@@ -29114,7 +28590,7 @@
 </p:sld>
 </file>
 
-<file path=ppt/slides/slide31.xml><?xml version="1.0" encoding="utf-8"?>
+<file path=ppt/slides/slide3.xml><?xml version="1.0" encoding="utf-8"?>
 <p:sld xmlns:a="http://schemas.openxmlformats.org/drawingml/2006/main" xmlns:r="http://schemas.openxmlformats.org/officeDocument/2006/relationships" xmlns:p="http://schemas.openxmlformats.org/presentationml/2006/main">
   <p:cSld>
     <p:spTree>
@@ -29133,10 +28609,136 @@
       </p:grpSpPr>
       <p:sp>
         <p:nvSpPr>
-          <p:cNvPr id="2" name="Title 1">
-            <a:extLst>
-              <a:ext uri="{FF2B5EF4-FFF2-40B4-BE49-F238E27FC236}">
-                <a16:creationId xmlns:a16="http://schemas.microsoft.com/office/drawing/2014/main" id="{FDD6A32B-DDCD-6BBC-FCB6-6E476EAC3902}"/>
+          <p:cNvPr id="6" name="Segnaposto contenuto 5">
+            <a:extLst>
+              <a:ext uri="{FF2B5EF4-FFF2-40B4-BE49-F238E27FC236}">
+                <a16:creationId xmlns:a16="http://schemas.microsoft.com/office/drawing/2014/main" id="{2473D9E2-DEFE-412D-9A18-924B8EECBE47}"/>
+              </a:ext>
+            </a:extLst>
+          </p:cNvPr>
+          <p:cNvSpPr>
+            <a:spLocks noGrp="1"/>
+          </p:cNvSpPr>
+          <p:nvPr>
+            <p:ph idx="1"/>
+          </p:nvPr>
+        </p:nvSpPr>
+        <p:spPr/>
+        <p:txBody>
+          <a:bodyPr>
+            <a:normAutofit fontScale="92500" lnSpcReduction="10000"/>
+          </a:bodyPr>
+          <a:lstStyle/>
+          <a:p>
+            <a:r>
+              <a:rPr lang="en-US" i="1" dirty="0"/>
+              <a:t>Developers' questions </a:t>
+            </a:r>
+          </a:p>
+          <a:p>
+            <a:r>
+              <a:rPr lang="en-US" dirty="0"/>
+              <a:t>Can I run chatgpt on my PC -&gt; </a:t>
+            </a:r>
+            <a:r>
+              <a:rPr lang="en-US" dirty="0">
+                <a:solidFill>
+                  <a:srgbClr val="FF0000"/>
+                </a:solidFill>
+              </a:rPr>
+              <a:t>No</a:t>
+            </a:r>
+          </a:p>
+          <a:p>
+            <a:r>
+              <a:rPr lang="en-US" dirty="0"/>
+              <a:t>Can I access it as </a:t>
+            </a:r>
+            <a:br>
+              <a:rPr lang="en-US" dirty="0"/>
+            </a:br>
+            <a:r>
+              <a:rPr lang="en-US" dirty="0"/>
+              <a:t>an api service? -&gt; </a:t>
+            </a:r>
+            <a:r>
+              <a:rPr lang="en-US" dirty="0">
+                <a:solidFill>
+                  <a:srgbClr val="FF0000"/>
+                </a:solidFill>
+              </a:rPr>
+              <a:t>Yes</a:t>
+            </a:r>
+          </a:p>
+          <a:p>
+            <a:r>
+              <a:rPr lang="en-US" dirty="0"/>
+              <a:t>Can make a clone of the model, </a:t>
+            </a:r>
+            <a:br>
+              <a:rPr lang="en-US" dirty="0"/>
+            </a:br>
+            <a:r>
+              <a:rPr lang="en-US" dirty="0"/>
+              <a:t>and train (fine-tune) it, </a:t>
+            </a:r>
+            <a:br>
+              <a:rPr lang="en-US" dirty="0"/>
+            </a:br>
+            <a:r>
+              <a:rPr lang="en-US" dirty="0"/>
+              <a:t>so that it can reply about </a:t>
+            </a:r>
+            <a:br>
+              <a:rPr lang="en-US" dirty="0"/>
+            </a:br>
+            <a:r>
+              <a:rPr lang="en-US" dirty="0"/>
+              <a:t>my domain specific data ? -&gt; </a:t>
+            </a:r>
+            <a:r>
+              <a:rPr lang="en-US" dirty="0">
+                <a:solidFill>
+                  <a:srgbClr val="FF0000"/>
+                </a:solidFill>
+              </a:rPr>
+              <a:t>Ni</a:t>
+            </a:r>
+          </a:p>
+          <a:p>
+            <a:r>
+              <a:rPr lang="en-US" dirty="0"/>
+              <a:t>If fine tuning is not an option, is there another way to have it answer about my domain specific data ? -&gt; </a:t>
+            </a:r>
+            <a:r>
+              <a:rPr lang="en-US" dirty="0">
+                <a:solidFill>
+                  <a:srgbClr val="FF0000"/>
+                </a:solidFill>
+              </a:rPr>
+              <a:t>Yes</a:t>
+            </a:r>
+          </a:p>
+          <a:p>
+            <a:endParaRPr lang="en-US" dirty="0"/>
+          </a:p>
+          <a:p>
+            <a:r>
+              <a:rPr lang="en-US" i="1" dirty="0"/>
+              <a:t>This talk will elaborate on the last question</a:t>
+            </a:r>
+          </a:p>
+          <a:p>
+            <a:endParaRPr lang="it-IT" dirty="0"/>
+          </a:p>
+        </p:txBody>
+      </p:sp>
+      <p:sp>
+        <p:nvSpPr>
+          <p:cNvPr id="5" name="Titolo 4">
+            <a:extLst>
+              <a:ext uri="{FF2B5EF4-FFF2-40B4-BE49-F238E27FC236}">
+                <a16:creationId xmlns:a16="http://schemas.microsoft.com/office/drawing/2014/main" id="{8CAE0EFC-B7FF-4C7D-BF02-BDDAEA8577D3}"/>
               </a:ext>
             </a:extLst>
           </p:cNvPr>
@@ -29156,6 +28758,146 @@
           <a:p>
             <a:r>
               <a:rPr lang="en-US" dirty="0"/>
+              <a:t>November 30, 2022</a:t>
+            </a:r>
+            <a:endParaRPr lang="it-IT" dirty="0"/>
+          </a:p>
+        </p:txBody>
+      </p:sp>
+      <p:pic>
+        <p:nvPicPr>
+          <p:cNvPr id="3" name="Content Placeholder 10">
+            <a:extLst>
+              <a:ext uri="{FF2B5EF4-FFF2-40B4-BE49-F238E27FC236}">
+                <a16:creationId xmlns:a16="http://schemas.microsoft.com/office/drawing/2014/main" id="{C16EB108-621A-47DB-4530-67A0B326962F}"/>
+              </a:ext>
+            </a:extLst>
+          </p:cNvPr>
+          <p:cNvPicPr>
+            <a:picLocks noChangeAspect="1"/>
+          </p:cNvPicPr>
+          <p:nvPr/>
+        </p:nvPicPr>
+        <p:blipFill>
+          <a:blip r:embed="rId2">
+            <a:extLst>
+              <a:ext uri="{28A0092B-C50C-407E-A947-70E740481C1C}">
+                <a14:useLocalDpi xmlns:a14="http://schemas.microsoft.com/office/drawing/2010/main" val="0"/>
+              </a:ext>
+            </a:extLst>
+          </a:blip>
+          <a:stretch>
+            <a:fillRect/>
+          </a:stretch>
+        </p:blipFill>
+        <p:spPr>
+          <a:xfrm>
+            <a:off x="5667093" y="1380930"/>
+            <a:ext cx="5287046" cy="2970593"/>
+          </a:xfrm>
+          <a:prstGeom prst="rect">
+            <a:avLst/>
+          </a:prstGeom>
+          <a:effectLst>
+            <a:glow rad="228600">
+              <a:schemeClr val="accent4">
+                <a:satMod val="175000"/>
+                <a:alpha val="40000"/>
+              </a:schemeClr>
+            </a:glow>
+          </a:effectLst>
+        </p:spPr>
+      </p:pic>
+      <p:sp>
+        <p:nvSpPr>
+          <p:cNvPr id="11" name="TextBox 10">
+            <a:extLst>
+              <a:ext uri="{FF2B5EF4-FFF2-40B4-BE49-F238E27FC236}">
+                <a16:creationId xmlns:a16="http://schemas.microsoft.com/office/drawing/2014/main" id="{8B4B035A-BBDD-CB6D-838B-6089F4BA2CF7}"/>
+              </a:ext>
+            </a:extLst>
+          </p:cNvPr>
+          <p:cNvSpPr txBox="1"/>
+          <p:nvPr/>
+        </p:nvSpPr>
+        <p:spPr>
+          <a:xfrm>
+            <a:off x="5542384" y="861448"/>
+            <a:ext cx="6102220" cy="369332"/>
+          </a:xfrm>
+          <a:prstGeom prst="rect">
+            <a:avLst/>
+          </a:prstGeom>
+          <a:noFill/>
+        </p:spPr>
+        <p:txBody>
+          <a:bodyPr wrap="square">
+            <a:spAutoFit/>
+          </a:bodyPr>
+          <a:lstStyle/>
+          <a:p>
+            <a:r>
+              <a:rPr lang="en-US" i="1" u="sng" dirty="0"/>
+              <a:t>https://chat.openai.com</a:t>
+            </a:r>
+          </a:p>
+        </p:txBody>
+      </p:sp>
+    </p:spTree>
+    <p:extLst>
+      <p:ext uri="{BB962C8B-B14F-4D97-AF65-F5344CB8AC3E}">
+        <p14:creationId xmlns:p14="http://schemas.microsoft.com/office/powerpoint/2010/main" val="930085300"/>
+      </p:ext>
+    </p:extLst>
+  </p:cSld>
+  <p:clrMapOvr>
+    <a:masterClrMapping/>
+  </p:clrMapOvr>
+</p:sld>
+</file>
+
+<file path=ppt/slides/slide30.xml><?xml version="1.0" encoding="utf-8"?>
+<p:sld xmlns:a="http://schemas.openxmlformats.org/drawingml/2006/main" xmlns:r="http://schemas.openxmlformats.org/officeDocument/2006/relationships" xmlns:p="http://schemas.openxmlformats.org/presentationml/2006/main">
+  <p:cSld>
+    <p:spTree>
+      <p:nvGrpSpPr>
+        <p:cNvPr id="1" name=""/>
+        <p:cNvGrpSpPr/>
+        <p:nvPr/>
+      </p:nvGrpSpPr>
+      <p:grpSpPr>
+        <a:xfrm>
+          <a:off x="0" y="0"/>
+          <a:ext cx="0" cy="0"/>
+          <a:chOff x="0" y="0"/>
+          <a:chExt cx="0" cy="0"/>
+        </a:xfrm>
+      </p:grpSpPr>
+      <p:sp>
+        <p:nvSpPr>
+          <p:cNvPr id="2" name="Title 1">
+            <a:extLst>
+              <a:ext uri="{FF2B5EF4-FFF2-40B4-BE49-F238E27FC236}">
+                <a16:creationId xmlns:a16="http://schemas.microsoft.com/office/drawing/2014/main" id="{FDD6A32B-DDCD-6BBC-FCB6-6E476EAC3902}"/>
+              </a:ext>
+            </a:extLst>
+          </p:cNvPr>
+          <p:cNvSpPr>
+            <a:spLocks noGrp="1"/>
+          </p:cNvSpPr>
+          <p:nvPr>
+            <p:ph type="title"/>
+          </p:nvPr>
+        </p:nvSpPr>
+        <p:spPr/>
+        <p:txBody>
+          <a:bodyPr>
+            <a:normAutofit fontScale="90000"/>
+          </a:bodyPr>
+          <a:lstStyle/>
+          <a:p>
+            <a:r>
+              <a:rPr lang="en-US" dirty="0"/>
               <a:t>Talk and Hear with your chatbot</a:t>
             </a:r>
           </a:p>
@@ -29184,7 +28926,7 @@
           <a:p>
             <a:r>
               <a:rPr lang="en-US" dirty="0"/>
-              <a:t>Use Azure speech-to-text and text-to-speech on top in our client </a:t>
+              <a:t>Use Azure speech-to-text and text-to-speech on top of client </a:t>
             </a:r>
           </a:p>
         </p:txBody>
@@ -29443,17 +29185,17 @@
         </p:nvSpPr>
         <p:spPr>
           <a:xfrm>
-            <a:off x="3142988" y="2133863"/>
+            <a:off x="672728" y="5350926"/>
             <a:ext cx="1274776" cy="612648"/>
           </a:xfrm>
           <a:prstGeom prst="accentBorderCallout2">
             <a:avLst>
-              <a:gd name="adj1" fmla="val 18750"/>
-              <a:gd name="adj2" fmla="val -8333"/>
-              <a:gd name="adj3" fmla="val 18750"/>
-              <a:gd name="adj4" fmla="val -16667"/>
-              <a:gd name="adj5" fmla="val 279736"/>
-              <a:gd name="adj6" fmla="val -37028"/>
+              <a:gd name="adj1" fmla="val 52917"/>
+              <a:gd name="adj2" fmla="val 109201"/>
+              <a:gd name="adj3" fmla="val 47522"/>
+              <a:gd name="adj4" fmla="val 103460"/>
+              <a:gd name="adj5" fmla="val -220175"/>
+              <a:gd name="adj6" fmla="val 148780"/>
             </a:avLst>
           </a:prstGeom>
           <a:solidFill>
@@ -29487,68 +29229,6 @@
             <a:r>
               <a:rPr lang="en-US" dirty="0"/>
               <a:t>speech-to-text</a:t>
-            </a:r>
-          </a:p>
-        </p:txBody>
-      </p:sp>
-      <p:sp>
-        <p:nvSpPr>
-          <p:cNvPr id="10" name="Callout: Bent Line with Border and Accent Bar 9">
-            <a:extLst>
-              <a:ext uri="{FF2B5EF4-FFF2-40B4-BE49-F238E27FC236}">
-                <a16:creationId xmlns:a16="http://schemas.microsoft.com/office/drawing/2014/main" id="{0435D030-C177-DF7E-B14D-46D1D207A10D}"/>
-              </a:ext>
-            </a:extLst>
-          </p:cNvPr>
-          <p:cNvSpPr/>
-          <p:nvPr/>
-        </p:nvSpPr>
-        <p:spPr>
-          <a:xfrm>
-            <a:off x="3318231" y="5857161"/>
-            <a:ext cx="1274776" cy="612648"/>
-          </a:xfrm>
-          <a:prstGeom prst="accentBorderCallout2">
-            <a:avLst>
-              <a:gd name="adj1" fmla="val 18750"/>
-              <a:gd name="adj2" fmla="val -8333"/>
-              <a:gd name="adj3" fmla="val 18750"/>
-              <a:gd name="adj4" fmla="val -16667"/>
-              <a:gd name="adj5" fmla="val -153639"/>
-              <a:gd name="adj6" fmla="val -44806"/>
-            </a:avLst>
-          </a:prstGeom>
-          <a:solidFill>
-            <a:schemeClr val="accent5">
-              <a:lumMod val="60000"/>
-              <a:lumOff val="40000"/>
-            </a:schemeClr>
-          </a:solidFill>
-        </p:spPr>
-        <p:style>
-          <a:lnRef idx="2">
-            <a:schemeClr val="accent1">
-              <a:shade val="15000"/>
-            </a:schemeClr>
-          </a:lnRef>
-          <a:fillRef idx="1">
-            <a:schemeClr val="accent1"/>
-          </a:fillRef>
-          <a:effectRef idx="0">
-            <a:schemeClr val="accent1"/>
-          </a:effectRef>
-          <a:fontRef idx="minor">
-            <a:schemeClr val="lt1"/>
-          </a:fontRef>
-        </p:style>
-        <p:txBody>
-          <a:bodyPr rtlCol="0" anchor="ctr"/>
-          <a:lstStyle/>
-          <a:p>
-            <a:pPr algn="ctr"/>
-            <a:r>
-              <a:rPr lang="en-US" dirty="0"/>
-              <a:t>Text-to-speech</a:t>
             </a:r>
           </a:p>
         </p:txBody>
@@ -29723,10 +29403,236 @@
           </a:fontRef>
         </p:style>
       </p:cxnSp>
+      <p:sp>
+        <p:nvSpPr>
+          <p:cNvPr id="15" name="TextBox 14">
+            <a:extLst>
+              <a:ext uri="{FF2B5EF4-FFF2-40B4-BE49-F238E27FC236}">
+                <a16:creationId xmlns:a16="http://schemas.microsoft.com/office/drawing/2014/main" id="{EDD47FBA-20A6-540F-6BEE-FE21C49B8D91}"/>
+              </a:ext>
+            </a:extLst>
+          </p:cNvPr>
+          <p:cNvSpPr txBox="1"/>
+          <p:nvPr/>
+        </p:nvSpPr>
+        <p:spPr>
+          <a:xfrm>
+            <a:off x="733188" y="2596373"/>
+            <a:ext cx="3433231" cy="646331"/>
+          </a:xfrm>
+          <a:prstGeom prst="rect">
+            <a:avLst/>
+          </a:prstGeom>
+          <a:noFill/>
+        </p:spPr>
+        <p:txBody>
+          <a:bodyPr wrap="square" rtlCol="0">
+            <a:spAutoFit/>
+          </a:bodyPr>
+          <a:lstStyle/>
+          <a:p>
+            <a:pPr algn="ctr"/>
+            <a:r>
+              <a:rPr lang="en-US" dirty="0"/>
+              <a:t>UI : </a:t>
+            </a:r>
+            <a:br>
+              <a:rPr lang="en-US" dirty="0"/>
+            </a:br>
+            <a:r>
+              <a:rPr lang="en-US" dirty="0"/>
+              <a:t>JS / Windows app</a:t>
+            </a:r>
+          </a:p>
+        </p:txBody>
+      </p:sp>
+      <p:sp>
+        <p:nvSpPr>
+          <p:cNvPr id="10" name="Callout: Bent Line with Border and Accent Bar 9">
+            <a:extLst>
+              <a:ext uri="{FF2B5EF4-FFF2-40B4-BE49-F238E27FC236}">
+                <a16:creationId xmlns:a16="http://schemas.microsoft.com/office/drawing/2014/main" id="{0435D030-C177-DF7E-B14D-46D1D207A10D}"/>
+              </a:ext>
+            </a:extLst>
+          </p:cNvPr>
+          <p:cNvSpPr/>
+          <p:nvPr/>
+        </p:nvSpPr>
+        <p:spPr>
+          <a:xfrm>
+            <a:off x="3318231" y="5857161"/>
+            <a:ext cx="1274776" cy="612648"/>
+          </a:xfrm>
+          <a:prstGeom prst="accentBorderCallout2">
+            <a:avLst>
+              <a:gd name="adj1" fmla="val 18750"/>
+              <a:gd name="adj2" fmla="val -8333"/>
+              <a:gd name="adj3" fmla="val 18750"/>
+              <a:gd name="adj4" fmla="val -16667"/>
+              <a:gd name="adj5" fmla="val -191402"/>
+              <a:gd name="adj6" fmla="val -32707"/>
+            </a:avLst>
+          </a:prstGeom>
+          <a:solidFill>
+            <a:schemeClr val="accent5">
+              <a:lumMod val="60000"/>
+              <a:lumOff val="40000"/>
+            </a:schemeClr>
+          </a:solidFill>
+        </p:spPr>
+        <p:style>
+          <a:lnRef idx="2">
+            <a:schemeClr val="accent1">
+              <a:shade val="15000"/>
+            </a:schemeClr>
+          </a:lnRef>
+          <a:fillRef idx="1">
+            <a:schemeClr val="accent1"/>
+          </a:fillRef>
+          <a:effectRef idx="0">
+            <a:schemeClr val="accent1"/>
+          </a:effectRef>
+          <a:fontRef idx="minor">
+            <a:schemeClr val="lt1"/>
+          </a:fontRef>
+        </p:style>
+        <p:txBody>
+          <a:bodyPr rtlCol="0" anchor="ctr"/>
+          <a:lstStyle/>
+          <a:p>
+            <a:pPr algn="ctr"/>
+            <a:r>
+              <a:rPr lang="en-US" dirty="0"/>
+              <a:t>Text-to-speech</a:t>
+            </a:r>
+          </a:p>
+        </p:txBody>
+      </p:sp>
     </p:spTree>
     <p:extLst>
       <p:ext uri="{BB962C8B-B14F-4D97-AF65-F5344CB8AC3E}">
         <p14:creationId xmlns:p14="http://schemas.microsoft.com/office/powerpoint/2010/main" val="3283209763"/>
+      </p:ext>
+    </p:extLst>
+  </p:cSld>
+  <p:clrMapOvr>
+    <a:masterClrMapping/>
+  </p:clrMapOvr>
+</p:sld>
+</file>
+
+<file path=ppt/slides/slide31.xml><?xml version="1.0" encoding="utf-8"?>
+<p:sld xmlns:a="http://schemas.openxmlformats.org/drawingml/2006/main" xmlns:r="http://schemas.openxmlformats.org/officeDocument/2006/relationships" xmlns:p="http://schemas.openxmlformats.org/presentationml/2006/main">
+  <p:cSld>
+    <p:spTree>
+      <p:nvGrpSpPr>
+        <p:cNvPr id="1" name=""/>
+        <p:cNvGrpSpPr/>
+        <p:nvPr/>
+      </p:nvGrpSpPr>
+      <p:grpSpPr>
+        <a:xfrm>
+          <a:off x="0" y="0"/>
+          <a:ext cx="0" cy="0"/>
+          <a:chOff x="0" y="0"/>
+          <a:chExt cx="0" cy="0"/>
+        </a:xfrm>
+      </p:grpSpPr>
+      <p:sp>
+        <p:nvSpPr>
+          <p:cNvPr id="2" name="Title 1">
+            <a:extLst>
+              <a:ext uri="{FF2B5EF4-FFF2-40B4-BE49-F238E27FC236}">
+                <a16:creationId xmlns:a16="http://schemas.microsoft.com/office/drawing/2014/main" id="{1B7DF310-4C4A-9F13-34B0-7D3A00C5B832}"/>
+              </a:ext>
+            </a:extLst>
+          </p:cNvPr>
+          <p:cNvSpPr>
+            <a:spLocks noGrp="1"/>
+          </p:cNvSpPr>
+          <p:nvPr>
+            <p:ph type="title"/>
+          </p:nvPr>
+        </p:nvSpPr>
+        <p:spPr/>
+        <p:txBody>
+          <a:bodyPr>
+            <a:normAutofit fontScale="90000"/>
+          </a:bodyPr>
+          <a:lstStyle/>
+          <a:p>
+            <a:r>
+              <a:rPr lang="en-US" dirty="0"/>
+              <a:t>Ad-hoc or out of the shelf solution, or in between (MS Semantic Kernel)</a:t>
+            </a:r>
+          </a:p>
+        </p:txBody>
+      </p:sp>
+      <p:sp>
+        <p:nvSpPr>
+          <p:cNvPr id="3" name="Content Placeholder 2">
+            <a:extLst>
+              <a:ext uri="{FF2B5EF4-FFF2-40B4-BE49-F238E27FC236}">
+                <a16:creationId xmlns:a16="http://schemas.microsoft.com/office/drawing/2014/main" id="{DBD06467-3C14-1B90-9C21-74370B96C780}"/>
+              </a:ext>
+            </a:extLst>
+          </p:cNvPr>
+          <p:cNvSpPr>
+            <a:spLocks noGrp="1"/>
+          </p:cNvSpPr>
+          <p:nvPr>
+            <p:ph idx="1"/>
+          </p:nvPr>
+        </p:nvSpPr>
+        <p:spPr/>
+        <p:txBody>
+          <a:bodyPr/>
+          <a:lstStyle/>
+          <a:p>
+            <a:r>
+              <a:rPr lang="en-US" dirty="0"/>
+              <a:t>It depends, however now you know what is under the cover</a:t>
+            </a:r>
+          </a:p>
+          <a:p>
+            <a:pPr lvl="1"/>
+            <a:r>
+              <a:rPr lang="en-US" dirty="0"/>
+              <a:t>Embeddings</a:t>
+            </a:r>
+          </a:p>
+          <a:p>
+            <a:pPr lvl="1"/>
+            <a:r>
+              <a:rPr lang="en-US" dirty="0"/>
+              <a:t>Token limits</a:t>
+            </a:r>
+          </a:p>
+          <a:p>
+            <a:pPr lvl="1"/>
+            <a:r>
+              <a:rPr lang="en-US" dirty="0"/>
+              <a:t>etc..</a:t>
+            </a:r>
+          </a:p>
+          <a:p>
+            <a:r>
+              <a:rPr lang="en-US" dirty="0"/>
+              <a:t>So that you have the knowledge to take the right decision</a:t>
+            </a:r>
+          </a:p>
+          <a:p>
+            <a:r>
+              <a:rPr lang="en-US" dirty="0"/>
+              <a:t>And this stuff applies to other LLM as well (e.g. Llama2)</a:t>
+            </a:r>
+          </a:p>
+        </p:txBody>
+      </p:sp>
+    </p:spTree>
+    <p:extLst>
+      <p:ext uri="{BB962C8B-B14F-4D97-AF65-F5344CB8AC3E}">
+        <p14:creationId xmlns:p14="http://schemas.microsoft.com/office/powerpoint/2010/main" val="2373690492"/>
       </p:ext>
     </p:extLst>
   </p:cSld>
@@ -29755,10 +29661,10 @@
       </p:grpSpPr>
       <p:sp>
         <p:nvSpPr>
-          <p:cNvPr id="2" name="Title 1">
-            <a:extLst>
-              <a:ext uri="{FF2B5EF4-FFF2-40B4-BE49-F238E27FC236}">
-                <a16:creationId xmlns:a16="http://schemas.microsoft.com/office/drawing/2014/main" id="{012B66D2-7581-C394-0A89-20FC759CDD8F}"/>
+          <p:cNvPr id="2" name="Titolo 1">
+            <a:extLst>
+              <a:ext uri="{FF2B5EF4-FFF2-40B4-BE49-F238E27FC236}">
+                <a16:creationId xmlns:a16="http://schemas.microsoft.com/office/drawing/2014/main" id="{0E689928-B287-4F6F-9288-1DE7ADE2F318}"/>
               </a:ext>
             </a:extLst>
           </p:cNvPr>
@@ -29776,82 +29682,14 @@
           </a:bodyPr>
           <a:lstStyle/>
           <a:p>
-            <a:r>
-              <a:rPr lang="en-US" dirty="0"/>
-              <a:t>Azure OpenAI on your data</a:t>
-            </a:r>
-          </a:p>
-        </p:txBody>
-      </p:sp>
-      <p:sp>
-        <p:nvSpPr>
-          <p:cNvPr id="3" name="Content Placeholder 2">
-            <a:extLst>
-              <a:ext uri="{FF2B5EF4-FFF2-40B4-BE49-F238E27FC236}">
-                <a16:creationId xmlns:a16="http://schemas.microsoft.com/office/drawing/2014/main" id="{DB7661FE-F006-CDE0-285E-C18DB0193523}"/>
-              </a:ext>
-            </a:extLst>
-          </p:cNvPr>
-          <p:cNvSpPr>
-            <a:spLocks noGrp="1"/>
-          </p:cNvSpPr>
-          <p:nvPr>
-            <p:ph idx="1"/>
-          </p:nvPr>
-        </p:nvSpPr>
-        <p:spPr>
-          <a:xfrm>
-            <a:off x="838200" y="1493240"/>
-            <a:ext cx="10515600" cy="4874004"/>
-          </a:xfrm>
-        </p:spPr>
-        <p:txBody>
-          <a:bodyPr>
-            <a:normAutofit/>
-          </a:bodyPr>
-          <a:lstStyle/>
-          <a:p>
-            <a:pPr marL="0" indent="0" algn="ctr">
-              <a:buNone/>
-            </a:pPr>
-            <a:endParaRPr lang="en-US" dirty="0"/>
-          </a:p>
-        </p:txBody>
-      </p:sp>
-      <p:pic>
-        <p:nvPicPr>
-          <p:cNvPr id="5" name="Picture 4">
-            <a:extLst>
-              <a:ext uri="{FF2B5EF4-FFF2-40B4-BE49-F238E27FC236}">
-                <a16:creationId xmlns:a16="http://schemas.microsoft.com/office/drawing/2014/main" id="{898EFCAD-F3DA-BED4-A3F0-C4081F67DE8C}"/>
-              </a:ext>
-            </a:extLst>
-          </p:cNvPr>
-          <p:cNvPicPr>
-            <a:picLocks noChangeAspect="1"/>
-          </p:cNvPicPr>
-          <p:nvPr/>
-        </p:nvPicPr>
-        <p:blipFill>
-          <a:blip r:embed="rId2"/>
-          <a:stretch>
-            <a:fillRect/>
-          </a:stretch>
-        </p:blipFill>
-        <p:spPr>
-          <a:xfrm>
-            <a:off x="406732" y="1493240"/>
-            <a:ext cx="7648104" cy="4874004"/>
-          </a:xfrm>
-          <a:prstGeom prst="rect">
-            <a:avLst/>
-          </a:prstGeom>
-        </p:spPr>
-      </p:pic>
+            <a:endParaRPr lang="it-IT" dirty="0"/>
+          </a:p>
+        </p:txBody>
+      </p:sp>
     </p:spTree>
     <p:extLst>
       <p:ext uri="{BB962C8B-B14F-4D97-AF65-F5344CB8AC3E}">
-        <p14:creationId xmlns:p14="http://schemas.microsoft.com/office/powerpoint/2010/main" val="3467651879"/>
+        <p14:creationId xmlns:p14="http://schemas.microsoft.com/office/powerpoint/2010/main" val="3575452940"/>
       </p:ext>
     </p:extLst>
   </p:cSld>
@@ -29880,663 +29718,6 @@
       </p:grpSpPr>
       <p:sp>
         <p:nvSpPr>
-          <p:cNvPr id="2" name="Title 1">
-            <a:extLst>
-              <a:ext uri="{FF2B5EF4-FFF2-40B4-BE49-F238E27FC236}">
-                <a16:creationId xmlns:a16="http://schemas.microsoft.com/office/drawing/2014/main" id="{861954B7-1571-3F3C-FDD8-81008133593A}"/>
-              </a:ext>
-            </a:extLst>
-          </p:cNvPr>
-          <p:cNvSpPr>
-            <a:spLocks noGrp="1"/>
-          </p:cNvSpPr>
-          <p:nvPr>
-            <p:ph type="title"/>
-          </p:nvPr>
-        </p:nvSpPr>
-        <p:spPr/>
-        <p:txBody>
-          <a:bodyPr>
-            <a:normAutofit fontScale="90000"/>
-          </a:bodyPr>
-          <a:lstStyle/>
-          <a:p>
-            <a:r>
-              <a:rPr lang="en-US" dirty="0"/>
-              <a:t>Azure OpenAI on your data</a:t>
-            </a:r>
-          </a:p>
-        </p:txBody>
-      </p:sp>
-      <p:sp>
-        <p:nvSpPr>
-          <p:cNvPr id="3" name="Content Placeholder 2">
-            <a:extLst>
-              <a:ext uri="{FF2B5EF4-FFF2-40B4-BE49-F238E27FC236}">
-                <a16:creationId xmlns:a16="http://schemas.microsoft.com/office/drawing/2014/main" id="{71C53086-3BE7-4D9A-84EB-2739C05AE2E0}"/>
-              </a:ext>
-            </a:extLst>
-          </p:cNvPr>
-          <p:cNvSpPr>
-            <a:spLocks noGrp="1"/>
-          </p:cNvSpPr>
-          <p:nvPr>
-            <p:ph idx="1"/>
-          </p:nvPr>
-        </p:nvSpPr>
-        <p:spPr/>
-        <p:txBody>
-          <a:bodyPr/>
-          <a:lstStyle/>
-          <a:p>
-            <a:pPr marL="0" indent="0" algn="ctr">
-              <a:buNone/>
-            </a:pPr>
-            <a:r>
-              <a:rPr lang="en-US" b="1" i="1" dirty="0"/>
-              <a:t>No-Code experience to develop "your domain expert chatbot using azure open.ai" </a:t>
-            </a:r>
-          </a:p>
-          <a:p>
-            <a:endParaRPr lang="en-US" dirty="0"/>
-          </a:p>
-          <a:p>
-            <a:r>
-              <a:rPr lang="en-US" dirty="0"/>
-              <a:t>Exposed as an api extension of competition-chat </a:t>
-            </a:r>
-          </a:p>
-          <a:p>
-            <a:pPr lvl="1"/>
-            <a:r>
-              <a:rPr lang="en-US" b="0" i="0" dirty="0">
-                <a:solidFill>
-                  <a:srgbClr val="161616"/>
-                </a:solidFill>
-                <a:effectLst/>
-                <a:latin typeface="SFMono-Regular"/>
-              </a:rPr>
-              <a:t>YOUR_RESOURCE_NAME/</a:t>
-            </a:r>
-            <a:r>
-              <a:rPr lang="en-US" b="0" i="0" dirty="0" err="1">
-                <a:solidFill>
-                  <a:srgbClr val="161616"/>
-                </a:solidFill>
-                <a:effectLst/>
-                <a:latin typeface="SFMono-Regular"/>
-              </a:rPr>
-              <a:t>openai</a:t>
-            </a:r>
-            <a:r>
-              <a:rPr lang="en-US" b="0" i="0" dirty="0">
-                <a:solidFill>
-                  <a:srgbClr val="161616"/>
-                </a:solidFill>
-                <a:effectLst/>
-                <a:latin typeface="SFMono-Regular"/>
-              </a:rPr>
-              <a:t>/deployments/YOUR_DEPLOYMENT_NAME/</a:t>
-            </a:r>
-            <a:r>
-              <a:rPr lang="en-US" b="1" i="0" dirty="0">
-                <a:solidFill>
-                  <a:srgbClr val="161616"/>
-                </a:solidFill>
-                <a:effectLst/>
-                <a:latin typeface="SFMono-Regular"/>
-              </a:rPr>
-              <a:t>extensions</a:t>
-            </a:r>
-            <a:r>
-              <a:rPr lang="en-US" b="0" i="0" dirty="0">
-                <a:solidFill>
-                  <a:srgbClr val="161616"/>
-                </a:solidFill>
-                <a:effectLst/>
-                <a:latin typeface="SFMono-Regular"/>
-              </a:rPr>
-              <a:t>/chat/</a:t>
-            </a:r>
-            <a:r>
-              <a:rPr lang="en-US" b="0" i="0" dirty="0" err="1">
-                <a:solidFill>
-                  <a:srgbClr val="161616"/>
-                </a:solidFill>
-                <a:effectLst/>
-                <a:latin typeface="SFMono-Regular"/>
-              </a:rPr>
-              <a:t>completions?api-version</a:t>
-            </a:r>
-            <a:r>
-              <a:rPr lang="en-US" b="0" i="0" dirty="0">
-                <a:solidFill>
-                  <a:srgbClr val="161616"/>
-                </a:solidFill>
-                <a:effectLst/>
-                <a:latin typeface="SFMono-Regular"/>
-              </a:rPr>
-              <a:t>=.. </a:t>
-            </a:r>
-          </a:p>
-          <a:p>
-            <a:r>
-              <a:rPr lang="en-US" dirty="0"/>
-              <a:t>Document upload </a:t>
-            </a:r>
-          </a:p>
-          <a:p>
-            <a:pPr lvl="1"/>
-            <a:r>
-              <a:rPr lang="en-US" dirty="0"/>
-              <a:t>Automatic conversion of html, pdf, word, </a:t>
-            </a:r>
-            <a:r>
-              <a:rPr lang="en-US" dirty="0" err="1"/>
-              <a:t>etc</a:t>
-            </a:r>
-            <a:r>
-              <a:rPr lang="en-US" dirty="0"/>
-              <a:t> .. files to text files</a:t>
-            </a:r>
-          </a:p>
-          <a:p>
-            <a:pPr lvl="1"/>
-            <a:r>
-              <a:rPr lang="en-US" dirty="0"/>
-              <a:t>Splitting of docs is still under your responsibility</a:t>
-            </a:r>
-          </a:p>
-          <a:p>
-            <a:endParaRPr lang="en-US" dirty="0"/>
-          </a:p>
-        </p:txBody>
-      </p:sp>
-    </p:spTree>
-    <p:extLst>
-      <p:ext uri="{BB962C8B-B14F-4D97-AF65-F5344CB8AC3E}">
-        <p14:creationId xmlns:p14="http://schemas.microsoft.com/office/powerpoint/2010/main" val="2138722998"/>
-      </p:ext>
-    </p:extLst>
-  </p:cSld>
-  <p:clrMapOvr>
-    <a:masterClrMapping/>
-  </p:clrMapOvr>
-</p:sld>
-</file>
-
-<file path=ppt/slides/slide34.xml><?xml version="1.0" encoding="utf-8"?>
-<p:sld xmlns:a="http://schemas.openxmlformats.org/drawingml/2006/main" xmlns:r="http://schemas.openxmlformats.org/officeDocument/2006/relationships" xmlns:p="http://schemas.openxmlformats.org/presentationml/2006/main">
-  <p:cSld>
-    <p:spTree>
-      <p:nvGrpSpPr>
-        <p:cNvPr id="1" name=""/>
-        <p:cNvGrpSpPr/>
-        <p:nvPr/>
-      </p:nvGrpSpPr>
-      <p:grpSpPr>
-        <a:xfrm>
-          <a:off x="0" y="0"/>
-          <a:ext cx="0" cy="0"/>
-          <a:chOff x="0" y="0"/>
-          <a:chExt cx="0" cy="0"/>
-        </a:xfrm>
-      </p:grpSpPr>
-      <p:sp>
-        <p:nvSpPr>
-          <p:cNvPr id="2" name="Title 1">
-            <a:extLst>
-              <a:ext uri="{FF2B5EF4-FFF2-40B4-BE49-F238E27FC236}">
-                <a16:creationId xmlns:a16="http://schemas.microsoft.com/office/drawing/2014/main" id="{31A02EB9-F952-1F10-3ADD-9FBBF26A6FBB}"/>
-              </a:ext>
-            </a:extLst>
-          </p:cNvPr>
-          <p:cNvSpPr>
-            <a:spLocks noGrp="1"/>
-          </p:cNvSpPr>
-          <p:nvPr>
-            <p:ph type="title"/>
-          </p:nvPr>
-        </p:nvSpPr>
-        <p:spPr/>
-        <p:txBody>
-          <a:bodyPr>
-            <a:normAutofit fontScale="90000"/>
-          </a:bodyPr>
-          <a:lstStyle/>
-          <a:p>
-            <a:r>
-              <a:rPr lang="en-US" dirty="0"/>
-              <a:t>Azure OpenAI on your data</a:t>
-            </a:r>
-          </a:p>
-        </p:txBody>
-      </p:sp>
-      <p:sp>
-        <p:nvSpPr>
-          <p:cNvPr id="3" name="Content Placeholder 2">
-            <a:extLst>
-              <a:ext uri="{FF2B5EF4-FFF2-40B4-BE49-F238E27FC236}">
-                <a16:creationId xmlns:a16="http://schemas.microsoft.com/office/drawing/2014/main" id="{CDFE00B6-4724-2D7E-4574-7459808882B3}"/>
-              </a:ext>
-            </a:extLst>
-          </p:cNvPr>
-          <p:cNvSpPr>
-            <a:spLocks noGrp="1"/>
-          </p:cNvSpPr>
-          <p:nvPr>
-            <p:ph idx="1"/>
-          </p:nvPr>
-        </p:nvSpPr>
-        <p:spPr/>
-        <p:txBody>
-          <a:bodyPr/>
-          <a:lstStyle/>
-          <a:p>
-            <a:r>
-              <a:rPr lang="en-US" dirty="0"/>
-              <a:t>Requires a storage account where documents are uploaded</a:t>
-            </a:r>
-          </a:p>
-          <a:p>
-            <a:r>
-              <a:rPr lang="en-US" dirty="0"/>
-              <a:t>Requires an Azure Cognitive Search index</a:t>
-            </a:r>
-          </a:p>
-          <a:p>
-            <a:pPr lvl="1"/>
-            <a:r>
-              <a:rPr lang="en-US" i="1" dirty="0"/>
-              <a:t>Recently vector search (cosine proximity) has been made available</a:t>
-            </a:r>
-          </a:p>
-          <a:p>
-            <a:pPr lvl="1"/>
-            <a:r>
-              <a:rPr lang="en-US" i="1" dirty="0"/>
-              <a:t>Recently a persistent storage for conversation con be used (Cosmo </a:t>
-            </a:r>
-            <a:r>
-              <a:rPr lang="en-US" i="1" dirty="0" err="1"/>
-              <a:t>db</a:t>
-            </a:r>
-            <a:r>
-              <a:rPr lang="en-US" i="1" dirty="0"/>
-              <a:t>)</a:t>
-            </a:r>
-          </a:p>
-          <a:p>
-            <a:r>
-              <a:rPr lang="en-US" dirty="0"/>
-              <a:t>One quick deployment as an Azure web app</a:t>
-            </a:r>
-          </a:p>
-          <a:p>
-            <a:pPr lvl="1"/>
-            <a:r>
-              <a:rPr lang="en-US" dirty="0">
-                <a:hlinkClick r:id="rId2"/>
-              </a:rPr>
-              <a:t>https://github.com/microsoft/sample-app-aoai-chatGPT</a:t>
-            </a:r>
-            <a:r>
-              <a:rPr lang="en-US" dirty="0"/>
-              <a:t> (Python code)</a:t>
-            </a:r>
-          </a:p>
-          <a:p>
-            <a:pPr lvl="1"/>
-            <a:endParaRPr lang="en-US" dirty="0"/>
-          </a:p>
-          <a:p>
-            <a:pPr lvl="1"/>
-            <a:endParaRPr lang="en-US" dirty="0">
-              <a:solidFill>
-                <a:srgbClr val="FF0000"/>
-              </a:solidFill>
-            </a:endParaRPr>
-          </a:p>
-          <a:p>
-            <a:endParaRPr lang="en-US" dirty="0"/>
-          </a:p>
-        </p:txBody>
-      </p:sp>
-    </p:spTree>
-    <p:extLst>
-      <p:ext uri="{BB962C8B-B14F-4D97-AF65-F5344CB8AC3E}">
-        <p14:creationId xmlns:p14="http://schemas.microsoft.com/office/powerpoint/2010/main" val="1180173101"/>
-      </p:ext>
-    </p:extLst>
-  </p:cSld>
-  <p:clrMapOvr>
-    <a:masterClrMapping/>
-  </p:clrMapOvr>
-</p:sld>
-</file>
-
-<file path=ppt/slides/slide35.xml><?xml version="1.0" encoding="utf-8"?>
-<p:sld xmlns:a="http://schemas.openxmlformats.org/drawingml/2006/main" xmlns:r="http://schemas.openxmlformats.org/officeDocument/2006/relationships" xmlns:p="http://schemas.openxmlformats.org/presentationml/2006/main">
-  <p:cSld>
-    <p:spTree>
-      <p:nvGrpSpPr>
-        <p:cNvPr id="1" name=""/>
-        <p:cNvGrpSpPr/>
-        <p:nvPr/>
-      </p:nvGrpSpPr>
-      <p:grpSpPr>
-        <a:xfrm>
-          <a:off x="0" y="0"/>
-          <a:ext cx="0" cy="0"/>
-          <a:chOff x="0" y="0"/>
-          <a:chExt cx="0" cy="0"/>
-        </a:xfrm>
-      </p:grpSpPr>
-      <p:sp>
-        <p:nvSpPr>
-          <p:cNvPr id="2" name="Title 1">
-            <a:extLst>
-              <a:ext uri="{FF2B5EF4-FFF2-40B4-BE49-F238E27FC236}">
-                <a16:creationId xmlns:a16="http://schemas.microsoft.com/office/drawing/2014/main" id="{B47E380A-5264-55BA-1F11-AF322B287B84}"/>
-              </a:ext>
-            </a:extLst>
-          </p:cNvPr>
-          <p:cNvSpPr>
-            <a:spLocks noGrp="1"/>
-          </p:cNvSpPr>
-          <p:nvPr>
-            <p:ph type="title"/>
-          </p:nvPr>
-        </p:nvSpPr>
-        <p:spPr/>
-        <p:txBody>
-          <a:bodyPr>
-            <a:normAutofit fontScale="90000"/>
-          </a:bodyPr>
-          <a:lstStyle/>
-          <a:p>
-            <a:r>
-              <a:rPr lang="en-US" dirty="0"/>
-              <a:t>MS </a:t>
-            </a:r>
-            <a:r>
-              <a:rPr lang="en-US"/>
-              <a:t>Semantic Kernel</a:t>
-            </a:r>
-            <a:endParaRPr lang="en-US" dirty="0"/>
-          </a:p>
-        </p:txBody>
-      </p:sp>
-      <p:sp>
-        <p:nvSpPr>
-          <p:cNvPr id="3" name="Content Placeholder 2">
-            <a:extLst>
-              <a:ext uri="{FF2B5EF4-FFF2-40B4-BE49-F238E27FC236}">
-                <a16:creationId xmlns:a16="http://schemas.microsoft.com/office/drawing/2014/main" id="{5B75FCC0-BE04-32CE-D5E0-1414A6703FDE}"/>
-              </a:ext>
-            </a:extLst>
-          </p:cNvPr>
-          <p:cNvSpPr>
-            <a:spLocks noGrp="1"/>
-          </p:cNvSpPr>
-          <p:nvPr>
-            <p:ph idx="1"/>
-          </p:nvPr>
-        </p:nvSpPr>
-        <p:spPr/>
-        <p:txBody>
-          <a:bodyPr/>
-          <a:lstStyle/>
-          <a:p>
-            <a:r>
-              <a:rPr lang="en-US" dirty="0"/>
-              <a:t>Set of libraries in Python, Java and Net that abstract to a certain degree </a:t>
-            </a:r>
-          </a:p>
-          <a:p>
-            <a:pPr lvl="1"/>
-            <a:r>
-              <a:rPr lang="en-US" dirty="0"/>
-              <a:t>Interaction with LLM</a:t>
-            </a:r>
-          </a:p>
-          <a:p>
-            <a:pPr lvl="1"/>
-            <a:r>
-              <a:rPr lang="en-US" dirty="0"/>
-              <a:t>Conversation management</a:t>
-            </a:r>
-          </a:p>
-          <a:p>
-            <a:pPr lvl="1"/>
-            <a:r>
-              <a:rPr lang="en-US" dirty="0"/>
-              <a:t>Text splitting</a:t>
-            </a:r>
-          </a:p>
-          <a:p>
-            <a:pPr lvl="1"/>
-            <a:r>
-              <a:rPr lang="en-US" dirty="0" err="1"/>
-              <a:t>etc</a:t>
-            </a:r>
-            <a:r>
-              <a:rPr lang="en-US" dirty="0"/>
-              <a:t> .. </a:t>
-            </a:r>
-          </a:p>
-        </p:txBody>
-      </p:sp>
-    </p:spTree>
-    <p:extLst>
-      <p:ext uri="{BB962C8B-B14F-4D97-AF65-F5344CB8AC3E}">
-        <p14:creationId xmlns:p14="http://schemas.microsoft.com/office/powerpoint/2010/main" val="826998513"/>
-      </p:ext>
-    </p:extLst>
-  </p:cSld>
-  <p:clrMapOvr>
-    <a:masterClrMapping/>
-  </p:clrMapOvr>
-</p:sld>
-</file>
-
-<file path=ppt/slides/slide36.xml><?xml version="1.0" encoding="utf-8"?>
-<p:sld xmlns:a="http://schemas.openxmlformats.org/drawingml/2006/main" xmlns:r="http://schemas.openxmlformats.org/officeDocument/2006/relationships" xmlns:p="http://schemas.openxmlformats.org/presentationml/2006/main">
-  <p:cSld>
-    <p:spTree>
-      <p:nvGrpSpPr>
-        <p:cNvPr id="1" name=""/>
-        <p:cNvGrpSpPr/>
-        <p:nvPr/>
-      </p:nvGrpSpPr>
-      <p:grpSpPr>
-        <a:xfrm>
-          <a:off x="0" y="0"/>
-          <a:ext cx="0" cy="0"/>
-          <a:chOff x="0" y="0"/>
-          <a:chExt cx="0" cy="0"/>
-        </a:xfrm>
-      </p:grpSpPr>
-      <p:sp>
-        <p:nvSpPr>
-          <p:cNvPr id="2" name="Title 1">
-            <a:extLst>
-              <a:ext uri="{FF2B5EF4-FFF2-40B4-BE49-F238E27FC236}">
-                <a16:creationId xmlns:a16="http://schemas.microsoft.com/office/drawing/2014/main" id="{1B7DF310-4C4A-9F13-34B0-7D3A00C5B832}"/>
-              </a:ext>
-            </a:extLst>
-          </p:cNvPr>
-          <p:cNvSpPr>
-            <a:spLocks noGrp="1"/>
-          </p:cNvSpPr>
-          <p:nvPr>
-            <p:ph type="title"/>
-          </p:nvPr>
-        </p:nvSpPr>
-        <p:spPr/>
-        <p:txBody>
-          <a:bodyPr>
-            <a:normAutofit fontScale="90000"/>
-          </a:bodyPr>
-          <a:lstStyle/>
-          <a:p>
-            <a:r>
-              <a:rPr lang="en-US" dirty="0"/>
-              <a:t>Ad-hoc or out of the shelf solution, or in between (MS Semantic Kernel)</a:t>
-            </a:r>
-          </a:p>
-        </p:txBody>
-      </p:sp>
-      <p:sp>
-        <p:nvSpPr>
-          <p:cNvPr id="3" name="Content Placeholder 2">
-            <a:extLst>
-              <a:ext uri="{FF2B5EF4-FFF2-40B4-BE49-F238E27FC236}">
-                <a16:creationId xmlns:a16="http://schemas.microsoft.com/office/drawing/2014/main" id="{DBD06467-3C14-1B90-9C21-74370B96C780}"/>
-              </a:ext>
-            </a:extLst>
-          </p:cNvPr>
-          <p:cNvSpPr>
-            <a:spLocks noGrp="1"/>
-          </p:cNvSpPr>
-          <p:nvPr>
-            <p:ph idx="1"/>
-          </p:nvPr>
-        </p:nvSpPr>
-        <p:spPr/>
-        <p:txBody>
-          <a:bodyPr/>
-          <a:lstStyle/>
-          <a:p>
-            <a:r>
-              <a:rPr lang="en-US" dirty="0"/>
-              <a:t>It depends, however now you know what is under the cover</a:t>
-            </a:r>
-          </a:p>
-          <a:p>
-            <a:pPr lvl="1"/>
-            <a:r>
-              <a:rPr lang="en-US" dirty="0"/>
-              <a:t>Embeddings</a:t>
-            </a:r>
-          </a:p>
-          <a:p>
-            <a:pPr lvl="1"/>
-            <a:r>
-              <a:rPr lang="en-US" dirty="0"/>
-              <a:t>Token limits</a:t>
-            </a:r>
-          </a:p>
-          <a:p>
-            <a:pPr lvl="1"/>
-            <a:r>
-              <a:rPr lang="en-US" dirty="0"/>
-              <a:t>etc..</a:t>
-            </a:r>
-          </a:p>
-          <a:p>
-            <a:r>
-              <a:rPr lang="en-US" dirty="0"/>
-              <a:t>So that you have the knowledge to take the right decision</a:t>
-            </a:r>
-          </a:p>
-          <a:p>
-            <a:r>
-              <a:rPr lang="en-US" dirty="0"/>
-              <a:t>And this stuff applies to other LLM as well (e.g. Llama2)</a:t>
-            </a:r>
-          </a:p>
-        </p:txBody>
-      </p:sp>
-    </p:spTree>
-    <p:extLst>
-      <p:ext uri="{BB962C8B-B14F-4D97-AF65-F5344CB8AC3E}">
-        <p14:creationId xmlns:p14="http://schemas.microsoft.com/office/powerpoint/2010/main" val="2373690492"/>
-      </p:ext>
-    </p:extLst>
-  </p:cSld>
-  <p:clrMapOvr>
-    <a:masterClrMapping/>
-  </p:clrMapOvr>
-</p:sld>
-</file>
-
-<file path=ppt/slides/slide37.xml><?xml version="1.0" encoding="utf-8"?>
-<p:sld xmlns:a="http://schemas.openxmlformats.org/drawingml/2006/main" xmlns:r="http://schemas.openxmlformats.org/officeDocument/2006/relationships" xmlns:p="http://schemas.openxmlformats.org/presentationml/2006/main">
-  <p:cSld>
-    <p:spTree>
-      <p:nvGrpSpPr>
-        <p:cNvPr id="1" name=""/>
-        <p:cNvGrpSpPr/>
-        <p:nvPr/>
-      </p:nvGrpSpPr>
-      <p:grpSpPr>
-        <a:xfrm>
-          <a:off x="0" y="0"/>
-          <a:ext cx="0" cy="0"/>
-          <a:chOff x="0" y="0"/>
-          <a:chExt cx="0" cy="0"/>
-        </a:xfrm>
-      </p:grpSpPr>
-      <p:sp>
-        <p:nvSpPr>
-          <p:cNvPr id="2" name="Titolo 1">
-            <a:extLst>
-              <a:ext uri="{FF2B5EF4-FFF2-40B4-BE49-F238E27FC236}">
-                <a16:creationId xmlns:a16="http://schemas.microsoft.com/office/drawing/2014/main" id="{0E689928-B287-4F6F-9288-1DE7ADE2F318}"/>
-              </a:ext>
-            </a:extLst>
-          </p:cNvPr>
-          <p:cNvSpPr>
-            <a:spLocks noGrp="1"/>
-          </p:cNvSpPr>
-          <p:nvPr>
-            <p:ph type="title"/>
-          </p:nvPr>
-        </p:nvSpPr>
-        <p:spPr/>
-        <p:txBody>
-          <a:bodyPr>
-            <a:normAutofit fontScale="90000"/>
-          </a:bodyPr>
-          <a:lstStyle/>
-          <a:p>
-            <a:endParaRPr lang="it-IT" dirty="0"/>
-          </a:p>
-        </p:txBody>
-      </p:sp>
-    </p:spTree>
-    <p:extLst>
-      <p:ext uri="{BB962C8B-B14F-4D97-AF65-F5344CB8AC3E}">
-        <p14:creationId xmlns:p14="http://schemas.microsoft.com/office/powerpoint/2010/main" val="3575452940"/>
-      </p:ext>
-    </p:extLst>
-  </p:cSld>
-  <p:clrMapOvr>
-    <a:masterClrMapping/>
-  </p:clrMapOvr>
-</p:sld>
-</file>
-
-<file path=ppt/slides/slide38.xml><?xml version="1.0" encoding="utf-8"?>
-<p:sld xmlns:a="http://schemas.openxmlformats.org/drawingml/2006/main" xmlns:r="http://schemas.openxmlformats.org/officeDocument/2006/relationships" xmlns:p="http://schemas.openxmlformats.org/presentationml/2006/main">
-  <p:cSld>
-    <p:spTree>
-      <p:nvGrpSpPr>
-        <p:cNvPr id="1" name=""/>
-        <p:cNvGrpSpPr/>
-        <p:nvPr/>
-      </p:nvGrpSpPr>
-      <p:grpSpPr>
-        <a:xfrm>
-          <a:off x="0" y="0"/>
-          <a:ext cx="0" cy="0"/>
-          <a:chOff x="0" y="0"/>
-          <a:chExt cx="0" cy="0"/>
-        </a:xfrm>
-      </p:grpSpPr>
-      <p:sp>
-        <p:nvSpPr>
           <p:cNvPr id="6" name="Segnaposto contenuto 5">
             <a:extLst>
               <a:ext uri="{FF2B5EF4-FFF2-40B4-BE49-F238E27FC236}">
@@ -30616,7 +29797,7 @@
 </p:sld>
 </file>
 
-<file path=ppt/slides/slide39.xml><?xml version="1.0" encoding="utf-8"?>
+<file path=ppt/slides/slide34.xml><?xml version="1.0" encoding="utf-8"?>
 <p:sld xmlns:a="http://schemas.openxmlformats.org/drawingml/2006/main" xmlns:r="http://schemas.openxmlformats.org/officeDocument/2006/relationships" xmlns:p="http://schemas.openxmlformats.org/presentationml/2006/main">
   <p:cSld>
     <p:spTree>
@@ -30687,7 +29868,14 @@
             <a:pPr marR="0" algn="l" rtl="0"/>
             <a:r>
               <a:rPr lang="en-US" dirty="0"/>
-              <a:t>It's a "brand" : not only text but also images, (dalle-2, whisper)</a:t>
+              <a:t>It's a "brand" : not only text but also images, </a:t>
+            </a:r>
+            <a:br>
+              <a:rPr lang="en-US" dirty="0"/>
+            </a:br>
+            <a:r>
+              <a:rPr lang="en-US" dirty="0"/>
+              <a:t>(dalle-2, whisper)</a:t>
             </a:r>
           </a:p>
           <a:p>
@@ -31962,7 +31150,9 @@
               </a:path>
             </a:pathLst>
           </a:custGeom>
-          <a:noFill/>
+          <a:solidFill>
+            <a:schemeClr val="accent2"/>
+          </a:solidFill>
           <a:ln>
             <a:extLst>
               <a:ext uri="{C807C97D-BFC1-408E-A445-0C87EB9F89A2}">
@@ -32164,7 +31354,9 @@
               </a:path>
             </a:pathLst>
           </a:custGeom>
-          <a:noFill/>
+          <a:solidFill>
+            <a:schemeClr val="accent2"/>
+          </a:solidFill>
           <a:ln>
             <a:extLst>
               <a:ext uri="{C807C97D-BFC1-408E-A445-0C87EB9F89A2}">
@@ -32390,7 +31582,9 @@
               </a:path>
             </a:pathLst>
           </a:custGeom>
-          <a:noFill/>
+          <a:solidFill>
+            <a:schemeClr val="accent2"/>
+          </a:solidFill>
           <a:ln>
             <a:extLst>
               <a:ext uri="{C807C97D-BFC1-408E-A445-0C87EB9F89A2}">
@@ -33332,508 +32526,6 @@
   <p:clrMapOvr>
     <a:masterClrMapping/>
   </p:clrMapOvr>
-  <p:timing>
-    <p:tnLst>
-      <p:par>
-        <p:cTn id="1" dur="indefinite" restart="never" nodeType="tmRoot">
-          <p:childTnLst>
-            <p:seq concurrent="1" nextAc="seek">
-              <p:cTn id="2" dur="indefinite" nodeType="mainSeq">
-                <p:childTnLst>
-                  <p:par>
-                    <p:cTn id="3" fill="hold">
-                      <p:stCondLst>
-                        <p:cond delay="indefinite"/>
-                      </p:stCondLst>
-                      <p:childTnLst>
-                        <p:par>
-                          <p:cTn id="4" fill="hold">
-                            <p:stCondLst>
-                              <p:cond delay="0"/>
-                            </p:stCondLst>
-                            <p:childTnLst>
-                              <p:par>
-                                <p:cTn id="5" presetID="1" presetClass="entr" presetSubtype="0" fill="hold" grpId="0" nodeType="clickEffect">
-                                  <p:stCondLst>
-                                    <p:cond delay="0"/>
-                                  </p:stCondLst>
-                                  <p:childTnLst>
-                                    <p:set>
-                                      <p:cBhvr>
-                                        <p:cTn id="6" dur="1" fill="hold">
-                                          <p:stCondLst>
-                                            <p:cond delay="0"/>
-                                          </p:stCondLst>
-                                        </p:cTn>
-                                        <p:tgtEl>
-                                          <p:spTgt spid="5"/>
-                                        </p:tgtEl>
-                                        <p:attrNameLst>
-                                          <p:attrName>style.visibility</p:attrName>
-                                        </p:attrNameLst>
-                                      </p:cBhvr>
-                                      <p:to>
-                                        <p:strVal val="visible"/>
-                                      </p:to>
-                                    </p:set>
-                                  </p:childTnLst>
-                                </p:cTn>
-                              </p:par>
-                            </p:childTnLst>
-                          </p:cTn>
-                        </p:par>
-                      </p:childTnLst>
-                    </p:cTn>
-                  </p:par>
-                  <p:par>
-                    <p:cTn id="7" fill="hold">
-                      <p:stCondLst>
-                        <p:cond delay="indefinite"/>
-                      </p:stCondLst>
-                      <p:childTnLst>
-                        <p:par>
-                          <p:cTn id="8" fill="hold">
-                            <p:stCondLst>
-                              <p:cond delay="0"/>
-                            </p:stCondLst>
-                            <p:childTnLst>
-                              <p:par>
-                                <p:cTn id="9" presetID="1" presetClass="entr" presetSubtype="0" fill="hold" grpId="0" nodeType="clickEffect">
-                                  <p:stCondLst>
-                                    <p:cond delay="0"/>
-                                  </p:stCondLst>
-                                  <p:childTnLst>
-                                    <p:set>
-                                      <p:cBhvr>
-                                        <p:cTn id="10" dur="1" fill="hold">
-                                          <p:stCondLst>
-                                            <p:cond delay="0"/>
-                                          </p:stCondLst>
-                                        </p:cTn>
-                                        <p:tgtEl>
-                                          <p:spTgt spid="12"/>
-                                        </p:tgtEl>
-                                        <p:attrNameLst>
-                                          <p:attrName>style.visibility</p:attrName>
-                                        </p:attrNameLst>
-                                      </p:cBhvr>
-                                      <p:to>
-                                        <p:strVal val="visible"/>
-                                      </p:to>
-                                    </p:set>
-                                  </p:childTnLst>
-                                </p:cTn>
-                              </p:par>
-                            </p:childTnLst>
-                          </p:cTn>
-                        </p:par>
-                      </p:childTnLst>
-                    </p:cTn>
-                  </p:par>
-                  <p:par>
-                    <p:cTn id="11" fill="hold">
-                      <p:stCondLst>
-                        <p:cond delay="indefinite"/>
-                      </p:stCondLst>
-                      <p:childTnLst>
-                        <p:par>
-                          <p:cTn id="12" fill="hold">
-                            <p:stCondLst>
-                              <p:cond delay="0"/>
-                            </p:stCondLst>
-                            <p:childTnLst>
-                              <p:par>
-                                <p:cTn id="13" presetID="1" presetClass="entr" presetSubtype="0" fill="hold" grpId="0" nodeType="clickEffect">
-                                  <p:stCondLst>
-                                    <p:cond delay="0"/>
-                                  </p:stCondLst>
-                                  <p:childTnLst>
-                                    <p:set>
-                                      <p:cBhvr>
-                                        <p:cTn id="14" dur="1" fill="hold">
-                                          <p:stCondLst>
-                                            <p:cond delay="0"/>
-                                          </p:stCondLst>
-                                        </p:cTn>
-                                        <p:tgtEl>
-                                          <p:spTgt spid="13"/>
-                                        </p:tgtEl>
-                                        <p:attrNameLst>
-                                          <p:attrName>style.visibility</p:attrName>
-                                        </p:attrNameLst>
-                                      </p:cBhvr>
-                                      <p:to>
-                                        <p:strVal val="visible"/>
-                                      </p:to>
-                                    </p:set>
-                                  </p:childTnLst>
-                                </p:cTn>
-                              </p:par>
-                            </p:childTnLst>
-                          </p:cTn>
-                        </p:par>
-                      </p:childTnLst>
-                    </p:cTn>
-                  </p:par>
-                  <p:par>
-                    <p:cTn id="15" fill="hold">
-                      <p:stCondLst>
-                        <p:cond delay="indefinite"/>
-                      </p:stCondLst>
-                      <p:childTnLst>
-                        <p:par>
-                          <p:cTn id="16" fill="hold">
-                            <p:stCondLst>
-                              <p:cond delay="0"/>
-                            </p:stCondLst>
-                            <p:childTnLst>
-                              <p:par>
-                                <p:cTn id="17" presetID="1" presetClass="entr" presetSubtype="0" fill="hold" grpId="0" nodeType="clickEffect">
-                                  <p:stCondLst>
-                                    <p:cond delay="0"/>
-                                  </p:stCondLst>
-                                  <p:childTnLst>
-                                    <p:set>
-                                      <p:cBhvr>
-                                        <p:cTn id="18" dur="1" fill="hold">
-                                          <p:stCondLst>
-                                            <p:cond delay="0"/>
-                                          </p:stCondLst>
-                                        </p:cTn>
-                                        <p:tgtEl>
-                                          <p:spTgt spid="6"/>
-                                        </p:tgtEl>
-                                        <p:attrNameLst>
-                                          <p:attrName>style.visibility</p:attrName>
-                                        </p:attrNameLst>
-                                      </p:cBhvr>
-                                      <p:to>
-                                        <p:strVal val="visible"/>
-                                      </p:to>
-                                    </p:set>
-                                  </p:childTnLst>
-                                </p:cTn>
-                              </p:par>
-                            </p:childTnLst>
-                          </p:cTn>
-                        </p:par>
-                      </p:childTnLst>
-                    </p:cTn>
-                  </p:par>
-                  <p:par>
-                    <p:cTn id="19" fill="hold">
-                      <p:stCondLst>
-                        <p:cond delay="indefinite"/>
-                      </p:stCondLst>
-                      <p:childTnLst>
-                        <p:par>
-                          <p:cTn id="20" fill="hold">
-                            <p:stCondLst>
-                              <p:cond delay="0"/>
-                            </p:stCondLst>
-                            <p:childTnLst>
-                              <p:par>
-                                <p:cTn id="21" presetID="1" presetClass="entr" presetSubtype="0" fill="hold" grpId="0" nodeType="clickEffect">
-                                  <p:stCondLst>
-                                    <p:cond delay="0"/>
-                                  </p:stCondLst>
-                                  <p:childTnLst>
-                                    <p:set>
-                                      <p:cBhvr>
-                                        <p:cTn id="22" dur="1" fill="hold">
-                                          <p:stCondLst>
-                                            <p:cond delay="0"/>
-                                          </p:stCondLst>
-                                        </p:cTn>
-                                        <p:tgtEl>
-                                          <p:spTgt spid="7"/>
-                                        </p:tgtEl>
-                                        <p:attrNameLst>
-                                          <p:attrName>style.visibility</p:attrName>
-                                        </p:attrNameLst>
-                                      </p:cBhvr>
-                                      <p:to>
-                                        <p:strVal val="visible"/>
-                                      </p:to>
-                                    </p:set>
-                                  </p:childTnLst>
-                                </p:cTn>
-                              </p:par>
-                              <p:par>
-                                <p:cTn id="23" presetID="1" presetClass="entr" presetSubtype="0" fill="hold" grpId="0" nodeType="withEffect">
-                                  <p:stCondLst>
-                                    <p:cond delay="0"/>
-                                  </p:stCondLst>
-                                  <p:childTnLst>
-                                    <p:set>
-                                      <p:cBhvr>
-                                        <p:cTn id="24" dur="1" fill="hold">
-                                          <p:stCondLst>
-                                            <p:cond delay="0"/>
-                                          </p:stCondLst>
-                                        </p:cTn>
-                                        <p:tgtEl>
-                                          <p:spTgt spid="8"/>
-                                        </p:tgtEl>
-                                        <p:attrNameLst>
-                                          <p:attrName>style.visibility</p:attrName>
-                                        </p:attrNameLst>
-                                      </p:cBhvr>
-                                      <p:to>
-                                        <p:strVal val="visible"/>
-                                      </p:to>
-                                    </p:set>
-                                  </p:childTnLst>
-                                </p:cTn>
-                              </p:par>
-                            </p:childTnLst>
-                          </p:cTn>
-                        </p:par>
-                      </p:childTnLst>
-                    </p:cTn>
-                  </p:par>
-                  <p:par>
-                    <p:cTn id="25" fill="hold">
-                      <p:stCondLst>
-                        <p:cond delay="indefinite"/>
-                      </p:stCondLst>
-                      <p:childTnLst>
-                        <p:par>
-                          <p:cTn id="26" fill="hold">
-                            <p:stCondLst>
-                              <p:cond delay="0"/>
-                            </p:stCondLst>
-                            <p:childTnLst>
-                              <p:par>
-                                <p:cTn id="27" presetID="1" presetClass="entr" presetSubtype="0" fill="hold" grpId="0" nodeType="clickEffect">
-                                  <p:stCondLst>
-                                    <p:cond delay="0"/>
-                                  </p:stCondLst>
-                                  <p:childTnLst>
-                                    <p:set>
-                                      <p:cBhvr>
-                                        <p:cTn id="28" dur="1" fill="hold">
-                                          <p:stCondLst>
-                                            <p:cond delay="0"/>
-                                          </p:stCondLst>
-                                        </p:cTn>
-                                        <p:tgtEl>
-                                          <p:spTgt spid="14"/>
-                                        </p:tgtEl>
-                                        <p:attrNameLst>
-                                          <p:attrName>style.visibility</p:attrName>
-                                        </p:attrNameLst>
-                                      </p:cBhvr>
-                                      <p:to>
-                                        <p:strVal val="visible"/>
-                                      </p:to>
-                                    </p:set>
-                                  </p:childTnLst>
-                                </p:cTn>
-                              </p:par>
-                            </p:childTnLst>
-                          </p:cTn>
-                        </p:par>
-                      </p:childTnLst>
-                    </p:cTn>
-                  </p:par>
-                  <p:par>
-                    <p:cTn id="29" fill="hold">
-                      <p:stCondLst>
-                        <p:cond delay="indefinite"/>
-                      </p:stCondLst>
-                      <p:childTnLst>
-                        <p:par>
-                          <p:cTn id="30" fill="hold">
-                            <p:stCondLst>
-                              <p:cond delay="0"/>
-                            </p:stCondLst>
-                            <p:childTnLst>
-                              <p:par>
-                                <p:cTn id="31" presetID="1" presetClass="entr" presetSubtype="0" fill="hold" grpId="0" nodeType="clickEffect">
-                                  <p:stCondLst>
-                                    <p:cond delay="0"/>
-                                  </p:stCondLst>
-                                  <p:childTnLst>
-                                    <p:set>
-                                      <p:cBhvr>
-                                        <p:cTn id="32" dur="1" fill="hold">
-                                          <p:stCondLst>
-                                            <p:cond delay="0"/>
-                                          </p:stCondLst>
-                                        </p:cTn>
-                                        <p:tgtEl>
-                                          <p:spTgt spid="9"/>
-                                        </p:tgtEl>
-                                        <p:attrNameLst>
-                                          <p:attrName>style.visibility</p:attrName>
-                                        </p:attrNameLst>
-                                      </p:cBhvr>
-                                      <p:to>
-                                        <p:strVal val="visible"/>
-                                      </p:to>
-                                    </p:set>
-                                  </p:childTnLst>
-                                </p:cTn>
-                              </p:par>
-                              <p:par>
-                                <p:cTn id="33" presetID="1" presetClass="entr" presetSubtype="0" fill="hold" grpId="0" nodeType="withEffect">
-                                  <p:stCondLst>
-                                    <p:cond delay="0"/>
-                                  </p:stCondLst>
-                                  <p:childTnLst>
-                                    <p:set>
-                                      <p:cBhvr>
-                                        <p:cTn id="34" dur="1" fill="hold">
-                                          <p:stCondLst>
-                                            <p:cond delay="0"/>
-                                          </p:stCondLst>
-                                        </p:cTn>
-                                        <p:tgtEl>
-                                          <p:spTgt spid="10"/>
-                                        </p:tgtEl>
-                                        <p:attrNameLst>
-                                          <p:attrName>style.visibility</p:attrName>
-                                        </p:attrNameLst>
-                                      </p:cBhvr>
-                                      <p:to>
-                                        <p:strVal val="visible"/>
-                                      </p:to>
-                                    </p:set>
-                                  </p:childTnLst>
-                                </p:cTn>
-                              </p:par>
-                            </p:childTnLst>
-                          </p:cTn>
-                        </p:par>
-                      </p:childTnLst>
-                    </p:cTn>
-                  </p:par>
-                  <p:par>
-                    <p:cTn id="35" fill="hold">
-                      <p:stCondLst>
-                        <p:cond delay="indefinite"/>
-                      </p:stCondLst>
-                      <p:childTnLst>
-                        <p:par>
-                          <p:cTn id="36" fill="hold">
-                            <p:stCondLst>
-                              <p:cond delay="0"/>
-                            </p:stCondLst>
-                            <p:childTnLst>
-                              <p:par>
-                                <p:cTn id="37" presetID="1" presetClass="entr" presetSubtype="0" fill="hold" grpId="0" nodeType="clickEffect">
-                                  <p:stCondLst>
-                                    <p:cond delay="0"/>
-                                  </p:stCondLst>
-                                  <p:childTnLst>
-                                    <p:set>
-                                      <p:cBhvr>
-                                        <p:cTn id="38" dur="1" fill="hold">
-                                          <p:stCondLst>
-                                            <p:cond delay="0"/>
-                                          </p:stCondLst>
-                                        </p:cTn>
-                                        <p:tgtEl>
-                                          <p:spTgt spid="11"/>
-                                        </p:tgtEl>
-                                        <p:attrNameLst>
-                                          <p:attrName>style.visibility</p:attrName>
-                                        </p:attrNameLst>
-                                      </p:cBhvr>
-                                      <p:to>
-                                        <p:strVal val="visible"/>
-                                      </p:to>
-                                    </p:set>
-                                  </p:childTnLst>
-                                </p:cTn>
-                              </p:par>
-                            </p:childTnLst>
-                          </p:cTn>
-                        </p:par>
-                      </p:childTnLst>
-                    </p:cTn>
-                  </p:par>
-                  <p:par>
-                    <p:cTn id="39" fill="hold">
-                      <p:stCondLst>
-                        <p:cond delay="indefinite"/>
-                      </p:stCondLst>
-                      <p:childTnLst>
-                        <p:par>
-                          <p:cTn id="40" fill="hold">
-                            <p:stCondLst>
-                              <p:cond delay="0"/>
-                            </p:stCondLst>
-                            <p:childTnLst>
-                              <p:par>
-                                <p:cTn id="41" presetID="1" presetClass="entr" presetSubtype="0" fill="hold" grpId="0" nodeType="clickEffect">
-                                  <p:stCondLst>
-                                    <p:cond delay="0"/>
-                                  </p:stCondLst>
-                                  <p:childTnLst>
-                                    <p:set>
-                                      <p:cBhvr>
-                                        <p:cTn id="42" dur="1" fill="hold">
-                                          <p:stCondLst>
-                                            <p:cond delay="0"/>
-                                          </p:stCondLst>
-                                        </p:cTn>
-                                        <p:tgtEl>
-                                          <p:spTgt spid="15"/>
-                                        </p:tgtEl>
-                                        <p:attrNameLst>
-                                          <p:attrName>style.visibility</p:attrName>
-                                        </p:attrNameLst>
-                                      </p:cBhvr>
-                                      <p:to>
-                                        <p:strVal val="visible"/>
-                                      </p:to>
-                                    </p:set>
-                                  </p:childTnLst>
-                                </p:cTn>
-                              </p:par>
-                            </p:childTnLst>
-                          </p:cTn>
-                        </p:par>
-                      </p:childTnLst>
-                    </p:cTn>
-                  </p:par>
-                </p:childTnLst>
-              </p:cTn>
-              <p:prevCondLst>
-                <p:cond evt="onPrev" delay="0">
-                  <p:tgtEl>
-                    <p:sldTgt/>
-                  </p:tgtEl>
-                </p:cond>
-              </p:prevCondLst>
-              <p:nextCondLst>
-                <p:cond evt="onNext" delay="0">
-                  <p:tgtEl>
-                    <p:sldTgt/>
-                  </p:tgtEl>
-                </p:cond>
-              </p:nextCondLst>
-            </p:seq>
-          </p:childTnLst>
-        </p:cTn>
-      </p:par>
-    </p:tnLst>
-    <p:bldLst>
-      <p:bldP spid="5" grpId="0" animBg="1"/>
-      <p:bldP spid="6" grpId="0" animBg="1"/>
-      <p:bldP spid="7" grpId="0" animBg="1"/>
-      <p:bldP spid="8" grpId="0" animBg="1"/>
-      <p:bldP spid="9" grpId="0" animBg="1"/>
-      <p:bldP spid="10" grpId="0" animBg="1"/>
-      <p:bldP spid="11" grpId="0" animBg="1"/>
-      <p:bldP spid="12" grpId="0" animBg="1"/>
-      <p:bldP spid="13" grpId="0" animBg="1"/>
-      <p:bldP spid="14" grpId="0" animBg="1"/>
-      <p:bldP spid="15" grpId="0" animBg="1"/>
-    </p:bldLst>
-  </p:timing>
 </p:sld>
 </file>
 
@@ -34410,12 +33102,6 @@
           <a:p>
             <a:r>
               <a:rPr lang="en-US" dirty="0"/>
-              <a:t>Tokens (and max tokens)</a:t>
-            </a:r>
-          </a:p>
-          <a:p>
-            <a:r>
-              <a:rPr lang="en-US" dirty="0"/>
               <a:t>C# </a:t>
             </a:r>
             <a:r>
@@ -34767,33 +33453,15 @@
                                   </p:childTnLst>
                                 </p:cTn>
                               </p:par>
-                            </p:childTnLst>
-                          </p:cTn>
-                        </p:par>
-                      </p:childTnLst>
-                    </p:cTn>
-                  </p:par>
-                  <p:par>
-                    <p:cTn id="25" fill="hold">
-                      <p:stCondLst>
-                        <p:cond delay="indefinite"/>
-                      </p:stCondLst>
-                      <p:childTnLst>
-                        <p:par>
-                          <p:cTn id="26" fill="hold">
-                            <p:stCondLst>
-                              <p:cond delay="0"/>
-                            </p:stCondLst>
-                            <p:childTnLst>
                               <p:par>
-                                <p:cTn id="27" presetID="1" presetClass="entr" presetSubtype="0" fill="hold" nodeType="clickEffect">
+                                <p:cTn id="25" presetID="1" presetClass="entr" presetSubtype="0" fill="hold" nodeType="withEffect">
                                   <p:stCondLst>
                                     <p:cond delay="0"/>
                                   </p:stCondLst>
                                   <p:childTnLst>
                                     <p:set>
                                       <p:cBhvr>
-                                        <p:cTn id="28" dur="1" fill="hold">
+                                        <p:cTn id="26" dur="1" fill="hold">
                                           <p:stCondLst>
                                             <p:cond delay="0"/>
                                           </p:stCondLst>
@@ -34802,37 +33470,6 @@
                                           <p:spTgt spid="2">
                                             <p:txEl>
                                               <p:pRg st="8" end="8"/>
-                                            </p:txEl>
-                                          </p:spTgt>
-                                        </p:tgtEl>
-                                        <p:attrNameLst>
-                                          <p:attrName>style.visibility</p:attrName>
-                                        </p:attrNameLst>
-                                      </p:cBhvr>
-                                      <p:to>
-                                        <p:strVal val="visible"/>
-                                      </p:to>
-                                    </p:set>
-                                  </p:childTnLst>
-                                </p:cTn>
-                              </p:par>
-                              <p:par>
-                                <p:cTn id="29" presetID="1" presetClass="entr" presetSubtype="0" fill="hold" nodeType="withEffect">
-                                  <p:stCondLst>
-                                    <p:cond delay="0"/>
-                                  </p:stCondLst>
-                                  <p:childTnLst>
-                                    <p:set>
-                                      <p:cBhvr>
-                                        <p:cTn id="30" dur="1" fill="hold">
-                                          <p:stCondLst>
-                                            <p:cond delay="0"/>
-                                          </p:stCondLst>
-                                        </p:cTn>
-                                        <p:tgtEl>
-                                          <p:spTgt spid="2">
-                                            <p:txEl>
-                                              <p:pRg st="9" end="9"/>
                                             </p:txEl>
                                           </p:spTgt>
                                         </p:tgtEl>
@@ -34916,20 +33553,29 @@
           <a:bodyPr/>
           <a:lstStyle/>
           <a:p>
+            <a:pPr algn="r"/>
+            <a:endParaRPr lang="en-US" dirty="0"/>
+          </a:p>
+          <a:p>
+            <a:pPr algn="r"/>
+            <a:endParaRPr lang="en-US" dirty="0"/>
+          </a:p>
+          <a:p>
+            <a:pPr algn="r"/>
             <a:r>
               <a:rPr lang="en-US" dirty="0"/>
               <a:t>0 to 2</a:t>
             </a:r>
           </a:p>
           <a:p>
-            <a:pPr lvl="1"/>
+            <a:pPr lvl="1" algn="r"/>
             <a:r>
               <a:rPr lang="en-US" dirty="0"/>
               <a:t>0 more deterministic (but not totally)</a:t>
             </a:r>
           </a:p>
           <a:p>
-            <a:pPr lvl="1"/>
+            <a:pPr lvl="1" algn="r"/>
             <a:r>
               <a:rPr lang="en-US" dirty="0"/>
               <a:t>higher level of temperature : more creative (random)</a:t>
@@ -34998,8 +33644,8 @@
         </p:blipFill>
         <p:spPr>
           <a:xfrm>
-            <a:off x="8994045" y="463420"/>
-            <a:ext cx="2902680" cy="6127880"/>
+            <a:off x="1315289" y="1314157"/>
+            <a:ext cx="2588731" cy="5465098"/>
           </a:xfrm>
           <a:prstGeom prst="rect">
             <a:avLst/>
@@ -35322,7 +33968,9 @@
         </p:nvSpPr>
         <p:spPr/>
         <p:txBody>
-          <a:bodyPr/>
+          <a:bodyPr>
+            <a:normAutofit fontScale="90000"/>
+          </a:bodyPr>
           <a:lstStyle/>
           <a:p>
             <a:endParaRPr lang="en-US"/>

--- a/sessions/room1_15_30/azure-day-ChatBot.pptx
+++ b/sessions/room1_15_30/azure-day-ChatBot.pptx
@@ -1242,7 +1242,7 @@
           <a:p>
             <a:fld id="{CAA74DD2-8E53-470B-8646-02BB9552BE22}" type="datetimeFigureOut">
               <a:rPr lang="it-IT" smtClean="0"/>
-              <a:t>03/10/2023</a:t>
+              <a:t>04/10/2023</a:t>
             </a:fld>
             <a:endParaRPr lang="it-IT"/>
           </a:p>
@@ -1971,7 +1971,7 @@
           <a:p>
             <a:fld id="{A73219E7-05B6-4637-82E9-CF903832277D}" type="datetimeFigureOut">
               <a:rPr lang="en-US" smtClean="0"/>
-              <a:t>10/3/2023</a:t>
+              <a:t>10/4/2023</a:t>
             </a:fld>
             <a:endParaRPr lang="en-US"/>
           </a:p>
@@ -18200,6 +18200,17 @@
             </a:br>
             <a:r>
               <a:rPr lang="en-US" i="1" dirty="0"/>
+              <a:t>I can chunk </a:t>
+            </a:r>
+            <a:r>
+              <a:rPr lang="en-US" i="1"/>
+              <a:t>my documentation </a:t>
+            </a:r>
+            <a:br>
+              <a:rPr lang="en-US" i="1" dirty="0"/>
+            </a:br>
+            <a:r>
+              <a:rPr lang="en-US" i="1" dirty="0"/>
               <a:t>How do I extract the documents relevant to the specific user question ? </a:t>
             </a:r>
           </a:p>
@@ -31036,24 +31047,24 @@
               <a:gd name="connsiteY1" fmla="*/ 0 h 747711"/>
               <a:gd name="connsiteX2" fmla="*/ 1151685 w 2303369"/>
               <a:gd name="connsiteY2" fmla="*/ 0 h 747711"/>
-              <a:gd name="connsiteX3" fmla="*/ 1658426 w 2303369"/>
+              <a:gd name="connsiteX3" fmla="*/ 1773594 w 2303369"/>
               <a:gd name="connsiteY3" fmla="*/ 0 h 747711"/>
               <a:gd name="connsiteX4" fmla="*/ 2303369 w 2303369"/>
               <a:gd name="connsiteY4" fmla="*/ 0 h 747711"/>
               <a:gd name="connsiteX5" fmla="*/ 2303369 w 2303369"/>
-              <a:gd name="connsiteY5" fmla="*/ 366378 h 747711"/>
+              <a:gd name="connsiteY5" fmla="*/ 373856 h 747711"/>
               <a:gd name="connsiteX6" fmla="*/ 2303369 w 2303369"/>
               <a:gd name="connsiteY6" fmla="*/ 747711 h 747711"/>
-              <a:gd name="connsiteX7" fmla="*/ 1681459 w 2303369"/>
+              <a:gd name="connsiteX7" fmla="*/ 1773594 w 2303369"/>
               <a:gd name="connsiteY7" fmla="*/ 747711 h 747711"/>
-              <a:gd name="connsiteX8" fmla="*/ 1128651 w 2303369"/>
+              <a:gd name="connsiteX8" fmla="*/ 1174718 w 2303369"/>
               <a:gd name="connsiteY8" fmla="*/ 747711 h 747711"/>
-              <a:gd name="connsiteX9" fmla="*/ 575842 w 2303369"/>
+              <a:gd name="connsiteX9" fmla="*/ 598876 w 2303369"/>
               <a:gd name="connsiteY9" fmla="*/ 747711 h 747711"/>
               <a:gd name="connsiteX10" fmla="*/ 0 w 2303369"/>
               <a:gd name="connsiteY10" fmla="*/ 747711 h 747711"/>
               <a:gd name="connsiteX11" fmla="*/ 0 w 2303369"/>
-              <a:gd name="connsiteY11" fmla="*/ 366378 h 747711"/>
+              <a:gd name="connsiteY11" fmla="*/ 388810 h 747711"/>
               <a:gd name="connsiteX12" fmla="*/ 0 w 2303369"/>
               <a:gd name="connsiteY12" fmla="*/ 0 h 747711"/>
               <a:gd name="connsiteX0" fmla="*/ 1270700 w 2303369"/>
@@ -31072,7 +31083,83 @@
             </a:cxnLst>
             <a:rect l="l" t="t" r="r" b="b"/>
             <a:pathLst>
-              <a:path w="2303369" h="747711" extrusionOk="0">
+              <a:path w="2303369" h="747711" fill="none" extrusionOk="0">
+                <a:moveTo>
+                  <a:pt x="0" y="0"/>
+                </a:moveTo>
+                <a:cubicBezTo>
+                  <a:pt x="258076" y="-42403"/>
+                  <a:pt x="467053" y="2410"/>
+                  <a:pt x="621910" y="0"/>
+                </a:cubicBezTo>
+                <a:cubicBezTo>
+                  <a:pt x="776767" y="-2410"/>
+                  <a:pt x="990741" y="52672"/>
+                  <a:pt x="1151685" y="0"/>
+                </a:cubicBezTo>
+                <a:cubicBezTo>
+                  <a:pt x="1312629" y="-52672"/>
+                  <a:pt x="1600752" y="16853"/>
+                  <a:pt x="1773594" y="0"/>
+                </a:cubicBezTo>
+                <a:cubicBezTo>
+                  <a:pt x="1946436" y="-16853"/>
+                  <a:pt x="2152181" y="48923"/>
+                  <a:pt x="2303369" y="0"/>
+                </a:cubicBezTo>
+                <a:cubicBezTo>
+                  <a:pt x="2329079" y="133847"/>
+                  <a:pt x="2282883" y="293728"/>
+                  <a:pt x="2303369" y="373856"/>
+                </a:cubicBezTo>
+                <a:cubicBezTo>
+                  <a:pt x="2323855" y="453984"/>
+                  <a:pt x="2285638" y="658342"/>
+                  <a:pt x="2303369" y="747711"/>
+                </a:cubicBezTo>
+                <a:cubicBezTo>
+                  <a:pt x="2096662" y="780545"/>
+                  <a:pt x="1987627" y="738747"/>
+                  <a:pt x="1773594" y="747711"/>
+                </a:cubicBezTo>
+                <a:cubicBezTo>
+                  <a:pt x="1559562" y="756675"/>
+                  <a:pt x="1323331" y="744969"/>
+                  <a:pt x="1174718" y="747711"/>
+                </a:cubicBezTo>
+                <a:cubicBezTo>
+                  <a:pt x="1026105" y="750453"/>
+                  <a:pt x="738201" y="715757"/>
+                  <a:pt x="598876" y="747711"/>
+                </a:cubicBezTo>
+                <a:cubicBezTo>
+                  <a:pt x="459551" y="779665"/>
+                  <a:pt x="231591" y="717851"/>
+                  <a:pt x="0" y="747711"/>
+                </a:cubicBezTo>
+                <a:cubicBezTo>
+                  <a:pt x="-39413" y="620877"/>
+                  <a:pt x="21412" y="537348"/>
+                  <a:pt x="0" y="388810"/>
+                </a:cubicBezTo>
+                <a:cubicBezTo>
+                  <a:pt x="-21412" y="240272"/>
+                  <a:pt x="12111" y="139998"/>
+                  <a:pt x="0" y="0"/>
+                </a:cubicBezTo>
+                <a:close/>
+              </a:path>
+              <a:path w="2303369" h="747711" fill="none" extrusionOk="0">
+                <a:moveTo>
+                  <a:pt x="1270700" y="778375"/>
+                </a:moveTo>
+                <a:cubicBezTo>
+                  <a:pt x="1317377" y="891491"/>
+                  <a:pt x="1350708" y="1027029"/>
+                  <a:pt x="1427006" y="1174826"/>
+                </a:cubicBezTo>
+              </a:path>
+              <a:path w="2303369" h="747711" stroke="0" extrusionOk="0">
                 <a:moveTo>
                   <a:pt x="0" y="0"/>
                 </a:moveTo>
@@ -31138,13 +31225,13 @@
                 </a:cubicBezTo>
                 <a:close/>
               </a:path>
-              <a:path w="2303369" h="747711" fill="none" extrusionOk="0">
+              <a:path w="2303369" h="747711" fill="none" stroke="0" extrusionOk="0">
                 <a:moveTo>
                   <a:pt x="1270700" y="778375"/>
                 </a:moveTo>
                 <a:cubicBezTo>
-                  <a:pt x="1392294" y="951982"/>
-                  <a:pt x="1323170" y="1006740"/>
+                  <a:pt x="1341405" y="854388"/>
+                  <a:pt x="1391307" y="1091237"/>
                   <a:pt x="1427006" y="1174826"/>
                 </a:cubicBezTo>
               </a:path>
@@ -31250,7 +31337,7 @@
             <a:gdLst>
               <a:gd name="connsiteX0" fmla="*/ 0 w 1905000"/>
               <a:gd name="connsiteY0" fmla="*/ 0 h 558800"/>
-              <a:gd name="connsiteX1" fmla="*/ 457200 w 1905000"/>
+              <a:gd name="connsiteX1" fmla="*/ 476250 w 1905000"/>
               <a:gd name="connsiteY1" fmla="*/ 0 h 558800"/>
               <a:gd name="connsiteX2" fmla="*/ 914400 w 1905000"/>
               <a:gd name="connsiteY2" fmla="*/ 0 h 558800"/>
@@ -31264,7 +31351,7 @@
               <a:gd name="connsiteY6" fmla="*/ 558800 h 558800"/>
               <a:gd name="connsiteX7" fmla="*/ 933450 w 1905000"/>
               <a:gd name="connsiteY7" fmla="*/ 558800 h 558800"/>
-              <a:gd name="connsiteX8" fmla="*/ 495300 w 1905000"/>
+              <a:gd name="connsiteX8" fmla="*/ 457200 w 1905000"/>
               <a:gd name="connsiteY8" fmla="*/ 558800 h 558800"/>
               <a:gd name="connsiteX9" fmla="*/ 0 w 1905000"/>
               <a:gd name="connsiteY9" fmla="*/ 558800 h 558800"/>
@@ -31286,7 +31373,73 @@
             </a:cxnLst>
             <a:rect l="l" t="t" r="r" b="b"/>
             <a:pathLst>
-              <a:path w="1905000" h="558800" extrusionOk="0">
+              <a:path w="1905000" h="558800" fill="none" extrusionOk="0">
+                <a:moveTo>
+                  <a:pt x="0" y="0"/>
+                </a:moveTo>
+                <a:cubicBezTo>
+                  <a:pt x="200724" y="-2610"/>
+                  <a:pt x="269119" y="11341"/>
+                  <a:pt x="476250" y="0"/>
+                </a:cubicBezTo>
+                <a:cubicBezTo>
+                  <a:pt x="683381" y="-11341"/>
+                  <a:pt x="790834" y="10844"/>
+                  <a:pt x="914400" y="0"/>
+                </a:cubicBezTo>
+                <a:cubicBezTo>
+                  <a:pt x="1037966" y="-10844"/>
+                  <a:pt x="1282774" y="48145"/>
+                  <a:pt x="1390650" y="0"/>
+                </a:cubicBezTo>
+                <a:cubicBezTo>
+                  <a:pt x="1498526" y="-48145"/>
+                  <a:pt x="1704196" y="5223"/>
+                  <a:pt x="1905000" y="0"/>
+                </a:cubicBezTo>
+                <a:cubicBezTo>
+                  <a:pt x="1907791" y="123347"/>
+                  <a:pt x="1898442" y="346884"/>
+                  <a:pt x="1905000" y="558800"/>
+                </a:cubicBezTo>
+                <a:cubicBezTo>
+                  <a:pt x="1693406" y="584317"/>
+                  <a:pt x="1509290" y="514093"/>
+                  <a:pt x="1409700" y="558800"/>
+                </a:cubicBezTo>
+                <a:cubicBezTo>
+                  <a:pt x="1310110" y="603507"/>
+                  <a:pt x="1050868" y="540258"/>
+                  <a:pt x="933450" y="558800"/>
+                </a:cubicBezTo>
+                <a:cubicBezTo>
+                  <a:pt x="816032" y="577342"/>
+                  <a:pt x="659672" y="557562"/>
+                  <a:pt x="457200" y="558800"/>
+                </a:cubicBezTo>
+                <a:cubicBezTo>
+                  <a:pt x="254728" y="560038"/>
+                  <a:pt x="205291" y="538461"/>
+                  <a:pt x="0" y="558800"/>
+                </a:cubicBezTo>
+                <a:cubicBezTo>
+                  <a:pt x="-52527" y="311728"/>
+                  <a:pt x="19117" y="245088"/>
+                  <a:pt x="0" y="0"/>
+                </a:cubicBezTo>
+                <a:close/>
+              </a:path>
+              <a:path w="1905000" h="558800" fill="none" extrusionOk="0">
+                <a:moveTo>
+                  <a:pt x="-158744" y="104775"/>
+                </a:moveTo>
+                <a:cubicBezTo>
+                  <a:pt x="-271908" y="-17469"/>
+                  <a:pt x="-299673" y="-226012"/>
+                  <a:pt x="-458095" y="-361940"/>
+                </a:cubicBezTo>
+              </a:path>
+              <a:path w="1905000" h="558800" stroke="0" extrusionOk="0">
                 <a:moveTo>
                   <a:pt x="0" y="0"/>
                 </a:moveTo>
@@ -31342,13 +31495,13 @@
                 </a:cubicBezTo>
                 <a:close/>
               </a:path>
-              <a:path w="1905000" h="558800" fill="none" extrusionOk="0">
+              <a:path w="1905000" h="558800" fill="none" stroke="0" extrusionOk="0">
                 <a:moveTo>
                   <a:pt x="-158744" y="104775"/>
                 </a:moveTo>
                 <a:cubicBezTo>
-                  <a:pt x="-313787" y="-78102"/>
-                  <a:pt x="-267198" y="-162643"/>
+                  <a:pt x="-242908" y="18457"/>
+                  <a:pt x="-332030" y="-223815"/>
                   <a:pt x="-458095" y="-361940"/>
                 </a:cubicBezTo>
               </a:path>
@@ -31454,34 +31607,34 @@
             <a:gdLst>
               <a:gd name="connsiteX0" fmla="*/ 0 w 2303368"/>
               <a:gd name="connsiteY0" fmla="*/ 0 h 935034"/>
-              <a:gd name="connsiteX1" fmla="*/ 529775 w 2303368"/>
+              <a:gd name="connsiteX1" fmla="*/ 575842 w 2303368"/>
               <a:gd name="connsiteY1" fmla="*/ 0 h 935034"/>
-              <a:gd name="connsiteX2" fmla="*/ 1036516 w 2303368"/>
+              <a:gd name="connsiteX2" fmla="*/ 1151684 w 2303368"/>
               <a:gd name="connsiteY2" fmla="*/ 0 h 935034"/>
-              <a:gd name="connsiteX3" fmla="*/ 1635391 w 2303368"/>
+              <a:gd name="connsiteX3" fmla="*/ 1658425 w 2303368"/>
               <a:gd name="connsiteY3" fmla="*/ 0 h 935034"/>
               <a:gd name="connsiteX4" fmla="*/ 2303368 w 2303368"/>
               <a:gd name="connsiteY4" fmla="*/ 0 h 935034"/>
               <a:gd name="connsiteX5" fmla="*/ 2303368 w 2303368"/>
-              <a:gd name="connsiteY5" fmla="*/ 467517 h 935034"/>
+              <a:gd name="connsiteY5" fmla="*/ 448816 h 935034"/>
               <a:gd name="connsiteX6" fmla="*/ 2303368 w 2303368"/>
               <a:gd name="connsiteY6" fmla="*/ 935034 h 935034"/>
-              <a:gd name="connsiteX7" fmla="*/ 1704492 w 2303368"/>
+              <a:gd name="connsiteX7" fmla="*/ 1796627 w 2303368"/>
               <a:gd name="connsiteY7" fmla="*/ 935034 h 935034"/>
-              <a:gd name="connsiteX8" fmla="*/ 1197751 w 2303368"/>
+              <a:gd name="connsiteX8" fmla="*/ 1220785 w 2303368"/>
               <a:gd name="connsiteY8" fmla="*/ 935034 h 935034"/>
-              <a:gd name="connsiteX9" fmla="*/ 575842 w 2303368"/>
+              <a:gd name="connsiteX9" fmla="*/ 598876 w 2303368"/>
               <a:gd name="connsiteY9" fmla="*/ 935034 h 935034"/>
               <a:gd name="connsiteX10" fmla="*/ 0 w 2303368"/>
               <a:gd name="connsiteY10" fmla="*/ 935034 h 935034"/>
               <a:gd name="connsiteX11" fmla="*/ 0 w 2303368"/>
-              <a:gd name="connsiteY11" fmla="*/ 448816 h 935034"/>
+              <a:gd name="connsiteY11" fmla="*/ 476867 h 935034"/>
               <a:gd name="connsiteX12" fmla="*/ 0 w 2303368"/>
               <a:gd name="connsiteY12" fmla="*/ 0 h 935034"/>
               <a:gd name="connsiteX0" fmla="*/ 867610 w 2303368"/>
               <a:gd name="connsiteY0" fmla="*/ 1051913 h 935034"/>
-              <a:gd name="connsiteX1" fmla="*/ 985082 w 2303368"/>
-              <a:gd name="connsiteY1" fmla="*/ 1376146 h 935034"/>
+              <a:gd name="connsiteX1" fmla="*/ 989780 w 2303368"/>
+              <a:gd name="connsiteY1" fmla="*/ 1389115 h 935034"/>
               <a:gd name="connsiteX2" fmla="*/ 1102553 w 2303368"/>
               <a:gd name="connsiteY2" fmla="*/ 1700378 h 935034"/>
             </a:gdLst>
@@ -31499,7 +31652,88 @@
             </a:cxnLst>
             <a:rect l="l" t="t" r="r" b="b"/>
             <a:pathLst>
-              <a:path w="2303368" h="935034" extrusionOk="0">
+              <a:path w="2303368" h="935034" fill="none" extrusionOk="0">
+                <a:moveTo>
+                  <a:pt x="0" y="0"/>
+                </a:moveTo>
+                <a:cubicBezTo>
+                  <a:pt x="170393" y="-19806"/>
+                  <a:pt x="309397" y="943"/>
+                  <a:pt x="575842" y="0"/>
+                </a:cubicBezTo>
+                <a:cubicBezTo>
+                  <a:pt x="842287" y="-943"/>
+                  <a:pt x="949000" y="59033"/>
+                  <a:pt x="1151684" y="0"/>
+                </a:cubicBezTo>
+                <a:cubicBezTo>
+                  <a:pt x="1354368" y="-59033"/>
+                  <a:pt x="1423315" y="28570"/>
+                  <a:pt x="1658425" y="0"/>
+                </a:cubicBezTo>
+                <a:cubicBezTo>
+                  <a:pt x="1893535" y="-28570"/>
+                  <a:pt x="2097120" y="467"/>
+                  <a:pt x="2303368" y="0"/>
+                </a:cubicBezTo>
+                <a:cubicBezTo>
+                  <a:pt x="2337127" y="173902"/>
+                  <a:pt x="2258095" y="249340"/>
+                  <a:pt x="2303368" y="448816"/>
+                </a:cubicBezTo>
+                <a:cubicBezTo>
+                  <a:pt x="2348641" y="648292"/>
+                  <a:pt x="2284470" y="722447"/>
+                  <a:pt x="2303368" y="935034"/>
+                </a:cubicBezTo>
+                <a:cubicBezTo>
+                  <a:pt x="2105523" y="988628"/>
+                  <a:pt x="1953743" y="913683"/>
+                  <a:pt x="1796627" y="935034"/>
+                </a:cubicBezTo>
+                <a:cubicBezTo>
+                  <a:pt x="1639511" y="956385"/>
+                  <a:pt x="1374019" y="891035"/>
+                  <a:pt x="1220785" y="935034"/>
+                </a:cubicBezTo>
+                <a:cubicBezTo>
+                  <a:pt x="1067551" y="979033"/>
+                  <a:pt x="873636" y="861085"/>
+                  <a:pt x="598876" y="935034"/>
+                </a:cubicBezTo>
+                <a:cubicBezTo>
+                  <a:pt x="324116" y="1008983"/>
+                  <a:pt x="142021" y="909525"/>
+                  <a:pt x="0" y="935034"/>
+                </a:cubicBezTo>
+                <a:cubicBezTo>
+                  <a:pt x="-42921" y="717780"/>
+                  <a:pt x="10013" y="680109"/>
+                  <a:pt x="0" y="476867"/>
+                </a:cubicBezTo>
+                <a:cubicBezTo>
+                  <a:pt x="-10013" y="273625"/>
+                  <a:pt x="3760" y="152065"/>
+                  <a:pt x="0" y="0"/>
+                </a:cubicBezTo>
+                <a:close/>
+              </a:path>
+              <a:path w="2303368" h="935034" fill="none" extrusionOk="0">
+                <a:moveTo>
+                  <a:pt x="867610" y="1051913"/>
+                </a:moveTo>
+                <a:cubicBezTo>
+                  <a:pt x="911456" y="1131505"/>
+                  <a:pt x="897076" y="1245484"/>
+                  <a:pt x="989780" y="1389115"/>
+                </a:cubicBezTo>
+                <a:cubicBezTo>
+                  <a:pt x="1082484" y="1532746"/>
+                  <a:pt x="1053353" y="1616933"/>
+                  <a:pt x="1102553" y="1700378"/>
+                </a:cubicBezTo>
+              </a:path>
+              <a:path w="2303368" h="935034" stroke="0" extrusionOk="0">
                 <a:moveTo>
                   <a:pt x="0" y="0"/>
                 </a:moveTo>
@@ -31565,18 +31799,18 @@
                 </a:cubicBezTo>
                 <a:close/>
               </a:path>
-              <a:path w="2303368" h="935034" fill="none" extrusionOk="0">
+              <a:path w="2303368" h="935034" fill="none" stroke="0" extrusionOk="0">
                 <a:moveTo>
                   <a:pt x="867610" y="1051913"/>
                 </a:moveTo>
                 <a:cubicBezTo>
-                  <a:pt x="917785" y="1153180"/>
-                  <a:pt x="910501" y="1246745"/>
-                  <a:pt x="985082" y="1376146"/>
+                  <a:pt x="922367" y="1168083"/>
+                  <a:pt x="909980" y="1264226"/>
+                  <a:pt x="978033" y="1356692"/>
                 </a:cubicBezTo>
                 <a:cubicBezTo>
-                  <a:pt x="1059663" y="1505547"/>
-                  <a:pt x="1037840" y="1605791"/>
+                  <a:pt x="1046086" y="1449158"/>
+                  <a:pt x="1013502" y="1562306"/>
                   <a:pt x="1102553" y="1700378"/>
                 </a:cubicBezTo>
               </a:path>

--- a/sessions/room1_15_30/azure-day-ChatBot.pptx
+++ b/sessions/room1_15_30/azure-day-ChatBot.pptx
@@ -8,7 +8,7 @@
     <p:sldMasterId id="2147483684" r:id="rId4"/>
   </p:sldMasterIdLst>
   <p:handoutMasterIdLst>
-    <p:handoutMasterId r:id="rId39"/>
+    <p:handoutMasterId r:id="rId38"/>
   </p:handoutMasterIdLst>
   <p:sldIdLst>
     <p:sldId id="256" r:id="rId5"/>
@@ -17,34 +17,33 @@
     <p:sldId id="266" r:id="rId8"/>
     <p:sldId id="267" r:id="rId9"/>
     <p:sldId id="268" r:id="rId10"/>
-    <p:sldId id="269" r:id="rId11"/>
-    <p:sldId id="271" r:id="rId12"/>
-    <p:sldId id="312" r:id="rId13"/>
-    <p:sldId id="272" r:id="rId14"/>
-    <p:sldId id="270" r:id="rId15"/>
-    <p:sldId id="273" r:id="rId16"/>
-    <p:sldId id="274" r:id="rId17"/>
-    <p:sldId id="275" r:id="rId18"/>
-    <p:sldId id="276" r:id="rId19"/>
-    <p:sldId id="291" r:id="rId20"/>
-    <p:sldId id="292" r:id="rId21"/>
-    <p:sldId id="257" r:id="rId22"/>
-    <p:sldId id="298" r:id="rId23"/>
-    <p:sldId id="297" r:id="rId24"/>
-    <p:sldId id="299" r:id="rId25"/>
-    <p:sldId id="300" r:id="rId26"/>
-    <p:sldId id="301" r:id="rId27"/>
-    <p:sldId id="302" r:id="rId28"/>
-    <p:sldId id="303" r:id="rId29"/>
-    <p:sldId id="293" r:id="rId30"/>
-    <p:sldId id="294" r:id="rId31"/>
-    <p:sldId id="304" r:id="rId32"/>
-    <p:sldId id="305" r:id="rId33"/>
-    <p:sldId id="310" r:id="rId34"/>
-    <p:sldId id="308" r:id="rId35"/>
-    <p:sldId id="261" r:id="rId36"/>
-    <p:sldId id="263" r:id="rId37"/>
-    <p:sldId id="262" r:id="rId38"/>
+    <p:sldId id="314" r:id="rId11"/>
+    <p:sldId id="269" r:id="rId12"/>
+    <p:sldId id="271" r:id="rId13"/>
+    <p:sldId id="313" r:id="rId14"/>
+    <p:sldId id="272" r:id="rId15"/>
+    <p:sldId id="270" r:id="rId16"/>
+    <p:sldId id="273" r:id="rId17"/>
+    <p:sldId id="274" r:id="rId18"/>
+    <p:sldId id="275" r:id="rId19"/>
+    <p:sldId id="276" r:id="rId20"/>
+    <p:sldId id="291" r:id="rId21"/>
+    <p:sldId id="292" r:id="rId22"/>
+    <p:sldId id="257" r:id="rId23"/>
+    <p:sldId id="298" r:id="rId24"/>
+    <p:sldId id="297" r:id="rId25"/>
+    <p:sldId id="299" r:id="rId26"/>
+    <p:sldId id="300" r:id="rId27"/>
+    <p:sldId id="301" r:id="rId28"/>
+    <p:sldId id="302" r:id="rId29"/>
+    <p:sldId id="303" r:id="rId30"/>
+    <p:sldId id="304" r:id="rId31"/>
+    <p:sldId id="305" r:id="rId32"/>
+    <p:sldId id="310" r:id="rId33"/>
+    <p:sldId id="308" r:id="rId34"/>
+    <p:sldId id="261" r:id="rId35"/>
+    <p:sldId id="263" r:id="rId36"/>
+    <p:sldId id="262" r:id="rId37"/>
   </p:sldIdLst>
   <p:sldSz cx="12192000" cy="6858000"/>
   <p:notesSz cx="6858000" cy="9144000"/>
@@ -1242,7 +1241,7 @@
           <a:p>
             <a:fld id="{CAA74DD2-8E53-470B-8646-02BB9552BE22}" type="datetimeFigureOut">
               <a:rPr lang="it-IT" smtClean="0"/>
-              <a:t>04/10/2023</a:t>
+              <a:t>08/10/2023</a:t>
             </a:fld>
             <a:endParaRPr lang="it-IT"/>
           </a:p>
@@ -1971,7 +1970,7 @@
           <a:p>
             <a:fld id="{A73219E7-05B6-4637-82E9-CF903832277D}" type="datetimeFigureOut">
               <a:rPr lang="en-US" smtClean="0"/>
-              <a:t>10/4/2023</a:t>
+              <a:t>10/8/2023</a:t>
             </a:fld>
             <a:endParaRPr lang="en-US"/>
           </a:p>
@@ -16866,6 +16865,186 @@
       </p:grpSpPr>
       <p:sp>
         <p:nvSpPr>
+          <p:cNvPr id="2" name="Content Placeholder 1">
+            <a:extLst>
+              <a:ext uri="{FF2B5EF4-FFF2-40B4-BE49-F238E27FC236}">
+                <a16:creationId xmlns:a16="http://schemas.microsoft.com/office/drawing/2014/main" id="{ABCB8873-26E7-E8FF-084E-CCD195889814}"/>
+              </a:ext>
+            </a:extLst>
+          </p:cNvPr>
+          <p:cNvSpPr>
+            <a:spLocks noGrp="1"/>
+          </p:cNvSpPr>
+          <p:nvPr>
+            <p:ph idx="1"/>
+          </p:nvPr>
+        </p:nvSpPr>
+        <p:spPr/>
+        <p:txBody>
+          <a:bodyPr/>
+          <a:lstStyle/>
+          <a:p>
+            <a:r>
+              <a:rPr lang="en-US" dirty="0"/>
+              <a:t>Information (text document) can be provided to the </a:t>
+            </a:r>
+            <a:r>
+              <a:rPr lang="en-US" dirty="0" err="1"/>
+              <a:t>ChatGpt</a:t>
+            </a:r>
+            <a:r>
+              <a:rPr lang="en-US" dirty="0"/>
+              <a:t> along with the user question. </a:t>
+            </a:r>
+            <a:r>
+              <a:rPr lang="en-US" dirty="0" err="1"/>
+              <a:t>ChatGpt</a:t>
+            </a:r>
+            <a:r>
+              <a:rPr lang="en-US" dirty="0"/>
+              <a:t> will use them to answer user question</a:t>
+            </a:r>
+          </a:p>
+          <a:p>
+            <a:pPr lvl="1"/>
+            <a:r>
+              <a:rPr lang="en-US" dirty="0"/>
+              <a:t>To provide info </a:t>
+            </a:r>
+            <a:r>
+              <a:rPr lang="en-US" dirty="0" err="1"/>
+              <a:t>ChatGpt</a:t>
+            </a:r>
+            <a:r>
+              <a:rPr lang="en-US" dirty="0"/>
+              <a:t> is not aware about</a:t>
+            </a:r>
+          </a:p>
+        </p:txBody>
+      </p:sp>
+      <p:sp>
+        <p:nvSpPr>
+          <p:cNvPr id="3" name="Title 2">
+            <a:extLst>
+              <a:ext uri="{FF2B5EF4-FFF2-40B4-BE49-F238E27FC236}">
+                <a16:creationId xmlns:a16="http://schemas.microsoft.com/office/drawing/2014/main" id="{85A05C9E-C0FF-75DB-79F5-E298A876196E}"/>
+              </a:ext>
+            </a:extLst>
+          </p:cNvPr>
+          <p:cNvSpPr>
+            <a:spLocks noGrp="1"/>
+          </p:cNvSpPr>
+          <p:nvPr>
+            <p:ph type="title"/>
+          </p:nvPr>
+        </p:nvSpPr>
+        <p:spPr/>
+        <p:txBody>
+          <a:bodyPr>
+            <a:normAutofit fontScale="90000"/>
+          </a:bodyPr>
+          <a:lstStyle/>
+          <a:p>
+            <a:r>
+              <a:rPr lang="en-US" dirty="0"/>
+              <a:t>Provide context with the question</a:t>
+            </a:r>
+          </a:p>
+        </p:txBody>
+      </p:sp>
+      <p:sp>
+        <p:nvSpPr>
+          <p:cNvPr id="5" name="TextBox 4">
+            <a:extLst>
+              <a:ext uri="{FF2B5EF4-FFF2-40B4-BE49-F238E27FC236}">
+                <a16:creationId xmlns:a16="http://schemas.microsoft.com/office/drawing/2014/main" id="{DCA778A9-46E8-AE1E-0036-39C764828573}"/>
+              </a:ext>
+            </a:extLst>
+          </p:cNvPr>
+          <p:cNvSpPr txBox="1"/>
+          <p:nvPr/>
+        </p:nvSpPr>
+        <p:spPr>
+          <a:xfrm>
+            <a:off x="821092" y="2920682"/>
+            <a:ext cx="8089641" cy="1200329"/>
+          </a:xfrm>
+          <a:prstGeom prst="rect">
+            <a:avLst/>
+          </a:prstGeom>
+          <a:noFill/>
+        </p:spPr>
+        <p:txBody>
+          <a:bodyPr wrap="square">
+            <a:spAutoFit/>
+          </a:bodyPr>
+          <a:lstStyle/>
+          <a:p>
+            <a:r>
+              <a:rPr lang="en-US" sz="1800" dirty="0"/>
+              <a:t>{"messages":     [</a:t>
+            </a:r>
+          </a:p>
+          <a:p>
+            <a:r>
+              <a:rPr lang="en-US" sz="1800" dirty="0"/>
+              <a:t>        {"role": "user", "content": "&lt;some information about </a:t>
+            </a:r>
+            <a:r>
+              <a:rPr lang="en-US" sz="1800" dirty="0" err="1"/>
+              <a:t>AzureDay</a:t>
+            </a:r>
+            <a:r>
+              <a:rPr lang="en-US" sz="1800" dirty="0"/>
+              <a:t> 2023&gt;"}</a:t>
+            </a:r>
+          </a:p>
+          <a:p>
+            <a:r>
+              <a:rPr lang="en-US" sz="1800" dirty="0"/>
+              <a:t>        {"role": "user", "content": "Where Azure Day 2023 take place?"}</a:t>
+            </a:r>
+          </a:p>
+          <a:p>
+            <a:r>
+              <a:rPr lang="en-US" sz="1800" dirty="0"/>
+              <a:t>   ]</a:t>
+            </a:r>
+          </a:p>
+        </p:txBody>
+      </p:sp>
+    </p:spTree>
+    <p:extLst>
+      <p:ext uri="{BB962C8B-B14F-4D97-AF65-F5344CB8AC3E}">
+        <p14:creationId xmlns:p14="http://schemas.microsoft.com/office/powerpoint/2010/main" val="1798032649"/>
+      </p:ext>
+    </p:extLst>
+  </p:cSld>
+  <p:clrMapOvr>
+    <a:masterClrMapping/>
+  </p:clrMapOvr>
+</p:sld>
+</file>
+
+<file path=ppt/slides/slide11.xml><?xml version="1.0" encoding="utf-8"?>
+<p:sld xmlns:a="http://schemas.openxmlformats.org/drawingml/2006/main" xmlns:r="http://schemas.openxmlformats.org/officeDocument/2006/relationships" xmlns:p="http://schemas.openxmlformats.org/presentationml/2006/main">
+  <p:cSld>
+    <p:spTree>
+      <p:nvGrpSpPr>
+        <p:cNvPr id="1" name=""/>
+        <p:cNvGrpSpPr/>
+        <p:nvPr/>
+      </p:nvGrpSpPr>
+      <p:grpSpPr>
+        <a:xfrm>
+          <a:off x="0" y="0"/>
+          <a:ext cx="0" cy="0"/>
+          <a:chOff x="0" y="0"/>
+          <a:chExt cx="0" cy="0"/>
+        </a:xfrm>
+      </p:grpSpPr>
+      <p:sp>
+        <p:nvSpPr>
           <p:cNvPr id="3" name="Title 2">
             <a:extLst>
               <a:ext uri="{FF2B5EF4-FFF2-40B4-BE49-F238E27FC236}">
@@ -17489,7 +17668,7 @@
 </p:sld>
 </file>
 
-<file path=ppt/slides/slide11.xml><?xml version="1.0" encoding="utf-8"?>
+<file path=ppt/slides/slide12.xml><?xml version="1.0" encoding="utf-8"?>
 <p:sld xmlns:a="http://schemas.openxmlformats.org/drawingml/2006/main" xmlns:r="http://schemas.openxmlformats.org/officeDocument/2006/relationships" xmlns:p="http://schemas.openxmlformats.org/presentationml/2006/main">
   <p:cSld>
     <p:spTree>
@@ -18102,7 +18281,7 @@
 </p:sld>
 </file>
 
-<file path=ppt/slides/slide12.xml><?xml version="1.0" encoding="utf-8"?>
+<file path=ppt/slides/slide13.xml><?xml version="1.0" encoding="utf-8"?>
 <p:sld xmlns:a="http://schemas.openxmlformats.org/drawingml/2006/main" xmlns:r="http://schemas.openxmlformats.org/officeDocument/2006/relationships" xmlns:p="http://schemas.openxmlformats.org/presentationml/2006/main">
   <p:cSld>
     <p:spTree>
@@ -18137,7 +18316,9 @@
         </p:nvSpPr>
         <p:spPr/>
         <p:txBody>
-          <a:bodyPr/>
+          <a:bodyPr>
+            <a:normAutofit lnSpcReduction="10000"/>
+          </a:bodyPr>
           <a:lstStyle/>
           <a:p>
             <a:r>
@@ -18155,7 +18336,7 @@
           <a:p>
             <a:r>
               <a:rPr lang="en-US" dirty="0"/>
-              <a:t>The basic idea is to provide as part of the input, as user message(s), </a:t>
+              <a:t>As we saw, it's possible to provide as part of the input, as user message(s), </a:t>
             </a:r>
             <a:r>
               <a:rPr lang="en-US" b="1" i="1" dirty="0"/>
@@ -18168,17 +18349,29 @@
             <a:br>
               <a:rPr lang="en-US" dirty="0"/>
             </a:br>
-            <a:r>
-              <a:rPr lang="en-US" dirty="0"/>
-              <a:t>(</a:t>
-            </a:r>
-            <a:r>
-              <a:rPr lang="en-US" i="1" u="sng" dirty="0"/>
-              <a:t>quick demo</a:t>
-            </a:r>
-            <a:r>
-              <a:rPr lang="en-US" dirty="0"/>
-              <a:t>)</a:t>
+            <a:endParaRPr lang="en-US" dirty="0"/>
+          </a:p>
+          <a:p>
+            <a:pPr marL="457200" lvl="1" indent="0">
+              <a:buNone/>
+            </a:pPr>
+            <a:r>
+              <a:rPr lang="en-US" i="1" dirty="0"/>
+              <a:t>Sounds easy, but if my chatbot must work on a list of document whose size is greater than the model token limit ? </a:t>
+            </a:r>
+            <a:br>
+              <a:rPr lang="en-US" i="1" dirty="0"/>
+            </a:br>
+            <a:r>
+              <a:rPr lang="en-US" i="1" dirty="0"/>
+              <a:t>Ok, I can chunk my documentation in smaller pieces, but .. </a:t>
+            </a:r>
+            <a:br>
+              <a:rPr lang="en-US" i="1" dirty="0"/>
+            </a:br>
+            <a:r>
+              <a:rPr lang="en-US" b="1" i="1" dirty="0"/>
+              <a:t>How do I extract among all the chunks all the ones relevant to the specific user question ? </a:t>
             </a:r>
           </a:p>
           <a:p>
@@ -18192,49 +18385,16 @@
               <a:buNone/>
             </a:pPr>
             <a:r>
-              <a:rPr lang="en-US" i="1" dirty="0"/>
-              <a:t>Sounds easy, but if my chatbot must work on a list of document whose size is greater than the model token limit ? </a:t>
-            </a:r>
-            <a:br>
-              <a:rPr lang="en-US" i="1" dirty="0"/>
-            </a:br>
-            <a:r>
-              <a:rPr lang="en-US" i="1" dirty="0"/>
-              <a:t>I can chunk </a:t>
-            </a:r>
-            <a:r>
-              <a:rPr lang="en-US" i="1"/>
-              <a:t>my documentation </a:t>
-            </a:r>
-            <a:br>
-              <a:rPr lang="en-US" i="1" dirty="0"/>
-            </a:br>
-            <a:r>
-              <a:rPr lang="en-US" i="1" dirty="0"/>
-              <a:t>How do I extract the documents relevant to the specific user question ? </a:t>
-            </a:r>
-          </a:p>
-          <a:p>
-            <a:pPr marL="457200" lvl="1" indent="0">
-              <a:buNone/>
-            </a:pPr>
-            <a:endParaRPr lang="en-US" dirty="0"/>
-          </a:p>
-          <a:p>
-            <a:pPr marL="457200" lvl="1" indent="0">
-              <a:buNone/>
-            </a:pPr>
-            <a:r>
-              <a:rPr lang="en-US" i="1" dirty="0"/>
+              <a:rPr lang="en-US" b="1" i="1" dirty="0"/>
               <a:t>Time to get to know embeddings … </a:t>
             </a:r>
             <a:r>
-              <a:rPr lang="en-US" i="1" dirty="0">
+              <a:rPr lang="en-US" b="1" i="1" dirty="0">
                 <a:sym typeface="Wingdings" panose="05000000000000000000" pitchFamily="2" charset="2"/>
               </a:rPr>
               <a:t></a:t>
             </a:r>
-            <a:endParaRPr lang="en-US" i="1" dirty="0"/>
+            <a:endParaRPr lang="en-US" b="1" i="1" dirty="0"/>
           </a:p>
           <a:p>
             <a:endParaRPr lang="en-US" dirty="0"/>
@@ -18317,7 +18477,7 @@
                                         <p:tgtEl>
                                           <p:spTgt spid="2">
                                             <p:txEl>
-                                              <p:pRg st="3" end="3"/>
+                                              <p:pRg st="2" end="2"/>
                                             </p:txEl>
                                           </p:spTgt>
                                         </p:tgtEl>
@@ -18335,7 +18495,7 @@
                                         <p:tgtEl>
                                           <p:spTgt spid="2">
                                             <p:txEl>
-                                              <p:pRg st="3" end="3"/>
+                                              <p:pRg st="2" end="2"/>
                                             </p:txEl>
                                           </p:spTgt>
                                         </p:tgtEl>
@@ -18347,7 +18507,7 @@
                                         <p:tgtEl>
                                           <p:spTgt spid="2">
                                             <p:txEl>
-                                              <p:pRg st="3" end="3"/>
+                                              <p:pRg st="2" end="2"/>
                                             </p:txEl>
                                           </p:spTgt>
                                         </p:tgtEl>
@@ -18374,7 +18534,7 @@
                                         <p:tgtEl>
                                           <p:spTgt spid="2">
                                             <p:txEl>
-                                              <p:pRg st="3" end="3"/>
+                                              <p:pRg st="2" end="2"/>
                                             </p:txEl>
                                           </p:spTgt>
                                         </p:tgtEl>
@@ -18432,7 +18592,7 @@
                                         <p:tgtEl>
                                           <p:spTgt spid="2">
                                             <p:txEl>
-                                              <p:pRg st="5" end="5"/>
+                                              <p:pRg st="4" end="4"/>
                                             </p:txEl>
                                           </p:spTgt>
                                         </p:tgtEl>
@@ -18450,7 +18610,7 @@
                                         <p:tgtEl>
                                           <p:spTgt spid="2">
                                             <p:txEl>
-                                              <p:pRg st="5" end="5"/>
+                                              <p:pRg st="4" end="4"/>
                                             </p:txEl>
                                           </p:spTgt>
                                         </p:tgtEl>
@@ -18477,7 +18637,7 @@
                                         <p:tgtEl>
                                           <p:spTgt spid="2">
                                             <p:txEl>
-                                              <p:pRg st="5" end="5"/>
+                                              <p:pRg st="4" end="4"/>
                                             </p:txEl>
                                           </p:spTgt>
                                         </p:tgtEl>
@@ -18532,137 +18692,6 @@
 </p:sld>
 </file>
 
-<file path=ppt/slides/slide13.xml><?xml version="1.0" encoding="utf-8"?>
-<p:sld xmlns:a="http://schemas.openxmlformats.org/drawingml/2006/main" xmlns:r="http://schemas.openxmlformats.org/officeDocument/2006/relationships" xmlns:p="http://schemas.openxmlformats.org/presentationml/2006/main">
-  <p:cSld>
-    <p:spTree>
-      <p:nvGrpSpPr>
-        <p:cNvPr id="1" name=""/>
-        <p:cNvGrpSpPr/>
-        <p:nvPr/>
-      </p:nvGrpSpPr>
-      <p:grpSpPr>
-        <a:xfrm>
-          <a:off x="0" y="0"/>
-          <a:ext cx="0" cy="0"/>
-          <a:chOff x="0" y="0"/>
-          <a:chExt cx="0" cy="0"/>
-        </a:xfrm>
-      </p:grpSpPr>
-      <p:sp>
-        <p:nvSpPr>
-          <p:cNvPr id="2" name="Content Placeholder 1">
-            <a:extLst>
-              <a:ext uri="{FF2B5EF4-FFF2-40B4-BE49-F238E27FC236}">
-                <a16:creationId xmlns:a16="http://schemas.microsoft.com/office/drawing/2014/main" id="{11988092-6C5B-6636-7814-1EC092712A71}"/>
-              </a:ext>
-            </a:extLst>
-          </p:cNvPr>
-          <p:cNvSpPr>
-            <a:spLocks noGrp="1"/>
-          </p:cNvSpPr>
-          <p:nvPr>
-            <p:ph idx="1"/>
-          </p:nvPr>
-        </p:nvSpPr>
-        <p:spPr/>
-        <p:txBody>
-          <a:bodyPr/>
-          <a:lstStyle/>
-          <a:p>
-            <a:r>
-              <a:rPr lang="en-US" dirty="0"/>
-              <a:t>An embedding model converts a block of text into a </a:t>
-            </a:r>
-            <a:br>
-              <a:rPr lang="en-US" dirty="0"/>
-            </a:br>
-            <a:r>
-              <a:rPr lang="en-US" dirty="0"/>
-              <a:t>vector (array) of numbers (floats) that </a:t>
-            </a:r>
-            <a:r>
-              <a:rPr lang="en-US" b="1" i="1" dirty="0"/>
-              <a:t>"captures" the context/meaning of the provided text</a:t>
-            </a:r>
-          </a:p>
-          <a:p>
-            <a:pPr lvl="1"/>
-            <a:r>
-              <a:rPr lang="en-US" i="1" dirty="0"/>
-              <a:t>text-embedding-ada-002</a:t>
-            </a:r>
-            <a:r>
-              <a:rPr lang="en-US" dirty="0"/>
-              <a:t> is currently recommended one</a:t>
-            </a:r>
-          </a:p>
-          <a:p>
-            <a:pPr lvl="1"/>
-            <a:r>
-              <a:rPr lang="en-US" i="1" dirty="0"/>
-              <a:t>text-embedding-ada-002 response </a:t>
-            </a:r>
-            <a:r>
-              <a:rPr lang="en-US" dirty="0"/>
-              <a:t>vector has 1536 elements </a:t>
-            </a:r>
-          </a:p>
-          <a:p>
-            <a:pPr lvl="1"/>
-            <a:r>
-              <a:rPr lang="en-US" dirty="0"/>
-              <a:t>Exposed as an api endpoint by open ai  / azure open ai</a:t>
-            </a:r>
-          </a:p>
-          <a:p>
-            <a:endParaRPr lang="en-US" dirty="0"/>
-          </a:p>
-        </p:txBody>
-      </p:sp>
-      <p:sp>
-        <p:nvSpPr>
-          <p:cNvPr id="3" name="Title 2">
-            <a:extLst>
-              <a:ext uri="{FF2B5EF4-FFF2-40B4-BE49-F238E27FC236}">
-                <a16:creationId xmlns:a16="http://schemas.microsoft.com/office/drawing/2014/main" id="{00C792A2-0DBB-4947-60AE-91016A446D76}"/>
-              </a:ext>
-            </a:extLst>
-          </p:cNvPr>
-          <p:cNvSpPr>
-            <a:spLocks noGrp="1"/>
-          </p:cNvSpPr>
-          <p:nvPr>
-            <p:ph type="title"/>
-          </p:nvPr>
-        </p:nvSpPr>
-        <p:spPr/>
-        <p:txBody>
-          <a:bodyPr>
-            <a:normAutofit fontScale="90000"/>
-          </a:bodyPr>
-          <a:lstStyle/>
-          <a:p>
-            <a:r>
-              <a:rPr lang="en-US" dirty="0"/>
-              <a:t>What "the hell" are embeddings ?</a:t>
-            </a:r>
-          </a:p>
-        </p:txBody>
-      </p:sp>
-    </p:spTree>
-    <p:extLst>
-      <p:ext uri="{BB962C8B-B14F-4D97-AF65-F5344CB8AC3E}">
-        <p14:creationId xmlns:p14="http://schemas.microsoft.com/office/powerpoint/2010/main" val="1430627120"/>
-      </p:ext>
-    </p:extLst>
-  </p:cSld>
-  <p:clrMapOvr>
-    <a:masterClrMapping/>
-  </p:clrMapOvr>
-</p:sld>
-</file>
-
 <file path=ppt/slides/slide14.xml><?xml version="1.0" encoding="utf-8"?>
 <p:sld xmlns:a="http://schemas.openxmlformats.org/drawingml/2006/main" xmlns:r="http://schemas.openxmlformats.org/officeDocument/2006/relationships" xmlns:p="http://schemas.openxmlformats.org/presentationml/2006/main">
   <p:cSld>
@@ -18685,6 +18714,137 @@
           <p:cNvPr id="2" name="Content Placeholder 1">
             <a:extLst>
               <a:ext uri="{FF2B5EF4-FFF2-40B4-BE49-F238E27FC236}">
+                <a16:creationId xmlns:a16="http://schemas.microsoft.com/office/drawing/2014/main" id="{11988092-6C5B-6636-7814-1EC092712A71}"/>
+              </a:ext>
+            </a:extLst>
+          </p:cNvPr>
+          <p:cNvSpPr>
+            <a:spLocks noGrp="1"/>
+          </p:cNvSpPr>
+          <p:nvPr>
+            <p:ph idx="1"/>
+          </p:nvPr>
+        </p:nvSpPr>
+        <p:spPr/>
+        <p:txBody>
+          <a:bodyPr/>
+          <a:lstStyle/>
+          <a:p>
+            <a:r>
+              <a:rPr lang="en-US" dirty="0"/>
+              <a:t>An embedding model converts a block of text into a </a:t>
+            </a:r>
+            <a:br>
+              <a:rPr lang="en-US" dirty="0"/>
+            </a:br>
+            <a:r>
+              <a:rPr lang="en-US" dirty="0"/>
+              <a:t>vector (array) of numbers (floats) that </a:t>
+            </a:r>
+            <a:r>
+              <a:rPr lang="en-US" b="1" i="1" dirty="0"/>
+              <a:t>"captures" the context/meaning of the provided text</a:t>
+            </a:r>
+          </a:p>
+          <a:p>
+            <a:pPr lvl="1"/>
+            <a:r>
+              <a:rPr lang="en-US" i="1" dirty="0"/>
+              <a:t>text-embedding-ada-002</a:t>
+            </a:r>
+            <a:r>
+              <a:rPr lang="en-US" dirty="0"/>
+              <a:t> is currently recommended one</a:t>
+            </a:r>
+          </a:p>
+          <a:p>
+            <a:pPr lvl="1"/>
+            <a:r>
+              <a:rPr lang="en-US" i="1" dirty="0"/>
+              <a:t>text-embedding-ada-002 response </a:t>
+            </a:r>
+            <a:r>
+              <a:rPr lang="en-US" dirty="0"/>
+              <a:t>vector has 1536 elements </a:t>
+            </a:r>
+          </a:p>
+          <a:p>
+            <a:pPr lvl="1"/>
+            <a:r>
+              <a:rPr lang="en-US" dirty="0"/>
+              <a:t>Exposed as an api endpoint by open ai  / azure open ai</a:t>
+            </a:r>
+          </a:p>
+          <a:p>
+            <a:endParaRPr lang="en-US" dirty="0"/>
+          </a:p>
+        </p:txBody>
+      </p:sp>
+      <p:sp>
+        <p:nvSpPr>
+          <p:cNvPr id="3" name="Title 2">
+            <a:extLst>
+              <a:ext uri="{FF2B5EF4-FFF2-40B4-BE49-F238E27FC236}">
+                <a16:creationId xmlns:a16="http://schemas.microsoft.com/office/drawing/2014/main" id="{00C792A2-0DBB-4947-60AE-91016A446D76}"/>
+              </a:ext>
+            </a:extLst>
+          </p:cNvPr>
+          <p:cNvSpPr>
+            <a:spLocks noGrp="1"/>
+          </p:cNvSpPr>
+          <p:nvPr>
+            <p:ph type="title"/>
+          </p:nvPr>
+        </p:nvSpPr>
+        <p:spPr/>
+        <p:txBody>
+          <a:bodyPr>
+            <a:normAutofit fontScale="90000"/>
+          </a:bodyPr>
+          <a:lstStyle/>
+          <a:p>
+            <a:r>
+              <a:rPr lang="en-US" dirty="0"/>
+              <a:t>What "the hell" are embeddings ?</a:t>
+            </a:r>
+          </a:p>
+        </p:txBody>
+      </p:sp>
+    </p:spTree>
+    <p:extLst>
+      <p:ext uri="{BB962C8B-B14F-4D97-AF65-F5344CB8AC3E}">
+        <p14:creationId xmlns:p14="http://schemas.microsoft.com/office/powerpoint/2010/main" val="1430627120"/>
+      </p:ext>
+    </p:extLst>
+  </p:cSld>
+  <p:clrMapOvr>
+    <a:masterClrMapping/>
+  </p:clrMapOvr>
+</p:sld>
+</file>
+
+<file path=ppt/slides/slide15.xml><?xml version="1.0" encoding="utf-8"?>
+<p:sld xmlns:a="http://schemas.openxmlformats.org/drawingml/2006/main" xmlns:r="http://schemas.openxmlformats.org/officeDocument/2006/relationships" xmlns:p="http://schemas.openxmlformats.org/presentationml/2006/main">
+  <p:cSld>
+    <p:spTree>
+      <p:nvGrpSpPr>
+        <p:cNvPr id="1" name=""/>
+        <p:cNvGrpSpPr/>
+        <p:nvPr/>
+      </p:nvGrpSpPr>
+      <p:grpSpPr>
+        <a:xfrm>
+          <a:off x="0" y="0"/>
+          <a:ext cx="0" cy="0"/>
+          <a:chOff x="0" y="0"/>
+          <a:chExt cx="0" cy="0"/>
+        </a:xfrm>
+      </p:grpSpPr>
+      <p:sp>
+        <p:nvSpPr>
+          <p:cNvPr id="2" name="Content Placeholder 1">
+            <a:extLst>
+              <a:ext uri="{FF2B5EF4-FFF2-40B4-BE49-F238E27FC236}">
                 <a16:creationId xmlns:a16="http://schemas.microsoft.com/office/drawing/2014/main" id="{2B3A9816-7DF7-7C0A-09B8-9459022C7967}"/>
               </a:ext>
             </a:extLst>
@@ -18785,7 +18945,7 @@
 </p:sld>
 </file>
 
-<file path=ppt/slides/slide15.xml><?xml version="1.0" encoding="utf-8"?>
+<file path=ppt/slides/slide16.xml><?xml version="1.0" encoding="utf-8"?>
 <p:sld xmlns:a="http://schemas.openxmlformats.org/drawingml/2006/main" xmlns:r="http://schemas.openxmlformats.org/officeDocument/2006/relationships" xmlns:p="http://schemas.openxmlformats.org/presentationml/2006/main">
   <p:cSld>
     <p:spTree>
@@ -19500,6 +19660,73 @@
           </a:p>
         </p:txBody>
       </p:sp>
+      <p:sp>
+        <p:nvSpPr>
+          <p:cNvPr id="2" name="Rectangle 1">
+            <a:extLst>
+              <a:ext uri="{FF2B5EF4-FFF2-40B4-BE49-F238E27FC236}">
+                <a16:creationId xmlns:a16="http://schemas.microsoft.com/office/drawing/2014/main" id="{131F6D8F-7EA4-D7A2-1384-319168C5CF63}"/>
+              </a:ext>
+            </a:extLst>
+          </p:cNvPr>
+          <p:cNvSpPr/>
+          <p:nvPr/>
+        </p:nvSpPr>
+        <p:spPr>
+          <a:xfrm>
+            <a:off x="9405256" y="4343466"/>
+            <a:ext cx="2547257" cy="1119674"/>
+          </a:xfrm>
+          <a:prstGeom prst="rect">
+            <a:avLst/>
+          </a:prstGeom>
+        </p:spPr>
+        <p:style>
+          <a:lnRef idx="2">
+            <a:schemeClr val="accent1">
+              <a:shade val="15000"/>
+            </a:schemeClr>
+          </a:lnRef>
+          <a:fillRef idx="1">
+            <a:schemeClr val="accent1"/>
+          </a:fillRef>
+          <a:effectRef idx="0">
+            <a:schemeClr val="accent1"/>
+          </a:effectRef>
+          <a:fontRef idx="minor">
+            <a:schemeClr val="lt1"/>
+          </a:fontRef>
+        </p:style>
+        <p:txBody>
+          <a:bodyPr rtlCol="0" anchor="ctr"/>
+          <a:lstStyle/>
+          <a:p>
+            <a:pPr algn="ctr"/>
+            <a:r>
+              <a:rPr lang="en-US" dirty="0"/>
+              <a:t>A[0]*B[0] + A[1]*B[1] </a:t>
+            </a:r>
+            <a:br>
+              <a:rPr lang="en-US" dirty="0"/>
+            </a:br>
+            <a:r>
+              <a:rPr lang="en-US" dirty="0"/>
+              <a:t>+ A[2]*B[3] + A[4]*B[4] </a:t>
+            </a:r>
+          </a:p>
+          <a:p>
+            <a:pPr algn="ctr"/>
+            <a:r>
+              <a:rPr lang="en-US" dirty="0"/>
+              <a:t>+  .. Up to 1535 </a:t>
+            </a:r>
+            <a:br>
+              <a:rPr lang="en-US" dirty="0"/>
+            </a:br>
+            <a:endParaRPr lang="en-US" dirty="0"/>
+          </a:p>
+        </p:txBody>
+      </p:sp>
     </p:spTree>
     <p:extLst>
       <p:ext uri="{BB962C8B-B14F-4D97-AF65-F5344CB8AC3E}">
@@ -19510,491 +19737,130 @@
   <p:clrMapOvr>
     <a:masterClrMapping/>
   </p:clrMapOvr>
-</p:sld>
-</file>
-
-<file path=ppt/slides/slide16.xml><?xml version="1.0" encoding="utf-8"?>
-<p:sld xmlns:a="http://schemas.openxmlformats.org/drawingml/2006/main" xmlns:r="http://schemas.openxmlformats.org/officeDocument/2006/relationships" xmlns:p="http://schemas.openxmlformats.org/presentationml/2006/main">
-  <p:cSld>
-    <p:spTree>
-      <p:nvGrpSpPr>
-        <p:cNvPr id="1" name=""/>
-        <p:cNvGrpSpPr/>
-        <p:nvPr/>
-      </p:nvGrpSpPr>
-      <p:grpSpPr>
-        <a:xfrm>
-          <a:off x="0" y="0"/>
-          <a:ext cx="0" cy="0"/>
-          <a:chOff x="0" y="0"/>
-          <a:chExt cx="0" cy="0"/>
-        </a:xfrm>
-      </p:grpSpPr>
-      <p:sp>
-        <p:nvSpPr>
-          <p:cNvPr id="5" name="TextBox 4">
-            <a:extLst>
-              <a:ext uri="{FF2B5EF4-FFF2-40B4-BE49-F238E27FC236}">
-                <a16:creationId xmlns:a16="http://schemas.microsoft.com/office/drawing/2014/main" id="{59D56AF8-5A82-FBD8-8551-D84896867691}"/>
-              </a:ext>
-            </a:extLst>
-          </p:cNvPr>
-          <p:cNvSpPr txBox="1"/>
-          <p:nvPr/>
-        </p:nvSpPr>
-        <p:spPr>
-          <a:xfrm>
-            <a:off x="629310" y="1350975"/>
-            <a:ext cx="11234057" cy="4708981"/>
-          </a:xfrm>
-          <a:prstGeom prst="rect">
-            <a:avLst/>
-          </a:prstGeom>
-          <a:noFill/>
-        </p:spPr>
-        <p:txBody>
-          <a:bodyPr wrap="square">
-            <a:spAutoFit/>
-          </a:bodyPr>
-          <a:lstStyle/>
-          <a:p>
-            <a:r>
-              <a:rPr lang="en-US" sz="2000" dirty="0"/>
-              <a:t>public float </a:t>
-            </a:r>
-            <a:r>
-              <a:rPr lang="en-US" sz="2000" dirty="0" err="1"/>
-              <a:t>GetProximity</a:t>
-            </a:r>
-            <a:r>
-              <a:rPr lang="en-US" sz="2000" dirty="0"/>
-              <a:t>(</a:t>
-            </a:r>
-            <a:r>
-              <a:rPr lang="en-US" sz="2000" dirty="0" err="1"/>
-              <a:t>IReadOnlyList</a:t>
-            </a:r>
-            <a:r>
-              <a:rPr lang="en-US" sz="2000" dirty="0"/>
-              <a:t>&lt;float&gt; </a:t>
-            </a:r>
-            <a:r>
-              <a:rPr lang="en-US" sz="2000" i="1" dirty="0">
-                <a:solidFill>
-                  <a:srgbClr val="FF0000"/>
-                </a:solidFill>
-              </a:rPr>
-              <a:t>A</a:t>
-            </a:r>
-            <a:r>
-              <a:rPr lang="en-US" sz="2000" dirty="0"/>
-              <a:t>, </a:t>
-            </a:r>
-            <a:r>
-              <a:rPr lang="en-US" sz="2000" dirty="0" err="1"/>
-              <a:t>IReadOnlyList</a:t>
-            </a:r>
-            <a:r>
-              <a:rPr lang="en-US" sz="2000" dirty="0"/>
-              <a:t>&lt;float&gt; </a:t>
-            </a:r>
-            <a:r>
-              <a:rPr lang="en-US" sz="2000" i="1" dirty="0">
-                <a:solidFill>
-                  <a:srgbClr val="FF0000"/>
-                </a:solidFill>
-              </a:rPr>
-              <a:t>B</a:t>
-            </a:r>
-            <a:r>
-              <a:rPr lang="en-US" sz="2000" dirty="0"/>
-              <a:t>)</a:t>
-            </a:r>
-          </a:p>
-          <a:p>
-            <a:r>
-              <a:rPr lang="en-US" sz="2000" dirty="0"/>
-              <a:t>        {</a:t>
-            </a:r>
-          </a:p>
-          <a:p>
-            <a:r>
-              <a:rPr lang="en-US" sz="2000" i="1" dirty="0"/>
-              <a:t>           // TO DO : check A and B has same length</a:t>
-            </a:r>
-          </a:p>
-          <a:p>
-            <a:r>
-              <a:rPr lang="en-US" sz="2000" dirty="0"/>
-              <a:t>            var </a:t>
-            </a:r>
-            <a:r>
-              <a:rPr lang="en-US" sz="2000" dirty="0" err="1"/>
-              <a:t>vectorLength</a:t>
-            </a:r>
-            <a:r>
-              <a:rPr lang="en-US" sz="2000" dirty="0"/>
-              <a:t> = </a:t>
-            </a:r>
-            <a:r>
-              <a:rPr lang="en-US" sz="2000" dirty="0" err="1">
-                <a:solidFill>
-                  <a:srgbClr val="FF0000"/>
-                </a:solidFill>
-              </a:rPr>
-              <a:t>A</a:t>
-            </a:r>
-            <a:r>
-              <a:rPr lang="en-US" sz="2000" dirty="0" err="1"/>
-              <a:t>.Count</a:t>
-            </a:r>
-            <a:r>
-              <a:rPr lang="en-US" sz="2000" dirty="0"/>
-              <a:t>;</a:t>
-            </a:r>
-          </a:p>
-          <a:p>
-            <a:r>
-              <a:rPr lang="en-US" sz="2000" dirty="0"/>
-              <a:t>            var sum = 0.0f;</a:t>
-            </a:r>
-          </a:p>
-          <a:p>
-            <a:r>
-              <a:rPr lang="en-US" sz="2000" dirty="0"/>
-              <a:t>            var </a:t>
-            </a:r>
-            <a:r>
-              <a:rPr lang="en-US" sz="2000" dirty="0" err="1"/>
-              <a:t>ALength</a:t>
-            </a:r>
-            <a:r>
-              <a:rPr lang="en-US" sz="2000" dirty="0"/>
-              <a:t> = 0.0f;</a:t>
-            </a:r>
-          </a:p>
-          <a:p>
-            <a:r>
-              <a:rPr lang="en-US" sz="2000" dirty="0"/>
-              <a:t>            var </a:t>
-            </a:r>
-            <a:r>
-              <a:rPr lang="en-US" sz="2000" dirty="0" err="1"/>
-              <a:t>BLength</a:t>
-            </a:r>
-            <a:r>
-              <a:rPr lang="en-US" sz="2000" dirty="0"/>
-              <a:t> = 0.0f;</a:t>
-            </a:r>
-          </a:p>
-          <a:p>
-            <a:r>
-              <a:rPr lang="en-US" sz="2000" dirty="0"/>
-              <a:t>            for (var </a:t>
-            </a:r>
-            <a:r>
-              <a:rPr lang="en-US" sz="2000" dirty="0" err="1"/>
-              <a:t>i</a:t>
-            </a:r>
-            <a:r>
-              <a:rPr lang="en-US" sz="2000" dirty="0"/>
-              <a:t> = 0; </a:t>
-            </a:r>
-            <a:r>
-              <a:rPr lang="en-US" sz="2000" dirty="0" err="1"/>
-              <a:t>i</a:t>
-            </a:r>
-            <a:r>
-              <a:rPr lang="en-US" sz="2000" dirty="0"/>
-              <a:t> &lt; </a:t>
-            </a:r>
-            <a:r>
-              <a:rPr lang="en-US" sz="2000" dirty="0" err="1"/>
-              <a:t>vectorLength</a:t>
-            </a:r>
-            <a:r>
-              <a:rPr lang="en-US" sz="2000" dirty="0"/>
-              <a:t>; </a:t>
-            </a:r>
-            <a:r>
-              <a:rPr lang="en-US" sz="2000" dirty="0" err="1"/>
-              <a:t>i</a:t>
-            </a:r>
-            <a:r>
-              <a:rPr lang="en-US" sz="2000" dirty="0"/>
-              <a:t>++)  {</a:t>
-            </a:r>
-          </a:p>
-          <a:p>
-            <a:r>
-              <a:rPr lang="en-US" sz="2000" dirty="0"/>
-              <a:t>	sum += </a:t>
-            </a:r>
-            <a:r>
-              <a:rPr lang="en-US" sz="2000" dirty="0">
-                <a:solidFill>
-                  <a:srgbClr val="FF0000"/>
-                </a:solidFill>
-              </a:rPr>
-              <a:t>A</a:t>
-            </a:r>
-            <a:r>
-              <a:rPr lang="en-US" sz="2000" dirty="0"/>
-              <a:t>[</a:t>
-            </a:r>
-            <a:r>
-              <a:rPr lang="en-US" sz="2000" dirty="0" err="1"/>
-              <a:t>i</a:t>
-            </a:r>
-            <a:r>
-              <a:rPr lang="en-US" sz="2000" dirty="0"/>
-              <a:t>] * </a:t>
-            </a:r>
-            <a:r>
-              <a:rPr lang="en-US" sz="2000" dirty="0">
-                <a:solidFill>
-                  <a:srgbClr val="FF0000"/>
-                </a:solidFill>
-              </a:rPr>
-              <a:t>B</a:t>
-            </a:r>
-            <a:r>
-              <a:rPr lang="en-US" sz="2000" dirty="0"/>
-              <a:t>[</a:t>
-            </a:r>
-            <a:r>
-              <a:rPr lang="en-US" sz="2000" dirty="0" err="1"/>
-              <a:t>i</a:t>
-            </a:r>
-            <a:r>
-              <a:rPr lang="en-US" sz="2000" dirty="0"/>
-              <a:t>];</a:t>
-            </a:r>
-          </a:p>
-          <a:p>
-            <a:r>
-              <a:rPr lang="en-US" sz="2000" dirty="0"/>
-              <a:t>	</a:t>
-            </a:r>
-            <a:r>
-              <a:rPr lang="en-US" sz="2000" dirty="0" err="1"/>
-              <a:t>ALength</a:t>
-            </a:r>
-            <a:r>
-              <a:rPr lang="en-US" sz="2000" dirty="0"/>
-              <a:t> += </a:t>
-            </a:r>
-            <a:r>
-              <a:rPr lang="en-US" sz="2000" dirty="0" err="1"/>
-              <a:t>Convert.ToSingle</a:t>
-            </a:r>
-            <a:r>
-              <a:rPr lang="en-US" sz="2000" dirty="0"/>
-              <a:t>(</a:t>
-            </a:r>
-            <a:r>
-              <a:rPr lang="en-US" sz="2000" dirty="0" err="1"/>
-              <a:t>Math.Pow</a:t>
-            </a:r>
-            <a:r>
-              <a:rPr lang="en-US" sz="2000" dirty="0"/>
-              <a:t>(</a:t>
-            </a:r>
-            <a:r>
-              <a:rPr lang="en-US" sz="2000" dirty="0">
-                <a:solidFill>
-                  <a:srgbClr val="FF0000"/>
-                </a:solidFill>
-              </a:rPr>
-              <a:t>A</a:t>
-            </a:r>
-            <a:r>
-              <a:rPr lang="en-US" sz="2000" dirty="0"/>
-              <a:t>[</a:t>
-            </a:r>
-            <a:r>
-              <a:rPr lang="en-US" sz="2000" dirty="0" err="1"/>
-              <a:t>i</a:t>
-            </a:r>
-            <a:r>
-              <a:rPr lang="en-US" sz="2000" dirty="0"/>
-              <a:t>], 2)); </a:t>
-            </a:r>
-            <a:r>
-              <a:rPr lang="en-US" sz="2000" dirty="0">
-                <a:solidFill>
-                  <a:srgbClr val="00B050"/>
-                </a:solidFill>
-              </a:rPr>
-              <a:t>// A[</a:t>
-            </a:r>
-            <a:r>
-              <a:rPr lang="en-US" sz="2000" dirty="0" err="1">
-                <a:solidFill>
-                  <a:srgbClr val="00B050"/>
-                </a:solidFill>
-              </a:rPr>
-              <a:t>i</a:t>
-            </a:r>
-            <a:r>
-              <a:rPr lang="en-US" sz="2000" dirty="0">
-                <a:solidFill>
-                  <a:srgbClr val="00B050"/>
-                </a:solidFill>
-              </a:rPr>
-              <a:t>]^2</a:t>
-            </a:r>
-          </a:p>
-          <a:p>
-            <a:r>
-              <a:rPr lang="en-US" sz="2000" dirty="0"/>
-              <a:t>	</a:t>
-            </a:r>
-            <a:r>
-              <a:rPr lang="en-US" sz="2000" dirty="0" err="1"/>
-              <a:t>BLength</a:t>
-            </a:r>
-            <a:r>
-              <a:rPr lang="en-US" sz="2000" dirty="0"/>
-              <a:t> += </a:t>
-            </a:r>
-            <a:r>
-              <a:rPr lang="en-US" sz="2000" dirty="0" err="1"/>
-              <a:t>Convert.ToSingle</a:t>
-            </a:r>
-            <a:r>
-              <a:rPr lang="en-US" sz="2000" dirty="0"/>
-              <a:t>(</a:t>
-            </a:r>
-            <a:r>
-              <a:rPr lang="en-US" sz="2000" dirty="0" err="1"/>
-              <a:t>Math.Pow</a:t>
-            </a:r>
-            <a:r>
-              <a:rPr lang="en-US" sz="2000" dirty="0"/>
-              <a:t>(</a:t>
-            </a:r>
-            <a:r>
-              <a:rPr lang="en-US" sz="2000" dirty="0">
-                <a:solidFill>
-                  <a:srgbClr val="FF0000"/>
-                </a:solidFill>
-              </a:rPr>
-              <a:t>B</a:t>
-            </a:r>
-            <a:r>
-              <a:rPr lang="en-US" sz="2000" dirty="0"/>
-              <a:t>[</a:t>
-            </a:r>
-            <a:r>
-              <a:rPr lang="en-US" sz="2000" dirty="0" err="1"/>
-              <a:t>i</a:t>
-            </a:r>
-            <a:r>
-              <a:rPr lang="en-US" sz="2000" dirty="0"/>
-              <a:t>], 2)); </a:t>
-            </a:r>
-            <a:r>
-              <a:rPr lang="en-US" sz="2000" dirty="0">
-                <a:solidFill>
-                  <a:srgbClr val="00B050"/>
-                </a:solidFill>
-              </a:rPr>
-              <a:t>// B[</a:t>
-            </a:r>
-            <a:r>
-              <a:rPr lang="en-US" sz="2000" dirty="0" err="1">
-                <a:solidFill>
-                  <a:srgbClr val="00B050"/>
-                </a:solidFill>
-              </a:rPr>
-              <a:t>i</a:t>
-            </a:r>
-            <a:r>
-              <a:rPr lang="en-US" sz="2000" dirty="0">
-                <a:solidFill>
-                  <a:srgbClr val="00B050"/>
-                </a:solidFill>
-              </a:rPr>
-              <a:t>]^2</a:t>
-            </a:r>
-          </a:p>
-          <a:p>
-            <a:r>
-              <a:rPr lang="en-US" sz="2000" dirty="0"/>
-              <a:t>            }</a:t>
-            </a:r>
-          </a:p>
-          <a:p>
-            <a:r>
-              <a:rPr lang="en-US" sz="2000" dirty="0"/>
-              <a:t>            var proximity = sum / (</a:t>
-            </a:r>
-            <a:r>
-              <a:rPr lang="en-US" sz="2000" dirty="0" err="1"/>
-              <a:t>Math.Pow</a:t>
-            </a:r>
-            <a:r>
-              <a:rPr lang="en-US" sz="2000" dirty="0"/>
-              <a:t>(</a:t>
-            </a:r>
-            <a:r>
-              <a:rPr lang="en-US" sz="2000" dirty="0" err="1"/>
-              <a:t>ALength</a:t>
-            </a:r>
-            <a:r>
-              <a:rPr lang="en-US" sz="2000" dirty="0"/>
-              <a:t>, 0.5) * </a:t>
-            </a:r>
-            <a:r>
-              <a:rPr lang="en-US" sz="2000" dirty="0" err="1"/>
-              <a:t>Math.Pow</a:t>
-            </a:r>
-            <a:r>
-              <a:rPr lang="en-US" sz="2000" dirty="0"/>
-              <a:t>(</a:t>
-            </a:r>
-            <a:r>
-              <a:rPr lang="en-US" sz="2000" dirty="0" err="1"/>
-              <a:t>BLength</a:t>
-            </a:r>
-            <a:r>
-              <a:rPr lang="en-US" sz="2000" dirty="0"/>
-              <a:t>, 0.5));</a:t>
-            </a:r>
-          </a:p>
-          <a:p>
-            <a:r>
-              <a:rPr lang="en-US" sz="2000" dirty="0"/>
-              <a:t>            return </a:t>
-            </a:r>
-            <a:r>
-              <a:rPr lang="en-US" sz="2000" dirty="0" err="1"/>
-              <a:t>Convert.ToSingle</a:t>
-            </a:r>
-            <a:r>
-              <a:rPr lang="en-US" sz="2000" dirty="0"/>
-              <a:t>(proximity);</a:t>
-            </a:r>
-          </a:p>
-          <a:p>
-            <a:r>
-              <a:rPr lang="en-US" sz="2000" dirty="0"/>
-              <a:t>        }</a:t>
-            </a:r>
-          </a:p>
-        </p:txBody>
-      </p:sp>
-    </p:spTree>
-    <p:extLst>
-      <p:ext uri="{BB962C8B-B14F-4D97-AF65-F5344CB8AC3E}">
-        <p14:creationId xmlns:p14="http://schemas.microsoft.com/office/powerpoint/2010/main" val="1178871648"/>
-      </p:ext>
-    </p:extLst>
-  </p:cSld>
-  <p:clrMapOvr>
-    <a:masterClrMapping/>
-  </p:clrMapOvr>
+  <p:timing>
+    <p:tnLst>
+      <p:par>
+        <p:cTn id="1" dur="indefinite" restart="never" nodeType="tmRoot">
+          <p:childTnLst>
+            <p:seq concurrent="1" nextAc="seek">
+              <p:cTn id="2" dur="indefinite" nodeType="mainSeq">
+                <p:childTnLst>
+                  <p:par>
+                    <p:cTn id="3" fill="hold">
+                      <p:stCondLst>
+                        <p:cond delay="indefinite"/>
+                      </p:stCondLst>
+                      <p:childTnLst>
+                        <p:par>
+                          <p:cTn id="4" fill="hold">
+                            <p:stCondLst>
+                              <p:cond delay="0"/>
+                            </p:stCondLst>
+                            <p:childTnLst>
+                              <p:par>
+                                <p:cTn id="5" presetID="2" presetClass="entr" presetSubtype="4" fill="hold" grpId="0" nodeType="clickEffect">
+                                  <p:stCondLst>
+                                    <p:cond delay="0"/>
+                                  </p:stCondLst>
+                                  <p:childTnLst>
+                                    <p:set>
+                                      <p:cBhvr>
+                                        <p:cTn id="6" dur="1" fill="hold">
+                                          <p:stCondLst>
+                                            <p:cond delay="0"/>
+                                          </p:stCondLst>
+                                        </p:cTn>
+                                        <p:tgtEl>
+                                          <p:spTgt spid="2"/>
+                                        </p:tgtEl>
+                                        <p:attrNameLst>
+                                          <p:attrName>style.visibility</p:attrName>
+                                        </p:attrNameLst>
+                                      </p:cBhvr>
+                                      <p:to>
+                                        <p:strVal val="visible"/>
+                                      </p:to>
+                                    </p:set>
+                                    <p:anim calcmode="lin" valueType="num">
+                                      <p:cBhvr additive="base">
+                                        <p:cTn id="7" dur="500" fill="hold"/>
+                                        <p:tgtEl>
+                                          <p:spTgt spid="2"/>
+                                        </p:tgtEl>
+                                        <p:attrNameLst>
+                                          <p:attrName>ppt_x</p:attrName>
+                                        </p:attrNameLst>
+                                      </p:cBhvr>
+                                      <p:tavLst>
+                                        <p:tav tm="0">
+                                          <p:val>
+                                            <p:strVal val="#ppt_x"/>
+                                          </p:val>
+                                        </p:tav>
+                                        <p:tav tm="100000">
+                                          <p:val>
+                                            <p:strVal val="#ppt_x"/>
+                                          </p:val>
+                                        </p:tav>
+                                      </p:tavLst>
+                                    </p:anim>
+                                    <p:anim calcmode="lin" valueType="num">
+                                      <p:cBhvr additive="base">
+                                        <p:cTn id="8" dur="500" fill="hold"/>
+                                        <p:tgtEl>
+                                          <p:spTgt spid="2"/>
+                                        </p:tgtEl>
+                                        <p:attrNameLst>
+                                          <p:attrName>ppt_y</p:attrName>
+                                        </p:attrNameLst>
+                                      </p:cBhvr>
+                                      <p:tavLst>
+                                        <p:tav tm="0">
+                                          <p:val>
+                                            <p:strVal val="1+#ppt_h/2"/>
+                                          </p:val>
+                                        </p:tav>
+                                        <p:tav tm="100000">
+                                          <p:val>
+                                            <p:strVal val="#ppt_y"/>
+                                          </p:val>
+                                        </p:tav>
+                                      </p:tavLst>
+                                    </p:anim>
+                                  </p:childTnLst>
+                                </p:cTn>
+                              </p:par>
+                            </p:childTnLst>
+                          </p:cTn>
+                        </p:par>
+                      </p:childTnLst>
+                    </p:cTn>
+                  </p:par>
+                </p:childTnLst>
+              </p:cTn>
+              <p:prevCondLst>
+                <p:cond evt="onPrev" delay="0">
+                  <p:tgtEl>
+                    <p:sldTgt/>
+                  </p:tgtEl>
+                </p:cond>
+              </p:prevCondLst>
+              <p:nextCondLst>
+                <p:cond evt="onNext" delay="0">
+                  <p:tgtEl>
+                    <p:sldTgt/>
+                  </p:tgtEl>
+                </p:cond>
+              </p:nextCondLst>
+            </p:seq>
+          </p:childTnLst>
+        </p:cTn>
+      </p:par>
+    </p:tnLst>
+    <p:bldLst>
+      <p:bldP spid="2" grpId="0" animBg="1"/>
+    </p:bldLst>
+  </p:timing>
 </p:sld>
 </file>
 
@@ -20017,6 +19883,565 @@
       </p:grpSpPr>
       <p:sp>
         <p:nvSpPr>
+          <p:cNvPr id="5" name="TextBox 4">
+            <a:extLst>
+              <a:ext uri="{FF2B5EF4-FFF2-40B4-BE49-F238E27FC236}">
+                <a16:creationId xmlns:a16="http://schemas.microsoft.com/office/drawing/2014/main" id="{59D56AF8-5A82-FBD8-8551-D84896867691}"/>
+              </a:ext>
+            </a:extLst>
+          </p:cNvPr>
+          <p:cNvSpPr txBox="1"/>
+          <p:nvPr/>
+        </p:nvSpPr>
+        <p:spPr>
+          <a:xfrm>
+            <a:off x="629310" y="1350975"/>
+            <a:ext cx="11234057" cy="4708981"/>
+          </a:xfrm>
+          <a:prstGeom prst="rect">
+            <a:avLst/>
+          </a:prstGeom>
+          <a:noFill/>
+        </p:spPr>
+        <p:txBody>
+          <a:bodyPr wrap="square">
+            <a:spAutoFit/>
+          </a:bodyPr>
+          <a:lstStyle/>
+          <a:p>
+            <a:r>
+              <a:rPr lang="en-US" sz="2000" dirty="0"/>
+              <a:t>public float </a:t>
+            </a:r>
+            <a:r>
+              <a:rPr lang="en-US" sz="2000" dirty="0" err="1"/>
+              <a:t>GetProximity</a:t>
+            </a:r>
+            <a:r>
+              <a:rPr lang="en-US" sz="2000" dirty="0"/>
+              <a:t>(</a:t>
+            </a:r>
+            <a:r>
+              <a:rPr lang="en-US" sz="2000" dirty="0" err="1"/>
+              <a:t>IReadOnlyList</a:t>
+            </a:r>
+            <a:r>
+              <a:rPr lang="en-US" sz="2000" dirty="0"/>
+              <a:t>&lt;float&gt; </a:t>
+            </a:r>
+            <a:r>
+              <a:rPr lang="en-US" sz="2000" i="1" dirty="0">
+                <a:solidFill>
+                  <a:srgbClr val="FF0000"/>
+                </a:solidFill>
+              </a:rPr>
+              <a:t>A</a:t>
+            </a:r>
+            <a:r>
+              <a:rPr lang="en-US" sz="2000" dirty="0"/>
+              <a:t>, </a:t>
+            </a:r>
+            <a:r>
+              <a:rPr lang="en-US" sz="2000" dirty="0" err="1"/>
+              <a:t>IReadOnlyList</a:t>
+            </a:r>
+            <a:r>
+              <a:rPr lang="en-US" sz="2000" dirty="0"/>
+              <a:t>&lt;float&gt; </a:t>
+            </a:r>
+            <a:r>
+              <a:rPr lang="en-US" sz="2000" i="1" dirty="0">
+                <a:solidFill>
+                  <a:srgbClr val="FF0000"/>
+                </a:solidFill>
+              </a:rPr>
+              <a:t>B</a:t>
+            </a:r>
+            <a:r>
+              <a:rPr lang="en-US" sz="2000" dirty="0"/>
+              <a:t>)</a:t>
+            </a:r>
+          </a:p>
+          <a:p>
+            <a:r>
+              <a:rPr lang="en-US" sz="2000" dirty="0"/>
+              <a:t>        {</a:t>
+            </a:r>
+          </a:p>
+          <a:p>
+            <a:r>
+              <a:rPr lang="en-US" sz="2000" i="1" dirty="0"/>
+              <a:t>           // TO DO : check A and B has same length</a:t>
+            </a:r>
+          </a:p>
+          <a:p>
+            <a:r>
+              <a:rPr lang="en-US" sz="2000" dirty="0"/>
+              <a:t>            var </a:t>
+            </a:r>
+            <a:r>
+              <a:rPr lang="en-US" sz="2000" dirty="0" err="1"/>
+              <a:t>vectorLength</a:t>
+            </a:r>
+            <a:r>
+              <a:rPr lang="en-US" sz="2000" dirty="0"/>
+              <a:t> = </a:t>
+            </a:r>
+            <a:r>
+              <a:rPr lang="en-US" sz="2000" dirty="0" err="1">
+                <a:solidFill>
+                  <a:srgbClr val="FF0000"/>
+                </a:solidFill>
+              </a:rPr>
+              <a:t>A</a:t>
+            </a:r>
+            <a:r>
+              <a:rPr lang="en-US" sz="2000" dirty="0" err="1"/>
+              <a:t>.Count</a:t>
+            </a:r>
+            <a:r>
+              <a:rPr lang="en-US" sz="2000" dirty="0"/>
+              <a:t>;</a:t>
+            </a:r>
+          </a:p>
+          <a:p>
+            <a:r>
+              <a:rPr lang="en-US" sz="2000" dirty="0"/>
+              <a:t>            var sum = 0.0f;</a:t>
+            </a:r>
+          </a:p>
+          <a:p>
+            <a:r>
+              <a:rPr lang="en-US" sz="2000" dirty="0"/>
+              <a:t>            var </a:t>
+            </a:r>
+            <a:r>
+              <a:rPr lang="en-US" sz="2000" dirty="0" err="1"/>
+              <a:t>ALength</a:t>
+            </a:r>
+            <a:r>
+              <a:rPr lang="en-US" sz="2000" dirty="0"/>
+              <a:t> = 0.0f;</a:t>
+            </a:r>
+          </a:p>
+          <a:p>
+            <a:r>
+              <a:rPr lang="en-US" sz="2000" dirty="0"/>
+              <a:t>            var </a:t>
+            </a:r>
+            <a:r>
+              <a:rPr lang="en-US" sz="2000" dirty="0" err="1"/>
+              <a:t>BLength</a:t>
+            </a:r>
+            <a:r>
+              <a:rPr lang="en-US" sz="2000" dirty="0"/>
+              <a:t> = 0.0f;</a:t>
+            </a:r>
+          </a:p>
+          <a:p>
+            <a:r>
+              <a:rPr lang="en-US" sz="2000" dirty="0"/>
+              <a:t>            for (var </a:t>
+            </a:r>
+            <a:r>
+              <a:rPr lang="en-US" sz="2000" dirty="0" err="1"/>
+              <a:t>i</a:t>
+            </a:r>
+            <a:r>
+              <a:rPr lang="en-US" sz="2000" dirty="0"/>
+              <a:t> = 0; </a:t>
+            </a:r>
+            <a:r>
+              <a:rPr lang="en-US" sz="2000" dirty="0" err="1"/>
+              <a:t>i</a:t>
+            </a:r>
+            <a:r>
+              <a:rPr lang="en-US" sz="2000" dirty="0"/>
+              <a:t> &lt; </a:t>
+            </a:r>
+            <a:r>
+              <a:rPr lang="en-US" sz="2000" dirty="0" err="1"/>
+              <a:t>vectorLength</a:t>
+            </a:r>
+            <a:r>
+              <a:rPr lang="en-US" sz="2000" dirty="0"/>
+              <a:t>; </a:t>
+            </a:r>
+            <a:r>
+              <a:rPr lang="en-US" sz="2000" dirty="0" err="1"/>
+              <a:t>i</a:t>
+            </a:r>
+            <a:r>
+              <a:rPr lang="en-US" sz="2000" dirty="0"/>
+              <a:t>++)  {</a:t>
+            </a:r>
+          </a:p>
+          <a:p>
+            <a:r>
+              <a:rPr lang="en-US" sz="2000" dirty="0"/>
+              <a:t>	</a:t>
+            </a:r>
+            <a:r>
+              <a:rPr lang="en-US" sz="2000" dirty="0">
+                <a:highlight>
+                  <a:srgbClr val="FFFF00"/>
+                </a:highlight>
+              </a:rPr>
+              <a:t>sum += </a:t>
+            </a:r>
+            <a:r>
+              <a:rPr lang="en-US" sz="2000" dirty="0">
+                <a:solidFill>
+                  <a:srgbClr val="FF0000"/>
+                </a:solidFill>
+                <a:highlight>
+                  <a:srgbClr val="FFFF00"/>
+                </a:highlight>
+              </a:rPr>
+              <a:t>A</a:t>
+            </a:r>
+            <a:r>
+              <a:rPr lang="en-US" sz="2000" dirty="0">
+                <a:highlight>
+                  <a:srgbClr val="FFFF00"/>
+                </a:highlight>
+              </a:rPr>
+              <a:t>[</a:t>
+            </a:r>
+            <a:r>
+              <a:rPr lang="en-US" sz="2000" dirty="0" err="1">
+                <a:highlight>
+                  <a:srgbClr val="FFFF00"/>
+                </a:highlight>
+              </a:rPr>
+              <a:t>i</a:t>
+            </a:r>
+            <a:r>
+              <a:rPr lang="en-US" sz="2000" dirty="0">
+                <a:highlight>
+                  <a:srgbClr val="FFFF00"/>
+                </a:highlight>
+              </a:rPr>
+              <a:t>] * </a:t>
+            </a:r>
+            <a:r>
+              <a:rPr lang="en-US" sz="2000" dirty="0">
+                <a:solidFill>
+                  <a:srgbClr val="FF0000"/>
+                </a:solidFill>
+                <a:highlight>
+                  <a:srgbClr val="FFFF00"/>
+                </a:highlight>
+              </a:rPr>
+              <a:t>B</a:t>
+            </a:r>
+            <a:r>
+              <a:rPr lang="en-US" sz="2000" dirty="0">
+                <a:highlight>
+                  <a:srgbClr val="FFFF00"/>
+                </a:highlight>
+              </a:rPr>
+              <a:t>[</a:t>
+            </a:r>
+            <a:r>
+              <a:rPr lang="en-US" sz="2000" dirty="0" err="1">
+                <a:highlight>
+                  <a:srgbClr val="FFFF00"/>
+                </a:highlight>
+              </a:rPr>
+              <a:t>i</a:t>
+            </a:r>
+            <a:r>
+              <a:rPr lang="en-US" sz="2000" dirty="0">
+                <a:highlight>
+                  <a:srgbClr val="FFFF00"/>
+                </a:highlight>
+              </a:rPr>
+              <a:t>];</a:t>
+            </a:r>
+          </a:p>
+          <a:p>
+            <a:r>
+              <a:rPr lang="en-US" sz="2000" dirty="0"/>
+              <a:t>	</a:t>
+            </a:r>
+            <a:r>
+              <a:rPr lang="en-US" sz="2000" dirty="0" err="1"/>
+              <a:t>ALength</a:t>
+            </a:r>
+            <a:r>
+              <a:rPr lang="en-US" sz="2000" dirty="0"/>
+              <a:t> += </a:t>
+            </a:r>
+            <a:r>
+              <a:rPr lang="en-US" sz="2000" dirty="0" err="1"/>
+              <a:t>Convert.ToSingle</a:t>
+            </a:r>
+            <a:r>
+              <a:rPr lang="en-US" sz="2000" dirty="0"/>
+              <a:t>(</a:t>
+            </a:r>
+            <a:r>
+              <a:rPr lang="en-US" sz="2000" dirty="0" err="1"/>
+              <a:t>Math.Pow</a:t>
+            </a:r>
+            <a:r>
+              <a:rPr lang="en-US" sz="2000" dirty="0"/>
+              <a:t>(</a:t>
+            </a:r>
+            <a:r>
+              <a:rPr lang="en-US" sz="2000" dirty="0">
+                <a:solidFill>
+                  <a:srgbClr val="FF0000"/>
+                </a:solidFill>
+              </a:rPr>
+              <a:t>A</a:t>
+            </a:r>
+            <a:r>
+              <a:rPr lang="en-US" sz="2000" dirty="0"/>
+              <a:t>[</a:t>
+            </a:r>
+            <a:r>
+              <a:rPr lang="en-US" sz="2000" dirty="0" err="1"/>
+              <a:t>i</a:t>
+            </a:r>
+            <a:r>
+              <a:rPr lang="en-US" sz="2000" dirty="0"/>
+              <a:t>], 2)); </a:t>
+            </a:r>
+            <a:r>
+              <a:rPr lang="en-US" sz="2000" dirty="0">
+                <a:solidFill>
+                  <a:srgbClr val="00B050"/>
+                </a:solidFill>
+              </a:rPr>
+              <a:t>// A[</a:t>
+            </a:r>
+            <a:r>
+              <a:rPr lang="en-US" sz="2000" dirty="0" err="1">
+                <a:solidFill>
+                  <a:srgbClr val="00B050"/>
+                </a:solidFill>
+              </a:rPr>
+              <a:t>i</a:t>
+            </a:r>
+            <a:r>
+              <a:rPr lang="en-US" sz="2000" dirty="0">
+                <a:solidFill>
+                  <a:srgbClr val="00B050"/>
+                </a:solidFill>
+              </a:rPr>
+              <a:t>]^2</a:t>
+            </a:r>
+          </a:p>
+          <a:p>
+            <a:r>
+              <a:rPr lang="en-US" sz="2000" dirty="0"/>
+              <a:t>	</a:t>
+            </a:r>
+            <a:r>
+              <a:rPr lang="en-US" sz="2000" dirty="0" err="1"/>
+              <a:t>BLength</a:t>
+            </a:r>
+            <a:r>
+              <a:rPr lang="en-US" sz="2000" dirty="0"/>
+              <a:t> += </a:t>
+            </a:r>
+            <a:r>
+              <a:rPr lang="en-US" sz="2000" dirty="0" err="1"/>
+              <a:t>Convert.ToSingle</a:t>
+            </a:r>
+            <a:r>
+              <a:rPr lang="en-US" sz="2000" dirty="0"/>
+              <a:t>(</a:t>
+            </a:r>
+            <a:r>
+              <a:rPr lang="en-US" sz="2000" dirty="0" err="1"/>
+              <a:t>Math.Pow</a:t>
+            </a:r>
+            <a:r>
+              <a:rPr lang="en-US" sz="2000" dirty="0"/>
+              <a:t>(</a:t>
+            </a:r>
+            <a:r>
+              <a:rPr lang="en-US" sz="2000" dirty="0">
+                <a:solidFill>
+                  <a:srgbClr val="FF0000"/>
+                </a:solidFill>
+              </a:rPr>
+              <a:t>B</a:t>
+            </a:r>
+            <a:r>
+              <a:rPr lang="en-US" sz="2000" dirty="0"/>
+              <a:t>[</a:t>
+            </a:r>
+            <a:r>
+              <a:rPr lang="en-US" sz="2000" dirty="0" err="1"/>
+              <a:t>i</a:t>
+            </a:r>
+            <a:r>
+              <a:rPr lang="en-US" sz="2000" dirty="0"/>
+              <a:t>], 2)); </a:t>
+            </a:r>
+            <a:r>
+              <a:rPr lang="en-US" sz="2000" dirty="0">
+                <a:solidFill>
+                  <a:srgbClr val="00B050"/>
+                </a:solidFill>
+              </a:rPr>
+              <a:t>// B[</a:t>
+            </a:r>
+            <a:r>
+              <a:rPr lang="en-US" sz="2000" dirty="0" err="1">
+                <a:solidFill>
+                  <a:srgbClr val="00B050"/>
+                </a:solidFill>
+              </a:rPr>
+              <a:t>i</a:t>
+            </a:r>
+            <a:r>
+              <a:rPr lang="en-US" sz="2000" dirty="0">
+                <a:solidFill>
+                  <a:srgbClr val="00B050"/>
+                </a:solidFill>
+              </a:rPr>
+              <a:t>]^2</a:t>
+            </a:r>
+          </a:p>
+          <a:p>
+            <a:r>
+              <a:rPr lang="en-US" sz="2000" dirty="0"/>
+              <a:t>            }</a:t>
+            </a:r>
+          </a:p>
+          <a:p>
+            <a:r>
+              <a:rPr lang="en-US" sz="2000" dirty="0">
+                <a:highlight>
+                  <a:srgbClr val="FFFF00"/>
+                </a:highlight>
+              </a:rPr>
+              <a:t>            var proximity = sum / (</a:t>
+            </a:r>
+            <a:r>
+              <a:rPr lang="en-US" sz="2000" dirty="0" err="1">
+                <a:highlight>
+                  <a:srgbClr val="FFFF00"/>
+                </a:highlight>
+              </a:rPr>
+              <a:t>Math.Pow</a:t>
+            </a:r>
+            <a:r>
+              <a:rPr lang="en-US" sz="2000" dirty="0">
+                <a:highlight>
+                  <a:srgbClr val="FFFF00"/>
+                </a:highlight>
+              </a:rPr>
+              <a:t>(</a:t>
+            </a:r>
+            <a:r>
+              <a:rPr lang="en-US" sz="2000" dirty="0" err="1">
+                <a:highlight>
+                  <a:srgbClr val="FFFF00"/>
+                </a:highlight>
+              </a:rPr>
+              <a:t>ALength</a:t>
+            </a:r>
+            <a:r>
+              <a:rPr lang="en-US" sz="2000" dirty="0">
+                <a:highlight>
+                  <a:srgbClr val="FFFF00"/>
+                </a:highlight>
+              </a:rPr>
+              <a:t>, 0.5) * </a:t>
+            </a:r>
+            <a:r>
+              <a:rPr lang="en-US" sz="2000" dirty="0" err="1">
+                <a:highlight>
+                  <a:srgbClr val="FFFF00"/>
+                </a:highlight>
+              </a:rPr>
+              <a:t>Math.Pow</a:t>
+            </a:r>
+            <a:r>
+              <a:rPr lang="en-US" sz="2000" dirty="0">
+                <a:highlight>
+                  <a:srgbClr val="FFFF00"/>
+                </a:highlight>
+              </a:rPr>
+              <a:t>(</a:t>
+            </a:r>
+            <a:r>
+              <a:rPr lang="en-US" sz="2000" dirty="0" err="1">
+                <a:highlight>
+                  <a:srgbClr val="FFFF00"/>
+                </a:highlight>
+              </a:rPr>
+              <a:t>BLength</a:t>
+            </a:r>
+            <a:r>
+              <a:rPr lang="en-US" sz="2000" dirty="0">
+                <a:highlight>
+                  <a:srgbClr val="FFFF00"/>
+                </a:highlight>
+              </a:rPr>
+              <a:t>, 0.5));</a:t>
+            </a:r>
+          </a:p>
+          <a:p>
+            <a:r>
+              <a:rPr lang="en-US" sz="2000" dirty="0"/>
+              <a:t>            return </a:t>
+            </a:r>
+            <a:r>
+              <a:rPr lang="en-US" sz="2000" dirty="0" err="1"/>
+              <a:t>Convert.ToSingle</a:t>
+            </a:r>
+            <a:r>
+              <a:rPr lang="en-US" sz="2000" dirty="0"/>
+              <a:t>(proximity);</a:t>
+            </a:r>
+          </a:p>
+          <a:p>
+            <a:r>
+              <a:rPr lang="en-US" sz="2000" dirty="0"/>
+              <a:t>        }</a:t>
+            </a:r>
+          </a:p>
+        </p:txBody>
+      </p:sp>
+    </p:spTree>
+    <p:extLst>
+      <p:ext uri="{BB962C8B-B14F-4D97-AF65-F5344CB8AC3E}">
+        <p14:creationId xmlns:p14="http://schemas.microsoft.com/office/powerpoint/2010/main" val="1178871648"/>
+      </p:ext>
+    </p:extLst>
+  </p:cSld>
+  <p:clrMapOvr>
+    <a:masterClrMapping/>
+  </p:clrMapOvr>
+</p:sld>
+</file>
+
+<file path=ppt/slides/slide18.xml><?xml version="1.0" encoding="utf-8"?>
+<p:sld xmlns:a="http://schemas.openxmlformats.org/drawingml/2006/main" xmlns:r="http://schemas.openxmlformats.org/officeDocument/2006/relationships" xmlns:p="http://schemas.openxmlformats.org/presentationml/2006/main">
+  <p:cSld>
+    <p:spTree>
+      <p:nvGrpSpPr>
+        <p:cNvPr id="1" name=""/>
+        <p:cNvGrpSpPr/>
+        <p:nvPr/>
+      </p:nvGrpSpPr>
+      <p:grpSpPr>
+        <a:xfrm>
+          <a:off x="0" y="0"/>
+          <a:ext cx="0" cy="0"/>
+          <a:chOff x="0" y="0"/>
+          <a:chExt cx="0" cy="0"/>
+        </a:xfrm>
+      </p:grpSpPr>
+      <p:sp>
+        <p:nvSpPr>
           <p:cNvPr id="2" name="Title 1">
             <a:extLst>
               <a:ext uri="{FF2B5EF4-FFF2-40B4-BE49-F238E27FC236}">
@@ -20094,7 +20519,7 @@
             <a:pPr lvl="1"/>
             <a:r>
               <a:rPr lang="en-US" dirty="0"/>
-              <a:t>Experiment with values in the range like 0,73 – 0.8 for minimum proximity threshold </a:t>
+              <a:t>Experiment with values in the range like 0,73 – 0.78 for minimum proximity threshold </a:t>
             </a:r>
           </a:p>
           <a:p>
@@ -20321,7 +20746,7 @@
 </p:sld>
 </file>
 
-<file path=ppt/slides/slide18.xml><?xml version="1.0" encoding="utf-8"?>
+<file path=ppt/slides/slide19.xml><?xml version="1.0" encoding="utf-8"?>
 <p:sld xmlns:a="http://schemas.openxmlformats.org/drawingml/2006/main" xmlns:r="http://schemas.openxmlformats.org/officeDocument/2006/relationships" xmlns:p="http://schemas.openxmlformats.org/presentationml/2006/main">
   <p:cSld>
     <p:spTree>
@@ -20419,7 +20844,7 @@
           <a:p>
             <a:r>
               <a:rPr lang="en-US" dirty="0"/>
-              <a:t>Document preparation conversion (and splitting if required) </a:t>
+              <a:t>Document preparation: conversion and splitting (if required) </a:t>
             </a:r>
           </a:p>
           <a:p>
@@ -20475,8 +20900,8 @@
           <a:p>
             <a:pPr lvl="2"/>
             <a:r>
-              <a:rPr lang="en-US" dirty="0"/>
-              <a:t>Store document -&gt; corresponding embedding vector "somewhere"</a:t>
+              <a:rPr lang="en-US" b="1" dirty="0"/>
+              <a:t>Save document &amp; corresponding embedding vector in some storage</a:t>
             </a:r>
           </a:p>
         </p:txBody>
@@ -20527,7 +20952,7 @@
                                         <p:tgtEl>
                                           <p:spTgt spid="3">
                                             <p:txEl>
-                                              <p:pRg st="2" end="2"/>
+                                              <p:pRg st="5" end="5"/>
                                             </p:txEl>
                                           </p:spTgt>
                                         </p:tgtEl>
@@ -20576,7 +21001,7 @@
                                         <p:tgtEl>
                                           <p:spTgt spid="3">
                                             <p:txEl>
-                                              <p:pRg st="3" end="3"/>
+                                              <p:pRg st="6" end="6"/>
                                             </p:txEl>
                                           </p:spTgt>
                                         </p:tgtEl>
@@ -20600,135 +21025,6 @@
                                     <p:set>
                                       <p:cBhvr>
                                         <p:cTn id="12" dur="1" fill="hold">
-                                          <p:stCondLst>
-                                            <p:cond delay="0"/>
-                                          </p:stCondLst>
-                                        </p:cTn>
-                                        <p:tgtEl>
-                                          <p:spTgt spid="3">
-                                            <p:txEl>
-                                              <p:pRg st="4" end="4"/>
-                                            </p:txEl>
-                                          </p:spTgt>
-                                        </p:tgtEl>
-                                        <p:attrNameLst>
-                                          <p:attrName>style.visibility</p:attrName>
-                                        </p:attrNameLst>
-                                      </p:cBhvr>
-                                      <p:to>
-                                        <p:strVal val="visible"/>
-                                      </p:to>
-                                    </p:set>
-                                  </p:childTnLst>
-                                </p:cTn>
-                              </p:par>
-                              <p:par>
-                                <p:cTn id="13" presetID="1" presetClass="entr" presetSubtype="0" fill="hold" nodeType="withEffect">
-                                  <p:stCondLst>
-                                    <p:cond delay="0"/>
-                                  </p:stCondLst>
-                                  <p:childTnLst>
-                                    <p:set>
-                                      <p:cBhvr>
-                                        <p:cTn id="14" dur="1" fill="hold">
-                                          <p:stCondLst>
-                                            <p:cond delay="0"/>
-                                          </p:stCondLst>
-                                        </p:cTn>
-                                        <p:tgtEl>
-                                          <p:spTgt spid="3">
-                                            <p:txEl>
-                                              <p:pRg st="5" end="5"/>
-                                            </p:txEl>
-                                          </p:spTgt>
-                                        </p:tgtEl>
-                                        <p:attrNameLst>
-                                          <p:attrName>style.visibility</p:attrName>
-                                        </p:attrNameLst>
-                                      </p:cBhvr>
-                                      <p:to>
-                                        <p:strVal val="visible"/>
-                                      </p:to>
-                                    </p:set>
-                                  </p:childTnLst>
-                                </p:cTn>
-                              </p:par>
-                            </p:childTnLst>
-                          </p:cTn>
-                        </p:par>
-                      </p:childTnLst>
-                    </p:cTn>
-                  </p:par>
-                  <p:par>
-                    <p:cTn id="15" fill="hold">
-                      <p:stCondLst>
-                        <p:cond delay="indefinite"/>
-                      </p:stCondLst>
-                      <p:childTnLst>
-                        <p:par>
-                          <p:cTn id="16" fill="hold">
-                            <p:stCondLst>
-                              <p:cond delay="0"/>
-                            </p:stCondLst>
-                            <p:childTnLst>
-                              <p:par>
-                                <p:cTn id="17" presetID="1" presetClass="entr" presetSubtype="0" fill="hold" nodeType="clickEffect">
-                                  <p:stCondLst>
-                                    <p:cond delay="0"/>
-                                  </p:stCondLst>
-                                  <p:childTnLst>
-                                    <p:set>
-                                      <p:cBhvr>
-                                        <p:cTn id="18" dur="1" fill="hold">
-                                          <p:stCondLst>
-                                            <p:cond delay="0"/>
-                                          </p:stCondLst>
-                                        </p:cTn>
-                                        <p:tgtEl>
-                                          <p:spTgt spid="3">
-                                            <p:txEl>
-                                              <p:pRg st="6" end="6"/>
-                                            </p:txEl>
-                                          </p:spTgt>
-                                        </p:tgtEl>
-                                        <p:attrNameLst>
-                                          <p:attrName>style.visibility</p:attrName>
-                                        </p:attrNameLst>
-                                      </p:cBhvr>
-                                      <p:to>
-                                        <p:strVal val="visible"/>
-                                      </p:to>
-                                    </p:set>
-                                  </p:childTnLst>
-                                </p:cTn>
-                              </p:par>
-                            </p:childTnLst>
-                          </p:cTn>
-                        </p:par>
-                      </p:childTnLst>
-                    </p:cTn>
-                  </p:par>
-                  <p:par>
-                    <p:cTn id="19" fill="hold">
-                      <p:stCondLst>
-                        <p:cond delay="indefinite"/>
-                      </p:stCondLst>
-                      <p:childTnLst>
-                        <p:par>
-                          <p:cTn id="20" fill="hold">
-                            <p:stCondLst>
-                              <p:cond delay="0"/>
-                            </p:stCondLst>
-                            <p:childTnLst>
-                              <p:par>
-                                <p:cTn id="21" presetID="1" presetClass="entr" presetSubtype="0" fill="hold" nodeType="clickEffect">
-                                  <p:stCondLst>
-                                    <p:cond delay="0"/>
-                                  </p:stCondLst>
-                                  <p:childTnLst>
-                                    <p:set>
-                                      <p:cBhvr>
-                                        <p:cTn id="22" dur="1" fill="hold">
                                           <p:stCondLst>
                                             <p:cond delay="0"/>
                                           </p:stCondLst>
@@ -20782,7 +21078,37 @@
 </p:sld>
 </file>
 
-<file path=ppt/slides/slide19.xml><?xml version="1.0" encoding="utf-8"?>
+<file path=ppt/slides/slide2.xml><?xml version="1.0" encoding="utf-8"?>
+<p:sld xmlns:a="http://schemas.openxmlformats.org/drawingml/2006/main" xmlns:r="http://schemas.openxmlformats.org/officeDocument/2006/relationships" xmlns:p="http://schemas.openxmlformats.org/presentationml/2006/main">
+  <p:cSld>
+    <p:spTree>
+      <p:nvGrpSpPr>
+        <p:cNvPr id="1" name=""/>
+        <p:cNvGrpSpPr/>
+        <p:nvPr/>
+      </p:nvGrpSpPr>
+      <p:grpSpPr>
+        <a:xfrm>
+          <a:off x="0" y="0"/>
+          <a:ext cx="0" cy="0"/>
+          <a:chOff x="0" y="0"/>
+          <a:chExt cx="0" cy="0"/>
+        </a:xfrm>
+      </p:grpSpPr>
+    </p:spTree>
+    <p:extLst>
+      <p:ext uri="{BB962C8B-B14F-4D97-AF65-F5344CB8AC3E}">
+        <p14:creationId xmlns:p14="http://schemas.microsoft.com/office/powerpoint/2010/main" val="1221883348"/>
+      </p:ext>
+    </p:extLst>
+  </p:cSld>
+  <p:clrMapOvr>
+    <a:masterClrMapping/>
+  </p:clrMapOvr>
+</p:sld>
+</file>
+
+<file path=ppt/slides/slide20.xml><?xml version="1.0" encoding="utf-8"?>
 <p:sld xmlns:a="http://schemas.openxmlformats.org/drawingml/2006/main" xmlns:r="http://schemas.openxmlformats.org/officeDocument/2006/relationships" xmlns:p="http://schemas.openxmlformats.org/presentationml/2006/main">
   <p:cSld>
     <p:spTree>
@@ -21212,7 +21538,7 @@
 </p:sld>
 </file>
 
-<file path=ppt/slides/slide2.xml><?xml version="1.0" encoding="utf-8"?>
+<file path=ppt/slides/slide21.xml><?xml version="1.0" encoding="utf-8"?>
 <p:sld xmlns:a="http://schemas.openxmlformats.org/drawingml/2006/main" xmlns:r="http://schemas.openxmlformats.org/officeDocument/2006/relationships" xmlns:p="http://schemas.openxmlformats.org/presentationml/2006/main">
   <p:cSld>
     <p:spTree>
@@ -21229,36 +21555,6 @@
           <a:chExt cx="0" cy="0"/>
         </a:xfrm>
       </p:grpSpPr>
-    </p:spTree>
-    <p:extLst>
-      <p:ext uri="{BB962C8B-B14F-4D97-AF65-F5344CB8AC3E}">
-        <p14:creationId xmlns:p14="http://schemas.microsoft.com/office/powerpoint/2010/main" val="1221883348"/>
-      </p:ext>
-    </p:extLst>
-  </p:cSld>
-  <p:clrMapOvr>
-    <a:masterClrMapping/>
-  </p:clrMapOvr>
-</p:sld>
-</file>
-
-<file path=ppt/slides/slide20.xml><?xml version="1.0" encoding="utf-8"?>
-<p:sld xmlns:a="http://schemas.openxmlformats.org/drawingml/2006/main" xmlns:r="http://schemas.openxmlformats.org/officeDocument/2006/relationships" xmlns:p="http://schemas.openxmlformats.org/presentationml/2006/main">
-  <p:cSld>
-    <p:spTree>
-      <p:nvGrpSpPr>
-        <p:cNvPr id="1" name=""/>
-        <p:cNvGrpSpPr/>
-        <p:nvPr/>
-      </p:nvGrpSpPr>
-      <p:grpSpPr>
-        <a:xfrm>
-          <a:off x="0" y="0"/>
-          <a:ext cx="0" cy="0"/>
-          <a:chOff x="0" y="0"/>
-          <a:chExt cx="0" cy="0"/>
-        </a:xfrm>
-      </p:grpSpPr>
       <p:sp>
         <p:nvSpPr>
           <p:cNvPr id="2" name="Title 1">
@@ -21284,7 +21580,7 @@
           <a:p>
             <a:r>
               <a:rPr lang="en-US" dirty="0"/>
-              <a:t>Embeddings and documents storage</a:t>
+              <a:t>About Embeddings &amp; documents storage and cosine proximity calculations</a:t>
             </a:r>
           </a:p>
         </p:txBody>
@@ -21554,7 +21850,7 @@
 </p:sld>
 </file>
 
-<file path=ppt/slides/slide21.xml><?xml version="1.0" encoding="utf-8"?>
+<file path=ppt/slides/slide22.xml><?xml version="1.0" encoding="utf-8"?>
 <p:sld xmlns:a="http://schemas.openxmlformats.org/drawingml/2006/main" xmlns:r="http://schemas.openxmlformats.org/officeDocument/2006/relationships" xmlns:p="http://schemas.openxmlformats.org/presentationml/2006/main">
   <p:cSld>
     <p:spTree>
@@ -22375,7 +22671,7 @@
 </p:sld>
 </file>
 
-<file path=ppt/slides/slide22.xml><?xml version="1.0" encoding="utf-8"?>
+<file path=ppt/slides/slide23.xml><?xml version="1.0" encoding="utf-8"?>
 <p:sld xmlns:a="http://schemas.openxmlformats.org/drawingml/2006/main" xmlns:r="http://schemas.openxmlformats.org/officeDocument/2006/relationships" xmlns:p="http://schemas.openxmlformats.org/presentationml/2006/main">
   <p:cSld>
     <p:spTree>
@@ -22492,46 +22788,14 @@
           <a:lstStyle/>
           <a:p>
             <a:r>
-              <a:rPr lang="en-US" i="1" dirty="0"/>
-              <a:t>You are a bot that assists users of the </a:t>
-            </a:r>
-            <a:r>
-              <a:rPr lang="en-US" i="1" dirty="0" err="1"/>
-              <a:t>myMSC</a:t>
-            </a:r>
-            <a:r>
-              <a:rPr lang="en-US" i="1" dirty="0"/>
-              <a:t> web site. </a:t>
-            </a:r>
-            <a:br>
-              <a:rPr lang="en-US" i="1" dirty="0"/>
-            </a:br>
-            <a:r>
-              <a:rPr lang="en-US" i="1" dirty="0"/>
-              <a:t>If the answer is not related to </a:t>
-            </a:r>
-            <a:r>
-              <a:rPr lang="en-US" i="1" dirty="0" err="1"/>
-              <a:t>myMSC</a:t>
-            </a:r>
-            <a:r>
-              <a:rPr lang="en-US" i="1" dirty="0"/>
-              <a:t>, if no context is provided with the question or the context is irrelevant to the user question, never absolutely provide an answer to the questions, just say: </a:t>
-            </a:r>
-            <a:br>
-              <a:rPr lang="en-US" i="1" dirty="0"/>
-            </a:br>
-            <a:r>
-              <a:rPr lang="en-US" i="1" dirty="0"/>
-              <a:t>'Sorry I couldn't get your question, or I am not allowed to reply to it. Know that I am not a general-purpose bot, I provide </a:t>
-            </a:r>
-            <a:r>
-              <a:rPr lang="en-US" i="1" dirty="0" err="1"/>
-              <a:t>myMSC</a:t>
-            </a:r>
-            <a:r>
-              <a:rPr lang="en-US" i="1" dirty="0"/>
-              <a:t> related information only'</a:t>
+              <a:rPr lang="en-US" sz="1800" dirty="0"/>
+              <a:t>Your name is Emma, you are an Assistant for the mymsc web site that allows user to book container to ship goods around the world. </a:t>
+            </a:r>
+          </a:p>
+          <a:p>
+            <a:r>
+              <a:rPr lang="en-US" sz="1800" dirty="0"/>
+              <a:t>If the context is not enough to generate a relevant and coherent response, or if the question is out of the scope of the assistant domain, please say "I don't know" and apologize for the inconvenience. Do not use your existing knowledge to answer questions that are unrelated to the chatbot's purpose.</a:t>
             </a:r>
           </a:p>
         </p:txBody>
@@ -22549,7 +22813,7 @@
 </p:sld>
 </file>
 
-<file path=ppt/slides/slide23.xml><?xml version="1.0" encoding="utf-8"?>
+<file path=ppt/slides/slide24.xml><?xml version="1.0" encoding="utf-8"?>
 <p:sld xmlns:a="http://schemas.openxmlformats.org/drawingml/2006/main" xmlns:r="http://schemas.openxmlformats.org/officeDocument/2006/relationships" xmlns:p="http://schemas.openxmlformats.org/presentationml/2006/main">
   <p:cSld>
     <p:spTree>
@@ -23253,8 +23517,8 @@
             <a:avLst>
               <a:gd name="adj1" fmla="val 73121"/>
               <a:gd name="adj2" fmla="val -3541"/>
-              <a:gd name="adj3" fmla="val 250712"/>
-              <a:gd name="adj4" fmla="val -29104"/>
+              <a:gd name="adj3" fmla="val 188043"/>
+              <a:gd name="adj4" fmla="val -11374"/>
             </a:avLst>
           </a:prstGeom>
           <a:noFill/>
@@ -23538,7 +23802,7 @@
 </p:sld>
 </file>
 
-<file path=ppt/slides/slide24.xml><?xml version="1.0" encoding="utf-8"?>
+<file path=ppt/slides/slide25.xml><?xml version="1.0" encoding="utf-8"?>
 <p:sld xmlns:a="http://schemas.openxmlformats.org/drawingml/2006/main" xmlns:r="http://schemas.openxmlformats.org/officeDocument/2006/relationships" xmlns:p="http://schemas.openxmlformats.org/presentationml/2006/main">
   <p:cSld>
     <p:spTree>
@@ -23952,7 +24216,7 @@
 </p:sld>
 </file>
 
-<file path=ppt/slides/slide25.xml><?xml version="1.0" encoding="utf-8"?>
+<file path=ppt/slides/slide26.xml><?xml version="1.0" encoding="utf-8"?>
 <p:sld xmlns:a="http://schemas.openxmlformats.org/drawingml/2006/main" xmlns:r="http://schemas.openxmlformats.org/officeDocument/2006/relationships" xmlns:p="http://schemas.openxmlformats.org/presentationml/2006/main">
   <p:cSld>
     <p:spTree>
@@ -25098,1734 +25362,7 @@
 </p:sld>
 </file>
 
-<file path=ppt/slides/slide26.xml><?xml version="1.0" encoding="utf-8"?>
-<p:sld xmlns:a="http://schemas.openxmlformats.org/drawingml/2006/main" xmlns:r="http://schemas.openxmlformats.org/officeDocument/2006/relationships" xmlns:p="http://schemas.openxmlformats.org/presentationml/2006/main">
-  <p:cSld>
-    <p:spTree>
-      <p:nvGrpSpPr>
-        <p:cNvPr id="1" name=""/>
-        <p:cNvGrpSpPr/>
-        <p:nvPr/>
-      </p:nvGrpSpPr>
-      <p:grpSpPr>
-        <a:xfrm>
-          <a:off x="0" y="0"/>
-          <a:ext cx="0" cy="0"/>
-          <a:chOff x="0" y="0"/>
-          <a:chExt cx="0" cy="0"/>
-        </a:xfrm>
-      </p:grpSpPr>
-      <p:sp>
-        <p:nvSpPr>
-          <p:cNvPr id="2" name="Title 1">
-            <a:extLst>
-              <a:ext uri="{FF2B5EF4-FFF2-40B4-BE49-F238E27FC236}">
-                <a16:creationId xmlns:a16="http://schemas.microsoft.com/office/drawing/2014/main" id="{52F46AD7-29D7-C838-D1EF-4439928B06B9}"/>
-              </a:ext>
-            </a:extLst>
-          </p:cNvPr>
-          <p:cNvSpPr>
-            <a:spLocks noGrp="1"/>
-          </p:cNvSpPr>
-          <p:nvPr>
-            <p:ph type="title"/>
-          </p:nvPr>
-        </p:nvSpPr>
-        <p:spPr/>
-        <p:txBody>
-          <a:bodyPr>
-            <a:normAutofit fontScale="90000"/>
-          </a:bodyPr>
-          <a:lstStyle/>
-          <a:p>
-            <a:r>
-              <a:rPr lang="en-US" dirty="0"/>
-              <a:t>Houston, we have a problem </a:t>
-            </a:r>
-          </a:p>
-        </p:txBody>
-      </p:sp>
-      <p:sp>
-        <p:nvSpPr>
-          <p:cNvPr id="3" name="Content Placeholder 2">
-            <a:extLst>
-              <a:ext uri="{FF2B5EF4-FFF2-40B4-BE49-F238E27FC236}">
-                <a16:creationId xmlns:a16="http://schemas.microsoft.com/office/drawing/2014/main" id="{EFCF1EBD-4D25-DC69-D361-F69DB874F058}"/>
-              </a:ext>
-            </a:extLst>
-          </p:cNvPr>
-          <p:cNvSpPr>
-            <a:spLocks noGrp="1"/>
-          </p:cNvSpPr>
-          <p:nvPr>
-            <p:ph idx="1"/>
-          </p:nvPr>
-        </p:nvSpPr>
-        <p:spPr>
-          <a:xfrm>
-            <a:off x="838200" y="1547719"/>
-            <a:ext cx="10515600" cy="4667250"/>
-          </a:xfrm>
-        </p:spPr>
-        <p:txBody>
-          <a:bodyPr>
-            <a:normAutofit fontScale="92500" lnSpcReduction="10000"/>
-          </a:bodyPr>
-          <a:lstStyle/>
-          <a:p>
-            <a:endParaRPr lang="en-US" dirty="0"/>
-          </a:p>
-          <a:p>
-            <a:endParaRPr lang="en-US" dirty="0"/>
-          </a:p>
-          <a:p>
-            <a:endParaRPr lang="en-US" dirty="0"/>
-          </a:p>
-          <a:p>
-            <a:endParaRPr lang="en-US" dirty="0"/>
-          </a:p>
-          <a:p>
-            <a:r>
-              <a:rPr lang="en-US" dirty="0"/>
-              <a:t>.. Calculating relevant documents on "last question only" does not work </a:t>
-            </a:r>
-            <a:r>
-              <a:rPr lang="en-US" dirty="0">
-                <a:sym typeface="Wingdings" panose="05000000000000000000" pitchFamily="2" charset="2"/>
-              </a:rPr>
-              <a:t></a:t>
-            </a:r>
-          </a:p>
-          <a:p>
-            <a:endParaRPr lang="en-US" dirty="0">
-              <a:sym typeface="Wingdings" panose="05000000000000000000" pitchFamily="2" charset="2"/>
-            </a:endParaRPr>
-          </a:p>
-          <a:p>
-            <a:r>
-              <a:rPr lang="en-US" dirty="0">
-                <a:sym typeface="Wingdings" panose="05000000000000000000" pitchFamily="2" charset="2"/>
-              </a:rPr>
-              <a:t>One simple option is to send context document also for previous questions </a:t>
-            </a:r>
-          </a:p>
-          <a:p>
-            <a:r>
-              <a:rPr lang="en-US" dirty="0">
-                <a:sym typeface="Wingdings" panose="05000000000000000000" pitchFamily="2" charset="2"/>
-              </a:rPr>
-              <a:t>A more sophisticated one is trying to detect the user has changed topic, and, if it's the case, avoid sending context from previous conversation history </a:t>
-            </a:r>
-          </a:p>
-          <a:p>
-            <a:pPr lvl="1"/>
-            <a:r>
-              <a:rPr lang="en-US" dirty="0">
-                <a:sym typeface="Wingdings" panose="05000000000000000000" pitchFamily="2" charset="2"/>
-              </a:rPr>
-              <a:t>Obviously, "Has the user changed the topic?" is a question to do to the AI </a:t>
-            </a:r>
-          </a:p>
-          <a:p>
-            <a:endParaRPr lang="en-US" dirty="0"/>
-          </a:p>
-          <a:p>
-            <a:endParaRPr lang="en-US" dirty="0"/>
-          </a:p>
-        </p:txBody>
-      </p:sp>
-      <p:sp>
-        <p:nvSpPr>
-          <p:cNvPr id="5" name="TextBox 4">
-            <a:extLst>
-              <a:ext uri="{FF2B5EF4-FFF2-40B4-BE49-F238E27FC236}">
-                <a16:creationId xmlns:a16="http://schemas.microsoft.com/office/drawing/2014/main" id="{04455D64-98B5-2ED1-2D00-F45ED2E867D5}"/>
-              </a:ext>
-            </a:extLst>
-          </p:cNvPr>
-          <p:cNvSpPr txBox="1"/>
-          <p:nvPr/>
-        </p:nvSpPr>
-        <p:spPr>
-          <a:xfrm>
-            <a:off x="1024035" y="1825625"/>
-            <a:ext cx="6097554" cy="1384995"/>
-          </a:xfrm>
-          <a:prstGeom prst="rect">
-            <a:avLst/>
-          </a:prstGeom>
-          <a:noFill/>
-          <a:ln>
-            <a:solidFill>
-              <a:schemeClr val="accent1">
-                <a:shade val="15000"/>
-              </a:schemeClr>
-            </a:solidFill>
-          </a:ln>
-        </p:spPr>
-        <p:txBody>
-          <a:bodyPr wrap="square">
-            <a:spAutoFit/>
-          </a:bodyPr>
-          <a:lstStyle/>
-          <a:p>
-            <a:r>
-              <a:rPr lang="en-US" sz="2800" i="1" dirty="0"/>
-              <a:t>Q: What is Instant Quote </a:t>
-            </a:r>
-          </a:p>
-          <a:p>
-            <a:r>
-              <a:rPr lang="en-US" sz="2800" i="1" dirty="0"/>
-              <a:t>A: ...</a:t>
-            </a:r>
-          </a:p>
-          <a:p>
-            <a:r>
-              <a:rPr lang="en-US" sz="2800" i="1" dirty="0"/>
-              <a:t>Q: Tell me more about it </a:t>
-            </a:r>
-          </a:p>
-        </p:txBody>
-      </p:sp>
-    </p:spTree>
-    <p:extLst>
-      <p:ext uri="{BB962C8B-B14F-4D97-AF65-F5344CB8AC3E}">
-        <p14:creationId xmlns:p14="http://schemas.microsoft.com/office/powerpoint/2010/main" val="2467042236"/>
-      </p:ext>
-    </p:extLst>
-  </p:cSld>
-  <p:clrMapOvr>
-    <a:masterClrMapping/>
-  </p:clrMapOvr>
-  <p:timing>
-    <p:tnLst>
-      <p:par>
-        <p:cTn id="1" dur="indefinite" restart="never" nodeType="tmRoot">
-          <p:childTnLst>
-            <p:seq concurrent="1" nextAc="seek">
-              <p:cTn id="2" dur="indefinite" nodeType="mainSeq">
-                <p:childTnLst>
-                  <p:par>
-                    <p:cTn id="3" fill="hold">
-                      <p:stCondLst>
-                        <p:cond delay="indefinite"/>
-                      </p:stCondLst>
-                      <p:childTnLst>
-                        <p:par>
-                          <p:cTn id="4" fill="hold">
-                            <p:stCondLst>
-                              <p:cond delay="0"/>
-                            </p:stCondLst>
-                            <p:childTnLst>
-                              <p:par>
-                                <p:cTn id="5" presetID="1" presetClass="entr" presetSubtype="0" fill="hold" nodeType="clickEffect">
-                                  <p:stCondLst>
-                                    <p:cond delay="0"/>
-                                  </p:stCondLst>
-                                  <p:childTnLst>
-                                    <p:set>
-                                      <p:cBhvr>
-                                        <p:cTn id="6" dur="1" fill="hold">
-                                          <p:stCondLst>
-                                            <p:cond delay="0"/>
-                                          </p:stCondLst>
-                                        </p:cTn>
-                                        <p:tgtEl>
-                                          <p:spTgt spid="3">
-                                            <p:txEl>
-                                              <p:pRg st="4" end="4"/>
-                                            </p:txEl>
-                                          </p:spTgt>
-                                        </p:tgtEl>
-                                        <p:attrNameLst>
-                                          <p:attrName>style.visibility</p:attrName>
-                                        </p:attrNameLst>
-                                      </p:cBhvr>
-                                      <p:to>
-                                        <p:strVal val="visible"/>
-                                      </p:to>
-                                    </p:set>
-                                  </p:childTnLst>
-                                </p:cTn>
-                              </p:par>
-                            </p:childTnLst>
-                          </p:cTn>
-                        </p:par>
-                      </p:childTnLst>
-                    </p:cTn>
-                  </p:par>
-                  <p:par>
-                    <p:cTn id="7" fill="hold">
-                      <p:stCondLst>
-                        <p:cond delay="indefinite"/>
-                      </p:stCondLst>
-                      <p:childTnLst>
-                        <p:par>
-                          <p:cTn id="8" fill="hold">
-                            <p:stCondLst>
-                              <p:cond delay="0"/>
-                            </p:stCondLst>
-                            <p:childTnLst>
-                              <p:par>
-                                <p:cTn id="9" presetID="1" presetClass="entr" presetSubtype="0" fill="hold" nodeType="clickEffect">
-                                  <p:stCondLst>
-                                    <p:cond delay="0"/>
-                                  </p:stCondLst>
-                                  <p:childTnLst>
-                                    <p:set>
-                                      <p:cBhvr>
-                                        <p:cTn id="10" dur="1" fill="hold">
-                                          <p:stCondLst>
-                                            <p:cond delay="0"/>
-                                          </p:stCondLst>
-                                        </p:cTn>
-                                        <p:tgtEl>
-                                          <p:spTgt spid="3">
-                                            <p:txEl>
-                                              <p:pRg st="6" end="6"/>
-                                            </p:txEl>
-                                          </p:spTgt>
-                                        </p:tgtEl>
-                                        <p:attrNameLst>
-                                          <p:attrName>style.visibility</p:attrName>
-                                        </p:attrNameLst>
-                                      </p:cBhvr>
-                                      <p:to>
-                                        <p:strVal val="visible"/>
-                                      </p:to>
-                                    </p:set>
-                                  </p:childTnLst>
-                                </p:cTn>
-                              </p:par>
-                            </p:childTnLst>
-                          </p:cTn>
-                        </p:par>
-                      </p:childTnLst>
-                    </p:cTn>
-                  </p:par>
-                  <p:par>
-                    <p:cTn id="11" fill="hold">
-                      <p:stCondLst>
-                        <p:cond delay="indefinite"/>
-                      </p:stCondLst>
-                      <p:childTnLst>
-                        <p:par>
-                          <p:cTn id="12" fill="hold">
-                            <p:stCondLst>
-                              <p:cond delay="0"/>
-                            </p:stCondLst>
-                            <p:childTnLst>
-                              <p:par>
-                                <p:cTn id="13" presetID="1" presetClass="entr" presetSubtype="0" fill="hold" nodeType="clickEffect">
-                                  <p:stCondLst>
-                                    <p:cond delay="0"/>
-                                  </p:stCondLst>
-                                  <p:childTnLst>
-                                    <p:set>
-                                      <p:cBhvr>
-                                        <p:cTn id="14" dur="1" fill="hold">
-                                          <p:stCondLst>
-                                            <p:cond delay="0"/>
-                                          </p:stCondLst>
-                                        </p:cTn>
-                                        <p:tgtEl>
-                                          <p:spTgt spid="3">
-                                            <p:txEl>
-                                              <p:pRg st="7" end="7"/>
-                                            </p:txEl>
-                                          </p:spTgt>
-                                        </p:tgtEl>
-                                        <p:attrNameLst>
-                                          <p:attrName>style.visibility</p:attrName>
-                                        </p:attrNameLst>
-                                      </p:cBhvr>
-                                      <p:to>
-                                        <p:strVal val="visible"/>
-                                      </p:to>
-                                    </p:set>
-                                  </p:childTnLst>
-                                </p:cTn>
-                              </p:par>
-                            </p:childTnLst>
-                          </p:cTn>
-                        </p:par>
-                      </p:childTnLst>
-                    </p:cTn>
-                  </p:par>
-                  <p:par>
-                    <p:cTn id="15" fill="hold">
-                      <p:stCondLst>
-                        <p:cond delay="indefinite"/>
-                      </p:stCondLst>
-                      <p:childTnLst>
-                        <p:par>
-                          <p:cTn id="16" fill="hold">
-                            <p:stCondLst>
-                              <p:cond delay="0"/>
-                            </p:stCondLst>
-                            <p:childTnLst>
-                              <p:par>
-                                <p:cTn id="17" presetID="1" presetClass="entr" presetSubtype="0" fill="hold" nodeType="clickEffect">
-                                  <p:stCondLst>
-                                    <p:cond delay="0"/>
-                                  </p:stCondLst>
-                                  <p:childTnLst>
-                                    <p:set>
-                                      <p:cBhvr>
-                                        <p:cTn id="18" dur="1" fill="hold">
-                                          <p:stCondLst>
-                                            <p:cond delay="0"/>
-                                          </p:stCondLst>
-                                        </p:cTn>
-                                        <p:tgtEl>
-                                          <p:spTgt spid="3">
-                                            <p:txEl>
-                                              <p:pRg st="8" end="8"/>
-                                            </p:txEl>
-                                          </p:spTgt>
-                                        </p:tgtEl>
-                                        <p:attrNameLst>
-                                          <p:attrName>style.visibility</p:attrName>
-                                        </p:attrNameLst>
-                                      </p:cBhvr>
-                                      <p:to>
-                                        <p:strVal val="visible"/>
-                                      </p:to>
-                                    </p:set>
-                                  </p:childTnLst>
-                                </p:cTn>
-                              </p:par>
-                            </p:childTnLst>
-                          </p:cTn>
-                        </p:par>
-                      </p:childTnLst>
-                    </p:cTn>
-                  </p:par>
-                </p:childTnLst>
-              </p:cTn>
-              <p:prevCondLst>
-                <p:cond evt="onPrev" delay="0">
-                  <p:tgtEl>
-                    <p:sldTgt/>
-                  </p:tgtEl>
-                </p:cond>
-              </p:prevCondLst>
-              <p:nextCondLst>
-                <p:cond evt="onNext" delay="0">
-                  <p:tgtEl>
-                    <p:sldTgt/>
-                  </p:tgtEl>
-                </p:cond>
-              </p:nextCondLst>
-            </p:seq>
-          </p:childTnLst>
-        </p:cTn>
-      </p:par>
-    </p:tnLst>
-  </p:timing>
-</p:sld>
-</file>
-
 <file path=ppt/slides/slide27.xml><?xml version="1.0" encoding="utf-8"?>
-<p:sld xmlns:a="http://schemas.openxmlformats.org/drawingml/2006/main" xmlns:r="http://schemas.openxmlformats.org/officeDocument/2006/relationships" xmlns:p="http://schemas.openxmlformats.org/presentationml/2006/main">
-  <p:cSld>
-    <p:spTree>
-      <p:nvGrpSpPr>
-        <p:cNvPr id="1" name=""/>
-        <p:cNvGrpSpPr/>
-        <p:nvPr/>
-      </p:nvGrpSpPr>
-      <p:grpSpPr>
-        <a:xfrm>
-          <a:off x="0" y="0"/>
-          <a:ext cx="0" cy="0"/>
-          <a:chOff x="0" y="0"/>
-          <a:chExt cx="0" cy="0"/>
-        </a:xfrm>
-      </p:grpSpPr>
-      <p:sp>
-        <p:nvSpPr>
-          <p:cNvPr id="2" name="Title 1">
-            <a:extLst>
-              <a:ext uri="{FF2B5EF4-FFF2-40B4-BE49-F238E27FC236}">
-                <a16:creationId xmlns:a16="http://schemas.microsoft.com/office/drawing/2014/main" id="{2E82E515-AE5C-9A6B-99F6-2E2FD1021EE2}"/>
-              </a:ext>
-            </a:extLst>
-          </p:cNvPr>
-          <p:cNvSpPr>
-            <a:spLocks noGrp="1"/>
-          </p:cNvSpPr>
-          <p:nvPr>
-            <p:ph type="title"/>
-          </p:nvPr>
-        </p:nvSpPr>
-        <p:spPr/>
-        <p:txBody>
-          <a:bodyPr>
-            <a:normAutofit fontScale="90000"/>
-          </a:bodyPr>
-          <a:lstStyle/>
-          <a:p>
-            <a:r>
-              <a:rPr lang="en-US" dirty="0"/>
-              <a:t>Application layout</a:t>
-            </a:r>
-          </a:p>
-        </p:txBody>
-      </p:sp>
-      <p:sp>
-        <p:nvSpPr>
-          <p:cNvPr id="4" name="Rectangle 3">
-            <a:extLst>
-              <a:ext uri="{FF2B5EF4-FFF2-40B4-BE49-F238E27FC236}">
-                <a16:creationId xmlns:a16="http://schemas.microsoft.com/office/drawing/2014/main" id="{6F074D39-7CFD-8D36-365C-0EC3BBC1EDD9}"/>
-              </a:ext>
-            </a:extLst>
-          </p:cNvPr>
-          <p:cNvSpPr/>
-          <p:nvPr/>
-        </p:nvSpPr>
-        <p:spPr>
-          <a:xfrm>
-            <a:off x="763398" y="2298583"/>
-            <a:ext cx="889233" cy="2214694"/>
-          </a:xfrm>
-          <a:prstGeom prst="rect">
-            <a:avLst/>
-          </a:prstGeom>
-        </p:spPr>
-        <p:style>
-          <a:lnRef idx="2">
-            <a:schemeClr val="accent1">
-              <a:shade val="15000"/>
-            </a:schemeClr>
-          </a:lnRef>
-          <a:fillRef idx="1">
-            <a:schemeClr val="accent1"/>
-          </a:fillRef>
-          <a:effectRef idx="0">
-            <a:schemeClr val="accent1"/>
-          </a:effectRef>
-          <a:fontRef idx="minor">
-            <a:schemeClr val="lt1"/>
-          </a:fontRef>
-        </p:style>
-        <p:txBody>
-          <a:bodyPr rtlCol="0" anchor="ctr"/>
-          <a:lstStyle/>
-          <a:p>
-            <a:pPr algn="ctr"/>
-            <a:endParaRPr lang="en-US"/>
-          </a:p>
-        </p:txBody>
-      </p:sp>
-      <p:sp>
-        <p:nvSpPr>
-          <p:cNvPr id="5" name="Rectangle 4">
-            <a:extLst>
-              <a:ext uri="{FF2B5EF4-FFF2-40B4-BE49-F238E27FC236}">
-                <a16:creationId xmlns:a16="http://schemas.microsoft.com/office/drawing/2014/main" id="{85B23A0C-9D7D-6D11-9226-22552D1BA5B1}"/>
-              </a:ext>
-            </a:extLst>
-          </p:cNvPr>
-          <p:cNvSpPr/>
-          <p:nvPr/>
-        </p:nvSpPr>
-        <p:spPr>
-          <a:xfrm>
-            <a:off x="1863754" y="2298583"/>
-            <a:ext cx="8161090" cy="2214694"/>
-          </a:xfrm>
-          <a:prstGeom prst="rect">
-            <a:avLst/>
-          </a:prstGeom>
-          <a:solidFill>
-            <a:schemeClr val="bg2"/>
-          </a:solidFill>
-          <a:ln>
-            <a:solidFill>
-              <a:schemeClr val="accent1">
-                <a:lumMod val="20000"/>
-                <a:lumOff val="80000"/>
-              </a:schemeClr>
-            </a:solidFill>
-          </a:ln>
-        </p:spPr>
-        <p:style>
-          <a:lnRef idx="2">
-            <a:schemeClr val="accent1">
-              <a:shade val="15000"/>
-            </a:schemeClr>
-          </a:lnRef>
-          <a:fillRef idx="1">
-            <a:schemeClr val="accent1"/>
-          </a:fillRef>
-          <a:effectRef idx="0">
-            <a:schemeClr val="accent1"/>
-          </a:effectRef>
-          <a:fontRef idx="minor">
-            <a:schemeClr val="lt1"/>
-          </a:fontRef>
-        </p:style>
-        <p:txBody>
-          <a:bodyPr rtlCol="0" anchor="ctr"/>
-          <a:lstStyle/>
-          <a:p>
-            <a:pPr algn="ctr"/>
-            <a:endParaRPr lang="en-US"/>
-          </a:p>
-        </p:txBody>
-      </p:sp>
-      <p:pic>
-        <p:nvPicPr>
-          <p:cNvPr id="7" name="Picture 6" descr="A logo of a company&#10;&#10;Description automatically generated">
-            <a:extLst>
-              <a:ext uri="{FF2B5EF4-FFF2-40B4-BE49-F238E27FC236}">
-                <a16:creationId xmlns:a16="http://schemas.microsoft.com/office/drawing/2014/main" id="{22A806F8-DF3C-B54A-01EA-CD81C09867B3}"/>
-              </a:ext>
-            </a:extLst>
-          </p:cNvPr>
-          <p:cNvPicPr>
-            <a:picLocks noChangeAspect="1"/>
-          </p:cNvPicPr>
-          <p:nvPr/>
-        </p:nvPicPr>
-        <p:blipFill>
-          <a:blip r:embed="rId2">
-            <a:extLst>
-              <a:ext uri="{28A0092B-C50C-407E-A947-70E740481C1C}">
-                <a14:useLocalDpi xmlns:a14="http://schemas.microsoft.com/office/drawing/2010/main" val="0"/>
-              </a:ext>
-            </a:extLst>
-          </a:blip>
-          <a:stretch>
-            <a:fillRect/>
-          </a:stretch>
-        </p:blipFill>
-        <p:spPr>
-          <a:xfrm>
-            <a:off x="10235967" y="2487641"/>
-            <a:ext cx="1622965" cy="1622965"/>
-          </a:xfrm>
-          <a:prstGeom prst="rect">
-            <a:avLst/>
-          </a:prstGeom>
-        </p:spPr>
-      </p:pic>
-      <p:sp>
-        <p:nvSpPr>
-          <p:cNvPr id="8" name="TextBox 7">
-            <a:extLst>
-              <a:ext uri="{FF2B5EF4-FFF2-40B4-BE49-F238E27FC236}">
-                <a16:creationId xmlns:a16="http://schemas.microsoft.com/office/drawing/2014/main" id="{FDCDDFD1-D19E-1A16-3F34-CA117F157F94}"/>
-              </a:ext>
-            </a:extLst>
-          </p:cNvPr>
-          <p:cNvSpPr txBox="1"/>
-          <p:nvPr/>
-        </p:nvSpPr>
-        <p:spPr>
-          <a:xfrm>
-            <a:off x="125217" y="1442833"/>
-            <a:ext cx="1842427" cy="646331"/>
-          </a:xfrm>
-          <a:prstGeom prst="rect">
-            <a:avLst/>
-          </a:prstGeom>
-          <a:noFill/>
-        </p:spPr>
-        <p:txBody>
-          <a:bodyPr wrap="none" rtlCol="0">
-            <a:spAutoFit/>
-          </a:bodyPr>
-          <a:lstStyle/>
-          <a:p>
-            <a:pPr algn="ctr"/>
-            <a:r>
-              <a:rPr lang="en-US" dirty="0"/>
-              <a:t>UI : </a:t>
-            </a:r>
-            <a:br>
-              <a:rPr lang="en-US" dirty="0"/>
-            </a:br>
-            <a:r>
-              <a:rPr lang="en-US" dirty="0"/>
-              <a:t>JS / Windows app</a:t>
-            </a:r>
-          </a:p>
-        </p:txBody>
-      </p:sp>
-      <p:sp>
-        <p:nvSpPr>
-          <p:cNvPr id="9" name="TextBox 8">
-            <a:extLst>
-              <a:ext uri="{FF2B5EF4-FFF2-40B4-BE49-F238E27FC236}">
-                <a16:creationId xmlns:a16="http://schemas.microsoft.com/office/drawing/2014/main" id="{E93C44B1-84FE-7184-D7BE-7D0FCD50E930}"/>
-              </a:ext>
-            </a:extLst>
-          </p:cNvPr>
-          <p:cNvSpPr txBox="1"/>
-          <p:nvPr/>
-        </p:nvSpPr>
-        <p:spPr>
-          <a:xfrm>
-            <a:off x="3997288" y="1442833"/>
-            <a:ext cx="2355004" cy="646331"/>
-          </a:xfrm>
-          <a:prstGeom prst="rect">
-            <a:avLst/>
-          </a:prstGeom>
-          <a:noFill/>
-        </p:spPr>
-        <p:txBody>
-          <a:bodyPr wrap="none" rtlCol="0">
-            <a:spAutoFit/>
-          </a:bodyPr>
-          <a:lstStyle/>
-          <a:p>
-            <a:pPr algn="ctr"/>
-            <a:r>
-              <a:rPr lang="en-US" dirty="0"/>
-              <a:t>backend : </a:t>
-            </a:r>
-            <a:br>
-              <a:rPr lang="en-US" dirty="0"/>
-            </a:br>
-            <a:r>
-              <a:rPr lang="en-US" dirty="0" err="1"/>
-              <a:t>RestApi</a:t>
-            </a:r>
-            <a:r>
-              <a:rPr lang="en-US" dirty="0"/>
-              <a:t>/</a:t>
-            </a:r>
-            <a:r>
-              <a:rPr lang="en-US" dirty="0" err="1"/>
-              <a:t>Grpc</a:t>
-            </a:r>
-            <a:r>
-              <a:rPr lang="en-US" dirty="0"/>
-              <a:t>/</a:t>
-            </a:r>
-            <a:r>
-              <a:rPr lang="en-US" dirty="0" err="1"/>
-              <a:t>GraphQl</a:t>
-            </a:r>
-            <a:r>
-              <a:rPr lang="en-US" dirty="0"/>
-              <a:t> </a:t>
-            </a:r>
-          </a:p>
-        </p:txBody>
-      </p:sp>
-      <p:cxnSp>
-        <p:nvCxnSpPr>
-          <p:cNvPr id="10" name="Straight Arrow Connector 9">
-            <a:extLst>
-              <a:ext uri="{FF2B5EF4-FFF2-40B4-BE49-F238E27FC236}">
-                <a16:creationId xmlns:a16="http://schemas.microsoft.com/office/drawing/2014/main" id="{13F09C29-56BC-317E-9375-D7216FB04989}"/>
-              </a:ext>
-            </a:extLst>
-          </p:cNvPr>
-          <p:cNvCxnSpPr>
-            <a:cxnSpLocks/>
-          </p:cNvCxnSpPr>
-          <p:nvPr/>
-        </p:nvCxnSpPr>
-        <p:spPr>
-          <a:xfrm>
-            <a:off x="2167156" y="3405930"/>
-            <a:ext cx="7706686" cy="0"/>
-          </a:xfrm>
-          <a:prstGeom prst="straightConnector1">
-            <a:avLst/>
-          </a:prstGeom>
-          <a:ln w="63500">
-            <a:tailEnd type="triangle"/>
-          </a:ln>
-        </p:spPr>
-        <p:style>
-          <a:lnRef idx="1">
-            <a:schemeClr val="accent1"/>
-          </a:lnRef>
-          <a:fillRef idx="0">
-            <a:schemeClr val="accent1"/>
-          </a:fillRef>
-          <a:effectRef idx="0">
-            <a:schemeClr val="accent1"/>
-          </a:effectRef>
-          <a:fontRef idx="minor">
-            <a:schemeClr val="tx1"/>
-          </a:fontRef>
-        </p:style>
-      </p:cxnSp>
-      <p:cxnSp>
-        <p:nvCxnSpPr>
-          <p:cNvPr id="15" name="Straight Arrow Connector 14">
-            <a:extLst>
-              <a:ext uri="{FF2B5EF4-FFF2-40B4-BE49-F238E27FC236}">
-                <a16:creationId xmlns:a16="http://schemas.microsoft.com/office/drawing/2014/main" id="{8D38C5D5-647F-9235-AACC-57E7C1283DD1}"/>
-              </a:ext>
-            </a:extLst>
-          </p:cNvPr>
-          <p:cNvCxnSpPr>
-            <a:cxnSpLocks/>
-          </p:cNvCxnSpPr>
-          <p:nvPr/>
-        </p:nvCxnSpPr>
-        <p:spPr>
-          <a:xfrm>
-            <a:off x="2123605" y="3558330"/>
-            <a:ext cx="7706686" cy="0"/>
-          </a:xfrm>
-          <a:prstGeom prst="straightConnector1">
-            <a:avLst/>
-          </a:prstGeom>
-          <a:ln w="63500">
-            <a:headEnd type="stealth"/>
-            <a:tailEnd type="none"/>
-          </a:ln>
-        </p:spPr>
-        <p:style>
-          <a:lnRef idx="1">
-            <a:schemeClr val="accent1"/>
-          </a:lnRef>
-          <a:fillRef idx="0">
-            <a:schemeClr val="accent1"/>
-          </a:fillRef>
-          <a:effectRef idx="0">
-            <a:schemeClr val="accent1"/>
-          </a:effectRef>
-          <a:fontRef idx="minor">
-            <a:schemeClr val="tx1"/>
-          </a:fontRef>
-        </p:style>
-      </p:cxnSp>
-      <p:sp>
-        <p:nvSpPr>
-          <p:cNvPr id="16" name="Flowchart: Connector 15">
-            <a:extLst>
-              <a:ext uri="{FF2B5EF4-FFF2-40B4-BE49-F238E27FC236}">
-                <a16:creationId xmlns:a16="http://schemas.microsoft.com/office/drawing/2014/main" id="{C81D6187-267F-63C5-928A-4EA4D512B674}"/>
-              </a:ext>
-            </a:extLst>
-          </p:cNvPr>
-          <p:cNvSpPr/>
-          <p:nvPr/>
-        </p:nvSpPr>
-        <p:spPr>
-          <a:xfrm>
-            <a:off x="4544008" y="3172407"/>
-            <a:ext cx="662474" cy="625151"/>
-          </a:xfrm>
-          <a:prstGeom prst="flowChartConnector">
-            <a:avLst/>
-          </a:prstGeom>
-        </p:spPr>
-        <p:style>
-          <a:lnRef idx="2">
-            <a:schemeClr val="accent4">
-              <a:shade val="15000"/>
-            </a:schemeClr>
-          </a:lnRef>
-          <a:fillRef idx="1">
-            <a:schemeClr val="accent4"/>
-          </a:fillRef>
-          <a:effectRef idx="0">
-            <a:schemeClr val="accent4"/>
-          </a:effectRef>
-          <a:fontRef idx="minor">
-            <a:schemeClr val="lt1"/>
-          </a:fontRef>
-        </p:style>
-        <p:txBody>
-          <a:bodyPr rtlCol="0" anchor="ctr"/>
-          <a:lstStyle/>
-          <a:p>
-            <a:pPr algn="ctr"/>
-            <a:r>
-              <a:rPr lang="en-US" dirty="0"/>
-              <a:t>2</a:t>
-            </a:r>
-          </a:p>
-        </p:txBody>
-      </p:sp>
-      <p:sp>
-        <p:nvSpPr>
-          <p:cNvPr id="17" name="Callout: Line 16">
-            <a:extLst>
-              <a:ext uri="{FF2B5EF4-FFF2-40B4-BE49-F238E27FC236}">
-                <a16:creationId xmlns:a16="http://schemas.microsoft.com/office/drawing/2014/main" id="{132BF735-C40B-4596-09A8-B5ADAD369775}"/>
-              </a:ext>
-            </a:extLst>
-          </p:cNvPr>
-          <p:cNvSpPr/>
-          <p:nvPr/>
-        </p:nvSpPr>
-        <p:spPr>
-          <a:xfrm>
-            <a:off x="4285678" y="5014064"/>
-            <a:ext cx="2920482" cy="612648"/>
-          </a:xfrm>
-          <a:prstGeom prst="borderCallout1">
-            <a:avLst>
-              <a:gd name="adj1" fmla="val -9620"/>
-              <a:gd name="adj2" fmla="val 15491"/>
-              <a:gd name="adj3" fmla="val -183200"/>
-              <a:gd name="adj4" fmla="val 16733"/>
-            </a:avLst>
-          </a:prstGeom>
-          <a:noFill/>
-        </p:spPr>
-        <p:style>
-          <a:lnRef idx="2">
-            <a:schemeClr val="accent1">
-              <a:shade val="15000"/>
-            </a:schemeClr>
-          </a:lnRef>
-          <a:fillRef idx="1">
-            <a:schemeClr val="accent1"/>
-          </a:fillRef>
-          <a:effectRef idx="0">
-            <a:schemeClr val="accent1"/>
-          </a:effectRef>
-          <a:fontRef idx="minor">
-            <a:schemeClr val="lt1"/>
-          </a:fontRef>
-        </p:style>
-        <p:txBody>
-          <a:bodyPr rtlCol="0" anchor="ctr"/>
-          <a:lstStyle/>
-          <a:p>
-            <a:pPr algn="ctr"/>
-            <a:r>
-              <a:rPr lang="en-US" sz="1200" b="1" dirty="0">
-                <a:solidFill>
-                  <a:schemeClr val="tx1"/>
-                </a:solidFill>
-              </a:rPr>
-              <a:t>Conversation manager</a:t>
-            </a:r>
-            <a:r>
-              <a:rPr lang="en-US" sz="1200" dirty="0">
-                <a:solidFill>
-                  <a:schemeClr val="tx1"/>
-                </a:solidFill>
-              </a:rPr>
-              <a:t> middleware</a:t>
-            </a:r>
-            <a:br>
-              <a:rPr lang="en-US" sz="1200" dirty="0">
-                <a:solidFill>
-                  <a:schemeClr val="tx1"/>
-                </a:solidFill>
-              </a:rPr>
-            </a:br>
-            <a:r>
-              <a:rPr lang="en-US" sz="1200" b="1" dirty="0">
-                <a:solidFill>
-                  <a:schemeClr val="tx1"/>
-                </a:solidFill>
-              </a:rPr>
-              <a:t>In</a:t>
-            </a:r>
-            <a:r>
-              <a:rPr lang="en-US" sz="1200" dirty="0">
-                <a:solidFill>
-                  <a:schemeClr val="tx1"/>
-                </a:solidFill>
-              </a:rPr>
-              <a:t>: load conversation by conversation Id</a:t>
-            </a:r>
-            <a:br>
-              <a:rPr lang="en-US" sz="1200" dirty="0">
-                <a:solidFill>
-                  <a:schemeClr val="tx1"/>
-                </a:solidFill>
-              </a:rPr>
-            </a:br>
-            <a:r>
-              <a:rPr lang="en-US" sz="1200" b="1" dirty="0">
-                <a:solidFill>
-                  <a:schemeClr val="tx1"/>
-                </a:solidFill>
-              </a:rPr>
-              <a:t>Out</a:t>
-            </a:r>
-            <a:r>
-              <a:rPr lang="en-US" sz="1200" dirty="0">
-                <a:solidFill>
-                  <a:schemeClr val="tx1"/>
-                </a:solidFill>
-              </a:rPr>
-              <a:t>: store new conversation iteration </a:t>
-            </a:r>
-          </a:p>
-        </p:txBody>
-      </p:sp>
-      <p:sp>
-        <p:nvSpPr>
-          <p:cNvPr id="18" name="Flowchart: Magnetic Disk 17">
-            <a:extLst>
-              <a:ext uri="{FF2B5EF4-FFF2-40B4-BE49-F238E27FC236}">
-                <a16:creationId xmlns:a16="http://schemas.microsoft.com/office/drawing/2014/main" id="{A769AEAA-44E8-6F3A-5AA4-B912AB471845}"/>
-              </a:ext>
-            </a:extLst>
-          </p:cNvPr>
-          <p:cNvSpPr/>
-          <p:nvPr/>
-        </p:nvSpPr>
-        <p:spPr>
-          <a:xfrm>
-            <a:off x="6972336" y="5514851"/>
-            <a:ext cx="914400" cy="612648"/>
-          </a:xfrm>
-          <a:prstGeom prst="flowChartMagneticDisk">
-            <a:avLst/>
-          </a:prstGeom>
-          <a:solidFill>
-            <a:schemeClr val="accent6">
-              <a:lumMod val="40000"/>
-              <a:lumOff val="60000"/>
-            </a:schemeClr>
-          </a:solidFill>
-        </p:spPr>
-        <p:style>
-          <a:lnRef idx="2">
-            <a:schemeClr val="accent1">
-              <a:shade val="15000"/>
-            </a:schemeClr>
-          </a:lnRef>
-          <a:fillRef idx="1">
-            <a:schemeClr val="accent1"/>
-          </a:fillRef>
-          <a:effectRef idx="0">
-            <a:schemeClr val="accent1"/>
-          </a:effectRef>
-          <a:fontRef idx="minor">
-            <a:schemeClr val="lt1"/>
-          </a:fontRef>
-        </p:style>
-        <p:txBody>
-          <a:bodyPr rtlCol="0" anchor="ctr"/>
-          <a:lstStyle/>
-          <a:p>
-            <a:pPr algn="ctr"/>
-            <a:endParaRPr lang="en-US"/>
-          </a:p>
-        </p:txBody>
-      </p:sp>
-      <p:sp>
-        <p:nvSpPr>
-          <p:cNvPr id="3" name="Flowchart: Connector 2">
-            <a:extLst>
-              <a:ext uri="{FF2B5EF4-FFF2-40B4-BE49-F238E27FC236}">
-                <a16:creationId xmlns:a16="http://schemas.microsoft.com/office/drawing/2014/main" id="{62F17236-51D7-8BE6-2F88-CF4CB61D0B91}"/>
-              </a:ext>
-            </a:extLst>
-          </p:cNvPr>
-          <p:cNvSpPr/>
-          <p:nvPr/>
-        </p:nvSpPr>
-        <p:spPr>
-          <a:xfrm>
-            <a:off x="7555499" y="3169681"/>
-            <a:ext cx="662474" cy="625151"/>
-          </a:xfrm>
-          <a:prstGeom prst="flowChartConnector">
-            <a:avLst/>
-          </a:prstGeom>
-        </p:spPr>
-        <p:style>
-          <a:lnRef idx="2">
-            <a:schemeClr val="accent4">
-              <a:shade val="15000"/>
-            </a:schemeClr>
-          </a:lnRef>
-          <a:fillRef idx="1">
-            <a:schemeClr val="accent4"/>
-          </a:fillRef>
-          <a:effectRef idx="0">
-            <a:schemeClr val="accent4"/>
-          </a:effectRef>
-          <a:fontRef idx="minor">
-            <a:schemeClr val="lt1"/>
-          </a:fontRef>
-        </p:style>
-        <p:txBody>
-          <a:bodyPr rtlCol="0" anchor="ctr"/>
-          <a:lstStyle/>
-          <a:p>
-            <a:pPr algn="ctr"/>
-            <a:r>
-              <a:rPr lang="en-US" dirty="0"/>
-              <a:t>4</a:t>
-            </a:r>
-          </a:p>
-        </p:txBody>
-      </p:sp>
-      <p:sp>
-        <p:nvSpPr>
-          <p:cNvPr id="6" name="Callout: Line 5">
-            <a:extLst>
-              <a:ext uri="{FF2B5EF4-FFF2-40B4-BE49-F238E27FC236}">
-                <a16:creationId xmlns:a16="http://schemas.microsoft.com/office/drawing/2014/main" id="{00159E8F-A709-B8E4-C177-B1937A317B56}"/>
-              </a:ext>
-            </a:extLst>
-          </p:cNvPr>
-          <p:cNvSpPr/>
-          <p:nvPr/>
-        </p:nvSpPr>
-        <p:spPr>
-          <a:xfrm>
-            <a:off x="6757732" y="1116370"/>
-            <a:ext cx="2920482" cy="720762"/>
-          </a:xfrm>
-          <a:prstGeom prst="borderCallout1">
-            <a:avLst>
-              <a:gd name="adj1" fmla="val 106703"/>
-              <a:gd name="adj2" fmla="val 44959"/>
-              <a:gd name="adj3" fmla="val 264394"/>
-              <a:gd name="adj4" fmla="val 37813"/>
-            </a:avLst>
-          </a:prstGeom>
-          <a:noFill/>
-        </p:spPr>
-        <p:style>
-          <a:lnRef idx="2">
-            <a:schemeClr val="accent1">
-              <a:shade val="15000"/>
-            </a:schemeClr>
-          </a:lnRef>
-          <a:fillRef idx="1">
-            <a:schemeClr val="accent1"/>
-          </a:fillRef>
-          <a:effectRef idx="0">
-            <a:schemeClr val="accent1"/>
-          </a:effectRef>
-          <a:fontRef idx="minor">
-            <a:schemeClr val="lt1"/>
-          </a:fontRef>
-        </p:style>
-        <p:txBody>
-          <a:bodyPr rtlCol="0" anchor="ctr"/>
-          <a:lstStyle/>
-          <a:p>
-            <a:pPr algn="ctr"/>
-            <a:r>
-              <a:rPr lang="en-US" sz="1200" b="1" i="1" dirty="0">
-                <a:solidFill>
-                  <a:schemeClr val="tx1"/>
-                </a:solidFill>
-              </a:rPr>
-              <a:t>Context provider</a:t>
-            </a:r>
-            <a:r>
-              <a:rPr lang="en-US" sz="1200" b="1" dirty="0">
-                <a:solidFill>
-                  <a:schemeClr val="tx1"/>
-                </a:solidFill>
-              </a:rPr>
-              <a:t> </a:t>
-            </a:r>
-            <a:r>
-              <a:rPr lang="en-US" sz="1200" dirty="0">
-                <a:solidFill>
-                  <a:schemeClr val="tx1"/>
-                </a:solidFill>
-              </a:rPr>
-              <a:t>middleware</a:t>
-            </a:r>
-            <a:br>
-              <a:rPr lang="en-US" sz="1200" dirty="0">
-                <a:solidFill>
-                  <a:schemeClr val="tx1"/>
-                </a:solidFill>
-              </a:rPr>
-            </a:br>
-            <a:r>
-              <a:rPr lang="en-US" sz="1200" b="1" dirty="0">
-                <a:solidFill>
-                  <a:schemeClr val="tx1"/>
-                </a:solidFill>
-              </a:rPr>
-              <a:t>In</a:t>
-            </a:r>
-            <a:r>
-              <a:rPr lang="en-US" sz="1200" dirty="0">
-                <a:solidFill>
-                  <a:schemeClr val="tx1"/>
-                </a:solidFill>
-              </a:rPr>
-              <a:t>: add relevant context documents </a:t>
-            </a:r>
-            <a:br>
-              <a:rPr lang="en-US" sz="1200" dirty="0">
-                <a:solidFill>
-                  <a:schemeClr val="tx1"/>
-                </a:solidFill>
-              </a:rPr>
-            </a:br>
-            <a:r>
-              <a:rPr lang="en-US" sz="1200" dirty="0">
-                <a:solidFill>
-                  <a:schemeClr val="tx1"/>
-                </a:solidFill>
-              </a:rPr>
-              <a:t>as user messages</a:t>
-            </a:r>
-          </a:p>
-        </p:txBody>
-      </p:sp>
-      <p:sp>
-        <p:nvSpPr>
-          <p:cNvPr id="11" name="Flowchart: Connector 10">
-            <a:extLst>
-              <a:ext uri="{FF2B5EF4-FFF2-40B4-BE49-F238E27FC236}">
-                <a16:creationId xmlns:a16="http://schemas.microsoft.com/office/drawing/2014/main" id="{FF6E2DF6-2140-3E08-F30A-EFCB68064D77}"/>
-              </a:ext>
-            </a:extLst>
-          </p:cNvPr>
-          <p:cNvSpPr/>
-          <p:nvPr/>
-        </p:nvSpPr>
-        <p:spPr>
-          <a:xfrm>
-            <a:off x="3277728" y="3166871"/>
-            <a:ext cx="662474" cy="625151"/>
-          </a:xfrm>
-          <a:prstGeom prst="flowChartConnector">
-            <a:avLst/>
-          </a:prstGeom>
-        </p:spPr>
-        <p:style>
-          <a:lnRef idx="2">
-            <a:schemeClr val="accent4">
-              <a:shade val="15000"/>
-            </a:schemeClr>
-          </a:lnRef>
-          <a:fillRef idx="1">
-            <a:schemeClr val="accent4"/>
-          </a:fillRef>
-          <a:effectRef idx="0">
-            <a:schemeClr val="accent4"/>
-          </a:effectRef>
-          <a:fontRef idx="minor">
-            <a:schemeClr val="lt1"/>
-          </a:fontRef>
-        </p:style>
-        <p:txBody>
-          <a:bodyPr rtlCol="0" anchor="ctr"/>
-          <a:lstStyle/>
-          <a:p>
-            <a:pPr algn="ctr"/>
-            <a:r>
-              <a:rPr lang="en-US" dirty="0"/>
-              <a:t>1</a:t>
-            </a:r>
-          </a:p>
-        </p:txBody>
-      </p:sp>
-      <p:sp>
-        <p:nvSpPr>
-          <p:cNvPr id="12" name="Callout: Line 11">
-            <a:extLst>
-              <a:ext uri="{FF2B5EF4-FFF2-40B4-BE49-F238E27FC236}">
-                <a16:creationId xmlns:a16="http://schemas.microsoft.com/office/drawing/2014/main" id="{691E6820-D9F4-0226-200F-24FD86696192}"/>
-              </a:ext>
-            </a:extLst>
-          </p:cNvPr>
-          <p:cNvSpPr/>
-          <p:nvPr/>
-        </p:nvSpPr>
-        <p:spPr>
-          <a:xfrm>
-            <a:off x="748194" y="5117135"/>
-            <a:ext cx="2920482" cy="835796"/>
-          </a:xfrm>
-          <a:prstGeom prst="borderCallout1">
-            <a:avLst>
-              <a:gd name="adj1" fmla="val -2572"/>
-              <a:gd name="adj2" fmla="val 58759"/>
-              <a:gd name="adj3" fmla="val -157913"/>
-              <a:gd name="adj4" fmla="val 93580"/>
-            </a:avLst>
-          </a:prstGeom>
-          <a:noFill/>
-        </p:spPr>
-        <p:style>
-          <a:lnRef idx="2">
-            <a:schemeClr val="accent1">
-              <a:shade val="15000"/>
-            </a:schemeClr>
-          </a:lnRef>
-          <a:fillRef idx="1">
-            <a:schemeClr val="accent1"/>
-          </a:fillRef>
-          <a:effectRef idx="0">
-            <a:schemeClr val="accent1"/>
-          </a:effectRef>
-          <a:fontRef idx="minor">
-            <a:schemeClr val="lt1"/>
-          </a:fontRef>
-        </p:style>
-        <p:txBody>
-          <a:bodyPr rtlCol="0" anchor="ctr"/>
-          <a:lstStyle/>
-          <a:p>
-            <a:pPr algn="ctr"/>
-            <a:r>
-              <a:rPr lang="en-US" sz="1200" b="1" i="1" dirty="0">
-                <a:solidFill>
-                  <a:schemeClr val="tx1"/>
-                </a:solidFill>
-              </a:rPr>
-              <a:t>Translator manager </a:t>
-            </a:r>
-            <a:r>
-              <a:rPr lang="en-US" sz="1200" dirty="0">
-                <a:solidFill>
-                  <a:schemeClr val="tx1"/>
-                </a:solidFill>
-              </a:rPr>
-              <a:t>middleware</a:t>
-            </a:r>
-            <a:br>
-              <a:rPr lang="en-US" sz="1200" dirty="0">
-                <a:solidFill>
-                  <a:schemeClr val="tx1"/>
-                </a:solidFill>
-              </a:rPr>
-            </a:br>
-            <a:r>
-              <a:rPr lang="en-US" sz="1200" b="1" dirty="0">
-                <a:solidFill>
-                  <a:schemeClr val="tx1"/>
-                </a:solidFill>
-              </a:rPr>
-              <a:t>In</a:t>
-            </a:r>
-            <a:r>
-              <a:rPr lang="en-US" sz="1200" dirty="0">
-                <a:solidFill>
-                  <a:schemeClr val="tx1"/>
-                </a:solidFill>
-              </a:rPr>
-              <a:t>: convert to desired language and detect user language</a:t>
-            </a:r>
-            <a:br>
-              <a:rPr lang="en-US" sz="1200" dirty="0">
-                <a:solidFill>
-                  <a:schemeClr val="tx1"/>
-                </a:solidFill>
-              </a:rPr>
-            </a:br>
-            <a:r>
-              <a:rPr lang="en-US" sz="1200" b="1" dirty="0">
-                <a:solidFill>
-                  <a:schemeClr val="tx1"/>
-                </a:solidFill>
-              </a:rPr>
-              <a:t>Out</a:t>
-            </a:r>
-            <a:r>
-              <a:rPr lang="en-US" sz="1200" dirty="0">
-                <a:solidFill>
-                  <a:schemeClr val="tx1"/>
-                </a:solidFill>
-              </a:rPr>
-              <a:t>: Convert ai response to user language</a:t>
-            </a:r>
-          </a:p>
-        </p:txBody>
-      </p:sp>
-      <p:sp>
-        <p:nvSpPr>
-          <p:cNvPr id="13" name="Flowchart: Connector 12">
-            <a:extLst>
-              <a:ext uri="{FF2B5EF4-FFF2-40B4-BE49-F238E27FC236}">
-                <a16:creationId xmlns:a16="http://schemas.microsoft.com/office/drawing/2014/main" id="{956F0436-6848-B32E-68A0-5814DBC1A8F2}"/>
-              </a:ext>
-            </a:extLst>
-          </p:cNvPr>
-          <p:cNvSpPr/>
-          <p:nvPr/>
-        </p:nvSpPr>
-        <p:spPr>
-          <a:xfrm>
-            <a:off x="6029104" y="3168010"/>
-            <a:ext cx="662474" cy="625151"/>
-          </a:xfrm>
-          <a:prstGeom prst="flowChartConnector">
-            <a:avLst/>
-          </a:prstGeom>
-          <a:solidFill>
-            <a:schemeClr val="accent2">
-              <a:lumMod val="75000"/>
-            </a:schemeClr>
-          </a:solidFill>
-        </p:spPr>
-        <p:style>
-          <a:lnRef idx="2">
-            <a:schemeClr val="accent4">
-              <a:shade val="15000"/>
-            </a:schemeClr>
-          </a:lnRef>
-          <a:fillRef idx="1">
-            <a:schemeClr val="accent4"/>
-          </a:fillRef>
-          <a:effectRef idx="0">
-            <a:schemeClr val="accent4"/>
-          </a:effectRef>
-          <a:fontRef idx="minor">
-            <a:schemeClr val="lt1"/>
-          </a:fontRef>
-        </p:style>
-        <p:txBody>
-          <a:bodyPr rtlCol="0" anchor="ctr"/>
-          <a:lstStyle/>
-          <a:p>
-            <a:pPr algn="ctr"/>
-            <a:r>
-              <a:rPr lang="en-US" dirty="0"/>
-              <a:t>3</a:t>
-            </a:r>
-          </a:p>
-        </p:txBody>
-      </p:sp>
-      <p:sp>
-        <p:nvSpPr>
-          <p:cNvPr id="14" name="Callout: Line 13">
-            <a:extLst>
-              <a:ext uri="{FF2B5EF4-FFF2-40B4-BE49-F238E27FC236}">
-                <a16:creationId xmlns:a16="http://schemas.microsoft.com/office/drawing/2014/main" id="{0891A1A6-57FF-7388-E8E3-FB973BF334A3}"/>
-              </a:ext>
-            </a:extLst>
-          </p:cNvPr>
-          <p:cNvSpPr/>
-          <p:nvPr/>
-        </p:nvSpPr>
-        <p:spPr>
-          <a:xfrm>
-            <a:off x="8126967" y="4880059"/>
-            <a:ext cx="2920482" cy="1269583"/>
-          </a:xfrm>
-          <a:prstGeom prst="borderCallout1">
-            <a:avLst>
-              <a:gd name="adj1" fmla="val -7252"/>
-              <a:gd name="adj2" fmla="val 18867"/>
-              <a:gd name="adj3" fmla="val -91211"/>
-              <a:gd name="adj4" fmla="val -47521"/>
-            </a:avLst>
-          </a:prstGeom>
-          <a:noFill/>
-        </p:spPr>
-        <p:style>
-          <a:lnRef idx="2">
-            <a:schemeClr val="accent1">
-              <a:shade val="15000"/>
-            </a:schemeClr>
-          </a:lnRef>
-          <a:fillRef idx="1">
-            <a:schemeClr val="accent1"/>
-          </a:fillRef>
-          <a:effectRef idx="0">
-            <a:schemeClr val="accent1"/>
-          </a:effectRef>
-          <a:fontRef idx="minor">
-            <a:schemeClr val="lt1"/>
-          </a:fontRef>
-        </p:style>
-        <p:txBody>
-          <a:bodyPr rtlCol="0" anchor="ctr"/>
-          <a:lstStyle/>
-          <a:p>
-            <a:pPr algn="ctr"/>
-            <a:r>
-              <a:rPr lang="en-US" sz="1200" b="1" i="1" dirty="0">
-                <a:solidFill>
-                  <a:schemeClr val="tx1"/>
-                </a:solidFill>
-              </a:rPr>
-              <a:t>Change topic detector </a:t>
-            </a:r>
-            <a:r>
-              <a:rPr lang="en-US" sz="1200" b="1" dirty="0">
-                <a:solidFill>
-                  <a:schemeClr val="tx1"/>
-                </a:solidFill>
-              </a:rPr>
-              <a:t> </a:t>
-            </a:r>
-            <a:r>
-              <a:rPr lang="en-US" sz="1200" dirty="0">
-                <a:solidFill>
-                  <a:schemeClr val="tx1"/>
-                </a:solidFill>
-              </a:rPr>
-              <a:t>middleware</a:t>
-            </a:r>
-            <a:br>
-              <a:rPr lang="en-US" sz="1200" dirty="0">
-                <a:solidFill>
-                  <a:schemeClr val="tx1"/>
-                </a:solidFill>
-              </a:rPr>
-            </a:br>
-            <a:r>
-              <a:rPr lang="en-US" sz="1200" b="1" dirty="0">
-                <a:solidFill>
-                  <a:schemeClr val="tx1"/>
-                </a:solidFill>
-              </a:rPr>
-              <a:t>In</a:t>
-            </a:r>
-            <a:r>
-              <a:rPr lang="en-US" sz="1200" dirty="0">
-                <a:solidFill>
-                  <a:schemeClr val="tx1"/>
-                </a:solidFill>
-              </a:rPr>
-              <a:t>: If the user has changed topic, push to the execution context this information, so that </a:t>
-            </a:r>
-            <a:r>
-              <a:rPr lang="en-US" sz="1200" b="1" i="1" dirty="0">
-                <a:solidFill>
-                  <a:schemeClr val="tx1"/>
-                </a:solidFill>
-              </a:rPr>
-              <a:t>Context provider</a:t>
-            </a:r>
-            <a:r>
-              <a:rPr lang="en-US" sz="1200" b="1" dirty="0">
-                <a:solidFill>
-                  <a:schemeClr val="tx1"/>
-                </a:solidFill>
-              </a:rPr>
-              <a:t> </a:t>
-            </a:r>
-            <a:r>
-              <a:rPr lang="en-US" sz="1200" dirty="0">
-                <a:solidFill>
-                  <a:schemeClr val="tx1"/>
-                </a:solidFill>
-              </a:rPr>
-              <a:t>middleware and </a:t>
-            </a:r>
-            <a:r>
-              <a:rPr lang="en-US" sz="1200" b="1" dirty="0">
-                <a:solidFill>
-                  <a:schemeClr val="tx1"/>
-                </a:solidFill>
-              </a:rPr>
-              <a:t>Conversation manager</a:t>
-            </a:r>
-            <a:r>
-              <a:rPr lang="en-US" sz="1200" dirty="0">
-                <a:solidFill>
-                  <a:schemeClr val="tx1"/>
-                </a:solidFill>
-              </a:rPr>
-              <a:t> middleware act accordingly </a:t>
-            </a:r>
-          </a:p>
-        </p:txBody>
-      </p:sp>
-      <p:sp>
-        <p:nvSpPr>
-          <p:cNvPr id="19" name="Flowchart: Magnetic Disk 18">
-            <a:extLst>
-              <a:ext uri="{FF2B5EF4-FFF2-40B4-BE49-F238E27FC236}">
-                <a16:creationId xmlns:a16="http://schemas.microsoft.com/office/drawing/2014/main" id="{853B52B1-46DB-F31D-6E66-C959C46DCAFB}"/>
-              </a:ext>
-            </a:extLst>
-          </p:cNvPr>
-          <p:cNvSpPr/>
-          <p:nvPr/>
-        </p:nvSpPr>
-        <p:spPr>
-          <a:xfrm>
-            <a:off x="6083631" y="763728"/>
-            <a:ext cx="914400" cy="612648"/>
-          </a:xfrm>
-          <a:prstGeom prst="flowChartMagneticDisk">
-            <a:avLst/>
-          </a:prstGeom>
-          <a:solidFill>
-            <a:schemeClr val="accent6">
-              <a:lumMod val="40000"/>
-              <a:lumOff val="60000"/>
-            </a:schemeClr>
-          </a:solidFill>
-        </p:spPr>
-        <p:style>
-          <a:lnRef idx="2">
-            <a:schemeClr val="accent1">
-              <a:shade val="15000"/>
-            </a:schemeClr>
-          </a:lnRef>
-          <a:fillRef idx="1">
-            <a:schemeClr val="accent1"/>
-          </a:fillRef>
-          <a:effectRef idx="0">
-            <a:schemeClr val="accent1"/>
-          </a:effectRef>
-          <a:fontRef idx="minor">
-            <a:schemeClr val="lt1"/>
-          </a:fontRef>
-        </p:style>
-        <p:txBody>
-          <a:bodyPr rtlCol="0" anchor="ctr"/>
-          <a:lstStyle/>
-          <a:p>
-            <a:pPr algn="ctr"/>
-            <a:endParaRPr lang="en-US"/>
-          </a:p>
-        </p:txBody>
-      </p:sp>
-      <p:sp>
-        <p:nvSpPr>
-          <p:cNvPr id="22" name="Flowchart: Connector 21">
-            <a:extLst>
-              <a:ext uri="{FF2B5EF4-FFF2-40B4-BE49-F238E27FC236}">
-                <a16:creationId xmlns:a16="http://schemas.microsoft.com/office/drawing/2014/main" id="{1B161E33-9031-DC92-DF90-4C80DA3C114C}"/>
-              </a:ext>
-            </a:extLst>
-          </p:cNvPr>
-          <p:cNvSpPr/>
-          <p:nvPr/>
-        </p:nvSpPr>
-        <p:spPr>
-          <a:xfrm>
-            <a:off x="8775441" y="3166870"/>
-            <a:ext cx="662474" cy="625151"/>
-          </a:xfrm>
-          <a:prstGeom prst="flowChartConnector">
-            <a:avLst/>
-          </a:prstGeom>
-        </p:spPr>
-        <p:style>
-          <a:lnRef idx="2">
-            <a:schemeClr val="accent4">
-              <a:shade val="15000"/>
-            </a:schemeClr>
-          </a:lnRef>
-          <a:fillRef idx="1">
-            <a:schemeClr val="accent4"/>
-          </a:fillRef>
-          <a:effectRef idx="0">
-            <a:schemeClr val="accent4"/>
-          </a:effectRef>
-          <a:fontRef idx="minor">
-            <a:schemeClr val="lt1"/>
-          </a:fontRef>
-        </p:style>
-        <p:txBody>
-          <a:bodyPr rtlCol="0" anchor="ctr"/>
-          <a:lstStyle/>
-          <a:p>
-            <a:pPr algn="ctr"/>
-            <a:r>
-              <a:rPr lang="en-US" dirty="0"/>
-              <a:t>5</a:t>
-            </a:r>
-          </a:p>
-        </p:txBody>
-      </p:sp>
-      <p:sp>
-        <p:nvSpPr>
-          <p:cNvPr id="23" name="Callout: Line 22">
-            <a:extLst>
-              <a:ext uri="{FF2B5EF4-FFF2-40B4-BE49-F238E27FC236}">
-                <a16:creationId xmlns:a16="http://schemas.microsoft.com/office/drawing/2014/main" id="{2339BEAF-C02B-0132-1523-A031052BF630}"/>
-              </a:ext>
-            </a:extLst>
-          </p:cNvPr>
-          <p:cNvSpPr/>
-          <p:nvPr/>
-        </p:nvSpPr>
-        <p:spPr>
-          <a:xfrm>
-            <a:off x="8775726" y="2039132"/>
-            <a:ext cx="2920482" cy="612648"/>
-          </a:xfrm>
-          <a:prstGeom prst="borderCallout1">
-            <a:avLst>
-              <a:gd name="adj1" fmla="val 107108"/>
-              <a:gd name="adj2" fmla="val 48627"/>
-              <a:gd name="adj3" fmla="val 175392"/>
-              <a:gd name="adj4" fmla="val 17776"/>
-            </a:avLst>
-          </a:prstGeom>
-          <a:noFill/>
-        </p:spPr>
-        <p:style>
-          <a:lnRef idx="2">
-            <a:schemeClr val="accent1">
-              <a:shade val="15000"/>
-            </a:schemeClr>
-          </a:lnRef>
-          <a:fillRef idx="1">
-            <a:schemeClr val="accent1"/>
-          </a:fillRef>
-          <a:effectRef idx="0">
-            <a:schemeClr val="accent1"/>
-          </a:effectRef>
-          <a:fontRef idx="minor">
-            <a:schemeClr val="lt1"/>
-          </a:fontRef>
-        </p:style>
-        <p:txBody>
-          <a:bodyPr rtlCol="0" anchor="ctr"/>
-          <a:lstStyle/>
-          <a:p>
-            <a:pPr algn="ctr"/>
-            <a:r>
-              <a:rPr lang="en-US" sz="1200" b="1" i="1" dirty="0">
-                <a:solidFill>
-                  <a:schemeClr val="tx1"/>
-                </a:solidFill>
-              </a:rPr>
-              <a:t>System message provider  </a:t>
-            </a:r>
-            <a:r>
-              <a:rPr lang="en-US" sz="1200" dirty="0">
-                <a:solidFill>
-                  <a:schemeClr val="tx1"/>
-                </a:solidFill>
-              </a:rPr>
-              <a:t>middleware</a:t>
-            </a:r>
-            <a:br>
-              <a:rPr lang="en-US" sz="1200" dirty="0">
-                <a:solidFill>
-                  <a:schemeClr val="tx1"/>
-                </a:solidFill>
-              </a:rPr>
-            </a:br>
-            <a:endParaRPr lang="en-US" sz="1200" dirty="0">
-              <a:solidFill>
-                <a:schemeClr val="tx1"/>
-              </a:solidFill>
-            </a:endParaRPr>
-          </a:p>
-        </p:txBody>
-      </p:sp>
-    </p:spTree>
-    <p:extLst>
-      <p:ext uri="{BB962C8B-B14F-4D97-AF65-F5344CB8AC3E}">
-        <p14:creationId xmlns:p14="http://schemas.microsoft.com/office/powerpoint/2010/main" val="2515113666"/>
-      </p:ext>
-    </p:extLst>
-  </p:cSld>
-  <p:clrMapOvr>
-    <a:masterClrMapping/>
-  </p:clrMapOvr>
-</p:sld>
-</file>
-
-<file path=ppt/slides/slide28.xml><?xml version="1.0" encoding="utf-8"?>
 <p:sld xmlns:a="http://schemas.openxmlformats.org/drawingml/2006/main" xmlns:r="http://schemas.openxmlformats.org/officeDocument/2006/relationships" xmlns:p="http://schemas.openxmlformats.org/presentationml/2006/main">
   <p:cSld>
     <p:spTree>
@@ -27160,7 +25697,7 @@
 </p:sld>
 </file>
 
-<file path=ppt/slides/slide29.xml><?xml version="1.0" encoding="utf-8"?>
+<file path=ppt/slides/slide28.xml><?xml version="1.0" encoding="utf-8"?>
 <p:sld xmlns:a="http://schemas.openxmlformats.org/drawingml/2006/main" xmlns:r="http://schemas.openxmlformats.org/officeDocument/2006/relationships" xmlns:p="http://schemas.openxmlformats.org/presentationml/2006/main">
   <p:cSld>
     <p:spTree>
@@ -28417,7 +26954,7 @@
         </p:nvSpPr>
         <p:spPr>
           <a:xfrm>
-            <a:off x="5204277" y="151749"/>
+            <a:off x="6664518" y="1237376"/>
             <a:ext cx="914400" cy="612648"/>
           </a:xfrm>
           <a:prstGeom prst="flowChartMagneticDisk">
@@ -28601,273 +27138,7 @@
 </p:sld>
 </file>
 
-<file path=ppt/slides/slide3.xml><?xml version="1.0" encoding="utf-8"?>
-<p:sld xmlns:a="http://schemas.openxmlformats.org/drawingml/2006/main" xmlns:r="http://schemas.openxmlformats.org/officeDocument/2006/relationships" xmlns:p="http://schemas.openxmlformats.org/presentationml/2006/main">
-  <p:cSld>
-    <p:spTree>
-      <p:nvGrpSpPr>
-        <p:cNvPr id="1" name=""/>
-        <p:cNvGrpSpPr/>
-        <p:nvPr/>
-      </p:nvGrpSpPr>
-      <p:grpSpPr>
-        <a:xfrm>
-          <a:off x="0" y="0"/>
-          <a:ext cx="0" cy="0"/>
-          <a:chOff x="0" y="0"/>
-          <a:chExt cx="0" cy="0"/>
-        </a:xfrm>
-      </p:grpSpPr>
-      <p:sp>
-        <p:nvSpPr>
-          <p:cNvPr id="6" name="Segnaposto contenuto 5">
-            <a:extLst>
-              <a:ext uri="{FF2B5EF4-FFF2-40B4-BE49-F238E27FC236}">
-                <a16:creationId xmlns:a16="http://schemas.microsoft.com/office/drawing/2014/main" id="{2473D9E2-DEFE-412D-9A18-924B8EECBE47}"/>
-              </a:ext>
-            </a:extLst>
-          </p:cNvPr>
-          <p:cNvSpPr>
-            <a:spLocks noGrp="1"/>
-          </p:cNvSpPr>
-          <p:nvPr>
-            <p:ph idx="1"/>
-          </p:nvPr>
-        </p:nvSpPr>
-        <p:spPr/>
-        <p:txBody>
-          <a:bodyPr>
-            <a:normAutofit fontScale="92500" lnSpcReduction="10000"/>
-          </a:bodyPr>
-          <a:lstStyle/>
-          <a:p>
-            <a:r>
-              <a:rPr lang="en-US" i="1" dirty="0"/>
-              <a:t>Developers' questions </a:t>
-            </a:r>
-          </a:p>
-          <a:p>
-            <a:r>
-              <a:rPr lang="en-US" dirty="0"/>
-              <a:t>Can I run chatgpt on my PC -&gt; </a:t>
-            </a:r>
-            <a:r>
-              <a:rPr lang="en-US" dirty="0">
-                <a:solidFill>
-                  <a:srgbClr val="FF0000"/>
-                </a:solidFill>
-              </a:rPr>
-              <a:t>No</a:t>
-            </a:r>
-          </a:p>
-          <a:p>
-            <a:r>
-              <a:rPr lang="en-US" dirty="0"/>
-              <a:t>Can I access it as </a:t>
-            </a:r>
-            <a:br>
-              <a:rPr lang="en-US" dirty="0"/>
-            </a:br>
-            <a:r>
-              <a:rPr lang="en-US" dirty="0"/>
-              <a:t>an api service? -&gt; </a:t>
-            </a:r>
-            <a:r>
-              <a:rPr lang="en-US" dirty="0">
-                <a:solidFill>
-                  <a:srgbClr val="FF0000"/>
-                </a:solidFill>
-              </a:rPr>
-              <a:t>Yes</a:t>
-            </a:r>
-          </a:p>
-          <a:p>
-            <a:r>
-              <a:rPr lang="en-US" dirty="0"/>
-              <a:t>Can make a clone of the model, </a:t>
-            </a:r>
-            <a:br>
-              <a:rPr lang="en-US" dirty="0"/>
-            </a:br>
-            <a:r>
-              <a:rPr lang="en-US" dirty="0"/>
-              <a:t>and train (fine-tune) it, </a:t>
-            </a:r>
-            <a:br>
-              <a:rPr lang="en-US" dirty="0"/>
-            </a:br>
-            <a:r>
-              <a:rPr lang="en-US" dirty="0"/>
-              <a:t>so that it can reply about </a:t>
-            </a:r>
-            <a:br>
-              <a:rPr lang="en-US" dirty="0"/>
-            </a:br>
-            <a:r>
-              <a:rPr lang="en-US" dirty="0"/>
-              <a:t>my domain specific data ? -&gt; </a:t>
-            </a:r>
-            <a:r>
-              <a:rPr lang="en-US" dirty="0">
-                <a:solidFill>
-                  <a:srgbClr val="FF0000"/>
-                </a:solidFill>
-              </a:rPr>
-              <a:t>Ni</a:t>
-            </a:r>
-          </a:p>
-          <a:p>
-            <a:r>
-              <a:rPr lang="en-US" dirty="0"/>
-              <a:t>If fine tuning is not an option, is there another way to have it answer about my domain specific data ? -&gt; </a:t>
-            </a:r>
-            <a:r>
-              <a:rPr lang="en-US" dirty="0">
-                <a:solidFill>
-                  <a:srgbClr val="FF0000"/>
-                </a:solidFill>
-              </a:rPr>
-              <a:t>Yes</a:t>
-            </a:r>
-          </a:p>
-          <a:p>
-            <a:endParaRPr lang="en-US" dirty="0"/>
-          </a:p>
-          <a:p>
-            <a:r>
-              <a:rPr lang="en-US" i="1" dirty="0"/>
-              <a:t>This talk will elaborate on the last question</a:t>
-            </a:r>
-          </a:p>
-          <a:p>
-            <a:endParaRPr lang="it-IT" dirty="0"/>
-          </a:p>
-        </p:txBody>
-      </p:sp>
-      <p:sp>
-        <p:nvSpPr>
-          <p:cNvPr id="5" name="Titolo 4">
-            <a:extLst>
-              <a:ext uri="{FF2B5EF4-FFF2-40B4-BE49-F238E27FC236}">
-                <a16:creationId xmlns:a16="http://schemas.microsoft.com/office/drawing/2014/main" id="{8CAE0EFC-B7FF-4C7D-BF02-BDDAEA8577D3}"/>
-              </a:ext>
-            </a:extLst>
-          </p:cNvPr>
-          <p:cNvSpPr>
-            <a:spLocks noGrp="1"/>
-          </p:cNvSpPr>
-          <p:nvPr>
-            <p:ph type="title"/>
-          </p:nvPr>
-        </p:nvSpPr>
-        <p:spPr/>
-        <p:txBody>
-          <a:bodyPr>
-            <a:normAutofit fontScale="90000"/>
-          </a:bodyPr>
-          <a:lstStyle/>
-          <a:p>
-            <a:r>
-              <a:rPr lang="en-US" dirty="0"/>
-              <a:t>November 30, 2022</a:t>
-            </a:r>
-            <a:endParaRPr lang="it-IT" dirty="0"/>
-          </a:p>
-        </p:txBody>
-      </p:sp>
-      <p:pic>
-        <p:nvPicPr>
-          <p:cNvPr id="3" name="Content Placeholder 10">
-            <a:extLst>
-              <a:ext uri="{FF2B5EF4-FFF2-40B4-BE49-F238E27FC236}">
-                <a16:creationId xmlns:a16="http://schemas.microsoft.com/office/drawing/2014/main" id="{C16EB108-621A-47DB-4530-67A0B326962F}"/>
-              </a:ext>
-            </a:extLst>
-          </p:cNvPr>
-          <p:cNvPicPr>
-            <a:picLocks noChangeAspect="1"/>
-          </p:cNvPicPr>
-          <p:nvPr/>
-        </p:nvPicPr>
-        <p:blipFill>
-          <a:blip r:embed="rId2">
-            <a:extLst>
-              <a:ext uri="{28A0092B-C50C-407E-A947-70E740481C1C}">
-                <a14:useLocalDpi xmlns:a14="http://schemas.microsoft.com/office/drawing/2010/main" val="0"/>
-              </a:ext>
-            </a:extLst>
-          </a:blip>
-          <a:stretch>
-            <a:fillRect/>
-          </a:stretch>
-        </p:blipFill>
-        <p:spPr>
-          <a:xfrm>
-            <a:off x="5667093" y="1380930"/>
-            <a:ext cx="5287046" cy="2970593"/>
-          </a:xfrm>
-          <a:prstGeom prst="rect">
-            <a:avLst/>
-          </a:prstGeom>
-          <a:effectLst>
-            <a:glow rad="228600">
-              <a:schemeClr val="accent4">
-                <a:satMod val="175000"/>
-                <a:alpha val="40000"/>
-              </a:schemeClr>
-            </a:glow>
-          </a:effectLst>
-        </p:spPr>
-      </p:pic>
-      <p:sp>
-        <p:nvSpPr>
-          <p:cNvPr id="11" name="TextBox 10">
-            <a:extLst>
-              <a:ext uri="{FF2B5EF4-FFF2-40B4-BE49-F238E27FC236}">
-                <a16:creationId xmlns:a16="http://schemas.microsoft.com/office/drawing/2014/main" id="{8B4B035A-BBDD-CB6D-838B-6089F4BA2CF7}"/>
-              </a:ext>
-            </a:extLst>
-          </p:cNvPr>
-          <p:cNvSpPr txBox="1"/>
-          <p:nvPr/>
-        </p:nvSpPr>
-        <p:spPr>
-          <a:xfrm>
-            <a:off x="5542384" y="861448"/>
-            <a:ext cx="6102220" cy="369332"/>
-          </a:xfrm>
-          <a:prstGeom prst="rect">
-            <a:avLst/>
-          </a:prstGeom>
-          <a:noFill/>
-        </p:spPr>
-        <p:txBody>
-          <a:bodyPr wrap="square">
-            <a:spAutoFit/>
-          </a:bodyPr>
-          <a:lstStyle/>
-          <a:p>
-            <a:r>
-              <a:rPr lang="en-US" i="1" u="sng" dirty="0"/>
-              <a:t>https://chat.openai.com</a:t>
-            </a:r>
-          </a:p>
-        </p:txBody>
-      </p:sp>
-    </p:spTree>
-    <p:extLst>
-      <p:ext uri="{BB962C8B-B14F-4D97-AF65-F5344CB8AC3E}">
-        <p14:creationId xmlns:p14="http://schemas.microsoft.com/office/powerpoint/2010/main" val="930085300"/>
-      </p:ext>
-    </p:extLst>
-  </p:cSld>
-  <p:clrMapOvr>
-    <a:masterClrMapping/>
-  </p:clrMapOvr>
-</p:sld>
-</file>
-
-<file path=ppt/slides/slide30.xml><?xml version="1.0" encoding="utf-8"?>
+<file path=ppt/slides/slide29.xml><?xml version="1.0" encoding="utf-8"?>
 <p:sld xmlns:a="http://schemas.openxmlformats.org/drawingml/2006/main" xmlns:r="http://schemas.openxmlformats.org/officeDocument/2006/relationships" xmlns:p="http://schemas.openxmlformats.org/presentationml/2006/main">
   <p:cSld>
     <p:spTree>
@@ -29532,6 +27803,393 @@
 </p:sld>
 </file>
 
+<file path=ppt/slides/slide3.xml><?xml version="1.0" encoding="utf-8"?>
+<p:sld xmlns:a="http://schemas.openxmlformats.org/drawingml/2006/main" xmlns:r="http://schemas.openxmlformats.org/officeDocument/2006/relationships" xmlns:p="http://schemas.openxmlformats.org/presentationml/2006/main">
+  <p:cSld>
+    <p:spTree>
+      <p:nvGrpSpPr>
+        <p:cNvPr id="1" name=""/>
+        <p:cNvGrpSpPr/>
+        <p:nvPr/>
+      </p:nvGrpSpPr>
+      <p:grpSpPr>
+        <a:xfrm>
+          <a:off x="0" y="0"/>
+          <a:ext cx="0" cy="0"/>
+          <a:chOff x="0" y="0"/>
+          <a:chExt cx="0" cy="0"/>
+        </a:xfrm>
+      </p:grpSpPr>
+      <p:sp>
+        <p:nvSpPr>
+          <p:cNvPr id="6" name="Segnaposto contenuto 5">
+            <a:extLst>
+              <a:ext uri="{FF2B5EF4-FFF2-40B4-BE49-F238E27FC236}">
+                <a16:creationId xmlns:a16="http://schemas.microsoft.com/office/drawing/2014/main" id="{2473D9E2-DEFE-412D-9A18-924B8EECBE47}"/>
+              </a:ext>
+            </a:extLst>
+          </p:cNvPr>
+          <p:cNvSpPr>
+            <a:spLocks noGrp="1"/>
+          </p:cNvSpPr>
+          <p:nvPr>
+            <p:ph idx="1"/>
+          </p:nvPr>
+        </p:nvSpPr>
+        <p:spPr/>
+        <p:txBody>
+          <a:bodyPr>
+            <a:normAutofit fontScale="92500" lnSpcReduction="10000"/>
+          </a:bodyPr>
+          <a:lstStyle/>
+          <a:p>
+            <a:r>
+              <a:rPr lang="en-US" i="1" dirty="0"/>
+              <a:t>Developers' questions </a:t>
+            </a:r>
+          </a:p>
+          <a:p>
+            <a:r>
+              <a:rPr lang="en-US" dirty="0"/>
+              <a:t>Can I run chatgpt on my PC -&gt; </a:t>
+            </a:r>
+            <a:r>
+              <a:rPr lang="en-US" dirty="0">
+                <a:solidFill>
+                  <a:srgbClr val="FF0000"/>
+                </a:solidFill>
+              </a:rPr>
+              <a:t>No</a:t>
+            </a:r>
+          </a:p>
+          <a:p>
+            <a:r>
+              <a:rPr lang="en-US" dirty="0"/>
+              <a:t>Can I access it as </a:t>
+            </a:r>
+            <a:br>
+              <a:rPr lang="en-US" dirty="0"/>
+            </a:br>
+            <a:r>
+              <a:rPr lang="en-US" dirty="0"/>
+              <a:t>an api service? -&gt; </a:t>
+            </a:r>
+            <a:r>
+              <a:rPr lang="en-US" dirty="0">
+                <a:solidFill>
+                  <a:srgbClr val="FF0000"/>
+                </a:solidFill>
+              </a:rPr>
+              <a:t>Yes</a:t>
+            </a:r>
+          </a:p>
+          <a:p>
+            <a:r>
+              <a:rPr lang="en-US" dirty="0"/>
+              <a:t>Can make a clone of the model, </a:t>
+            </a:r>
+            <a:br>
+              <a:rPr lang="en-US" dirty="0"/>
+            </a:br>
+            <a:r>
+              <a:rPr lang="en-US" dirty="0"/>
+              <a:t>and train (fine-tune) it, </a:t>
+            </a:r>
+            <a:br>
+              <a:rPr lang="en-US" dirty="0"/>
+            </a:br>
+            <a:r>
+              <a:rPr lang="en-US" dirty="0"/>
+              <a:t>so that it can reply about </a:t>
+            </a:r>
+            <a:br>
+              <a:rPr lang="en-US" dirty="0"/>
+            </a:br>
+            <a:r>
+              <a:rPr lang="en-US" dirty="0"/>
+              <a:t>my domain specific data ? -&gt; </a:t>
+            </a:r>
+            <a:r>
+              <a:rPr lang="en-US" dirty="0">
+                <a:solidFill>
+                  <a:srgbClr val="FF0000"/>
+                </a:solidFill>
+              </a:rPr>
+              <a:t>Ni</a:t>
+            </a:r>
+          </a:p>
+          <a:p>
+            <a:r>
+              <a:rPr lang="en-US" dirty="0"/>
+              <a:t>If fine tuning is not an option, is there another way to have it answer about my domain specific data ? -&gt; </a:t>
+            </a:r>
+            <a:r>
+              <a:rPr lang="en-US" dirty="0">
+                <a:solidFill>
+                  <a:srgbClr val="FF0000"/>
+                </a:solidFill>
+              </a:rPr>
+              <a:t>Yes</a:t>
+            </a:r>
+          </a:p>
+          <a:p>
+            <a:endParaRPr lang="en-US" dirty="0"/>
+          </a:p>
+          <a:p>
+            <a:r>
+              <a:rPr lang="en-US" i="1" dirty="0"/>
+              <a:t>This talk will elaborate on the last question</a:t>
+            </a:r>
+          </a:p>
+          <a:p>
+            <a:endParaRPr lang="it-IT" dirty="0"/>
+          </a:p>
+        </p:txBody>
+      </p:sp>
+      <p:sp>
+        <p:nvSpPr>
+          <p:cNvPr id="5" name="Titolo 4">
+            <a:extLst>
+              <a:ext uri="{FF2B5EF4-FFF2-40B4-BE49-F238E27FC236}">
+                <a16:creationId xmlns:a16="http://schemas.microsoft.com/office/drawing/2014/main" id="{8CAE0EFC-B7FF-4C7D-BF02-BDDAEA8577D3}"/>
+              </a:ext>
+            </a:extLst>
+          </p:cNvPr>
+          <p:cNvSpPr>
+            <a:spLocks noGrp="1"/>
+          </p:cNvSpPr>
+          <p:nvPr>
+            <p:ph type="title"/>
+          </p:nvPr>
+        </p:nvSpPr>
+        <p:spPr/>
+        <p:txBody>
+          <a:bodyPr>
+            <a:normAutofit fontScale="90000"/>
+          </a:bodyPr>
+          <a:lstStyle/>
+          <a:p>
+            <a:r>
+              <a:rPr lang="en-US" dirty="0"/>
+              <a:t>November 30, 2022</a:t>
+            </a:r>
+            <a:endParaRPr lang="it-IT" dirty="0"/>
+          </a:p>
+        </p:txBody>
+      </p:sp>
+      <p:pic>
+        <p:nvPicPr>
+          <p:cNvPr id="3" name="Content Placeholder 10">
+            <a:extLst>
+              <a:ext uri="{FF2B5EF4-FFF2-40B4-BE49-F238E27FC236}">
+                <a16:creationId xmlns:a16="http://schemas.microsoft.com/office/drawing/2014/main" id="{C16EB108-621A-47DB-4530-67A0B326962F}"/>
+              </a:ext>
+            </a:extLst>
+          </p:cNvPr>
+          <p:cNvPicPr>
+            <a:picLocks noChangeAspect="1"/>
+          </p:cNvPicPr>
+          <p:nvPr/>
+        </p:nvPicPr>
+        <p:blipFill>
+          <a:blip r:embed="rId2">
+            <a:extLst>
+              <a:ext uri="{28A0092B-C50C-407E-A947-70E740481C1C}">
+                <a14:useLocalDpi xmlns:a14="http://schemas.microsoft.com/office/drawing/2010/main" val="0"/>
+              </a:ext>
+            </a:extLst>
+          </a:blip>
+          <a:stretch>
+            <a:fillRect/>
+          </a:stretch>
+        </p:blipFill>
+        <p:spPr>
+          <a:xfrm>
+            <a:off x="5667093" y="1380930"/>
+            <a:ext cx="5287046" cy="2970593"/>
+          </a:xfrm>
+          <a:prstGeom prst="rect">
+            <a:avLst/>
+          </a:prstGeom>
+          <a:effectLst>
+            <a:glow rad="228600">
+              <a:schemeClr val="accent4">
+                <a:satMod val="175000"/>
+                <a:alpha val="40000"/>
+              </a:schemeClr>
+            </a:glow>
+          </a:effectLst>
+        </p:spPr>
+      </p:pic>
+      <p:sp>
+        <p:nvSpPr>
+          <p:cNvPr id="11" name="TextBox 10">
+            <a:extLst>
+              <a:ext uri="{FF2B5EF4-FFF2-40B4-BE49-F238E27FC236}">
+                <a16:creationId xmlns:a16="http://schemas.microsoft.com/office/drawing/2014/main" id="{8B4B035A-BBDD-CB6D-838B-6089F4BA2CF7}"/>
+              </a:ext>
+            </a:extLst>
+          </p:cNvPr>
+          <p:cNvSpPr txBox="1"/>
+          <p:nvPr/>
+        </p:nvSpPr>
+        <p:spPr>
+          <a:xfrm>
+            <a:off x="5542384" y="861448"/>
+            <a:ext cx="6102220" cy="369332"/>
+          </a:xfrm>
+          <a:prstGeom prst="rect">
+            <a:avLst/>
+          </a:prstGeom>
+          <a:noFill/>
+        </p:spPr>
+        <p:txBody>
+          <a:bodyPr wrap="square">
+            <a:spAutoFit/>
+          </a:bodyPr>
+          <a:lstStyle/>
+          <a:p>
+            <a:r>
+              <a:rPr lang="en-US" i="1" u="sng" dirty="0"/>
+              <a:t>https://chat.openai.com</a:t>
+            </a:r>
+          </a:p>
+        </p:txBody>
+      </p:sp>
+    </p:spTree>
+    <p:extLst>
+      <p:ext uri="{BB962C8B-B14F-4D97-AF65-F5344CB8AC3E}">
+        <p14:creationId xmlns:p14="http://schemas.microsoft.com/office/powerpoint/2010/main" val="930085300"/>
+      </p:ext>
+    </p:extLst>
+  </p:cSld>
+  <p:clrMapOvr>
+    <a:masterClrMapping/>
+  </p:clrMapOvr>
+</p:sld>
+</file>
+
+<file path=ppt/slides/slide30.xml><?xml version="1.0" encoding="utf-8"?>
+<p:sld xmlns:a="http://schemas.openxmlformats.org/drawingml/2006/main" xmlns:r="http://schemas.openxmlformats.org/officeDocument/2006/relationships" xmlns:p="http://schemas.openxmlformats.org/presentationml/2006/main">
+  <p:cSld>
+    <p:spTree>
+      <p:nvGrpSpPr>
+        <p:cNvPr id="1" name=""/>
+        <p:cNvGrpSpPr/>
+        <p:nvPr/>
+      </p:nvGrpSpPr>
+      <p:grpSpPr>
+        <a:xfrm>
+          <a:off x="0" y="0"/>
+          <a:ext cx="0" cy="0"/>
+          <a:chOff x="0" y="0"/>
+          <a:chExt cx="0" cy="0"/>
+        </a:xfrm>
+      </p:grpSpPr>
+      <p:sp>
+        <p:nvSpPr>
+          <p:cNvPr id="2" name="Title 1">
+            <a:extLst>
+              <a:ext uri="{FF2B5EF4-FFF2-40B4-BE49-F238E27FC236}">
+                <a16:creationId xmlns:a16="http://schemas.microsoft.com/office/drawing/2014/main" id="{1B7DF310-4C4A-9F13-34B0-7D3A00C5B832}"/>
+              </a:ext>
+            </a:extLst>
+          </p:cNvPr>
+          <p:cNvSpPr>
+            <a:spLocks noGrp="1"/>
+          </p:cNvSpPr>
+          <p:nvPr>
+            <p:ph type="title"/>
+          </p:nvPr>
+        </p:nvSpPr>
+        <p:spPr/>
+        <p:txBody>
+          <a:bodyPr>
+            <a:normAutofit fontScale="90000"/>
+          </a:bodyPr>
+          <a:lstStyle/>
+          <a:p>
+            <a:r>
+              <a:rPr lang="en-US" dirty="0"/>
+              <a:t>Ad-hoc or out of the shelf solution, or in between (MS Semantic Kernel)</a:t>
+            </a:r>
+          </a:p>
+        </p:txBody>
+      </p:sp>
+      <p:sp>
+        <p:nvSpPr>
+          <p:cNvPr id="3" name="Content Placeholder 2">
+            <a:extLst>
+              <a:ext uri="{FF2B5EF4-FFF2-40B4-BE49-F238E27FC236}">
+                <a16:creationId xmlns:a16="http://schemas.microsoft.com/office/drawing/2014/main" id="{DBD06467-3C14-1B90-9C21-74370B96C780}"/>
+              </a:ext>
+            </a:extLst>
+          </p:cNvPr>
+          <p:cNvSpPr>
+            <a:spLocks noGrp="1"/>
+          </p:cNvSpPr>
+          <p:nvPr>
+            <p:ph idx="1"/>
+          </p:nvPr>
+        </p:nvSpPr>
+        <p:spPr/>
+        <p:txBody>
+          <a:bodyPr/>
+          <a:lstStyle/>
+          <a:p>
+            <a:r>
+              <a:rPr lang="en-US" dirty="0"/>
+              <a:t>It depends, however now you know what is under the cover</a:t>
+            </a:r>
+          </a:p>
+          <a:p>
+            <a:pPr lvl="1"/>
+            <a:r>
+              <a:rPr lang="en-US" dirty="0"/>
+              <a:t>Embeddings</a:t>
+            </a:r>
+          </a:p>
+          <a:p>
+            <a:pPr lvl="1"/>
+            <a:r>
+              <a:rPr lang="en-US" dirty="0"/>
+              <a:t>Token limits</a:t>
+            </a:r>
+          </a:p>
+          <a:p>
+            <a:pPr lvl="1"/>
+            <a:r>
+              <a:rPr lang="en-US" dirty="0"/>
+              <a:t>etc..</a:t>
+            </a:r>
+          </a:p>
+          <a:p>
+            <a:r>
+              <a:rPr lang="en-US" dirty="0"/>
+              <a:t>So that you have the knowledge to take the right decision</a:t>
+            </a:r>
+          </a:p>
+          <a:p>
+            <a:r>
+              <a:rPr lang="en-US" dirty="0"/>
+              <a:t>And this stuff applies to other LLM as well (e.g. Llama2)</a:t>
+            </a:r>
+          </a:p>
+        </p:txBody>
+      </p:sp>
+    </p:spTree>
+    <p:extLst>
+      <p:ext uri="{BB962C8B-B14F-4D97-AF65-F5344CB8AC3E}">
+        <p14:creationId xmlns:p14="http://schemas.microsoft.com/office/powerpoint/2010/main" val="2373690492"/>
+      </p:ext>
+    </p:extLst>
+  </p:cSld>
+  <p:clrMapOvr>
+    <a:masterClrMapping/>
+  </p:clrMapOvr>
+</p:sld>
+</file>
+
 <file path=ppt/slides/slide31.xml><?xml version="1.0" encoding="utf-8"?>
 <p:sld xmlns:a="http://schemas.openxmlformats.org/drawingml/2006/main" xmlns:r="http://schemas.openxmlformats.org/officeDocument/2006/relationships" xmlns:p="http://schemas.openxmlformats.org/presentationml/2006/main">
   <p:cSld>
@@ -29551,10 +28209,10 @@
       </p:grpSpPr>
       <p:sp>
         <p:nvSpPr>
-          <p:cNvPr id="2" name="Title 1">
-            <a:extLst>
-              <a:ext uri="{FF2B5EF4-FFF2-40B4-BE49-F238E27FC236}">
-                <a16:creationId xmlns:a16="http://schemas.microsoft.com/office/drawing/2014/main" id="{1B7DF310-4C4A-9F13-34B0-7D3A00C5B832}"/>
+          <p:cNvPr id="2" name="Titolo 1">
+            <a:extLst>
+              <a:ext uri="{FF2B5EF4-FFF2-40B4-BE49-F238E27FC236}">
+                <a16:creationId xmlns:a16="http://schemas.microsoft.com/office/drawing/2014/main" id="{0E689928-B287-4F6F-9288-1DE7ADE2F318}"/>
               </a:ext>
             </a:extLst>
           </p:cNvPr>
@@ -29572,78 +28230,14 @@
           </a:bodyPr>
           <a:lstStyle/>
           <a:p>
-            <a:r>
-              <a:rPr lang="en-US" dirty="0"/>
-              <a:t>Ad-hoc or out of the shelf solution, or in between (MS Semantic Kernel)</a:t>
-            </a:r>
-          </a:p>
-        </p:txBody>
-      </p:sp>
-      <p:sp>
-        <p:nvSpPr>
-          <p:cNvPr id="3" name="Content Placeholder 2">
-            <a:extLst>
-              <a:ext uri="{FF2B5EF4-FFF2-40B4-BE49-F238E27FC236}">
-                <a16:creationId xmlns:a16="http://schemas.microsoft.com/office/drawing/2014/main" id="{DBD06467-3C14-1B90-9C21-74370B96C780}"/>
-              </a:ext>
-            </a:extLst>
-          </p:cNvPr>
-          <p:cNvSpPr>
-            <a:spLocks noGrp="1"/>
-          </p:cNvSpPr>
-          <p:nvPr>
-            <p:ph idx="1"/>
-          </p:nvPr>
-        </p:nvSpPr>
-        <p:spPr/>
-        <p:txBody>
-          <a:bodyPr/>
-          <a:lstStyle/>
-          <a:p>
-            <a:r>
-              <a:rPr lang="en-US" dirty="0"/>
-              <a:t>It depends, however now you know what is under the cover</a:t>
-            </a:r>
-          </a:p>
-          <a:p>
-            <a:pPr lvl="1"/>
-            <a:r>
-              <a:rPr lang="en-US" dirty="0"/>
-              <a:t>Embeddings</a:t>
-            </a:r>
-          </a:p>
-          <a:p>
-            <a:pPr lvl="1"/>
-            <a:r>
-              <a:rPr lang="en-US" dirty="0"/>
-              <a:t>Token limits</a:t>
-            </a:r>
-          </a:p>
-          <a:p>
-            <a:pPr lvl="1"/>
-            <a:r>
-              <a:rPr lang="en-US" dirty="0"/>
-              <a:t>etc..</a:t>
-            </a:r>
-          </a:p>
-          <a:p>
-            <a:r>
-              <a:rPr lang="en-US" dirty="0"/>
-              <a:t>So that you have the knowledge to take the right decision</a:t>
-            </a:r>
-          </a:p>
-          <a:p>
-            <a:r>
-              <a:rPr lang="en-US" dirty="0"/>
-              <a:t>And this stuff applies to other LLM as well (e.g. Llama2)</a:t>
-            </a:r>
+            <a:endParaRPr lang="it-IT" dirty="0"/>
           </a:p>
         </p:txBody>
       </p:sp>
     </p:spTree>
     <p:extLst>
       <p:ext uri="{BB962C8B-B14F-4D97-AF65-F5344CB8AC3E}">
-        <p14:creationId xmlns:p14="http://schemas.microsoft.com/office/powerpoint/2010/main" val="2373690492"/>
+        <p14:creationId xmlns:p14="http://schemas.microsoft.com/office/powerpoint/2010/main" val="3575452940"/>
       </p:ext>
     </p:extLst>
   </p:cSld>
@@ -29672,63 +28266,6 @@
       </p:grpSpPr>
       <p:sp>
         <p:nvSpPr>
-          <p:cNvPr id="2" name="Titolo 1">
-            <a:extLst>
-              <a:ext uri="{FF2B5EF4-FFF2-40B4-BE49-F238E27FC236}">
-                <a16:creationId xmlns:a16="http://schemas.microsoft.com/office/drawing/2014/main" id="{0E689928-B287-4F6F-9288-1DE7ADE2F318}"/>
-              </a:ext>
-            </a:extLst>
-          </p:cNvPr>
-          <p:cNvSpPr>
-            <a:spLocks noGrp="1"/>
-          </p:cNvSpPr>
-          <p:nvPr>
-            <p:ph type="title"/>
-          </p:nvPr>
-        </p:nvSpPr>
-        <p:spPr/>
-        <p:txBody>
-          <a:bodyPr>
-            <a:normAutofit fontScale="90000"/>
-          </a:bodyPr>
-          <a:lstStyle/>
-          <a:p>
-            <a:endParaRPr lang="it-IT" dirty="0"/>
-          </a:p>
-        </p:txBody>
-      </p:sp>
-    </p:spTree>
-    <p:extLst>
-      <p:ext uri="{BB962C8B-B14F-4D97-AF65-F5344CB8AC3E}">
-        <p14:creationId xmlns:p14="http://schemas.microsoft.com/office/powerpoint/2010/main" val="3575452940"/>
-      </p:ext>
-    </p:extLst>
-  </p:cSld>
-  <p:clrMapOvr>
-    <a:masterClrMapping/>
-  </p:clrMapOvr>
-</p:sld>
-</file>
-
-<file path=ppt/slides/slide33.xml><?xml version="1.0" encoding="utf-8"?>
-<p:sld xmlns:a="http://schemas.openxmlformats.org/drawingml/2006/main" xmlns:r="http://schemas.openxmlformats.org/officeDocument/2006/relationships" xmlns:p="http://schemas.openxmlformats.org/presentationml/2006/main">
-  <p:cSld>
-    <p:spTree>
-      <p:nvGrpSpPr>
-        <p:cNvPr id="1" name=""/>
-        <p:cNvGrpSpPr/>
-        <p:nvPr/>
-      </p:nvGrpSpPr>
-      <p:grpSpPr>
-        <a:xfrm>
-          <a:off x="0" y="0"/>
-          <a:ext cx="0" cy="0"/>
-          <a:chOff x="0" y="0"/>
-          <a:chExt cx="0" cy="0"/>
-        </a:xfrm>
-      </p:grpSpPr>
-      <p:sp>
-        <p:nvSpPr>
           <p:cNvPr id="6" name="Segnaposto contenuto 5">
             <a:extLst>
               <a:ext uri="{FF2B5EF4-FFF2-40B4-BE49-F238E27FC236}">
@@ -29808,7 +28345,7 @@
 </p:sld>
 </file>
 
-<file path=ppt/slides/slide34.xml><?xml version="1.0" encoding="utf-8"?>
+<file path=ppt/slides/slide33.xml><?xml version="1.0" encoding="utf-8"?>
 <p:sld xmlns:a="http://schemas.openxmlformats.org/drawingml/2006/main" xmlns:r="http://schemas.openxmlformats.org/officeDocument/2006/relationships" xmlns:p="http://schemas.openxmlformats.org/presentationml/2006/main">
   <p:cSld>
     <p:spTree>
@@ -33303,6 +31840,12 @@
           <a:p>
             <a:r>
               <a:rPr lang="en-US" dirty="0"/>
+              <a:t>Streaming response supported </a:t>
+            </a:r>
+          </a:p>
+          <a:p>
+            <a:r>
+              <a:rPr lang="en-US" dirty="0"/>
               <a:t>Message types </a:t>
             </a:r>
           </a:p>
@@ -33325,33 +31868,6 @@
             <a:r>
               <a:rPr lang="en-US" i="1" dirty="0"/>
               <a:t>Assistant messages </a:t>
-            </a:r>
-          </a:p>
-          <a:p>
-            <a:r>
-              <a:rPr lang="en-US" dirty="0"/>
-              <a:t>Temperature (and other parameters)</a:t>
-            </a:r>
-          </a:p>
-          <a:p>
-            <a:r>
-              <a:rPr lang="en-US" dirty="0"/>
-              <a:t>C# </a:t>
-            </a:r>
-            <a:r>
-              <a:rPr lang="en-US" dirty="0" err="1"/>
-              <a:t>Sdk</a:t>
-            </a:r>
-            <a:r>
-              <a:rPr lang="en-US" dirty="0"/>
-              <a:t> (MS provided and others)</a:t>
-            </a:r>
-          </a:p>
-          <a:p>
-            <a:pPr lvl="1"/>
-            <a:r>
-              <a:rPr lang="en-US" dirty="0"/>
-              <a:t>MS one works both with open.ai and Azure open.ai</a:t>
             </a:r>
           </a:p>
         </p:txBody>
@@ -33382,6 +31898,160 @@
             <a:r>
               <a:rPr lang="en-US" dirty="0"/>
               <a:t>Chat-completion api endpoint</a:t>
+            </a:r>
+          </a:p>
+        </p:txBody>
+      </p:sp>
+      <p:sp>
+        <p:nvSpPr>
+          <p:cNvPr id="5" name="TextBox 4">
+            <a:extLst>
+              <a:ext uri="{FF2B5EF4-FFF2-40B4-BE49-F238E27FC236}">
+                <a16:creationId xmlns:a16="http://schemas.microsoft.com/office/drawing/2014/main" id="{F4B05E10-6130-0414-5F44-5976A412F396}"/>
+              </a:ext>
+            </a:extLst>
+          </p:cNvPr>
+          <p:cNvSpPr txBox="1"/>
+          <p:nvPr/>
+        </p:nvSpPr>
+        <p:spPr>
+          <a:xfrm>
+            <a:off x="4478693" y="2958520"/>
+            <a:ext cx="6102220" cy="3416320"/>
+          </a:xfrm>
+          <a:prstGeom prst="rect">
+            <a:avLst/>
+          </a:prstGeom>
+          <a:noFill/>
+        </p:spPr>
+        <p:txBody>
+          <a:bodyPr wrap="square">
+            <a:spAutoFit/>
+          </a:bodyPr>
+          <a:lstStyle/>
+          <a:p>
+            <a:r>
+              <a:rPr lang="en-US" sz="1800" b="1" dirty="0"/>
+              <a:t>Input:</a:t>
+            </a:r>
+            <a:r>
+              <a:rPr lang="en-US" sz="1800" dirty="0"/>
+              <a:t> {"messages":     [</a:t>
+            </a:r>
+          </a:p>
+          <a:p>
+            <a:r>
+              <a:rPr lang="en-US" sz="1800" dirty="0"/>
+              <a:t>        {"role": "</a:t>
+            </a:r>
+            <a:r>
+              <a:rPr lang="en-US" sz="1800" b="1" dirty="0"/>
+              <a:t>system</a:t>
+            </a:r>
+            <a:r>
+              <a:rPr lang="en-US" sz="1800" dirty="0"/>
+              <a:t>", "content": "</a:t>
+            </a:r>
+            <a:r>
+              <a:rPr lang="en-US" sz="1800" i="1" dirty="0"/>
+              <a:t>provide short and concise replies to user questions</a:t>
+            </a:r>
+            <a:r>
+              <a:rPr lang="en-US" sz="1800" dirty="0"/>
+              <a:t>"}</a:t>
+            </a:r>
+          </a:p>
+          <a:p>
+            <a:r>
+              <a:rPr lang="en-US" sz="1800" dirty="0"/>
+              <a:t>        {"role": "</a:t>
+            </a:r>
+            <a:r>
+              <a:rPr lang="en-US" sz="1800" b="1" dirty="0"/>
+              <a:t>user</a:t>
+            </a:r>
+            <a:r>
+              <a:rPr lang="en-US" sz="1800" dirty="0"/>
+              <a:t>", "content": "</a:t>
+            </a:r>
+            <a:r>
+              <a:rPr lang="en-US" sz="1800" i="1" dirty="0"/>
+              <a:t>Who won second world war?</a:t>
+            </a:r>
+            <a:r>
+              <a:rPr lang="en-US" sz="1800" dirty="0"/>
+              <a:t>"}</a:t>
+            </a:r>
+          </a:p>
+          <a:p>
+            <a:r>
+              <a:rPr lang="en-US" sz="1800" dirty="0"/>
+              <a:t>   ]</a:t>
+            </a:r>
+          </a:p>
+          <a:p>
+            <a:r>
+              <a:rPr lang="en-US" dirty="0"/>
+              <a:t>…</a:t>
+            </a:r>
+            <a:endParaRPr lang="en-US" sz="1800" dirty="0"/>
+          </a:p>
+          <a:p>
+            <a:r>
+              <a:rPr lang="en-US" sz="1800" dirty="0"/>
+              <a:t>}</a:t>
+            </a:r>
+          </a:p>
+          <a:p>
+            <a:r>
+              <a:rPr lang="en-US" sz="1800" b="1" dirty="0"/>
+              <a:t>Output</a:t>
+            </a:r>
+            <a:r>
+              <a:rPr lang="en-US" sz="1800" dirty="0"/>
+              <a:t>: {"message": {</a:t>
+            </a:r>
+          </a:p>
+          <a:p>
+            <a:r>
+              <a:rPr lang="en-US" sz="1800" dirty="0"/>
+              <a:t>                "role": "</a:t>
+            </a:r>
+            <a:r>
+              <a:rPr lang="en-US" sz="1800" b="1" dirty="0"/>
+              <a:t>assistant</a:t>
+            </a:r>
+            <a:r>
+              <a:rPr lang="en-US" sz="1800" dirty="0"/>
+              <a:t>",</a:t>
+            </a:r>
+          </a:p>
+          <a:p>
+            <a:r>
+              <a:rPr lang="en-US" sz="1800" b="1" dirty="0"/>
+              <a:t>                "</a:t>
+            </a:r>
+            <a:r>
+              <a:rPr lang="en-US" sz="1800" dirty="0"/>
+              <a:t>content</a:t>
+            </a:r>
+            <a:r>
+              <a:rPr lang="en-US" sz="1800" b="1" dirty="0"/>
+              <a:t>": "</a:t>
+            </a:r>
+            <a:r>
+              <a:rPr lang="en-US" sz="1800" i="1" dirty="0"/>
+              <a:t>The Allied Powers, led by the United States ..</a:t>
+            </a:r>
+            <a:r>
+              <a:rPr lang="en-US" sz="1800" b="1" dirty="0"/>
+              <a:t>"</a:t>
+            </a:r>
+          </a:p>
+          <a:p>
+            <a:r>
+              <a:rPr lang="en-US" sz="1800" dirty="0"/>
+              <a:t>            }</a:t>
             </a:r>
           </a:p>
         </p:txBody>
@@ -33496,39 +32166,26 @@
                                   </p:childTnLst>
                                 </p:cTn>
                               </p:par>
+                            </p:childTnLst>
+                          </p:cTn>
+                        </p:par>
+                      </p:childTnLst>
+                    </p:cTn>
+                  </p:par>
+                  <p:par>
+                    <p:cTn id="11" fill="hold">
+                      <p:stCondLst>
+                        <p:cond delay="indefinite"/>
+                      </p:stCondLst>
+                      <p:childTnLst>
+                        <p:par>
+                          <p:cTn id="12" fill="hold">
+                            <p:stCondLst>
+                              <p:cond delay="0"/>
+                            </p:stCondLst>
+                            <p:childTnLst>
                               <p:par>
-                                <p:cTn id="11" presetID="1" presetClass="entr" presetSubtype="0" fill="hold" nodeType="withEffect">
-                                  <p:stCondLst>
-                                    <p:cond delay="0"/>
-                                  </p:stCondLst>
-                                  <p:childTnLst>
-                                    <p:set>
-                                      <p:cBhvr>
-                                        <p:cTn id="12" dur="1" fill="hold">
-                                          <p:stCondLst>
-                                            <p:cond delay="0"/>
-                                          </p:stCondLst>
-                                        </p:cTn>
-                                        <p:tgtEl>
-                                          <p:spTgt spid="2">
-                                            <p:txEl>
-                                              <p:pRg st="3" end="3"/>
-                                            </p:txEl>
-                                          </p:spTgt>
-                                        </p:tgtEl>
-                                        <p:attrNameLst>
-                                          <p:attrName>style.visibility</p:attrName>
-                                        </p:attrNameLst>
-                                      </p:cBhvr>
-                                      <p:to>
-                                        <p:strVal val="visible"/>
-                                      </p:to>
-                                    </p:set>
-                                  </p:childTnLst>
-                                </p:cTn>
-                              </p:par>
-                              <p:par>
-                                <p:cTn id="13" presetID="1" presetClass="entr" presetSubtype="0" fill="hold" nodeType="withEffect">
+                                <p:cTn id="13" presetID="1" presetClass="entr" presetSubtype="0" fill="hold" nodeType="clickEffect">
                                   <p:stCondLst>
                                     <p:cond delay="0"/>
                                   </p:stCondLst>
@@ -33543,7 +32200,7 @@
                                         <p:tgtEl>
                                           <p:spTgt spid="2">
                                             <p:txEl>
-                                              <p:pRg st="4" end="4"/>
+                                              <p:pRg st="3" end="3"/>
                                             </p:txEl>
                                           </p:spTgt>
                                         </p:tgtEl>
@@ -33574,6 +32231,37 @@
                                         <p:tgtEl>
                                           <p:spTgt spid="2">
                                             <p:txEl>
+                                              <p:pRg st="4" end="4"/>
+                                            </p:txEl>
+                                          </p:spTgt>
+                                        </p:tgtEl>
+                                        <p:attrNameLst>
+                                          <p:attrName>style.visibility</p:attrName>
+                                        </p:attrNameLst>
+                                      </p:cBhvr>
+                                      <p:to>
+                                        <p:strVal val="visible"/>
+                                      </p:to>
+                                    </p:set>
+                                  </p:childTnLst>
+                                </p:cTn>
+                              </p:par>
+                              <p:par>
+                                <p:cTn id="17" presetID="1" presetClass="entr" presetSubtype="0" fill="hold" nodeType="withEffect">
+                                  <p:stCondLst>
+                                    <p:cond delay="0"/>
+                                  </p:stCondLst>
+                                  <p:childTnLst>
+                                    <p:set>
+                                      <p:cBhvr>
+                                        <p:cTn id="18" dur="1" fill="hold">
+                                          <p:stCondLst>
+                                            <p:cond delay="0"/>
+                                          </p:stCondLst>
+                                        </p:cTn>
+                                        <p:tgtEl>
+                                          <p:spTgt spid="2">
+                                            <p:txEl>
                                               <p:pRg st="5" end="5"/>
                                             </p:txEl>
                                           </p:spTgt>
@@ -33589,26 +32277,8 @@
                                   </p:childTnLst>
                                 </p:cTn>
                               </p:par>
-                            </p:childTnLst>
-                          </p:cTn>
-                        </p:par>
-                      </p:childTnLst>
-                    </p:cTn>
-                  </p:par>
-                  <p:par>
-                    <p:cTn id="17" fill="hold">
-                      <p:stCondLst>
-                        <p:cond delay="indefinite"/>
-                      </p:stCondLst>
-                      <p:childTnLst>
-                        <p:par>
-                          <p:cTn id="18" fill="hold">
-                            <p:stCondLst>
-                              <p:cond delay="0"/>
-                            </p:stCondLst>
-                            <p:childTnLst>
                               <p:par>
-                                <p:cTn id="19" presetID="1" presetClass="entr" presetSubtype="0" fill="hold" nodeType="clickEffect">
+                                <p:cTn id="19" presetID="1" presetClass="entr" presetSubtype="0" fill="hold" nodeType="withEffect">
                                   <p:stCondLst>
                                     <p:cond delay="0"/>
                                   </p:stCondLst>
@@ -33657,7 +32327,7 @@
                             </p:stCondLst>
                             <p:childTnLst>
                               <p:par>
-                                <p:cTn id="23" presetID="1" presetClass="entr" presetSubtype="0" fill="hold" nodeType="clickEffect">
+                                <p:cTn id="23" presetID="1" presetClass="entr" presetSubtype="0" fill="hold" grpId="0" nodeType="clickEffect">
                                   <p:stCondLst>
                                     <p:cond delay="0"/>
                                   </p:stCondLst>
@@ -33670,42 +32340,7 @@
                                           </p:stCondLst>
                                         </p:cTn>
                                         <p:tgtEl>
-                                          <p:spTgt spid="2">
-                                            <p:txEl>
-                                              <p:pRg st="7" end="7"/>
-                                            </p:txEl>
-                                          </p:spTgt>
-                                        </p:tgtEl>
-                                        <p:attrNameLst>
-                                          <p:attrName>style.visibility</p:attrName>
-                                        </p:attrNameLst>
-                                      </p:cBhvr>
-                                      <p:to>
-                                        <p:strVal val="visible"/>
-                                      </p:to>
-                                    </p:set>
-                                  </p:childTnLst>
-                                </p:cTn>
-                              </p:par>
-                              <p:par>
-                                <p:cTn id="25" presetID="1" presetClass="entr" presetSubtype="0" fill="hold" nodeType="withEffect">
-                                  <p:stCondLst>
-                                    <p:cond delay="0"/>
-                                  </p:stCondLst>
-                                  <p:childTnLst>
-                                    <p:set>
-                                      <p:cBhvr>
-                                        <p:cTn id="26" dur="1" fill="hold">
-                                          <p:stCondLst>
-                                            <p:cond delay="0"/>
-                                          </p:stCondLst>
-                                        </p:cTn>
-                                        <p:tgtEl>
-                                          <p:spTgt spid="2">
-                                            <p:txEl>
-                                              <p:pRg st="8" end="8"/>
-                                            </p:txEl>
-                                          </p:spTgt>
+                                          <p:spTgt spid="5"/>
                                         </p:tgtEl>
                                         <p:attrNameLst>
                                           <p:attrName>style.visibility</p:attrName>
@@ -33745,11 +32380,158 @@
         </p:cTn>
       </p:par>
     </p:tnLst>
+    <p:bldLst>
+      <p:bldP spid="5" grpId="0"/>
+    </p:bldLst>
   </p:timing>
 </p:sld>
 </file>
 
 <file path=ppt/slides/slide7.xml><?xml version="1.0" encoding="utf-8"?>
+<p:sld xmlns:a="http://schemas.openxmlformats.org/drawingml/2006/main" xmlns:r="http://schemas.openxmlformats.org/officeDocument/2006/relationships" xmlns:p="http://schemas.openxmlformats.org/presentationml/2006/main">
+  <p:cSld>
+    <p:spTree>
+      <p:nvGrpSpPr>
+        <p:cNvPr id="1" name=""/>
+        <p:cNvGrpSpPr/>
+        <p:nvPr/>
+      </p:nvGrpSpPr>
+      <p:grpSpPr>
+        <a:xfrm>
+          <a:off x="0" y="0"/>
+          <a:ext cx="0" cy="0"/>
+          <a:chOff x="0" y="0"/>
+          <a:chExt cx="0" cy="0"/>
+        </a:xfrm>
+      </p:grpSpPr>
+      <p:sp>
+        <p:nvSpPr>
+          <p:cNvPr id="2" name="Content Placeholder 1">
+            <a:extLst>
+              <a:ext uri="{FF2B5EF4-FFF2-40B4-BE49-F238E27FC236}">
+                <a16:creationId xmlns:a16="http://schemas.microsoft.com/office/drawing/2014/main" id="{47799DC0-D4C9-B470-736B-4B6670348A70}"/>
+              </a:ext>
+            </a:extLst>
+          </p:cNvPr>
+          <p:cNvSpPr>
+            <a:spLocks noGrp="1"/>
+          </p:cNvSpPr>
+          <p:nvPr>
+            <p:ph idx="1"/>
+          </p:nvPr>
+        </p:nvSpPr>
+        <p:spPr/>
+        <p:txBody>
+          <a:bodyPr/>
+          <a:lstStyle/>
+          <a:p>
+            <a:r>
+              <a:rPr lang="en-US" dirty="0"/>
+              <a:t>temperature, </a:t>
+            </a:r>
+            <a:r>
+              <a:rPr lang="en-US" dirty="0" err="1"/>
+              <a:t>top_p</a:t>
+            </a:r>
+            <a:r>
+              <a:rPr lang="en-US" dirty="0"/>
+              <a:t>, </a:t>
+            </a:r>
+            <a:r>
+              <a:rPr lang="en-US" dirty="0" err="1"/>
+              <a:t>max_tokens</a:t>
+            </a:r>
+            <a:r>
+              <a:rPr lang="en-US" dirty="0"/>
+              <a:t> and others can control the response of </a:t>
+            </a:r>
+            <a:r>
+              <a:rPr lang="en-US" dirty="0" err="1"/>
+              <a:t>ChatGpt</a:t>
+            </a:r>
+            <a:endParaRPr lang="en-US" dirty="0"/>
+          </a:p>
+          <a:p>
+            <a:endParaRPr lang="en-US" dirty="0"/>
+          </a:p>
+          <a:p>
+            <a:r>
+              <a:rPr lang="en-US" dirty="0"/>
+              <a:t>Implement raw rest api call (swagger doc available) or use </a:t>
+            </a:r>
+            <a:r>
+              <a:rPr lang="en-US" dirty="0" err="1"/>
+              <a:t>Sdks</a:t>
+            </a:r>
+            <a:r>
+              <a:rPr lang="en-US" dirty="0"/>
+              <a:t> (MS provided and others)</a:t>
+            </a:r>
+          </a:p>
+          <a:p>
+            <a:pPr lvl="1"/>
+            <a:r>
+              <a:rPr lang="en-US" dirty="0"/>
+              <a:t>MS </a:t>
+            </a:r>
+            <a:r>
+              <a:rPr lang="en-US" dirty="0" err="1"/>
+              <a:t>Sdk</a:t>
+            </a:r>
+            <a:r>
+              <a:rPr lang="en-US" dirty="0"/>
+              <a:t> works both with open.ai and Azure open.ai</a:t>
+            </a:r>
+          </a:p>
+          <a:p>
+            <a:endParaRPr lang="en-US" dirty="0"/>
+          </a:p>
+        </p:txBody>
+      </p:sp>
+      <p:sp>
+        <p:nvSpPr>
+          <p:cNvPr id="3" name="Title 2">
+            <a:extLst>
+              <a:ext uri="{FF2B5EF4-FFF2-40B4-BE49-F238E27FC236}">
+                <a16:creationId xmlns:a16="http://schemas.microsoft.com/office/drawing/2014/main" id="{637A408B-1A99-4249-40C2-32D8D328587C}"/>
+              </a:ext>
+            </a:extLst>
+          </p:cNvPr>
+          <p:cNvSpPr>
+            <a:spLocks noGrp="1"/>
+          </p:cNvSpPr>
+          <p:nvPr>
+            <p:ph type="title"/>
+          </p:nvPr>
+        </p:nvSpPr>
+        <p:spPr/>
+        <p:txBody>
+          <a:bodyPr>
+            <a:normAutofit fontScale="90000"/>
+          </a:bodyPr>
+          <a:lstStyle/>
+          <a:p>
+            <a:r>
+              <a:rPr lang="en-US" dirty="0"/>
+              <a:t>Chat-completion api endpoint</a:t>
+            </a:r>
+          </a:p>
+        </p:txBody>
+      </p:sp>
+    </p:spTree>
+    <p:extLst>
+      <p:ext uri="{BB962C8B-B14F-4D97-AF65-F5344CB8AC3E}">
+        <p14:creationId xmlns:p14="http://schemas.microsoft.com/office/powerpoint/2010/main" val="3849731296"/>
+      </p:ext>
+    </p:extLst>
+  </p:cSld>
+  <p:clrMapOvr>
+    <a:masterClrMapping/>
+  </p:clrMapOvr>
+</p:sld>
+</file>
+
+<file path=ppt/slides/slide8.xml><?xml version="1.0" encoding="utf-8"?>
 <p:sld xmlns:a="http://schemas.openxmlformats.org/drawingml/2006/main" xmlns:r="http://schemas.openxmlformats.org/officeDocument/2006/relationships" xmlns:p="http://schemas.openxmlformats.org/presentationml/2006/main">
   <p:cSld>
     <p:spTree>
@@ -33899,246 +32681,6 @@
 </p:sld>
 </file>
 
-<file path=ppt/slides/slide8.xml><?xml version="1.0" encoding="utf-8"?>
-<p:sld xmlns:a="http://schemas.openxmlformats.org/drawingml/2006/main" xmlns:r="http://schemas.openxmlformats.org/officeDocument/2006/relationships" xmlns:p="http://schemas.openxmlformats.org/presentationml/2006/main">
-  <p:cSld>
-    <p:spTree>
-      <p:nvGrpSpPr>
-        <p:cNvPr id="1" name=""/>
-        <p:cNvGrpSpPr/>
-        <p:nvPr/>
-      </p:nvGrpSpPr>
-      <p:grpSpPr>
-        <a:xfrm>
-          <a:off x="0" y="0"/>
-          <a:ext cx="0" cy="0"/>
-          <a:chOff x="0" y="0"/>
-          <a:chExt cx="0" cy="0"/>
-        </a:xfrm>
-      </p:grpSpPr>
-      <p:sp>
-        <p:nvSpPr>
-          <p:cNvPr id="2" name="Content Placeholder 1">
-            <a:extLst>
-              <a:ext uri="{FF2B5EF4-FFF2-40B4-BE49-F238E27FC236}">
-                <a16:creationId xmlns:a16="http://schemas.microsoft.com/office/drawing/2014/main" id="{42CA62D9-E05B-4D35-5ABE-79B20FCB535D}"/>
-              </a:ext>
-            </a:extLst>
-          </p:cNvPr>
-          <p:cNvSpPr>
-            <a:spLocks noGrp="1"/>
-          </p:cNvSpPr>
-          <p:nvPr>
-            <p:ph idx="1"/>
-          </p:nvPr>
-        </p:nvSpPr>
-        <p:spPr/>
-        <p:txBody>
-          <a:bodyPr/>
-          <a:lstStyle/>
-          <a:p>
-            <a:r>
-              <a:rPr lang="en-US" dirty="0"/>
-              <a:t>Chat-completion api is stateless</a:t>
-            </a:r>
-          </a:p>
-          <a:p>
-            <a:pPr lvl="1"/>
-            <a:r>
-              <a:rPr lang="en-US" dirty="0"/>
-              <a:t>You need to provide as input the previous conversation </a:t>
-            </a:r>
-          </a:p>
-          <a:p>
-            <a:endParaRPr lang="en-US" dirty="0"/>
-          </a:p>
-        </p:txBody>
-      </p:sp>
-      <p:sp>
-        <p:nvSpPr>
-          <p:cNvPr id="3" name="Title 2">
-            <a:extLst>
-              <a:ext uri="{FF2B5EF4-FFF2-40B4-BE49-F238E27FC236}">
-                <a16:creationId xmlns:a16="http://schemas.microsoft.com/office/drawing/2014/main" id="{C9AA699F-59BA-40F9-05A2-2944FA58D64A}"/>
-              </a:ext>
-            </a:extLst>
-          </p:cNvPr>
-          <p:cNvSpPr>
-            <a:spLocks noGrp="1"/>
-          </p:cNvSpPr>
-          <p:nvPr>
-            <p:ph type="title"/>
-          </p:nvPr>
-        </p:nvSpPr>
-        <p:spPr/>
-        <p:txBody>
-          <a:bodyPr>
-            <a:normAutofit fontScale="90000"/>
-          </a:bodyPr>
-          <a:lstStyle/>
-          <a:p>
-            <a:r>
-              <a:rPr lang="en-US" dirty="0"/>
-              <a:t>Conversation history management</a:t>
-            </a:r>
-          </a:p>
-        </p:txBody>
-      </p:sp>
-      <p:sp>
-        <p:nvSpPr>
-          <p:cNvPr id="4" name="TextBox 3">
-            <a:extLst>
-              <a:ext uri="{FF2B5EF4-FFF2-40B4-BE49-F238E27FC236}">
-                <a16:creationId xmlns:a16="http://schemas.microsoft.com/office/drawing/2014/main" id="{543268EE-B455-CA3A-898E-13D799EBDFA6}"/>
-              </a:ext>
-            </a:extLst>
-          </p:cNvPr>
-          <p:cNvSpPr txBox="1"/>
-          <p:nvPr/>
-        </p:nvSpPr>
-        <p:spPr>
-          <a:xfrm>
-            <a:off x="1189664" y="2672239"/>
-            <a:ext cx="9154485" cy="3539430"/>
-          </a:xfrm>
-          <a:prstGeom prst="rect">
-            <a:avLst/>
-          </a:prstGeom>
-          <a:noFill/>
-        </p:spPr>
-        <p:txBody>
-          <a:bodyPr wrap="square" rtlCol="0">
-            <a:spAutoFit/>
-          </a:bodyPr>
-          <a:lstStyle/>
-          <a:p>
-            <a:r>
-              <a:rPr lang="en-US" sz="1400" b="1" dirty="0"/>
-              <a:t>Q1</a:t>
-            </a:r>
-            <a:r>
-              <a:rPr lang="en-US" sz="1400" dirty="0"/>
-              <a:t>: {"messages":     [</a:t>
-            </a:r>
-          </a:p>
-          <a:p>
-            <a:r>
-              <a:rPr lang="en-US" sz="1400" dirty="0"/>
-              <a:t>        {"role": "user", "content": "Who won second world war?"}</a:t>
-            </a:r>
-          </a:p>
-          <a:p>
-            <a:r>
-              <a:rPr lang="en-US" sz="1400" dirty="0"/>
-              <a:t>   ]</a:t>
-            </a:r>
-          </a:p>
-          <a:p>
-            <a:r>
-              <a:rPr lang="en-US" sz="1400" dirty="0"/>
-              <a:t>}</a:t>
-            </a:r>
-          </a:p>
-          <a:p>
-            <a:r>
-              <a:rPr lang="en-US" sz="1400" b="1" dirty="0"/>
-              <a:t>A1</a:t>
-            </a:r>
-            <a:r>
-              <a:rPr lang="en-US" sz="1400" dirty="0"/>
-              <a:t>: {"message": {</a:t>
-            </a:r>
-          </a:p>
-          <a:p>
-            <a:r>
-              <a:rPr lang="en-US" sz="1400" dirty="0"/>
-              <a:t>                "role": "assistant",</a:t>
-            </a:r>
-          </a:p>
-          <a:p>
-            <a:r>
-              <a:rPr lang="en-US" sz="1400" b="1" dirty="0"/>
-              <a:t>                "content": "The Allied Powers, led by the United States .."</a:t>
-            </a:r>
-          </a:p>
-          <a:p>
-            <a:r>
-              <a:rPr lang="en-US" sz="1400" dirty="0"/>
-              <a:t>            }</a:t>
-            </a:r>
-          </a:p>
-          <a:p>
-            <a:r>
-              <a:rPr lang="en-US" sz="1400" dirty="0"/>
-              <a:t>}</a:t>
-            </a:r>
-          </a:p>
-          <a:p>
-            <a:r>
-              <a:rPr lang="en-US" sz="1400" dirty="0"/>
-              <a:t>-----------------------------------------------</a:t>
-            </a:r>
-          </a:p>
-          <a:p>
-            <a:r>
-              <a:rPr lang="en-US" sz="1400" b="1" dirty="0"/>
-              <a:t>Q2</a:t>
-            </a:r>
-            <a:r>
-              <a:rPr lang="en-US" sz="1400" dirty="0"/>
-              <a:t>: {"messages":    [</a:t>
-            </a:r>
-          </a:p>
-          <a:p>
-            <a:r>
-              <a:rPr lang="en-US" sz="1400" dirty="0"/>
-              <a:t>      {"role": "user", "content": "Who won second world war?"},</a:t>
-            </a:r>
-          </a:p>
-          <a:p>
-            <a:r>
-              <a:rPr lang="en-US" sz="1400" b="1" dirty="0">
-                <a:solidFill>
-                  <a:srgbClr val="FF0000"/>
-                </a:solidFill>
-              </a:rPr>
-              <a:t>      { "role": "assistant", "content": "The Allied Powers, led by the United States .." },</a:t>
-            </a:r>
-          </a:p>
-          <a:p>
-            <a:r>
-              <a:rPr lang="en-US" sz="1400" dirty="0"/>
-              <a:t>      {"role": "user", "content": "and who lost it ?"}</a:t>
-            </a:r>
-          </a:p>
-          <a:p>
-            <a:r>
-              <a:rPr lang="en-US" sz="1400" dirty="0"/>
-              <a:t>   ]</a:t>
-            </a:r>
-            <a:br>
-              <a:rPr lang="en-US" sz="1400" dirty="0"/>
-            </a:br>
-            <a:r>
-              <a:rPr lang="en-US" sz="1400" dirty="0"/>
-              <a:t>}</a:t>
-            </a:r>
-          </a:p>
-        </p:txBody>
-      </p:sp>
-    </p:spTree>
-    <p:extLst>
-      <p:ext uri="{BB962C8B-B14F-4D97-AF65-F5344CB8AC3E}">
-        <p14:creationId xmlns:p14="http://schemas.microsoft.com/office/powerpoint/2010/main" val="2190368387"/>
-      </p:ext>
-    </p:extLst>
-  </p:cSld>
-  <p:clrMapOvr>
-    <a:masterClrMapping/>
-  </p:clrMapOvr>
-</p:sld>
-</file>
-
 <file path=ppt/slides/slide9.xml><?xml version="1.0" encoding="utf-8"?>
 <p:sld xmlns:a="http://schemas.openxmlformats.org/drawingml/2006/main" xmlns:r="http://schemas.openxmlformats.org/officeDocument/2006/relationships" xmlns:p="http://schemas.openxmlformats.org/presentationml/2006/main">
   <p:cSld>
@@ -34161,7 +32703,7 @@
           <p:cNvPr id="2" name="Content Placeholder 1">
             <a:extLst>
               <a:ext uri="{FF2B5EF4-FFF2-40B4-BE49-F238E27FC236}">
-                <a16:creationId xmlns:a16="http://schemas.microsoft.com/office/drawing/2014/main" id="{616A77BF-994E-77CF-1285-8F1C72ED430E}"/>
+                <a16:creationId xmlns:a16="http://schemas.microsoft.com/office/drawing/2014/main" id="{42CA62D9-E05B-4D35-5ABE-79B20FCB535D}"/>
               </a:ext>
             </a:extLst>
           </p:cNvPr>
@@ -34179,8 +32721,18 @@
           <a:p>
             <a:r>
               <a:rPr lang="en-US" dirty="0"/>
-              <a:t>Postman demo</a:t>
-            </a:r>
+              <a:t>Chat-completion api is stateless</a:t>
+            </a:r>
+          </a:p>
+          <a:p>
+            <a:pPr lvl="1"/>
+            <a:r>
+              <a:rPr lang="en-US" dirty="0"/>
+              <a:t>You need to provide as input the previous conversation </a:t>
+            </a:r>
+          </a:p>
+          <a:p>
+            <a:endParaRPr lang="en-US" dirty="0"/>
           </a:p>
         </p:txBody>
       </p:sp>
@@ -34189,7 +32741,7 @@
           <p:cNvPr id="3" name="Title 2">
             <a:extLst>
               <a:ext uri="{FF2B5EF4-FFF2-40B4-BE49-F238E27FC236}">
-                <a16:creationId xmlns:a16="http://schemas.microsoft.com/office/drawing/2014/main" id="{96BB4F2E-C356-95C7-5949-F68B1C035801}"/>
+                <a16:creationId xmlns:a16="http://schemas.microsoft.com/office/drawing/2014/main" id="{C9AA699F-59BA-40F9-05A2-2944FA58D64A}"/>
               </a:ext>
             </a:extLst>
           </p:cNvPr>
@@ -34207,14 +32759,159 @@
           </a:bodyPr>
           <a:lstStyle/>
           <a:p>
-            <a:endParaRPr lang="en-US"/>
+            <a:r>
+              <a:rPr lang="en-US" dirty="0"/>
+              <a:t>Conversation history management</a:t>
+            </a:r>
+          </a:p>
+        </p:txBody>
+      </p:sp>
+      <p:sp>
+        <p:nvSpPr>
+          <p:cNvPr id="4" name="TextBox 3">
+            <a:extLst>
+              <a:ext uri="{FF2B5EF4-FFF2-40B4-BE49-F238E27FC236}">
+                <a16:creationId xmlns:a16="http://schemas.microsoft.com/office/drawing/2014/main" id="{543268EE-B455-CA3A-898E-13D799EBDFA6}"/>
+              </a:ext>
+            </a:extLst>
+          </p:cNvPr>
+          <p:cNvSpPr txBox="1"/>
+          <p:nvPr/>
+        </p:nvSpPr>
+        <p:spPr>
+          <a:xfrm>
+            <a:off x="1189664" y="2672239"/>
+            <a:ext cx="9154485" cy="3539430"/>
+          </a:xfrm>
+          <a:prstGeom prst="rect">
+            <a:avLst/>
+          </a:prstGeom>
+          <a:noFill/>
+        </p:spPr>
+        <p:txBody>
+          <a:bodyPr wrap="square" rtlCol="0">
+            <a:spAutoFit/>
+          </a:bodyPr>
+          <a:lstStyle/>
+          <a:p>
+            <a:r>
+              <a:rPr lang="en-US" sz="1400" b="1" dirty="0"/>
+              <a:t>Q1</a:t>
+            </a:r>
+            <a:r>
+              <a:rPr lang="en-US" sz="1400" dirty="0"/>
+              <a:t>: {"messages":     [</a:t>
+            </a:r>
+          </a:p>
+          <a:p>
+            <a:r>
+              <a:rPr lang="en-US" sz="1400" dirty="0"/>
+              <a:t>        {"role": "user", "content": "Who won second world war?"}</a:t>
+            </a:r>
+          </a:p>
+          <a:p>
+            <a:r>
+              <a:rPr lang="en-US" sz="1400" dirty="0"/>
+              <a:t>   ]</a:t>
+            </a:r>
+          </a:p>
+          <a:p>
+            <a:r>
+              <a:rPr lang="en-US" sz="1400" dirty="0"/>
+              <a:t>}</a:t>
+            </a:r>
+          </a:p>
+          <a:p>
+            <a:r>
+              <a:rPr lang="en-US" sz="1400" b="1" dirty="0"/>
+              <a:t>A1</a:t>
+            </a:r>
+            <a:r>
+              <a:rPr lang="en-US" sz="1400" dirty="0"/>
+              <a:t>: {"message": {</a:t>
+            </a:r>
+          </a:p>
+          <a:p>
+            <a:r>
+              <a:rPr lang="en-US" sz="1400" dirty="0"/>
+              <a:t>                "role": "assistant",</a:t>
+            </a:r>
+          </a:p>
+          <a:p>
+            <a:r>
+              <a:rPr lang="en-US" sz="1400" b="1" dirty="0"/>
+              <a:t>                "content": "The Allied Powers, led by the United States .."</a:t>
+            </a:r>
+          </a:p>
+          <a:p>
+            <a:r>
+              <a:rPr lang="en-US" sz="1400" dirty="0"/>
+              <a:t>            }</a:t>
+            </a:r>
+          </a:p>
+          <a:p>
+            <a:r>
+              <a:rPr lang="en-US" sz="1400" dirty="0"/>
+              <a:t>}</a:t>
+            </a:r>
+          </a:p>
+          <a:p>
+            <a:r>
+              <a:rPr lang="en-US" sz="1400" dirty="0"/>
+              <a:t>-----------------------------------------------</a:t>
+            </a:r>
+          </a:p>
+          <a:p>
+            <a:r>
+              <a:rPr lang="en-US" sz="1400" b="1" dirty="0"/>
+              <a:t>Q2</a:t>
+            </a:r>
+            <a:r>
+              <a:rPr lang="en-US" sz="1400" dirty="0"/>
+              <a:t>: {"messages":    [</a:t>
+            </a:r>
+          </a:p>
+          <a:p>
+            <a:r>
+              <a:rPr lang="en-US" sz="1400" dirty="0"/>
+              <a:t>      {"role": "user", "content": "Who won second world war?"},</a:t>
+            </a:r>
+          </a:p>
+          <a:p>
+            <a:r>
+              <a:rPr lang="en-US" sz="1400" b="1" dirty="0">
+                <a:solidFill>
+                  <a:srgbClr val="FF0000"/>
+                </a:solidFill>
+              </a:rPr>
+              <a:t>      { "role": "assistant", "content": "The Allied Powers, led by the United States .." },</a:t>
+            </a:r>
+          </a:p>
+          <a:p>
+            <a:r>
+              <a:rPr lang="en-US" sz="1400" dirty="0"/>
+              <a:t>      {"role": "user", "content": "and who lost it ?"}</a:t>
+            </a:r>
+          </a:p>
+          <a:p>
+            <a:r>
+              <a:rPr lang="en-US" sz="1400" dirty="0"/>
+              <a:t>   ]</a:t>
+            </a:r>
+            <a:br>
+              <a:rPr lang="en-US" sz="1400" dirty="0"/>
+            </a:br>
+            <a:r>
+              <a:rPr lang="en-US" sz="1400" dirty="0"/>
+              <a:t>}</a:t>
+            </a:r>
           </a:p>
         </p:txBody>
       </p:sp>
     </p:spTree>
     <p:extLst>
       <p:ext uri="{BB962C8B-B14F-4D97-AF65-F5344CB8AC3E}">
-        <p14:creationId xmlns:p14="http://schemas.microsoft.com/office/powerpoint/2010/main" val="1693299563"/>
+        <p14:creationId xmlns:p14="http://schemas.microsoft.com/office/powerpoint/2010/main" val="2190368387"/>
       </p:ext>
     </p:extLst>
   </p:cSld>

--- a/sessions/room1_15_30/azure-day-ChatBot.pptx
+++ b/sessions/room1_15_30/azure-day-ChatBot.pptx
@@ -8,7 +8,7 @@
     <p:sldMasterId id="2147483684" r:id="rId4"/>
   </p:sldMasterIdLst>
   <p:handoutMasterIdLst>
-    <p:handoutMasterId r:id="rId38"/>
+    <p:handoutMasterId r:id="rId40"/>
   </p:handoutMasterIdLst>
   <p:sldIdLst>
     <p:sldId id="256" r:id="rId5"/>
@@ -17,33 +17,35 @@
     <p:sldId id="266" r:id="rId8"/>
     <p:sldId id="267" r:id="rId9"/>
     <p:sldId id="268" r:id="rId10"/>
-    <p:sldId id="314" r:id="rId11"/>
-    <p:sldId id="269" r:id="rId12"/>
-    <p:sldId id="271" r:id="rId13"/>
-    <p:sldId id="313" r:id="rId14"/>
-    <p:sldId id="272" r:id="rId15"/>
-    <p:sldId id="270" r:id="rId16"/>
-    <p:sldId id="273" r:id="rId17"/>
-    <p:sldId id="274" r:id="rId18"/>
-    <p:sldId id="275" r:id="rId19"/>
-    <p:sldId id="276" r:id="rId20"/>
-    <p:sldId id="291" r:id="rId21"/>
-    <p:sldId id="292" r:id="rId22"/>
-    <p:sldId id="257" r:id="rId23"/>
-    <p:sldId id="298" r:id="rId24"/>
-    <p:sldId id="297" r:id="rId25"/>
-    <p:sldId id="299" r:id="rId26"/>
-    <p:sldId id="300" r:id="rId27"/>
-    <p:sldId id="301" r:id="rId28"/>
-    <p:sldId id="302" r:id="rId29"/>
-    <p:sldId id="303" r:id="rId30"/>
-    <p:sldId id="304" r:id="rId31"/>
-    <p:sldId id="305" r:id="rId32"/>
-    <p:sldId id="310" r:id="rId33"/>
-    <p:sldId id="308" r:id="rId34"/>
-    <p:sldId id="261" r:id="rId35"/>
-    <p:sldId id="263" r:id="rId36"/>
-    <p:sldId id="262" r:id="rId37"/>
+    <p:sldId id="269" r:id="rId11"/>
+    <p:sldId id="271" r:id="rId12"/>
+    <p:sldId id="272" r:id="rId13"/>
+    <p:sldId id="315" r:id="rId14"/>
+    <p:sldId id="313" r:id="rId15"/>
+    <p:sldId id="316" r:id="rId16"/>
+    <p:sldId id="270" r:id="rId17"/>
+    <p:sldId id="273" r:id="rId18"/>
+    <p:sldId id="274" r:id="rId19"/>
+    <p:sldId id="275" r:id="rId20"/>
+    <p:sldId id="276" r:id="rId21"/>
+    <p:sldId id="291" r:id="rId22"/>
+    <p:sldId id="292" r:id="rId23"/>
+    <p:sldId id="257" r:id="rId24"/>
+    <p:sldId id="298" r:id="rId25"/>
+    <p:sldId id="297" r:id="rId26"/>
+    <p:sldId id="299" r:id="rId27"/>
+    <p:sldId id="300" r:id="rId28"/>
+    <p:sldId id="301" r:id="rId29"/>
+    <p:sldId id="302" r:id="rId30"/>
+    <p:sldId id="303" r:id="rId31"/>
+    <p:sldId id="304" r:id="rId32"/>
+    <p:sldId id="305" r:id="rId33"/>
+    <p:sldId id="310" r:id="rId34"/>
+    <p:sldId id="308" r:id="rId35"/>
+    <p:sldId id="314" r:id="rId36"/>
+    <p:sldId id="261" r:id="rId37"/>
+    <p:sldId id="263" r:id="rId38"/>
+    <p:sldId id="262" r:id="rId39"/>
   </p:sldIdLst>
   <p:sldSz cx="12192000" cy="6858000"/>
   <p:notesSz cx="6858000" cy="9144000"/>
@@ -1241,7 +1243,7 @@
           <a:p>
             <a:fld id="{CAA74DD2-8E53-470B-8646-02BB9552BE22}" type="datetimeFigureOut">
               <a:rPr lang="it-IT" smtClean="0"/>
-              <a:t>08/10/2023</a:t>
+              <a:t>13/10/2023</a:t>
             </a:fld>
             <a:endParaRPr lang="it-IT"/>
           </a:p>
@@ -1970,7 +1972,7 @@
           <a:p>
             <a:fld id="{A73219E7-05B6-4637-82E9-CF903832277D}" type="datetimeFigureOut">
               <a:rPr lang="en-US" smtClean="0"/>
-              <a:t>10/8/2023</a:t>
+              <a:t>10/13/2023</a:t>
             </a:fld>
             <a:endParaRPr lang="en-US"/>
           </a:p>
@@ -16868,7 +16870,7 @@
           <p:cNvPr id="2" name="Content Placeholder 1">
             <a:extLst>
               <a:ext uri="{FF2B5EF4-FFF2-40B4-BE49-F238E27FC236}">
-                <a16:creationId xmlns:a16="http://schemas.microsoft.com/office/drawing/2014/main" id="{ABCB8873-26E7-E8FF-084E-CCD195889814}"/>
+                <a16:creationId xmlns:a16="http://schemas.microsoft.com/office/drawing/2014/main" id="{A1967943-CCF2-F0B4-E77F-C1D3A140C4C0}"/>
               </a:ext>
             </a:extLst>
           </p:cNvPr>
@@ -16886,38 +16888,7 @@
           <a:p>
             <a:r>
               <a:rPr lang="en-US" dirty="0"/>
-              <a:t>Information (text document) can be provided to the </a:t>
-            </a:r>
-            <a:r>
-              <a:rPr lang="en-US" dirty="0" err="1"/>
-              <a:t>ChatGpt</a:t>
-            </a:r>
-            <a:r>
-              <a:rPr lang="en-US" dirty="0"/>
-              <a:t> along with the user question. </a:t>
-            </a:r>
-            <a:r>
-              <a:rPr lang="en-US" dirty="0" err="1"/>
-              <a:t>ChatGpt</a:t>
-            </a:r>
-            <a:r>
-              <a:rPr lang="en-US" dirty="0"/>
-              <a:t> will use them to answer user question</a:t>
-            </a:r>
-          </a:p>
-          <a:p>
-            <a:pPr lvl="1"/>
-            <a:r>
-              <a:rPr lang="en-US" dirty="0"/>
-              <a:t>To provide info </a:t>
-            </a:r>
-            <a:r>
-              <a:rPr lang="en-US" dirty="0" err="1"/>
-              <a:t>ChatGpt</a:t>
-            </a:r>
-            <a:r>
-              <a:rPr lang="en-US" dirty="0"/>
-              <a:t> is not aware about</a:t>
+              <a:t>DEMO : meet Emma</a:t>
             </a:r>
           </a:p>
         </p:txBody>
@@ -16927,7 +16898,7 @@
           <p:cNvPr id="3" name="Title 2">
             <a:extLst>
               <a:ext uri="{FF2B5EF4-FFF2-40B4-BE49-F238E27FC236}">
-                <a16:creationId xmlns:a16="http://schemas.microsoft.com/office/drawing/2014/main" id="{85A05C9E-C0FF-75DB-79F5-E298A876196E}"/>
+                <a16:creationId xmlns:a16="http://schemas.microsoft.com/office/drawing/2014/main" id="{95947B0C-28BC-55CD-B0BC-BCEBCBCB32FE}"/>
               </a:ext>
             </a:extLst>
           </p:cNvPr>
@@ -16940,83 +16911,17 @@
         </p:nvSpPr>
         <p:spPr/>
         <p:txBody>
-          <a:bodyPr>
-            <a:normAutofit fontScale="90000"/>
-          </a:bodyPr>
+          <a:bodyPr/>
           <a:lstStyle/>
           <a:p>
-            <a:r>
-              <a:rPr lang="en-US" dirty="0"/>
-              <a:t>Provide context with the question</a:t>
-            </a:r>
-          </a:p>
-        </p:txBody>
-      </p:sp>
-      <p:sp>
-        <p:nvSpPr>
-          <p:cNvPr id="5" name="TextBox 4">
-            <a:extLst>
-              <a:ext uri="{FF2B5EF4-FFF2-40B4-BE49-F238E27FC236}">
-                <a16:creationId xmlns:a16="http://schemas.microsoft.com/office/drawing/2014/main" id="{DCA778A9-46E8-AE1E-0036-39C764828573}"/>
-              </a:ext>
-            </a:extLst>
-          </p:cNvPr>
-          <p:cNvSpPr txBox="1"/>
-          <p:nvPr/>
-        </p:nvSpPr>
-        <p:spPr>
-          <a:xfrm>
-            <a:off x="821092" y="2920682"/>
-            <a:ext cx="8089641" cy="1200329"/>
-          </a:xfrm>
-          <a:prstGeom prst="rect">
-            <a:avLst/>
-          </a:prstGeom>
-          <a:noFill/>
-        </p:spPr>
-        <p:txBody>
-          <a:bodyPr wrap="square">
-            <a:spAutoFit/>
-          </a:bodyPr>
-          <a:lstStyle/>
-          <a:p>
-            <a:r>
-              <a:rPr lang="en-US" sz="1800" dirty="0"/>
-              <a:t>{"messages":     [</a:t>
-            </a:r>
-          </a:p>
-          <a:p>
-            <a:r>
-              <a:rPr lang="en-US" sz="1800" dirty="0"/>
-              <a:t>        {"role": "user", "content": "&lt;some information about </a:t>
-            </a:r>
-            <a:r>
-              <a:rPr lang="en-US" sz="1800" dirty="0" err="1"/>
-              <a:t>AzureDay</a:t>
-            </a:r>
-            <a:r>
-              <a:rPr lang="en-US" sz="1800" dirty="0"/>
-              <a:t> 2023&gt;"}</a:t>
-            </a:r>
-          </a:p>
-          <a:p>
-            <a:r>
-              <a:rPr lang="en-US" sz="1800" dirty="0"/>
-              <a:t>        {"role": "user", "content": "Where Azure Day 2023 take place?"}</a:t>
-            </a:r>
-          </a:p>
-          <a:p>
-            <a:r>
-              <a:rPr lang="en-US" sz="1800" dirty="0"/>
-              <a:t>   ]</a:t>
-            </a:r>
+            <a:endParaRPr lang="en-US"/>
           </a:p>
         </p:txBody>
       </p:sp>
     </p:spTree>
     <p:extLst>
       <p:ext uri="{BB962C8B-B14F-4D97-AF65-F5344CB8AC3E}">
-        <p14:creationId xmlns:p14="http://schemas.microsoft.com/office/powerpoint/2010/main" val="1798032649"/>
+        <p14:creationId xmlns:p14="http://schemas.microsoft.com/office/powerpoint/2010/main" val="302554702"/>
       </p:ext>
     </p:extLst>
   </p:cSld>
@@ -17045,10 +16950,99 @@
       </p:grpSpPr>
       <p:sp>
         <p:nvSpPr>
+          <p:cNvPr id="2" name="Content Placeholder 1">
+            <a:extLst>
+              <a:ext uri="{FF2B5EF4-FFF2-40B4-BE49-F238E27FC236}">
+                <a16:creationId xmlns:a16="http://schemas.microsoft.com/office/drawing/2014/main" id="{ABCB8873-26E7-E8FF-084E-CCD195889814}"/>
+              </a:ext>
+            </a:extLst>
+          </p:cNvPr>
+          <p:cNvSpPr>
+            <a:spLocks noGrp="1"/>
+          </p:cNvSpPr>
+          <p:nvPr>
+            <p:ph idx="1"/>
+          </p:nvPr>
+        </p:nvSpPr>
+        <p:spPr/>
+        <p:txBody>
+          <a:bodyPr/>
+          <a:lstStyle/>
+          <a:p>
+            <a:r>
+              <a:rPr lang="en-US" dirty="0"/>
+              <a:t>Information (text document) can be provided to the </a:t>
+            </a:r>
+            <a:r>
+              <a:rPr lang="en-US" dirty="0" err="1"/>
+              <a:t>ChatGpt</a:t>
+            </a:r>
+            <a:r>
+              <a:rPr lang="en-US" dirty="0"/>
+              <a:t> along with the user question. </a:t>
+            </a:r>
+            <a:r>
+              <a:rPr lang="en-US" dirty="0" err="1"/>
+              <a:t>ChatGpt</a:t>
+            </a:r>
+            <a:r>
+              <a:rPr lang="en-US" dirty="0"/>
+              <a:t> will use them to answer user question</a:t>
+            </a:r>
+          </a:p>
+          <a:p>
+            <a:pPr lvl="1"/>
+            <a:r>
+              <a:rPr lang="en-US" dirty="0"/>
+              <a:t>To provide info </a:t>
+            </a:r>
+            <a:r>
+              <a:rPr lang="en-US" dirty="0" err="1"/>
+              <a:t>ChatGpt</a:t>
+            </a:r>
+            <a:r>
+              <a:rPr lang="en-US" dirty="0"/>
+              <a:t> is not aware about</a:t>
+            </a:r>
+          </a:p>
+          <a:p>
+            <a:pPr lvl="1"/>
+            <a:endParaRPr lang="en-US" dirty="0"/>
+          </a:p>
+          <a:p>
+            <a:pPr lvl="1"/>
+            <a:endParaRPr lang="en-US" dirty="0"/>
+          </a:p>
+          <a:p>
+            <a:pPr lvl="1"/>
+            <a:endParaRPr lang="en-US" dirty="0"/>
+          </a:p>
+          <a:p>
+            <a:pPr lvl="1"/>
+            <a:endParaRPr lang="en-US" dirty="0"/>
+          </a:p>
+          <a:p>
+            <a:pPr lvl="1"/>
+            <a:endParaRPr lang="en-US" dirty="0"/>
+          </a:p>
+          <a:p>
+            <a:pPr lvl="1"/>
+            <a:endParaRPr lang="en-US" dirty="0"/>
+          </a:p>
+          <a:p>
+            <a:pPr marL="457200" lvl="1" indent="0">
+              <a:buNone/>
+            </a:pPr>
+            <a:endParaRPr lang="en-US" dirty="0"/>
+          </a:p>
+        </p:txBody>
+      </p:sp>
+      <p:sp>
+        <p:nvSpPr>
           <p:cNvPr id="3" name="Title 2">
             <a:extLst>
               <a:ext uri="{FF2B5EF4-FFF2-40B4-BE49-F238E27FC236}">
-                <a16:creationId xmlns:a16="http://schemas.microsoft.com/office/drawing/2014/main" id="{DD3AD5A8-6C74-3FBF-073D-0FBD29A65A38}"/>
+                <a16:creationId xmlns:a16="http://schemas.microsoft.com/office/drawing/2014/main" id="{85A05C9E-C0FF-75DB-79F5-E298A876196E}"/>
               </a:ext>
             </a:extLst>
           </p:cNvPr>
@@ -17068,166 +17062,27 @@
           <a:p>
             <a:r>
               <a:rPr lang="en-US" dirty="0"/>
-              <a:t>Chatbot Application layout</a:t>
-            </a:r>
-          </a:p>
-        </p:txBody>
-      </p:sp>
-      <p:sp>
-        <p:nvSpPr>
-          <p:cNvPr id="4" name="Rectangle 3">
-            <a:extLst>
-              <a:ext uri="{FF2B5EF4-FFF2-40B4-BE49-F238E27FC236}">
-                <a16:creationId xmlns:a16="http://schemas.microsoft.com/office/drawing/2014/main" id="{5CC477F6-CA40-B7EC-6882-DF7CC6E5FE2A}"/>
-              </a:ext>
-            </a:extLst>
-          </p:cNvPr>
-          <p:cNvSpPr/>
+              <a:t>Provide context with the question</a:t>
+            </a:r>
+          </a:p>
+        </p:txBody>
+      </p:sp>
+      <p:sp>
+        <p:nvSpPr>
+          <p:cNvPr id="5" name="TextBox 4">
+            <a:extLst>
+              <a:ext uri="{FF2B5EF4-FFF2-40B4-BE49-F238E27FC236}">
+                <a16:creationId xmlns:a16="http://schemas.microsoft.com/office/drawing/2014/main" id="{DCA778A9-46E8-AE1E-0036-39C764828573}"/>
+              </a:ext>
+            </a:extLst>
+          </p:cNvPr>
+          <p:cNvSpPr txBox="1"/>
           <p:nvPr/>
         </p:nvSpPr>
         <p:spPr>
           <a:xfrm>
-            <a:off x="763398" y="2695187"/>
-            <a:ext cx="889233" cy="2214694"/>
-          </a:xfrm>
-          <a:prstGeom prst="rect">
-            <a:avLst/>
-          </a:prstGeom>
-        </p:spPr>
-        <p:style>
-          <a:lnRef idx="2">
-            <a:schemeClr val="accent1">
-              <a:shade val="15000"/>
-            </a:schemeClr>
-          </a:lnRef>
-          <a:fillRef idx="1">
-            <a:schemeClr val="accent1"/>
-          </a:fillRef>
-          <a:effectRef idx="0">
-            <a:schemeClr val="accent1"/>
-          </a:effectRef>
-          <a:fontRef idx="minor">
-            <a:schemeClr val="lt1"/>
-          </a:fontRef>
-        </p:style>
-        <p:txBody>
-          <a:bodyPr rtlCol="0" anchor="ctr"/>
-          <a:lstStyle/>
-          <a:p>
-            <a:pPr algn="ctr"/>
-            <a:endParaRPr lang="en-US"/>
-          </a:p>
-        </p:txBody>
-      </p:sp>
-      <p:sp>
-        <p:nvSpPr>
-          <p:cNvPr id="5" name="Rectangle 4">
-            <a:extLst>
-              <a:ext uri="{FF2B5EF4-FFF2-40B4-BE49-F238E27FC236}">
-                <a16:creationId xmlns:a16="http://schemas.microsoft.com/office/drawing/2014/main" id="{43DA2B07-40D4-4605-3151-E70807F56155}"/>
-              </a:ext>
-            </a:extLst>
-          </p:cNvPr>
-          <p:cNvSpPr/>
-          <p:nvPr/>
-        </p:nvSpPr>
-        <p:spPr>
-          <a:xfrm>
-            <a:off x="1863754" y="2695187"/>
-            <a:ext cx="8161090" cy="2214694"/>
-          </a:xfrm>
-          <a:prstGeom prst="rect">
-            <a:avLst/>
-          </a:prstGeom>
-          <a:solidFill>
-            <a:schemeClr val="bg2"/>
-          </a:solidFill>
-          <a:ln>
-            <a:solidFill>
-              <a:schemeClr val="accent1">
-                <a:lumMod val="20000"/>
-                <a:lumOff val="80000"/>
-              </a:schemeClr>
-            </a:solidFill>
-          </a:ln>
-        </p:spPr>
-        <p:style>
-          <a:lnRef idx="2">
-            <a:schemeClr val="accent1">
-              <a:shade val="15000"/>
-            </a:schemeClr>
-          </a:lnRef>
-          <a:fillRef idx="1">
-            <a:schemeClr val="accent1"/>
-          </a:fillRef>
-          <a:effectRef idx="0">
-            <a:schemeClr val="accent1"/>
-          </a:effectRef>
-          <a:fontRef idx="minor">
-            <a:schemeClr val="lt1"/>
-          </a:fontRef>
-        </p:style>
-        <p:txBody>
-          <a:bodyPr rtlCol="0" anchor="ctr"/>
-          <a:lstStyle/>
-          <a:p>
-            <a:pPr algn="ctr"/>
-            <a:endParaRPr lang="en-US"/>
-          </a:p>
-        </p:txBody>
-      </p:sp>
-      <p:pic>
-        <p:nvPicPr>
-          <p:cNvPr id="6" name="Picture 5" descr="A logo of a company&#10;&#10;Description automatically generated">
-            <a:extLst>
-              <a:ext uri="{FF2B5EF4-FFF2-40B4-BE49-F238E27FC236}">
-                <a16:creationId xmlns:a16="http://schemas.microsoft.com/office/drawing/2014/main" id="{52302A97-D9B3-C527-8114-D874C8236780}"/>
-              </a:ext>
-            </a:extLst>
-          </p:cNvPr>
-          <p:cNvPicPr>
-            <a:picLocks noChangeAspect="1"/>
-          </p:cNvPicPr>
-          <p:nvPr/>
-        </p:nvPicPr>
-        <p:blipFill>
-          <a:blip r:embed="rId2">
-            <a:extLst>
-              <a:ext uri="{28A0092B-C50C-407E-A947-70E740481C1C}">
-                <a14:useLocalDpi xmlns:a14="http://schemas.microsoft.com/office/drawing/2010/main" val="0"/>
-              </a:ext>
-            </a:extLst>
-          </a:blip>
-          <a:stretch>
-            <a:fillRect/>
-          </a:stretch>
-        </p:blipFill>
-        <p:spPr>
-          <a:xfrm>
-            <a:off x="10235967" y="2884245"/>
-            <a:ext cx="1622965" cy="1622965"/>
-          </a:xfrm>
-          <a:prstGeom prst="rect">
-            <a:avLst/>
-          </a:prstGeom>
-        </p:spPr>
-      </p:pic>
-      <p:sp>
-        <p:nvSpPr>
-          <p:cNvPr id="7" name="TextBox 6">
-            <a:extLst>
-              <a:ext uri="{FF2B5EF4-FFF2-40B4-BE49-F238E27FC236}">
-                <a16:creationId xmlns:a16="http://schemas.microsoft.com/office/drawing/2014/main" id="{F1DF3A1F-FBB8-6F3B-6D76-A6E1DE0E2765}"/>
-              </a:ext>
-            </a:extLst>
-          </p:cNvPr>
-          <p:cNvSpPr txBox="1"/>
-          <p:nvPr/>
-        </p:nvSpPr>
-        <p:spPr>
-          <a:xfrm>
-            <a:off x="4028980" y="1915922"/>
-            <a:ext cx="2355004" cy="646331"/>
+            <a:off x="821092" y="2920682"/>
+            <a:ext cx="8089641" cy="1200329"/>
           </a:xfrm>
           <a:prstGeom prst="rect">
             <a:avLst/>
@@ -17235,422 +17090,40 @@
           <a:noFill/>
         </p:spPr>
         <p:txBody>
-          <a:bodyPr wrap="none" rtlCol="0">
+          <a:bodyPr wrap="square">
             <a:spAutoFit/>
           </a:bodyPr>
           <a:lstStyle/>
           <a:p>
-            <a:pPr algn="ctr"/>
-            <a:r>
-              <a:rPr lang="en-US" dirty="0"/>
-              <a:t>backend : </a:t>
-            </a:r>
-            <a:br>
-              <a:rPr lang="en-US" dirty="0"/>
-            </a:br>
-            <a:r>
-              <a:rPr lang="en-US" dirty="0" err="1"/>
-              <a:t>RestApi</a:t>
-            </a:r>
-            <a:r>
-              <a:rPr lang="en-US" dirty="0"/>
-              <a:t>/</a:t>
-            </a:r>
-            <a:r>
-              <a:rPr lang="en-US" dirty="0" err="1"/>
-              <a:t>Grpc</a:t>
-            </a:r>
-            <a:r>
-              <a:rPr lang="en-US" dirty="0"/>
-              <a:t>/</a:t>
-            </a:r>
-            <a:r>
-              <a:rPr lang="en-US" dirty="0" err="1"/>
-              <a:t>GraphQl</a:t>
-            </a:r>
-            <a:r>
-              <a:rPr lang="en-US" dirty="0"/>
-              <a:t> </a:t>
-            </a:r>
-          </a:p>
-        </p:txBody>
-      </p:sp>
-      <p:cxnSp>
-        <p:nvCxnSpPr>
-          <p:cNvPr id="8" name="Straight Arrow Connector 7">
-            <a:extLst>
-              <a:ext uri="{FF2B5EF4-FFF2-40B4-BE49-F238E27FC236}">
-                <a16:creationId xmlns:a16="http://schemas.microsoft.com/office/drawing/2014/main" id="{0B414B26-0DF2-931F-1309-6466BD26DBDF}"/>
-              </a:ext>
-            </a:extLst>
-          </p:cNvPr>
-          <p:cNvCxnSpPr>
-            <a:cxnSpLocks/>
-          </p:cNvCxnSpPr>
-          <p:nvPr/>
-        </p:nvCxnSpPr>
-        <p:spPr>
-          <a:xfrm>
-            <a:off x="2167156" y="3802534"/>
-            <a:ext cx="7706686" cy="0"/>
-          </a:xfrm>
-          <a:prstGeom prst="straightConnector1">
-            <a:avLst/>
-          </a:prstGeom>
-          <a:ln w="63500">
-            <a:tailEnd type="triangle"/>
-          </a:ln>
-        </p:spPr>
-        <p:style>
-          <a:lnRef idx="1">
-            <a:schemeClr val="accent1"/>
-          </a:lnRef>
-          <a:fillRef idx="0">
-            <a:schemeClr val="accent1"/>
-          </a:fillRef>
-          <a:effectRef idx="0">
-            <a:schemeClr val="accent1"/>
-          </a:effectRef>
-          <a:fontRef idx="minor">
-            <a:schemeClr val="tx1"/>
-          </a:fontRef>
-        </p:style>
-      </p:cxnSp>
-      <p:cxnSp>
-        <p:nvCxnSpPr>
-          <p:cNvPr id="9" name="Straight Arrow Connector 8">
-            <a:extLst>
-              <a:ext uri="{FF2B5EF4-FFF2-40B4-BE49-F238E27FC236}">
-                <a16:creationId xmlns:a16="http://schemas.microsoft.com/office/drawing/2014/main" id="{719C94CB-360A-1998-1F02-FE7CAFC23954}"/>
-              </a:ext>
-            </a:extLst>
-          </p:cNvPr>
-          <p:cNvCxnSpPr>
-            <a:cxnSpLocks/>
-          </p:cNvCxnSpPr>
-          <p:nvPr/>
-        </p:nvCxnSpPr>
-        <p:spPr>
-          <a:xfrm>
-            <a:off x="2123605" y="3954934"/>
-            <a:ext cx="7706686" cy="0"/>
-          </a:xfrm>
-          <a:prstGeom prst="straightConnector1">
-            <a:avLst/>
-          </a:prstGeom>
-          <a:ln w="63500">
-            <a:headEnd type="stealth"/>
-            <a:tailEnd type="none"/>
-          </a:ln>
-        </p:spPr>
-        <p:style>
-          <a:lnRef idx="1">
-            <a:schemeClr val="accent1"/>
-          </a:lnRef>
-          <a:fillRef idx="0">
-            <a:schemeClr val="accent1"/>
-          </a:fillRef>
-          <a:effectRef idx="0">
-            <a:schemeClr val="accent1"/>
-          </a:effectRef>
-          <a:fontRef idx="minor">
-            <a:schemeClr val="tx1"/>
-          </a:fontRef>
-        </p:style>
-      </p:cxnSp>
-      <p:sp>
-        <p:nvSpPr>
-          <p:cNvPr id="10" name="Flowchart: Connector 9">
-            <a:extLst>
-              <a:ext uri="{FF2B5EF4-FFF2-40B4-BE49-F238E27FC236}">
-                <a16:creationId xmlns:a16="http://schemas.microsoft.com/office/drawing/2014/main" id="{DF097896-0BF5-EB78-ADC7-B16D2F8DFD27}"/>
-              </a:ext>
-            </a:extLst>
-          </p:cNvPr>
-          <p:cNvSpPr/>
-          <p:nvPr/>
-        </p:nvSpPr>
-        <p:spPr>
-          <a:xfrm>
-            <a:off x="4544008" y="3569011"/>
-            <a:ext cx="662474" cy="625151"/>
-          </a:xfrm>
-          <a:prstGeom prst="flowChartConnector">
-            <a:avLst/>
-          </a:prstGeom>
-          <a:solidFill>
-            <a:schemeClr val="accent2">
-              <a:lumMod val="75000"/>
-            </a:schemeClr>
-          </a:solidFill>
-        </p:spPr>
-        <p:style>
-          <a:lnRef idx="2">
-            <a:schemeClr val="accent4">
-              <a:shade val="15000"/>
-            </a:schemeClr>
-          </a:lnRef>
-          <a:fillRef idx="1">
-            <a:schemeClr val="accent4"/>
-          </a:fillRef>
-          <a:effectRef idx="0">
-            <a:schemeClr val="accent4"/>
-          </a:effectRef>
-          <a:fontRef idx="minor">
-            <a:schemeClr val="lt1"/>
-          </a:fontRef>
-        </p:style>
-        <p:txBody>
-          <a:bodyPr rtlCol="0" anchor="ctr"/>
-          <a:lstStyle/>
-          <a:p>
-            <a:pPr algn="ctr"/>
-            <a:r>
-              <a:rPr lang="en-US" dirty="0"/>
-              <a:t>1</a:t>
-            </a:r>
-          </a:p>
-        </p:txBody>
-      </p:sp>
-      <p:sp>
-        <p:nvSpPr>
-          <p:cNvPr id="11" name="Callout: Line 10">
-            <a:extLst>
-              <a:ext uri="{FF2B5EF4-FFF2-40B4-BE49-F238E27FC236}">
-                <a16:creationId xmlns:a16="http://schemas.microsoft.com/office/drawing/2014/main" id="{A3FA5E79-9E99-5DB0-AC12-2B82A9855637}"/>
-              </a:ext>
-            </a:extLst>
-          </p:cNvPr>
-          <p:cNvSpPr/>
-          <p:nvPr/>
-        </p:nvSpPr>
-        <p:spPr>
-          <a:xfrm>
-            <a:off x="6186196" y="5404580"/>
-            <a:ext cx="2920482" cy="612648"/>
-          </a:xfrm>
-          <a:prstGeom prst="borderCallout1">
-            <a:avLst>
-              <a:gd name="adj1" fmla="val 18750"/>
-              <a:gd name="adj2" fmla="val -8333"/>
-              <a:gd name="adj3" fmla="val -189053"/>
-              <a:gd name="adj4" fmla="val -42203"/>
-            </a:avLst>
-          </a:prstGeom>
-          <a:noFill/>
-        </p:spPr>
-        <p:style>
-          <a:lnRef idx="2">
-            <a:schemeClr val="accent1">
-              <a:shade val="15000"/>
-            </a:schemeClr>
-          </a:lnRef>
-          <a:fillRef idx="1">
-            <a:schemeClr val="accent1"/>
-          </a:fillRef>
-          <a:effectRef idx="0">
-            <a:schemeClr val="accent1"/>
-          </a:effectRef>
-          <a:fontRef idx="minor">
-            <a:schemeClr val="lt1"/>
-          </a:fontRef>
-        </p:style>
-        <p:txBody>
-          <a:bodyPr rtlCol="0" anchor="ctr"/>
-          <a:lstStyle/>
-          <a:p>
-            <a:pPr algn="ctr"/>
-            <a:r>
-              <a:rPr lang="en-US" sz="1200" b="1" i="1" dirty="0">
-                <a:solidFill>
-                  <a:schemeClr val="tx1"/>
-                </a:solidFill>
-              </a:rPr>
-              <a:t>Conversation manager </a:t>
-            </a:r>
-            <a:r>
-              <a:rPr lang="en-US" sz="1200" dirty="0">
-                <a:solidFill>
-                  <a:schemeClr val="tx1"/>
-                </a:solidFill>
-              </a:rPr>
-              <a:t>middleware</a:t>
-            </a:r>
-            <a:br>
-              <a:rPr lang="en-US" sz="1200" dirty="0">
-                <a:solidFill>
-                  <a:schemeClr val="tx1"/>
-                </a:solidFill>
-              </a:rPr>
-            </a:br>
-            <a:r>
-              <a:rPr lang="en-US" sz="1200" b="1" dirty="0">
-                <a:solidFill>
-                  <a:schemeClr val="tx1"/>
-                </a:solidFill>
-              </a:rPr>
-              <a:t>In</a:t>
-            </a:r>
-            <a:r>
-              <a:rPr lang="en-US" sz="1200" dirty="0">
-                <a:solidFill>
-                  <a:schemeClr val="tx1"/>
-                </a:solidFill>
-              </a:rPr>
-              <a:t>: load conversation by conversation Id</a:t>
-            </a:r>
-            <a:br>
-              <a:rPr lang="en-US" sz="1200" dirty="0">
-                <a:solidFill>
-                  <a:schemeClr val="tx1"/>
-                </a:solidFill>
-              </a:rPr>
-            </a:br>
-            <a:r>
-              <a:rPr lang="en-US" sz="1200" b="1" dirty="0">
-                <a:solidFill>
-                  <a:schemeClr val="tx1"/>
-                </a:solidFill>
-              </a:rPr>
-              <a:t>Out</a:t>
-            </a:r>
-            <a:r>
-              <a:rPr lang="en-US" sz="1200" dirty="0">
-                <a:solidFill>
-                  <a:schemeClr val="tx1"/>
-                </a:solidFill>
-              </a:rPr>
-              <a:t>: store new conversation iteration </a:t>
-            </a:r>
-          </a:p>
-        </p:txBody>
-      </p:sp>
-      <p:sp>
-        <p:nvSpPr>
-          <p:cNvPr id="12" name="Flowchart: Magnetic Disk 11">
-            <a:extLst>
-              <a:ext uri="{FF2B5EF4-FFF2-40B4-BE49-F238E27FC236}">
-                <a16:creationId xmlns:a16="http://schemas.microsoft.com/office/drawing/2014/main" id="{CABBE674-C5AE-360B-D1D2-2DEFC47BC0F0}"/>
-              </a:ext>
-            </a:extLst>
-          </p:cNvPr>
-          <p:cNvSpPr/>
-          <p:nvPr/>
-        </p:nvSpPr>
-        <p:spPr>
-          <a:xfrm>
-            <a:off x="5181600" y="5449602"/>
-            <a:ext cx="914400" cy="612648"/>
-          </a:xfrm>
-          <a:prstGeom prst="flowChartMagneticDisk">
-            <a:avLst/>
-          </a:prstGeom>
-          <a:solidFill>
-            <a:schemeClr val="accent6">
-              <a:lumMod val="40000"/>
-              <a:lumOff val="60000"/>
-            </a:schemeClr>
-          </a:solidFill>
-        </p:spPr>
-        <p:style>
-          <a:lnRef idx="2">
-            <a:schemeClr val="accent1">
-              <a:shade val="15000"/>
-            </a:schemeClr>
-          </a:lnRef>
-          <a:fillRef idx="1">
-            <a:schemeClr val="accent1"/>
-          </a:fillRef>
-          <a:effectRef idx="0">
-            <a:schemeClr val="accent1"/>
-          </a:effectRef>
-          <a:fontRef idx="minor">
-            <a:schemeClr val="lt1"/>
-          </a:fontRef>
-        </p:style>
-        <p:txBody>
-          <a:bodyPr rtlCol="0" anchor="ctr"/>
-          <a:lstStyle/>
-          <a:p>
-            <a:pPr algn="ctr"/>
-            <a:endParaRPr lang="en-US"/>
-          </a:p>
-        </p:txBody>
-      </p:sp>
-      <p:sp>
-        <p:nvSpPr>
-          <p:cNvPr id="14" name="TextBox 13">
-            <a:extLst>
-              <a:ext uri="{FF2B5EF4-FFF2-40B4-BE49-F238E27FC236}">
-                <a16:creationId xmlns:a16="http://schemas.microsoft.com/office/drawing/2014/main" id="{4DB90EDA-2889-467D-A333-F24C6CD6898D}"/>
-              </a:ext>
-            </a:extLst>
-          </p:cNvPr>
-          <p:cNvSpPr txBox="1"/>
-          <p:nvPr/>
-        </p:nvSpPr>
-        <p:spPr>
-          <a:xfrm>
-            <a:off x="252026" y="1915922"/>
-            <a:ext cx="1842427" cy="646331"/>
-          </a:xfrm>
-          <a:prstGeom prst="rect">
-            <a:avLst/>
-          </a:prstGeom>
-          <a:noFill/>
-        </p:spPr>
-        <p:txBody>
-          <a:bodyPr wrap="none" rtlCol="0">
-            <a:spAutoFit/>
-          </a:bodyPr>
-          <a:lstStyle/>
-          <a:p>
-            <a:pPr algn="ctr"/>
-            <a:r>
-              <a:rPr lang="en-US" dirty="0"/>
-              <a:t>UI : </a:t>
-            </a:r>
-            <a:br>
-              <a:rPr lang="en-US" dirty="0"/>
-            </a:br>
-            <a:r>
-              <a:rPr lang="en-US" dirty="0"/>
-              <a:t>JS / Windows app</a:t>
-            </a:r>
-          </a:p>
-        </p:txBody>
-      </p:sp>
-      <p:sp>
-        <p:nvSpPr>
-          <p:cNvPr id="15" name="TextBox 14">
-            <a:extLst>
-              <a:ext uri="{FF2B5EF4-FFF2-40B4-BE49-F238E27FC236}">
-                <a16:creationId xmlns:a16="http://schemas.microsoft.com/office/drawing/2014/main" id="{4B56F5F7-4F07-251C-B13D-D2761DBF4D1A}"/>
-              </a:ext>
-            </a:extLst>
-          </p:cNvPr>
-          <p:cNvSpPr txBox="1"/>
-          <p:nvPr/>
-        </p:nvSpPr>
-        <p:spPr>
-          <a:xfrm>
-            <a:off x="763398" y="5638950"/>
-            <a:ext cx="958917" cy="369332"/>
-          </a:xfrm>
-          <a:prstGeom prst="rect">
-            <a:avLst/>
-          </a:prstGeom>
-          <a:noFill/>
-        </p:spPr>
-        <p:txBody>
-          <a:bodyPr wrap="none" rtlCol="0">
-            <a:spAutoFit/>
-          </a:bodyPr>
-          <a:lstStyle/>
-          <a:p>
-            <a:r>
-              <a:rPr lang="en-US" dirty="0"/>
-              <a:t>DEMO 1</a:t>
+            <a:r>
+              <a:rPr lang="en-US" sz="1800" dirty="0"/>
+              <a:t>{"messages":     [</a:t>
+            </a:r>
+          </a:p>
+          <a:p>
+            <a:r>
+              <a:rPr lang="en-US" sz="1800" dirty="0"/>
+              <a:t>        {"role": "user", "content": "&lt;some information about </a:t>
+            </a:r>
+            <a:r>
+              <a:rPr lang="en-US" sz="1800" dirty="0" err="1"/>
+              <a:t>AzureDay</a:t>
+            </a:r>
+            <a:r>
+              <a:rPr lang="en-US" sz="1800" dirty="0"/>
+              <a:t> 2023&gt;"}</a:t>
+            </a:r>
+          </a:p>
+          <a:p>
+            <a:r>
+              <a:rPr lang="en-US" sz="1800" dirty="0"/>
+              <a:t>        {"role": "user", "content": "Where Azure Day 2023 take place?"}</a:t>
+            </a:r>
+          </a:p>
+          <a:p>
+            <a:r>
+              <a:rPr lang="en-US" sz="1800" dirty="0"/>
+              <a:t>   ]</a:t>
             </a:r>
           </a:p>
         </p:txBody>
@@ -17658,7 +17131,7 @@
     </p:spTree>
     <p:extLst>
       <p:ext uri="{BB962C8B-B14F-4D97-AF65-F5344CB8AC3E}">
-        <p14:creationId xmlns:p14="http://schemas.microsoft.com/office/powerpoint/2010/main" val="953759949"/>
+        <p14:creationId xmlns:p14="http://schemas.microsoft.com/office/powerpoint/2010/main" val="1798032649"/>
       </p:ext>
     </p:extLst>
   </p:cSld>
@@ -17690,7 +17163,7 @@
           <p:cNvPr id="2" name="Content Placeholder 1">
             <a:extLst>
               <a:ext uri="{FF2B5EF4-FFF2-40B4-BE49-F238E27FC236}">
-                <a16:creationId xmlns:a16="http://schemas.microsoft.com/office/drawing/2014/main" id="{EC31C9F9-9C3E-5A9A-6909-5C31580274EF}"/>
+                <a16:creationId xmlns:a16="http://schemas.microsoft.com/office/drawing/2014/main" id="{AD893968-DE06-D5E0-3242-F38D8C95C8A5}"/>
               </a:ext>
             </a:extLst>
           </p:cNvPr>
@@ -17701,6 +17174,92 @@
             <p:ph idx="1"/>
           </p:nvPr>
         </p:nvSpPr>
+        <p:spPr/>
+        <p:txBody>
+          <a:bodyPr/>
+          <a:lstStyle/>
+          <a:p>
+            <a:r>
+              <a:rPr lang="en-US" dirty="0"/>
+              <a:t>POSTMAN DEMO</a:t>
+            </a:r>
+          </a:p>
+          <a:p>
+            <a:endParaRPr lang="en-US" dirty="0"/>
+          </a:p>
+        </p:txBody>
+      </p:sp>
+      <p:sp>
+        <p:nvSpPr>
+          <p:cNvPr id="3" name="Title 2">
+            <a:extLst>
+              <a:ext uri="{FF2B5EF4-FFF2-40B4-BE49-F238E27FC236}">
+                <a16:creationId xmlns:a16="http://schemas.microsoft.com/office/drawing/2014/main" id="{65A90DA3-41F0-ED74-A7A3-D8C1FD4F3077}"/>
+              </a:ext>
+            </a:extLst>
+          </p:cNvPr>
+          <p:cNvSpPr>
+            <a:spLocks noGrp="1"/>
+          </p:cNvSpPr>
+          <p:nvPr>
+            <p:ph type="title"/>
+          </p:nvPr>
+        </p:nvSpPr>
+        <p:spPr/>
+        <p:txBody>
+          <a:bodyPr/>
+          <a:lstStyle/>
+          <a:p>
+            <a:endParaRPr lang="en-US"/>
+          </a:p>
+        </p:txBody>
+      </p:sp>
+    </p:spTree>
+    <p:extLst>
+      <p:ext uri="{BB962C8B-B14F-4D97-AF65-F5344CB8AC3E}">
+        <p14:creationId xmlns:p14="http://schemas.microsoft.com/office/powerpoint/2010/main" val="136722660"/>
+      </p:ext>
+    </p:extLst>
+  </p:cSld>
+  <p:clrMapOvr>
+    <a:masterClrMapping/>
+  </p:clrMapOvr>
+</p:sld>
+</file>
+
+<file path=ppt/slides/slide13.xml><?xml version="1.0" encoding="utf-8"?>
+<p:sld xmlns:a="http://schemas.openxmlformats.org/drawingml/2006/main" xmlns:r="http://schemas.openxmlformats.org/officeDocument/2006/relationships" xmlns:p="http://schemas.openxmlformats.org/presentationml/2006/main">
+  <p:cSld>
+    <p:spTree>
+      <p:nvGrpSpPr>
+        <p:cNvPr id="1" name=""/>
+        <p:cNvGrpSpPr/>
+        <p:nvPr/>
+      </p:nvGrpSpPr>
+      <p:grpSpPr>
+        <a:xfrm>
+          <a:off x="0" y="0"/>
+          <a:ext cx="0" cy="0"/>
+          <a:chOff x="0" y="0"/>
+          <a:chExt cx="0" cy="0"/>
+        </a:xfrm>
+      </p:grpSpPr>
+      <p:sp>
+        <p:nvSpPr>
+          <p:cNvPr id="2" name="Content Placeholder 1">
+            <a:extLst>
+              <a:ext uri="{FF2B5EF4-FFF2-40B4-BE49-F238E27FC236}">
+                <a16:creationId xmlns:a16="http://schemas.microsoft.com/office/drawing/2014/main" id="{EC31C9F9-9C3E-5A9A-6909-5C31580274EF}"/>
+              </a:ext>
+            </a:extLst>
+          </p:cNvPr>
+          <p:cNvSpPr>
+            <a:spLocks noGrp="1"/>
+          </p:cNvSpPr>
+          <p:nvPr>
+            <p:ph idx="1"/>
+          </p:nvPr>
+        </p:nvSpPr>
         <p:spPr>
           <a:xfrm>
             <a:off x="576776" y="1314157"/>
@@ -17766,7 +17325,11 @@
             <a:pPr lvl="1"/>
             <a:r>
               <a:rPr lang="en-US" dirty="0"/>
-              <a:t>gpt-3.5-turbo-16k (0613) : 16384</a:t>
+              <a:t>gpt-3.5-turbo-16k (0613) : </a:t>
+            </a:r>
+            <a:r>
+              <a:rPr lang="en-US" b="1" dirty="0"/>
+              <a:t>16384</a:t>
             </a:r>
           </a:p>
           <a:p>
@@ -17780,7 +17343,15 @@
             <a:pPr lvl="1"/>
             <a:r>
               <a:rPr lang="en-US" dirty="0"/>
-              <a:t>gpt-4-32k (0314/0613) : 32768 </a:t>
+              <a:t>gpt-4-32k (0314/0613) : </a:t>
+            </a:r>
+            <a:r>
+              <a:rPr lang="en-US" b="1" dirty="0"/>
+              <a:t>32768</a:t>
+            </a:r>
+            <a:r>
+              <a:rPr lang="en-US" dirty="0"/>
+              <a:t> </a:t>
             </a:r>
           </a:p>
           <a:p>
@@ -18281,7 +17852,7 @@
 </p:sld>
 </file>
 
-<file path=ppt/slides/slide13.xml><?xml version="1.0" encoding="utf-8"?>
+<file path=ppt/slides/slide14.xml><?xml version="1.0" encoding="utf-8"?>
 <p:sld xmlns:a="http://schemas.openxmlformats.org/drawingml/2006/main" xmlns:r="http://schemas.openxmlformats.org/officeDocument/2006/relationships" xmlns:p="http://schemas.openxmlformats.org/presentationml/2006/main">
   <p:cSld>
     <p:spTree>
@@ -18692,137 +18263,6 @@
 </p:sld>
 </file>
 
-<file path=ppt/slides/slide14.xml><?xml version="1.0" encoding="utf-8"?>
-<p:sld xmlns:a="http://schemas.openxmlformats.org/drawingml/2006/main" xmlns:r="http://schemas.openxmlformats.org/officeDocument/2006/relationships" xmlns:p="http://schemas.openxmlformats.org/presentationml/2006/main">
-  <p:cSld>
-    <p:spTree>
-      <p:nvGrpSpPr>
-        <p:cNvPr id="1" name=""/>
-        <p:cNvGrpSpPr/>
-        <p:nvPr/>
-      </p:nvGrpSpPr>
-      <p:grpSpPr>
-        <a:xfrm>
-          <a:off x="0" y="0"/>
-          <a:ext cx="0" cy="0"/>
-          <a:chOff x="0" y="0"/>
-          <a:chExt cx="0" cy="0"/>
-        </a:xfrm>
-      </p:grpSpPr>
-      <p:sp>
-        <p:nvSpPr>
-          <p:cNvPr id="2" name="Content Placeholder 1">
-            <a:extLst>
-              <a:ext uri="{FF2B5EF4-FFF2-40B4-BE49-F238E27FC236}">
-                <a16:creationId xmlns:a16="http://schemas.microsoft.com/office/drawing/2014/main" id="{11988092-6C5B-6636-7814-1EC092712A71}"/>
-              </a:ext>
-            </a:extLst>
-          </p:cNvPr>
-          <p:cNvSpPr>
-            <a:spLocks noGrp="1"/>
-          </p:cNvSpPr>
-          <p:nvPr>
-            <p:ph idx="1"/>
-          </p:nvPr>
-        </p:nvSpPr>
-        <p:spPr/>
-        <p:txBody>
-          <a:bodyPr/>
-          <a:lstStyle/>
-          <a:p>
-            <a:r>
-              <a:rPr lang="en-US" dirty="0"/>
-              <a:t>An embedding model converts a block of text into a </a:t>
-            </a:r>
-            <a:br>
-              <a:rPr lang="en-US" dirty="0"/>
-            </a:br>
-            <a:r>
-              <a:rPr lang="en-US" dirty="0"/>
-              <a:t>vector (array) of numbers (floats) that </a:t>
-            </a:r>
-            <a:r>
-              <a:rPr lang="en-US" b="1" i="1" dirty="0"/>
-              <a:t>"captures" the context/meaning of the provided text</a:t>
-            </a:r>
-          </a:p>
-          <a:p>
-            <a:pPr lvl="1"/>
-            <a:r>
-              <a:rPr lang="en-US" i="1" dirty="0"/>
-              <a:t>text-embedding-ada-002</a:t>
-            </a:r>
-            <a:r>
-              <a:rPr lang="en-US" dirty="0"/>
-              <a:t> is currently recommended one</a:t>
-            </a:r>
-          </a:p>
-          <a:p>
-            <a:pPr lvl="1"/>
-            <a:r>
-              <a:rPr lang="en-US" i="1" dirty="0"/>
-              <a:t>text-embedding-ada-002 response </a:t>
-            </a:r>
-            <a:r>
-              <a:rPr lang="en-US" dirty="0"/>
-              <a:t>vector has 1536 elements </a:t>
-            </a:r>
-          </a:p>
-          <a:p>
-            <a:pPr lvl="1"/>
-            <a:r>
-              <a:rPr lang="en-US" dirty="0"/>
-              <a:t>Exposed as an api endpoint by open ai  / azure open ai</a:t>
-            </a:r>
-          </a:p>
-          <a:p>
-            <a:endParaRPr lang="en-US" dirty="0"/>
-          </a:p>
-        </p:txBody>
-      </p:sp>
-      <p:sp>
-        <p:nvSpPr>
-          <p:cNvPr id="3" name="Title 2">
-            <a:extLst>
-              <a:ext uri="{FF2B5EF4-FFF2-40B4-BE49-F238E27FC236}">
-                <a16:creationId xmlns:a16="http://schemas.microsoft.com/office/drawing/2014/main" id="{00C792A2-0DBB-4947-60AE-91016A446D76}"/>
-              </a:ext>
-            </a:extLst>
-          </p:cNvPr>
-          <p:cNvSpPr>
-            <a:spLocks noGrp="1"/>
-          </p:cNvSpPr>
-          <p:nvPr>
-            <p:ph type="title"/>
-          </p:nvPr>
-        </p:nvSpPr>
-        <p:spPr/>
-        <p:txBody>
-          <a:bodyPr>
-            <a:normAutofit fontScale="90000"/>
-          </a:bodyPr>
-          <a:lstStyle/>
-          <a:p>
-            <a:r>
-              <a:rPr lang="en-US" dirty="0"/>
-              <a:t>What "the hell" are embeddings ?</a:t>
-            </a:r>
-          </a:p>
-        </p:txBody>
-      </p:sp>
-    </p:spTree>
-    <p:extLst>
-      <p:ext uri="{BB962C8B-B14F-4D97-AF65-F5344CB8AC3E}">
-        <p14:creationId xmlns:p14="http://schemas.microsoft.com/office/powerpoint/2010/main" val="1430627120"/>
-      </p:ext>
-    </p:extLst>
-  </p:cSld>
-  <p:clrMapOvr>
-    <a:masterClrMapping/>
-  </p:clrMapOvr>
-</p:sld>
-</file>
-
 <file path=ppt/slides/slide15.xml><?xml version="1.0" encoding="utf-8"?>
 <p:sld xmlns:a="http://schemas.openxmlformats.org/drawingml/2006/main" xmlns:r="http://schemas.openxmlformats.org/officeDocument/2006/relationships" xmlns:p="http://schemas.openxmlformats.org/presentationml/2006/main">
   <p:cSld>
@@ -18845,7 +18285,7 @@
           <p:cNvPr id="2" name="Content Placeholder 1">
             <a:extLst>
               <a:ext uri="{FF2B5EF4-FFF2-40B4-BE49-F238E27FC236}">
-                <a16:creationId xmlns:a16="http://schemas.microsoft.com/office/drawing/2014/main" id="{2B3A9816-7DF7-7C0A-09B8-9459022C7967}"/>
+                <a16:creationId xmlns:a16="http://schemas.microsoft.com/office/drawing/2014/main" id="{11988092-6C5B-6636-7814-1EC092712A71}"/>
               </a:ext>
             </a:extLst>
           </p:cNvPr>
@@ -18863,42 +18303,77 @@
           <a:p>
             <a:r>
               <a:rPr lang="en-US" dirty="0"/>
-              <a:t>Given the corresponding two embedding vectors, </a:t>
+              <a:t>An embedding model converts a block of text into a </a:t>
             </a:r>
             <a:br>
               <a:rPr lang="en-US" dirty="0"/>
             </a:br>
             <a:r>
               <a:rPr lang="en-US" dirty="0"/>
-              <a:t>it's possible to evaluate the "similarity" between two block of texts</a:t>
+              <a:t>vector (array) of numbers (floats) that </a:t>
+            </a:r>
+            <a:r>
+              <a:rPr lang="en-US" b="1" i="1" dirty="0"/>
+              <a:t>"captures" the context/meaning of the provided text</a:t>
             </a:r>
           </a:p>
           <a:p>
             <a:pPr lvl="1"/>
             <a:r>
               <a:rPr lang="en-US" i="1" dirty="0"/>
-              <a:t>Calculate the "distance" of the corresponding two embedding vectors</a:t>
+              <a:t>text-embedding-ada-002</a:t>
+            </a:r>
+            <a:r>
+              <a:rPr lang="en-US" dirty="0"/>
+              <a:t> is currently recommended one (1536 elements )</a:t>
             </a:r>
           </a:p>
           <a:p>
             <a:pPr lvl="1"/>
             <a:r>
-              <a:rPr lang="en-US" i="1" dirty="0"/>
-              <a:t>Small distance means more similarity</a:t>
-            </a:r>
-          </a:p>
-          <a:p>
-            <a:pPr lvl="2"/>
-            <a:r>
               <a:rPr lang="en-US" dirty="0"/>
-              <a:t>Cosine similarity is currently the recommended method to calculate the distance</a:t>
-            </a:r>
-          </a:p>
-          <a:p>
-            <a:endParaRPr lang="en-US" dirty="0"/>
-          </a:p>
-          <a:p>
-            <a:endParaRPr lang="en-US" dirty="0"/>
+              <a:t>Exposed as an api endpoint by open ai  / azure open ai</a:t>
+            </a:r>
+          </a:p>
+          <a:p>
+            <a:r>
+              <a:rPr lang="en-US" dirty="0"/>
+              <a:t>Array and vector terms can be used </a:t>
+            </a:r>
+            <a:br>
+              <a:rPr lang="en-US" dirty="0"/>
+            </a:br>
+            <a:r>
+              <a:rPr lang="en-US" dirty="0"/>
+              <a:t>interchangeable in this context</a:t>
+            </a:r>
+          </a:p>
+          <a:p>
+            <a:r>
+              <a:rPr lang="en-US" dirty="0"/>
+              <a:t>Using the term vector is more intuitive </a:t>
+            </a:r>
+            <a:br>
+              <a:rPr lang="en-US" dirty="0"/>
+            </a:br>
+            <a:r>
+              <a:rPr lang="en-US" dirty="0"/>
+              <a:t>since vectors can be seen as arrows pointing </a:t>
+            </a:r>
+            <a:br>
+              <a:rPr lang="en-US" dirty="0"/>
+            </a:br>
+            <a:r>
+              <a:rPr lang="en-US" dirty="0"/>
+              <a:t>from the origin to a point </a:t>
+            </a:r>
+            <a:br>
+              <a:rPr lang="en-US" dirty="0"/>
+            </a:br>
+            <a:r>
+              <a:rPr lang="en-US" dirty="0"/>
+              <a:t>in a n dimensional space </a:t>
+            </a:r>
           </a:p>
         </p:txBody>
       </p:sp>
@@ -18907,7 +18382,7 @@
           <p:cNvPr id="3" name="Title 2">
             <a:extLst>
               <a:ext uri="{FF2B5EF4-FFF2-40B4-BE49-F238E27FC236}">
-                <a16:creationId xmlns:a16="http://schemas.microsoft.com/office/drawing/2014/main" id="{C96F4A51-9295-6119-A5E4-5DC71C17DED6}"/>
+                <a16:creationId xmlns:a16="http://schemas.microsoft.com/office/drawing/2014/main" id="{00C792A2-0DBB-4947-60AE-91016A446D76}"/>
               </a:ext>
             </a:extLst>
           </p:cNvPr>
@@ -18927,15 +18402,89 @@
           <a:p>
             <a:r>
               <a:rPr lang="en-US" dirty="0"/>
-              <a:t>Embedding "similarity"</a:t>
-            </a:r>
-          </a:p>
-        </p:txBody>
-      </p:sp>
+              <a:t>What "the hell" are embeddings ?</a:t>
+            </a:r>
+          </a:p>
+        </p:txBody>
+      </p:sp>
+      <p:pic>
+        <p:nvPicPr>
+          <p:cNvPr id="4" name="Picture 3">
+            <a:extLst>
+              <a:ext uri="{FF2B5EF4-FFF2-40B4-BE49-F238E27FC236}">
+                <a16:creationId xmlns:a16="http://schemas.microsoft.com/office/drawing/2014/main" id="{2EB602C8-84E7-2FBB-11C3-E181C50BDB7E}"/>
+              </a:ext>
+            </a:extLst>
+          </p:cNvPr>
+          <p:cNvPicPr>
+            <a:picLocks noChangeAspect="1"/>
+          </p:cNvPicPr>
+          <p:nvPr/>
+        </p:nvPicPr>
+        <p:blipFill>
+          <a:blip r:embed="rId2"/>
+          <a:stretch>
+            <a:fillRect/>
+          </a:stretch>
+        </p:blipFill>
+        <p:spPr>
+          <a:xfrm>
+            <a:off x="8105775" y="3242634"/>
+            <a:ext cx="4086225" cy="3524250"/>
+          </a:xfrm>
+          <a:prstGeom prst="rect">
+            <a:avLst/>
+          </a:prstGeom>
+        </p:spPr>
+      </p:pic>
+      <p:cxnSp>
+        <p:nvCxnSpPr>
+          <p:cNvPr id="6" name="Straight Arrow Connector 5">
+            <a:extLst>
+              <a:ext uri="{FF2B5EF4-FFF2-40B4-BE49-F238E27FC236}">
+                <a16:creationId xmlns:a16="http://schemas.microsoft.com/office/drawing/2014/main" id="{AA425C6E-EF2E-5F99-81C0-6989897322CF}"/>
+              </a:ext>
+            </a:extLst>
+          </p:cNvPr>
+          <p:cNvCxnSpPr>
+            <a:cxnSpLocks/>
+          </p:cNvCxnSpPr>
+          <p:nvPr/>
+        </p:nvCxnSpPr>
+        <p:spPr>
+          <a:xfrm flipV="1">
+            <a:off x="9532189" y="4666891"/>
+            <a:ext cx="914400" cy="690113"/>
+          </a:xfrm>
+          <a:prstGeom prst="straightConnector1">
+            <a:avLst/>
+          </a:prstGeom>
+          <a:ln w="57150">
+            <a:solidFill>
+              <a:schemeClr val="tx1"/>
+            </a:solidFill>
+            <a:tailEnd type="triangle"/>
+          </a:ln>
+        </p:spPr>
+        <p:style>
+          <a:lnRef idx="1">
+            <a:schemeClr val="accent1"/>
+          </a:lnRef>
+          <a:fillRef idx="0">
+            <a:schemeClr val="accent1"/>
+          </a:fillRef>
+          <a:effectRef idx="0">
+            <a:schemeClr val="accent1"/>
+          </a:effectRef>
+          <a:fontRef idx="minor">
+            <a:schemeClr val="tx1"/>
+          </a:fontRef>
+        </p:style>
+      </p:cxnSp>
     </p:spTree>
     <p:extLst>
       <p:ext uri="{BB962C8B-B14F-4D97-AF65-F5344CB8AC3E}">
-        <p14:creationId xmlns:p14="http://schemas.microsoft.com/office/powerpoint/2010/main" val="1613052205"/>
+        <p14:creationId xmlns:p14="http://schemas.microsoft.com/office/powerpoint/2010/main" val="1430627120"/>
       </p:ext>
     </p:extLst>
   </p:cSld>
@@ -18964,10 +18513,72 @@
       </p:grpSpPr>
       <p:sp>
         <p:nvSpPr>
+          <p:cNvPr id="2" name="Content Placeholder 1">
+            <a:extLst>
+              <a:ext uri="{FF2B5EF4-FFF2-40B4-BE49-F238E27FC236}">
+                <a16:creationId xmlns:a16="http://schemas.microsoft.com/office/drawing/2014/main" id="{2B3A9816-7DF7-7C0A-09B8-9459022C7967}"/>
+              </a:ext>
+            </a:extLst>
+          </p:cNvPr>
+          <p:cNvSpPr>
+            <a:spLocks noGrp="1"/>
+          </p:cNvSpPr>
+          <p:nvPr>
+            <p:ph idx="1"/>
+          </p:nvPr>
+        </p:nvSpPr>
+        <p:spPr/>
+        <p:txBody>
+          <a:bodyPr/>
+          <a:lstStyle/>
+          <a:p>
+            <a:r>
+              <a:rPr lang="en-US" dirty="0"/>
+              <a:t>Given the corresponding two embedding vectors, </a:t>
+            </a:r>
+            <a:br>
+              <a:rPr lang="en-US" dirty="0"/>
+            </a:br>
+            <a:r>
+              <a:rPr lang="en-US" dirty="0"/>
+              <a:t>it's possible to evaluate the "similarity" between two block of texts</a:t>
+            </a:r>
+          </a:p>
+          <a:p>
+            <a:pPr lvl="1"/>
+            <a:r>
+              <a:rPr lang="en-US" i="1" dirty="0"/>
+              <a:t>assuming the vectors have same length, the smaller the angle between them, greater is the similarity between the 2 vectors</a:t>
+            </a:r>
+          </a:p>
+          <a:p>
+            <a:pPr lvl="1"/>
+            <a:r>
+              <a:rPr lang="en-US" i="1" dirty="0"/>
+              <a:t>A general formula to calculate similarity for non normalized vectors is the cosine proximity</a:t>
+            </a:r>
+          </a:p>
+          <a:p>
+            <a:pPr lvl="2"/>
+            <a:r>
+              <a:rPr lang="en-US" i="1" dirty="0"/>
+              <a:t>But text-embedding-ada-002 vectors are normalized btw</a:t>
+            </a:r>
+          </a:p>
+          <a:p>
+            <a:endParaRPr lang="en-US" dirty="0"/>
+          </a:p>
+          <a:p>
+            <a:endParaRPr lang="en-US" dirty="0"/>
+          </a:p>
+        </p:txBody>
+      </p:sp>
+      <p:sp>
+        <p:nvSpPr>
           <p:cNvPr id="3" name="Title 2">
             <a:extLst>
               <a:ext uri="{FF2B5EF4-FFF2-40B4-BE49-F238E27FC236}">
-                <a16:creationId xmlns:a16="http://schemas.microsoft.com/office/drawing/2014/main" id="{01DCA563-1260-73FE-8FAB-8069EF2290CB}"/>
+                <a16:creationId xmlns:a16="http://schemas.microsoft.com/office/drawing/2014/main" id="{C96F4A51-9295-6119-A5E4-5DC71C17DED6}"/>
               </a:ext>
             </a:extLst>
           </p:cNvPr>
@@ -18986,12 +18597,72 @@
           <a:lstStyle/>
           <a:p>
             <a:r>
+              <a:rPr lang="en-US" dirty="0"/>
+              <a:t>Embedding "similarity"</a:t>
+            </a:r>
+          </a:p>
+        </p:txBody>
+      </p:sp>
+    </p:spTree>
+    <p:extLst>
+      <p:ext uri="{BB962C8B-B14F-4D97-AF65-F5344CB8AC3E}">
+        <p14:creationId xmlns:p14="http://schemas.microsoft.com/office/powerpoint/2010/main" val="1613052205"/>
+      </p:ext>
+    </p:extLst>
+  </p:cSld>
+  <p:clrMapOvr>
+    <a:masterClrMapping/>
+  </p:clrMapOvr>
+</p:sld>
+</file>
+
+<file path=ppt/slides/slide17.xml><?xml version="1.0" encoding="utf-8"?>
+<p:sld xmlns:a="http://schemas.openxmlformats.org/drawingml/2006/main" xmlns:r="http://schemas.openxmlformats.org/officeDocument/2006/relationships" xmlns:p="http://schemas.openxmlformats.org/presentationml/2006/main">
+  <p:cSld>
+    <p:spTree>
+      <p:nvGrpSpPr>
+        <p:cNvPr id="1" name=""/>
+        <p:cNvGrpSpPr/>
+        <p:nvPr/>
+      </p:nvGrpSpPr>
+      <p:grpSpPr>
+        <a:xfrm>
+          <a:off x="0" y="0"/>
+          <a:ext cx="0" cy="0"/>
+          <a:chOff x="0" y="0"/>
+          <a:chExt cx="0" cy="0"/>
+        </a:xfrm>
+      </p:grpSpPr>
+      <p:sp>
+        <p:nvSpPr>
+          <p:cNvPr id="3" name="Title 2">
+            <a:extLst>
+              <a:ext uri="{FF2B5EF4-FFF2-40B4-BE49-F238E27FC236}">
+                <a16:creationId xmlns:a16="http://schemas.microsoft.com/office/drawing/2014/main" id="{01DCA563-1260-73FE-8FAB-8069EF2290CB}"/>
+              </a:ext>
+            </a:extLst>
+          </p:cNvPr>
+          <p:cNvSpPr>
+            <a:spLocks noGrp="1"/>
+          </p:cNvSpPr>
+          <p:nvPr>
+            <p:ph type="title"/>
+          </p:nvPr>
+        </p:nvSpPr>
+        <p:spPr/>
+        <p:txBody>
+          <a:bodyPr>
+            <a:normAutofit fontScale="90000"/>
+          </a:bodyPr>
+          <a:lstStyle/>
+          <a:p>
+            <a:r>
               <a:rPr lang="it-IT" dirty="0"/>
               <a:t>Cosine </a:t>
             </a:r>
             <a:r>
               <a:rPr lang="it-IT" dirty="0" err="1"/>
-              <a:t>similtarity</a:t>
+              <a:t>similarity</a:t>
             </a:r>
             <a:endParaRPr lang="en-US" dirty="0"/>
           </a:p>
@@ -19082,45 +18753,6 @@
           </a:prstGeom>
         </p:spPr>
       </p:pic>
-      <p:pic>
-        <p:nvPicPr>
-          <p:cNvPr id="22" name="Graphic 21">
-            <a:extLst>
-              <a:ext uri="{FF2B5EF4-FFF2-40B4-BE49-F238E27FC236}">
-                <a16:creationId xmlns:a16="http://schemas.microsoft.com/office/drawing/2014/main" id="{D6EF39AF-6A78-2A40-CD4E-FAB0A6F8FCBC}"/>
-              </a:ext>
-            </a:extLst>
-          </p:cNvPr>
-          <p:cNvPicPr>
-            <a:picLocks noChangeAspect="1"/>
-          </p:cNvPicPr>
-          <p:nvPr/>
-        </p:nvPicPr>
-        <p:blipFill>
-          <a:blip r:embed="rId4">
-            <a:extLst>
-              <a:ext uri="{28A0092B-C50C-407E-A947-70E740481C1C}">
-                <a14:useLocalDpi xmlns:a14="http://schemas.microsoft.com/office/drawing/2010/main" val="0"/>
-              </a:ext>
-              <a:ext uri="{96DAC541-7B7A-43D3-8B79-37D633B846F1}">
-                <asvg:svgBlip xmlns:asvg="http://schemas.microsoft.com/office/drawing/2016/SVG/main" r:embed="rId5"/>
-              </a:ext>
-            </a:extLst>
-          </a:blip>
-          <a:stretch>
-            <a:fillRect/>
-          </a:stretch>
-        </p:blipFill>
-        <p:spPr>
-          <a:xfrm>
-            <a:off x="6990721" y="947123"/>
-            <a:ext cx="3939073" cy="2443684"/>
-          </a:xfrm>
-          <a:prstGeom prst="rect">
-            <a:avLst/>
-          </a:prstGeom>
-        </p:spPr>
-      </p:pic>
       <p:cxnSp>
         <p:nvCxnSpPr>
           <p:cNvPr id="23" name="Straight Connector 22">
@@ -19141,7 +18773,10 @@
           <a:prstGeom prst="line">
             <a:avLst/>
           </a:prstGeom>
-          <a:ln>
+          <a:ln w="15875">
+            <a:solidFill>
+              <a:schemeClr val="tx1"/>
+            </a:solidFill>
             <a:headEnd type="triangle" w="lg" len="med"/>
             <a:tailEnd type="none"/>
           </a:ln>
@@ -19183,7 +18818,10 @@
           <a:prstGeom prst="line">
             <a:avLst/>
           </a:prstGeom>
-          <a:ln>
+          <a:ln w="15875">
+            <a:solidFill>
+              <a:schemeClr val="tx1"/>
+            </a:solidFill>
             <a:tailEnd type="triangle"/>
           </a:ln>
         </p:spPr>
@@ -19296,7 +18934,7 @@
           <a:prstGeom prst="line">
             <a:avLst/>
           </a:prstGeom>
-          <a:ln>
+          <a:ln w="19050">
             <a:headEnd type="triangle" w="lg" len="med"/>
             <a:tailEnd type="none"/>
           </a:ln>
@@ -19338,7 +18976,7 @@
           <a:prstGeom prst="line">
             <a:avLst/>
           </a:prstGeom>
-          <a:ln>
+          <a:ln w="19050">
             <a:headEnd type="triangle" w="lg" len="med"/>
             <a:tailEnd type="none"/>
           </a:ln>
@@ -19380,7 +19018,7 @@
           <a:prstGeom prst="line">
             <a:avLst/>
           </a:prstGeom>
-          <a:ln>
+          <a:ln w="19050">
             <a:headEnd type="triangle" w="lg" len="med"/>
             <a:tailEnd type="none"/>
           </a:ln>
@@ -19597,7 +19235,7 @@
           <p:nvPr/>
         </p:nvPicPr>
         <p:blipFill>
-          <a:blip r:embed="rId6">
+          <a:blip r:embed="rId4">
             <a:extLst>
               <a:ext uri="{28A0092B-C50C-407E-A947-70E740481C1C}">
                 <a14:useLocalDpi xmlns:a14="http://schemas.microsoft.com/office/drawing/2010/main" val="0"/>
@@ -19674,12 +19312,20 @@
         </p:nvSpPr>
         <p:spPr>
           <a:xfrm>
-            <a:off x="9405256" y="4343466"/>
-            <a:ext cx="2547257" cy="1119674"/>
+            <a:off x="8928730" y="3660471"/>
+            <a:ext cx="2547257" cy="982914"/>
           </a:xfrm>
           <a:prstGeom prst="rect">
             <a:avLst/>
           </a:prstGeom>
+          <a:solidFill>
+            <a:schemeClr val="bg1"/>
+          </a:solidFill>
+          <a:ln>
+            <a:solidFill>
+              <a:schemeClr val="tx1"/>
+            </a:solidFill>
+          </a:ln>
         </p:spPr>
         <p:style>
           <a:lnRef idx="2">
@@ -19703,27 +19349,471 @@
           <a:p>
             <a:pPr algn="ctr"/>
             <a:r>
-              <a:rPr lang="en-US" dirty="0"/>
+              <a:rPr lang="en-US" dirty="0">
+                <a:solidFill>
+                  <a:schemeClr val="tx1"/>
+                </a:solidFill>
+              </a:rPr>
               <a:t>A[0]*B[0] + A[1]*B[1] </a:t>
             </a:r>
             <a:br>
-              <a:rPr lang="en-US" dirty="0"/>
+              <a:rPr lang="en-US" dirty="0">
+                <a:solidFill>
+                  <a:schemeClr val="tx1"/>
+                </a:solidFill>
+              </a:rPr>
             </a:br>
             <a:r>
-              <a:rPr lang="en-US" dirty="0"/>
+              <a:rPr lang="en-US" dirty="0">
+                <a:solidFill>
+                  <a:schemeClr val="tx1"/>
+                </a:solidFill>
+              </a:rPr>
               <a:t>+ A[2]*B[3] + A[4]*B[4] </a:t>
             </a:r>
           </a:p>
           <a:p>
             <a:pPr algn="ctr"/>
             <a:r>
-              <a:rPr lang="en-US" dirty="0"/>
-              <a:t>+  .. Up to 1535 </a:t>
-            </a:r>
-            <a:br>
-              <a:rPr lang="en-US" dirty="0"/>
-            </a:br>
+              <a:rPr lang="en-US" dirty="0">
+                <a:solidFill>
+                  <a:schemeClr val="tx1"/>
+                </a:solidFill>
+              </a:rPr>
+              <a:t>+  .. Up to 1535</a:t>
+            </a:r>
+          </a:p>
+        </p:txBody>
+      </p:sp>
+      <p:sp>
+        <p:nvSpPr>
+          <p:cNvPr id="7" name="Arc 6">
+            <a:extLst>
+              <a:ext uri="{FF2B5EF4-FFF2-40B4-BE49-F238E27FC236}">
+                <a16:creationId xmlns:a16="http://schemas.microsoft.com/office/drawing/2014/main" id="{5CF0D79C-1534-2CBA-AAC7-404A78B6BD60}"/>
+              </a:ext>
+            </a:extLst>
+          </p:cNvPr>
+          <p:cNvSpPr/>
+          <p:nvPr/>
+        </p:nvSpPr>
+        <p:spPr>
+          <a:xfrm>
+            <a:off x="3307933" y="2681121"/>
+            <a:ext cx="478275" cy="469092"/>
+          </a:xfrm>
+          <a:prstGeom prst="arc">
+            <a:avLst/>
+          </a:prstGeom>
+          <a:ln w="34925">
+            <a:solidFill>
+              <a:schemeClr val="tx1"/>
+            </a:solidFill>
+          </a:ln>
+        </p:spPr>
+        <p:style>
+          <a:lnRef idx="1">
+            <a:schemeClr val="accent1"/>
+          </a:lnRef>
+          <a:fillRef idx="0">
+            <a:schemeClr val="accent1"/>
+          </a:fillRef>
+          <a:effectRef idx="0">
+            <a:schemeClr val="accent1"/>
+          </a:effectRef>
+          <a:fontRef idx="minor">
+            <a:schemeClr val="tx1"/>
+          </a:fontRef>
+        </p:style>
+        <p:txBody>
+          <a:bodyPr rtlCol="0" anchor="ctr"/>
+          <a:lstStyle/>
+          <a:p>
+            <a:pPr algn="ctr"/>
             <a:endParaRPr lang="en-US" dirty="0"/>
+          </a:p>
+        </p:txBody>
+      </p:sp>
+      <p:sp>
+        <p:nvSpPr>
+          <p:cNvPr id="8" name="Arc 7">
+            <a:extLst>
+              <a:ext uri="{FF2B5EF4-FFF2-40B4-BE49-F238E27FC236}">
+                <a16:creationId xmlns:a16="http://schemas.microsoft.com/office/drawing/2014/main" id="{6017D7E6-9F73-C422-4246-46913758D4BE}"/>
+              </a:ext>
+            </a:extLst>
+          </p:cNvPr>
+          <p:cNvSpPr/>
+          <p:nvPr/>
+        </p:nvSpPr>
+        <p:spPr>
+          <a:xfrm>
+            <a:off x="3355343" y="2618896"/>
+            <a:ext cx="478275" cy="469092"/>
+          </a:xfrm>
+          <a:prstGeom prst="arc">
+            <a:avLst/>
+          </a:prstGeom>
+          <a:ln w="34925">
+            <a:solidFill>
+              <a:schemeClr val="tx1"/>
+            </a:solidFill>
+          </a:ln>
+        </p:spPr>
+        <p:style>
+          <a:lnRef idx="1">
+            <a:schemeClr val="accent1"/>
+          </a:lnRef>
+          <a:fillRef idx="0">
+            <a:schemeClr val="accent1"/>
+          </a:fillRef>
+          <a:effectRef idx="0">
+            <a:schemeClr val="accent1"/>
+          </a:effectRef>
+          <a:fontRef idx="minor">
+            <a:schemeClr val="tx1"/>
+          </a:fontRef>
+        </p:style>
+        <p:txBody>
+          <a:bodyPr rtlCol="0" anchor="ctr"/>
+          <a:lstStyle/>
+          <a:p>
+            <a:pPr algn="ctr"/>
+            <a:endParaRPr lang="en-US" dirty="0"/>
+          </a:p>
+        </p:txBody>
+      </p:sp>
+      <p:sp>
+        <p:nvSpPr>
+          <p:cNvPr id="9" name="Callout: Bent Line with Border and Accent Bar 8">
+            <a:extLst>
+              <a:ext uri="{FF2B5EF4-FFF2-40B4-BE49-F238E27FC236}">
+                <a16:creationId xmlns:a16="http://schemas.microsoft.com/office/drawing/2014/main" id="{81EAFAA9-F190-A068-535A-FA829354AF87}"/>
+              </a:ext>
+            </a:extLst>
+          </p:cNvPr>
+          <p:cNvSpPr/>
+          <p:nvPr/>
+        </p:nvSpPr>
+        <p:spPr>
+          <a:xfrm>
+            <a:off x="7932420" y="6092190"/>
+            <a:ext cx="1120140" cy="612648"/>
+          </a:xfrm>
+          <a:prstGeom prst="accentBorderCallout2">
+            <a:avLst>
+              <a:gd name="adj1" fmla="val 18750"/>
+              <a:gd name="adj2" fmla="val -8333"/>
+              <a:gd name="adj3" fmla="val 18750"/>
+              <a:gd name="adj4" fmla="val -16667"/>
+              <a:gd name="adj5" fmla="val -68470"/>
+              <a:gd name="adj6" fmla="val -44167"/>
+            </a:avLst>
+          </a:prstGeom>
+          <a:solidFill>
+            <a:schemeClr val="bg1"/>
+          </a:solidFill>
+          <a:ln>
+            <a:solidFill>
+              <a:schemeClr val="tx1"/>
+            </a:solidFill>
+          </a:ln>
+        </p:spPr>
+        <p:style>
+          <a:lnRef idx="2">
+            <a:schemeClr val="accent1">
+              <a:shade val="15000"/>
+            </a:schemeClr>
+          </a:lnRef>
+          <a:fillRef idx="1">
+            <a:schemeClr val="accent1"/>
+          </a:fillRef>
+          <a:effectRef idx="0">
+            <a:schemeClr val="accent1"/>
+          </a:effectRef>
+          <a:fontRef idx="minor">
+            <a:schemeClr val="lt1"/>
+          </a:fontRef>
+        </p:style>
+        <p:txBody>
+          <a:bodyPr rtlCol="0" anchor="ctr"/>
+          <a:lstStyle/>
+          <a:p>
+            <a:pPr algn="ctr"/>
+            <a:r>
+              <a:rPr lang="en-US" dirty="0">
+                <a:solidFill>
+                  <a:schemeClr val="tx1"/>
+                </a:solidFill>
+              </a:rPr>
+              <a:t>length of </a:t>
+            </a:r>
+            <a:r>
+              <a:rPr lang="en-US" sz="1400" dirty="0">
+                <a:solidFill>
+                  <a:schemeClr val="tx1"/>
+                </a:solidFill>
+              </a:rPr>
+              <a:t>vector</a:t>
+            </a:r>
+            <a:r>
+              <a:rPr lang="en-US" dirty="0">
+                <a:solidFill>
+                  <a:schemeClr val="tx1"/>
+                </a:solidFill>
+              </a:rPr>
+              <a:t> A</a:t>
+            </a:r>
+          </a:p>
+        </p:txBody>
+      </p:sp>
+      <p:sp>
+        <p:nvSpPr>
+          <p:cNvPr id="10" name="Callout: Bent Line with Border and Accent Bar 9">
+            <a:extLst>
+              <a:ext uri="{FF2B5EF4-FFF2-40B4-BE49-F238E27FC236}">
+                <a16:creationId xmlns:a16="http://schemas.microsoft.com/office/drawing/2014/main" id="{C17C0617-14CD-2EAC-6346-550B4F3DCD76}"/>
+              </a:ext>
+            </a:extLst>
+          </p:cNvPr>
+          <p:cNvSpPr/>
+          <p:nvPr/>
+        </p:nvSpPr>
+        <p:spPr>
+          <a:xfrm>
+            <a:off x="9405256" y="6036878"/>
+            <a:ext cx="1120140" cy="612648"/>
+          </a:xfrm>
+          <a:prstGeom prst="accentBorderCallout2">
+            <a:avLst>
+              <a:gd name="adj1" fmla="val 18750"/>
+              <a:gd name="adj2" fmla="val -8333"/>
+              <a:gd name="adj3" fmla="val 18750"/>
+              <a:gd name="adj4" fmla="val -16667"/>
+              <a:gd name="adj5" fmla="val -68470"/>
+              <a:gd name="adj6" fmla="val -44167"/>
+            </a:avLst>
+          </a:prstGeom>
+          <a:solidFill>
+            <a:schemeClr val="bg1"/>
+          </a:solidFill>
+          <a:ln>
+            <a:solidFill>
+              <a:schemeClr val="tx1"/>
+            </a:solidFill>
+          </a:ln>
+        </p:spPr>
+        <p:style>
+          <a:lnRef idx="2">
+            <a:schemeClr val="accent1">
+              <a:shade val="15000"/>
+            </a:schemeClr>
+          </a:lnRef>
+          <a:fillRef idx="1">
+            <a:schemeClr val="accent1"/>
+          </a:fillRef>
+          <a:effectRef idx="0">
+            <a:schemeClr val="accent1"/>
+          </a:effectRef>
+          <a:fontRef idx="minor">
+            <a:schemeClr val="lt1"/>
+          </a:fontRef>
+        </p:style>
+        <p:txBody>
+          <a:bodyPr rtlCol="0" anchor="ctr"/>
+          <a:lstStyle/>
+          <a:p>
+            <a:pPr algn="ctr"/>
+            <a:r>
+              <a:rPr lang="en-US" dirty="0">
+                <a:solidFill>
+                  <a:schemeClr val="tx1"/>
+                </a:solidFill>
+              </a:rPr>
+              <a:t>length of </a:t>
+            </a:r>
+            <a:r>
+              <a:rPr lang="en-US" sz="1400" dirty="0">
+                <a:solidFill>
+                  <a:schemeClr val="tx1"/>
+                </a:solidFill>
+              </a:rPr>
+              <a:t>vector</a:t>
+            </a:r>
+            <a:r>
+              <a:rPr lang="en-US" dirty="0">
+                <a:solidFill>
+                  <a:schemeClr val="tx1"/>
+                </a:solidFill>
+              </a:rPr>
+              <a:t> B</a:t>
+            </a:r>
+          </a:p>
+        </p:txBody>
+      </p:sp>
+      <p:sp>
+        <p:nvSpPr>
+          <p:cNvPr id="11" name="Callout: Bent Line with Border and Accent Bar 10">
+            <a:extLst>
+              <a:ext uri="{FF2B5EF4-FFF2-40B4-BE49-F238E27FC236}">
+                <a16:creationId xmlns:a16="http://schemas.microsoft.com/office/drawing/2014/main" id="{12FDD776-FA93-CDCA-E0BE-A13ED4496EB5}"/>
+              </a:ext>
+            </a:extLst>
+          </p:cNvPr>
+          <p:cNvSpPr/>
+          <p:nvPr/>
+        </p:nvSpPr>
+        <p:spPr>
+          <a:xfrm>
+            <a:off x="534904" y="1990003"/>
+            <a:ext cx="1779232" cy="1160207"/>
+          </a:xfrm>
+          <a:prstGeom prst="accentBorderCallout2">
+            <a:avLst>
+              <a:gd name="adj1" fmla="val 56064"/>
+              <a:gd name="adj2" fmla="val 109014"/>
+              <a:gd name="adj3" fmla="val 41138"/>
+              <a:gd name="adj4" fmla="val 123129"/>
+              <a:gd name="adj5" fmla="val 57749"/>
+              <a:gd name="adj6" fmla="val 176094"/>
+            </a:avLst>
+          </a:prstGeom>
+          <a:solidFill>
+            <a:schemeClr val="bg1"/>
+          </a:solidFill>
+          <a:ln>
+            <a:solidFill>
+              <a:schemeClr val="tx1"/>
+            </a:solidFill>
+          </a:ln>
+        </p:spPr>
+        <p:style>
+          <a:lnRef idx="2">
+            <a:schemeClr val="accent1">
+              <a:shade val="15000"/>
+            </a:schemeClr>
+          </a:lnRef>
+          <a:fillRef idx="1">
+            <a:schemeClr val="accent1"/>
+          </a:fillRef>
+          <a:effectRef idx="0">
+            <a:schemeClr val="accent1"/>
+          </a:effectRef>
+          <a:fontRef idx="minor">
+            <a:schemeClr val="lt1"/>
+          </a:fontRef>
+        </p:style>
+        <p:txBody>
+          <a:bodyPr rtlCol="0" anchor="ctr"/>
+          <a:lstStyle/>
+          <a:p>
+            <a:pPr algn="ctr"/>
+            <a:r>
+              <a:rPr lang="en-US" sz="1600" dirty="0">
+                <a:solidFill>
+                  <a:schemeClr val="tx1"/>
+                </a:solidFill>
+              </a:rPr>
+              <a:t>Smaller is the angle, more similar are the two corresponding texts</a:t>
+            </a:r>
+          </a:p>
+        </p:txBody>
+      </p:sp>
+      <p:pic>
+        <p:nvPicPr>
+          <p:cNvPr id="5" name="Picture 4">
+            <a:extLst>
+              <a:ext uri="{FF2B5EF4-FFF2-40B4-BE49-F238E27FC236}">
+                <a16:creationId xmlns:a16="http://schemas.microsoft.com/office/drawing/2014/main" id="{2B1F7CE4-1182-181F-6A6B-94CA143EC2E0}"/>
+              </a:ext>
+            </a:extLst>
+          </p:cNvPr>
+          <p:cNvPicPr>
+            <a:picLocks noChangeAspect="1"/>
+          </p:cNvPicPr>
+          <p:nvPr/>
+        </p:nvPicPr>
+        <p:blipFill>
+          <a:blip r:embed="rId5"/>
+          <a:stretch>
+            <a:fillRect/>
+          </a:stretch>
+        </p:blipFill>
+        <p:spPr>
+          <a:xfrm>
+            <a:off x="7792305" y="1150159"/>
+            <a:ext cx="2705100" cy="2447925"/>
+          </a:xfrm>
+          <a:prstGeom prst="rect">
+            <a:avLst/>
+          </a:prstGeom>
+        </p:spPr>
+      </p:pic>
+      <p:sp>
+        <p:nvSpPr>
+          <p:cNvPr id="6" name="Callout: Bent Line with Border and Accent Bar 5">
+            <a:extLst>
+              <a:ext uri="{FF2B5EF4-FFF2-40B4-BE49-F238E27FC236}">
+                <a16:creationId xmlns:a16="http://schemas.microsoft.com/office/drawing/2014/main" id="{B68359D4-EAD5-474E-96B3-F3CDC4D827E9}"/>
+              </a:ext>
+            </a:extLst>
+          </p:cNvPr>
+          <p:cNvSpPr/>
+          <p:nvPr/>
+        </p:nvSpPr>
+        <p:spPr>
+          <a:xfrm>
+            <a:off x="5924107" y="1584643"/>
+            <a:ext cx="1779232" cy="1160207"/>
+          </a:xfrm>
+          <a:prstGeom prst="accentBorderCallout2">
+            <a:avLst>
+              <a:gd name="adj1" fmla="val 56064"/>
+              <a:gd name="adj2" fmla="val 109014"/>
+              <a:gd name="adj3" fmla="val 41138"/>
+              <a:gd name="adj4" fmla="val 123129"/>
+              <a:gd name="adj5" fmla="val 81840"/>
+              <a:gd name="adj6" fmla="val 186835"/>
+            </a:avLst>
+          </a:prstGeom>
+          <a:solidFill>
+            <a:schemeClr val="bg1"/>
+          </a:solidFill>
+          <a:ln>
+            <a:solidFill>
+              <a:schemeClr val="tx1"/>
+            </a:solidFill>
+          </a:ln>
+        </p:spPr>
+        <p:style>
+          <a:lnRef idx="2">
+            <a:schemeClr val="accent1">
+              <a:shade val="15000"/>
+            </a:schemeClr>
+          </a:lnRef>
+          <a:fillRef idx="1">
+            <a:schemeClr val="accent1"/>
+          </a:fillRef>
+          <a:effectRef idx="0">
+            <a:schemeClr val="accent1"/>
+          </a:effectRef>
+          <a:fontRef idx="minor">
+            <a:schemeClr val="lt1"/>
+          </a:fontRef>
+        </p:style>
+        <p:txBody>
+          <a:bodyPr rtlCol="0" anchor="ctr"/>
+          <a:lstStyle/>
+          <a:p>
+            <a:pPr algn="ctr"/>
+            <a:r>
+              <a:rPr lang="en-US" sz="1600" dirty="0">
+                <a:solidFill>
+                  <a:schemeClr val="tx1"/>
+                </a:solidFill>
+              </a:rPr>
+              <a:t>Smaller is the angle, greater is the cosine</a:t>
+            </a:r>
           </a:p>
         </p:txBody>
       </p:sp>
@@ -19758,7 +19848,7 @@
                             </p:stCondLst>
                             <p:childTnLst>
                               <p:par>
-                                <p:cTn id="5" presetID="2" presetClass="entr" presetSubtype="4" fill="hold" grpId="0" nodeType="clickEffect">
+                                <p:cTn id="5" presetID="1" presetClass="entr" presetSubtype="0" fill="hold" grpId="0" nodeType="clickEffect">
                                   <p:stCondLst>
                                     <p:cond delay="0"/>
                                   </p:stCondLst>
@@ -19766,6 +19856,78 @@
                                     <p:set>
                                       <p:cBhvr>
                                         <p:cTn id="6" dur="1" fill="hold">
+                                          <p:stCondLst>
+                                            <p:cond delay="0"/>
+                                          </p:stCondLst>
+                                        </p:cTn>
+                                        <p:tgtEl>
+                                          <p:spTgt spid="6"/>
+                                        </p:tgtEl>
+                                        <p:attrNameLst>
+                                          <p:attrName>style.visibility</p:attrName>
+                                        </p:attrNameLst>
+                                      </p:cBhvr>
+                                      <p:to>
+                                        <p:strVal val="visible"/>
+                                      </p:to>
+                                    </p:set>
+                                  </p:childTnLst>
+                                </p:cTn>
+                              </p:par>
+                              <p:par>
+                                <p:cTn id="7" presetID="1" presetClass="entr" presetSubtype="0" fill="hold" nodeType="withEffect">
+                                  <p:stCondLst>
+                                    <p:cond delay="0"/>
+                                  </p:stCondLst>
+                                  <p:childTnLst>
+                                    <p:set>
+                                      <p:cBhvr>
+                                        <p:cTn id="8" dur="1" fill="hold">
+                                          <p:stCondLst>
+                                            <p:cond delay="0"/>
+                                          </p:stCondLst>
+                                        </p:cTn>
+                                        <p:tgtEl>
+                                          <p:spTgt spid="5"/>
+                                        </p:tgtEl>
+                                        <p:attrNameLst>
+                                          <p:attrName>style.visibility</p:attrName>
+                                        </p:attrNameLst>
+                                      </p:cBhvr>
+                                      <p:to>
+                                        <p:strVal val="visible"/>
+                                      </p:to>
+                                    </p:set>
+                                  </p:childTnLst>
+                                </p:cTn>
+                              </p:par>
+                            </p:childTnLst>
+                          </p:cTn>
+                        </p:par>
+                      </p:childTnLst>
+                    </p:cTn>
+                  </p:par>
+                  <p:par>
+                    <p:cTn id="9" fill="hold">
+                      <p:stCondLst>
+                        <p:cond delay="indefinite"/>
+                      </p:stCondLst>
+                      <p:childTnLst>
+                        <p:par>
+                          <p:cTn id="10" fill="hold">
+                            <p:stCondLst>
+                              <p:cond delay="0"/>
+                            </p:stCondLst>
+                            <p:childTnLst>
+                              <p:par>
+                                <p:cTn id="11" presetID="2" presetClass="entr" presetSubtype="4" fill="hold" grpId="0" nodeType="clickEffect">
+                                  <p:stCondLst>
+                                    <p:cond delay="0"/>
+                                  </p:stCondLst>
+                                  <p:childTnLst>
+                                    <p:set>
+                                      <p:cBhvr>
+                                        <p:cTn id="12" dur="1" fill="hold">
                                           <p:stCondLst>
                                             <p:cond delay="0"/>
                                           </p:stCondLst>
@@ -19783,7 +19945,7 @@
                                     </p:set>
                                     <p:anim calcmode="lin" valueType="num">
                                       <p:cBhvr additive="base">
-                                        <p:cTn id="7" dur="500" fill="hold"/>
+                                        <p:cTn id="13" dur="500" fill="hold"/>
                                         <p:tgtEl>
                                           <p:spTgt spid="2"/>
                                         </p:tgtEl>
@@ -19806,9 +19968,520 @@
                                     </p:anim>
                                     <p:anim calcmode="lin" valueType="num">
                                       <p:cBhvr additive="base">
-                                        <p:cTn id="8" dur="500" fill="hold"/>
+                                        <p:cTn id="14" dur="500" fill="hold"/>
                                         <p:tgtEl>
                                           <p:spTgt spid="2"/>
+                                        </p:tgtEl>
+                                        <p:attrNameLst>
+                                          <p:attrName>ppt_y</p:attrName>
+                                        </p:attrNameLst>
+                                      </p:cBhvr>
+                                      <p:tavLst>
+                                        <p:tav tm="0">
+                                          <p:val>
+                                            <p:strVal val="1+#ppt_h/2"/>
+                                          </p:val>
+                                        </p:tav>
+                                        <p:tav tm="100000">
+                                          <p:val>
+                                            <p:strVal val="#ppt_y"/>
+                                          </p:val>
+                                        </p:tav>
+                                      </p:tavLst>
+                                    </p:anim>
+                                  </p:childTnLst>
+                                </p:cTn>
+                              </p:par>
+                              <p:par>
+                                <p:cTn id="15" presetID="2" presetClass="entr" presetSubtype="4" fill="hold" grpId="0" nodeType="withEffect">
+                                  <p:stCondLst>
+                                    <p:cond delay="0"/>
+                                  </p:stCondLst>
+                                  <p:childTnLst>
+                                    <p:set>
+                                      <p:cBhvr>
+                                        <p:cTn id="16" dur="1" fill="hold">
+                                          <p:stCondLst>
+                                            <p:cond delay="0"/>
+                                          </p:stCondLst>
+                                        </p:cTn>
+                                        <p:tgtEl>
+                                          <p:spTgt spid="20"/>
+                                        </p:tgtEl>
+                                        <p:attrNameLst>
+                                          <p:attrName>style.visibility</p:attrName>
+                                        </p:attrNameLst>
+                                      </p:cBhvr>
+                                      <p:to>
+                                        <p:strVal val="visible"/>
+                                      </p:to>
+                                    </p:set>
+                                    <p:anim calcmode="lin" valueType="num">
+                                      <p:cBhvr additive="base">
+                                        <p:cTn id="17" dur="500" fill="hold"/>
+                                        <p:tgtEl>
+                                          <p:spTgt spid="20"/>
+                                        </p:tgtEl>
+                                        <p:attrNameLst>
+                                          <p:attrName>ppt_x</p:attrName>
+                                        </p:attrNameLst>
+                                      </p:cBhvr>
+                                      <p:tavLst>
+                                        <p:tav tm="0">
+                                          <p:val>
+                                            <p:strVal val="#ppt_x"/>
+                                          </p:val>
+                                        </p:tav>
+                                        <p:tav tm="100000">
+                                          <p:val>
+                                            <p:strVal val="#ppt_x"/>
+                                          </p:val>
+                                        </p:tav>
+                                      </p:tavLst>
+                                    </p:anim>
+                                    <p:anim calcmode="lin" valueType="num">
+                                      <p:cBhvr additive="base">
+                                        <p:cTn id="18" dur="500" fill="hold"/>
+                                        <p:tgtEl>
+                                          <p:spTgt spid="20"/>
+                                        </p:tgtEl>
+                                        <p:attrNameLst>
+                                          <p:attrName>ppt_y</p:attrName>
+                                        </p:attrNameLst>
+                                      </p:cBhvr>
+                                      <p:tavLst>
+                                        <p:tav tm="0">
+                                          <p:val>
+                                            <p:strVal val="1+#ppt_h/2"/>
+                                          </p:val>
+                                        </p:tav>
+                                        <p:tav tm="100000">
+                                          <p:val>
+                                            <p:strVal val="#ppt_y"/>
+                                          </p:val>
+                                        </p:tav>
+                                      </p:tavLst>
+                                    </p:anim>
+                                  </p:childTnLst>
+                                </p:cTn>
+                              </p:par>
+                              <p:par>
+                                <p:cTn id="19" presetID="2" presetClass="entr" presetSubtype="4" fill="hold" grpId="0" nodeType="withEffect">
+                                  <p:stCondLst>
+                                    <p:cond delay="0"/>
+                                  </p:stCondLst>
+                                  <p:childTnLst>
+                                    <p:set>
+                                      <p:cBhvr>
+                                        <p:cTn id="20" dur="1" fill="hold">
+                                          <p:stCondLst>
+                                            <p:cond delay="0"/>
+                                          </p:stCondLst>
+                                        </p:cTn>
+                                        <p:tgtEl>
+                                          <p:spTgt spid="33"/>
+                                        </p:tgtEl>
+                                        <p:attrNameLst>
+                                          <p:attrName>style.visibility</p:attrName>
+                                        </p:attrNameLst>
+                                      </p:cBhvr>
+                                      <p:to>
+                                        <p:strVal val="visible"/>
+                                      </p:to>
+                                    </p:set>
+                                    <p:anim calcmode="lin" valueType="num">
+                                      <p:cBhvr additive="base">
+                                        <p:cTn id="21" dur="500" fill="hold"/>
+                                        <p:tgtEl>
+                                          <p:spTgt spid="33"/>
+                                        </p:tgtEl>
+                                        <p:attrNameLst>
+                                          <p:attrName>ppt_x</p:attrName>
+                                        </p:attrNameLst>
+                                      </p:cBhvr>
+                                      <p:tavLst>
+                                        <p:tav tm="0">
+                                          <p:val>
+                                            <p:strVal val="#ppt_x"/>
+                                          </p:val>
+                                        </p:tav>
+                                        <p:tav tm="100000">
+                                          <p:val>
+                                            <p:strVal val="#ppt_x"/>
+                                          </p:val>
+                                        </p:tav>
+                                      </p:tavLst>
+                                    </p:anim>
+                                    <p:anim calcmode="lin" valueType="num">
+                                      <p:cBhvr additive="base">
+                                        <p:cTn id="22" dur="500" fill="hold"/>
+                                        <p:tgtEl>
+                                          <p:spTgt spid="33"/>
+                                        </p:tgtEl>
+                                        <p:attrNameLst>
+                                          <p:attrName>ppt_y</p:attrName>
+                                        </p:attrNameLst>
+                                      </p:cBhvr>
+                                      <p:tavLst>
+                                        <p:tav tm="0">
+                                          <p:val>
+                                            <p:strVal val="1+#ppt_h/2"/>
+                                          </p:val>
+                                        </p:tav>
+                                        <p:tav tm="100000">
+                                          <p:val>
+                                            <p:strVal val="#ppt_y"/>
+                                          </p:val>
+                                        </p:tav>
+                                      </p:tavLst>
+                                    </p:anim>
+                                  </p:childTnLst>
+                                </p:cTn>
+                              </p:par>
+                              <p:par>
+                                <p:cTn id="23" presetID="2" presetClass="entr" presetSubtype="4" fill="hold" nodeType="withEffect">
+                                  <p:stCondLst>
+                                    <p:cond delay="0"/>
+                                  </p:stCondLst>
+                                  <p:childTnLst>
+                                    <p:set>
+                                      <p:cBhvr>
+                                        <p:cTn id="24" dur="1" fill="hold">
+                                          <p:stCondLst>
+                                            <p:cond delay="0"/>
+                                          </p:stCondLst>
+                                        </p:cTn>
+                                        <p:tgtEl>
+                                          <p:spTgt spid="34"/>
+                                        </p:tgtEl>
+                                        <p:attrNameLst>
+                                          <p:attrName>style.visibility</p:attrName>
+                                        </p:attrNameLst>
+                                      </p:cBhvr>
+                                      <p:to>
+                                        <p:strVal val="visible"/>
+                                      </p:to>
+                                    </p:set>
+                                    <p:anim calcmode="lin" valueType="num">
+                                      <p:cBhvr additive="base">
+                                        <p:cTn id="25" dur="500" fill="hold"/>
+                                        <p:tgtEl>
+                                          <p:spTgt spid="34"/>
+                                        </p:tgtEl>
+                                        <p:attrNameLst>
+                                          <p:attrName>ppt_x</p:attrName>
+                                        </p:attrNameLst>
+                                      </p:cBhvr>
+                                      <p:tavLst>
+                                        <p:tav tm="0">
+                                          <p:val>
+                                            <p:strVal val="#ppt_x"/>
+                                          </p:val>
+                                        </p:tav>
+                                        <p:tav tm="100000">
+                                          <p:val>
+                                            <p:strVal val="#ppt_x"/>
+                                          </p:val>
+                                        </p:tav>
+                                      </p:tavLst>
+                                    </p:anim>
+                                    <p:anim calcmode="lin" valueType="num">
+                                      <p:cBhvr additive="base">
+                                        <p:cTn id="26" dur="500" fill="hold"/>
+                                        <p:tgtEl>
+                                          <p:spTgt spid="34"/>
+                                        </p:tgtEl>
+                                        <p:attrNameLst>
+                                          <p:attrName>ppt_y</p:attrName>
+                                        </p:attrNameLst>
+                                      </p:cBhvr>
+                                      <p:tavLst>
+                                        <p:tav tm="0">
+                                          <p:val>
+                                            <p:strVal val="1+#ppt_h/2"/>
+                                          </p:val>
+                                        </p:tav>
+                                        <p:tav tm="100000">
+                                          <p:val>
+                                            <p:strVal val="#ppt_y"/>
+                                          </p:val>
+                                        </p:tav>
+                                      </p:tavLst>
+                                    </p:anim>
+                                  </p:childTnLst>
+                                </p:cTn>
+                              </p:par>
+                              <p:par>
+                                <p:cTn id="27" presetID="2" presetClass="entr" presetSubtype="4" fill="hold" grpId="0" nodeType="withEffect">
+                                  <p:stCondLst>
+                                    <p:cond delay="0"/>
+                                  </p:stCondLst>
+                                  <p:childTnLst>
+                                    <p:set>
+                                      <p:cBhvr>
+                                        <p:cTn id="28" dur="1" fill="hold">
+                                          <p:stCondLst>
+                                            <p:cond delay="0"/>
+                                          </p:stCondLst>
+                                        </p:cTn>
+                                        <p:tgtEl>
+                                          <p:spTgt spid="9"/>
+                                        </p:tgtEl>
+                                        <p:attrNameLst>
+                                          <p:attrName>style.visibility</p:attrName>
+                                        </p:attrNameLst>
+                                      </p:cBhvr>
+                                      <p:to>
+                                        <p:strVal val="visible"/>
+                                      </p:to>
+                                    </p:set>
+                                    <p:anim calcmode="lin" valueType="num">
+                                      <p:cBhvr additive="base">
+                                        <p:cTn id="29" dur="500" fill="hold"/>
+                                        <p:tgtEl>
+                                          <p:spTgt spid="9"/>
+                                        </p:tgtEl>
+                                        <p:attrNameLst>
+                                          <p:attrName>ppt_x</p:attrName>
+                                        </p:attrNameLst>
+                                      </p:cBhvr>
+                                      <p:tavLst>
+                                        <p:tav tm="0">
+                                          <p:val>
+                                            <p:strVal val="#ppt_x"/>
+                                          </p:val>
+                                        </p:tav>
+                                        <p:tav tm="100000">
+                                          <p:val>
+                                            <p:strVal val="#ppt_x"/>
+                                          </p:val>
+                                        </p:tav>
+                                      </p:tavLst>
+                                    </p:anim>
+                                    <p:anim calcmode="lin" valueType="num">
+                                      <p:cBhvr additive="base">
+                                        <p:cTn id="30" dur="500" fill="hold"/>
+                                        <p:tgtEl>
+                                          <p:spTgt spid="9"/>
+                                        </p:tgtEl>
+                                        <p:attrNameLst>
+                                          <p:attrName>ppt_y</p:attrName>
+                                        </p:attrNameLst>
+                                      </p:cBhvr>
+                                      <p:tavLst>
+                                        <p:tav tm="0">
+                                          <p:val>
+                                            <p:strVal val="1+#ppt_h/2"/>
+                                          </p:val>
+                                        </p:tav>
+                                        <p:tav tm="100000">
+                                          <p:val>
+                                            <p:strVal val="#ppt_y"/>
+                                          </p:val>
+                                        </p:tav>
+                                      </p:tavLst>
+                                    </p:anim>
+                                  </p:childTnLst>
+                                </p:cTn>
+                              </p:par>
+                              <p:par>
+                                <p:cTn id="31" presetID="2" presetClass="entr" presetSubtype="4" fill="hold" grpId="0" nodeType="withEffect">
+                                  <p:stCondLst>
+                                    <p:cond delay="0"/>
+                                  </p:stCondLst>
+                                  <p:childTnLst>
+                                    <p:set>
+                                      <p:cBhvr>
+                                        <p:cTn id="32" dur="1" fill="hold">
+                                          <p:stCondLst>
+                                            <p:cond delay="0"/>
+                                          </p:stCondLst>
+                                        </p:cTn>
+                                        <p:tgtEl>
+                                          <p:spTgt spid="10"/>
+                                        </p:tgtEl>
+                                        <p:attrNameLst>
+                                          <p:attrName>style.visibility</p:attrName>
+                                        </p:attrNameLst>
+                                      </p:cBhvr>
+                                      <p:to>
+                                        <p:strVal val="visible"/>
+                                      </p:to>
+                                    </p:set>
+                                    <p:anim calcmode="lin" valueType="num">
+                                      <p:cBhvr additive="base">
+                                        <p:cTn id="33" dur="500" fill="hold"/>
+                                        <p:tgtEl>
+                                          <p:spTgt spid="10"/>
+                                        </p:tgtEl>
+                                        <p:attrNameLst>
+                                          <p:attrName>ppt_x</p:attrName>
+                                        </p:attrNameLst>
+                                      </p:cBhvr>
+                                      <p:tavLst>
+                                        <p:tav tm="0">
+                                          <p:val>
+                                            <p:strVal val="#ppt_x"/>
+                                          </p:val>
+                                        </p:tav>
+                                        <p:tav tm="100000">
+                                          <p:val>
+                                            <p:strVal val="#ppt_x"/>
+                                          </p:val>
+                                        </p:tav>
+                                      </p:tavLst>
+                                    </p:anim>
+                                    <p:anim calcmode="lin" valueType="num">
+                                      <p:cBhvr additive="base">
+                                        <p:cTn id="34" dur="500" fill="hold"/>
+                                        <p:tgtEl>
+                                          <p:spTgt spid="10"/>
+                                        </p:tgtEl>
+                                        <p:attrNameLst>
+                                          <p:attrName>ppt_y</p:attrName>
+                                        </p:attrNameLst>
+                                      </p:cBhvr>
+                                      <p:tavLst>
+                                        <p:tav tm="0">
+                                          <p:val>
+                                            <p:strVal val="1+#ppt_h/2"/>
+                                          </p:val>
+                                        </p:tav>
+                                        <p:tav tm="100000">
+                                          <p:val>
+                                            <p:strVal val="#ppt_y"/>
+                                          </p:val>
+                                        </p:tav>
+                                      </p:tavLst>
+                                    </p:anim>
+                                  </p:childTnLst>
+                                </p:cTn>
+                              </p:par>
+                              <p:par>
+                                <p:cTn id="35" presetID="2" presetClass="entr" presetSubtype="4" fill="hold" grpId="0" nodeType="withEffect">
+                                  <p:stCondLst>
+                                    <p:cond delay="0"/>
+                                  </p:stCondLst>
+                                  <p:childTnLst>
+                                    <p:set>
+                                      <p:cBhvr>
+                                        <p:cTn id="36" dur="1" fill="hold">
+                                          <p:stCondLst>
+                                            <p:cond delay="0"/>
+                                          </p:stCondLst>
+                                        </p:cTn>
+                                        <p:tgtEl>
+                                          <p:spTgt spid="35"/>
+                                        </p:tgtEl>
+                                        <p:attrNameLst>
+                                          <p:attrName>style.visibility</p:attrName>
+                                        </p:attrNameLst>
+                                      </p:cBhvr>
+                                      <p:to>
+                                        <p:strVal val="visible"/>
+                                      </p:to>
+                                    </p:set>
+                                    <p:anim calcmode="lin" valueType="num">
+                                      <p:cBhvr additive="base">
+                                        <p:cTn id="37" dur="500" fill="hold"/>
+                                        <p:tgtEl>
+                                          <p:spTgt spid="35"/>
+                                        </p:tgtEl>
+                                        <p:attrNameLst>
+                                          <p:attrName>ppt_x</p:attrName>
+                                        </p:attrNameLst>
+                                      </p:cBhvr>
+                                      <p:tavLst>
+                                        <p:tav tm="0">
+                                          <p:val>
+                                            <p:strVal val="#ppt_x"/>
+                                          </p:val>
+                                        </p:tav>
+                                        <p:tav tm="100000">
+                                          <p:val>
+                                            <p:strVal val="#ppt_x"/>
+                                          </p:val>
+                                        </p:tav>
+                                      </p:tavLst>
+                                    </p:anim>
+                                    <p:anim calcmode="lin" valueType="num">
+                                      <p:cBhvr additive="base">
+                                        <p:cTn id="38" dur="500" fill="hold"/>
+                                        <p:tgtEl>
+                                          <p:spTgt spid="35"/>
+                                        </p:tgtEl>
+                                        <p:attrNameLst>
+                                          <p:attrName>ppt_y</p:attrName>
+                                        </p:attrNameLst>
+                                      </p:cBhvr>
+                                      <p:tavLst>
+                                        <p:tav tm="0">
+                                          <p:val>
+                                            <p:strVal val="1+#ppt_h/2"/>
+                                          </p:val>
+                                        </p:tav>
+                                        <p:tav tm="100000">
+                                          <p:val>
+                                            <p:strVal val="#ppt_y"/>
+                                          </p:val>
+                                        </p:tav>
+                                      </p:tavLst>
+                                    </p:anim>
+                                  </p:childTnLst>
+                                </p:cTn>
+                              </p:par>
+                              <p:par>
+                                <p:cTn id="39" presetID="2" presetClass="entr" presetSubtype="4" fill="hold" nodeType="withEffect">
+                                  <p:stCondLst>
+                                    <p:cond delay="0"/>
+                                  </p:stCondLst>
+                                  <p:childTnLst>
+                                    <p:set>
+                                      <p:cBhvr>
+                                        <p:cTn id="40" dur="1" fill="hold">
+                                          <p:stCondLst>
+                                            <p:cond delay="0"/>
+                                          </p:stCondLst>
+                                        </p:cTn>
+                                        <p:tgtEl>
+                                          <p:spTgt spid="21"/>
+                                        </p:tgtEl>
+                                        <p:attrNameLst>
+                                          <p:attrName>style.visibility</p:attrName>
+                                        </p:attrNameLst>
+                                      </p:cBhvr>
+                                      <p:to>
+                                        <p:strVal val="visible"/>
+                                      </p:to>
+                                    </p:set>
+                                    <p:anim calcmode="lin" valueType="num">
+                                      <p:cBhvr additive="base">
+                                        <p:cTn id="41" dur="500" fill="hold"/>
+                                        <p:tgtEl>
+                                          <p:spTgt spid="21"/>
+                                        </p:tgtEl>
+                                        <p:attrNameLst>
+                                          <p:attrName>ppt_x</p:attrName>
+                                        </p:attrNameLst>
+                                      </p:cBhvr>
+                                      <p:tavLst>
+                                        <p:tav tm="0">
+                                          <p:val>
+                                            <p:strVal val="#ppt_x"/>
+                                          </p:val>
+                                        </p:tav>
+                                        <p:tav tm="100000">
+                                          <p:val>
+                                            <p:strVal val="#ppt_x"/>
+                                          </p:val>
+                                        </p:tav>
+                                      </p:tavLst>
+                                    </p:anim>
+                                    <p:anim calcmode="lin" valueType="num">
+                                      <p:cBhvr additive="base">
+                                        <p:cTn id="42" dur="500" fill="hold"/>
+                                        <p:tgtEl>
+                                          <p:spTgt spid="21"/>
                                         </p:tgtEl>
                                         <p:attrNameLst>
                                           <p:attrName>ppt_y</p:attrName>
@@ -19858,568 +20531,15 @@
       </p:par>
     </p:tnLst>
     <p:bldLst>
+      <p:bldP spid="20" grpId="0" animBg="1"/>
+      <p:bldP spid="33" grpId="0"/>
+      <p:bldP spid="35" grpId="0" animBg="1"/>
       <p:bldP spid="2" grpId="0" animBg="1"/>
+      <p:bldP spid="9" grpId="0" animBg="1"/>
+      <p:bldP spid="10" grpId="0" animBg="1"/>
+      <p:bldP spid="6" grpId="0" animBg="1"/>
     </p:bldLst>
   </p:timing>
-</p:sld>
-</file>
-
-<file path=ppt/slides/slide17.xml><?xml version="1.0" encoding="utf-8"?>
-<p:sld xmlns:a="http://schemas.openxmlformats.org/drawingml/2006/main" xmlns:r="http://schemas.openxmlformats.org/officeDocument/2006/relationships" xmlns:p="http://schemas.openxmlformats.org/presentationml/2006/main">
-  <p:cSld>
-    <p:spTree>
-      <p:nvGrpSpPr>
-        <p:cNvPr id="1" name=""/>
-        <p:cNvGrpSpPr/>
-        <p:nvPr/>
-      </p:nvGrpSpPr>
-      <p:grpSpPr>
-        <a:xfrm>
-          <a:off x="0" y="0"/>
-          <a:ext cx="0" cy="0"/>
-          <a:chOff x="0" y="0"/>
-          <a:chExt cx="0" cy="0"/>
-        </a:xfrm>
-      </p:grpSpPr>
-      <p:sp>
-        <p:nvSpPr>
-          <p:cNvPr id="5" name="TextBox 4">
-            <a:extLst>
-              <a:ext uri="{FF2B5EF4-FFF2-40B4-BE49-F238E27FC236}">
-                <a16:creationId xmlns:a16="http://schemas.microsoft.com/office/drawing/2014/main" id="{59D56AF8-5A82-FBD8-8551-D84896867691}"/>
-              </a:ext>
-            </a:extLst>
-          </p:cNvPr>
-          <p:cNvSpPr txBox="1"/>
-          <p:nvPr/>
-        </p:nvSpPr>
-        <p:spPr>
-          <a:xfrm>
-            <a:off x="629310" y="1350975"/>
-            <a:ext cx="11234057" cy="4708981"/>
-          </a:xfrm>
-          <a:prstGeom prst="rect">
-            <a:avLst/>
-          </a:prstGeom>
-          <a:noFill/>
-        </p:spPr>
-        <p:txBody>
-          <a:bodyPr wrap="square">
-            <a:spAutoFit/>
-          </a:bodyPr>
-          <a:lstStyle/>
-          <a:p>
-            <a:r>
-              <a:rPr lang="en-US" sz="2000" dirty="0"/>
-              <a:t>public float </a:t>
-            </a:r>
-            <a:r>
-              <a:rPr lang="en-US" sz="2000" dirty="0" err="1"/>
-              <a:t>GetProximity</a:t>
-            </a:r>
-            <a:r>
-              <a:rPr lang="en-US" sz="2000" dirty="0"/>
-              <a:t>(</a:t>
-            </a:r>
-            <a:r>
-              <a:rPr lang="en-US" sz="2000" dirty="0" err="1"/>
-              <a:t>IReadOnlyList</a:t>
-            </a:r>
-            <a:r>
-              <a:rPr lang="en-US" sz="2000" dirty="0"/>
-              <a:t>&lt;float&gt; </a:t>
-            </a:r>
-            <a:r>
-              <a:rPr lang="en-US" sz="2000" i="1" dirty="0">
-                <a:solidFill>
-                  <a:srgbClr val="FF0000"/>
-                </a:solidFill>
-              </a:rPr>
-              <a:t>A</a:t>
-            </a:r>
-            <a:r>
-              <a:rPr lang="en-US" sz="2000" dirty="0"/>
-              <a:t>, </a:t>
-            </a:r>
-            <a:r>
-              <a:rPr lang="en-US" sz="2000" dirty="0" err="1"/>
-              <a:t>IReadOnlyList</a:t>
-            </a:r>
-            <a:r>
-              <a:rPr lang="en-US" sz="2000" dirty="0"/>
-              <a:t>&lt;float&gt; </a:t>
-            </a:r>
-            <a:r>
-              <a:rPr lang="en-US" sz="2000" i="1" dirty="0">
-                <a:solidFill>
-                  <a:srgbClr val="FF0000"/>
-                </a:solidFill>
-              </a:rPr>
-              <a:t>B</a:t>
-            </a:r>
-            <a:r>
-              <a:rPr lang="en-US" sz="2000" dirty="0"/>
-              <a:t>)</a:t>
-            </a:r>
-          </a:p>
-          <a:p>
-            <a:r>
-              <a:rPr lang="en-US" sz="2000" dirty="0"/>
-              <a:t>        {</a:t>
-            </a:r>
-          </a:p>
-          <a:p>
-            <a:r>
-              <a:rPr lang="en-US" sz="2000" i="1" dirty="0"/>
-              <a:t>           // TO DO : check A and B has same length</a:t>
-            </a:r>
-          </a:p>
-          <a:p>
-            <a:r>
-              <a:rPr lang="en-US" sz="2000" dirty="0"/>
-              <a:t>            var </a:t>
-            </a:r>
-            <a:r>
-              <a:rPr lang="en-US" sz="2000" dirty="0" err="1"/>
-              <a:t>vectorLength</a:t>
-            </a:r>
-            <a:r>
-              <a:rPr lang="en-US" sz="2000" dirty="0"/>
-              <a:t> = </a:t>
-            </a:r>
-            <a:r>
-              <a:rPr lang="en-US" sz="2000" dirty="0" err="1">
-                <a:solidFill>
-                  <a:srgbClr val="FF0000"/>
-                </a:solidFill>
-              </a:rPr>
-              <a:t>A</a:t>
-            </a:r>
-            <a:r>
-              <a:rPr lang="en-US" sz="2000" dirty="0" err="1"/>
-              <a:t>.Count</a:t>
-            </a:r>
-            <a:r>
-              <a:rPr lang="en-US" sz="2000" dirty="0"/>
-              <a:t>;</a:t>
-            </a:r>
-          </a:p>
-          <a:p>
-            <a:r>
-              <a:rPr lang="en-US" sz="2000" dirty="0"/>
-              <a:t>            var sum = 0.0f;</a:t>
-            </a:r>
-          </a:p>
-          <a:p>
-            <a:r>
-              <a:rPr lang="en-US" sz="2000" dirty="0"/>
-              <a:t>            var </a:t>
-            </a:r>
-            <a:r>
-              <a:rPr lang="en-US" sz="2000" dirty="0" err="1"/>
-              <a:t>ALength</a:t>
-            </a:r>
-            <a:r>
-              <a:rPr lang="en-US" sz="2000" dirty="0"/>
-              <a:t> = 0.0f;</a:t>
-            </a:r>
-          </a:p>
-          <a:p>
-            <a:r>
-              <a:rPr lang="en-US" sz="2000" dirty="0"/>
-              <a:t>            var </a:t>
-            </a:r>
-            <a:r>
-              <a:rPr lang="en-US" sz="2000" dirty="0" err="1"/>
-              <a:t>BLength</a:t>
-            </a:r>
-            <a:r>
-              <a:rPr lang="en-US" sz="2000" dirty="0"/>
-              <a:t> = 0.0f;</a:t>
-            </a:r>
-          </a:p>
-          <a:p>
-            <a:r>
-              <a:rPr lang="en-US" sz="2000" dirty="0"/>
-              <a:t>            for (var </a:t>
-            </a:r>
-            <a:r>
-              <a:rPr lang="en-US" sz="2000" dirty="0" err="1"/>
-              <a:t>i</a:t>
-            </a:r>
-            <a:r>
-              <a:rPr lang="en-US" sz="2000" dirty="0"/>
-              <a:t> = 0; </a:t>
-            </a:r>
-            <a:r>
-              <a:rPr lang="en-US" sz="2000" dirty="0" err="1"/>
-              <a:t>i</a:t>
-            </a:r>
-            <a:r>
-              <a:rPr lang="en-US" sz="2000" dirty="0"/>
-              <a:t> &lt; </a:t>
-            </a:r>
-            <a:r>
-              <a:rPr lang="en-US" sz="2000" dirty="0" err="1"/>
-              <a:t>vectorLength</a:t>
-            </a:r>
-            <a:r>
-              <a:rPr lang="en-US" sz="2000" dirty="0"/>
-              <a:t>; </a:t>
-            </a:r>
-            <a:r>
-              <a:rPr lang="en-US" sz="2000" dirty="0" err="1"/>
-              <a:t>i</a:t>
-            </a:r>
-            <a:r>
-              <a:rPr lang="en-US" sz="2000" dirty="0"/>
-              <a:t>++)  {</a:t>
-            </a:r>
-          </a:p>
-          <a:p>
-            <a:r>
-              <a:rPr lang="en-US" sz="2000" dirty="0"/>
-              <a:t>	</a:t>
-            </a:r>
-            <a:r>
-              <a:rPr lang="en-US" sz="2000" dirty="0">
-                <a:highlight>
-                  <a:srgbClr val="FFFF00"/>
-                </a:highlight>
-              </a:rPr>
-              <a:t>sum += </a:t>
-            </a:r>
-            <a:r>
-              <a:rPr lang="en-US" sz="2000" dirty="0">
-                <a:solidFill>
-                  <a:srgbClr val="FF0000"/>
-                </a:solidFill>
-                <a:highlight>
-                  <a:srgbClr val="FFFF00"/>
-                </a:highlight>
-              </a:rPr>
-              <a:t>A</a:t>
-            </a:r>
-            <a:r>
-              <a:rPr lang="en-US" sz="2000" dirty="0">
-                <a:highlight>
-                  <a:srgbClr val="FFFF00"/>
-                </a:highlight>
-              </a:rPr>
-              <a:t>[</a:t>
-            </a:r>
-            <a:r>
-              <a:rPr lang="en-US" sz="2000" dirty="0" err="1">
-                <a:highlight>
-                  <a:srgbClr val="FFFF00"/>
-                </a:highlight>
-              </a:rPr>
-              <a:t>i</a:t>
-            </a:r>
-            <a:r>
-              <a:rPr lang="en-US" sz="2000" dirty="0">
-                <a:highlight>
-                  <a:srgbClr val="FFFF00"/>
-                </a:highlight>
-              </a:rPr>
-              <a:t>] * </a:t>
-            </a:r>
-            <a:r>
-              <a:rPr lang="en-US" sz="2000" dirty="0">
-                <a:solidFill>
-                  <a:srgbClr val="FF0000"/>
-                </a:solidFill>
-                <a:highlight>
-                  <a:srgbClr val="FFFF00"/>
-                </a:highlight>
-              </a:rPr>
-              <a:t>B</a:t>
-            </a:r>
-            <a:r>
-              <a:rPr lang="en-US" sz="2000" dirty="0">
-                <a:highlight>
-                  <a:srgbClr val="FFFF00"/>
-                </a:highlight>
-              </a:rPr>
-              <a:t>[</a:t>
-            </a:r>
-            <a:r>
-              <a:rPr lang="en-US" sz="2000" dirty="0" err="1">
-                <a:highlight>
-                  <a:srgbClr val="FFFF00"/>
-                </a:highlight>
-              </a:rPr>
-              <a:t>i</a:t>
-            </a:r>
-            <a:r>
-              <a:rPr lang="en-US" sz="2000" dirty="0">
-                <a:highlight>
-                  <a:srgbClr val="FFFF00"/>
-                </a:highlight>
-              </a:rPr>
-              <a:t>];</a:t>
-            </a:r>
-          </a:p>
-          <a:p>
-            <a:r>
-              <a:rPr lang="en-US" sz="2000" dirty="0"/>
-              <a:t>	</a:t>
-            </a:r>
-            <a:r>
-              <a:rPr lang="en-US" sz="2000" dirty="0" err="1"/>
-              <a:t>ALength</a:t>
-            </a:r>
-            <a:r>
-              <a:rPr lang="en-US" sz="2000" dirty="0"/>
-              <a:t> += </a:t>
-            </a:r>
-            <a:r>
-              <a:rPr lang="en-US" sz="2000" dirty="0" err="1"/>
-              <a:t>Convert.ToSingle</a:t>
-            </a:r>
-            <a:r>
-              <a:rPr lang="en-US" sz="2000" dirty="0"/>
-              <a:t>(</a:t>
-            </a:r>
-            <a:r>
-              <a:rPr lang="en-US" sz="2000" dirty="0" err="1"/>
-              <a:t>Math.Pow</a:t>
-            </a:r>
-            <a:r>
-              <a:rPr lang="en-US" sz="2000" dirty="0"/>
-              <a:t>(</a:t>
-            </a:r>
-            <a:r>
-              <a:rPr lang="en-US" sz="2000" dirty="0">
-                <a:solidFill>
-                  <a:srgbClr val="FF0000"/>
-                </a:solidFill>
-              </a:rPr>
-              <a:t>A</a:t>
-            </a:r>
-            <a:r>
-              <a:rPr lang="en-US" sz="2000" dirty="0"/>
-              <a:t>[</a:t>
-            </a:r>
-            <a:r>
-              <a:rPr lang="en-US" sz="2000" dirty="0" err="1"/>
-              <a:t>i</a:t>
-            </a:r>
-            <a:r>
-              <a:rPr lang="en-US" sz="2000" dirty="0"/>
-              <a:t>], 2)); </a:t>
-            </a:r>
-            <a:r>
-              <a:rPr lang="en-US" sz="2000" dirty="0">
-                <a:solidFill>
-                  <a:srgbClr val="00B050"/>
-                </a:solidFill>
-              </a:rPr>
-              <a:t>// A[</a:t>
-            </a:r>
-            <a:r>
-              <a:rPr lang="en-US" sz="2000" dirty="0" err="1">
-                <a:solidFill>
-                  <a:srgbClr val="00B050"/>
-                </a:solidFill>
-              </a:rPr>
-              <a:t>i</a:t>
-            </a:r>
-            <a:r>
-              <a:rPr lang="en-US" sz="2000" dirty="0">
-                <a:solidFill>
-                  <a:srgbClr val="00B050"/>
-                </a:solidFill>
-              </a:rPr>
-              <a:t>]^2</a:t>
-            </a:r>
-          </a:p>
-          <a:p>
-            <a:r>
-              <a:rPr lang="en-US" sz="2000" dirty="0"/>
-              <a:t>	</a:t>
-            </a:r>
-            <a:r>
-              <a:rPr lang="en-US" sz="2000" dirty="0" err="1"/>
-              <a:t>BLength</a:t>
-            </a:r>
-            <a:r>
-              <a:rPr lang="en-US" sz="2000" dirty="0"/>
-              <a:t> += </a:t>
-            </a:r>
-            <a:r>
-              <a:rPr lang="en-US" sz="2000" dirty="0" err="1"/>
-              <a:t>Convert.ToSingle</a:t>
-            </a:r>
-            <a:r>
-              <a:rPr lang="en-US" sz="2000" dirty="0"/>
-              <a:t>(</a:t>
-            </a:r>
-            <a:r>
-              <a:rPr lang="en-US" sz="2000" dirty="0" err="1"/>
-              <a:t>Math.Pow</a:t>
-            </a:r>
-            <a:r>
-              <a:rPr lang="en-US" sz="2000" dirty="0"/>
-              <a:t>(</a:t>
-            </a:r>
-            <a:r>
-              <a:rPr lang="en-US" sz="2000" dirty="0">
-                <a:solidFill>
-                  <a:srgbClr val="FF0000"/>
-                </a:solidFill>
-              </a:rPr>
-              <a:t>B</a:t>
-            </a:r>
-            <a:r>
-              <a:rPr lang="en-US" sz="2000" dirty="0"/>
-              <a:t>[</a:t>
-            </a:r>
-            <a:r>
-              <a:rPr lang="en-US" sz="2000" dirty="0" err="1"/>
-              <a:t>i</a:t>
-            </a:r>
-            <a:r>
-              <a:rPr lang="en-US" sz="2000" dirty="0"/>
-              <a:t>], 2)); </a:t>
-            </a:r>
-            <a:r>
-              <a:rPr lang="en-US" sz="2000" dirty="0">
-                <a:solidFill>
-                  <a:srgbClr val="00B050"/>
-                </a:solidFill>
-              </a:rPr>
-              <a:t>// B[</a:t>
-            </a:r>
-            <a:r>
-              <a:rPr lang="en-US" sz="2000" dirty="0" err="1">
-                <a:solidFill>
-                  <a:srgbClr val="00B050"/>
-                </a:solidFill>
-              </a:rPr>
-              <a:t>i</a:t>
-            </a:r>
-            <a:r>
-              <a:rPr lang="en-US" sz="2000" dirty="0">
-                <a:solidFill>
-                  <a:srgbClr val="00B050"/>
-                </a:solidFill>
-              </a:rPr>
-              <a:t>]^2</a:t>
-            </a:r>
-          </a:p>
-          <a:p>
-            <a:r>
-              <a:rPr lang="en-US" sz="2000" dirty="0"/>
-              <a:t>            }</a:t>
-            </a:r>
-          </a:p>
-          <a:p>
-            <a:r>
-              <a:rPr lang="en-US" sz="2000" dirty="0">
-                <a:highlight>
-                  <a:srgbClr val="FFFF00"/>
-                </a:highlight>
-              </a:rPr>
-              <a:t>            var proximity = sum / (</a:t>
-            </a:r>
-            <a:r>
-              <a:rPr lang="en-US" sz="2000" dirty="0" err="1">
-                <a:highlight>
-                  <a:srgbClr val="FFFF00"/>
-                </a:highlight>
-              </a:rPr>
-              <a:t>Math.Pow</a:t>
-            </a:r>
-            <a:r>
-              <a:rPr lang="en-US" sz="2000" dirty="0">
-                <a:highlight>
-                  <a:srgbClr val="FFFF00"/>
-                </a:highlight>
-              </a:rPr>
-              <a:t>(</a:t>
-            </a:r>
-            <a:r>
-              <a:rPr lang="en-US" sz="2000" dirty="0" err="1">
-                <a:highlight>
-                  <a:srgbClr val="FFFF00"/>
-                </a:highlight>
-              </a:rPr>
-              <a:t>ALength</a:t>
-            </a:r>
-            <a:r>
-              <a:rPr lang="en-US" sz="2000" dirty="0">
-                <a:highlight>
-                  <a:srgbClr val="FFFF00"/>
-                </a:highlight>
-              </a:rPr>
-              <a:t>, 0.5) * </a:t>
-            </a:r>
-            <a:r>
-              <a:rPr lang="en-US" sz="2000" dirty="0" err="1">
-                <a:highlight>
-                  <a:srgbClr val="FFFF00"/>
-                </a:highlight>
-              </a:rPr>
-              <a:t>Math.Pow</a:t>
-            </a:r>
-            <a:r>
-              <a:rPr lang="en-US" sz="2000" dirty="0">
-                <a:highlight>
-                  <a:srgbClr val="FFFF00"/>
-                </a:highlight>
-              </a:rPr>
-              <a:t>(</a:t>
-            </a:r>
-            <a:r>
-              <a:rPr lang="en-US" sz="2000" dirty="0" err="1">
-                <a:highlight>
-                  <a:srgbClr val="FFFF00"/>
-                </a:highlight>
-              </a:rPr>
-              <a:t>BLength</a:t>
-            </a:r>
-            <a:r>
-              <a:rPr lang="en-US" sz="2000" dirty="0">
-                <a:highlight>
-                  <a:srgbClr val="FFFF00"/>
-                </a:highlight>
-              </a:rPr>
-              <a:t>, 0.5));</a:t>
-            </a:r>
-          </a:p>
-          <a:p>
-            <a:r>
-              <a:rPr lang="en-US" sz="2000" dirty="0"/>
-              <a:t>            return </a:t>
-            </a:r>
-            <a:r>
-              <a:rPr lang="en-US" sz="2000" dirty="0" err="1"/>
-              <a:t>Convert.ToSingle</a:t>
-            </a:r>
-            <a:r>
-              <a:rPr lang="en-US" sz="2000" dirty="0"/>
-              <a:t>(proximity);</a:t>
-            </a:r>
-          </a:p>
-          <a:p>
-            <a:r>
-              <a:rPr lang="en-US" sz="2000" dirty="0"/>
-              <a:t>        }</a:t>
-            </a:r>
-          </a:p>
-        </p:txBody>
-      </p:sp>
-    </p:spTree>
-    <p:extLst>
-      <p:ext uri="{BB962C8B-B14F-4D97-AF65-F5344CB8AC3E}">
-        <p14:creationId xmlns:p14="http://schemas.microsoft.com/office/powerpoint/2010/main" val="1178871648"/>
-      </p:ext>
-    </p:extLst>
-  </p:cSld>
-  <p:clrMapOvr>
-    <a:masterClrMapping/>
-  </p:clrMapOvr>
 </p:sld>
 </file>
 
@@ -20442,6 +20562,565 @@
       </p:grpSpPr>
       <p:sp>
         <p:nvSpPr>
+          <p:cNvPr id="5" name="TextBox 4">
+            <a:extLst>
+              <a:ext uri="{FF2B5EF4-FFF2-40B4-BE49-F238E27FC236}">
+                <a16:creationId xmlns:a16="http://schemas.microsoft.com/office/drawing/2014/main" id="{59D56AF8-5A82-FBD8-8551-D84896867691}"/>
+              </a:ext>
+            </a:extLst>
+          </p:cNvPr>
+          <p:cNvSpPr txBox="1"/>
+          <p:nvPr/>
+        </p:nvSpPr>
+        <p:spPr>
+          <a:xfrm>
+            <a:off x="629310" y="1350975"/>
+            <a:ext cx="11234057" cy="4708981"/>
+          </a:xfrm>
+          <a:prstGeom prst="rect">
+            <a:avLst/>
+          </a:prstGeom>
+          <a:noFill/>
+        </p:spPr>
+        <p:txBody>
+          <a:bodyPr wrap="square">
+            <a:spAutoFit/>
+          </a:bodyPr>
+          <a:lstStyle/>
+          <a:p>
+            <a:r>
+              <a:rPr lang="en-US" sz="2000" dirty="0"/>
+              <a:t>public float </a:t>
+            </a:r>
+            <a:r>
+              <a:rPr lang="en-US" sz="2000" dirty="0" err="1"/>
+              <a:t>GetProximity</a:t>
+            </a:r>
+            <a:r>
+              <a:rPr lang="en-US" sz="2000" dirty="0"/>
+              <a:t>(</a:t>
+            </a:r>
+            <a:r>
+              <a:rPr lang="en-US" sz="2000" dirty="0" err="1"/>
+              <a:t>IReadOnlyList</a:t>
+            </a:r>
+            <a:r>
+              <a:rPr lang="en-US" sz="2000" dirty="0"/>
+              <a:t>&lt;float&gt; </a:t>
+            </a:r>
+            <a:r>
+              <a:rPr lang="en-US" sz="2000" i="1" dirty="0">
+                <a:solidFill>
+                  <a:srgbClr val="FF0000"/>
+                </a:solidFill>
+              </a:rPr>
+              <a:t>A</a:t>
+            </a:r>
+            <a:r>
+              <a:rPr lang="en-US" sz="2000" dirty="0"/>
+              <a:t>, </a:t>
+            </a:r>
+            <a:r>
+              <a:rPr lang="en-US" sz="2000" dirty="0" err="1"/>
+              <a:t>IReadOnlyList</a:t>
+            </a:r>
+            <a:r>
+              <a:rPr lang="en-US" sz="2000" dirty="0"/>
+              <a:t>&lt;float&gt; </a:t>
+            </a:r>
+            <a:r>
+              <a:rPr lang="en-US" sz="2000" i="1" dirty="0">
+                <a:solidFill>
+                  <a:srgbClr val="FF0000"/>
+                </a:solidFill>
+              </a:rPr>
+              <a:t>B</a:t>
+            </a:r>
+            <a:r>
+              <a:rPr lang="en-US" sz="2000" dirty="0"/>
+              <a:t>)</a:t>
+            </a:r>
+          </a:p>
+          <a:p>
+            <a:r>
+              <a:rPr lang="en-US" sz="2000" dirty="0"/>
+              <a:t>        {</a:t>
+            </a:r>
+          </a:p>
+          <a:p>
+            <a:r>
+              <a:rPr lang="en-US" sz="2000" i="1" dirty="0"/>
+              <a:t>           // TO DO : check A and B has same length</a:t>
+            </a:r>
+          </a:p>
+          <a:p>
+            <a:r>
+              <a:rPr lang="en-US" sz="2000" dirty="0"/>
+              <a:t>            var </a:t>
+            </a:r>
+            <a:r>
+              <a:rPr lang="en-US" sz="2000" dirty="0" err="1"/>
+              <a:t>vectorLength</a:t>
+            </a:r>
+            <a:r>
+              <a:rPr lang="en-US" sz="2000" dirty="0"/>
+              <a:t> = </a:t>
+            </a:r>
+            <a:r>
+              <a:rPr lang="en-US" sz="2000" dirty="0" err="1">
+                <a:solidFill>
+                  <a:srgbClr val="FF0000"/>
+                </a:solidFill>
+              </a:rPr>
+              <a:t>A</a:t>
+            </a:r>
+            <a:r>
+              <a:rPr lang="en-US" sz="2000" dirty="0" err="1"/>
+              <a:t>.Count</a:t>
+            </a:r>
+            <a:r>
+              <a:rPr lang="en-US" sz="2000" dirty="0"/>
+              <a:t>;</a:t>
+            </a:r>
+          </a:p>
+          <a:p>
+            <a:r>
+              <a:rPr lang="en-US" sz="2000" dirty="0"/>
+              <a:t>            var sum = 0.0f;</a:t>
+            </a:r>
+          </a:p>
+          <a:p>
+            <a:r>
+              <a:rPr lang="en-US" sz="2000" dirty="0"/>
+              <a:t>            var </a:t>
+            </a:r>
+            <a:r>
+              <a:rPr lang="en-US" sz="2000" dirty="0" err="1"/>
+              <a:t>ALength</a:t>
+            </a:r>
+            <a:r>
+              <a:rPr lang="en-US" sz="2000" dirty="0"/>
+              <a:t> = 0.0f;</a:t>
+            </a:r>
+          </a:p>
+          <a:p>
+            <a:r>
+              <a:rPr lang="en-US" sz="2000" dirty="0"/>
+              <a:t>            var </a:t>
+            </a:r>
+            <a:r>
+              <a:rPr lang="en-US" sz="2000" dirty="0" err="1"/>
+              <a:t>BLength</a:t>
+            </a:r>
+            <a:r>
+              <a:rPr lang="en-US" sz="2000" dirty="0"/>
+              <a:t> = 0.0f;</a:t>
+            </a:r>
+          </a:p>
+          <a:p>
+            <a:r>
+              <a:rPr lang="en-US" sz="2000" dirty="0"/>
+              <a:t>            for (var </a:t>
+            </a:r>
+            <a:r>
+              <a:rPr lang="en-US" sz="2000" dirty="0" err="1"/>
+              <a:t>i</a:t>
+            </a:r>
+            <a:r>
+              <a:rPr lang="en-US" sz="2000" dirty="0"/>
+              <a:t> = 0; </a:t>
+            </a:r>
+            <a:r>
+              <a:rPr lang="en-US" sz="2000" dirty="0" err="1"/>
+              <a:t>i</a:t>
+            </a:r>
+            <a:r>
+              <a:rPr lang="en-US" sz="2000" dirty="0"/>
+              <a:t> &lt; </a:t>
+            </a:r>
+            <a:r>
+              <a:rPr lang="en-US" sz="2000" dirty="0" err="1"/>
+              <a:t>vectorLength</a:t>
+            </a:r>
+            <a:r>
+              <a:rPr lang="en-US" sz="2000" dirty="0"/>
+              <a:t>; </a:t>
+            </a:r>
+            <a:r>
+              <a:rPr lang="en-US" sz="2000" dirty="0" err="1"/>
+              <a:t>i</a:t>
+            </a:r>
+            <a:r>
+              <a:rPr lang="en-US" sz="2000" dirty="0"/>
+              <a:t>++)  {</a:t>
+            </a:r>
+          </a:p>
+          <a:p>
+            <a:r>
+              <a:rPr lang="en-US" sz="2000" dirty="0"/>
+              <a:t>	</a:t>
+            </a:r>
+            <a:r>
+              <a:rPr lang="en-US" sz="2000" dirty="0">
+                <a:highlight>
+                  <a:srgbClr val="FFFF00"/>
+                </a:highlight>
+              </a:rPr>
+              <a:t>sum += </a:t>
+            </a:r>
+            <a:r>
+              <a:rPr lang="en-US" sz="2000" dirty="0">
+                <a:solidFill>
+                  <a:srgbClr val="FF0000"/>
+                </a:solidFill>
+                <a:highlight>
+                  <a:srgbClr val="FFFF00"/>
+                </a:highlight>
+              </a:rPr>
+              <a:t>A</a:t>
+            </a:r>
+            <a:r>
+              <a:rPr lang="en-US" sz="2000" dirty="0">
+                <a:highlight>
+                  <a:srgbClr val="FFFF00"/>
+                </a:highlight>
+              </a:rPr>
+              <a:t>[</a:t>
+            </a:r>
+            <a:r>
+              <a:rPr lang="en-US" sz="2000" dirty="0" err="1">
+                <a:highlight>
+                  <a:srgbClr val="FFFF00"/>
+                </a:highlight>
+              </a:rPr>
+              <a:t>i</a:t>
+            </a:r>
+            <a:r>
+              <a:rPr lang="en-US" sz="2000" dirty="0">
+                <a:highlight>
+                  <a:srgbClr val="FFFF00"/>
+                </a:highlight>
+              </a:rPr>
+              <a:t>] * </a:t>
+            </a:r>
+            <a:r>
+              <a:rPr lang="en-US" sz="2000" dirty="0">
+                <a:solidFill>
+                  <a:srgbClr val="FF0000"/>
+                </a:solidFill>
+                <a:highlight>
+                  <a:srgbClr val="FFFF00"/>
+                </a:highlight>
+              </a:rPr>
+              <a:t>B</a:t>
+            </a:r>
+            <a:r>
+              <a:rPr lang="en-US" sz="2000" dirty="0">
+                <a:highlight>
+                  <a:srgbClr val="FFFF00"/>
+                </a:highlight>
+              </a:rPr>
+              <a:t>[</a:t>
+            </a:r>
+            <a:r>
+              <a:rPr lang="en-US" sz="2000" dirty="0" err="1">
+                <a:highlight>
+                  <a:srgbClr val="FFFF00"/>
+                </a:highlight>
+              </a:rPr>
+              <a:t>i</a:t>
+            </a:r>
+            <a:r>
+              <a:rPr lang="en-US" sz="2000" dirty="0">
+                <a:highlight>
+                  <a:srgbClr val="FFFF00"/>
+                </a:highlight>
+              </a:rPr>
+              <a:t>];</a:t>
+            </a:r>
+          </a:p>
+          <a:p>
+            <a:r>
+              <a:rPr lang="en-US" sz="2000" dirty="0"/>
+              <a:t>	</a:t>
+            </a:r>
+            <a:r>
+              <a:rPr lang="en-US" sz="2000" dirty="0" err="1"/>
+              <a:t>ALength</a:t>
+            </a:r>
+            <a:r>
+              <a:rPr lang="en-US" sz="2000" dirty="0"/>
+              <a:t> += </a:t>
+            </a:r>
+            <a:r>
+              <a:rPr lang="en-US" sz="2000" dirty="0" err="1"/>
+              <a:t>Convert.ToSingle</a:t>
+            </a:r>
+            <a:r>
+              <a:rPr lang="en-US" sz="2000" dirty="0"/>
+              <a:t>(</a:t>
+            </a:r>
+            <a:r>
+              <a:rPr lang="en-US" sz="2000" dirty="0" err="1"/>
+              <a:t>Math.Pow</a:t>
+            </a:r>
+            <a:r>
+              <a:rPr lang="en-US" sz="2000" dirty="0"/>
+              <a:t>(</a:t>
+            </a:r>
+            <a:r>
+              <a:rPr lang="en-US" sz="2000" dirty="0">
+                <a:solidFill>
+                  <a:srgbClr val="FF0000"/>
+                </a:solidFill>
+              </a:rPr>
+              <a:t>A</a:t>
+            </a:r>
+            <a:r>
+              <a:rPr lang="en-US" sz="2000" dirty="0"/>
+              <a:t>[</a:t>
+            </a:r>
+            <a:r>
+              <a:rPr lang="en-US" sz="2000" dirty="0" err="1"/>
+              <a:t>i</a:t>
+            </a:r>
+            <a:r>
+              <a:rPr lang="en-US" sz="2000" dirty="0"/>
+              <a:t>], 2)); </a:t>
+            </a:r>
+            <a:r>
+              <a:rPr lang="en-US" sz="2000" dirty="0">
+                <a:solidFill>
+                  <a:srgbClr val="00B050"/>
+                </a:solidFill>
+              </a:rPr>
+              <a:t>// A[</a:t>
+            </a:r>
+            <a:r>
+              <a:rPr lang="en-US" sz="2000" dirty="0" err="1">
+                <a:solidFill>
+                  <a:srgbClr val="00B050"/>
+                </a:solidFill>
+              </a:rPr>
+              <a:t>i</a:t>
+            </a:r>
+            <a:r>
+              <a:rPr lang="en-US" sz="2000" dirty="0">
+                <a:solidFill>
+                  <a:srgbClr val="00B050"/>
+                </a:solidFill>
+              </a:rPr>
+              <a:t>]^2</a:t>
+            </a:r>
+          </a:p>
+          <a:p>
+            <a:r>
+              <a:rPr lang="en-US" sz="2000" dirty="0"/>
+              <a:t>	</a:t>
+            </a:r>
+            <a:r>
+              <a:rPr lang="en-US" sz="2000" dirty="0" err="1"/>
+              <a:t>BLength</a:t>
+            </a:r>
+            <a:r>
+              <a:rPr lang="en-US" sz="2000" dirty="0"/>
+              <a:t> += </a:t>
+            </a:r>
+            <a:r>
+              <a:rPr lang="en-US" sz="2000" dirty="0" err="1"/>
+              <a:t>Convert.ToSingle</a:t>
+            </a:r>
+            <a:r>
+              <a:rPr lang="en-US" sz="2000" dirty="0"/>
+              <a:t>(</a:t>
+            </a:r>
+            <a:r>
+              <a:rPr lang="en-US" sz="2000" dirty="0" err="1"/>
+              <a:t>Math.Pow</a:t>
+            </a:r>
+            <a:r>
+              <a:rPr lang="en-US" sz="2000" dirty="0"/>
+              <a:t>(</a:t>
+            </a:r>
+            <a:r>
+              <a:rPr lang="en-US" sz="2000" dirty="0">
+                <a:solidFill>
+                  <a:srgbClr val="FF0000"/>
+                </a:solidFill>
+              </a:rPr>
+              <a:t>B</a:t>
+            </a:r>
+            <a:r>
+              <a:rPr lang="en-US" sz="2000" dirty="0"/>
+              <a:t>[</a:t>
+            </a:r>
+            <a:r>
+              <a:rPr lang="en-US" sz="2000" dirty="0" err="1"/>
+              <a:t>i</a:t>
+            </a:r>
+            <a:r>
+              <a:rPr lang="en-US" sz="2000" dirty="0"/>
+              <a:t>], 2)); </a:t>
+            </a:r>
+            <a:r>
+              <a:rPr lang="en-US" sz="2000" dirty="0">
+                <a:solidFill>
+                  <a:srgbClr val="00B050"/>
+                </a:solidFill>
+              </a:rPr>
+              <a:t>// B[</a:t>
+            </a:r>
+            <a:r>
+              <a:rPr lang="en-US" sz="2000" dirty="0" err="1">
+                <a:solidFill>
+                  <a:srgbClr val="00B050"/>
+                </a:solidFill>
+              </a:rPr>
+              <a:t>i</a:t>
+            </a:r>
+            <a:r>
+              <a:rPr lang="en-US" sz="2000" dirty="0">
+                <a:solidFill>
+                  <a:srgbClr val="00B050"/>
+                </a:solidFill>
+              </a:rPr>
+              <a:t>]^2</a:t>
+            </a:r>
+          </a:p>
+          <a:p>
+            <a:r>
+              <a:rPr lang="en-US" sz="2000" dirty="0"/>
+              <a:t>            }</a:t>
+            </a:r>
+          </a:p>
+          <a:p>
+            <a:r>
+              <a:rPr lang="en-US" sz="2000" dirty="0">
+                <a:highlight>
+                  <a:srgbClr val="FFFF00"/>
+                </a:highlight>
+              </a:rPr>
+              <a:t>            var proximity = sum / (</a:t>
+            </a:r>
+            <a:r>
+              <a:rPr lang="en-US" sz="2000" dirty="0" err="1">
+                <a:highlight>
+                  <a:srgbClr val="FFFF00"/>
+                </a:highlight>
+              </a:rPr>
+              <a:t>Math.Pow</a:t>
+            </a:r>
+            <a:r>
+              <a:rPr lang="en-US" sz="2000" dirty="0">
+                <a:highlight>
+                  <a:srgbClr val="FFFF00"/>
+                </a:highlight>
+              </a:rPr>
+              <a:t>(</a:t>
+            </a:r>
+            <a:r>
+              <a:rPr lang="en-US" sz="2000" dirty="0" err="1">
+                <a:highlight>
+                  <a:srgbClr val="FFFF00"/>
+                </a:highlight>
+              </a:rPr>
+              <a:t>ALength</a:t>
+            </a:r>
+            <a:r>
+              <a:rPr lang="en-US" sz="2000" dirty="0">
+                <a:highlight>
+                  <a:srgbClr val="FFFF00"/>
+                </a:highlight>
+              </a:rPr>
+              <a:t>, 0.5) * </a:t>
+            </a:r>
+            <a:r>
+              <a:rPr lang="en-US" sz="2000" dirty="0" err="1">
+                <a:highlight>
+                  <a:srgbClr val="FFFF00"/>
+                </a:highlight>
+              </a:rPr>
+              <a:t>Math.Pow</a:t>
+            </a:r>
+            <a:r>
+              <a:rPr lang="en-US" sz="2000" dirty="0">
+                <a:highlight>
+                  <a:srgbClr val="FFFF00"/>
+                </a:highlight>
+              </a:rPr>
+              <a:t>(</a:t>
+            </a:r>
+            <a:r>
+              <a:rPr lang="en-US" sz="2000" dirty="0" err="1">
+                <a:highlight>
+                  <a:srgbClr val="FFFF00"/>
+                </a:highlight>
+              </a:rPr>
+              <a:t>BLength</a:t>
+            </a:r>
+            <a:r>
+              <a:rPr lang="en-US" sz="2000" dirty="0">
+                <a:highlight>
+                  <a:srgbClr val="FFFF00"/>
+                </a:highlight>
+              </a:rPr>
+              <a:t>, 0.5));</a:t>
+            </a:r>
+          </a:p>
+          <a:p>
+            <a:r>
+              <a:rPr lang="en-US" sz="2000" dirty="0"/>
+              <a:t>            return </a:t>
+            </a:r>
+            <a:r>
+              <a:rPr lang="en-US" sz="2000" dirty="0" err="1"/>
+              <a:t>Convert.ToSingle</a:t>
+            </a:r>
+            <a:r>
+              <a:rPr lang="en-US" sz="2000" dirty="0"/>
+              <a:t>(proximity);</a:t>
+            </a:r>
+          </a:p>
+          <a:p>
+            <a:r>
+              <a:rPr lang="en-US" sz="2000" dirty="0"/>
+              <a:t>        }</a:t>
+            </a:r>
+          </a:p>
+        </p:txBody>
+      </p:sp>
+    </p:spTree>
+    <p:extLst>
+      <p:ext uri="{BB962C8B-B14F-4D97-AF65-F5344CB8AC3E}">
+        <p14:creationId xmlns:p14="http://schemas.microsoft.com/office/powerpoint/2010/main" val="1178871648"/>
+      </p:ext>
+    </p:extLst>
+  </p:cSld>
+  <p:clrMapOvr>
+    <a:masterClrMapping/>
+  </p:clrMapOvr>
+</p:sld>
+</file>
+
+<file path=ppt/slides/slide19.xml><?xml version="1.0" encoding="utf-8"?>
+<p:sld xmlns:a="http://schemas.openxmlformats.org/drawingml/2006/main" xmlns:r="http://schemas.openxmlformats.org/officeDocument/2006/relationships" xmlns:p="http://schemas.openxmlformats.org/presentationml/2006/main">
+  <p:cSld>
+    <p:spTree>
+      <p:nvGrpSpPr>
+        <p:cNvPr id="1" name=""/>
+        <p:cNvGrpSpPr/>
+        <p:nvPr/>
+      </p:nvGrpSpPr>
+      <p:grpSpPr>
+        <a:xfrm>
+          <a:off x="0" y="0"/>
+          <a:ext cx="0" cy="0"/>
+          <a:chOff x="0" y="0"/>
+          <a:chExt cx="0" cy="0"/>
+        </a:xfrm>
+      </p:grpSpPr>
+      <p:sp>
+        <p:nvSpPr>
           <p:cNvPr id="2" name="Title 1">
             <a:extLst>
               <a:ext uri="{FF2B5EF4-FFF2-40B4-BE49-F238E27FC236}">
@@ -20498,7 +21177,7 @@
           <a:p>
             <a:r>
               <a:rPr lang="en-US" dirty="0"/>
-              <a:t>With random vectors distribution it ranges from -1 to 1</a:t>
+              <a:t>With random vectors cosine distribution ranges from -1 to 1</a:t>
             </a:r>
           </a:p>
           <a:p>
@@ -20584,169 +21263,40 @@
   <p:clrMapOvr>
     <a:masterClrMapping/>
   </p:clrMapOvr>
-  <p:timing>
-    <p:tnLst>
-      <p:par>
-        <p:cTn id="1" dur="indefinite" restart="never" nodeType="tmRoot">
-          <p:childTnLst>
-            <p:seq concurrent="1" nextAc="seek">
-              <p:cTn id="2" dur="indefinite" nodeType="mainSeq">
-                <p:childTnLst>
-                  <p:par>
-                    <p:cTn id="3" fill="hold">
-                      <p:stCondLst>
-                        <p:cond delay="indefinite"/>
-                      </p:stCondLst>
-                      <p:childTnLst>
-                        <p:par>
-                          <p:cTn id="4" fill="hold">
-                            <p:stCondLst>
-                              <p:cond delay="0"/>
-                            </p:stCondLst>
-                            <p:childTnLst>
-                              <p:par>
-                                <p:cTn id="5" presetID="1" presetClass="entr" presetSubtype="0" fill="hold" nodeType="clickEffect">
-                                  <p:stCondLst>
-                                    <p:cond delay="0"/>
-                                  </p:stCondLst>
-                                  <p:childTnLst>
-                                    <p:set>
-                                      <p:cBhvr>
-                                        <p:cTn id="6" dur="1" fill="hold">
-                                          <p:stCondLst>
-                                            <p:cond delay="0"/>
-                                          </p:stCondLst>
-                                        </p:cTn>
-                                        <p:tgtEl>
-                                          <p:spTgt spid="3">
-                                            <p:txEl>
-                                              <p:pRg st="1" end="1"/>
-                                            </p:txEl>
-                                          </p:spTgt>
-                                        </p:tgtEl>
-                                        <p:attrNameLst>
-                                          <p:attrName>style.visibility</p:attrName>
-                                        </p:attrNameLst>
-                                      </p:cBhvr>
-                                      <p:to>
-                                        <p:strVal val="visible"/>
-                                      </p:to>
-                                    </p:set>
-                                  </p:childTnLst>
-                                </p:cTn>
-                              </p:par>
-                            </p:childTnLst>
-                          </p:cTn>
-                        </p:par>
-                      </p:childTnLst>
-                    </p:cTn>
-                  </p:par>
-                  <p:par>
-                    <p:cTn id="7" fill="hold">
-                      <p:stCondLst>
-                        <p:cond delay="indefinite"/>
-                      </p:stCondLst>
-                      <p:childTnLst>
-                        <p:par>
-                          <p:cTn id="8" fill="hold">
-                            <p:stCondLst>
-                              <p:cond delay="0"/>
-                            </p:stCondLst>
-                            <p:childTnLst>
-                              <p:par>
-                                <p:cTn id="9" presetID="1" presetClass="entr" presetSubtype="0" fill="hold" nodeType="clickEffect">
-                                  <p:stCondLst>
-                                    <p:cond delay="0"/>
-                                  </p:stCondLst>
-                                  <p:childTnLst>
-                                    <p:set>
-                                      <p:cBhvr>
-                                        <p:cTn id="10" dur="1" fill="hold">
-                                          <p:stCondLst>
-                                            <p:cond delay="0"/>
-                                          </p:stCondLst>
-                                        </p:cTn>
-                                        <p:tgtEl>
-                                          <p:spTgt spid="3">
-                                            <p:txEl>
-                                              <p:pRg st="2" end="2"/>
-                                            </p:txEl>
-                                          </p:spTgt>
-                                        </p:tgtEl>
-                                        <p:attrNameLst>
-                                          <p:attrName>style.visibility</p:attrName>
-                                        </p:attrNameLst>
-                                      </p:cBhvr>
-                                      <p:to>
-                                        <p:strVal val="visible"/>
-                                      </p:to>
-                                    </p:set>
-                                  </p:childTnLst>
-                                </p:cTn>
-                              </p:par>
-                              <p:par>
-                                <p:cTn id="11" presetID="1" presetClass="entr" presetSubtype="0" fill="hold" nodeType="withEffect">
-                                  <p:stCondLst>
-                                    <p:cond delay="0"/>
-                                  </p:stCondLst>
-                                  <p:childTnLst>
-                                    <p:set>
-                                      <p:cBhvr>
-                                        <p:cTn id="12" dur="1" fill="hold">
-                                          <p:stCondLst>
-                                            <p:cond delay="0"/>
-                                          </p:stCondLst>
-                                        </p:cTn>
-                                        <p:tgtEl>
-                                          <p:spTgt spid="3">
-                                            <p:txEl>
-                                              <p:pRg st="3" end="3"/>
-                                            </p:txEl>
-                                          </p:spTgt>
-                                        </p:tgtEl>
-                                        <p:attrNameLst>
-                                          <p:attrName>style.visibility</p:attrName>
-                                        </p:attrNameLst>
-                                      </p:cBhvr>
-                                      <p:to>
-                                        <p:strVal val="visible"/>
-                                      </p:to>
-                                    </p:set>
-                                  </p:childTnLst>
-                                </p:cTn>
-                              </p:par>
-                            </p:childTnLst>
-                          </p:cTn>
-                        </p:par>
-                      </p:childTnLst>
-                    </p:cTn>
-                  </p:par>
-                </p:childTnLst>
-              </p:cTn>
-              <p:prevCondLst>
-                <p:cond evt="onPrev" delay="0">
-                  <p:tgtEl>
-                    <p:sldTgt/>
-                  </p:tgtEl>
-                </p:cond>
-              </p:prevCondLst>
-              <p:nextCondLst>
-                <p:cond evt="onNext" delay="0">
-                  <p:tgtEl>
-                    <p:sldTgt/>
-                  </p:tgtEl>
-                </p:cond>
-              </p:nextCondLst>
-            </p:seq>
-          </p:childTnLst>
-        </p:cTn>
-      </p:par>
-    </p:tnLst>
-  </p:timing>
 </p:sld>
 </file>
 
-<file path=ppt/slides/slide19.xml><?xml version="1.0" encoding="utf-8"?>
+<file path=ppt/slides/slide2.xml><?xml version="1.0" encoding="utf-8"?>
+<p:sld xmlns:a="http://schemas.openxmlformats.org/drawingml/2006/main" xmlns:r="http://schemas.openxmlformats.org/officeDocument/2006/relationships" xmlns:p="http://schemas.openxmlformats.org/presentationml/2006/main">
+  <p:cSld>
+    <p:spTree>
+      <p:nvGrpSpPr>
+        <p:cNvPr id="1" name=""/>
+        <p:cNvGrpSpPr/>
+        <p:nvPr/>
+      </p:nvGrpSpPr>
+      <p:grpSpPr>
+        <a:xfrm>
+          <a:off x="0" y="0"/>
+          <a:ext cx="0" cy="0"/>
+          <a:chOff x="0" y="0"/>
+          <a:chExt cx="0" cy="0"/>
+        </a:xfrm>
+      </p:grpSpPr>
+    </p:spTree>
+    <p:extLst>
+      <p:ext uri="{BB962C8B-B14F-4D97-AF65-F5344CB8AC3E}">
+        <p14:creationId xmlns:p14="http://schemas.microsoft.com/office/powerpoint/2010/main" val="1221883348"/>
+      </p:ext>
+    </p:extLst>
+  </p:cSld>
+  <p:clrMapOvr>
+    <a:masterClrMapping/>
+  </p:clrMapOvr>
+</p:sld>
+</file>
+
+<file path=ppt/slides/slide20.xml><?xml version="1.0" encoding="utf-8"?>
 <p:sld xmlns:a="http://schemas.openxmlformats.org/drawingml/2006/main" xmlns:r="http://schemas.openxmlformats.org/officeDocument/2006/relationships" xmlns:p="http://schemas.openxmlformats.org/presentationml/2006/main">
   <p:cSld>
     <p:spTree>
@@ -21078,37 +21628,7 @@
 </p:sld>
 </file>
 
-<file path=ppt/slides/slide2.xml><?xml version="1.0" encoding="utf-8"?>
-<p:sld xmlns:a="http://schemas.openxmlformats.org/drawingml/2006/main" xmlns:r="http://schemas.openxmlformats.org/officeDocument/2006/relationships" xmlns:p="http://schemas.openxmlformats.org/presentationml/2006/main">
-  <p:cSld>
-    <p:spTree>
-      <p:nvGrpSpPr>
-        <p:cNvPr id="1" name=""/>
-        <p:cNvGrpSpPr/>
-        <p:nvPr/>
-      </p:nvGrpSpPr>
-      <p:grpSpPr>
-        <a:xfrm>
-          <a:off x="0" y="0"/>
-          <a:ext cx="0" cy="0"/>
-          <a:chOff x="0" y="0"/>
-          <a:chExt cx="0" cy="0"/>
-        </a:xfrm>
-      </p:grpSpPr>
-    </p:spTree>
-    <p:extLst>
-      <p:ext uri="{BB962C8B-B14F-4D97-AF65-F5344CB8AC3E}">
-        <p14:creationId xmlns:p14="http://schemas.microsoft.com/office/powerpoint/2010/main" val="1221883348"/>
-      </p:ext>
-    </p:extLst>
-  </p:cSld>
-  <p:clrMapOvr>
-    <a:masterClrMapping/>
-  </p:clrMapOvr>
-</p:sld>
-</file>
-
-<file path=ppt/slides/slide20.xml><?xml version="1.0" encoding="utf-8"?>
+<file path=ppt/slides/slide21.xml><?xml version="1.0" encoding="utf-8"?>
 <p:sld xmlns:a="http://schemas.openxmlformats.org/drawingml/2006/main" xmlns:r="http://schemas.openxmlformats.org/officeDocument/2006/relationships" xmlns:p="http://schemas.openxmlformats.org/presentationml/2006/main">
   <p:cSld>
     <p:spTree>
@@ -21538,7 +22058,7 @@
 </p:sld>
 </file>
 
-<file path=ppt/slides/slide21.xml><?xml version="1.0" encoding="utf-8"?>
+<file path=ppt/slides/slide22.xml><?xml version="1.0" encoding="utf-8"?>
 <p:sld xmlns:a="http://schemas.openxmlformats.org/drawingml/2006/main" xmlns:r="http://schemas.openxmlformats.org/officeDocument/2006/relationships" xmlns:p="http://schemas.openxmlformats.org/presentationml/2006/main">
   <p:cSld>
     <p:spTree>
@@ -21850,7 +22370,7 @@
 </p:sld>
 </file>
 
-<file path=ppt/slides/slide22.xml><?xml version="1.0" encoding="utf-8"?>
+<file path=ppt/slides/slide23.xml><?xml version="1.0" encoding="utf-8"?>
 <p:sld xmlns:a="http://schemas.openxmlformats.org/drawingml/2006/main" xmlns:r="http://schemas.openxmlformats.org/officeDocument/2006/relationships" xmlns:p="http://schemas.openxmlformats.org/presentationml/2006/main">
   <p:cSld>
     <p:spTree>
@@ -22671,7 +23191,7 @@
 </p:sld>
 </file>
 
-<file path=ppt/slides/slide23.xml><?xml version="1.0" encoding="utf-8"?>
+<file path=ppt/slides/slide24.xml><?xml version="1.0" encoding="utf-8"?>
 <p:sld xmlns:a="http://schemas.openxmlformats.org/drawingml/2006/main" xmlns:r="http://schemas.openxmlformats.org/officeDocument/2006/relationships" xmlns:p="http://schemas.openxmlformats.org/presentationml/2006/main">
   <p:cSld>
     <p:spTree>
@@ -22813,7 +23333,7 @@
 </p:sld>
 </file>
 
-<file path=ppt/slides/slide24.xml><?xml version="1.0" encoding="utf-8"?>
+<file path=ppt/slides/slide25.xml><?xml version="1.0" encoding="utf-8"?>
 <p:sld xmlns:a="http://schemas.openxmlformats.org/drawingml/2006/main" xmlns:r="http://schemas.openxmlformats.org/officeDocument/2006/relationships" xmlns:p="http://schemas.openxmlformats.org/presentationml/2006/main">
   <p:cSld>
     <p:spTree>
@@ -23802,7 +24322,7 @@
 </p:sld>
 </file>
 
-<file path=ppt/slides/slide25.xml><?xml version="1.0" encoding="utf-8"?>
+<file path=ppt/slides/slide26.xml><?xml version="1.0" encoding="utf-8"?>
 <p:sld xmlns:a="http://schemas.openxmlformats.org/drawingml/2006/main" xmlns:r="http://schemas.openxmlformats.org/officeDocument/2006/relationships" xmlns:p="http://schemas.openxmlformats.org/presentationml/2006/main">
   <p:cSld>
     <p:spTree>
@@ -24216,7 +24736,7 @@
 </p:sld>
 </file>
 
-<file path=ppt/slides/slide26.xml><?xml version="1.0" encoding="utf-8"?>
+<file path=ppt/slides/slide27.xml><?xml version="1.0" encoding="utf-8"?>
 <p:sld xmlns:a="http://schemas.openxmlformats.org/drawingml/2006/main" xmlns:r="http://schemas.openxmlformats.org/officeDocument/2006/relationships" xmlns:p="http://schemas.openxmlformats.org/presentationml/2006/main">
   <p:cSld>
     <p:spTree>
@@ -25362,7 +25882,7 @@
 </p:sld>
 </file>
 
-<file path=ppt/slides/slide27.xml><?xml version="1.0" encoding="utf-8"?>
+<file path=ppt/slides/slide28.xml><?xml version="1.0" encoding="utf-8"?>
 <p:sld xmlns:a="http://schemas.openxmlformats.org/drawingml/2006/main" xmlns:r="http://schemas.openxmlformats.org/officeDocument/2006/relationships" xmlns:p="http://schemas.openxmlformats.org/presentationml/2006/main">
   <p:cSld>
     <p:spTree>
@@ -25451,7 +25971,14 @@
           <a:p>
             <a:r>
               <a:rPr lang="en-US" dirty="0"/>
-              <a:t>Even with a conversation length limit, it's a good practice to keep token count under control </a:t>
+              <a:t>A conversation length limit cannot be enough. </a:t>
+            </a:r>
+            <a:br>
+              <a:rPr lang="en-US" dirty="0"/>
+            </a:br>
+            <a:r>
+              <a:rPr lang="en-US" dirty="0"/>
+              <a:t>It's a good practice to have some logic to keep token count under control</a:t>
             </a:r>
           </a:p>
           <a:p>
@@ -25697,7 +26224,7 @@
 </p:sld>
 </file>
 
-<file path=ppt/slides/slide28.xml><?xml version="1.0" encoding="utf-8"?>
+<file path=ppt/slides/slide29.xml><?xml version="1.0" encoding="utf-8"?>
 <p:sld xmlns:a="http://schemas.openxmlformats.org/drawingml/2006/main" xmlns:r="http://schemas.openxmlformats.org/officeDocument/2006/relationships" xmlns:p="http://schemas.openxmlformats.org/presentationml/2006/main">
   <p:cSld>
     <p:spTree>
@@ -27138,7 +27665,273 @@
 </p:sld>
 </file>
 
-<file path=ppt/slides/slide29.xml><?xml version="1.0" encoding="utf-8"?>
+<file path=ppt/slides/slide3.xml><?xml version="1.0" encoding="utf-8"?>
+<p:sld xmlns:a="http://schemas.openxmlformats.org/drawingml/2006/main" xmlns:r="http://schemas.openxmlformats.org/officeDocument/2006/relationships" xmlns:p="http://schemas.openxmlformats.org/presentationml/2006/main">
+  <p:cSld>
+    <p:spTree>
+      <p:nvGrpSpPr>
+        <p:cNvPr id="1" name=""/>
+        <p:cNvGrpSpPr/>
+        <p:nvPr/>
+      </p:nvGrpSpPr>
+      <p:grpSpPr>
+        <a:xfrm>
+          <a:off x="0" y="0"/>
+          <a:ext cx="0" cy="0"/>
+          <a:chOff x="0" y="0"/>
+          <a:chExt cx="0" cy="0"/>
+        </a:xfrm>
+      </p:grpSpPr>
+      <p:sp>
+        <p:nvSpPr>
+          <p:cNvPr id="6" name="Segnaposto contenuto 5">
+            <a:extLst>
+              <a:ext uri="{FF2B5EF4-FFF2-40B4-BE49-F238E27FC236}">
+                <a16:creationId xmlns:a16="http://schemas.microsoft.com/office/drawing/2014/main" id="{2473D9E2-DEFE-412D-9A18-924B8EECBE47}"/>
+              </a:ext>
+            </a:extLst>
+          </p:cNvPr>
+          <p:cNvSpPr>
+            <a:spLocks noGrp="1"/>
+          </p:cNvSpPr>
+          <p:nvPr>
+            <p:ph idx="1"/>
+          </p:nvPr>
+        </p:nvSpPr>
+        <p:spPr/>
+        <p:txBody>
+          <a:bodyPr>
+            <a:normAutofit fontScale="92500" lnSpcReduction="10000"/>
+          </a:bodyPr>
+          <a:lstStyle/>
+          <a:p>
+            <a:r>
+              <a:rPr lang="en-US" i="1" dirty="0"/>
+              <a:t>Developers' questions </a:t>
+            </a:r>
+          </a:p>
+          <a:p>
+            <a:r>
+              <a:rPr lang="en-US" dirty="0"/>
+              <a:t>Can I run chatgpt on my PC -&gt; </a:t>
+            </a:r>
+            <a:r>
+              <a:rPr lang="en-US" dirty="0">
+                <a:solidFill>
+                  <a:srgbClr val="FF0000"/>
+                </a:solidFill>
+              </a:rPr>
+              <a:t>No</a:t>
+            </a:r>
+          </a:p>
+          <a:p>
+            <a:r>
+              <a:rPr lang="en-US" dirty="0"/>
+              <a:t>Can I access it as </a:t>
+            </a:r>
+            <a:br>
+              <a:rPr lang="en-US" dirty="0"/>
+            </a:br>
+            <a:r>
+              <a:rPr lang="en-US" dirty="0"/>
+              <a:t>an api service? -&gt; </a:t>
+            </a:r>
+            <a:r>
+              <a:rPr lang="en-US" dirty="0">
+                <a:solidFill>
+                  <a:srgbClr val="FF0000"/>
+                </a:solidFill>
+              </a:rPr>
+              <a:t>Yes</a:t>
+            </a:r>
+          </a:p>
+          <a:p>
+            <a:r>
+              <a:rPr lang="en-US" dirty="0"/>
+              <a:t>Can make a clone of the model, </a:t>
+            </a:r>
+            <a:br>
+              <a:rPr lang="en-US" dirty="0"/>
+            </a:br>
+            <a:r>
+              <a:rPr lang="en-US" dirty="0"/>
+              <a:t>and train (fine-tune) it, </a:t>
+            </a:r>
+            <a:br>
+              <a:rPr lang="en-US" dirty="0"/>
+            </a:br>
+            <a:r>
+              <a:rPr lang="en-US" dirty="0"/>
+              <a:t>so that it can reply about </a:t>
+            </a:r>
+            <a:br>
+              <a:rPr lang="en-US" dirty="0"/>
+            </a:br>
+            <a:r>
+              <a:rPr lang="en-US" dirty="0"/>
+              <a:t>my domain specific data ? -&gt; </a:t>
+            </a:r>
+            <a:r>
+              <a:rPr lang="en-US" dirty="0">
+                <a:solidFill>
+                  <a:srgbClr val="FF0000"/>
+                </a:solidFill>
+              </a:rPr>
+              <a:t>Ni</a:t>
+            </a:r>
+          </a:p>
+          <a:p>
+            <a:r>
+              <a:rPr lang="en-US" dirty="0"/>
+              <a:t>If fine tuning is not an option, is there another way to have it answer about my domain specific data ? -&gt; </a:t>
+            </a:r>
+            <a:r>
+              <a:rPr lang="en-US" dirty="0">
+                <a:solidFill>
+                  <a:srgbClr val="FF0000"/>
+                </a:solidFill>
+              </a:rPr>
+              <a:t>Yes</a:t>
+            </a:r>
+          </a:p>
+          <a:p>
+            <a:endParaRPr lang="en-US" dirty="0"/>
+          </a:p>
+          <a:p>
+            <a:r>
+              <a:rPr lang="en-US" i="1" dirty="0"/>
+              <a:t>This talk will elaborate on the last question</a:t>
+            </a:r>
+          </a:p>
+          <a:p>
+            <a:endParaRPr lang="it-IT" dirty="0"/>
+          </a:p>
+        </p:txBody>
+      </p:sp>
+      <p:sp>
+        <p:nvSpPr>
+          <p:cNvPr id="5" name="Titolo 4">
+            <a:extLst>
+              <a:ext uri="{FF2B5EF4-FFF2-40B4-BE49-F238E27FC236}">
+                <a16:creationId xmlns:a16="http://schemas.microsoft.com/office/drawing/2014/main" id="{8CAE0EFC-B7FF-4C7D-BF02-BDDAEA8577D3}"/>
+              </a:ext>
+            </a:extLst>
+          </p:cNvPr>
+          <p:cNvSpPr>
+            <a:spLocks noGrp="1"/>
+          </p:cNvSpPr>
+          <p:nvPr>
+            <p:ph type="title"/>
+          </p:nvPr>
+        </p:nvSpPr>
+        <p:spPr/>
+        <p:txBody>
+          <a:bodyPr>
+            <a:normAutofit fontScale="90000"/>
+          </a:bodyPr>
+          <a:lstStyle/>
+          <a:p>
+            <a:r>
+              <a:rPr lang="en-US" dirty="0"/>
+              <a:t>November 30, 2022</a:t>
+            </a:r>
+            <a:endParaRPr lang="it-IT" dirty="0"/>
+          </a:p>
+        </p:txBody>
+      </p:sp>
+      <p:pic>
+        <p:nvPicPr>
+          <p:cNvPr id="3" name="Content Placeholder 10">
+            <a:extLst>
+              <a:ext uri="{FF2B5EF4-FFF2-40B4-BE49-F238E27FC236}">
+                <a16:creationId xmlns:a16="http://schemas.microsoft.com/office/drawing/2014/main" id="{C16EB108-621A-47DB-4530-67A0B326962F}"/>
+              </a:ext>
+            </a:extLst>
+          </p:cNvPr>
+          <p:cNvPicPr>
+            <a:picLocks noChangeAspect="1"/>
+          </p:cNvPicPr>
+          <p:nvPr/>
+        </p:nvPicPr>
+        <p:blipFill>
+          <a:blip r:embed="rId2">
+            <a:extLst>
+              <a:ext uri="{28A0092B-C50C-407E-A947-70E740481C1C}">
+                <a14:useLocalDpi xmlns:a14="http://schemas.microsoft.com/office/drawing/2010/main" val="0"/>
+              </a:ext>
+            </a:extLst>
+          </a:blip>
+          <a:stretch>
+            <a:fillRect/>
+          </a:stretch>
+        </p:blipFill>
+        <p:spPr>
+          <a:xfrm>
+            <a:off x="5667093" y="1380930"/>
+            <a:ext cx="5287046" cy="2970593"/>
+          </a:xfrm>
+          <a:prstGeom prst="rect">
+            <a:avLst/>
+          </a:prstGeom>
+          <a:effectLst>
+            <a:glow rad="228600">
+              <a:schemeClr val="accent4">
+                <a:satMod val="175000"/>
+                <a:alpha val="40000"/>
+              </a:schemeClr>
+            </a:glow>
+          </a:effectLst>
+        </p:spPr>
+      </p:pic>
+      <p:sp>
+        <p:nvSpPr>
+          <p:cNvPr id="11" name="TextBox 10">
+            <a:extLst>
+              <a:ext uri="{FF2B5EF4-FFF2-40B4-BE49-F238E27FC236}">
+                <a16:creationId xmlns:a16="http://schemas.microsoft.com/office/drawing/2014/main" id="{8B4B035A-BBDD-CB6D-838B-6089F4BA2CF7}"/>
+              </a:ext>
+            </a:extLst>
+          </p:cNvPr>
+          <p:cNvSpPr txBox="1"/>
+          <p:nvPr/>
+        </p:nvSpPr>
+        <p:spPr>
+          <a:xfrm>
+            <a:off x="5542384" y="861448"/>
+            <a:ext cx="6102220" cy="369332"/>
+          </a:xfrm>
+          <a:prstGeom prst="rect">
+            <a:avLst/>
+          </a:prstGeom>
+          <a:noFill/>
+        </p:spPr>
+        <p:txBody>
+          <a:bodyPr wrap="square">
+            <a:spAutoFit/>
+          </a:bodyPr>
+          <a:lstStyle/>
+          <a:p>
+            <a:r>
+              <a:rPr lang="en-US" i="1" u="sng" dirty="0"/>
+              <a:t>https://chat.openai.com</a:t>
+            </a:r>
+          </a:p>
+        </p:txBody>
+      </p:sp>
+    </p:spTree>
+    <p:extLst>
+      <p:ext uri="{BB962C8B-B14F-4D97-AF65-F5344CB8AC3E}">
+        <p14:creationId xmlns:p14="http://schemas.microsoft.com/office/powerpoint/2010/main" val="930085300"/>
+      </p:ext>
+    </p:extLst>
+  </p:cSld>
+  <p:clrMapOvr>
+    <a:masterClrMapping/>
+  </p:clrMapOvr>
+</p:sld>
+</file>
+
+<file path=ppt/slides/slide30.xml><?xml version="1.0" encoding="utf-8"?>
 <p:sld xmlns:a="http://schemas.openxmlformats.org/drawingml/2006/main" xmlns:r="http://schemas.openxmlformats.org/officeDocument/2006/relationships" xmlns:p="http://schemas.openxmlformats.org/presentationml/2006/main">
   <p:cSld>
     <p:spTree>
@@ -27803,393 +28596,6 @@
 </p:sld>
 </file>
 
-<file path=ppt/slides/slide3.xml><?xml version="1.0" encoding="utf-8"?>
-<p:sld xmlns:a="http://schemas.openxmlformats.org/drawingml/2006/main" xmlns:r="http://schemas.openxmlformats.org/officeDocument/2006/relationships" xmlns:p="http://schemas.openxmlformats.org/presentationml/2006/main">
-  <p:cSld>
-    <p:spTree>
-      <p:nvGrpSpPr>
-        <p:cNvPr id="1" name=""/>
-        <p:cNvGrpSpPr/>
-        <p:nvPr/>
-      </p:nvGrpSpPr>
-      <p:grpSpPr>
-        <a:xfrm>
-          <a:off x="0" y="0"/>
-          <a:ext cx="0" cy="0"/>
-          <a:chOff x="0" y="0"/>
-          <a:chExt cx="0" cy="0"/>
-        </a:xfrm>
-      </p:grpSpPr>
-      <p:sp>
-        <p:nvSpPr>
-          <p:cNvPr id="6" name="Segnaposto contenuto 5">
-            <a:extLst>
-              <a:ext uri="{FF2B5EF4-FFF2-40B4-BE49-F238E27FC236}">
-                <a16:creationId xmlns:a16="http://schemas.microsoft.com/office/drawing/2014/main" id="{2473D9E2-DEFE-412D-9A18-924B8EECBE47}"/>
-              </a:ext>
-            </a:extLst>
-          </p:cNvPr>
-          <p:cNvSpPr>
-            <a:spLocks noGrp="1"/>
-          </p:cNvSpPr>
-          <p:nvPr>
-            <p:ph idx="1"/>
-          </p:nvPr>
-        </p:nvSpPr>
-        <p:spPr/>
-        <p:txBody>
-          <a:bodyPr>
-            <a:normAutofit fontScale="92500" lnSpcReduction="10000"/>
-          </a:bodyPr>
-          <a:lstStyle/>
-          <a:p>
-            <a:r>
-              <a:rPr lang="en-US" i="1" dirty="0"/>
-              <a:t>Developers' questions </a:t>
-            </a:r>
-          </a:p>
-          <a:p>
-            <a:r>
-              <a:rPr lang="en-US" dirty="0"/>
-              <a:t>Can I run chatgpt on my PC -&gt; </a:t>
-            </a:r>
-            <a:r>
-              <a:rPr lang="en-US" dirty="0">
-                <a:solidFill>
-                  <a:srgbClr val="FF0000"/>
-                </a:solidFill>
-              </a:rPr>
-              <a:t>No</a:t>
-            </a:r>
-          </a:p>
-          <a:p>
-            <a:r>
-              <a:rPr lang="en-US" dirty="0"/>
-              <a:t>Can I access it as </a:t>
-            </a:r>
-            <a:br>
-              <a:rPr lang="en-US" dirty="0"/>
-            </a:br>
-            <a:r>
-              <a:rPr lang="en-US" dirty="0"/>
-              <a:t>an api service? -&gt; </a:t>
-            </a:r>
-            <a:r>
-              <a:rPr lang="en-US" dirty="0">
-                <a:solidFill>
-                  <a:srgbClr val="FF0000"/>
-                </a:solidFill>
-              </a:rPr>
-              <a:t>Yes</a:t>
-            </a:r>
-          </a:p>
-          <a:p>
-            <a:r>
-              <a:rPr lang="en-US" dirty="0"/>
-              <a:t>Can make a clone of the model, </a:t>
-            </a:r>
-            <a:br>
-              <a:rPr lang="en-US" dirty="0"/>
-            </a:br>
-            <a:r>
-              <a:rPr lang="en-US" dirty="0"/>
-              <a:t>and train (fine-tune) it, </a:t>
-            </a:r>
-            <a:br>
-              <a:rPr lang="en-US" dirty="0"/>
-            </a:br>
-            <a:r>
-              <a:rPr lang="en-US" dirty="0"/>
-              <a:t>so that it can reply about </a:t>
-            </a:r>
-            <a:br>
-              <a:rPr lang="en-US" dirty="0"/>
-            </a:br>
-            <a:r>
-              <a:rPr lang="en-US" dirty="0"/>
-              <a:t>my domain specific data ? -&gt; </a:t>
-            </a:r>
-            <a:r>
-              <a:rPr lang="en-US" dirty="0">
-                <a:solidFill>
-                  <a:srgbClr val="FF0000"/>
-                </a:solidFill>
-              </a:rPr>
-              <a:t>Ni</a:t>
-            </a:r>
-          </a:p>
-          <a:p>
-            <a:r>
-              <a:rPr lang="en-US" dirty="0"/>
-              <a:t>If fine tuning is not an option, is there another way to have it answer about my domain specific data ? -&gt; </a:t>
-            </a:r>
-            <a:r>
-              <a:rPr lang="en-US" dirty="0">
-                <a:solidFill>
-                  <a:srgbClr val="FF0000"/>
-                </a:solidFill>
-              </a:rPr>
-              <a:t>Yes</a:t>
-            </a:r>
-          </a:p>
-          <a:p>
-            <a:endParaRPr lang="en-US" dirty="0"/>
-          </a:p>
-          <a:p>
-            <a:r>
-              <a:rPr lang="en-US" i="1" dirty="0"/>
-              <a:t>This talk will elaborate on the last question</a:t>
-            </a:r>
-          </a:p>
-          <a:p>
-            <a:endParaRPr lang="it-IT" dirty="0"/>
-          </a:p>
-        </p:txBody>
-      </p:sp>
-      <p:sp>
-        <p:nvSpPr>
-          <p:cNvPr id="5" name="Titolo 4">
-            <a:extLst>
-              <a:ext uri="{FF2B5EF4-FFF2-40B4-BE49-F238E27FC236}">
-                <a16:creationId xmlns:a16="http://schemas.microsoft.com/office/drawing/2014/main" id="{8CAE0EFC-B7FF-4C7D-BF02-BDDAEA8577D3}"/>
-              </a:ext>
-            </a:extLst>
-          </p:cNvPr>
-          <p:cNvSpPr>
-            <a:spLocks noGrp="1"/>
-          </p:cNvSpPr>
-          <p:nvPr>
-            <p:ph type="title"/>
-          </p:nvPr>
-        </p:nvSpPr>
-        <p:spPr/>
-        <p:txBody>
-          <a:bodyPr>
-            <a:normAutofit fontScale="90000"/>
-          </a:bodyPr>
-          <a:lstStyle/>
-          <a:p>
-            <a:r>
-              <a:rPr lang="en-US" dirty="0"/>
-              <a:t>November 30, 2022</a:t>
-            </a:r>
-            <a:endParaRPr lang="it-IT" dirty="0"/>
-          </a:p>
-        </p:txBody>
-      </p:sp>
-      <p:pic>
-        <p:nvPicPr>
-          <p:cNvPr id="3" name="Content Placeholder 10">
-            <a:extLst>
-              <a:ext uri="{FF2B5EF4-FFF2-40B4-BE49-F238E27FC236}">
-                <a16:creationId xmlns:a16="http://schemas.microsoft.com/office/drawing/2014/main" id="{C16EB108-621A-47DB-4530-67A0B326962F}"/>
-              </a:ext>
-            </a:extLst>
-          </p:cNvPr>
-          <p:cNvPicPr>
-            <a:picLocks noChangeAspect="1"/>
-          </p:cNvPicPr>
-          <p:nvPr/>
-        </p:nvPicPr>
-        <p:blipFill>
-          <a:blip r:embed="rId2">
-            <a:extLst>
-              <a:ext uri="{28A0092B-C50C-407E-A947-70E740481C1C}">
-                <a14:useLocalDpi xmlns:a14="http://schemas.microsoft.com/office/drawing/2010/main" val="0"/>
-              </a:ext>
-            </a:extLst>
-          </a:blip>
-          <a:stretch>
-            <a:fillRect/>
-          </a:stretch>
-        </p:blipFill>
-        <p:spPr>
-          <a:xfrm>
-            <a:off x="5667093" y="1380930"/>
-            <a:ext cx="5287046" cy="2970593"/>
-          </a:xfrm>
-          <a:prstGeom prst="rect">
-            <a:avLst/>
-          </a:prstGeom>
-          <a:effectLst>
-            <a:glow rad="228600">
-              <a:schemeClr val="accent4">
-                <a:satMod val="175000"/>
-                <a:alpha val="40000"/>
-              </a:schemeClr>
-            </a:glow>
-          </a:effectLst>
-        </p:spPr>
-      </p:pic>
-      <p:sp>
-        <p:nvSpPr>
-          <p:cNvPr id="11" name="TextBox 10">
-            <a:extLst>
-              <a:ext uri="{FF2B5EF4-FFF2-40B4-BE49-F238E27FC236}">
-                <a16:creationId xmlns:a16="http://schemas.microsoft.com/office/drawing/2014/main" id="{8B4B035A-BBDD-CB6D-838B-6089F4BA2CF7}"/>
-              </a:ext>
-            </a:extLst>
-          </p:cNvPr>
-          <p:cNvSpPr txBox="1"/>
-          <p:nvPr/>
-        </p:nvSpPr>
-        <p:spPr>
-          <a:xfrm>
-            <a:off x="5542384" y="861448"/>
-            <a:ext cx="6102220" cy="369332"/>
-          </a:xfrm>
-          <a:prstGeom prst="rect">
-            <a:avLst/>
-          </a:prstGeom>
-          <a:noFill/>
-        </p:spPr>
-        <p:txBody>
-          <a:bodyPr wrap="square">
-            <a:spAutoFit/>
-          </a:bodyPr>
-          <a:lstStyle/>
-          <a:p>
-            <a:r>
-              <a:rPr lang="en-US" i="1" u="sng" dirty="0"/>
-              <a:t>https://chat.openai.com</a:t>
-            </a:r>
-          </a:p>
-        </p:txBody>
-      </p:sp>
-    </p:spTree>
-    <p:extLst>
-      <p:ext uri="{BB962C8B-B14F-4D97-AF65-F5344CB8AC3E}">
-        <p14:creationId xmlns:p14="http://schemas.microsoft.com/office/powerpoint/2010/main" val="930085300"/>
-      </p:ext>
-    </p:extLst>
-  </p:cSld>
-  <p:clrMapOvr>
-    <a:masterClrMapping/>
-  </p:clrMapOvr>
-</p:sld>
-</file>
-
-<file path=ppt/slides/slide30.xml><?xml version="1.0" encoding="utf-8"?>
-<p:sld xmlns:a="http://schemas.openxmlformats.org/drawingml/2006/main" xmlns:r="http://schemas.openxmlformats.org/officeDocument/2006/relationships" xmlns:p="http://schemas.openxmlformats.org/presentationml/2006/main">
-  <p:cSld>
-    <p:spTree>
-      <p:nvGrpSpPr>
-        <p:cNvPr id="1" name=""/>
-        <p:cNvGrpSpPr/>
-        <p:nvPr/>
-      </p:nvGrpSpPr>
-      <p:grpSpPr>
-        <a:xfrm>
-          <a:off x="0" y="0"/>
-          <a:ext cx="0" cy="0"/>
-          <a:chOff x="0" y="0"/>
-          <a:chExt cx="0" cy="0"/>
-        </a:xfrm>
-      </p:grpSpPr>
-      <p:sp>
-        <p:nvSpPr>
-          <p:cNvPr id="2" name="Title 1">
-            <a:extLst>
-              <a:ext uri="{FF2B5EF4-FFF2-40B4-BE49-F238E27FC236}">
-                <a16:creationId xmlns:a16="http://schemas.microsoft.com/office/drawing/2014/main" id="{1B7DF310-4C4A-9F13-34B0-7D3A00C5B832}"/>
-              </a:ext>
-            </a:extLst>
-          </p:cNvPr>
-          <p:cNvSpPr>
-            <a:spLocks noGrp="1"/>
-          </p:cNvSpPr>
-          <p:nvPr>
-            <p:ph type="title"/>
-          </p:nvPr>
-        </p:nvSpPr>
-        <p:spPr/>
-        <p:txBody>
-          <a:bodyPr>
-            <a:normAutofit fontScale="90000"/>
-          </a:bodyPr>
-          <a:lstStyle/>
-          <a:p>
-            <a:r>
-              <a:rPr lang="en-US" dirty="0"/>
-              <a:t>Ad-hoc or out of the shelf solution, or in between (MS Semantic Kernel)</a:t>
-            </a:r>
-          </a:p>
-        </p:txBody>
-      </p:sp>
-      <p:sp>
-        <p:nvSpPr>
-          <p:cNvPr id="3" name="Content Placeholder 2">
-            <a:extLst>
-              <a:ext uri="{FF2B5EF4-FFF2-40B4-BE49-F238E27FC236}">
-                <a16:creationId xmlns:a16="http://schemas.microsoft.com/office/drawing/2014/main" id="{DBD06467-3C14-1B90-9C21-74370B96C780}"/>
-              </a:ext>
-            </a:extLst>
-          </p:cNvPr>
-          <p:cNvSpPr>
-            <a:spLocks noGrp="1"/>
-          </p:cNvSpPr>
-          <p:nvPr>
-            <p:ph idx="1"/>
-          </p:nvPr>
-        </p:nvSpPr>
-        <p:spPr/>
-        <p:txBody>
-          <a:bodyPr/>
-          <a:lstStyle/>
-          <a:p>
-            <a:r>
-              <a:rPr lang="en-US" dirty="0"/>
-              <a:t>It depends, however now you know what is under the cover</a:t>
-            </a:r>
-          </a:p>
-          <a:p>
-            <a:pPr lvl="1"/>
-            <a:r>
-              <a:rPr lang="en-US" dirty="0"/>
-              <a:t>Embeddings</a:t>
-            </a:r>
-          </a:p>
-          <a:p>
-            <a:pPr lvl="1"/>
-            <a:r>
-              <a:rPr lang="en-US" dirty="0"/>
-              <a:t>Token limits</a:t>
-            </a:r>
-          </a:p>
-          <a:p>
-            <a:pPr lvl="1"/>
-            <a:r>
-              <a:rPr lang="en-US" dirty="0"/>
-              <a:t>etc..</a:t>
-            </a:r>
-          </a:p>
-          <a:p>
-            <a:r>
-              <a:rPr lang="en-US" dirty="0"/>
-              <a:t>So that you have the knowledge to take the right decision</a:t>
-            </a:r>
-          </a:p>
-          <a:p>
-            <a:r>
-              <a:rPr lang="en-US" dirty="0"/>
-              <a:t>And this stuff applies to other LLM as well (e.g. Llama2)</a:t>
-            </a:r>
-          </a:p>
-        </p:txBody>
-      </p:sp>
-    </p:spTree>
-    <p:extLst>
-      <p:ext uri="{BB962C8B-B14F-4D97-AF65-F5344CB8AC3E}">
-        <p14:creationId xmlns:p14="http://schemas.microsoft.com/office/powerpoint/2010/main" val="2373690492"/>
-      </p:ext>
-    </p:extLst>
-  </p:cSld>
-  <p:clrMapOvr>
-    <a:masterClrMapping/>
-  </p:clrMapOvr>
-</p:sld>
-</file>
-
 <file path=ppt/slides/slide31.xml><?xml version="1.0" encoding="utf-8"?>
 <p:sld xmlns:a="http://schemas.openxmlformats.org/drawingml/2006/main" xmlns:r="http://schemas.openxmlformats.org/officeDocument/2006/relationships" xmlns:p="http://schemas.openxmlformats.org/presentationml/2006/main">
   <p:cSld>
@@ -28209,10 +28615,10 @@
       </p:grpSpPr>
       <p:sp>
         <p:nvSpPr>
-          <p:cNvPr id="2" name="Titolo 1">
-            <a:extLst>
-              <a:ext uri="{FF2B5EF4-FFF2-40B4-BE49-F238E27FC236}">
-                <a16:creationId xmlns:a16="http://schemas.microsoft.com/office/drawing/2014/main" id="{0E689928-B287-4F6F-9288-1DE7ADE2F318}"/>
+          <p:cNvPr id="2" name="Title 1">
+            <a:extLst>
+              <a:ext uri="{FF2B5EF4-FFF2-40B4-BE49-F238E27FC236}">
+                <a16:creationId xmlns:a16="http://schemas.microsoft.com/office/drawing/2014/main" id="{1B7DF310-4C4A-9F13-34B0-7D3A00C5B832}"/>
               </a:ext>
             </a:extLst>
           </p:cNvPr>
@@ -28230,14 +28636,126 @@
           </a:bodyPr>
           <a:lstStyle/>
           <a:p>
-            <a:endParaRPr lang="it-IT" dirty="0"/>
-          </a:p>
-        </p:txBody>
-      </p:sp>
+            <a:r>
+              <a:rPr lang="en-US" dirty="0"/>
+              <a:t>Ad-hoc or out of the shelf solution, or in between (MS Semantic Kernel)</a:t>
+            </a:r>
+          </a:p>
+        </p:txBody>
+      </p:sp>
+      <p:sp>
+        <p:nvSpPr>
+          <p:cNvPr id="3" name="Content Placeholder 2">
+            <a:extLst>
+              <a:ext uri="{FF2B5EF4-FFF2-40B4-BE49-F238E27FC236}">
+                <a16:creationId xmlns:a16="http://schemas.microsoft.com/office/drawing/2014/main" id="{DBD06467-3C14-1B90-9C21-74370B96C780}"/>
+              </a:ext>
+            </a:extLst>
+          </p:cNvPr>
+          <p:cNvSpPr>
+            <a:spLocks noGrp="1"/>
+          </p:cNvSpPr>
+          <p:nvPr>
+            <p:ph idx="1"/>
+          </p:nvPr>
+        </p:nvSpPr>
+        <p:spPr/>
+        <p:txBody>
+          <a:bodyPr/>
+          <a:lstStyle/>
+          <a:p>
+            <a:endParaRPr lang="en-US" dirty="0"/>
+          </a:p>
+          <a:p>
+            <a:endParaRPr lang="en-US" dirty="0"/>
+          </a:p>
+          <a:p>
+            <a:endParaRPr lang="en-US" dirty="0"/>
+          </a:p>
+          <a:p>
+            <a:endParaRPr lang="en-US" dirty="0"/>
+          </a:p>
+          <a:p>
+            <a:pPr lvl="8"/>
+            <a:r>
+              <a:rPr lang="en-US" dirty="0"/>
+              <a:t>         </a:t>
+            </a:r>
+            <a:r>
+              <a:rPr lang="en-US" sz="7200" dirty="0">
+                <a:solidFill>
+                  <a:srgbClr val="FF0000"/>
+                </a:solidFill>
+              </a:rPr>
+              <a:t>????</a:t>
+            </a:r>
+          </a:p>
+        </p:txBody>
+      </p:sp>
+      <p:pic>
+        <p:nvPicPr>
+          <p:cNvPr id="5" name="Picture 4">
+            <a:extLst>
+              <a:ext uri="{FF2B5EF4-FFF2-40B4-BE49-F238E27FC236}">
+                <a16:creationId xmlns:a16="http://schemas.microsoft.com/office/drawing/2014/main" id="{723A4CFE-239E-6BF7-65FD-AB4184126FE2}"/>
+              </a:ext>
+            </a:extLst>
+          </p:cNvPr>
+          <p:cNvPicPr>
+            <a:picLocks noChangeAspect="1"/>
+          </p:cNvPicPr>
+          <p:nvPr/>
+        </p:nvPicPr>
+        <p:blipFill>
+          <a:blip r:embed="rId2"/>
+          <a:stretch>
+            <a:fillRect/>
+          </a:stretch>
+        </p:blipFill>
+        <p:spPr>
+          <a:xfrm>
+            <a:off x="7086872" y="1314157"/>
+            <a:ext cx="4695825" cy="4638675"/>
+          </a:xfrm>
+          <a:prstGeom prst="rect">
+            <a:avLst/>
+          </a:prstGeom>
+        </p:spPr>
+      </p:pic>
+      <p:pic>
+        <p:nvPicPr>
+          <p:cNvPr id="7" name="Picture 6">
+            <a:extLst>
+              <a:ext uri="{FF2B5EF4-FFF2-40B4-BE49-F238E27FC236}">
+                <a16:creationId xmlns:a16="http://schemas.microsoft.com/office/drawing/2014/main" id="{C4E7F34B-5F72-7820-7F1F-B4DBA1460BE7}"/>
+              </a:ext>
+            </a:extLst>
+          </p:cNvPr>
+          <p:cNvPicPr>
+            <a:picLocks noChangeAspect="1"/>
+          </p:cNvPicPr>
+          <p:nvPr/>
+        </p:nvPicPr>
+        <p:blipFill>
+          <a:blip r:embed="rId3"/>
+          <a:stretch>
+            <a:fillRect/>
+          </a:stretch>
+        </p:blipFill>
+        <p:spPr>
+          <a:xfrm>
+            <a:off x="187973" y="1314157"/>
+            <a:ext cx="4743450" cy="4638675"/>
+          </a:xfrm>
+          <a:prstGeom prst="rect">
+            <a:avLst/>
+          </a:prstGeom>
+        </p:spPr>
+      </p:pic>
     </p:spTree>
     <p:extLst>
       <p:ext uri="{BB962C8B-B14F-4D97-AF65-F5344CB8AC3E}">
-        <p14:creationId xmlns:p14="http://schemas.microsoft.com/office/powerpoint/2010/main" val="3575452940"/>
+        <p14:creationId xmlns:p14="http://schemas.microsoft.com/office/powerpoint/2010/main" val="2373690492"/>
       </p:ext>
     </p:extLst>
   </p:cSld>
@@ -28266,6 +28784,184 @@
       </p:grpSpPr>
       <p:sp>
         <p:nvSpPr>
+          <p:cNvPr id="2" name="Title 1">
+            <a:extLst>
+              <a:ext uri="{FF2B5EF4-FFF2-40B4-BE49-F238E27FC236}">
+                <a16:creationId xmlns:a16="http://schemas.microsoft.com/office/drawing/2014/main" id="{1B7DF310-4C4A-9F13-34B0-7D3A00C5B832}"/>
+              </a:ext>
+            </a:extLst>
+          </p:cNvPr>
+          <p:cNvSpPr>
+            <a:spLocks noGrp="1"/>
+          </p:cNvSpPr>
+          <p:nvPr>
+            <p:ph type="title"/>
+          </p:nvPr>
+        </p:nvSpPr>
+        <p:spPr/>
+        <p:txBody>
+          <a:bodyPr>
+            <a:normAutofit fontScale="90000"/>
+          </a:bodyPr>
+          <a:lstStyle/>
+          <a:p>
+            <a:r>
+              <a:rPr lang="en-US" dirty="0"/>
+              <a:t>Ad-hoc or out of the shelf solution, or in between (MS Semantic Kernel)</a:t>
+            </a:r>
+          </a:p>
+        </p:txBody>
+      </p:sp>
+      <p:sp>
+        <p:nvSpPr>
+          <p:cNvPr id="3" name="Content Placeholder 2">
+            <a:extLst>
+              <a:ext uri="{FF2B5EF4-FFF2-40B4-BE49-F238E27FC236}">
+                <a16:creationId xmlns:a16="http://schemas.microsoft.com/office/drawing/2014/main" id="{DBD06467-3C14-1B90-9C21-74370B96C780}"/>
+              </a:ext>
+            </a:extLst>
+          </p:cNvPr>
+          <p:cNvSpPr>
+            <a:spLocks noGrp="1"/>
+          </p:cNvSpPr>
+          <p:nvPr>
+            <p:ph idx="1"/>
+          </p:nvPr>
+        </p:nvSpPr>
+        <p:spPr/>
+        <p:txBody>
+          <a:bodyPr/>
+          <a:lstStyle/>
+          <a:p>
+            <a:r>
+              <a:rPr lang="en-US" dirty="0"/>
+              <a:t>It depends, however now you know what is under the cover</a:t>
+            </a:r>
+          </a:p>
+          <a:p>
+            <a:pPr lvl="1"/>
+            <a:r>
+              <a:rPr lang="en-US" dirty="0"/>
+              <a:t>Embeddings</a:t>
+            </a:r>
+          </a:p>
+          <a:p>
+            <a:pPr lvl="1"/>
+            <a:r>
+              <a:rPr lang="en-US" dirty="0"/>
+              <a:t>Token limits</a:t>
+            </a:r>
+          </a:p>
+          <a:p>
+            <a:pPr lvl="1"/>
+            <a:r>
+              <a:rPr lang="en-US" dirty="0"/>
+              <a:t>etc..</a:t>
+            </a:r>
+          </a:p>
+          <a:p>
+            <a:r>
+              <a:rPr lang="en-US" dirty="0"/>
+              <a:t>So that you have the knowledge to take the right decision</a:t>
+            </a:r>
+          </a:p>
+          <a:p>
+            <a:r>
+              <a:rPr lang="en-US" dirty="0"/>
+              <a:t>And this stuff applies to other LLM as well (e.g. Llama2)</a:t>
+            </a:r>
+          </a:p>
+        </p:txBody>
+      </p:sp>
+    </p:spTree>
+    <p:extLst>
+      <p:ext uri="{BB962C8B-B14F-4D97-AF65-F5344CB8AC3E}">
+        <p14:creationId xmlns:p14="http://schemas.microsoft.com/office/powerpoint/2010/main" val="2889292799"/>
+      </p:ext>
+    </p:extLst>
+  </p:cSld>
+  <p:clrMapOvr>
+    <a:masterClrMapping/>
+  </p:clrMapOvr>
+</p:sld>
+</file>
+
+<file path=ppt/slides/slide33.xml><?xml version="1.0" encoding="utf-8"?>
+<p:sld xmlns:a="http://schemas.openxmlformats.org/drawingml/2006/main" xmlns:r="http://schemas.openxmlformats.org/officeDocument/2006/relationships" xmlns:p="http://schemas.openxmlformats.org/presentationml/2006/main">
+  <p:cSld>
+    <p:spTree>
+      <p:nvGrpSpPr>
+        <p:cNvPr id="1" name=""/>
+        <p:cNvGrpSpPr/>
+        <p:nvPr/>
+      </p:nvGrpSpPr>
+      <p:grpSpPr>
+        <a:xfrm>
+          <a:off x="0" y="0"/>
+          <a:ext cx="0" cy="0"/>
+          <a:chOff x="0" y="0"/>
+          <a:chExt cx="0" cy="0"/>
+        </a:xfrm>
+      </p:grpSpPr>
+      <p:sp>
+        <p:nvSpPr>
+          <p:cNvPr id="2" name="Titolo 1">
+            <a:extLst>
+              <a:ext uri="{FF2B5EF4-FFF2-40B4-BE49-F238E27FC236}">
+                <a16:creationId xmlns:a16="http://schemas.microsoft.com/office/drawing/2014/main" id="{0E689928-B287-4F6F-9288-1DE7ADE2F318}"/>
+              </a:ext>
+            </a:extLst>
+          </p:cNvPr>
+          <p:cNvSpPr>
+            <a:spLocks noGrp="1"/>
+          </p:cNvSpPr>
+          <p:nvPr>
+            <p:ph type="title"/>
+          </p:nvPr>
+        </p:nvSpPr>
+        <p:spPr/>
+        <p:txBody>
+          <a:bodyPr>
+            <a:normAutofit fontScale="90000"/>
+          </a:bodyPr>
+          <a:lstStyle/>
+          <a:p>
+            <a:endParaRPr lang="it-IT" dirty="0"/>
+          </a:p>
+        </p:txBody>
+      </p:sp>
+    </p:spTree>
+    <p:extLst>
+      <p:ext uri="{BB962C8B-B14F-4D97-AF65-F5344CB8AC3E}">
+        <p14:creationId xmlns:p14="http://schemas.microsoft.com/office/powerpoint/2010/main" val="3575452940"/>
+      </p:ext>
+    </p:extLst>
+  </p:cSld>
+  <p:clrMapOvr>
+    <a:masterClrMapping/>
+  </p:clrMapOvr>
+</p:sld>
+</file>
+
+<file path=ppt/slides/slide34.xml><?xml version="1.0" encoding="utf-8"?>
+<p:sld xmlns:a="http://schemas.openxmlformats.org/drawingml/2006/main" xmlns:r="http://schemas.openxmlformats.org/officeDocument/2006/relationships" xmlns:p="http://schemas.openxmlformats.org/presentationml/2006/main">
+  <p:cSld>
+    <p:spTree>
+      <p:nvGrpSpPr>
+        <p:cNvPr id="1" name=""/>
+        <p:cNvGrpSpPr/>
+        <p:nvPr/>
+      </p:nvGrpSpPr>
+      <p:grpSpPr>
+        <a:xfrm>
+          <a:off x="0" y="0"/>
+          <a:ext cx="0" cy="0"/>
+          <a:chOff x="0" y="0"/>
+          <a:chExt cx="0" cy="0"/>
+        </a:xfrm>
+      </p:grpSpPr>
+      <p:sp>
+        <p:nvSpPr>
           <p:cNvPr id="6" name="Segnaposto contenuto 5">
             <a:extLst>
               <a:ext uri="{FF2B5EF4-FFF2-40B4-BE49-F238E27FC236}">
@@ -28345,7 +29041,7 @@
 </p:sld>
 </file>
 
-<file path=ppt/slides/slide33.xml><?xml version="1.0" encoding="utf-8"?>
+<file path=ppt/slides/slide35.xml><?xml version="1.0" encoding="utf-8"?>
 <p:sld xmlns:a="http://schemas.openxmlformats.org/drawingml/2006/main" xmlns:r="http://schemas.openxmlformats.org/officeDocument/2006/relationships" xmlns:p="http://schemas.openxmlformats.org/presentationml/2006/main">
   <p:cSld>
     <p:spTree>
@@ -31828,12 +32524,6 @@
           <a:p>
             <a:r>
               <a:rPr lang="en-US" dirty="0"/>
-              <a:t>Do not confuse it with completion api (legacy)</a:t>
-            </a:r>
-          </a:p>
-          <a:p>
-            <a:r>
-              <a:rPr lang="en-US" dirty="0"/>
               <a:t>Stateless </a:t>
             </a:r>
           </a:p>
@@ -31869,6 +32559,61 @@
               <a:rPr lang="en-US" i="1" dirty="0"/>
               <a:t>Assistant messages </a:t>
             </a:r>
+          </a:p>
+          <a:p>
+            <a:pPr lvl="1"/>
+            <a:endParaRPr lang="en-US" i="1" dirty="0"/>
+          </a:p>
+          <a:p>
+            <a:pPr lvl="1"/>
+            <a:endParaRPr lang="en-US" i="1" dirty="0"/>
+          </a:p>
+          <a:p>
+            <a:r>
+              <a:rPr lang="en-US" dirty="0"/>
+              <a:t>Implement raw rest api call </a:t>
+            </a:r>
+            <a:br>
+              <a:rPr lang="en-US" dirty="0"/>
+            </a:br>
+            <a:r>
+              <a:rPr lang="en-US" dirty="0"/>
+              <a:t>(swagger doc available) or use </a:t>
+            </a:r>
+            <a:r>
+              <a:rPr lang="en-US" dirty="0" err="1"/>
+              <a:t>Sdks</a:t>
+            </a:r>
+            <a:r>
+              <a:rPr lang="en-US" dirty="0"/>
+              <a:t> (MS provided and others)</a:t>
+            </a:r>
+          </a:p>
+          <a:p>
+            <a:pPr lvl="1"/>
+            <a:r>
+              <a:rPr lang="en-US" dirty="0"/>
+              <a:t>MS </a:t>
+            </a:r>
+            <a:r>
+              <a:rPr lang="en-US" dirty="0" err="1"/>
+              <a:t>Sdk</a:t>
+            </a:r>
+            <a:r>
+              <a:rPr lang="en-US" dirty="0"/>
+              <a:t> works both with open.ai and Azure open.ai</a:t>
+            </a:r>
+          </a:p>
+          <a:p>
+            <a:endParaRPr lang="en-US" dirty="0"/>
+          </a:p>
+          <a:p>
+            <a:pPr lvl="1"/>
+            <a:endParaRPr lang="en-US" i="1" dirty="0"/>
+          </a:p>
+          <a:p>
+            <a:pPr lvl="1"/>
+            <a:endParaRPr lang="en-US" i="1" dirty="0"/>
           </a:p>
         </p:txBody>
       </p:sp>
@@ -31916,13 +32661,18 @@
         </p:nvSpPr>
         <p:spPr>
           <a:xfrm>
-            <a:off x="4478693" y="2958520"/>
-            <a:ext cx="6102220" cy="3416320"/>
+            <a:off x="5489734" y="1859339"/>
+            <a:ext cx="6508977" cy="3139321"/>
           </a:xfrm>
           <a:prstGeom prst="rect">
             <a:avLst/>
           </a:prstGeom>
           <a:noFill/>
+          <a:ln w="12700">
+            <a:solidFill>
+              <a:schemeClr val="tx1"/>
+            </a:solidFill>
+          </a:ln>
         </p:spPr>
         <p:txBody>
           <a:bodyPr wrap="square">
@@ -32051,7 +32801,7 @@
           <a:p>
             <a:r>
               <a:rPr lang="en-US" sz="1800" dirty="0"/>
-              <a:t>            }</a:t>
+              <a:t>}</a:t>
             </a:r>
           </a:p>
         </p:txBody>
@@ -32102,7 +32852,7 @@
                                         <p:tgtEl>
                                           <p:spTgt spid="2">
                                             <p:txEl>
-                                              <p:pRg st="1" end="1"/>
+                                              <p:pRg st="0" end="0"/>
                                             </p:txEl>
                                           </p:spTgt>
                                         </p:tgtEl>
@@ -32151,7 +32901,7 @@
                                         <p:tgtEl>
                                           <p:spTgt spid="2">
                                             <p:txEl>
-                                              <p:pRg st="2" end="2"/>
+                                              <p:pRg st="1" end="1"/>
                                             </p:txEl>
                                           </p:spTgt>
                                         </p:tgtEl>
@@ -32200,7 +32950,7 @@
                                         <p:tgtEl>
                                           <p:spTgt spid="2">
                                             <p:txEl>
-                                              <p:pRg st="3" end="3"/>
+                                              <p:pRg st="2" end="2"/>
                                             </p:txEl>
                                           </p:spTgt>
                                         </p:tgtEl>
@@ -32231,7 +32981,7 @@
                                         <p:tgtEl>
                                           <p:spTgt spid="2">
                                             <p:txEl>
-                                              <p:pRg st="4" end="4"/>
+                                              <p:pRg st="3" end="3"/>
                                             </p:txEl>
                                           </p:spTgt>
                                         </p:tgtEl>
@@ -32262,7 +33012,7 @@
                                         <p:tgtEl>
                                           <p:spTgt spid="2">
                                             <p:txEl>
-                                              <p:pRg st="5" end="5"/>
+                                              <p:pRg st="4" end="4"/>
                                             </p:txEl>
                                           </p:spTgt>
                                         </p:tgtEl>
@@ -32293,7 +33043,7 @@
                                         <p:tgtEl>
                                           <p:spTgt spid="2">
                                             <p:txEl>
-                                              <p:pRg st="6" end="6"/>
+                                              <p:pRg st="5" end="5"/>
                                             </p:txEl>
                                           </p:spTgt>
                                         </p:tgtEl>
@@ -32359,6 +33109,86 @@
                       </p:childTnLst>
                     </p:cTn>
                   </p:par>
+                  <p:par>
+                    <p:cTn id="25" fill="hold">
+                      <p:stCondLst>
+                        <p:cond delay="indefinite"/>
+                      </p:stCondLst>
+                      <p:childTnLst>
+                        <p:par>
+                          <p:cTn id="26" fill="hold">
+                            <p:stCondLst>
+                              <p:cond delay="0"/>
+                            </p:stCondLst>
+                            <p:childTnLst>
+                              <p:par>
+                                <p:cTn id="27" presetID="1" presetClass="entr" presetSubtype="0" fill="hold" nodeType="clickEffect">
+                                  <p:stCondLst>
+                                    <p:cond delay="0"/>
+                                  </p:stCondLst>
+                                  <p:childTnLst>
+                                    <p:set>
+                                      <p:cBhvr>
+                                        <p:cTn id="28" dur="1" fill="hold">
+                                          <p:stCondLst>
+                                            <p:cond delay="0"/>
+                                          </p:stCondLst>
+                                        </p:cTn>
+                                        <p:tgtEl>
+                                          <p:spTgt spid="2">
+                                            <p:txEl>
+                                              <p:pRg st="8" end="8"/>
+                                            </p:txEl>
+                                          </p:spTgt>
+                                        </p:tgtEl>
+                                        <p:attrNameLst>
+                                          <p:attrName>style.visibility</p:attrName>
+                                        </p:attrNameLst>
+                                      </p:cBhvr>
+                                      <p:to>
+                                        <p:strVal val="visible"/>
+                                      </p:to>
+                                    </p:set>
+                                  </p:childTnLst>
+                                </p:cTn>
+                              </p:par>
+                              <p:par>
+                                <p:cTn id="29" presetID="1" presetClass="entr" presetSubtype="0" fill="hold" nodeType="withEffect">
+                                  <p:stCondLst>
+                                    <p:cond delay="0"/>
+                                  </p:stCondLst>
+                                  <p:childTnLst>
+                                    <p:set>
+                                      <p:cBhvr>
+                                        <p:cTn id="30" dur="1" fill="hold">
+                                          <p:stCondLst>
+                                            <p:cond delay="0"/>
+                                          </p:stCondLst>
+                                        </p:cTn>
+                                        <p:tgtEl>
+                                          <p:spTgt spid="2">
+                                            <p:txEl>
+                                              <p:pRg st="9" end="9"/>
+                                            </p:txEl>
+                                          </p:spTgt>
+                                        </p:tgtEl>
+                                        <p:attrNameLst>
+                                          <p:attrName>style.visibility</p:attrName>
+                                        </p:attrNameLst>
+                                      </p:cBhvr>
+                                      <p:to>
+                                        <p:strVal val="visible"/>
+                                      </p:to>
+                                    </p:set>
+                                  </p:childTnLst>
+                                </p:cTn>
+                              </p:par>
+                            </p:childTnLst>
+                          </p:cTn>
+                        </p:par>
+                      </p:childTnLst>
+                    </p:cTn>
+                  </p:par>
                 </p:childTnLst>
               </p:cTn>
               <p:prevCondLst>
@@ -32381,157 +33211,13 @@
       </p:par>
     </p:tnLst>
     <p:bldLst>
-      <p:bldP spid="5" grpId="0"/>
+      <p:bldP spid="5" grpId="0" animBg="1"/>
     </p:bldLst>
   </p:timing>
 </p:sld>
 </file>
 
 <file path=ppt/slides/slide7.xml><?xml version="1.0" encoding="utf-8"?>
-<p:sld xmlns:a="http://schemas.openxmlformats.org/drawingml/2006/main" xmlns:r="http://schemas.openxmlformats.org/officeDocument/2006/relationships" xmlns:p="http://schemas.openxmlformats.org/presentationml/2006/main">
-  <p:cSld>
-    <p:spTree>
-      <p:nvGrpSpPr>
-        <p:cNvPr id="1" name=""/>
-        <p:cNvGrpSpPr/>
-        <p:nvPr/>
-      </p:nvGrpSpPr>
-      <p:grpSpPr>
-        <a:xfrm>
-          <a:off x="0" y="0"/>
-          <a:ext cx="0" cy="0"/>
-          <a:chOff x="0" y="0"/>
-          <a:chExt cx="0" cy="0"/>
-        </a:xfrm>
-      </p:grpSpPr>
-      <p:sp>
-        <p:nvSpPr>
-          <p:cNvPr id="2" name="Content Placeholder 1">
-            <a:extLst>
-              <a:ext uri="{FF2B5EF4-FFF2-40B4-BE49-F238E27FC236}">
-                <a16:creationId xmlns:a16="http://schemas.microsoft.com/office/drawing/2014/main" id="{47799DC0-D4C9-B470-736B-4B6670348A70}"/>
-              </a:ext>
-            </a:extLst>
-          </p:cNvPr>
-          <p:cNvSpPr>
-            <a:spLocks noGrp="1"/>
-          </p:cNvSpPr>
-          <p:nvPr>
-            <p:ph idx="1"/>
-          </p:nvPr>
-        </p:nvSpPr>
-        <p:spPr/>
-        <p:txBody>
-          <a:bodyPr/>
-          <a:lstStyle/>
-          <a:p>
-            <a:r>
-              <a:rPr lang="en-US" dirty="0"/>
-              <a:t>temperature, </a:t>
-            </a:r>
-            <a:r>
-              <a:rPr lang="en-US" dirty="0" err="1"/>
-              <a:t>top_p</a:t>
-            </a:r>
-            <a:r>
-              <a:rPr lang="en-US" dirty="0"/>
-              <a:t>, </a:t>
-            </a:r>
-            <a:r>
-              <a:rPr lang="en-US" dirty="0" err="1"/>
-              <a:t>max_tokens</a:t>
-            </a:r>
-            <a:r>
-              <a:rPr lang="en-US" dirty="0"/>
-              <a:t> and others can control the response of </a:t>
-            </a:r>
-            <a:r>
-              <a:rPr lang="en-US" dirty="0" err="1"/>
-              <a:t>ChatGpt</a:t>
-            </a:r>
-            <a:endParaRPr lang="en-US" dirty="0"/>
-          </a:p>
-          <a:p>
-            <a:endParaRPr lang="en-US" dirty="0"/>
-          </a:p>
-          <a:p>
-            <a:r>
-              <a:rPr lang="en-US" dirty="0"/>
-              <a:t>Implement raw rest api call (swagger doc available) or use </a:t>
-            </a:r>
-            <a:r>
-              <a:rPr lang="en-US" dirty="0" err="1"/>
-              <a:t>Sdks</a:t>
-            </a:r>
-            <a:r>
-              <a:rPr lang="en-US" dirty="0"/>
-              <a:t> (MS provided and others)</a:t>
-            </a:r>
-          </a:p>
-          <a:p>
-            <a:pPr lvl="1"/>
-            <a:r>
-              <a:rPr lang="en-US" dirty="0"/>
-              <a:t>MS </a:t>
-            </a:r>
-            <a:r>
-              <a:rPr lang="en-US" dirty="0" err="1"/>
-              <a:t>Sdk</a:t>
-            </a:r>
-            <a:r>
-              <a:rPr lang="en-US" dirty="0"/>
-              <a:t> works both with open.ai and Azure open.ai</a:t>
-            </a:r>
-          </a:p>
-          <a:p>
-            <a:endParaRPr lang="en-US" dirty="0"/>
-          </a:p>
-        </p:txBody>
-      </p:sp>
-      <p:sp>
-        <p:nvSpPr>
-          <p:cNvPr id="3" name="Title 2">
-            <a:extLst>
-              <a:ext uri="{FF2B5EF4-FFF2-40B4-BE49-F238E27FC236}">
-                <a16:creationId xmlns:a16="http://schemas.microsoft.com/office/drawing/2014/main" id="{637A408B-1A99-4249-40C2-32D8D328587C}"/>
-              </a:ext>
-            </a:extLst>
-          </p:cNvPr>
-          <p:cNvSpPr>
-            <a:spLocks noGrp="1"/>
-          </p:cNvSpPr>
-          <p:nvPr>
-            <p:ph type="title"/>
-          </p:nvPr>
-        </p:nvSpPr>
-        <p:spPr/>
-        <p:txBody>
-          <a:bodyPr>
-            <a:normAutofit fontScale="90000"/>
-          </a:bodyPr>
-          <a:lstStyle/>
-          <a:p>
-            <a:r>
-              <a:rPr lang="en-US" dirty="0"/>
-              <a:t>Chat-completion api endpoint</a:t>
-            </a:r>
-          </a:p>
-        </p:txBody>
-      </p:sp>
-    </p:spTree>
-    <p:extLst>
-      <p:ext uri="{BB962C8B-B14F-4D97-AF65-F5344CB8AC3E}">
-        <p14:creationId xmlns:p14="http://schemas.microsoft.com/office/powerpoint/2010/main" val="3849731296"/>
-      </p:ext>
-    </p:extLst>
-  </p:cSld>
-  <p:clrMapOvr>
-    <a:masterClrMapping/>
-  </p:clrMapOvr>
-</p:sld>
-</file>
-
-<file path=ppt/slides/slide8.xml><?xml version="1.0" encoding="utf-8"?>
 <p:sld xmlns:a="http://schemas.openxmlformats.org/drawingml/2006/main" xmlns:r="http://schemas.openxmlformats.org/officeDocument/2006/relationships" xmlns:p="http://schemas.openxmlformats.org/presentationml/2006/main">
   <p:cSld>
     <p:spTree>
@@ -32681,6 +33367,255 @@
 </p:sld>
 </file>
 
+<file path=ppt/slides/slide8.xml><?xml version="1.0" encoding="utf-8"?>
+<p:sld xmlns:a="http://schemas.openxmlformats.org/drawingml/2006/main" xmlns:r="http://schemas.openxmlformats.org/officeDocument/2006/relationships" xmlns:p="http://schemas.openxmlformats.org/presentationml/2006/main">
+  <p:cSld>
+    <p:spTree>
+      <p:nvGrpSpPr>
+        <p:cNvPr id="1" name=""/>
+        <p:cNvGrpSpPr/>
+        <p:nvPr/>
+      </p:nvGrpSpPr>
+      <p:grpSpPr>
+        <a:xfrm>
+          <a:off x="0" y="0"/>
+          <a:ext cx="0" cy="0"/>
+          <a:chOff x="0" y="0"/>
+          <a:chExt cx="0" cy="0"/>
+        </a:xfrm>
+      </p:grpSpPr>
+      <p:sp>
+        <p:nvSpPr>
+          <p:cNvPr id="2" name="Content Placeholder 1">
+            <a:extLst>
+              <a:ext uri="{FF2B5EF4-FFF2-40B4-BE49-F238E27FC236}">
+                <a16:creationId xmlns:a16="http://schemas.microsoft.com/office/drawing/2014/main" id="{42CA62D9-E05B-4D35-5ABE-79B20FCB535D}"/>
+              </a:ext>
+            </a:extLst>
+          </p:cNvPr>
+          <p:cNvSpPr>
+            <a:spLocks noGrp="1"/>
+          </p:cNvSpPr>
+          <p:nvPr>
+            <p:ph idx="1"/>
+          </p:nvPr>
+        </p:nvSpPr>
+        <p:spPr/>
+        <p:txBody>
+          <a:bodyPr/>
+          <a:lstStyle/>
+          <a:p>
+            <a:r>
+              <a:rPr lang="en-US" dirty="0"/>
+              <a:t>Chat-completion api is stateless</a:t>
+            </a:r>
+          </a:p>
+          <a:p>
+            <a:pPr lvl="1"/>
+            <a:r>
+              <a:rPr lang="en-US" dirty="0"/>
+              <a:t>You need to provide as input the previous conversation </a:t>
+            </a:r>
+          </a:p>
+          <a:p>
+            <a:endParaRPr lang="en-US" dirty="0"/>
+          </a:p>
+        </p:txBody>
+      </p:sp>
+      <p:sp>
+        <p:nvSpPr>
+          <p:cNvPr id="3" name="Title 2">
+            <a:extLst>
+              <a:ext uri="{FF2B5EF4-FFF2-40B4-BE49-F238E27FC236}">
+                <a16:creationId xmlns:a16="http://schemas.microsoft.com/office/drawing/2014/main" id="{C9AA699F-59BA-40F9-05A2-2944FA58D64A}"/>
+              </a:ext>
+            </a:extLst>
+          </p:cNvPr>
+          <p:cNvSpPr>
+            <a:spLocks noGrp="1"/>
+          </p:cNvSpPr>
+          <p:nvPr>
+            <p:ph type="title"/>
+          </p:nvPr>
+        </p:nvSpPr>
+        <p:spPr/>
+        <p:txBody>
+          <a:bodyPr>
+            <a:normAutofit fontScale="90000"/>
+          </a:bodyPr>
+          <a:lstStyle/>
+          <a:p>
+            <a:r>
+              <a:rPr lang="en-US" dirty="0"/>
+              <a:t>Conversation history management</a:t>
+            </a:r>
+          </a:p>
+        </p:txBody>
+      </p:sp>
+      <p:sp>
+        <p:nvSpPr>
+          <p:cNvPr id="4" name="TextBox 3">
+            <a:extLst>
+              <a:ext uri="{FF2B5EF4-FFF2-40B4-BE49-F238E27FC236}">
+                <a16:creationId xmlns:a16="http://schemas.microsoft.com/office/drawing/2014/main" id="{543268EE-B455-CA3A-898E-13D799EBDFA6}"/>
+              </a:ext>
+            </a:extLst>
+          </p:cNvPr>
+          <p:cNvSpPr txBox="1"/>
+          <p:nvPr/>
+        </p:nvSpPr>
+        <p:spPr>
+          <a:xfrm>
+            <a:off x="1010370" y="2250898"/>
+            <a:ext cx="9154485" cy="4031873"/>
+          </a:xfrm>
+          <a:prstGeom prst="rect">
+            <a:avLst/>
+          </a:prstGeom>
+          <a:noFill/>
+          <a:ln w="12700">
+            <a:solidFill>
+              <a:schemeClr val="tx1"/>
+            </a:solidFill>
+          </a:ln>
+        </p:spPr>
+        <p:txBody>
+          <a:bodyPr wrap="square" rtlCol="0">
+            <a:spAutoFit/>
+          </a:bodyPr>
+          <a:lstStyle/>
+          <a:p>
+            <a:r>
+              <a:rPr lang="en-US" sz="1600" b="1" dirty="0"/>
+              <a:t>Q1</a:t>
+            </a:r>
+            <a:r>
+              <a:rPr lang="en-US" sz="1600" dirty="0"/>
+              <a:t>: {"messages":     [</a:t>
+            </a:r>
+          </a:p>
+          <a:p>
+            <a:r>
+              <a:rPr lang="en-US" sz="1600" dirty="0"/>
+              <a:t>        {"role": "user", "content": "Who won second world war?"}</a:t>
+            </a:r>
+          </a:p>
+          <a:p>
+            <a:r>
+              <a:rPr lang="en-US" sz="1600" dirty="0"/>
+              <a:t>   ]</a:t>
+            </a:r>
+          </a:p>
+          <a:p>
+            <a:r>
+              <a:rPr lang="en-US" sz="1600" dirty="0"/>
+              <a:t>}</a:t>
+            </a:r>
+          </a:p>
+          <a:p>
+            <a:r>
+              <a:rPr lang="en-US" sz="1600" b="1" dirty="0"/>
+              <a:t>A1</a:t>
+            </a:r>
+            <a:r>
+              <a:rPr lang="en-US" sz="1600" dirty="0"/>
+              <a:t>: {"message": {</a:t>
+            </a:r>
+          </a:p>
+          <a:p>
+            <a:r>
+              <a:rPr lang="en-US" sz="1600" dirty="0"/>
+              <a:t>                "role": "assistant",</a:t>
+            </a:r>
+          </a:p>
+          <a:p>
+            <a:r>
+              <a:rPr lang="en-US" sz="1600" b="1" dirty="0"/>
+              <a:t>                "content": "The Allied Powers, led by the United States .."</a:t>
+            </a:r>
+          </a:p>
+          <a:p>
+            <a:r>
+              <a:rPr lang="en-US" sz="1600" dirty="0"/>
+              <a:t>            }</a:t>
+            </a:r>
+          </a:p>
+          <a:p>
+            <a:r>
+              <a:rPr lang="en-US" sz="1600" dirty="0"/>
+              <a:t>}</a:t>
+            </a:r>
+          </a:p>
+          <a:p>
+            <a:r>
+              <a:rPr lang="en-US" sz="1600" dirty="0"/>
+              <a:t>-----------------------------------------------</a:t>
+            </a:r>
+          </a:p>
+          <a:p>
+            <a:r>
+              <a:rPr lang="en-US" sz="1600" b="1" dirty="0"/>
+              <a:t>Q2</a:t>
+            </a:r>
+            <a:r>
+              <a:rPr lang="en-US" sz="1600" dirty="0"/>
+              <a:t>: {"messages":    [</a:t>
+            </a:r>
+          </a:p>
+          <a:p>
+            <a:r>
+              <a:rPr lang="en-US" sz="1600" b="1" dirty="0">
+                <a:solidFill>
+                  <a:srgbClr val="FF0000"/>
+                </a:solidFill>
+              </a:rPr>
+              <a:t>      {"role": "user", "content": "Who won second world war?"},</a:t>
+            </a:r>
+          </a:p>
+          <a:p>
+            <a:r>
+              <a:rPr lang="en-US" sz="1600" b="1" dirty="0">
+                <a:solidFill>
+                  <a:srgbClr val="FF0000"/>
+                </a:solidFill>
+              </a:rPr>
+              <a:t>      { "role": "assistant", "content": "The Allied Powers, led by the United States .." },</a:t>
+            </a:r>
+          </a:p>
+          <a:p>
+            <a:r>
+              <a:rPr lang="en-US" sz="1600" dirty="0"/>
+              <a:t>      {"role": "user", "content": "and who lost it ?"}</a:t>
+            </a:r>
+          </a:p>
+          <a:p>
+            <a:r>
+              <a:rPr lang="en-US" sz="1600" dirty="0"/>
+              <a:t>   ]</a:t>
+            </a:r>
+            <a:br>
+              <a:rPr lang="en-US" sz="1600" dirty="0"/>
+            </a:br>
+            <a:r>
+              <a:rPr lang="en-US" sz="1600" dirty="0"/>
+              <a:t>}</a:t>
+            </a:r>
+          </a:p>
+        </p:txBody>
+      </p:sp>
+    </p:spTree>
+    <p:extLst>
+      <p:ext uri="{BB962C8B-B14F-4D97-AF65-F5344CB8AC3E}">
+        <p14:creationId xmlns:p14="http://schemas.microsoft.com/office/powerpoint/2010/main" val="2190368387"/>
+      </p:ext>
+    </p:extLst>
+  </p:cSld>
+  <p:clrMapOvr>
+    <a:masterClrMapping/>
+  </p:clrMapOvr>
+</p:sld>
+</file>
+
 <file path=ppt/slides/slide9.xml><?xml version="1.0" encoding="utf-8"?>
 <p:sld xmlns:a="http://schemas.openxmlformats.org/drawingml/2006/main" xmlns:r="http://schemas.openxmlformats.org/officeDocument/2006/relationships" xmlns:p="http://schemas.openxmlformats.org/presentationml/2006/main">
   <p:cSld>
@@ -32700,48 +33635,10 @@
       </p:grpSpPr>
       <p:sp>
         <p:nvSpPr>
-          <p:cNvPr id="2" name="Content Placeholder 1">
-            <a:extLst>
-              <a:ext uri="{FF2B5EF4-FFF2-40B4-BE49-F238E27FC236}">
-                <a16:creationId xmlns:a16="http://schemas.microsoft.com/office/drawing/2014/main" id="{42CA62D9-E05B-4D35-5ABE-79B20FCB535D}"/>
-              </a:ext>
-            </a:extLst>
-          </p:cNvPr>
-          <p:cNvSpPr>
-            <a:spLocks noGrp="1"/>
-          </p:cNvSpPr>
-          <p:nvPr>
-            <p:ph idx="1"/>
-          </p:nvPr>
-        </p:nvSpPr>
-        <p:spPr/>
-        <p:txBody>
-          <a:bodyPr/>
-          <a:lstStyle/>
-          <a:p>
-            <a:r>
-              <a:rPr lang="en-US" dirty="0"/>
-              <a:t>Chat-completion api is stateless</a:t>
-            </a:r>
-          </a:p>
-          <a:p>
-            <a:pPr lvl="1"/>
-            <a:r>
-              <a:rPr lang="en-US" dirty="0"/>
-              <a:t>You need to provide as input the previous conversation </a:t>
-            </a:r>
-          </a:p>
-          <a:p>
-            <a:endParaRPr lang="en-US" dirty="0"/>
-          </a:p>
-        </p:txBody>
-      </p:sp>
-      <p:sp>
-        <p:nvSpPr>
           <p:cNvPr id="3" name="Title 2">
             <a:extLst>
               <a:ext uri="{FF2B5EF4-FFF2-40B4-BE49-F238E27FC236}">
-                <a16:creationId xmlns:a16="http://schemas.microsoft.com/office/drawing/2014/main" id="{C9AA699F-59BA-40F9-05A2-2944FA58D64A}"/>
+                <a16:creationId xmlns:a16="http://schemas.microsoft.com/office/drawing/2014/main" id="{DD3AD5A8-6C74-3FBF-073D-0FBD29A65A38}"/>
               </a:ext>
             </a:extLst>
           </p:cNvPr>
@@ -32761,17 +33658,156 @@
           <a:p>
             <a:r>
               <a:rPr lang="en-US" dirty="0"/>
-              <a:t>Conversation history management</a:t>
-            </a:r>
-          </a:p>
-        </p:txBody>
-      </p:sp>
-      <p:sp>
-        <p:nvSpPr>
-          <p:cNvPr id="4" name="TextBox 3">
-            <a:extLst>
-              <a:ext uri="{FF2B5EF4-FFF2-40B4-BE49-F238E27FC236}">
-                <a16:creationId xmlns:a16="http://schemas.microsoft.com/office/drawing/2014/main" id="{543268EE-B455-CA3A-898E-13D799EBDFA6}"/>
+              <a:t>Chatbot Application layout</a:t>
+            </a:r>
+          </a:p>
+        </p:txBody>
+      </p:sp>
+      <p:sp>
+        <p:nvSpPr>
+          <p:cNvPr id="4" name="Rectangle 3">
+            <a:extLst>
+              <a:ext uri="{FF2B5EF4-FFF2-40B4-BE49-F238E27FC236}">
+                <a16:creationId xmlns:a16="http://schemas.microsoft.com/office/drawing/2014/main" id="{5CC477F6-CA40-B7EC-6882-DF7CC6E5FE2A}"/>
+              </a:ext>
+            </a:extLst>
+          </p:cNvPr>
+          <p:cNvSpPr/>
+          <p:nvPr/>
+        </p:nvSpPr>
+        <p:spPr>
+          <a:xfrm>
+            <a:off x="763398" y="2695187"/>
+            <a:ext cx="889233" cy="2214694"/>
+          </a:xfrm>
+          <a:prstGeom prst="rect">
+            <a:avLst/>
+          </a:prstGeom>
+        </p:spPr>
+        <p:style>
+          <a:lnRef idx="2">
+            <a:schemeClr val="accent1">
+              <a:shade val="15000"/>
+            </a:schemeClr>
+          </a:lnRef>
+          <a:fillRef idx="1">
+            <a:schemeClr val="accent1"/>
+          </a:fillRef>
+          <a:effectRef idx="0">
+            <a:schemeClr val="accent1"/>
+          </a:effectRef>
+          <a:fontRef idx="minor">
+            <a:schemeClr val="lt1"/>
+          </a:fontRef>
+        </p:style>
+        <p:txBody>
+          <a:bodyPr rtlCol="0" anchor="ctr"/>
+          <a:lstStyle/>
+          <a:p>
+            <a:pPr algn="ctr"/>
+            <a:endParaRPr lang="en-US"/>
+          </a:p>
+        </p:txBody>
+      </p:sp>
+      <p:sp>
+        <p:nvSpPr>
+          <p:cNvPr id="5" name="Rectangle 4">
+            <a:extLst>
+              <a:ext uri="{FF2B5EF4-FFF2-40B4-BE49-F238E27FC236}">
+                <a16:creationId xmlns:a16="http://schemas.microsoft.com/office/drawing/2014/main" id="{43DA2B07-40D4-4605-3151-E70807F56155}"/>
+              </a:ext>
+            </a:extLst>
+          </p:cNvPr>
+          <p:cNvSpPr/>
+          <p:nvPr/>
+        </p:nvSpPr>
+        <p:spPr>
+          <a:xfrm>
+            <a:off x="1863754" y="2695187"/>
+            <a:ext cx="8161090" cy="2214694"/>
+          </a:xfrm>
+          <a:prstGeom prst="rect">
+            <a:avLst/>
+          </a:prstGeom>
+          <a:solidFill>
+            <a:schemeClr val="bg2"/>
+          </a:solidFill>
+          <a:ln>
+            <a:solidFill>
+              <a:schemeClr val="accent1">
+                <a:lumMod val="20000"/>
+                <a:lumOff val="80000"/>
+              </a:schemeClr>
+            </a:solidFill>
+          </a:ln>
+        </p:spPr>
+        <p:style>
+          <a:lnRef idx="2">
+            <a:schemeClr val="accent1">
+              <a:shade val="15000"/>
+            </a:schemeClr>
+          </a:lnRef>
+          <a:fillRef idx="1">
+            <a:schemeClr val="accent1"/>
+          </a:fillRef>
+          <a:effectRef idx="0">
+            <a:schemeClr val="accent1"/>
+          </a:effectRef>
+          <a:fontRef idx="minor">
+            <a:schemeClr val="lt1"/>
+          </a:fontRef>
+        </p:style>
+        <p:txBody>
+          <a:bodyPr rtlCol="0" anchor="ctr"/>
+          <a:lstStyle/>
+          <a:p>
+            <a:pPr algn="ctr"/>
+            <a:endParaRPr lang="en-US"/>
+          </a:p>
+        </p:txBody>
+      </p:sp>
+      <p:pic>
+        <p:nvPicPr>
+          <p:cNvPr id="6" name="Picture 5" descr="A logo of a company&#10;&#10;Description automatically generated">
+            <a:extLst>
+              <a:ext uri="{FF2B5EF4-FFF2-40B4-BE49-F238E27FC236}">
+                <a16:creationId xmlns:a16="http://schemas.microsoft.com/office/drawing/2014/main" id="{52302A97-D9B3-C527-8114-D874C8236780}"/>
+              </a:ext>
+            </a:extLst>
+          </p:cNvPr>
+          <p:cNvPicPr>
+            <a:picLocks noChangeAspect="1"/>
+          </p:cNvPicPr>
+          <p:nvPr/>
+        </p:nvPicPr>
+        <p:blipFill>
+          <a:blip r:embed="rId2">
+            <a:extLst>
+              <a:ext uri="{28A0092B-C50C-407E-A947-70E740481C1C}">
+                <a14:useLocalDpi xmlns:a14="http://schemas.microsoft.com/office/drawing/2010/main" val="0"/>
+              </a:ext>
+            </a:extLst>
+          </a:blip>
+          <a:stretch>
+            <a:fillRect/>
+          </a:stretch>
+        </p:blipFill>
+        <p:spPr>
+          <a:xfrm>
+            <a:off x="10235967" y="2884245"/>
+            <a:ext cx="1622965" cy="1622965"/>
+          </a:xfrm>
+          <a:prstGeom prst="rect">
+            <a:avLst/>
+          </a:prstGeom>
+        </p:spPr>
+      </p:pic>
+      <p:sp>
+        <p:nvSpPr>
+          <p:cNvPr id="7" name="TextBox 6">
+            <a:extLst>
+              <a:ext uri="{FF2B5EF4-FFF2-40B4-BE49-F238E27FC236}">
+                <a16:creationId xmlns:a16="http://schemas.microsoft.com/office/drawing/2014/main" id="{F1DF3A1F-FBB8-6F3B-6D76-A6E1DE0E2765}"/>
               </a:ext>
             </a:extLst>
           </p:cNvPr>
@@ -32780,8 +33816,8 @@
         </p:nvSpPr>
         <p:spPr>
           <a:xfrm>
-            <a:off x="1189664" y="2672239"/>
-            <a:ext cx="9154485" cy="3539430"/>
+            <a:off x="4028980" y="1915922"/>
+            <a:ext cx="2355004" cy="646331"/>
           </a:xfrm>
           <a:prstGeom prst="rect">
             <a:avLst/>
@@ -32789,121 +33825,422 @@
           <a:noFill/>
         </p:spPr>
         <p:txBody>
-          <a:bodyPr wrap="square" rtlCol="0">
+          <a:bodyPr wrap="none" rtlCol="0">
             <a:spAutoFit/>
           </a:bodyPr>
           <a:lstStyle/>
           <a:p>
-            <a:r>
-              <a:rPr lang="en-US" sz="1400" b="1" dirty="0"/>
-              <a:t>Q1</a:t>
-            </a:r>
-            <a:r>
-              <a:rPr lang="en-US" sz="1400" dirty="0"/>
-              <a:t>: {"messages":     [</a:t>
-            </a:r>
-          </a:p>
-          <a:p>
-            <a:r>
-              <a:rPr lang="en-US" sz="1400" dirty="0"/>
-              <a:t>        {"role": "user", "content": "Who won second world war?"}</a:t>
-            </a:r>
-          </a:p>
-          <a:p>
-            <a:r>
-              <a:rPr lang="en-US" sz="1400" dirty="0"/>
-              <a:t>   ]</a:t>
-            </a:r>
-          </a:p>
-          <a:p>
-            <a:r>
-              <a:rPr lang="en-US" sz="1400" dirty="0"/>
-              <a:t>}</a:t>
-            </a:r>
-          </a:p>
-          <a:p>
-            <a:r>
-              <a:rPr lang="en-US" sz="1400" b="1" dirty="0"/>
-              <a:t>A1</a:t>
-            </a:r>
-            <a:r>
-              <a:rPr lang="en-US" sz="1400" dirty="0"/>
-              <a:t>: {"message": {</a:t>
-            </a:r>
-          </a:p>
-          <a:p>
-            <a:r>
-              <a:rPr lang="en-US" sz="1400" dirty="0"/>
-              <a:t>                "role": "assistant",</a:t>
-            </a:r>
-          </a:p>
-          <a:p>
-            <a:r>
-              <a:rPr lang="en-US" sz="1400" b="1" dirty="0"/>
-              <a:t>                "content": "The Allied Powers, led by the United States .."</a:t>
-            </a:r>
-          </a:p>
-          <a:p>
-            <a:r>
-              <a:rPr lang="en-US" sz="1400" dirty="0"/>
-              <a:t>            }</a:t>
-            </a:r>
-          </a:p>
-          <a:p>
-            <a:r>
-              <a:rPr lang="en-US" sz="1400" dirty="0"/>
-              <a:t>}</a:t>
-            </a:r>
-          </a:p>
-          <a:p>
-            <a:r>
-              <a:rPr lang="en-US" sz="1400" dirty="0"/>
-              <a:t>-----------------------------------------------</a:t>
-            </a:r>
-          </a:p>
-          <a:p>
-            <a:r>
-              <a:rPr lang="en-US" sz="1400" b="1" dirty="0"/>
-              <a:t>Q2</a:t>
-            </a:r>
-            <a:r>
-              <a:rPr lang="en-US" sz="1400" dirty="0"/>
-              <a:t>: {"messages":    [</a:t>
-            </a:r>
-          </a:p>
-          <a:p>
-            <a:r>
-              <a:rPr lang="en-US" sz="1400" dirty="0"/>
-              <a:t>      {"role": "user", "content": "Who won second world war?"},</a:t>
-            </a:r>
-          </a:p>
-          <a:p>
-            <a:r>
-              <a:rPr lang="en-US" sz="1400" b="1" dirty="0">
-                <a:solidFill>
-                  <a:srgbClr val="FF0000"/>
+            <a:pPr algn="ctr"/>
+            <a:r>
+              <a:rPr lang="en-US" dirty="0"/>
+              <a:t>backend : </a:t>
+            </a:r>
+            <a:br>
+              <a:rPr lang="en-US" dirty="0"/>
+            </a:br>
+            <a:r>
+              <a:rPr lang="en-US" dirty="0" err="1"/>
+              <a:t>RestApi</a:t>
+            </a:r>
+            <a:r>
+              <a:rPr lang="en-US" dirty="0"/>
+              <a:t>/</a:t>
+            </a:r>
+            <a:r>
+              <a:rPr lang="en-US" dirty="0" err="1"/>
+              <a:t>Grpc</a:t>
+            </a:r>
+            <a:r>
+              <a:rPr lang="en-US" dirty="0"/>
+              <a:t>/</a:t>
+            </a:r>
+            <a:r>
+              <a:rPr lang="en-US" dirty="0" err="1"/>
+              <a:t>GraphQl</a:t>
+            </a:r>
+            <a:r>
+              <a:rPr lang="en-US" dirty="0"/>
+              <a:t> </a:t>
+            </a:r>
+          </a:p>
+        </p:txBody>
+      </p:sp>
+      <p:cxnSp>
+        <p:nvCxnSpPr>
+          <p:cNvPr id="8" name="Straight Arrow Connector 7">
+            <a:extLst>
+              <a:ext uri="{FF2B5EF4-FFF2-40B4-BE49-F238E27FC236}">
+                <a16:creationId xmlns:a16="http://schemas.microsoft.com/office/drawing/2014/main" id="{0B414B26-0DF2-931F-1309-6466BD26DBDF}"/>
+              </a:ext>
+            </a:extLst>
+          </p:cNvPr>
+          <p:cNvCxnSpPr>
+            <a:cxnSpLocks/>
+          </p:cNvCxnSpPr>
+          <p:nvPr/>
+        </p:nvCxnSpPr>
+        <p:spPr>
+          <a:xfrm>
+            <a:off x="2167156" y="3802534"/>
+            <a:ext cx="7706686" cy="0"/>
+          </a:xfrm>
+          <a:prstGeom prst="straightConnector1">
+            <a:avLst/>
+          </a:prstGeom>
+          <a:ln w="63500">
+            <a:tailEnd type="triangle"/>
+          </a:ln>
+        </p:spPr>
+        <p:style>
+          <a:lnRef idx="1">
+            <a:schemeClr val="accent1"/>
+          </a:lnRef>
+          <a:fillRef idx="0">
+            <a:schemeClr val="accent1"/>
+          </a:fillRef>
+          <a:effectRef idx="0">
+            <a:schemeClr val="accent1"/>
+          </a:effectRef>
+          <a:fontRef idx="minor">
+            <a:schemeClr val="tx1"/>
+          </a:fontRef>
+        </p:style>
+      </p:cxnSp>
+      <p:cxnSp>
+        <p:nvCxnSpPr>
+          <p:cNvPr id="9" name="Straight Arrow Connector 8">
+            <a:extLst>
+              <a:ext uri="{FF2B5EF4-FFF2-40B4-BE49-F238E27FC236}">
+                <a16:creationId xmlns:a16="http://schemas.microsoft.com/office/drawing/2014/main" id="{719C94CB-360A-1998-1F02-FE7CAFC23954}"/>
+              </a:ext>
+            </a:extLst>
+          </p:cNvPr>
+          <p:cNvCxnSpPr>
+            <a:cxnSpLocks/>
+          </p:cNvCxnSpPr>
+          <p:nvPr/>
+        </p:nvCxnSpPr>
+        <p:spPr>
+          <a:xfrm>
+            <a:off x="2123605" y="3954934"/>
+            <a:ext cx="7706686" cy="0"/>
+          </a:xfrm>
+          <a:prstGeom prst="straightConnector1">
+            <a:avLst/>
+          </a:prstGeom>
+          <a:ln w="63500">
+            <a:headEnd type="stealth"/>
+            <a:tailEnd type="none"/>
+          </a:ln>
+        </p:spPr>
+        <p:style>
+          <a:lnRef idx="1">
+            <a:schemeClr val="accent1"/>
+          </a:lnRef>
+          <a:fillRef idx="0">
+            <a:schemeClr val="accent1"/>
+          </a:fillRef>
+          <a:effectRef idx="0">
+            <a:schemeClr val="accent1"/>
+          </a:effectRef>
+          <a:fontRef idx="minor">
+            <a:schemeClr val="tx1"/>
+          </a:fontRef>
+        </p:style>
+      </p:cxnSp>
+      <p:sp>
+        <p:nvSpPr>
+          <p:cNvPr id="10" name="Flowchart: Connector 9">
+            <a:extLst>
+              <a:ext uri="{FF2B5EF4-FFF2-40B4-BE49-F238E27FC236}">
+                <a16:creationId xmlns:a16="http://schemas.microsoft.com/office/drawing/2014/main" id="{DF097896-0BF5-EB78-ADC7-B16D2F8DFD27}"/>
+              </a:ext>
+            </a:extLst>
+          </p:cNvPr>
+          <p:cNvSpPr/>
+          <p:nvPr/>
+        </p:nvSpPr>
+        <p:spPr>
+          <a:xfrm>
+            <a:off x="4544008" y="3569011"/>
+            <a:ext cx="662474" cy="625151"/>
+          </a:xfrm>
+          <a:prstGeom prst="flowChartConnector">
+            <a:avLst/>
+          </a:prstGeom>
+          <a:solidFill>
+            <a:schemeClr val="accent2">
+              <a:lumMod val="75000"/>
+            </a:schemeClr>
+          </a:solidFill>
+        </p:spPr>
+        <p:style>
+          <a:lnRef idx="2">
+            <a:schemeClr val="accent4">
+              <a:shade val="15000"/>
+            </a:schemeClr>
+          </a:lnRef>
+          <a:fillRef idx="1">
+            <a:schemeClr val="accent4"/>
+          </a:fillRef>
+          <a:effectRef idx="0">
+            <a:schemeClr val="accent4"/>
+          </a:effectRef>
+          <a:fontRef idx="minor">
+            <a:schemeClr val="lt1"/>
+          </a:fontRef>
+        </p:style>
+        <p:txBody>
+          <a:bodyPr rtlCol="0" anchor="ctr"/>
+          <a:lstStyle/>
+          <a:p>
+            <a:pPr algn="ctr"/>
+            <a:r>
+              <a:rPr lang="en-US" dirty="0"/>
+              <a:t>1</a:t>
+            </a:r>
+          </a:p>
+        </p:txBody>
+      </p:sp>
+      <p:sp>
+        <p:nvSpPr>
+          <p:cNvPr id="11" name="Callout: Line 10">
+            <a:extLst>
+              <a:ext uri="{FF2B5EF4-FFF2-40B4-BE49-F238E27FC236}">
+                <a16:creationId xmlns:a16="http://schemas.microsoft.com/office/drawing/2014/main" id="{A3FA5E79-9E99-5DB0-AC12-2B82A9855637}"/>
+              </a:ext>
+            </a:extLst>
+          </p:cNvPr>
+          <p:cNvSpPr/>
+          <p:nvPr/>
+        </p:nvSpPr>
+        <p:spPr>
+          <a:xfrm>
+            <a:off x="6186196" y="5404580"/>
+            <a:ext cx="2920482" cy="612648"/>
+          </a:xfrm>
+          <a:prstGeom prst="borderCallout1">
+            <a:avLst>
+              <a:gd name="adj1" fmla="val 18750"/>
+              <a:gd name="adj2" fmla="val -8333"/>
+              <a:gd name="adj3" fmla="val -189053"/>
+              <a:gd name="adj4" fmla="val -42203"/>
+            </a:avLst>
+          </a:prstGeom>
+          <a:noFill/>
+        </p:spPr>
+        <p:style>
+          <a:lnRef idx="2">
+            <a:schemeClr val="accent1">
+              <a:shade val="15000"/>
+            </a:schemeClr>
+          </a:lnRef>
+          <a:fillRef idx="1">
+            <a:schemeClr val="accent1"/>
+          </a:fillRef>
+          <a:effectRef idx="0">
+            <a:schemeClr val="accent1"/>
+          </a:effectRef>
+          <a:fontRef idx="minor">
+            <a:schemeClr val="lt1"/>
+          </a:fontRef>
+        </p:style>
+        <p:txBody>
+          <a:bodyPr rtlCol="0" anchor="ctr"/>
+          <a:lstStyle/>
+          <a:p>
+            <a:pPr algn="ctr"/>
+            <a:r>
+              <a:rPr lang="en-US" sz="1200" b="1" i="1" dirty="0">
+                <a:solidFill>
+                  <a:schemeClr val="tx1"/>
                 </a:solidFill>
               </a:rPr>
-              <a:t>      { "role": "assistant", "content": "The Allied Powers, led by the United States .." },</a:t>
-            </a:r>
-          </a:p>
-          <a:p>
-            <a:r>
-              <a:rPr lang="en-US" sz="1400" dirty="0"/>
-              <a:t>      {"role": "user", "content": "and who lost it ?"}</a:t>
-            </a:r>
-          </a:p>
-          <a:p>
-            <a:r>
-              <a:rPr lang="en-US" sz="1400" dirty="0"/>
-              <a:t>   ]</a:t>
+              <a:t>Conversation manager </a:t>
+            </a:r>
+            <a:r>
+              <a:rPr lang="en-US" sz="1200" dirty="0">
+                <a:solidFill>
+                  <a:schemeClr val="tx1"/>
+                </a:solidFill>
+              </a:rPr>
+              <a:t>middleware</a:t>
             </a:r>
             <a:br>
-              <a:rPr lang="en-US" sz="1400" dirty="0"/>
+              <a:rPr lang="en-US" sz="1200" dirty="0">
+                <a:solidFill>
+                  <a:schemeClr val="tx1"/>
+                </a:solidFill>
+              </a:rPr>
             </a:br>
             <a:r>
-              <a:rPr lang="en-US" sz="1400" dirty="0"/>
-              <a:t>}</a:t>
+              <a:rPr lang="en-US" sz="1200" b="1" dirty="0">
+                <a:solidFill>
+                  <a:schemeClr val="tx1"/>
+                </a:solidFill>
+              </a:rPr>
+              <a:t>In</a:t>
+            </a:r>
+            <a:r>
+              <a:rPr lang="en-US" sz="1200" dirty="0">
+                <a:solidFill>
+                  <a:schemeClr val="tx1"/>
+                </a:solidFill>
+              </a:rPr>
+              <a:t>: load conversation by conversation Id</a:t>
+            </a:r>
+            <a:br>
+              <a:rPr lang="en-US" sz="1200" dirty="0">
+                <a:solidFill>
+                  <a:schemeClr val="tx1"/>
+                </a:solidFill>
+              </a:rPr>
+            </a:br>
+            <a:r>
+              <a:rPr lang="en-US" sz="1200" b="1" dirty="0">
+                <a:solidFill>
+                  <a:schemeClr val="tx1"/>
+                </a:solidFill>
+              </a:rPr>
+              <a:t>Out</a:t>
+            </a:r>
+            <a:r>
+              <a:rPr lang="en-US" sz="1200" dirty="0">
+                <a:solidFill>
+                  <a:schemeClr val="tx1"/>
+                </a:solidFill>
+              </a:rPr>
+              <a:t>: store new conversation iteration </a:t>
+            </a:r>
+          </a:p>
+        </p:txBody>
+      </p:sp>
+      <p:sp>
+        <p:nvSpPr>
+          <p:cNvPr id="12" name="Flowchart: Magnetic Disk 11">
+            <a:extLst>
+              <a:ext uri="{FF2B5EF4-FFF2-40B4-BE49-F238E27FC236}">
+                <a16:creationId xmlns:a16="http://schemas.microsoft.com/office/drawing/2014/main" id="{CABBE674-C5AE-360B-D1D2-2DEFC47BC0F0}"/>
+              </a:ext>
+            </a:extLst>
+          </p:cNvPr>
+          <p:cNvSpPr/>
+          <p:nvPr/>
+        </p:nvSpPr>
+        <p:spPr>
+          <a:xfrm>
+            <a:off x="5181600" y="5449602"/>
+            <a:ext cx="914400" cy="612648"/>
+          </a:xfrm>
+          <a:prstGeom prst="flowChartMagneticDisk">
+            <a:avLst/>
+          </a:prstGeom>
+          <a:solidFill>
+            <a:schemeClr val="accent6">
+              <a:lumMod val="40000"/>
+              <a:lumOff val="60000"/>
+            </a:schemeClr>
+          </a:solidFill>
+        </p:spPr>
+        <p:style>
+          <a:lnRef idx="2">
+            <a:schemeClr val="accent1">
+              <a:shade val="15000"/>
+            </a:schemeClr>
+          </a:lnRef>
+          <a:fillRef idx="1">
+            <a:schemeClr val="accent1"/>
+          </a:fillRef>
+          <a:effectRef idx="0">
+            <a:schemeClr val="accent1"/>
+          </a:effectRef>
+          <a:fontRef idx="minor">
+            <a:schemeClr val="lt1"/>
+          </a:fontRef>
+        </p:style>
+        <p:txBody>
+          <a:bodyPr rtlCol="0" anchor="ctr"/>
+          <a:lstStyle/>
+          <a:p>
+            <a:pPr algn="ctr"/>
+            <a:endParaRPr lang="en-US"/>
+          </a:p>
+        </p:txBody>
+      </p:sp>
+      <p:sp>
+        <p:nvSpPr>
+          <p:cNvPr id="14" name="TextBox 13">
+            <a:extLst>
+              <a:ext uri="{FF2B5EF4-FFF2-40B4-BE49-F238E27FC236}">
+                <a16:creationId xmlns:a16="http://schemas.microsoft.com/office/drawing/2014/main" id="{4DB90EDA-2889-467D-A333-F24C6CD6898D}"/>
+              </a:ext>
+            </a:extLst>
+          </p:cNvPr>
+          <p:cNvSpPr txBox="1"/>
+          <p:nvPr/>
+        </p:nvSpPr>
+        <p:spPr>
+          <a:xfrm>
+            <a:off x="252026" y="1915922"/>
+            <a:ext cx="1842427" cy="646331"/>
+          </a:xfrm>
+          <a:prstGeom prst="rect">
+            <a:avLst/>
+          </a:prstGeom>
+          <a:noFill/>
+        </p:spPr>
+        <p:txBody>
+          <a:bodyPr wrap="none" rtlCol="0">
+            <a:spAutoFit/>
+          </a:bodyPr>
+          <a:lstStyle/>
+          <a:p>
+            <a:pPr algn="ctr"/>
+            <a:r>
+              <a:rPr lang="en-US" dirty="0"/>
+              <a:t>UI : </a:t>
+            </a:r>
+            <a:br>
+              <a:rPr lang="en-US" dirty="0"/>
+            </a:br>
+            <a:r>
+              <a:rPr lang="en-US" dirty="0"/>
+              <a:t>JS / Windows app</a:t>
+            </a:r>
+          </a:p>
+        </p:txBody>
+      </p:sp>
+      <p:sp>
+        <p:nvSpPr>
+          <p:cNvPr id="15" name="TextBox 14">
+            <a:extLst>
+              <a:ext uri="{FF2B5EF4-FFF2-40B4-BE49-F238E27FC236}">
+                <a16:creationId xmlns:a16="http://schemas.microsoft.com/office/drawing/2014/main" id="{4B56F5F7-4F07-251C-B13D-D2761DBF4D1A}"/>
+              </a:ext>
+            </a:extLst>
+          </p:cNvPr>
+          <p:cNvSpPr txBox="1"/>
+          <p:nvPr/>
+        </p:nvSpPr>
+        <p:spPr>
+          <a:xfrm>
+            <a:off x="763398" y="5638950"/>
+            <a:ext cx="958917" cy="369332"/>
+          </a:xfrm>
+          <a:prstGeom prst="rect">
+            <a:avLst/>
+          </a:prstGeom>
+          <a:noFill/>
+        </p:spPr>
+        <p:txBody>
+          <a:bodyPr wrap="none" rtlCol="0">
+            <a:spAutoFit/>
+          </a:bodyPr>
+          <a:lstStyle/>
+          <a:p>
+            <a:r>
+              <a:rPr lang="en-US" dirty="0"/>
+              <a:t>DEMO 1</a:t>
             </a:r>
           </a:p>
         </p:txBody>
@@ -32911,7 +34248,7 @@
     </p:spTree>
     <p:extLst>
       <p:ext uri="{BB962C8B-B14F-4D97-AF65-F5344CB8AC3E}">
-        <p14:creationId xmlns:p14="http://schemas.microsoft.com/office/powerpoint/2010/main" val="2190368387"/>
+        <p14:creationId xmlns:p14="http://schemas.microsoft.com/office/powerpoint/2010/main" val="953759949"/>
       </p:ext>
     </p:extLst>
   </p:cSld>

--- a/sessions/room1_15_30/azure-day-ChatBot.pptx
+++ b/sessions/room1_15_30/azure-day-ChatBot.pptx
@@ -12,7 +12,7 @@
   </p:handoutMasterIdLst>
   <p:sldIdLst>
     <p:sldId id="256" r:id="rId5"/>
-    <p:sldId id="258" r:id="rId6"/>
+    <p:sldId id="317" r:id="rId6"/>
     <p:sldId id="264" r:id="rId7"/>
     <p:sldId id="266" r:id="rId8"/>
     <p:sldId id="267" r:id="rId9"/>
@@ -1243,7 +1243,7 @@
           <a:p>
             <a:fld id="{CAA74DD2-8E53-470B-8646-02BB9552BE22}" type="datetimeFigureOut">
               <a:rPr lang="it-IT" smtClean="0"/>
-              <a:t>13/10/2023</a:t>
+              <a:t>14/10/2023</a:t>
             </a:fld>
             <a:endParaRPr lang="it-IT"/>
           </a:p>
@@ -1972,7 +1972,7 @@
           <a:p>
             <a:fld id="{A73219E7-05B6-4637-82E9-CF903832277D}" type="datetimeFigureOut">
               <a:rPr lang="en-US" smtClean="0"/>
-              <a:t>10/13/2023</a:t>
+              <a:t>10/14/2023</a:t>
             </a:fld>
             <a:endParaRPr lang="en-US"/>
           </a:p>
@@ -21283,10 +21283,245 @@
           <a:chExt cx="0" cy="0"/>
         </a:xfrm>
       </p:grpSpPr>
+      <p:sp>
+        <p:nvSpPr>
+          <p:cNvPr id="2" name="Content Placeholder 1">
+            <a:extLst>
+              <a:ext uri="{FF2B5EF4-FFF2-40B4-BE49-F238E27FC236}">
+                <a16:creationId xmlns:a16="http://schemas.microsoft.com/office/drawing/2014/main" id="{89AB57CE-06E0-4733-25DC-5522C9684124}"/>
+              </a:ext>
+            </a:extLst>
+          </p:cNvPr>
+          <p:cNvSpPr>
+            <a:spLocks noGrp="1"/>
+          </p:cNvSpPr>
+          <p:nvPr>
+            <p:ph idx="1"/>
+          </p:nvPr>
+        </p:nvSpPr>
+        <p:spPr/>
+        <p:txBody>
+          <a:bodyPr/>
+          <a:lstStyle/>
+          <a:p>
+            <a:pPr marL="0" indent="0">
+              <a:buNone/>
+            </a:pPr>
+            <a:r>
+              <a:rPr lang="en-US" dirty="0"/>
+              <a:t>Come far </a:t>
+            </a:r>
+            <a:r>
+              <a:rPr lang="en-US" dirty="0" err="1"/>
+              <a:t>rispondere</a:t>
+            </a:r>
+            <a:r>
+              <a:rPr lang="en-US" dirty="0"/>
+              <a:t> chatgpt sun </a:t>
+            </a:r>
+            <a:r>
+              <a:rPr lang="en-US" dirty="0" err="1"/>
+              <a:t>ambito</a:t>
+            </a:r>
+            <a:r>
+              <a:rPr lang="en-US" dirty="0"/>
+              <a:t>, un </a:t>
+            </a:r>
+            <a:r>
+              <a:rPr lang="en-US" dirty="0" err="1"/>
+              <a:t>dominio</a:t>
+            </a:r>
+            <a:r>
+              <a:rPr lang="en-US" dirty="0"/>
+              <a:t> di </a:t>
+            </a:r>
+            <a:r>
+              <a:rPr lang="en-US" dirty="0" err="1"/>
+              <a:t>di</a:t>
+            </a:r>
+            <a:r>
+              <a:rPr lang="en-US" dirty="0"/>
+              <a:t> </a:t>
+            </a:r>
+            <a:r>
+              <a:rPr lang="en-US" dirty="0" err="1"/>
+              <a:t>conoscenza</a:t>
+            </a:r>
+            <a:r>
+              <a:rPr lang="en-US" dirty="0"/>
+              <a:t> e </a:t>
+            </a:r>
+            <a:r>
+              <a:rPr lang="en-US" dirty="0" err="1"/>
+              <a:t>sapere</a:t>
+            </a:r>
+            <a:r>
+              <a:rPr lang="en-US" dirty="0"/>
+              <a:t>  </a:t>
+            </a:r>
+            <a:r>
+              <a:rPr lang="en-US" dirty="0" err="1"/>
+              <a:t>che</a:t>
+            </a:r>
+            <a:r>
+              <a:rPr lang="en-US" dirty="0"/>
+              <a:t> non fa </a:t>
+            </a:r>
+            <a:r>
+              <a:rPr lang="en-US" dirty="0" err="1"/>
+              <a:t>parte</a:t>
+            </a:r>
+            <a:r>
+              <a:rPr lang="en-US" dirty="0"/>
+              <a:t> del set di </a:t>
+            </a:r>
+            <a:r>
+              <a:rPr lang="en-US" dirty="0" err="1"/>
+              <a:t>informazioni</a:t>
+            </a:r>
+            <a:r>
+              <a:rPr lang="en-US" dirty="0"/>
+              <a:t> </a:t>
+            </a:r>
+            <a:r>
+              <a:rPr lang="en-US" dirty="0" err="1"/>
+              <a:t>iniziali</a:t>
+            </a:r>
+            <a:r>
+              <a:rPr lang="en-US" dirty="0"/>
+              <a:t> </a:t>
+            </a:r>
+            <a:r>
+              <a:rPr lang="en-US" dirty="0" err="1"/>
+              <a:t>utilizzate</a:t>
+            </a:r>
+            <a:r>
+              <a:rPr lang="en-US" dirty="0"/>
+              <a:t> </a:t>
+            </a:r>
+            <a:r>
+              <a:rPr lang="en-US" dirty="0" err="1"/>
+              <a:t>nell'adddestramento</a:t>
+            </a:r>
+            <a:r>
+              <a:rPr lang="en-US" dirty="0"/>
+              <a:t> </a:t>
+            </a:r>
+            <a:r>
+              <a:rPr lang="en-US" dirty="0" err="1"/>
+              <a:t>iniziale</a:t>
+            </a:r>
+            <a:r>
+              <a:rPr lang="en-US" dirty="0"/>
+              <a:t> del </a:t>
+            </a:r>
+            <a:r>
+              <a:rPr lang="en-US" dirty="0" err="1"/>
+              <a:t>modello</a:t>
+            </a:r>
+            <a:endParaRPr lang="en-US" dirty="0"/>
+          </a:p>
+          <a:p>
+            <a:endParaRPr lang="en-US" dirty="0"/>
+          </a:p>
+          <a:p>
+            <a:pPr marL="0" indent="0">
+              <a:buNone/>
+            </a:pPr>
+            <a:r>
+              <a:rPr lang="en-US" dirty="0"/>
+              <a:t>.. </a:t>
+            </a:r>
+            <a:r>
+              <a:rPr lang="en-US" dirty="0" err="1"/>
+              <a:t>usando</a:t>
+            </a:r>
+            <a:r>
+              <a:rPr lang="en-US" dirty="0"/>
+              <a:t> la </a:t>
+            </a:r>
+            <a:r>
+              <a:rPr lang="en-US" dirty="0" err="1"/>
+              <a:t>tecnica</a:t>
+            </a:r>
+            <a:r>
+              <a:rPr lang="en-US" dirty="0"/>
+              <a:t> </a:t>
+            </a:r>
+            <a:r>
+              <a:rPr lang="en-US" dirty="0" err="1"/>
+              <a:t>che</a:t>
+            </a:r>
+            <a:r>
+              <a:rPr lang="en-US" dirty="0"/>
+              <a:t> </a:t>
+            </a:r>
+            <a:r>
+              <a:rPr lang="en-US" dirty="0" err="1"/>
+              <a:t>prende</a:t>
+            </a:r>
+            <a:r>
+              <a:rPr lang="en-US" dirty="0"/>
+              <a:t> il </a:t>
+            </a:r>
+            <a:r>
+              <a:rPr lang="en-US" dirty="0" err="1"/>
+              <a:t>nome</a:t>
+            </a:r>
+            <a:r>
+              <a:rPr lang="en-US" dirty="0"/>
+              <a:t> di </a:t>
+            </a:r>
+          </a:p>
+          <a:p>
+            <a:pPr marL="0" indent="0">
+              <a:buNone/>
+            </a:pPr>
+            <a:r>
+              <a:rPr lang="en-US" dirty="0"/>
+              <a:t>   Retrieval Augmented Generation (R.A.G.)</a:t>
+            </a:r>
+          </a:p>
+        </p:txBody>
+      </p:sp>
+      <p:sp>
+        <p:nvSpPr>
+          <p:cNvPr id="3" name="Title 2">
+            <a:extLst>
+              <a:ext uri="{FF2B5EF4-FFF2-40B4-BE49-F238E27FC236}">
+                <a16:creationId xmlns:a16="http://schemas.microsoft.com/office/drawing/2014/main" id="{30372987-7A40-8FF2-149A-62877E8E0C79}"/>
+              </a:ext>
+            </a:extLst>
+          </p:cNvPr>
+          <p:cNvSpPr>
+            <a:spLocks noGrp="1"/>
+          </p:cNvSpPr>
+          <p:nvPr>
+            <p:ph type="title"/>
+          </p:nvPr>
+        </p:nvSpPr>
+        <p:spPr/>
+        <p:txBody>
+          <a:bodyPr>
+            <a:normAutofit fontScale="90000"/>
+          </a:bodyPr>
+          <a:lstStyle/>
+          <a:p>
+            <a:r>
+              <a:rPr lang="en-US" dirty="0" err="1"/>
+              <a:t>rifrasando</a:t>
+            </a:r>
+            <a:r>
+              <a:rPr lang="en-US" dirty="0"/>
+              <a:t> ..</a:t>
+            </a:r>
+          </a:p>
+        </p:txBody>
+      </p:sp>
     </p:spTree>
     <p:extLst>
       <p:ext uri="{BB962C8B-B14F-4D97-AF65-F5344CB8AC3E}">
-        <p14:creationId xmlns:p14="http://schemas.microsoft.com/office/powerpoint/2010/main" val="1221883348"/>
+        <p14:creationId xmlns:p14="http://schemas.microsoft.com/office/powerpoint/2010/main" val="1376094599"/>
       </p:ext>
     </p:extLst>
   </p:cSld>

--- a/sessions/room1_15_30/azure-day-ChatBot.pptx
+++ b/sessions/room1_15_30/azure-day-ChatBot.pptx
@@ -16911,7 +16911,9 @@
         </p:nvSpPr>
         <p:spPr/>
         <p:txBody>
-          <a:bodyPr/>
+          <a:bodyPr>
+            <a:normAutofit fontScale="90000"/>
+          </a:bodyPr>
           <a:lstStyle/>
           <a:p>
             <a:endParaRPr lang="en-US"/>
@@ -17207,7 +17209,9 @@
         </p:nvSpPr>
         <p:spPr/>
         <p:txBody>
-          <a:bodyPr/>
+          <a:bodyPr>
+            <a:normAutofit fontScale="90000"/>
+          </a:bodyPr>
           <a:lstStyle/>
           <a:p>
             <a:endParaRPr lang="en-US"/>
@@ -18534,35 +18538,33 @@
           <a:p>
             <a:r>
               <a:rPr lang="en-US" dirty="0"/>
-              <a:t>Given the corresponding two embedding vectors, </a:t>
-            </a:r>
-            <a:br>
-              <a:rPr lang="en-US" dirty="0"/>
-            </a:br>
-            <a:r>
-              <a:rPr lang="en-US" dirty="0"/>
-              <a:t>it's possible to evaluate the "similarity" between two block of texts</a:t>
+              <a:t>Now we have converted text into vectors, we can define some math algorithm to evaluate the "similarity" between two block of texts</a:t>
             </a:r>
           </a:p>
           <a:p>
             <a:pPr lvl="1"/>
+            <a:endParaRPr lang="en-US" i="1" dirty="0"/>
+          </a:p>
+          <a:p>
+            <a:pPr lvl="1"/>
             <a:r>
               <a:rPr lang="en-US" i="1" dirty="0"/>
-              <a:t>assuming the vectors have same length, the smaller the angle between them, greater is the similarity between the 2 vectors</a:t>
+              <a:t>Roughly speaking we define a formula where the smaller is the angle between 2 vectors, the closer they are in semantic similarity</a:t>
             </a:r>
           </a:p>
           <a:p>
             <a:pPr lvl="1"/>
+            <a:endParaRPr lang="en-US" i="1" dirty="0"/>
+          </a:p>
+          <a:p>
+            <a:pPr lvl="1"/>
             <a:r>
               <a:rPr lang="en-US" i="1" dirty="0"/>
-              <a:t>A general formula to calculate similarity for non normalized vectors is the cosine proximity</a:t>
-            </a:r>
-          </a:p>
-          <a:p>
-            <a:pPr lvl="2"/>
-            <a:r>
-              <a:rPr lang="en-US" i="1" dirty="0"/>
-              <a:t>But text-embedding-ada-002 vectors are normalized btw</a:t>
+              <a:t>The actual used formula is the </a:t>
+            </a:r>
+            <a:r>
+              <a:rPr lang="en-US" b="1" i="1" dirty="0"/>
+              <a:t>"cosine proximity formula"</a:t>
             </a:r>
           </a:p>
           <a:p>
@@ -19354,33 +19356,18 @@
                   <a:schemeClr val="tx1"/>
                 </a:solidFill>
               </a:rPr>
-              <a:t>A[0]*B[0] + A[1]*B[1] </a:t>
-            </a:r>
-            <a:br>
+              <a:t>A[1]*B[1] + A[2]*B[3] + A[4]*B[4] + A[5]*B[5] +</a:t>
+            </a:r>
+          </a:p>
+          <a:p>
+            <a:pPr algn="ctr"/>
+            <a:r>
               <a:rPr lang="en-US" dirty="0">
                 <a:solidFill>
                   <a:schemeClr val="tx1"/>
                 </a:solidFill>
               </a:rPr>
-            </a:br>
-            <a:r>
-              <a:rPr lang="en-US" dirty="0">
-                <a:solidFill>
-                  <a:schemeClr val="tx1"/>
-                </a:solidFill>
-              </a:rPr>
-              <a:t>+ A[2]*B[3] + A[4]*B[4] </a:t>
-            </a:r>
-          </a:p>
-          <a:p>
-            <a:pPr algn="ctr"/>
-            <a:r>
-              <a:rPr lang="en-US" dirty="0">
-                <a:solidFill>
-                  <a:schemeClr val="tx1"/>
-                </a:solidFill>
-              </a:rPr>
-              <a:t>+  .. Up to 1535</a:t>
+              <a:t>+  .. Up to 1536</a:t>
             </a:r>
           </a:p>
         </p:txBody>
@@ -19546,23 +19533,7 @@
                   <a:schemeClr val="tx1"/>
                 </a:solidFill>
               </a:rPr>
-              <a:t>length of </a:t>
-            </a:r>
-            <a:r>
-              <a:rPr lang="en-US" sz="1400" dirty="0">
-                <a:solidFill>
-                  <a:schemeClr val="tx1"/>
-                </a:solidFill>
-              </a:rPr>
-              <a:t>vector</a:t>
-            </a:r>
-            <a:r>
-              <a:rPr lang="en-US" dirty="0">
-                <a:solidFill>
-                  <a:schemeClr val="tx1"/>
-                </a:solidFill>
-              </a:rPr>
-              <a:t> A</a:t>
+              <a:t>length of vector A</a:t>
             </a:r>
           </a:p>
         </p:txBody>
@@ -19630,23 +19601,7 @@
                   <a:schemeClr val="tx1"/>
                 </a:solidFill>
               </a:rPr>
-              <a:t>length of </a:t>
-            </a:r>
-            <a:r>
-              <a:rPr lang="en-US" sz="1400" dirty="0">
-                <a:solidFill>
-                  <a:schemeClr val="tx1"/>
-                </a:solidFill>
-              </a:rPr>
-              <a:t>vector</a:t>
-            </a:r>
-            <a:r>
-              <a:rPr lang="en-US" dirty="0">
-                <a:solidFill>
-                  <a:schemeClr val="tx1"/>
-                </a:solidFill>
-              </a:rPr>
-              <a:t> B</a:t>
+              <a:t>length of vector B</a:t>
             </a:r>
           </a:p>
         </p:txBody>
@@ -20575,7 +20530,7 @@
         <p:spPr>
           <a:xfrm>
             <a:off x="629310" y="1350975"/>
-            <a:ext cx="11234057" cy="4708981"/>
+            <a:ext cx="11234057" cy="5016758"/>
           </a:xfrm>
           <a:prstGeom prst="rect">
             <a:avLst/>
@@ -20837,6 +20792,12 @@
                 </a:highlight>
               </a:rPr>
               <a:t>];</a:t>
+            </a:r>
+          </a:p>
+          <a:p>
+            <a:r>
+              <a:rPr lang="en-US" sz="2000" i="1" dirty="0"/>
+              <a:t>// you can skip the code below with ..ada-002 model : vectors are normalized to a length = 1</a:t>
             </a:r>
           </a:p>
           <a:p>

--- a/sessions/room1_15_30/azure-day-ChatBot.pptx
+++ b/sessions/room1_15_30/azure-day-ChatBot.pptx
@@ -8,7 +8,7 @@
     <p:sldMasterId id="2147483684" r:id="rId4"/>
   </p:sldMasterIdLst>
   <p:handoutMasterIdLst>
-    <p:handoutMasterId r:id="rId40"/>
+    <p:handoutMasterId r:id="rId39"/>
   </p:handoutMasterIdLst>
   <p:sldIdLst>
     <p:sldId id="256" r:id="rId5"/>
@@ -35,17 +35,16 @@
     <p:sldId id="297" r:id="rId26"/>
     <p:sldId id="299" r:id="rId27"/>
     <p:sldId id="300" r:id="rId28"/>
-    <p:sldId id="301" r:id="rId29"/>
+    <p:sldId id="318" r:id="rId29"/>
     <p:sldId id="302" r:id="rId30"/>
     <p:sldId id="303" r:id="rId31"/>
     <p:sldId id="304" r:id="rId32"/>
-    <p:sldId id="305" r:id="rId33"/>
-    <p:sldId id="310" r:id="rId34"/>
-    <p:sldId id="308" r:id="rId35"/>
-    <p:sldId id="314" r:id="rId36"/>
-    <p:sldId id="261" r:id="rId37"/>
-    <p:sldId id="263" r:id="rId38"/>
-    <p:sldId id="262" r:id="rId39"/>
+    <p:sldId id="310" r:id="rId33"/>
+    <p:sldId id="308" r:id="rId34"/>
+    <p:sldId id="314" r:id="rId35"/>
+    <p:sldId id="261" r:id="rId36"/>
+    <p:sldId id="263" r:id="rId37"/>
+    <p:sldId id="262" r:id="rId38"/>
   </p:sldIdLst>
   <p:sldSz cx="12192000" cy="6858000"/>
   <p:notesSz cx="6858000" cy="9144000"/>
@@ -17898,7 +17897,7 @@
           <a:p>
             <a:r>
               <a:rPr lang="en-US" dirty="0"/>
-              <a:t>Technical word or this technique is: </a:t>
+              <a:t>Technical word for this technique is: </a:t>
             </a:r>
             <a:br>
               <a:rPr lang="en-US" dirty="0"/>
@@ -17911,7 +17910,7 @@
           <a:p>
             <a:r>
               <a:rPr lang="en-US" dirty="0"/>
-              <a:t>As we saw, it's possible to provide as part of the input, as user message(s), </a:t>
+              <a:t>As we saw, it's possible to provide as part of the input (as user message(s)) </a:t>
             </a:r>
             <a:r>
               <a:rPr lang="en-US" b="1" i="1" dirty="0"/>
@@ -17932,21 +17931,24 @@
             </a:pPr>
             <a:r>
               <a:rPr lang="en-US" i="1" dirty="0"/>
-              <a:t>Sounds easy, but if my chatbot must work on a list of document whose size is greater than the model token limit ? </a:t>
+              <a:t>Sounds easy, but if my chatbot must get knowledge on a list of document whose size is greater than the model token limit ? </a:t>
             </a:r>
             <a:br>
               <a:rPr lang="en-US" i="1" dirty="0"/>
             </a:br>
-            <a:r>
-              <a:rPr lang="en-US" i="1" dirty="0"/>
-              <a:t>Ok, I can chunk my documentation in smaller pieces, but .. </a:t>
-            </a:r>
             <a:br>
               <a:rPr lang="en-US" i="1" dirty="0"/>
             </a:br>
             <a:r>
+              <a:rPr lang="en-US" i="1" dirty="0"/>
+              <a:t>Ok, I can chunk my documentation in smaller pieces, but .. </a:t>
+            </a:r>
+            <a:br>
+              <a:rPr lang="en-US" i="1" dirty="0"/>
+            </a:br>
+            <a:r>
               <a:rPr lang="en-US" b="1" i="1" dirty="0"/>
-              <a:t>How do I extract among all the chunks all the ones relevant to the specific user question ? </a:t>
+              <a:t>How do I extract among all the chunks all the ones relevant to the specific user's question ? </a:t>
             </a:r>
           </a:p>
           <a:p>
@@ -18538,7 +18540,15 @@
           <a:p>
             <a:r>
               <a:rPr lang="en-US" dirty="0"/>
-              <a:t>Now we have converted text into vectors, we can define some math algorithm to evaluate the "similarity" between two block of texts</a:t>
+              <a:t>Now we have converted text into vectors, we can define some math algorithm to evaluate the "similarity" between two block of texts </a:t>
+            </a:r>
+            <a:r>
+              <a:rPr lang="en-US" i="1" dirty="0"/>
+              <a:t>through their corresponding embeddings</a:t>
+            </a:r>
+            <a:r>
+              <a:rPr lang="en-US" dirty="0"/>
+              <a:t> </a:t>
             </a:r>
           </a:p>
           <a:p>
@@ -19163,7 +19173,7 @@
         <p:spPr>
           <a:xfrm>
             <a:off x="1522878" y="5509874"/>
-            <a:ext cx="3658630" cy="369332"/>
+            <a:ext cx="5014771" cy="369332"/>
           </a:xfrm>
           <a:prstGeom prst="rect">
             <a:avLst/>
@@ -19194,7 +19204,7 @@
             </a:r>
             <a:r>
               <a:rPr lang="it-IT" dirty="0"/>
-              <a:t> : </a:t>
+              <a:t>  </a:t>
             </a:r>
             <a:r>
               <a:rPr lang="it-IT" dirty="0" err="1"/>
@@ -19202,7 +19212,7 @@
             </a:r>
             <a:r>
               <a:rPr lang="it-IT" dirty="0"/>
-              <a:t> </a:t>
+              <a:t>                           </a:t>
             </a:r>
             <a:r>
               <a:rPr lang="it-IT" dirty="0" err="1"/>
@@ -19250,7 +19260,7 @@
         </p:blipFill>
         <p:spPr>
           <a:xfrm>
-            <a:off x="5004880" y="5435149"/>
+            <a:off x="3594480" y="5491318"/>
             <a:ext cx="1091120" cy="1091120"/>
           </a:xfrm>
           <a:prstGeom prst="rect">
@@ -21278,7 +21288,15 @@
             </a:r>
             <a:r>
               <a:rPr lang="en-US" dirty="0"/>
-              <a:t> chatgpt sun </a:t>
+              <a:t> chatgpt </a:t>
+            </a:r>
+            <a:r>
+              <a:rPr lang="en-US" dirty="0" err="1"/>
+              <a:t>su</a:t>
+            </a:r>
+            <a:r>
+              <a:rPr lang="en-US" dirty="0"/>
+              <a:t> un </a:t>
             </a:r>
             <a:r>
               <a:rPr lang="en-US" dirty="0" err="1"/>
@@ -21318,7 +21336,7 @@
             </a:r>
             <a:r>
               <a:rPr lang="en-US" dirty="0"/>
-              <a:t>  </a:t>
+              <a:t> </a:t>
             </a:r>
             <a:r>
               <a:rPr lang="en-US" dirty="0" err="1"/>
@@ -21339,14 +21357,6 @@
             <a:r>
               <a:rPr lang="en-US" dirty="0" err="1"/>
               <a:t>informazioni</a:t>
-            </a:r>
-            <a:r>
-              <a:rPr lang="en-US" dirty="0"/>
-              <a:t> </a:t>
-            </a:r>
-            <a:r>
-              <a:rPr lang="en-US" dirty="0" err="1"/>
-              <a:t>iniziali</a:t>
             </a:r>
             <a:r>
               <a:rPr lang="en-US" dirty="0"/>
@@ -22985,7 +22995,7 @@
             <a:pPr algn="ctr"/>
             <a:r>
               <a:rPr lang="en-US" dirty="0"/>
-              <a:t>1</a:t>
+              <a:t>H</a:t>
             </a:r>
           </a:p>
         </p:txBody>
@@ -23004,15 +23014,15 @@
         </p:nvSpPr>
         <p:spPr>
           <a:xfrm>
-            <a:off x="6186196" y="5007976"/>
+            <a:off x="3324066" y="5075242"/>
             <a:ext cx="2920482" cy="612648"/>
           </a:xfrm>
           <a:prstGeom prst="borderCallout1">
             <a:avLst>
-              <a:gd name="adj1" fmla="val 41595"/>
-              <a:gd name="adj2" fmla="val -3541"/>
-              <a:gd name="adj3" fmla="val -189053"/>
-              <a:gd name="adj4" fmla="val -42203"/>
+              <a:gd name="adj1" fmla="val 338"/>
+              <a:gd name="adj2" fmla="val 48388"/>
+              <a:gd name="adj3" fmla="val -206041"/>
+              <a:gd name="adj4" fmla="val 51727"/>
             </a:avLst>
           </a:prstGeom>
           <a:noFill/>
@@ -23117,7 +23127,7 @@
         </p:nvSpPr>
         <p:spPr>
           <a:xfrm>
-            <a:off x="8915891" y="5450304"/>
+            <a:off x="5206482" y="5676270"/>
             <a:ext cx="914400" cy="612648"/>
           </a:xfrm>
           <a:prstGeom prst="flowChartMagneticDisk">
@@ -23204,7 +23214,7 @@
             <a:pPr algn="ctr"/>
             <a:r>
               <a:rPr lang="en-US" dirty="0"/>
-              <a:t>2</a:t>
+              <a:t>C</a:t>
             </a:r>
           </a:p>
         </p:txBody>
@@ -23374,6 +23384,134 @@
           </a:p>
         </p:txBody>
       </p:sp>
+      <p:sp>
+        <p:nvSpPr>
+          <p:cNvPr id="12" name="Flowchart: Connector 11">
+            <a:extLst>
+              <a:ext uri="{FF2B5EF4-FFF2-40B4-BE49-F238E27FC236}">
+                <a16:creationId xmlns:a16="http://schemas.microsoft.com/office/drawing/2014/main" id="{5C7C9F8D-8253-C43B-F567-192F694575B3}"/>
+              </a:ext>
+            </a:extLst>
+          </p:cNvPr>
+          <p:cNvSpPr/>
+          <p:nvPr/>
+        </p:nvSpPr>
+        <p:spPr>
+          <a:xfrm>
+            <a:off x="8080680" y="3144007"/>
+            <a:ext cx="662474" cy="625151"/>
+          </a:xfrm>
+          <a:prstGeom prst="flowChartConnector">
+            <a:avLst/>
+          </a:prstGeom>
+        </p:spPr>
+        <p:style>
+          <a:lnRef idx="2">
+            <a:schemeClr val="accent4">
+              <a:shade val="15000"/>
+            </a:schemeClr>
+          </a:lnRef>
+          <a:fillRef idx="1">
+            <a:schemeClr val="accent4"/>
+          </a:fillRef>
+          <a:effectRef idx="0">
+            <a:schemeClr val="accent4"/>
+          </a:effectRef>
+          <a:fontRef idx="minor">
+            <a:schemeClr val="lt1"/>
+          </a:fontRef>
+        </p:style>
+        <p:txBody>
+          <a:bodyPr rtlCol="0" anchor="ctr"/>
+          <a:lstStyle/>
+          <a:p>
+            <a:pPr algn="ctr"/>
+            <a:r>
+              <a:rPr lang="en-US" dirty="0"/>
+              <a:t>S</a:t>
+            </a:r>
+          </a:p>
+        </p:txBody>
+      </p:sp>
+      <p:sp>
+        <p:nvSpPr>
+          <p:cNvPr id="13" name="Callout: Line 12">
+            <a:extLst>
+              <a:ext uri="{FF2B5EF4-FFF2-40B4-BE49-F238E27FC236}">
+                <a16:creationId xmlns:a16="http://schemas.microsoft.com/office/drawing/2014/main" id="{E9A4A5E4-4702-480A-F9AD-AE9477C0F337}"/>
+              </a:ext>
+            </a:extLst>
+          </p:cNvPr>
+          <p:cNvSpPr/>
+          <p:nvPr/>
+        </p:nvSpPr>
+        <p:spPr>
+          <a:xfrm>
+            <a:off x="7282913" y="5012784"/>
+            <a:ext cx="2920482" cy="612648"/>
+          </a:xfrm>
+          <a:prstGeom prst="borderCallout1">
+            <a:avLst>
+              <a:gd name="adj1" fmla="val -839"/>
+              <a:gd name="adj2" fmla="val 41582"/>
+              <a:gd name="adj3" fmla="val -204755"/>
+              <a:gd name="adj4" fmla="val 38116"/>
+            </a:avLst>
+          </a:prstGeom>
+          <a:noFill/>
+        </p:spPr>
+        <p:style>
+          <a:lnRef idx="2">
+            <a:schemeClr val="accent1">
+              <a:shade val="15000"/>
+            </a:schemeClr>
+          </a:lnRef>
+          <a:fillRef idx="1">
+            <a:schemeClr val="accent1"/>
+          </a:fillRef>
+          <a:effectRef idx="0">
+            <a:schemeClr val="accent1"/>
+          </a:effectRef>
+          <a:fontRef idx="minor">
+            <a:schemeClr val="lt1"/>
+          </a:fontRef>
+        </p:style>
+        <p:txBody>
+          <a:bodyPr rtlCol="0" anchor="ctr"/>
+          <a:lstStyle/>
+          <a:p>
+            <a:pPr algn="ctr"/>
+            <a:r>
+              <a:rPr lang="en-US" sz="1200" b="1" i="1" dirty="0">
+                <a:solidFill>
+                  <a:schemeClr val="tx1"/>
+                </a:solidFill>
+              </a:rPr>
+              <a:t>System message provider  </a:t>
+            </a:r>
+            <a:r>
+              <a:rPr lang="en-US" sz="1200" dirty="0">
+                <a:solidFill>
+                  <a:schemeClr val="tx1"/>
+                </a:solidFill>
+              </a:rPr>
+              <a:t>middleware</a:t>
+            </a:r>
+            <a:br>
+              <a:rPr lang="en-US" sz="1200" dirty="0">
+                <a:solidFill>
+                  <a:schemeClr val="tx1"/>
+                </a:solidFill>
+              </a:rPr>
+            </a:br>
+            <a:endParaRPr lang="en-US" sz="1200" dirty="0">
+              <a:solidFill>
+                <a:schemeClr val="tx1"/>
+              </a:solidFill>
+            </a:endParaRPr>
+          </a:p>
+        </p:txBody>
+      </p:sp>
     </p:spTree>
     <p:extLst>
       <p:ext uri="{BB962C8B-B14F-4D97-AF65-F5344CB8AC3E}">
@@ -23551,7 +23689,7 @@
           <p:cNvPr id="2" name="Title 1">
             <a:extLst>
               <a:ext uri="{FF2B5EF4-FFF2-40B4-BE49-F238E27FC236}">
-                <a16:creationId xmlns:a16="http://schemas.microsoft.com/office/drawing/2014/main" id="{2E82E515-AE5C-9A6B-99F6-2E2FD1021EE2}"/>
+                <a16:creationId xmlns:a16="http://schemas.microsoft.com/office/drawing/2014/main" id="{8B1163E0-915B-0B36-3813-C17971BD2A63}"/>
               </a:ext>
             </a:extLst>
           </p:cNvPr>
@@ -23569,946 +23707,52 @@
           </a:bodyPr>
           <a:lstStyle/>
           <a:p>
+            <a:endParaRPr lang="en-US"/>
+          </a:p>
+        </p:txBody>
+      </p:sp>
+      <p:sp>
+        <p:nvSpPr>
+          <p:cNvPr id="3" name="Content Placeholder 2">
+            <a:extLst>
+              <a:ext uri="{FF2B5EF4-FFF2-40B4-BE49-F238E27FC236}">
+                <a16:creationId xmlns:a16="http://schemas.microsoft.com/office/drawing/2014/main" id="{E8F80740-15BE-A78F-F2D4-8499F99D253B}"/>
+              </a:ext>
+            </a:extLst>
+          </p:cNvPr>
+          <p:cNvSpPr>
+            <a:spLocks noGrp="1"/>
+          </p:cNvSpPr>
+          <p:nvPr>
+            <p:ph idx="1"/>
+          </p:nvPr>
+        </p:nvSpPr>
+        <p:spPr/>
+        <p:txBody>
+          <a:bodyPr/>
+          <a:lstStyle/>
+          <a:p>
             <a:r>
               <a:rPr lang="en-US" dirty="0"/>
-              <a:t>Application layout</a:t>
-            </a:r>
-          </a:p>
-        </p:txBody>
-      </p:sp>
-      <p:sp>
-        <p:nvSpPr>
-          <p:cNvPr id="4" name="Rectangle 3">
-            <a:extLst>
-              <a:ext uri="{FF2B5EF4-FFF2-40B4-BE49-F238E27FC236}">
-                <a16:creationId xmlns:a16="http://schemas.microsoft.com/office/drawing/2014/main" id="{6F074D39-7CFD-8D36-365C-0EC3BBC1EDD9}"/>
-              </a:ext>
-            </a:extLst>
-          </p:cNvPr>
-          <p:cNvSpPr/>
-          <p:nvPr/>
-        </p:nvSpPr>
-        <p:spPr>
-          <a:xfrm>
-            <a:off x="763398" y="2298583"/>
-            <a:ext cx="889233" cy="2214694"/>
-          </a:xfrm>
-          <a:prstGeom prst="rect">
-            <a:avLst/>
-          </a:prstGeom>
-        </p:spPr>
-        <p:style>
-          <a:lnRef idx="2">
-            <a:schemeClr val="accent1">
-              <a:shade val="15000"/>
-            </a:schemeClr>
-          </a:lnRef>
-          <a:fillRef idx="1">
-            <a:schemeClr val="accent1"/>
-          </a:fillRef>
-          <a:effectRef idx="0">
-            <a:schemeClr val="accent1"/>
-          </a:effectRef>
-          <a:fontRef idx="minor">
-            <a:schemeClr val="lt1"/>
-          </a:fontRef>
-        </p:style>
-        <p:txBody>
-          <a:bodyPr rtlCol="0" anchor="ctr"/>
-          <a:lstStyle/>
-          <a:p>
-            <a:pPr algn="ctr"/>
-            <a:endParaRPr lang="en-US"/>
-          </a:p>
-        </p:txBody>
-      </p:sp>
-      <p:sp>
-        <p:nvSpPr>
-          <p:cNvPr id="5" name="Rectangle 4">
-            <a:extLst>
-              <a:ext uri="{FF2B5EF4-FFF2-40B4-BE49-F238E27FC236}">
-                <a16:creationId xmlns:a16="http://schemas.microsoft.com/office/drawing/2014/main" id="{85B23A0C-9D7D-6D11-9226-22552D1BA5B1}"/>
-              </a:ext>
-            </a:extLst>
-          </p:cNvPr>
-          <p:cNvSpPr/>
-          <p:nvPr/>
-        </p:nvSpPr>
-        <p:spPr>
-          <a:xfrm>
-            <a:off x="1863754" y="2298583"/>
-            <a:ext cx="8161090" cy="2214694"/>
-          </a:xfrm>
-          <a:prstGeom prst="rect">
-            <a:avLst/>
-          </a:prstGeom>
-          <a:solidFill>
-            <a:schemeClr val="bg2"/>
-          </a:solidFill>
-          <a:ln>
-            <a:solidFill>
-              <a:schemeClr val="accent1">
-                <a:lumMod val="20000"/>
-                <a:lumOff val="80000"/>
-              </a:schemeClr>
-            </a:solidFill>
-          </a:ln>
-        </p:spPr>
-        <p:style>
-          <a:lnRef idx="2">
-            <a:schemeClr val="accent1">
-              <a:shade val="15000"/>
-            </a:schemeClr>
-          </a:lnRef>
-          <a:fillRef idx="1">
-            <a:schemeClr val="accent1"/>
-          </a:fillRef>
-          <a:effectRef idx="0">
-            <a:schemeClr val="accent1"/>
-          </a:effectRef>
-          <a:fontRef idx="minor">
-            <a:schemeClr val="lt1"/>
-          </a:fontRef>
-        </p:style>
-        <p:txBody>
-          <a:bodyPr rtlCol="0" anchor="ctr"/>
-          <a:lstStyle/>
-          <a:p>
-            <a:pPr algn="ctr"/>
-            <a:endParaRPr lang="en-US"/>
-          </a:p>
-        </p:txBody>
-      </p:sp>
-      <p:pic>
-        <p:nvPicPr>
-          <p:cNvPr id="7" name="Picture 6" descr="A logo of a company&#10;&#10;Description automatically generated">
-            <a:extLst>
-              <a:ext uri="{FF2B5EF4-FFF2-40B4-BE49-F238E27FC236}">
-                <a16:creationId xmlns:a16="http://schemas.microsoft.com/office/drawing/2014/main" id="{22A806F8-DF3C-B54A-01EA-CD81C09867B3}"/>
-              </a:ext>
-            </a:extLst>
-          </p:cNvPr>
-          <p:cNvPicPr>
-            <a:picLocks noChangeAspect="1"/>
-          </p:cNvPicPr>
-          <p:nvPr/>
-        </p:nvPicPr>
-        <p:blipFill>
-          <a:blip r:embed="rId2">
-            <a:extLst>
-              <a:ext uri="{28A0092B-C50C-407E-A947-70E740481C1C}">
-                <a14:useLocalDpi xmlns:a14="http://schemas.microsoft.com/office/drawing/2010/main" val="0"/>
-              </a:ext>
-            </a:extLst>
-          </a:blip>
-          <a:stretch>
-            <a:fillRect/>
-          </a:stretch>
-        </p:blipFill>
-        <p:spPr>
-          <a:xfrm>
-            <a:off x="10235967" y="2487641"/>
-            <a:ext cx="1622965" cy="1622965"/>
-          </a:xfrm>
-          <a:prstGeom prst="rect">
-            <a:avLst/>
-          </a:prstGeom>
-        </p:spPr>
-      </p:pic>
-      <p:sp>
-        <p:nvSpPr>
-          <p:cNvPr id="8" name="TextBox 7">
-            <a:extLst>
-              <a:ext uri="{FF2B5EF4-FFF2-40B4-BE49-F238E27FC236}">
-                <a16:creationId xmlns:a16="http://schemas.microsoft.com/office/drawing/2014/main" id="{FDCDDFD1-D19E-1A16-3F34-CA117F157F94}"/>
-              </a:ext>
-            </a:extLst>
-          </p:cNvPr>
-          <p:cNvSpPr txBox="1"/>
-          <p:nvPr/>
-        </p:nvSpPr>
-        <p:spPr>
-          <a:xfrm>
-            <a:off x="125217" y="1442833"/>
-            <a:ext cx="1842427" cy="646331"/>
-          </a:xfrm>
-          <a:prstGeom prst="rect">
-            <a:avLst/>
-          </a:prstGeom>
-          <a:noFill/>
-        </p:spPr>
-        <p:txBody>
-          <a:bodyPr wrap="none" rtlCol="0">
-            <a:spAutoFit/>
-          </a:bodyPr>
-          <a:lstStyle/>
-          <a:p>
-            <a:pPr algn="ctr"/>
-            <a:r>
-              <a:rPr lang="en-US" dirty="0"/>
-              <a:t>UI : </a:t>
+              <a:t>DEMO: </a:t>
             </a:r>
             <a:br>
               <a:rPr lang="en-US" dirty="0"/>
             </a:br>
-            <a:r>
-              <a:rPr lang="en-US" dirty="0"/>
-              <a:t>JS / Windows app</a:t>
-            </a:r>
-          </a:p>
-        </p:txBody>
-      </p:sp>
-      <p:sp>
-        <p:nvSpPr>
-          <p:cNvPr id="9" name="TextBox 8">
-            <a:extLst>
-              <a:ext uri="{FF2B5EF4-FFF2-40B4-BE49-F238E27FC236}">
-                <a16:creationId xmlns:a16="http://schemas.microsoft.com/office/drawing/2014/main" id="{E93C44B1-84FE-7184-D7BE-7D0FCD50E930}"/>
-              </a:ext>
-            </a:extLst>
-          </p:cNvPr>
-          <p:cNvSpPr txBox="1"/>
-          <p:nvPr/>
-        </p:nvSpPr>
-        <p:spPr>
-          <a:xfrm>
-            <a:off x="2982466" y="1442833"/>
-            <a:ext cx="2355004" cy="646331"/>
-          </a:xfrm>
-          <a:prstGeom prst="rect">
-            <a:avLst/>
-          </a:prstGeom>
-          <a:noFill/>
-        </p:spPr>
-        <p:txBody>
-          <a:bodyPr wrap="none" rtlCol="0">
-            <a:spAutoFit/>
-          </a:bodyPr>
-          <a:lstStyle/>
-          <a:p>
-            <a:pPr algn="ctr"/>
-            <a:r>
-              <a:rPr lang="en-US" dirty="0"/>
-              <a:t>backend : </a:t>
-            </a:r>
             <a:br>
               <a:rPr lang="en-US" dirty="0"/>
             </a:br>
             <a:r>
-              <a:rPr lang="en-US" dirty="0" err="1"/>
-              <a:t>RestApi</a:t>
-            </a:r>
-            <a:r>
               <a:rPr lang="en-US" dirty="0"/>
-              <a:t>/</a:t>
-            </a:r>
-            <a:r>
-              <a:rPr lang="en-US" dirty="0" err="1"/>
-              <a:t>Grpc</a:t>
-            </a:r>
-            <a:r>
-              <a:rPr lang="en-US" dirty="0"/>
-              <a:t>/</a:t>
-            </a:r>
-            <a:r>
-              <a:rPr lang="en-US" dirty="0" err="1"/>
-              <a:t>GraphQl</a:t>
-            </a:r>
-            <a:r>
-              <a:rPr lang="en-US" dirty="0"/>
-              <a:t> </a:t>
-            </a:r>
-          </a:p>
-        </p:txBody>
-      </p:sp>
-      <p:cxnSp>
-        <p:nvCxnSpPr>
-          <p:cNvPr id="10" name="Straight Arrow Connector 9">
-            <a:extLst>
-              <a:ext uri="{FF2B5EF4-FFF2-40B4-BE49-F238E27FC236}">
-                <a16:creationId xmlns:a16="http://schemas.microsoft.com/office/drawing/2014/main" id="{13F09C29-56BC-317E-9375-D7216FB04989}"/>
-              </a:ext>
-            </a:extLst>
-          </p:cNvPr>
-          <p:cNvCxnSpPr>
-            <a:cxnSpLocks/>
-          </p:cNvCxnSpPr>
-          <p:nvPr/>
-        </p:nvCxnSpPr>
-        <p:spPr>
-          <a:xfrm>
-            <a:off x="2167156" y="3405930"/>
-            <a:ext cx="7706686" cy="0"/>
-          </a:xfrm>
-          <a:prstGeom prst="straightConnector1">
-            <a:avLst/>
-          </a:prstGeom>
-          <a:ln w="63500">
-            <a:tailEnd type="triangle"/>
-          </a:ln>
-        </p:spPr>
-        <p:style>
-          <a:lnRef idx="1">
-            <a:schemeClr val="accent1"/>
-          </a:lnRef>
-          <a:fillRef idx="0">
-            <a:schemeClr val="accent1"/>
-          </a:fillRef>
-          <a:effectRef idx="0">
-            <a:schemeClr val="accent1"/>
-          </a:effectRef>
-          <a:fontRef idx="minor">
-            <a:schemeClr val="tx1"/>
-          </a:fontRef>
-        </p:style>
-      </p:cxnSp>
-      <p:cxnSp>
-        <p:nvCxnSpPr>
-          <p:cNvPr id="15" name="Straight Arrow Connector 14">
-            <a:extLst>
-              <a:ext uri="{FF2B5EF4-FFF2-40B4-BE49-F238E27FC236}">
-                <a16:creationId xmlns:a16="http://schemas.microsoft.com/office/drawing/2014/main" id="{8D38C5D5-647F-9235-AACC-57E7C1283DD1}"/>
-              </a:ext>
-            </a:extLst>
-          </p:cNvPr>
-          <p:cNvCxnSpPr>
-            <a:cxnSpLocks/>
-          </p:cNvCxnSpPr>
-          <p:nvPr/>
-        </p:nvCxnSpPr>
-        <p:spPr>
-          <a:xfrm>
-            <a:off x="2123605" y="3558330"/>
-            <a:ext cx="7706686" cy="0"/>
-          </a:xfrm>
-          <a:prstGeom prst="straightConnector1">
-            <a:avLst/>
-          </a:prstGeom>
-          <a:ln w="63500">
-            <a:headEnd type="stealth"/>
-            <a:tailEnd type="none"/>
-          </a:ln>
-        </p:spPr>
-        <p:style>
-          <a:lnRef idx="1">
-            <a:schemeClr val="accent1"/>
-          </a:lnRef>
-          <a:fillRef idx="0">
-            <a:schemeClr val="accent1"/>
-          </a:fillRef>
-          <a:effectRef idx="0">
-            <a:schemeClr val="accent1"/>
-          </a:effectRef>
-          <a:fontRef idx="minor">
-            <a:schemeClr val="tx1"/>
-          </a:fontRef>
-        </p:style>
-      </p:cxnSp>
-      <p:sp>
-        <p:nvSpPr>
-          <p:cNvPr id="16" name="Flowchart: Connector 15">
-            <a:extLst>
-              <a:ext uri="{FF2B5EF4-FFF2-40B4-BE49-F238E27FC236}">
-                <a16:creationId xmlns:a16="http://schemas.microsoft.com/office/drawing/2014/main" id="{C81D6187-267F-63C5-928A-4EA4D512B674}"/>
-              </a:ext>
-            </a:extLst>
-          </p:cNvPr>
-          <p:cNvSpPr/>
-          <p:nvPr/>
-        </p:nvSpPr>
-        <p:spPr>
-          <a:xfrm>
-            <a:off x="4544008" y="3172407"/>
-            <a:ext cx="662474" cy="625151"/>
-          </a:xfrm>
-          <a:prstGeom prst="flowChartConnector">
-            <a:avLst/>
-          </a:prstGeom>
-          <a:solidFill>
-            <a:schemeClr val="accent2">
-              <a:lumMod val="75000"/>
-            </a:schemeClr>
-          </a:solidFill>
-        </p:spPr>
-        <p:style>
-          <a:lnRef idx="2">
-            <a:schemeClr val="accent4">
-              <a:shade val="15000"/>
-            </a:schemeClr>
-          </a:lnRef>
-          <a:fillRef idx="1">
-            <a:schemeClr val="accent4"/>
-          </a:fillRef>
-          <a:effectRef idx="0">
-            <a:schemeClr val="accent4"/>
-          </a:effectRef>
-          <a:fontRef idx="minor">
-            <a:schemeClr val="lt1"/>
-          </a:fontRef>
-        </p:style>
-        <p:txBody>
-          <a:bodyPr rtlCol="0" anchor="ctr"/>
-          <a:lstStyle/>
-          <a:p>
-            <a:pPr algn="ctr"/>
-            <a:r>
-              <a:rPr lang="en-US" dirty="0"/>
-              <a:t>1</a:t>
-            </a:r>
-          </a:p>
-        </p:txBody>
-      </p:sp>
-      <p:sp>
-        <p:nvSpPr>
-          <p:cNvPr id="17" name="Callout: Line 16">
-            <a:extLst>
-              <a:ext uri="{FF2B5EF4-FFF2-40B4-BE49-F238E27FC236}">
-                <a16:creationId xmlns:a16="http://schemas.microsoft.com/office/drawing/2014/main" id="{132BF735-C40B-4596-09A8-B5ADAD369775}"/>
-              </a:ext>
-            </a:extLst>
-          </p:cNvPr>
-          <p:cNvSpPr/>
-          <p:nvPr/>
-        </p:nvSpPr>
-        <p:spPr>
-          <a:xfrm>
-            <a:off x="2824431" y="4904905"/>
-            <a:ext cx="2920482" cy="612648"/>
-          </a:xfrm>
-          <a:prstGeom prst="borderCallout1">
-            <a:avLst>
-              <a:gd name="adj1" fmla="val -5230"/>
-              <a:gd name="adj2" fmla="val 32987"/>
-              <a:gd name="adj3" fmla="val -191979"/>
-              <a:gd name="adj4" fmla="val 59708"/>
-            </a:avLst>
-          </a:prstGeom>
-          <a:noFill/>
-        </p:spPr>
-        <p:style>
-          <a:lnRef idx="2">
-            <a:schemeClr val="accent1">
-              <a:shade val="15000"/>
-            </a:schemeClr>
-          </a:lnRef>
-          <a:fillRef idx="1">
-            <a:schemeClr val="accent1"/>
-          </a:fillRef>
-          <a:effectRef idx="0">
-            <a:schemeClr val="accent1"/>
-          </a:effectRef>
-          <a:fontRef idx="minor">
-            <a:schemeClr val="lt1"/>
-          </a:fontRef>
-        </p:style>
-        <p:txBody>
-          <a:bodyPr rtlCol="0" anchor="ctr"/>
-          <a:lstStyle/>
-          <a:p>
-            <a:pPr algn="ctr"/>
-            <a:r>
-              <a:rPr lang="en-US" sz="1200" b="1" i="1" dirty="0">
-                <a:solidFill>
-                  <a:schemeClr val="tx1"/>
-                </a:solidFill>
-              </a:rPr>
-              <a:t>Conversation manager </a:t>
-            </a:r>
-            <a:r>
-              <a:rPr lang="en-US" sz="1200" dirty="0">
-                <a:solidFill>
-                  <a:schemeClr val="tx1"/>
-                </a:solidFill>
-              </a:rPr>
-              <a:t>middleware</a:t>
-            </a:r>
-            <a:br>
-              <a:rPr lang="en-US" sz="1200" dirty="0">
-                <a:solidFill>
-                  <a:schemeClr val="tx1"/>
-                </a:solidFill>
-              </a:rPr>
-            </a:br>
-            <a:r>
-              <a:rPr lang="en-US" sz="1200" b="1" dirty="0">
-                <a:solidFill>
-                  <a:schemeClr val="tx1"/>
-                </a:solidFill>
-              </a:rPr>
-              <a:t>In</a:t>
-            </a:r>
-            <a:r>
-              <a:rPr lang="en-US" sz="1200" dirty="0">
-                <a:solidFill>
-                  <a:schemeClr val="tx1"/>
-                </a:solidFill>
-              </a:rPr>
-              <a:t>: load conversation by conversation Id</a:t>
-            </a:r>
-            <a:br>
-              <a:rPr lang="en-US" sz="1200" dirty="0">
-                <a:solidFill>
-                  <a:schemeClr val="tx1"/>
-                </a:solidFill>
-              </a:rPr>
-            </a:br>
-            <a:r>
-              <a:rPr lang="en-US" sz="1200" b="1" dirty="0">
-                <a:solidFill>
-                  <a:schemeClr val="tx1"/>
-                </a:solidFill>
-              </a:rPr>
-              <a:t>Out</a:t>
-            </a:r>
-            <a:r>
-              <a:rPr lang="en-US" sz="1200" dirty="0">
-                <a:solidFill>
-                  <a:schemeClr val="tx1"/>
-                </a:solidFill>
-              </a:rPr>
-              <a:t>: store new conversation iteration </a:t>
-            </a:r>
-          </a:p>
-        </p:txBody>
-      </p:sp>
-      <p:sp>
-        <p:nvSpPr>
-          <p:cNvPr id="18" name="Flowchart: Magnetic Disk 17">
-            <a:extLst>
-              <a:ext uri="{FF2B5EF4-FFF2-40B4-BE49-F238E27FC236}">
-                <a16:creationId xmlns:a16="http://schemas.microsoft.com/office/drawing/2014/main" id="{A769AEAA-44E8-6F3A-5AA4-B912AB471845}"/>
-              </a:ext>
-            </a:extLst>
-          </p:cNvPr>
-          <p:cNvSpPr/>
-          <p:nvPr/>
-        </p:nvSpPr>
-        <p:spPr>
-          <a:xfrm>
-            <a:off x="2123605" y="5296533"/>
-            <a:ext cx="914400" cy="612648"/>
-          </a:xfrm>
-          <a:prstGeom prst="flowChartMagneticDisk">
-            <a:avLst/>
-          </a:prstGeom>
-          <a:solidFill>
-            <a:schemeClr val="accent6">
-              <a:lumMod val="40000"/>
-              <a:lumOff val="60000"/>
-            </a:schemeClr>
-          </a:solidFill>
-        </p:spPr>
-        <p:style>
-          <a:lnRef idx="2">
-            <a:schemeClr val="accent1">
-              <a:shade val="15000"/>
-            </a:schemeClr>
-          </a:lnRef>
-          <a:fillRef idx="1">
-            <a:schemeClr val="accent1"/>
-          </a:fillRef>
-          <a:effectRef idx="0">
-            <a:schemeClr val="accent1"/>
-          </a:effectRef>
-          <a:fontRef idx="minor">
-            <a:schemeClr val="lt1"/>
-          </a:fontRef>
-        </p:style>
-        <p:txBody>
-          <a:bodyPr rtlCol="0" anchor="ctr"/>
-          <a:lstStyle/>
-          <a:p>
-            <a:pPr algn="ctr"/>
-            <a:endParaRPr lang="en-US"/>
-          </a:p>
-        </p:txBody>
-      </p:sp>
-      <p:sp>
-        <p:nvSpPr>
-          <p:cNvPr id="19" name="TextBox 18">
-            <a:extLst>
-              <a:ext uri="{FF2B5EF4-FFF2-40B4-BE49-F238E27FC236}">
-                <a16:creationId xmlns:a16="http://schemas.microsoft.com/office/drawing/2014/main" id="{0FCD3D1A-3F16-AD4B-21D3-4B41FF39BCD9}"/>
-              </a:ext>
-            </a:extLst>
-          </p:cNvPr>
-          <p:cNvSpPr txBox="1"/>
-          <p:nvPr/>
-        </p:nvSpPr>
-        <p:spPr>
-          <a:xfrm>
-            <a:off x="503853" y="5878286"/>
-            <a:ext cx="958917" cy="369332"/>
-          </a:xfrm>
-          <a:prstGeom prst="rect">
-            <a:avLst/>
-          </a:prstGeom>
-          <a:noFill/>
-        </p:spPr>
-        <p:txBody>
-          <a:bodyPr wrap="none" rtlCol="0">
-            <a:spAutoFit/>
-          </a:bodyPr>
-          <a:lstStyle/>
-          <a:p>
-            <a:r>
-              <a:rPr lang="en-US" dirty="0"/>
-              <a:t>DEMO 2</a:t>
-            </a:r>
-          </a:p>
-        </p:txBody>
-      </p:sp>
-      <p:sp>
-        <p:nvSpPr>
-          <p:cNvPr id="3" name="Flowchart: Connector 2">
-            <a:extLst>
-              <a:ext uri="{FF2B5EF4-FFF2-40B4-BE49-F238E27FC236}">
-                <a16:creationId xmlns:a16="http://schemas.microsoft.com/office/drawing/2014/main" id="{62F17236-51D7-8BE6-2F88-CF4CB61D0B91}"/>
-              </a:ext>
-            </a:extLst>
-          </p:cNvPr>
-          <p:cNvSpPr/>
-          <p:nvPr/>
-        </p:nvSpPr>
-        <p:spPr>
-          <a:xfrm>
-            <a:off x="6244548" y="3166872"/>
-            <a:ext cx="662474" cy="625151"/>
-          </a:xfrm>
-          <a:prstGeom prst="flowChartConnector">
-            <a:avLst/>
-          </a:prstGeom>
-          <a:solidFill>
-            <a:schemeClr val="accent2">
-              <a:lumMod val="75000"/>
-            </a:schemeClr>
-          </a:solidFill>
-        </p:spPr>
-        <p:style>
-          <a:lnRef idx="2">
-            <a:schemeClr val="accent4">
-              <a:shade val="15000"/>
-            </a:schemeClr>
-          </a:lnRef>
-          <a:fillRef idx="1">
-            <a:schemeClr val="accent4"/>
-          </a:fillRef>
-          <a:effectRef idx="0">
-            <a:schemeClr val="accent4"/>
-          </a:effectRef>
-          <a:fontRef idx="minor">
-            <a:schemeClr val="lt1"/>
-          </a:fontRef>
-        </p:style>
-        <p:txBody>
-          <a:bodyPr rtlCol="0" anchor="ctr"/>
-          <a:lstStyle/>
-          <a:p>
-            <a:pPr algn="ctr"/>
-            <a:r>
-              <a:rPr lang="en-US" dirty="0"/>
-              <a:t>2</a:t>
-            </a:r>
-          </a:p>
-        </p:txBody>
-      </p:sp>
-      <p:sp>
-        <p:nvSpPr>
-          <p:cNvPr id="6" name="Callout: Line 5">
-            <a:extLst>
-              <a:ext uri="{FF2B5EF4-FFF2-40B4-BE49-F238E27FC236}">
-                <a16:creationId xmlns:a16="http://schemas.microsoft.com/office/drawing/2014/main" id="{00159E8F-A709-B8E4-C177-B1937A317B56}"/>
-              </a:ext>
-            </a:extLst>
-          </p:cNvPr>
-          <p:cNvSpPr/>
-          <p:nvPr/>
-        </p:nvSpPr>
-        <p:spPr>
-          <a:xfrm>
-            <a:off x="6801636" y="1641215"/>
-            <a:ext cx="2920482" cy="720762"/>
-          </a:xfrm>
-          <a:prstGeom prst="borderCallout1">
-            <a:avLst>
-              <a:gd name="adj1" fmla="val 73121"/>
-              <a:gd name="adj2" fmla="val -3541"/>
-              <a:gd name="adj3" fmla="val 188043"/>
-              <a:gd name="adj4" fmla="val -11374"/>
-            </a:avLst>
-          </a:prstGeom>
-          <a:noFill/>
-        </p:spPr>
-        <p:style>
-          <a:lnRef idx="2">
-            <a:schemeClr val="accent1">
-              <a:shade val="15000"/>
-            </a:schemeClr>
-          </a:lnRef>
-          <a:fillRef idx="1">
-            <a:schemeClr val="accent1"/>
-          </a:fillRef>
-          <a:effectRef idx="0">
-            <a:schemeClr val="accent1"/>
-          </a:effectRef>
-          <a:fontRef idx="minor">
-            <a:schemeClr val="lt1"/>
-          </a:fontRef>
-        </p:style>
-        <p:txBody>
-          <a:bodyPr rtlCol="0" anchor="ctr"/>
-          <a:lstStyle/>
-          <a:p>
-            <a:pPr algn="ctr"/>
-            <a:r>
-              <a:rPr lang="en-US" sz="1200" b="1" i="1" dirty="0">
-                <a:solidFill>
-                  <a:schemeClr val="tx1"/>
-                </a:solidFill>
-              </a:rPr>
-              <a:t>Context provider</a:t>
-            </a:r>
-            <a:r>
-              <a:rPr lang="en-US" sz="1200" b="1" dirty="0">
-                <a:solidFill>
-                  <a:schemeClr val="tx1"/>
-                </a:solidFill>
-              </a:rPr>
-              <a:t> </a:t>
-            </a:r>
-            <a:r>
-              <a:rPr lang="en-US" sz="1200" dirty="0">
-                <a:solidFill>
-                  <a:schemeClr val="tx1"/>
-                </a:solidFill>
-              </a:rPr>
-              <a:t>middleware</a:t>
-            </a:r>
-            <a:br>
-              <a:rPr lang="en-US" sz="1200" dirty="0">
-                <a:solidFill>
-                  <a:schemeClr val="tx1"/>
-                </a:solidFill>
-              </a:rPr>
-            </a:br>
-            <a:r>
-              <a:rPr lang="en-US" sz="1200" b="1" dirty="0">
-                <a:solidFill>
-                  <a:schemeClr val="tx1"/>
-                </a:solidFill>
-              </a:rPr>
-              <a:t>In</a:t>
-            </a:r>
-            <a:r>
-              <a:rPr lang="en-US" sz="1200" dirty="0">
-                <a:solidFill>
-                  <a:schemeClr val="tx1"/>
-                </a:solidFill>
-              </a:rPr>
-              <a:t>: add relevant context documents </a:t>
-            </a:r>
-            <a:br>
-              <a:rPr lang="en-US" sz="1200" dirty="0">
-                <a:solidFill>
-                  <a:schemeClr val="tx1"/>
-                </a:solidFill>
-              </a:rPr>
-            </a:br>
-            <a:r>
-              <a:rPr lang="en-US" sz="1200" dirty="0">
-                <a:solidFill>
-                  <a:schemeClr val="tx1"/>
-                </a:solidFill>
-              </a:rPr>
-              <a:t>as user messages</a:t>
-            </a:r>
-          </a:p>
-        </p:txBody>
-      </p:sp>
-      <p:sp>
-        <p:nvSpPr>
-          <p:cNvPr id="11" name="Flowchart: Magnetic Disk 10">
-            <a:extLst>
-              <a:ext uri="{FF2B5EF4-FFF2-40B4-BE49-F238E27FC236}">
-                <a16:creationId xmlns:a16="http://schemas.microsoft.com/office/drawing/2014/main" id="{B45DF416-F2E0-698C-F824-BD87CFF82527}"/>
-              </a:ext>
-            </a:extLst>
-          </p:cNvPr>
-          <p:cNvSpPr/>
-          <p:nvPr/>
-        </p:nvSpPr>
-        <p:spPr>
-          <a:xfrm>
-            <a:off x="6352292" y="1120843"/>
-            <a:ext cx="914400" cy="612648"/>
-          </a:xfrm>
-          <a:prstGeom prst="flowChartMagneticDisk">
-            <a:avLst/>
-          </a:prstGeom>
-          <a:solidFill>
-            <a:schemeClr val="accent6">
-              <a:lumMod val="40000"/>
-              <a:lumOff val="60000"/>
-            </a:schemeClr>
-          </a:solidFill>
-        </p:spPr>
-        <p:style>
-          <a:lnRef idx="2">
-            <a:schemeClr val="accent1">
-              <a:shade val="15000"/>
-            </a:schemeClr>
-          </a:lnRef>
-          <a:fillRef idx="1">
-            <a:schemeClr val="accent1"/>
-          </a:fillRef>
-          <a:effectRef idx="0">
-            <a:schemeClr val="accent1"/>
-          </a:effectRef>
-          <a:fontRef idx="minor">
-            <a:schemeClr val="lt1"/>
-          </a:fontRef>
-        </p:style>
-        <p:txBody>
-          <a:bodyPr rtlCol="0" anchor="ctr"/>
-          <a:lstStyle/>
-          <a:p>
-            <a:pPr algn="ctr"/>
-            <a:endParaRPr lang="en-US"/>
-          </a:p>
-        </p:txBody>
-      </p:sp>
-      <p:sp>
-        <p:nvSpPr>
-          <p:cNvPr id="12" name="Flowchart: Connector 11">
-            <a:extLst>
-              <a:ext uri="{FF2B5EF4-FFF2-40B4-BE49-F238E27FC236}">
-                <a16:creationId xmlns:a16="http://schemas.microsoft.com/office/drawing/2014/main" id="{17F38DE1-250F-2C2F-5399-0BCE342D430B}"/>
-              </a:ext>
-            </a:extLst>
-          </p:cNvPr>
-          <p:cNvSpPr/>
-          <p:nvPr/>
-        </p:nvSpPr>
-        <p:spPr>
-          <a:xfrm>
-            <a:off x="8775441" y="3139494"/>
-            <a:ext cx="662474" cy="625151"/>
-          </a:xfrm>
-          <a:prstGeom prst="flowChartConnector">
-            <a:avLst/>
-          </a:prstGeom>
-        </p:spPr>
-        <p:style>
-          <a:lnRef idx="2">
-            <a:schemeClr val="accent4">
-              <a:shade val="15000"/>
-            </a:schemeClr>
-          </a:lnRef>
-          <a:fillRef idx="1">
-            <a:schemeClr val="accent4"/>
-          </a:fillRef>
-          <a:effectRef idx="0">
-            <a:schemeClr val="accent4"/>
-          </a:effectRef>
-          <a:fontRef idx="minor">
-            <a:schemeClr val="lt1"/>
-          </a:fontRef>
-        </p:style>
-        <p:txBody>
-          <a:bodyPr rtlCol="0" anchor="ctr"/>
-          <a:lstStyle/>
-          <a:p>
-            <a:pPr algn="ctr"/>
-            <a:r>
-              <a:rPr lang="en-US" dirty="0"/>
-              <a:t>3</a:t>
-            </a:r>
-          </a:p>
-        </p:txBody>
-      </p:sp>
-      <p:sp>
-        <p:nvSpPr>
-          <p:cNvPr id="13" name="Callout: Line 12">
-            <a:extLst>
-              <a:ext uri="{FF2B5EF4-FFF2-40B4-BE49-F238E27FC236}">
-                <a16:creationId xmlns:a16="http://schemas.microsoft.com/office/drawing/2014/main" id="{36D75448-32A6-F536-02C8-6841BDE8B6A1}"/>
-              </a:ext>
-            </a:extLst>
-          </p:cNvPr>
-          <p:cNvSpPr/>
-          <p:nvPr/>
-        </p:nvSpPr>
-        <p:spPr>
-          <a:xfrm>
-            <a:off x="6096000" y="4906192"/>
-            <a:ext cx="2920482" cy="612648"/>
-          </a:xfrm>
-          <a:prstGeom prst="borderCallout1">
-            <a:avLst>
-              <a:gd name="adj1" fmla="val -9619"/>
-              <a:gd name="adj2" fmla="val 35750"/>
-              <a:gd name="adj3" fmla="val -183199"/>
-              <a:gd name="adj4" fmla="val 88869"/>
-            </a:avLst>
-          </a:prstGeom>
-          <a:noFill/>
-        </p:spPr>
-        <p:style>
-          <a:lnRef idx="2">
-            <a:schemeClr val="accent1">
-              <a:shade val="15000"/>
-            </a:schemeClr>
-          </a:lnRef>
-          <a:fillRef idx="1">
-            <a:schemeClr val="accent1"/>
-          </a:fillRef>
-          <a:effectRef idx="0">
-            <a:schemeClr val="accent1"/>
-          </a:effectRef>
-          <a:fontRef idx="minor">
-            <a:schemeClr val="lt1"/>
-          </a:fontRef>
-        </p:style>
-        <p:txBody>
-          <a:bodyPr rtlCol="0" anchor="ctr"/>
-          <a:lstStyle/>
-          <a:p>
-            <a:pPr algn="ctr"/>
-            <a:r>
-              <a:rPr lang="en-US" sz="1200" b="1" i="1" dirty="0">
-                <a:solidFill>
-                  <a:schemeClr val="tx1"/>
-                </a:solidFill>
-              </a:rPr>
-              <a:t>System message provider  </a:t>
-            </a:r>
-            <a:r>
-              <a:rPr lang="en-US" sz="1200" dirty="0">
-                <a:solidFill>
-                  <a:schemeClr val="tx1"/>
-                </a:solidFill>
-              </a:rPr>
-              <a:t>middleware</a:t>
-            </a:r>
-            <a:br>
-              <a:rPr lang="en-US" sz="1200" dirty="0">
-                <a:solidFill>
-                  <a:schemeClr val="tx1"/>
-                </a:solidFill>
-              </a:rPr>
-            </a:br>
-            <a:endParaRPr lang="en-US" sz="1200" dirty="0">
-              <a:solidFill>
-                <a:schemeClr val="tx1"/>
-              </a:solidFill>
-            </a:endParaRPr>
+              <a:t>chatbot on mymsc web site online help</a:t>
+            </a:r>
           </a:p>
         </p:txBody>
       </p:sp>
     </p:spTree>
     <p:extLst>
       <p:ext uri="{BB962C8B-B14F-4D97-AF65-F5344CB8AC3E}">
-        <p14:creationId xmlns:p14="http://schemas.microsoft.com/office/powerpoint/2010/main" val="1376264928"/>
+        <p14:creationId xmlns:p14="http://schemas.microsoft.com/office/powerpoint/2010/main" val="2620247930"/>
       </p:ext>
     </p:extLst>
   </p:cSld>
@@ -25351,7 +24595,7 @@
             <a:pPr algn="ctr"/>
             <a:r>
               <a:rPr lang="en-US" dirty="0"/>
-              <a:t>2</a:t>
+              <a:t>H</a:t>
             </a:r>
           </a:p>
         </p:txBody>
@@ -25565,7 +24809,7 @@
             <a:pPr algn="ctr"/>
             <a:r>
               <a:rPr lang="en-US" dirty="0"/>
-              <a:t>3</a:t>
+              <a:t>C</a:t>
             </a:r>
           </a:p>
         </p:txBody>
@@ -25591,8 +24835,8 @@
             <a:avLst>
               <a:gd name="adj1" fmla="val 100634"/>
               <a:gd name="adj2" fmla="val 20224"/>
-              <a:gd name="adj3" fmla="val 218613"/>
-              <a:gd name="adj4" fmla="val 697"/>
+              <a:gd name="adj3" fmla="val 239242"/>
+              <a:gd name="adj4" fmla="val -1085"/>
             </a:avLst>
           </a:prstGeom>
           <a:noFill/>
@@ -25732,7 +24976,7 @@
             <a:pPr algn="ctr"/>
             <a:r>
               <a:rPr lang="en-US" dirty="0"/>
-              <a:t>1</a:t>
+              <a:t>T</a:t>
             </a:r>
           </a:p>
         </p:txBody>
@@ -25946,7 +25190,7 @@
             <a:pPr algn="ctr"/>
             <a:r>
               <a:rPr lang="en-US" dirty="0"/>
-              <a:t>4</a:t>
+              <a:t>S</a:t>
             </a:r>
           </a:p>
         </p:txBody>
@@ -26167,7 +25411,7 @@
           <a:p>
             <a:r>
               <a:rPr lang="en-US" dirty="0"/>
-              <a:t>A conversation length limit cannot be enough. </a:t>
+              <a:t>A fixed conversation length limit cannot be enough. </a:t>
             </a:r>
             <a:br>
               <a:rPr lang="en-US" dirty="0"/>
@@ -26442,1713 +25686,6 @@
           <p:cNvPr id="2" name="Title 1">
             <a:extLst>
               <a:ext uri="{FF2B5EF4-FFF2-40B4-BE49-F238E27FC236}">
-                <a16:creationId xmlns:a16="http://schemas.microsoft.com/office/drawing/2014/main" id="{2E82E515-AE5C-9A6B-99F6-2E2FD1021EE2}"/>
-              </a:ext>
-            </a:extLst>
-          </p:cNvPr>
-          <p:cNvSpPr>
-            <a:spLocks noGrp="1"/>
-          </p:cNvSpPr>
-          <p:nvPr>
-            <p:ph type="title"/>
-          </p:nvPr>
-        </p:nvSpPr>
-        <p:spPr/>
-        <p:txBody>
-          <a:bodyPr>
-            <a:normAutofit fontScale="90000"/>
-          </a:bodyPr>
-          <a:lstStyle/>
-          <a:p>
-            <a:r>
-              <a:rPr lang="en-US" dirty="0"/>
-              <a:t>Application layout</a:t>
-            </a:r>
-          </a:p>
-        </p:txBody>
-      </p:sp>
-      <p:sp>
-        <p:nvSpPr>
-          <p:cNvPr id="4" name="Rectangle 3">
-            <a:extLst>
-              <a:ext uri="{FF2B5EF4-FFF2-40B4-BE49-F238E27FC236}">
-                <a16:creationId xmlns:a16="http://schemas.microsoft.com/office/drawing/2014/main" id="{6F074D39-7CFD-8D36-365C-0EC3BBC1EDD9}"/>
-              </a:ext>
-            </a:extLst>
-          </p:cNvPr>
-          <p:cNvSpPr/>
-          <p:nvPr/>
-        </p:nvSpPr>
-        <p:spPr>
-          <a:xfrm>
-            <a:off x="763398" y="2298583"/>
-            <a:ext cx="889233" cy="2214694"/>
-          </a:xfrm>
-          <a:prstGeom prst="rect">
-            <a:avLst/>
-          </a:prstGeom>
-        </p:spPr>
-        <p:style>
-          <a:lnRef idx="2">
-            <a:schemeClr val="accent1">
-              <a:shade val="15000"/>
-            </a:schemeClr>
-          </a:lnRef>
-          <a:fillRef idx="1">
-            <a:schemeClr val="accent1"/>
-          </a:fillRef>
-          <a:effectRef idx="0">
-            <a:schemeClr val="accent1"/>
-          </a:effectRef>
-          <a:fontRef idx="minor">
-            <a:schemeClr val="lt1"/>
-          </a:fontRef>
-        </p:style>
-        <p:txBody>
-          <a:bodyPr rtlCol="0" anchor="ctr"/>
-          <a:lstStyle/>
-          <a:p>
-            <a:pPr algn="ctr"/>
-            <a:endParaRPr lang="en-US"/>
-          </a:p>
-        </p:txBody>
-      </p:sp>
-      <p:sp>
-        <p:nvSpPr>
-          <p:cNvPr id="5" name="Rectangle 4">
-            <a:extLst>
-              <a:ext uri="{FF2B5EF4-FFF2-40B4-BE49-F238E27FC236}">
-                <a16:creationId xmlns:a16="http://schemas.microsoft.com/office/drawing/2014/main" id="{85B23A0C-9D7D-6D11-9226-22552D1BA5B1}"/>
-              </a:ext>
-            </a:extLst>
-          </p:cNvPr>
-          <p:cNvSpPr/>
-          <p:nvPr/>
-        </p:nvSpPr>
-        <p:spPr>
-          <a:xfrm>
-            <a:off x="1863754" y="2298583"/>
-            <a:ext cx="8161090" cy="2214694"/>
-          </a:xfrm>
-          <a:prstGeom prst="rect">
-            <a:avLst/>
-          </a:prstGeom>
-          <a:solidFill>
-            <a:schemeClr val="bg2"/>
-          </a:solidFill>
-          <a:ln>
-            <a:solidFill>
-              <a:schemeClr val="accent1">
-                <a:lumMod val="20000"/>
-                <a:lumOff val="80000"/>
-              </a:schemeClr>
-            </a:solidFill>
-          </a:ln>
-        </p:spPr>
-        <p:style>
-          <a:lnRef idx="2">
-            <a:schemeClr val="accent1">
-              <a:shade val="15000"/>
-            </a:schemeClr>
-          </a:lnRef>
-          <a:fillRef idx="1">
-            <a:schemeClr val="accent1"/>
-          </a:fillRef>
-          <a:effectRef idx="0">
-            <a:schemeClr val="accent1"/>
-          </a:effectRef>
-          <a:fontRef idx="minor">
-            <a:schemeClr val="lt1"/>
-          </a:fontRef>
-        </p:style>
-        <p:txBody>
-          <a:bodyPr rtlCol="0" anchor="ctr"/>
-          <a:lstStyle/>
-          <a:p>
-            <a:pPr algn="ctr"/>
-            <a:endParaRPr lang="en-US"/>
-          </a:p>
-        </p:txBody>
-      </p:sp>
-      <p:pic>
-        <p:nvPicPr>
-          <p:cNvPr id="7" name="Picture 6" descr="A logo of a company&#10;&#10;Description automatically generated">
-            <a:extLst>
-              <a:ext uri="{FF2B5EF4-FFF2-40B4-BE49-F238E27FC236}">
-                <a16:creationId xmlns:a16="http://schemas.microsoft.com/office/drawing/2014/main" id="{22A806F8-DF3C-B54A-01EA-CD81C09867B3}"/>
-              </a:ext>
-            </a:extLst>
-          </p:cNvPr>
-          <p:cNvPicPr>
-            <a:picLocks noChangeAspect="1"/>
-          </p:cNvPicPr>
-          <p:nvPr/>
-        </p:nvPicPr>
-        <p:blipFill>
-          <a:blip r:embed="rId2">
-            <a:extLst>
-              <a:ext uri="{28A0092B-C50C-407E-A947-70E740481C1C}">
-                <a14:useLocalDpi xmlns:a14="http://schemas.microsoft.com/office/drawing/2010/main" val="0"/>
-              </a:ext>
-            </a:extLst>
-          </a:blip>
-          <a:stretch>
-            <a:fillRect/>
-          </a:stretch>
-        </p:blipFill>
-        <p:spPr>
-          <a:xfrm>
-            <a:off x="10235967" y="2487641"/>
-            <a:ext cx="1622965" cy="1622965"/>
-          </a:xfrm>
-          <a:prstGeom prst="rect">
-            <a:avLst/>
-          </a:prstGeom>
-        </p:spPr>
-      </p:pic>
-      <p:sp>
-        <p:nvSpPr>
-          <p:cNvPr id="8" name="TextBox 7">
-            <a:extLst>
-              <a:ext uri="{FF2B5EF4-FFF2-40B4-BE49-F238E27FC236}">
-                <a16:creationId xmlns:a16="http://schemas.microsoft.com/office/drawing/2014/main" id="{FDCDDFD1-D19E-1A16-3F34-CA117F157F94}"/>
-              </a:ext>
-            </a:extLst>
-          </p:cNvPr>
-          <p:cNvSpPr txBox="1"/>
-          <p:nvPr/>
-        </p:nvSpPr>
-        <p:spPr>
-          <a:xfrm>
-            <a:off x="125217" y="1442833"/>
-            <a:ext cx="1842427" cy="646331"/>
-          </a:xfrm>
-          <a:prstGeom prst="rect">
-            <a:avLst/>
-          </a:prstGeom>
-          <a:noFill/>
-        </p:spPr>
-        <p:txBody>
-          <a:bodyPr wrap="none" rtlCol="0">
-            <a:spAutoFit/>
-          </a:bodyPr>
-          <a:lstStyle/>
-          <a:p>
-            <a:pPr algn="ctr"/>
-            <a:r>
-              <a:rPr lang="en-US" dirty="0"/>
-              <a:t>UI : </a:t>
-            </a:r>
-            <a:br>
-              <a:rPr lang="en-US" dirty="0"/>
-            </a:br>
-            <a:r>
-              <a:rPr lang="en-US" dirty="0"/>
-              <a:t>JS / Windows app</a:t>
-            </a:r>
-          </a:p>
-        </p:txBody>
-      </p:sp>
-      <p:sp>
-        <p:nvSpPr>
-          <p:cNvPr id="9" name="TextBox 8">
-            <a:extLst>
-              <a:ext uri="{FF2B5EF4-FFF2-40B4-BE49-F238E27FC236}">
-                <a16:creationId xmlns:a16="http://schemas.microsoft.com/office/drawing/2014/main" id="{E93C44B1-84FE-7184-D7BE-7D0FCD50E930}"/>
-              </a:ext>
-            </a:extLst>
-          </p:cNvPr>
-          <p:cNvSpPr txBox="1"/>
-          <p:nvPr/>
-        </p:nvSpPr>
-        <p:spPr>
-          <a:xfrm>
-            <a:off x="3997288" y="1442833"/>
-            <a:ext cx="2355004" cy="646331"/>
-          </a:xfrm>
-          <a:prstGeom prst="rect">
-            <a:avLst/>
-          </a:prstGeom>
-          <a:noFill/>
-        </p:spPr>
-        <p:txBody>
-          <a:bodyPr wrap="none" rtlCol="0">
-            <a:spAutoFit/>
-          </a:bodyPr>
-          <a:lstStyle/>
-          <a:p>
-            <a:pPr algn="ctr"/>
-            <a:r>
-              <a:rPr lang="en-US" dirty="0"/>
-              <a:t>backend : </a:t>
-            </a:r>
-            <a:br>
-              <a:rPr lang="en-US" dirty="0"/>
-            </a:br>
-            <a:r>
-              <a:rPr lang="en-US" dirty="0" err="1"/>
-              <a:t>RestApi</a:t>
-            </a:r>
-            <a:r>
-              <a:rPr lang="en-US" dirty="0"/>
-              <a:t>/</a:t>
-            </a:r>
-            <a:r>
-              <a:rPr lang="en-US" dirty="0" err="1"/>
-              <a:t>Grpc</a:t>
-            </a:r>
-            <a:r>
-              <a:rPr lang="en-US" dirty="0"/>
-              <a:t>/</a:t>
-            </a:r>
-            <a:r>
-              <a:rPr lang="en-US" dirty="0" err="1"/>
-              <a:t>GraphQl</a:t>
-            </a:r>
-            <a:r>
-              <a:rPr lang="en-US" dirty="0"/>
-              <a:t> </a:t>
-            </a:r>
-          </a:p>
-        </p:txBody>
-      </p:sp>
-      <p:cxnSp>
-        <p:nvCxnSpPr>
-          <p:cNvPr id="10" name="Straight Arrow Connector 9">
-            <a:extLst>
-              <a:ext uri="{FF2B5EF4-FFF2-40B4-BE49-F238E27FC236}">
-                <a16:creationId xmlns:a16="http://schemas.microsoft.com/office/drawing/2014/main" id="{13F09C29-56BC-317E-9375-D7216FB04989}"/>
-              </a:ext>
-            </a:extLst>
-          </p:cNvPr>
-          <p:cNvCxnSpPr>
-            <a:cxnSpLocks/>
-          </p:cNvCxnSpPr>
-          <p:nvPr/>
-        </p:nvCxnSpPr>
-        <p:spPr>
-          <a:xfrm>
-            <a:off x="2167156" y="3405930"/>
-            <a:ext cx="7706686" cy="0"/>
-          </a:xfrm>
-          <a:prstGeom prst="straightConnector1">
-            <a:avLst/>
-          </a:prstGeom>
-          <a:ln w="63500">
-            <a:tailEnd type="triangle"/>
-          </a:ln>
-        </p:spPr>
-        <p:style>
-          <a:lnRef idx="1">
-            <a:schemeClr val="accent1"/>
-          </a:lnRef>
-          <a:fillRef idx="0">
-            <a:schemeClr val="accent1"/>
-          </a:fillRef>
-          <a:effectRef idx="0">
-            <a:schemeClr val="accent1"/>
-          </a:effectRef>
-          <a:fontRef idx="minor">
-            <a:schemeClr val="tx1"/>
-          </a:fontRef>
-        </p:style>
-      </p:cxnSp>
-      <p:cxnSp>
-        <p:nvCxnSpPr>
-          <p:cNvPr id="15" name="Straight Arrow Connector 14">
-            <a:extLst>
-              <a:ext uri="{FF2B5EF4-FFF2-40B4-BE49-F238E27FC236}">
-                <a16:creationId xmlns:a16="http://schemas.microsoft.com/office/drawing/2014/main" id="{8D38C5D5-647F-9235-AACC-57E7C1283DD1}"/>
-              </a:ext>
-            </a:extLst>
-          </p:cNvPr>
-          <p:cNvCxnSpPr>
-            <a:cxnSpLocks/>
-          </p:cNvCxnSpPr>
-          <p:nvPr/>
-        </p:nvCxnSpPr>
-        <p:spPr>
-          <a:xfrm>
-            <a:off x="2123605" y="3558330"/>
-            <a:ext cx="7706686" cy="0"/>
-          </a:xfrm>
-          <a:prstGeom prst="straightConnector1">
-            <a:avLst/>
-          </a:prstGeom>
-          <a:ln w="63500">
-            <a:headEnd type="stealth"/>
-            <a:tailEnd type="none"/>
-          </a:ln>
-        </p:spPr>
-        <p:style>
-          <a:lnRef idx="1">
-            <a:schemeClr val="accent1"/>
-          </a:lnRef>
-          <a:fillRef idx="0">
-            <a:schemeClr val="accent1"/>
-          </a:fillRef>
-          <a:effectRef idx="0">
-            <a:schemeClr val="accent1"/>
-          </a:effectRef>
-          <a:fontRef idx="minor">
-            <a:schemeClr val="tx1"/>
-          </a:fontRef>
-        </p:style>
-      </p:cxnSp>
-      <p:sp>
-        <p:nvSpPr>
-          <p:cNvPr id="16" name="Flowchart: Connector 15">
-            <a:extLst>
-              <a:ext uri="{FF2B5EF4-FFF2-40B4-BE49-F238E27FC236}">
-                <a16:creationId xmlns:a16="http://schemas.microsoft.com/office/drawing/2014/main" id="{C81D6187-267F-63C5-928A-4EA4D512B674}"/>
-              </a:ext>
-            </a:extLst>
-          </p:cNvPr>
-          <p:cNvSpPr/>
-          <p:nvPr/>
-        </p:nvSpPr>
-        <p:spPr>
-          <a:xfrm>
-            <a:off x="4412824" y="3178718"/>
-            <a:ext cx="662474" cy="625151"/>
-          </a:xfrm>
-          <a:prstGeom prst="flowChartConnector">
-            <a:avLst/>
-          </a:prstGeom>
-        </p:spPr>
-        <p:style>
-          <a:lnRef idx="2">
-            <a:schemeClr val="accent4">
-              <a:shade val="15000"/>
-            </a:schemeClr>
-          </a:lnRef>
-          <a:fillRef idx="1">
-            <a:schemeClr val="accent4"/>
-          </a:fillRef>
-          <a:effectRef idx="0">
-            <a:schemeClr val="accent4"/>
-          </a:effectRef>
-          <a:fontRef idx="minor">
-            <a:schemeClr val="lt1"/>
-          </a:fontRef>
-        </p:style>
-        <p:txBody>
-          <a:bodyPr rtlCol="0" anchor="ctr"/>
-          <a:lstStyle/>
-          <a:p>
-            <a:pPr algn="ctr"/>
-            <a:r>
-              <a:rPr lang="en-US" dirty="0"/>
-              <a:t>2</a:t>
-            </a:r>
-          </a:p>
-        </p:txBody>
-      </p:sp>
-      <p:sp>
-        <p:nvSpPr>
-          <p:cNvPr id="17" name="Callout: Line 16">
-            <a:extLst>
-              <a:ext uri="{FF2B5EF4-FFF2-40B4-BE49-F238E27FC236}">
-                <a16:creationId xmlns:a16="http://schemas.microsoft.com/office/drawing/2014/main" id="{132BF735-C40B-4596-09A8-B5ADAD369775}"/>
-              </a:ext>
-            </a:extLst>
-          </p:cNvPr>
-          <p:cNvSpPr/>
-          <p:nvPr/>
-        </p:nvSpPr>
-        <p:spPr>
-          <a:xfrm>
-            <a:off x="3971030" y="5007976"/>
-            <a:ext cx="2920482" cy="612648"/>
-          </a:xfrm>
-          <a:prstGeom prst="borderCallout1">
-            <a:avLst>
-              <a:gd name="adj1" fmla="val -6693"/>
-              <a:gd name="adj2" fmla="val 44344"/>
-              <a:gd name="adj3" fmla="val -178810"/>
-              <a:gd name="adj4" fmla="val 29626"/>
-            </a:avLst>
-          </a:prstGeom>
-          <a:noFill/>
-        </p:spPr>
-        <p:style>
-          <a:lnRef idx="2">
-            <a:schemeClr val="accent1">
-              <a:shade val="15000"/>
-            </a:schemeClr>
-          </a:lnRef>
-          <a:fillRef idx="1">
-            <a:schemeClr val="accent1"/>
-          </a:fillRef>
-          <a:effectRef idx="0">
-            <a:schemeClr val="accent1"/>
-          </a:effectRef>
-          <a:fontRef idx="minor">
-            <a:schemeClr val="lt1"/>
-          </a:fontRef>
-        </p:style>
-        <p:txBody>
-          <a:bodyPr rtlCol="0" anchor="ctr"/>
-          <a:lstStyle/>
-          <a:p>
-            <a:pPr algn="ctr"/>
-            <a:r>
-              <a:rPr lang="en-US" sz="1200" b="1" i="1" dirty="0">
-                <a:solidFill>
-                  <a:schemeClr val="tx1"/>
-                </a:solidFill>
-              </a:rPr>
-              <a:t>Conversation manager </a:t>
-            </a:r>
-            <a:r>
-              <a:rPr lang="en-US" sz="1200" dirty="0">
-                <a:solidFill>
-                  <a:schemeClr val="tx1"/>
-                </a:solidFill>
-              </a:rPr>
-              <a:t>middleware</a:t>
-            </a:r>
-            <a:br>
-              <a:rPr lang="en-US" sz="1200" dirty="0">
-                <a:solidFill>
-                  <a:schemeClr val="tx1"/>
-                </a:solidFill>
-              </a:rPr>
-            </a:br>
-            <a:r>
-              <a:rPr lang="en-US" sz="1200" b="1" dirty="0">
-                <a:solidFill>
-                  <a:schemeClr val="tx1"/>
-                </a:solidFill>
-              </a:rPr>
-              <a:t>In</a:t>
-            </a:r>
-            <a:r>
-              <a:rPr lang="en-US" sz="1200" dirty="0">
-                <a:solidFill>
-                  <a:schemeClr val="tx1"/>
-                </a:solidFill>
-              </a:rPr>
-              <a:t>: load conversation by conversation Id</a:t>
-            </a:r>
-            <a:br>
-              <a:rPr lang="en-US" sz="1200" dirty="0">
-                <a:solidFill>
-                  <a:schemeClr val="tx1"/>
-                </a:solidFill>
-              </a:rPr>
-            </a:br>
-            <a:r>
-              <a:rPr lang="en-US" sz="1200" b="1" dirty="0">
-                <a:solidFill>
-                  <a:schemeClr val="tx1"/>
-                </a:solidFill>
-              </a:rPr>
-              <a:t>Out</a:t>
-            </a:r>
-            <a:r>
-              <a:rPr lang="en-US" sz="1200" dirty="0">
-                <a:solidFill>
-                  <a:schemeClr val="tx1"/>
-                </a:solidFill>
-              </a:rPr>
-              <a:t>: store new conversation iteration </a:t>
-            </a:r>
-          </a:p>
-        </p:txBody>
-      </p:sp>
-      <p:sp>
-        <p:nvSpPr>
-          <p:cNvPr id="18" name="Flowchart: Magnetic Disk 17">
-            <a:extLst>
-              <a:ext uri="{FF2B5EF4-FFF2-40B4-BE49-F238E27FC236}">
-                <a16:creationId xmlns:a16="http://schemas.microsoft.com/office/drawing/2014/main" id="{A769AEAA-44E8-6F3A-5AA4-B912AB471845}"/>
-              </a:ext>
-            </a:extLst>
-          </p:cNvPr>
-          <p:cNvSpPr/>
-          <p:nvPr/>
-        </p:nvSpPr>
-        <p:spPr>
-          <a:xfrm>
-            <a:off x="3955624" y="5622646"/>
-            <a:ext cx="914400" cy="612648"/>
-          </a:xfrm>
-          <a:prstGeom prst="flowChartMagneticDisk">
-            <a:avLst/>
-          </a:prstGeom>
-          <a:solidFill>
-            <a:schemeClr val="accent6">
-              <a:lumMod val="40000"/>
-              <a:lumOff val="60000"/>
-            </a:schemeClr>
-          </a:solidFill>
-        </p:spPr>
-        <p:style>
-          <a:lnRef idx="2">
-            <a:schemeClr val="accent1">
-              <a:shade val="15000"/>
-            </a:schemeClr>
-          </a:lnRef>
-          <a:fillRef idx="1">
-            <a:schemeClr val="accent1"/>
-          </a:fillRef>
-          <a:effectRef idx="0">
-            <a:schemeClr val="accent1"/>
-          </a:effectRef>
-          <a:fontRef idx="minor">
-            <a:schemeClr val="lt1"/>
-          </a:fontRef>
-        </p:style>
-        <p:txBody>
-          <a:bodyPr rtlCol="0" anchor="ctr"/>
-          <a:lstStyle/>
-          <a:p>
-            <a:pPr algn="ctr"/>
-            <a:endParaRPr lang="en-US"/>
-          </a:p>
-        </p:txBody>
-      </p:sp>
-      <p:sp>
-        <p:nvSpPr>
-          <p:cNvPr id="3" name="Flowchart: Connector 2">
-            <a:extLst>
-              <a:ext uri="{FF2B5EF4-FFF2-40B4-BE49-F238E27FC236}">
-                <a16:creationId xmlns:a16="http://schemas.microsoft.com/office/drawing/2014/main" id="{62F17236-51D7-8BE6-2F88-CF4CB61D0B91}"/>
-              </a:ext>
-            </a:extLst>
-          </p:cNvPr>
-          <p:cNvSpPr/>
-          <p:nvPr/>
-        </p:nvSpPr>
-        <p:spPr>
-          <a:xfrm>
-            <a:off x="5588575" y="3178717"/>
-            <a:ext cx="662474" cy="625151"/>
-          </a:xfrm>
-          <a:prstGeom prst="flowChartConnector">
-            <a:avLst/>
-          </a:prstGeom>
-        </p:spPr>
-        <p:style>
-          <a:lnRef idx="2">
-            <a:schemeClr val="accent4">
-              <a:shade val="15000"/>
-            </a:schemeClr>
-          </a:lnRef>
-          <a:fillRef idx="1">
-            <a:schemeClr val="accent4"/>
-          </a:fillRef>
-          <a:effectRef idx="0">
-            <a:schemeClr val="accent4"/>
-          </a:effectRef>
-          <a:fontRef idx="minor">
-            <a:schemeClr val="lt1"/>
-          </a:fontRef>
-        </p:style>
-        <p:txBody>
-          <a:bodyPr rtlCol="0" anchor="ctr"/>
-          <a:lstStyle/>
-          <a:p>
-            <a:pPr algn="ctr"/>
-            <a:r>
-              <a:rPr lang="en-US" dirty="0"/>
-              <a:t>3</a:t>
-            </a:r>
-          </a:p>
-        </p:txBody>
-      </p:sp>
-      <p:sp>
-        <p:nvSpPr>
-          <p:cNvPr id="6" name="Callout: Line 5">
-            <a:extLst>
-              <a:ext uri="{FF2B5EF4-FFF2-40B4-BE49-F238E27FC236}">
-                <a16:creationId xmlns:a16="http://schemas.microsoft.com/office/drawing/2014/main" id="{00159E8F-A709-B8E4-C177-B1937A317B56}"/>
-              </a:ext>
-            </a:extLst>
-          </p:cNvPr>
-          <p:cNvSpPr/>
-          <p:nvPr/>
-        </p:nvSpPr>
-        <p:spPr>
-          <a:xfrm>
-            <a:off x="5661477" y="667492"/>
-            <a:ext cx="2920482" cy="720762"/>
-          </a:xfrm>
-          <a:prstGeom prst="borderCallout1">
-            <a:avLst>
-              <a:gd name="adj1" fmla="val 106703"/>
-              <a:gd name="adj2" fmla="val 28076"/>
-              <a:gd name="adj3" fmla="val 335289"/>
-              <a:gd name="adj4" fmla="val 47636"/>
-            </a:avLst>
-          </a:prstGeom>
-          <a:noFill/>
-        </p:spPr>
-        <p:style>
-          <a:lnRef idx="2">
-            <a:schemeClr val="accent1">
-              <a:shade val="15000"/>
-            </a:schemeClr>
-          </a:lnRef>
-          <a:fillRef idx="1">
-            <a:schemeClr val="accent1"/>
-          </a:fillRef>
-          <a:effectRef idx="0">
-            <a:schemeClr val="accent1"/>
-          </a:effectRef>
-          <a:fontRef idx="minor">
-            <a:schemeClr val="lt1"/>
-          </a:fontRef>
-        </p:style>
-        <p:txBody>
-          <a:bodyPr rtlCol="0" anchor="ctr"/>
-          <a:lstStyle/>
-          <a:p>
-            <a:pPr algn="ctr"/>
-            <a:r>
-              <a:rPr lang="en-US" sz="1200" b="1" i="1" dirty="0">
-                <a:solidFill>
-                  <a:schemeClr val="tx1"/>
-                </a:solidFill>
-              </a:rPr>
-              <a:t>Context provider</a:t>
-            </a:r>
-            <a:r>
-              <a:rPr lang="en-US" sz="1200" b="1" dirty="0">
-                <a:solidFill>
-                  <a:schemeClr val="tx1"/>
-                </a:solidFill>
-              </a:rPr>
-              <a:t> </a:t>
-            </a:r>
-            <a:r>
-              <a:rPr lang="en-US" sz="1200" dirty="0">
-                <a:solidFill>
-                  <a:schemeClr val="tx1"/>
-                </a:solidFill>
-              </a:rPr>
-              <a:t>middleware</a:t>
-            </a:r>
-            <a:br>
-              <a:rPr lang="en-US" sz="1200" dirty="0">
-                <a:solidFill>
-                  <a:schemeClr val="tx1"/>
-                </a:solidFill>
-              </a:rPr>
-            </a:br>
-            <a:r>
-              <a:rPr lang="en-US" sz="1200" b="1" dirty="0">
-                <a:solidFill>
-                  <a:schemeClr val="tx1"/>
-                </a:solidFill>
-              </a:rPr>
-              <a:t>In</a:t>
-            </a:r>
-            <a:r>
-              <a:rPr lang="en-US" sz="1200" dirty="0">
-                <a:solidFill>
-                  <a:schemeClr val="tx1"/>
-                </a:solidFill>
-              </a:rPr>
-              <a:t>: add relevant context documents </a:t>
-            </a:r>
-            <a:br>
-              <a:rPr lang="en-US" sz="1200" dirty="0">
-                <a:solidFill>
-                  <a:schemeClr val="tx1"/>
-                </a:solidFill>
-              </a:rPr>
-            </a:br>
-            <a:r>
-              <a:rPr lang="en-US" sz="1200" dirty="0">
-                <a:solidFill>
-                  <a:schemeClr val="tx1"/>
-                </a:solidFill>
-              </a:rPr>
-              <a:t>as user messages</a:t>
-            </a:r>
-            <a:br>
-              <a:rPr lang="en-US" sz="1200" dirty="0">
-                <a:solidFill>
-                  <a:schemeClr val="tx1"/>
-                </a:solidFill>
-              </a:rPr>
-            </a:br>
-            <a:endParaRPr lang="en-US" sz="1200" dirty="0">
-              <a:solidFill>
-                <a:schemeClr val="tx1"/>
-              </a:solidFill>
-            </a:endParaRPr>
-          </a:p>
-        </p:txBody>
-      </p:sp>
-      <p:sp>
-        <p:nvSpPr>
-          <p:cNvPr id="11" name="Flowchart: Connector 10">
-            <a:extLst>
-              <a:ext uri="{FF2B5EF4-FFF2-40B4-BE49-F238E27FC236}">
-                <a16:creationId xmlns:a16="http://schemas.microsoft.com/office/drawing/2014/main" id="{FF6E2DF6-2140-3E08-F30A-EFCB68064D77}"/>
-              </a:ext>
-            </a:extLst>
-          </p:cNvPr>
-          <p:cNvSpPr/>
-          <p:nvPr/>
-        </p:nvSpPr>
-        <p:spPr>
-          <a:xfrm>
-            <a:off x="3277728" y="3166871"/>
-            <a:ext cx="662474" cy="625151"/>
-          </a:xfrm>
-          <a:prstGeom prst="flowChartConnector">
-            <a:avLst/>
-          </a:prstGeom>
-        </p:spPr>
-        <p:style>
-          <a:lnRef idx="2">
-            <a:schemeClr val="accent4">
-              <a:shade val="15000"/>
-            </a:schemeClr>
-          </a:lnRef>
-          <a:fillRef idx="1">
-            <a:schemeClr val="accent4"/>
-          </a:fillRef>
-          <a:effectRef idx="0">
-            <a:schemeClr val="accent4"/>
-          </a:effectRef>
-          <a:fontRef idx="minor">
-            <a:schemeClr val="lt1"/>
-          </a:fontRef>
-        </p:style>
-        <p:txBody>
-          <a:bodyPr rtlCol="0" anchor="ctr"/>
-          <a:lstStyle/>
-          <a:p>
-            <a:pPr algn="ctr"/>
-            <a:r>
-              <a:rPr lang="en-US" dirty="0"/>
-              <a:t>1</a:t>
-            </a:r>
-          </a:p>
-        </p:txBody>
-      </p:sp>
-      <p:sp>
-        <p:nvSpPr>
-          <p:cNvPr id="12" name="Callout: Line 11">
-            <a:extLst>
-              <a:ext uri="{FF2B5EF4-FFF2-40B4-BE49-F238E27FC236}">
-                <a16:creationId xmlns:a16="http://schemas.microsoft.com/office/drawing/2014/main" id="{691E6820-D9F4-0226-200F-24FD86696192}"/>
-              </a:ext>
-            </a:extLst>
-          </p:cNvPr>
-          <p:cNvSpPr/>
-          <p:nvPr/>
-        </p:nvSpPr>
-        <p:spPr>
-          <a:xfrm>
-            <a:off x="748194" y="5117135"/>
-            <a:ext cx="2920482" cy="835796"/>
-          </a:xfrm>
-          <a:prstGeom prst="borderCallout1">
-            <a:avLst>
-              <a:gd name="adj1" fmla="val -2572"/>
-              <a:gd name="adj2" fmla="val 58759"/>
-              <a:gd name="adj3" fmla="val -152331"/>
-              <a:gd name="adj4" fmla="val 92622"/>
-            </a:avLst>
-          </a:prstGeom>
-          <a:noFill/>
-        </p:spPr>
-        <p:style>
-          <a:lnRef idx="2">
-            <a:schemeClr val="accent1">
-              <a:shade val="15000"/>
-            </a:schemeClr>
-          </a:lnRef>
-          <a:fillRef idx="1">
-            <a:schemeClr val="accent1"/>
-          </a:fillRef>
-          <a:effectRef idx="0">
-            <a:schemeClr val="accent1"/>
-          </a:effectRef>
-          <a:fontRef idx="minor">
-            <a:schemeClr val="lt1"/>
-          </a:fontRef>
-        </p:style>
-        <p:txBody>
-          <a:bodyPr rtlCol="0" anchor="ctr"/>
-          <a:lstStyle/>
-          <a:p>
-            <a:pPr algn="ctr"/>
-            <a:r>
-              <a:rPr lang="en-US" sz="1200" b="1" i="1" dirty="0">
-                <a:solidFill>
-                  <a:schemeClr val="tx1"/>
-                </a:solidFill>
-              </a:rPr>
-              <a:t>Translator manager </a:t>
-            </a:r>
-            <a:r>
-              <a:rPr lang="en-US" sz="1200" dirty="0">
-                <a:solidFill>
-                  <a:schemeClr val="tx1"/>
-                </a:solidFill>
-              </a:rPr>
-              <a:t>middleware</a:t>
-            </a:r>
-            <a:br>
-              <a:rPr lang="en-US" sz="1200" dirty="0">
-                <a:solidFill>
-                  <a:schemeClr val="tx1"/>
-                </a:solidFill>
-              </a:rPr>
-            </a:br>
-            <a:r>
-              <a:rPr lang="en-US" sz="1200" b="1" dirty="0">
-                <a:solidFill>
-                  <a:schemeClr val="tx1"/>
-                </a:solidFill>
-              </a:rPr>
-              <a:t>In</a:t>
-            </a:r>
-            <a:r>
-              <a:rPr lang="en-US" sz="1200" dirty="0">
-                <a:solidFill>
-                  <a:schemeClr val="tx1"/>
-                </a:solidFill>
-              </a:rPr>
-              <a:t>: convert to desired language and detect user language</a:t>
-            </a:r>
-            <a:br>
-              <a:rPr lang="en-US" sz="1200" dirty="0">
-                <a:solidFill>
-                  <a:schemeClr val="tx1"/>
-                </a:solidFill>
-              </a:rPr>
-            </a:br>
-            <a:r>
-              <a:rPr lang="en-US" sz="1200" b="1" dirty="0">
-                <a:solidFill>
-                  <a:schemeClr val="tx1"/>
-                </a:solidFill>
-              </a:rPr>
-              <a:t>Out</a:t>
-            </a:r>
-            <a:r>
-              <a:rPr lang="en-US" sz="1200" dirty="0">
-                <a:solidFill>
-                  <a:schemeClr val="tx1"/>
-                </a:solidFill>
-              </a:rPr>
-              <a:t>: Convert ai response to user language</a:t>
-            </a:r>
-          </a:p>
-        </p:txBody>
-      </p:sp>
-      <p:sp>
-        <p:nvSpPr>
-          <p:cNvPr id="13" name="Callout: Line 12">
-            <a:extLst>
-              <a:ext uri="{FF2B5EF4-FFF2-40B4-BE49-F238E27FC236}">
-                <a16:creationId xmlns:a16="http://schemas.microsoft.com/office/drawing/2014/main" id="{FD9AA6B0-B7CD-279D-0F5D-F6D50517263A}"/>
-              </a:ext>
-            </a:extLst>
-          </p:cNvPr>
-          <p:cNvSpPr/>
-          <p:nvPr/>
-        </p:nvSpPr>
-        <p:spPr>
-          <a:xfrm>
-            <a:off x="9084573" y="4604892"/>
-            <a:ext cx="2920482" cy="612648"/>
-          </a:xfrm>
-          <a:prstGeom prst="borderCallout1">
-            <a:avLst>
-              <a:gd name="adj1" fmla="val -125673"/>
-              <a:gd name="adj2" fmla="val 10471"/>
-              <a:gd name="adj3" fmla="val -7322"/>
-              <a:gd name="adj4" fmla="val 47379"/>
-            </a:avLst>
-          </a:prstGeom>
-          <a:noFill/>
-        </p:spPr>
-        <p:style>
-          <a:lnRef idx="2">
-            <a:schemeClr val="accent1">
-              <a:shade val="15000"/>
-            </a:schemeClr>
-          </a:lnRef>
-          <a:fillRef idx="1">
-            <a:schemeClr val="accent1"/>
-          </a:fillRef>
-          <a:effectRef idx="0">
-            <a:schemeClr val="accent1"/>
-          </a:effectRef>
-          <a:fontRef idx="minor">
-            <a:schemeClr val="lt1"/>
-          </a:fontRef>
-        </p:style>
-        <p:txBody>
-          <a:bodyPr rtlCol="0" anchor="ctr"/>
-          <a:lstStyle/>
-          <a:p>
-            <a:pPr algn="ctr"/>
-            <a:r>
-              <a:rPr lang="en-US" sz="1200" b="1" i="1" dirty="0">
-                <a:solidFill>
-                  <a:schemeClr val="tx1"/>
-                </a:solidFill>
-              </a:rPr>
-              <a:t>Max tokens guard</a:t>
-            </a:r>
-            <a:r>
-              <a:rPr lang="en-US" sz="1200" dirty="0">
-                <a:solidFill>
-                  <a:schemeClr val="tx1"/>
-                </a:solidFill>
-              </a:rPr>
-              <a:t> middleware</a:t>
-            </a:r>
-            <a:br>
-              <a:rPr lang="en-US" sz="1200" dirty="0">
-                <a:solidFill>
-                  <a:schemeClr val="tx1"/>
-                </a:solidFill>
-              </a:rPr>
-            </a:br>
-            <a:r>
-              <a:rPr lang="en-US" sz="1200" dirty="0">
-                <a:solidFill>
-                  <a:schemeClr val="tx1"/>
-                </a:solidFill>
-              </a:rPr>
-              <a:t>Keep tokens count in input message "under control"</a:t>
-            </a:r>
-          </a:p>
-        </p:txBody>
-      </p:sp>
-      <p:sp>
-        <p:nvSpPr>
-          <p:cNvPr id="14" name="Flowchart: Connector 13">
-            <a:extLst>
-              <a:ext uri="{FF2B5EF4-FFF2-40B4-BE49-F238E27FC236}">
-                <a16:creationId xmlns:a16="http://schemas.microsoft.com/office/drawing/2014/main" id="{CE91E229-C519-7DCC-0F67-C6F99C798DAA}"/>
-              </a:ext>
-            </a:extLst>
-          </p:cNvPr>
-          <p:cNvSpPr/>
-          <p:nvPr/>
-        </p:nvSpPr>
-        <p:spPr>
-          <a:xfrm>
-            <a:off x="7745721" y="3166869"/>
-            <a:ext cx="662474" cy="625151"/>
-          </a:xfrm>
-          <a:prstGeom prst="flowChartConnector">
-            <a:avLst/>
-          </a:prstGeom>
-        </p:spPr>
-        <p:style>
-          <a:lnRef idx="2">
-            <a:schemeClr val="accent4">
-              <a:shade val="15000"/>
-            </a:schemeClr>
-          </a:lnRef>
-          <a:fillRef idx="1">
-            <a:schemeClr val="accent4"/>
-          </a:fillRef>
-          <a:effectRef idx="0">
-            <a:schemeClr val="accent4"/>
-          </a:effectRef>
-          <a:fontRef idx="minor">
-            <a:schemeClr val="lt1"/>
-          </a:fontRef>
-        </p:style>
-        <p:txBody>
-          <a:bodyPr rtlCol="0" anchor="ctr"/>
-          <a:lstStyle/>
-          <a:p>
-            <a:pPr algn="ctr"/>
-            <a:r>
-              <a:rPr lang="en-US" dirty="0"/>
-              <a:t>5</a:t>
-            </a:r>
-          </a:p>
-        </p:txBody>
-      </p:sp>
-      <p:sp>
-        <p:nvSpPr>
-          <p:cNvPr id="19" name="Flowchart: Connector 18">
-            <a:extLst>
-              <a:ext uri="{FF2B5EF4-FFF2-40B4-BE49-F238E27FC236}">
-                <a16:creationId xmlns:a16="http://schemas.microsoft.com/office/drawing/2014/main" id="{D940B378-CDDF-5A78-EF70-608436ABB6D2}"/>
-              </a:ext>
-            </a:extLst>
-          </p:cNvPr>
-          <p:cNvSpPr/>
-          <p:nvPr/>
-        </p:nvSpPr>
-        <p:spPr>
-          <a:xfrm>
-            <a:off x="6696078" y="3166869"/>
-            <a:ext cx="662474" cy="625151"/>
-          </a:xfrm>
-          <a:prstGeom prst="flowChartConnector">
-            <a:avLst/>
-          </a:prstGeom>
-        </p:spPr>
-        <p:style>
-          <a:lnRef idx="2">
-            <a:schemeClr val="accent4">
-              <a:shade val="15000"/>
-            </a:schemeClr>
-          </a:lnRef>
-          <a:fillRef idx="1">
-            <a:schemeClr val="accent4"/>
-          </a:fillRef>
-          <a:effectRef idx="0">
-            <a:schemeClr val="accent4"/>
-          </a:effectRef>
-          <a:fontRef idx="minor">
-            <a:schemeClr val="lt1"/>
-          </a:fontRef>
-        </p:style>
-        <p:txBody>
-          <a:bodyPr rtlCol="0" anchor="ctr"/>
-          <a:lstStyle/>
-          <a:p>
-            <a:pPr algn="ctr"/>
-            <a:r>
-              <a:rPr lang="en-US" dirty="0"/>
-              <a:t>4</a:t>
-            </a:r>
-          </a:p>
-        </p:txBody>
-      </p:sp>
-      <p:sp>
-        <p:nvSpPr>
-          <p:cNvPr id="20" name="Callout: Line 19">
-            <a:extLst>
-              <a:ext uri="{FF2B5EF4-FFF2-40B4-BE49-F238E27FC236}">
-                <a16:creationId xmlns:a16="http://schemas.microsoft.com/office/drawing/2014/main" id="{C9707F16-2351-95FC-7077-7F509755ADED}"/>
-              </a:ext>
-            </a:extLst>
-          </p:cNvPr>
-          <p:cNvSpPr/>
-          <p:nvPr/>
-        </p:nvSpPr>
-        <p:spPr>
-          <a:xfrm>
-            <a:off x="6993698" y="5318139"/>
-            <a:ext cx="2920482" cy="1269583"/>
-          </a:xfrm>
-          <a:prstGeom prst="borderCallout1">
-            <a:avLst>
-              <a:gd name="adj1" fmla="val -7252"/>
-              <a:gd name="adj2" fmla="val 18867"/>
-              <a:gd name="adj3" fmla="val -116036"/>
-              <a:gd name="adj4" fmla="val -30945"/>
-            </a:avLst>
-          </a:prstGeom>
-          <a:noFill/>
-        </p:spPr>
-        <p:style>
-          <a:lnRef idx="2">
-            <a:schemeClr val="accent1">
-              <a:shade val="15000"/>
-            </a:schemeClr>
-          </a:lnRef>
-          <a:fillRef idx="1">
-            <a:schemeClr val="accent1"/>
-          </a:fillRef>
-          <a:effectRef idx="0">
-            <a:schemeClr val="accent1"/>
-          </a:effectRef>
-          <a:fontRef idx="minor">
-            <a:schemeClr val="lt1"/>
-          </a:fontRef>
-        </p:style>
-        <p:txBody>
-          <a:bodyPr rtlCol="0" anchor="ctr"/>
-          <a:lstStyle/>
-          <a:p>
-            <a:pPr algn="ctr"/>
-            <a:r>
-              <a:rPr lang="en-US" sz="1200" b="1" i="1" dirty="0">
-                <a:solidFill>
-                  <a:schemeClr val="tx1"/>
-                </a:solidFill>
-              </a:rPr>
-              <a:t>Change topic detector </a:t>
-            </a:r>
-            <a:r>
-              <a:rPr lang="en-US" sz="1200" b="1" dirty="0">
-                <a:solidFill>
-                  <a:schemeClr val="tx1"/>
-                </a:solidFill>
-              </a:rPr>
-              <a:t> </a:t>
-            </a:r>
-            <a:r>
-              <a:rPr lang="en-US" sz="1200" dirty="0">
-                <a:solidFill>
-                  <a:schemeClr val="tx1"/>
-                </a:solidFill>
-              </a:rPr>
-              <a:t>middleware</a:t>
-            </a:r>
-            <a:br>
-              <a:rPr lang="en-US" sz="1200" dirty="0">
-                <a:solidFill>
-                  <a:schemeClr val="tx1"/>
-                </a:solidFill>
-              </a:rPr>
-            </a:br>
-            <a:r>
-              <a:rPr lang="en-US" sz="1200" b="1" dirty="0">
-                <a:solidFill>
-                  <a:schemeClr val="tx1"/>
-                </a:solidFill>
-              </a:rPr>
-              <a:t>In</a:t>
-            </a:r>
-            <a:r>
-              <a:rPr lang="en-US" sz="1200" dirty="0">
-                <a:solidFill>
-                  <a:schemeClr val="tx1"/>
-                </a:solidFill>
-              </a:rPr>
-              <a:t>: If the user has changed topic, push to the execution context this information, so that </a:t>
-            </a:r>
-            <a:r>
-              <a:rPr lang="en-US" sz="1200" b="1" i="1" dirty="0">
-                <a:solidFill>
-                  <a:schemeClr val="tx1"/>
-                </a:solidFill>
-              </a:rPr>
-              <a:t>Context provider</a:t>
-            </a:r>
-            <a:r>
-              <a:rPr lang="en-US" sz="1200" b="1" dirty="0">
-                <a:solidFill>
-                  <a:schemeClr val="tx1"/>
-                </a:solidFill>
-              </a:rPr>
-              <a:t> </a:t>
-            </a:r>
-            <a:r>
-              <a:rPr lang="en-US" sz="1200" dirty="0">
-                <a:solidFill>
-                  <a:schemeClr val="tx1"/>
-                </a:solidFill>
-              </a:rPr>
-              <a:t>middleware and </a:t>
-            </a:r>
-            <a:r>
-              <a:rPr lang="en-US" sz="1200" b="1" dirty="0">
-                <a:solidFill>
-                  <a:schemeClr val="tx1"/>
-                </a:solidFill>
-              </a:rPr>
-              <a:t>Conversation manager</a:t>
-            </a:r>
-            <a:r>
-              <a:rPr lang="en-US" sz="1200" dirty="0">
-                <a:solidFill>
-                  <a:schemeClr val="tx1"/>
-                </a:solidFill>
-              </a:rPr>
-              <a:t> middleware act accordingly </a:t>
-            </a:r>
-          </a:p>
-        </p:txBody>
-      </p:sp>
-      <p:sp>
-        <p:nvSpPr>
-          <p:cNvPr id="21" name="Flowchart: Magnetic Disk 20">
-            <a:extLst>
-              <a:ext uri="{FF2B5EF4-FFF2-40B4-BE49-F238E27FC236}">
-                <a16:creationId xmlns:a16="http://schemas.microsoft.com/office/drawing/2014/main" id="{15547E6D-06A2-2BC9-855A-05B9451F6A76}"/>
-              </a:ext>
-            </a:extLst>
-          </p:cNvPr>
-          <p:cNvSpPr/>
-          <p:nvPr/>
-        </p:nvSpPr>
-        <p:spPr>
-          <a:xfrm>
-            <a:off x="6664518" y="1237376"/>
-            <a:ext cx="914400" cy="612648"/>
-          </a:xfrm>
-          <a:prstGeom prst="flowChartMagneticDisk">
-            <a:avLst/>
-          </a:prstGeom>
-          <a:solidFill>
-            <a:schemeClr val="accent6">
-              <a:lumMod val="40000"/>
-              <a:lumOff val="60000"/>
-            </a:schemeClr>
-          </a:solidFill>
-        </p:spPr>
-        <p:style>
-          <a:lnRef idx="2">
-            <a:schemeClr val="accent1">
-              <a:shade val="15000"/>
-            </a:schemeClr>
-          </a:lnRef>
-          <a:fillRef idx="1">
-            <a:schemeClr val="accent1"/>
-          </a:fillRef>
-          <a:effectRef idx="0">
-            <a:schemeClr val="accent1"/>
-          </a:effectRef>
-          <a:fontRef idx="minor">
-            <a:schemeClr val="lt1"/>
-          </a:fontRef>
-        </p:style>
-        <p:txBody>
-          <a:bodyPr rtlCol="0" anchor="ctr"/>
-          <a:lstStyle/>
-          <a:p>
-            <a:pPr algn="ctr"/>
-            <a:endParaRPr lang="en-US"/>
-          </a:p>
-        </p:txBody>
-      </p:sp>
-      <p:sp>
-        <p:nvSpPr>
-          <p:cNvPr id="22" name="Flowchart: Connector 21">
-            <a:extLst>
-              <a:ext uri="{FF2B5EF4-FFF2-40B4-BE49-F238E27FC236}">
-                <a16:creationId xmlns:a16="http://schemas.microsoft.com/office/drawing/2014/main" id="{845076EC-8B65-B19E-7247-934D09C71076}"/>
-              </a:ext>
-            </a:extLst>
-          </p:cNvPr>
-          <p:cNvSpPr/>
-          <p:nvPr/>
-        </p:nvSpPr>
-        <p:spPr>
-          <a:xfrm>
-            <a:off x="8795365" y="3178718"/>
-            <a:ext cx="662474" cy="625151"/>
-          </a:xfrm>
-          <a:prstGeom prst="flowChartConnector">
-            <a:avLst/>
-          </a:prstGeom>
-          <a:solidFill>
-            <a:schemeClr val="accent2">
-              <a:lumMod val="75000"/>
-            </a:schemeClr>
-          </a:solidFill>
-        </p:spPr>
-        <p:style>
-          <a:lnRef idx="2">
-            <a:schemeClr val="accent4">
-              <a:shade val="15000"/>
-            </a:schemeClr>
-          </a:lnRef>
-          <a:fillRef idx="1">
-            <a:schemeClr val="accent4"/>
-          </a:fillRef>
-          <a:effectRef idx="0">
-            <a:schemeClr val="accent4"/>
-          </a:effectRef>
-          <a:fontRef idx="minor">
-            <a:schemeClr val="lt1"/>
-          </a:fontRef>
-        </p:style>
-        <p:txBody>
-          <a:bodyPr rtlCol="0" anchor="ctr"/>
-          <a:lstStyle/>
-          <a:p>
-            <a:pPr algn="ctr"/>
-            <a:r>
-              <a:rPr lang="en-US" dirty="0"/>
-              <a:t>6</a:t>
-            </a:r>
-          </a:p>
-        </p:txBody>
-      </p:sp>
-      <p:sp>
-        <p:nvSpPr>
-          <p:cNvPr id="23" name="Callout: Line 22">
-            <a:extLst>
-              <a:ext uri="{FF2B5EF4-FFF2-40B4-BE49-F238E27FC236}">
-                <a16:creationId xmlns:a16="http://schemas.microsoft.com/office/drawing/2014/main" id="{5A0E5DB2-38E4-7ACA-0F40-09255FD80CC1}"/>
-              </a:ext>
-            </a:extLst>
-          </p:cNvPr>
-          <p:cNvSpPr/>
-          <p:nvPr/>
-        </p:nvSpPr>
-        <p:spPr>
-          <a:xfrm>
-            <a:off x="8076958" y="1502691"/>
-            <a:ext cx="1460241" cy="724549"/>
-          </a:xfrm>
-          <a:prstGeom prst="borderCallout1">
-            <a:avLst>
-              <a:gd name="adj1" fmla="val 105979"/>
-              <a:gd name="adj2" fmla="val 20401"/>
-              <a:gd name="adj3" fmla="val 197490"/>
-              <a:gd name="adj4" fmla="val -1323"/>
-            </a:avLst>
-          </a:prstGeom>
-          <a:noFill/>
-        </p:spPr>
-        <p:style>
-          <a:lnRef idx="2">
-            <a:schemeClr val="accent1">
-              <a:shade val="15000"/>
-            </a:schemeClr>
-          </a:lnRef>
-          <a:fillRef idx="1">
-            <a:schemeClr val="accent1"/>
-          </a:fillRef>
-          <a:effectRef idx="0">
-            <a:schemeClr val="accent1"/>
-          </a:effectRef>
-          <a:fontRef idx="minor">
-            <a:schemeClr val="lt1"/>
-          </a:fontRef>
-        </p:style>
-        <p:txBody>
-          <a:bodyPr rtlCol="0" anchor="ctr"/>
-          <a:lstStyle/>
-          <a:p>
-            <a:pPr algn="ctr"/>
-            <a:r>
-              <a:rPr lang="en-US" sz="1200" b="1" i="1" dirty="0">
-                <a:solidFill>
-                  <a:schemeClr val="tx1"/>
-                </a:solidFill>
-              </a:rPr>
-              <a:t>System message provider  </a:t>
-            </a:r>
-            <a:r>
-              <a:rPr lang="en-US" sz="1200" dirty="0">
-                <a:solidFill>
-                  <a:schemeClr val="tx1"/>
-                </a:solidFill>
-              </a:rPr>
-              <a:t>middleware</a:t>
-            </a:r>
-            <a:br>
-              <a:rPr lang="en-US" sz="1200" dirty="0">
-                <a:solidFill>
-                  <a:schemeClr val="tx1"/>
-                </a:solidFill>
-              </a:rPr>
-            </a:br>
-            <a:endParaRPr lang="en-US" sz="1200" dirty="0">
-              <a:solidFill>
-                <a:schemeClr val="tx1"/>
-              </a:solidFill>
-            </a:endParaRPr>
-          </a:p>
-        </p:txBody>
-      </p:sp>
-    </p:spTree>
-    <p:extLst>
-      <p:ext uri="{BB962C8B-B14F-4D97-AF65-F5344CB8AC3E}">
-        <p14:creationId xmlns:p14="http://schemas.microsoft.com/office/powerpoint/2010/main" val="433777781"/>
-      </p:ext>
-    </p:extLst>
-  </p:cSld>
-  <p:clrMapOvr>
-    <a:masterClrMapping/>
-  </p:clrMapOvr>
-</p:sld>
-</file>
-
-<file path=ppt/slides/slide3.xml><?xml version="1.0" encoding="utf-8"?>
-<p:sld xmlns:a="http://schemas.openxmlformats.org/drawingml/2006/main" xmlns:r="http://schemas.openxmlformats.org/officeDocument/2006/relationships" xmlns:p="http://schemas.openxmlformats.org/presentationml/2006/main">
-  <p:cSld>
-    <p:spTree>
-      <p:nvGrpSpPr>
-        <p:cNvPr id="1" name=""/>
-        <p:cNvGrpSpPr/>
-        <p:nvPr/>
-      </p:nvGrpSpPr>
-      <p:grpSpPr>
-        <a:xfrm>
-          <a:off x="0" y="0"/>
-          <a:ext cx="0" cy="0"/>
-          <a:chOff x="0" y="0"/>
-          <a:chExt cx="0" cy="0"/>
-        </a:xfrm>
-      </p:grpSpPr>
-      <p:sp>
-        <p:nvSpPr>
-          <p:cNvPr id="6" name="Segnaposto contenuto 5">
-            <a:extLst>
-              <a:ext uri="{FF2B5EF4-FFF2-40B4-BE49-F238E27FC236}">
-                <a16:creationId xmlns:a16="http://schemas.microsoft.com/office/drawing/2014/main" id="{2473D9E2-DEFE-412D-9A18-924B8EECBE47}"/>
-              </a:ext>
-            </a:extLst>
-          </p:cNvPr>
-          <p:cNvSpPr>
-            <a:spLocks noGrp="1"/>
-          </p:cNvSpPr>
-          <p:nvPr>
-            <p:ph idx="1"/>
-          </p:nvPr>
-        </p:nvSpPr>
-        <p:spPr/>
-        <p:txBody>
-          <a:bodyPr>
-            <a:normAutofit fontScale="92500" lnSpcReduction="10000"/>
-          </a:bodyPr>
-          <a:lstStyle/>
-          <a:p>
-            <a:r>
-              <a:rPr lang="en-US" i="1" dirty="0"/>
-              <a:t>Developers' questions </a:t>
-            </a:r>
-          </a:p>
-          <a:p>
-            <a:r>
-              <a:rPr lang="en-US" dirty="0"/>
-              <a:t>Can I run chatgpt on my PC -&gt; </a:t>
-            </a:r>
-            <a:r>
-              <a:rPr lang="en-US" dirty="0">
-                <a:solidFill>
-                  <a:srgbClr val="FF0000"/>
-                </a:solidFill>
-              </a:rPr>
-              <a:t>No</a:t>
-            </a:r>
-          </a:p>
-          <a:p>
-            <a:r>
-              <a:rPr lang="en-US" dirty="0"/>
-              <a:t>Can I access it as </a:t>
-            </a:r>
-            <a:br>
-              <a:rPr lang="en-US" dirty="0"/>
-            </a:br>
-            <a:r>
-              <a:rPr lang="en-US" dirty="0"/>
-              <a:t>an api service? -&gt; </a:t>
-            </a:r>
-            <a:r>
-              <a:rPr lang="en-US" dirty="0">
-                <a:solidFill>
-                  <a:srgbClr val="FF0000"/>
-                </a:solidFill>
-              </a:rPr>
-              <a:t>Yes</a:t>
-            </a:r>
-          </a:p>
-          <a:p>
-            <a:r>
-              <a:rPr lang="en-US" dirty="0"/>
-              <a:t>Can make a clone of the model, </a:t>
-            </a:r>
-            <a:br>
-              <a:rPr lang="en-US" dirty="0"/>
-            </a:br>
-            <a:r>
-              <a:rPr lang="en-US" dirty="0"/>
-              <a:t>and train (fine-tune) it, </a:t>
-            </a:r>
-            <a:br>
-              <a:rPr lang="en-US" dirty="0"/>
-            </a:br>
-            <a:r>
-              <a:rPr lang="en-US" dirty="0"/>
-              <a:t>so that it can reply about </a:t>
-            </a:r>
-            <a:br>
-              <a:rPr lang="en-US" dirty="0"/>
-            </a:br>
-            <a:r>
-              <a:rPr lang="en-US" dirty="0"/>
-              <a:t>my domain specific data ? -&gt; </a:t>
-            </a:r>
-            <a:r>
-              <a:rPr lang="en-US" dirty="0">
-                <a:solidFill>
-                  <a:srgbClr val="FF0000"/>
-                </a:solidFill>
-              </a:rPr>
-              <a:t>Ni</a:t>
-            </a:r>
-          </a:p>
-          <a:p>
-            <a:r>
-              <a:rPr lang="en-US" dirty="0"/>
-              <a:t>If fine tuning is not an option, is there another way to have it answer about my domain specific data ? -&gt; </a:t>
-            </a:r>
-            <a:r>
-              <a:rPr lang="en-US" dirty="0">
-                <a:solidFill>
-                  <a:srgbClr val="FF0000"/>
-                </a:solidFill>
-              </a:rPr>
-              <a:t>Yes</a:t>
-            </a:r>
-          </a:p>
-          <a:p>
-            <a:endParaRPr lang="en-US" dirty="0"/>
-          </a:p>
-          <a:p>
-            <a:r>
-              <a:rPr lang="en-US" i="1" dirty="0"/>
-              <a:t>This talk will elaborate on the last question</a:t>
-            </a:r>
-          </a:p>
-          <a:p>
-            <a:endParaRPr lang="it-IT" dirty="0"/>
-          </a:p>
-        </p:txBody>
-      </p:sp>
-      <p:sp>
-        <p:nvSpPr>
-          <p:cNvPr id="5" name="Titolo 4">
-            <a:extLst>
-              <a:ext uri="{FF2B5EF4-FFF2-40B4-BE49-F238E27FC236}">
-                <a16:creationId xmlns:a16="http://schemas.microsoft.com/office/drawing/2014/main" id="{8CAE0EFC-B7FF-4C7D-BF02-BDDAEA8577D3}"/>
-              </a:ext>
-            </a:extLst>
-          </p:cNvPr>
-          <p:cNvSpPr>
-            <a:spLocks noGrp="1"/>
-          </p:cNvSpPr>
-          <p:nvPr>
-            <p:ph type="title"/>
-          </p:nvPr>
-        </p:nvSpPr>
-        <p:spPr/>
-        <p:txBody>
-          <a:bodyPr>
-            <a:normAutofit fontScale="90000"/>
-          </a:bodyPr>
-          <a:lstStyle/>
-          <a:p>
-            <a:r>
-              <a:rPr lang="en-US" dirty="0"/>
-              <a:t>November 30, 2022</a:t>
-            </a:r>
-            <a:endParaRPr lang="it-IT" dirty="0"/>
-          </a:p>
-        </p:txBody>
-      </p:sp>
-      <p:pic>
-        <p:nvPicPr>
-          <p:cNvPr id="3" name="Content Placeholder 10">
-            <a:extLst>
-              <a:ext uri="{FF2B5EF4-FFF2-40B4-BE49-F238E27FC236}">
-                <a16:creationId xmlns:a16="http://schemas.microsoft.com/office/drawing/2014/main" id="{C16EB108-621A-47DB-4530-67A0B326962F}"/>
-              </a:ext>
-            </a:extLst>
-          </p:cNvPr>
-          <p:cNvPicPr>
-            <a:picLocks noChangeAspect="1"/>
-          </p:cNvPicPr>
-          <p:nvPr/>
-        </p:nvPicPr>
-        <p:blipFill>
-          <a:blip r:embed="rId2">
-            <a:extLst>
-              <a:ext uri="{28A0092B-C50C-407E-A947-70E740481C1C}">
-                <a14:useLocalDpi xmlns:a14="http://schemas.microsoft.com/office/drawing/2010/main" val="0"/>
-              </a:ext>
-            </a:extLst>
-          </a:blip>
-          <a:stretch>
-            <a:fillRect/>
-          </a:stretch>
-        </p:blipFill>
-        <p:spPr>
-          <a:xfrm>
-            <a:off x="5667093" y="1380930"/>
-            <a:ext cx="5287046" cy="2970593"/>
-          </a:xfrm>
-          <a:prstGeom prst="rect">
-            <a:avLst/>
-          </a:prstGeom>
-          <a:effectLst>
-            <a:glow rad="228600">
-              <a:schemeClr val="accent4">
-                <a:satMod val="175000"/>
-                <a:alpha val="40000"/>
-              </a:schemeClr>
-            </a:glow>
-          </a:effectLst>
-        </p:spPr>
-      </p:pic>
-      <p:sp>
-        <p:nvSpPr>
-          <p:cNvPr id="11" name="TextBox 10">
-            <a:extLst>
-              <a:ext uri="{FF2B5EF4-FFF2-40B4-BE49-F238E27FC236}">
-                <a16:creationId xmlns:a16="http://schemas.microsoft.com/office/drawing/2014/main" id="{8B4B035A-BBDD-CB6D-838B-6089F4BA2CF7}"/>
-              </a:ext>
-            </a:extLst>
-          </p:cNvPr>
-          <p:cNvSpPr txBox="1"/>
-          <p:nvPr/>
-        </p:nvSpPr>
-        <p:spPr>
-          <a:xfrm>
-            <a:off x="5542384" y="861448"/>
-            <a:ext cx="6102220" cy="369332"/>
-          </a:xfrm>
-          <a:prstGeom prst="rect">
-            <a:avLst/>
-          </a:prstGeom>
-          <a:noFill/>
-        </p:spPr>
-        <p:txBody>
-          <a:bodyPr wrap="square">
-            <a:spAutoFit/>
-          </a:bodyPr>
-          <a:lstStyle/>
-          <a:p>
-            <a:r>
-              <a:rPr lang="en-US" i="1" u="sng" dirty="0"/>
-              <a:t>https://chat.openai.com</a:t>
-            </a:r>
-          </a:p>
-        </p:txBody>
-      </p:sp>
-    </p:spTree>
-    <p:extLst>
-      <p:ext uri="{BB962C8B-B14F-4D97-AF65-F5344CB8AC3E}">
-        <p14:creationId xmlns:p14="http://schemas.microsoft.com/office/powerpoint/2010/main" val="930085300"/>
-      </p:ext>
-    </p:extLst>
-  </p:cSld>
-  <p:clrMapOvr>
-    <a:masterClrMapping/>
-  </p:clrMapOvr>
-</p:sld>
-</file>
-
-<file path=ppt/slides/slide30.xml><?xml version="1.0" encoding="utf-8"?>
-<p:sld xmlns:a="http://schemas.openxmlformats.org/drawingml/2006/main" xmlns:r="http://schemas.openxmlformats.org/officeDocument/2006/relationships" xmlns:p="http://schemas.openxmlformats.org/presentationml/2006/main">
-  <p:cSld>
-    <p:spTree>
-      <p:nvGrpSpPr>
-        <p:cNvPr id="1" name=""/>
-        <p:cNvGrpSpPr/>
-        <p:nvPr/>
-      </p:nvGrpSpPr>
-      <p:grpSpPr>
-        <a:xfrm>
-          <a:off x="0" y="0"/>
-          <a:ext cx="0" cy="0"/>
-          <a:chOff x="0" y="0"/>
-          <a:chExt cx="0" cy="0"/>
-        </a:xfrm>
-      </p:grpSpPr>
-      <p:sp>
-        <p:nvSpPr>
-          <p:cNvPr id="2" name="Title 1">
-            <a:extLst>
-              <a:ext uri="{FF2B5EF4-FFF2-40B4-BE49-F238E27FC236}">
                 <a16:creationId xmlns:a16="http://schemas.microsoft.com/office/drawing/2014/main" id="{FDD6A32B-DDCD-6BBC-FCB6-6E476EAC3902}"/>
               </a:ext>
             </a:extLst>
@@ -28792,7 +26329,273 @@
 </p:sld>
 </file>
 
-<file path=ppt/slides/slide31.xml><?xml version="1.0" encoding="utf-8"?>
+<file path=ppt/slides/slide3.xml><?xml version="1.0" encoding="utf-8"?>
+<p:sld xmlns:a="http://schemas.openxmlformats.org/drawingml/2006/main" xmlns:r="http://schemas.openxmlformats.org/officeDocument/2006/relationships" xmlns:p="http://schemas.openxmlformats.org/presentationml/2006/main">
+  <p:cSld>
+    <p:spTree>
+      <p:nvGrpSpPr>
+        <p:cNvPr id="1" name=""/>
+        <p:cNvGrpSpPr/>
+        <p:nvPr/>
+      </p:nvGrpSpPr>
+      <p:grpSpPr>
+        <a:xfrm>
+          <a:off x="0" y="0"/>
+          <a:ext cx="0" cy="0"/>
+          <a:chOff x="0" y="0"/>
+          <a:chExt cx="0" cy="0"/>
+        </a:xfrm>
+      </p:grpSpPr>
+      <p:sp>
+        <p:nvSpPr>
+          <p:cNvPr id="6" name="Segnaposto contenuto 5">
+            <a:extLst>
+              <a:ext uri="{FF2B5EF4-FFF2-40B4-BE49-F238E27FC236}">
+                <a16:creationId xmlns:a16="http://schemas.microsoft.com/office/drawing/2014/main" id="{2473D9E2-DEFE-412D-9A18-924B8EECBE47}"/>
+              </a:ext>
+            </a:extLst>
+          </p:cNvPr>
+          <p:cNvSpPr>
+            <a:spLocks noGrp="1"/>
+          </p:cNvSpPr>
+          <p:nvPr>
+            <p:ph idx="1"/>
+          </p:nvPr>
+        </p:nvSpPr>
+        <p:spPr/>
+        <p:txBody>
+          <a:bodyPr>
+            <a:normAutofit fontScale="92500" lnSpcReduction="10000"/>
+          </a:bodyPr>
+          <a:lstStyle/>
+          <a:p>
+            <a:r>
+              <a:rPr lang="en-US" i="1" dirty="0"/>
+              <a:t>Developers' questions </a:t>
+            </a:r>
+          </a:p>
+          <a:p>
+            <a:r>
+              <a:rPr lang="en-US" dirty="0"/>
+              <a:t>Can I run chatgpt on my PC -&gt; </a:t>
+            </a:r>
+            <a:r>
+              <a:rPr lang="en-US" dirty="0">
+                <a:solidFill>
+                  <a:srgbClr val="FF0000"/>
+                </a:solidFill>
+              </a:rPr>
+              <a:t>No</a:t>
+            </a:r>
+          </a:p>
+          <a:p>
+            <a:r>
+              <a:rPr lang="en-US" dirty="0"/>
+              <a:t>Can I access it as </a:t>
+            </a:r>
+            <a:br>
+              <a:rPr lang="en-US" dirty="0"/>
+            </a:br>
+            <a:r>
+              <a:rPr lang="en-US" dirty="0"/>
+              <a:t>an api service? -&gt; </a:t>
+            </a:r>
+            <a:r>
+              <a:rPr lang="en-US" dirty="0">
+                <a:solidFill>
+                  <a:srgbClr val="FF0000"/>
+                </a:solidFill>
+              </a:rPr>
+              <a:t>Yes</a:t>
+            </a:r>
+          </a:p>
+          <a:p>
+            <a:r>
+              <a:rPr lang="en-US" dirty="0"/>
+              <a:t>Can make a clone of the model, </a:t>
+            </a:r>
+            <a:br>
+              <a:rPr lang="en-US" dirty="0"/>
+            </a:br>
+            <a:r>
+              <a:rPr lang="en-US" dirty="0"/>
+              <a:t>and train (fine-tune) it, </a:t>
+            </a:r>
+            <a:br>
+              <a:rPr lang="en-US" dirty="0"/>
+            </a:br>
+            <a:r>
+              <a:rPr lang="en-US" dirty="0"/>
+              <a:t>so that it can reply about </a:t>
+            </a:r>
+            <a:br>
+              <a:rPr lang="en-US" dirty="0"/>
+            </a:br>
+            <a:r>
+              <a:rPr lang="en-US" dirty="0"/>
+              <a:t>my domain specific data ? -&gt; </a:t>
+            </a:r>
+            <a:r>
+              <a:rPr lang="en-US" dirty="0">
+                <a:solidFill>
+                  <a:srgbClr val="FF0000"/>
+                </a:solidFill>
+              </a:rPr>
+              <a:t>Ni</a:t>
+            </a:r>
+          </a:p>
+          <a:p>
+            <a:r>
+              <a:rPr lang="en-US" dirty="0"/>
+              <a:t>If fine tuning is not an option, is there another way to have it answer about my domain specific data ? -&gt; </a:t>
+            </a:r>
+            <a:r>
+              <a:rPr lang="en-US" dirty="0">
+                <a:solidFill>
+                  <a:srgbClr val="FF0000"/>
+                </a:solidFill>
+              </a:rPr>
+              <a:t>Yes</a:t>
+            </a:r>
+          </a:p>
+          <a:p>
+            <a:endParaRPr lang="en-US" dirty="0"/>
+          </a:p>
+          <a:p>
+            <a:r>
+              <a:rPr lang="en-US" i="1" dirty="0"/>
+              <a:t>This talk will elaborate on the last question</a:t>
+            </a:r>
+          </a:p>
+          <a:p>
+            <a:endParaRPr lang="it-IT" dirty="0"/>
+          </a:p>
+        </p:txBody>
+      </p:sp>
+      <p:sp>
+        <p:nvSpPr>
+          <p:cNvPr id="5" name="Titolo 4">
+            <a:extLst>
+              <a:ext uri="{FF2B5EF4-FFF2-40B4-BE49-F238E27FC236}">
+                <a16:creationId xmlns:a16="http://schemas.microsoft.com/office/drawing/2014/main" id="{8CAE0EFC-B7FF-4C7D-BF02-BDDAEA8577D3}"/>
+              </a:ext>
+            </a:extLst>
+          </p:cNvPr>
+          <p:cNvSpPr>
+            <a:spLocks noGrp="1"/>
+          </p:cNvSpPr>
+          <p:nvPr>
+            <p:ph type="title"/>
+          </p:nvPr>
+        </p:nvSpPr>
+        <p:spPr/>
+        <p:txBody>
+          <a:bodyPr>
+            <a:normAutofit fontScale="90000"/>
+          </a:bodyPr>
+          <a:lstStyle/>
+          <a:p>
+            <a:r>
+              <a:rPr lang="en-US" dirty="0"/>
+              <a:t>November 30, 2022</a:t>
+            </a:r>
+            <a:endParaRPr lang="it-IT" dirty="0"/>
+          </a:p>
+        </p:txBody>
+      </p:sp>
+      <p:pic>
+        <p:nvPicPr>
+          <p:cNvPr id="3" name="Content Placeholder 10">
+            <a:extLst>
+              <a:ext uri="{FF2B5EF4-FFF2-40B4-BE49-F238E27FC236}">
+                <a16:creationId xmlns:a16="http://schemas.microsoft.com/office/drawing/2014/main" id="{C16EB108-621A-47DB-4530-67A0B326962F}"/>
+              </a:ext>
+            </a:extLst>
+          </p:cNvPr>
+          <p:cNvPicPr>
+            <a:picLocks noChangeAspect="1"/>
+          </p:cNvPicPr>
+          <p:nvPr/>
+        </p:nvPicPr>
+        <p:blipFill>
+          <a:blip r:embed="rId2">
+            <a:extLst>
+              <a:ext uri="{28A0092B-C50C-407E-A947-70E740481C1C}">
+                <a14:useLocalDpi xmlns:a14="http://schemas.microsoft.com/office/drawing/2010/main" val="0"/>
+              </a:ext>
+            </a:extLst>
+          </a:blip>
+          <a:stretch>
+            <a:fillRect/>
+          </a:stretch>
+        </p:blipFill>
+        <p:spPr>
+          <a:xfrm>
+            <a:off x="5667093" y="1380930"/>
+            <a:ext cx="5287046" cy="2970593"/>
+          </a:xfrm>
+          <a:prstGeom prst="rect">
+            <a:avLst/>
+          </a:prstGeom>
+          <a:effectLst>
+            <a:glow rad="228600">
+              <a:schemeClr val="accent4">
+                <a:satMod val="175000"/>
+                <a:alpha val="40000"/>
+              </a:schemeClr>
+            </a:glow>
+          </a:effectLst>
+        </p:spPr>
+      </p:pic>
+      <p:sp>
+        <p:nvSpPr>
+          <p:cNvPr id="11" name="TextBox 10">
+            <a:extLst>
+              <a:ext uri="{FF2B5EF4-FFF2-40B4-BE49-F238E27FC236}">
+                <a16:creationId xmlns:a16="http://schemas.microsoft.com/office/drawing/2014/main" id="{8B4B035A-BBDD-CB6D-838B-6089F4BA2CF7}"/>
+              </a:ext>
+            </a:extLst>
+          </p:cNvPr>
+          <p:cNvSpPr txBox="1"/>
+          <p:nvPr/>
+        </p:nvSpPr>
+        <p:spPr>
+          <a:xfrm>
+            <a:off x="5542384" y="861448"/>
+            <a:ext cx="6102220" cy="369332"/>
+          </a:xfrm>
+          <a:prstGeom prst="rect">
+            <a:avLst/>
+          </a:prstGeom>
+          <a:noFill/>
+        </p:spPr>
+        <p:txBody>
+          <a:bodyPr wrap="square">
+            <a:spAutoFit/>
+          </a:bodyPr>
+          <a:lstStyle/>
+          <a:p>
+            <a:r>
+              <a:rPr lang="en-US" i="1" u="sng" dirty="0"/>
+              <a:t>https://chat.openai.com</a:t>
+            </a:r>
+          </a:p>
+        </p:txBody>
+      </p:sp>
+    </p:spTree>
+    <p:extLst>
+      <p:ext uri="{BB962C8B-B14F-4D97-AF65-F5344CB8AC3E}">
+        <p14:creationId xmlns:p14="http://schemas.microsoft.com/office/powerpoint/2010/main" val="930085300"/>
+      </p:ext>
+    </p:extLst>
+  </p:cSld>
+  <p:clrMapOvr>
+    <a:masterClrMapping/>
+  </p:clrMapOvr>
+</p:sld>
+</file>
+
+<file path=ppt/slides/slide30.xml><?xml version="1.0" encoding="utf-8"?>
 <p:sld xmlns:a="http://schemas.openxmlformats.org/drawingml/2006/main" xmlns:r="http://schemas.openxmlformats.org/officeDocument/2006/relationships" xmlns:p="http://schemas.openxmlformats.org/presentationml/2006/main">
   <p:cSld>
     <p:spTree>
@@ -28961,6 +26764,127 @@
 </p:sld>
 </file>
 
+<file path=ppt/slides/slide31.xml><?xml version="1.0" encoding="utf-8"?>
+<p:sld xmlns:a="http://schemas.openxmlformats.org/drawingml/2006/main" xmlns:r="http://schemas.openxmlformats.org/officeDocument/2006/relationships" xmlns:p="http://schemas.openxmlformats.org/presentationml/2006/main">
+  <p:cSld>
+    <p:spTree>
+      <p:nvGrpSpPr>
+        <p:cNvPr id="1" name=""/>
+        <p:cNvGrpSpPr/>
+        <p:nvPr/>
+      </p:nvGrpSpPr>
+      <p:grpSpPr>
+        <a:xfrm>
+          <a:off x="0" y="0"/>
+          <a:ext cx="0" cy="0"/>
+          <a:chOff x="0" y="0"/>
+          <a:chExt cx="0" cy="0"/>
+        </a:xfrm>
+      </p:grpSpPr>
+      <p:sp>
+        <p:nvSpPr>
+          <p:cNvPr id="2" name="Title 1">
+            <a:extLst>
+              <a:ext uri="{FF2B5EF4-FFF2-40B4-BE49-F238E27FC236}">
+                <a16:creationId xmlns:a16="http://schemas.microsoft.com/office/drawing/2014/main" id="{1B7DF310-4C4A-9F13-34B0-7D3A00C5B832}"/>
+              </a:ext>
+            </a:extLst>
+          </p:cNvPr>
+          <p:cNvSpPr>
+            <a:spLocks noGrp="1"/>
+          </p:cNvSpPr>
+          <p:nvPr>
+            <p:ph type="title"/>
+          </p:nvPr>
+        </p:nvSpPr>
+        <p:spPr/>
+        <p:txBody>
+          <a:bodyPr>
+            <a:normAutofit fontScale="90000"/>
+          </a:bodyPr>
+          <a:lstStyle/>
+          <a:p>
+            <a:r>
+              <a:rPr lang="en-US" dirty="0"/>
+              <a:t>Ad-hoc or out of the shelf solution, or in between (MS Semantic Kernel)</a:t>
+            </a:r>
+          </a:p>
+        </p:txBody>
+      </p:sp>
+      <p:sp>
+        <p:nvSpPr>
+          <p:cNvPr id="3" name="Content Placeholder 2">
+            <a:extLst>
+              <a:ext uri="{FF2B5EF4-FFF2-40B4-BE49-F238E27FC236}">
+                <a16:creationId xmlns:a16="http://schemas.microsoft.com/office/drawing/2014/main" id="{DBD06467-3C14-1B90-9C21-74370B96C780}"/>
+              </a:ext>
+            </a:extLst>
+          </p:cNvPr>
+          <p:cNvSpPr>
+            <a:spLocks noGrp="1"/>
+          </p:cNvSpPr>
+          <p:nvPr>
+            <p:ph idx="1"/>
+          </p:nvPr>
+        </p:nvSpPr>
+        <p:spPr/>
+        <p:txBody>
+          <a:bodyPr/>
+          <a:lstStyle/>
+          <a:p>
+            <a:r>
+              <a:rPr lang="en-US" dirty="0"/>
+              <a:t>It depends, however now you know what is under the cover</a:t>
+            </a:r>
+          </a:p>
+          <a:p>
+            <a:pPr lvl="1"/>
+            <a:r>
+              <a:rPr lang="en-US" dirty="0"/>
+              <a:t>Embeddings</a:t>
+            </a:r>
+          </a:p>
+          <a:p>
+            <a:pPr lvl="1"/>
+            <a:r>
+              <a:rPr lang="en-US" dirty="0"/>
+              <a:t>Token limits</a:t>
+            </a:r>
+          </a:p>
+          <a:p>
+            <a:pPr lvl="1"/>
+            <a:r>
+              <a:rPr lang="en-US" dirty="0"/>
+              <a:t>etc..</a:t>
+            </a:r>
+          </a:p>
+          <a:p>
+            <a:r>
+              <a:rPr lang="en-US" dirty="0"/>
+              <a:t>So that you have the knowledge to take the right decision</a:t>
+            </a:r>
+          </a:p>
+          <a:p>
+            <a:r>
+              <a:rPr lang="en-US" dirty="0"/>
+              <a:t>And this stuff applies to other LLM as well (e.g. Llama2)</a:t>
+            </a:r>
+          </a:p>
+        </p:txBody>
+      </p:sp>
+    </p:spTree>
+    <p:extLst>
+      <p:ext uri="{BB962C8B-B14F-4D97-AF65-F5344CB8AC3E}">
+        <p14:creationId xmlns:p14="http://schemas.microsoft.com/office/powerpoint/2010/main" val="2889292799"/>
+      </p:ext>
+    </p:extLst>
+  </p:cSld>
+  <p:clrMapOvr>
+    <a:masterClrMapping/>
+  </p:clrMapOvr>
+</p:sld>
+</file>
+
 <file path=ppt/slides/slide32.xml><?xml version="1.0" encoding="utf-8"?>
 <p:sld xmlns:a="http://schemas.openxmlformats.org/drawingml/2006/main" xmlns:r="http://schemas.openxmlformats.org/officeDocument/2006/relationships" xmlns:p="http://schemas.openxmlformats.org/presentationml/2006/main">
   <p:cSld>
@@ -28980,10 +26904,10 @@
       </p:grpSpPr>
       <p:sp>
         <p:nvSpPr>
-          <p:cNvPr id="2" name="Title 1">
-            <a:extLst>
-              <a:ext uri="{FF2B5EF4-FFF2-40B4-BE49-F238E27FC236}">
-                <a16:creationId xmlns:a16="http://schemas.microsoft.com/office/drawing/2014/main" id="{1B7DF310-4C4A-9F13-34B0-7D3A00C5B832}"/>
+          <p:cNvPr id="2" name="Titolo 1">
+            <a:extLst>
+              <a:ext uri="{FF2B5EF4-FFF2-40B4-BE49-F238E27FC236}">
+                <a16:creationId xmlns:a16="http://schemas.microsoft.com/office/drawing/2014/main" id="{0E689928-B287-4F6F-9288-1DE7ADE2F318}"/>
               </a:ext>
             </a:extLst>
           </p:cNvPr>
@@ -29001,78 +26925,14 @@
           </a:bodyPr>
           <a:lstStyle/>
           <a:p>
-            <a:r>
-              <a:rPr lang="en-US" dirty="0"/>
-              <a:t>Ad-hoc or out of the shelf solution, or in between (MS Semantic Kernel)</a:t>
-            </a:r>
-          </a:p>
-        </p:txBody>
-      </p:sp>
-      <p:sp>
-        <p:nvSpPr>
-          <p:cNvPr id="3" name="Content Placeholder 2">
-            <a:extLst>
-              <a:ext uri="{FF2B5EF4-FFF2-40B4-BE49-F238E27FC236}">
-                <a16:creationId xmlns:a16="http://schemas.microsoft.com/office/drawing/2014/main" id="{DBD06467-3C14-1B90-9C21-74370B96C780}"/>
-              </a:ext>
-            </a:extLst>
-          </p:cNvPr>
-          <p:cNvSpPr>
-            <a:spLocks noGrp="1"/>
-          </p:cNvSpPr>
-          <p:nvPr>
-            <p:ph idx="1"/>
-          </p:nvPr>
-        </p:nvSpPr>
-        <p:spPr/>
-        <p:txBody>
-          <a:bodyPr/>
-          <a:lstStyle/>
-          <a:p>
-            <a:r>
-              <a:rPr lang="en-US" dirty="0"/>
-              <a:t>It depends, however now you know what is under the cover</a:t>
-            </a:r>
-          </a:p>
-          <a:p>
-            <a:pPr lvl="1"/>
-            <a:r>
-              <a:rPr lang="en-US" dirty="0"/>
-              <a:t>Embeddings</a:t>
-            </a:r>
-          </a:p>
-          <a:p>
-            <a:pPr lvl="1"/>
-            <a:r>
-              <a:rPr lang="en-US" dirty="0"/>
-              <a:t>Token limits</a:t>
-            </a:r>
-          </a:p>
-          <a:p>
-            <a:pPr lvl="1"/>
-            <a:r>
-              <a:rPr lang="en-US" dirty="0"/>
-              <a:t>etc..</a:t>
-            </a:r>
-          </a:p>
-          <a:p>
-            <a:r>
-              <a:rPr lang="en-US" dirty="0"/>
-              <a:t>So that you have the knowledge to take the right decision</a:t>
-            </a:r>
-          </a:p>
-          <a:p>
-            <a:r>
-              <a:rPr lang="en-US" dirty="0"/>
-              <a:t>And this stuff applies to other LLM as well (e.g. Llama2)</a:t>
-            </a:r>
+            <a:endParaRPr lang="it-IT" dirty="0"/>
           </a:p>
         </p:txBody>
       </p:sp>
     </p:spTree>
     <p:extLst>
       <p:ext uri="{BB962C8B-B14F-4D97-AF65-F5344CB8AC3E}">
-        <p14:creationId xmlns:p14="http://schemas.microsoft.com/office/powerpoint/2010/main" val="2889292799"/>
+        <p14:creationId xmlns:p14="http://schemas.microsoft.com/office/powerpoint/2010/main" val="3575452940"/>
       </p:ext>
     </p:extLst>
   </p:cSld>
@@ -29101,63 +26961,6 @@
       </p:grpSpPr>
       <p:sp>
         <p:nvSpPr>
-          <p:cNvPr id="2" name="Titolo 1">
-            <a:extLst>
-              <a:ext uri="{FF2B5EF4-FFF2-40B4-BE49-F238E27FC236}">
-                <a16:creationId xmlns:a16="http://schemas.microsoft.com/office/drawing/2014/main" id="{0E689928-B287-4F6F-9288-1DE7ADE2F318}"/>
-              </a:ext>
-            </a:extLst>
-          </p:cNvPr>
-          <p:cNvSpPr>
-            <a:spLocks noGrp="1"/>
-          </p:cNvSpPr>
-          <p:nvPr>
-            <p:ph type="title"/>
-          </p:nvPr>
-        </p:nvSpPr>
-        <p:spPr/>
-        <p:txBody>
-          <a:bodyPr>
-            <a:normAutofit fontScale="90000"/>
-          </a:bodyPr>
-          <a:lstStyle/>
-          <a:p>
-            <a:endParaRPr lang="it-IT" dirty="0"/>
-          </a:p>
-        </p:txBody>
-      </p:sp>
-    </p:spTree>
-    <p:extLst>
-      <p:ext uri="{BB962C8B-B14F-4D97-AF65-F5344CB8AC3E}">
-        <p14:creationId xmlns:p14="http://schemas.microsoft.com/office/powerpoint/2010/main" val="3575452940"/>
-      </p:ext>
-    </p:extLst>
-  </p:cSld>
-  <p:clrMapOvr>
-    <a:masterClrMapping/>
-  </p:clrMapOvr>
-</p:sld>
-</file>
-
-<file path=ppt/slides/slide34.xml><?xml version="1.0" encoding="utf-8"?>
-<p:sld xmlns:a="http://schemas.openxmlformats.org/drawingml/2006/main" xmlns:r="http://schemas.openxmlformats.org/officeDocument/2006/relationships" xmlns:p="http://schemas.openxmlformats.org/presentationml/2006/main">
-  <p:cSld>
-    <p:spTree>
-      <p:nvGrpSpPr>
-        <p:cNvPr id="1" name=""/>
-        <p:cNvGrpSpPr/>
-        <p:nvPr/>
-      </p:nvGrpSpPr>
-      <p:grpSpPr>
-        <a:xfrm>
-          <a:off x="0" y="0"/>
-          <a:ext cx="0" cy="0"/>
-          <a:chOff x="0" y="0"/>
-          <a:chExt cx="0" cy="0"/>
-        </a:xfrm>
-      </p:grpSpPr>
-      <p:sp>
-        <p:nvSpPr>
           <p:cNvPr id="6" name="Segnaposto contenuto 5">
             <a:extLst>
               <a:ext uri="{FF2B5EF4-FFF2-40B4-BE49-F238E27FC236}">
@@ -29237,7 +27040,7 @@
 </p:sld>
 </file>
 
-<file path=ppt/slides/slide35.xml><?xml version="1.0" encoding="utf-8"?>
+<file path=ppt/slides/slide34.xml><?xml version="1.0" encoding="utf-8"?>
 <p:sld xmlns:a="http://schemas.openxmlformats.org/drawingml/2006/main" xmlns:r="http://schemas.openxmlformats.org/officeDocument/2006/relationships" xmlns:p="http://schemas.openxmlformats.org/presentationml/2006/main">
   <p:cSld>
     <p:spTree>
@@ -32715,7 +30518,9 @@
         </p:nvSpPr>
         <p:spPr/>
         <p:txBody>
-          <a:bodyPr/>
+          <a:bodyPr>
+            <a:normAutofit fontScale="92500" lnSpcReduction="10000"/>
+          </a:bodyPr>
           <a:lstStyle/>
           <a:p>
             <a:r>
@@ -32739,7 +30544,21 @@
             <a:pPr lvl="1"/>
             <a:r>
               <a:rPr lang="en-US" i="1" dirty="0"/>
-              <a:t>System messages</a:t>
+              <a:t>System messages (gives </a:t>
+            </a:r>
+            <a:br>
+              <a:rPr lang="en-US" i="1" dirty="0"/>
+            </a:br>
+            <a:r>
+              <a:rPr lang="en-US" i="1" dirty="0"/>
+              <a:t>personality and general </a:t>
+            </a:r>
+            <a:br>
+              <a:rPr lang="en-US" i="1" dirty="0"/>
+            </a:br>
+            <a:r>
+              <a:rPr lang="en-US" i="1" dirty="0"/>
+              <a:t>instructions to the chatbot)</a:t>
             </a:r>
           </a:p>
           <a:p>
@@ -33603,14 +31422,14 @@
           <a:p>
             <a:r>
               <a:rPr lang="en-US" dirty="0"/>
-              <a:t>Chat-completion api is stateless</a:t>
+              <a:t>Chat-completion api is stateless (but looks like news are coming about it)</a:t>
             </a:r>
           </a:p>
           <a:p>
             <a:pPr lvl="1"/>
             <a:r>
               <a:rPr lang="en-US" dirty="0"/>
-              <a:t>You need to provide as input the previous conversation </a:t>
+              <a:t>You need to provide as input the previous conversation history</a:t>
             </a:r>
           </a:p>
           <a:p>
@@ -34193,7 +32012,7 @@
             <a:pPr algn="ctr"/>
             <a:r>
               <a:rPr lang="en-US" dirty="0"/>
-              <a:t>1</a:t>
+              <a:t>H</a:t>
             </a:r>
           </a:p>
         </p:txBody>
@@ -34212,15 +32031,15 @@
         </p:nvSpPr>
         <p:spPr>
           <a:xfrm>
-            <a:off x="6186196" y="5404580"/>
+            <a:off x="4201279" y="5453909"/>
             <a:ext cx="2920482" cy="612648"/>
           </a:xfrm>
           <a:prstGeom prst="borderCallout1">
             <a:avLst>
               <a:gd name="adj1" fmla="val 18750"/>
               <a:gd name="adj2" fmla="val -8333"/>
-              <a:gd name="adj3" fmla="val -189053"/>
-              <a:gd name="adj4" fmla="val -42203"/>
+              <a:gd name="adj3" fmla="val -202401"/>
+              <a:gd name="adj4" fmla="val 14053"/>
             </a:avLst>
           </a:prstGeom>
           <a:noFill/>
@@ -34325,7 +32144,7 @@
         </p:nvSpPr>
         <p:spPr>
           <a:xfrm>
-            <a:off x="5181600" y="5449602"/>
+            <a:off x="3039855" y="5517292"/>
             <a:ext cx="914400" cy="612648"/>
           </a:xfrm>
           <a:prstGeom prst="flowChartMagneticDisk">
@@ -34438,6 +32257,139 @@
               <a:rPr lang="en-US" dirty="0"/>
               <a:t>DEMO 1</a:t>
             </a:r>
+          </a:p>
+        </p:txBody>
+      </p:sp>
+      <p:sp>
+        <p:nvSpPr>
+          <p:cNvPr id="2" name="Flowchart: Connector 1">
+            <a:extLst>
+              <a:ext uri="{FF2B5EF4-FFF2-40B4-BE49-F238E27FC236}">
+                <a16:creationId xmlns:a16="http://schemas.microsoft.com/office/drawing/2014/main" id="{8987E885-F40C-54FA-688A-3067DA980519}"/>
+              </a:ext>
+            </a:extLst>
+          </p:cNvPr>
+          <p:cNvSpPr/>
+          <p:nvPr/>
+        </p:nvSpPr>
+        <p:spPr>
+          <a:xfrm>
+            <a:off x="8113252" y="3562830"/>
+            <a:ext cx="662474" cy="625151"/>
+          </a:xfrm>
+          <a:prstGeom prst="flowChartConnector">
+            <a:avLst/>
+          </a:prstGeom>
+          <a:solidFill>
+            <a:schemeClr val="accent2">
+              <a:lumMod val="75000"/>
+            </a:schemeClr>
+          </a:solidFill>
+        </p:spPr>
+        <p:style>
+          <a:lnRef idx="2">
+            <a:schemeClr val="accent4">
+              <a:shade val="15000"/>
+            </a:schemeClr>
+          </a:lnRef>
+          <a:fillRef idx="1">
+            <a:schemeClr val="accent4"/>
+          </a:fillRef>
+          <a:effectRef idx="0">
+            <a:schemeClr val="accent4"/>
+          </a:effectRef>
+          <a:fontRef idx="minor">
+            <a:schemeClr val="lt1"/>
+          </a:fontRef>
+        </p:style>
+        <p:txBody>
+          <a:bodyPr rtlCol="0" anchor="ctr"/>
+          <a:lstStyle/>
+          <a:p>
+            <a:pPr algn="ctr"/>
+            <a:r>
+              <a:rPr lang="en-US" dirty="0"/>
+              <a:t>S</a:t>
+            </a:r>
+          </a:p>
+        </p:txBody>
+      </p:sp>
+      <p:sp>
+        <p:nvSpPr>
+          <p:cNvPr id="13" name="Callout: Line 12">
+            <a:extLst>
+              <a:ext uri="{FF2B5EF4-FFF2-40B4-BE49-F238E27FC236}">
+                <a16:creationId xmlns:a16="http://schemas.microsoft.com/office/drawing/2014/main" id="{AF76C457-178C-6B64-8C82-B09206EA64C2}"/>
+              </a:ext>
+            </a:extLst>
+          </p:cNvPr>
+          <p:cNvSpPr/>
+          <p:nvPr/>
+        </p:nvSpPr>
+        <p:spPr>
+          <a:xfrm>
+            <a:off x="7315485" y="5334965"/>
+            <a:ext cx="2920482" cy="612648"/>
+          </a:xfrm>
+          <a:prstGeom prst="borderCallout1">
+            <a:avLst>
+              <a:gd name="adj1" fmla="val -839"/>
+              <a:gd name="adj2" fmla="val 41582"/>
+              <a:gd name="adj3" fmla="val -174419"/>
+              <a:gd name="adj4" fmla="val 37607"/>
+            </a:avLst>
+          </a:prstGeom>
+          <a:noFill/>
+        </p:spPr>
+        <p:style>
+          <a:lnRef idx="2">
+            <a:schemeClr val="accent1">
+              <a:shade val="15000"/>
+            </a:schemeClr>
+          </a:lnRef>
+          <a:fillRef idx="1">
+            <a:schemeClr val="accent1"/>
+          </a:fillRef>
+          <a:effectRef idx="0">
+            <a:schemeClr val="accent1"/>
+          </a:effectRef>
+          <a:fontRef idx="minor">
+            <a:schemeClr val="lt1"/>
+          </a:fontRef>
+        </p:style>
+        <p:txBody>
+          <a:bodyPr rtlCol="0" anchor="ctr"/>
+          <a:lstStyle/>
+          <a:p>
+            <a:pPr algn="ctr"/>
+            <a:r>
+              <a:rPr lang="en-US" sz="1200" b="1" i="1" dirty="0">
+                <a:solidFill>
+                  <a:schemeClr val="tx1"/>
+                </a:solidFill>
+              </a:rPr>
+              <a:t>System message provider  </a:t>
+            </a:r>
+            <a:r>
+              <a:rPr lang="en-US" sz="1200" dirty="0">
+                <a:solidFill>
+                  <a:schemeClr val="tx1"/>
+                </a:solidFill>
+              </a:rPr>
+              <a:t>middleware</a:t>
+            </a:r>
+            <a:br>
+              <a:rPr lang="en-US" sz="1200" dirty="0">
+                <a:solidFill>
+                  <a:schemeClr val="tx1"/>
+                </a:solidFill>
+              </a:rPr>
+            </a:br>
+            <a:endParaRPr lang="en-US" sz="1200" dirty="0">
+              <a:solidFill>
+                <a:schemeClr val="tx1"/>
+              </a:solidFill>
+            </a:endParaRPr>
           </a:p>
         </p:txBody>
       </p:sp>
